--- a/powerpoint/06_流程控制.pptx
+++ b/powerpoint/06_流程控制.pptx
@@ -7986,6 +7986,19 @@
               <a:rPr lang="zh-TW" altLang="en-US"/>
               <a:t>流程控制</a:t>
             </a:r>
+            <a:r>
+              <a:rPr lang="en-US" altLang="zh-TW"/>
+              <a:t>(Flow</a:t>
+            </a:r>
+            <a:r>
+              <a:rPr lang="zh-TW" altLang="en-US"/>
+              <a:t> </a:t>
+            </a:r>
+            <a:r>
+              <a:rPr lang="en-US" altLang="zh-TW"/>
+              <a:t>Control)</a:t>
+            </a:r>
+            <a:endParaRPr lang="zh-TW" altLang="en-US"/>
           </a:p>
         </p:txBody>
       </p:sp>
@@ -8005,21 +8018,19 @@
             <p:ph idx="1"/>
           </p:nvPr>
         </p:nvSpPr>
-        <p:spPr/>
+        <p:spPr>
+          <a:xfrm>
+            <a:off x="838200" y="2892425"/>
+            <a:ext cx="10515600" cy="1603375"/>
+          </a:xfrm>
+        </p:spPr>
         <p:txBody>
           <a:bodyPr/>
           <a:lstStyle/>
           <a:p>
             <a:r>
               <a:rPr lang="zh-TW" altLang="en-US"/>
-              <a:t>顧名思義</a:t>
-            </a:r>
-            <a:endParaRPr lang="en-US" altLang="zh-TW"/>
-          </a:p>
-          <a:p>
-            <a:r>
-              <a:rPr lang="zh-TW" altLang="en-US"/>
-              <a:t>就是控制程式執行的流程、順序</a:t>
+              <a:t>流程控制，顧名思義，就是控制程式執行的流程、順序</a:t>
             </a:r>
             <a:endParaRPr lang="en-US" altLang="zh-TW"/>
           </a:p>
@@ -8034,20 +8045,17 @@
             </a:r>
             <a:r>
               <a:rPr lang="zh-TW" altLang="en-US"/>
-              <a:t> 中</a:t>
+              <a:t> 中，能控制流程的有：</a:t>
             </a:r>
             <a:endParaRPr lang="en-US" altLang="zh-TW"/>
           </a:p>
           <a:p>
             <a:r>
-              <a:rPr lang="zh-TW" altLang="en-US"/>
-              <a:t>能控制流程的有：</a:t>
-            </a:r>
-            <a:endParaRPr lang="en-US" altLang="zh-TW"/>
-          </a:p>
-          <a:p>
-            <a:r>
-              <a:rPr lang="en-US" altLang="zh-TW"/>
+              <a:rPr lang="en-US" altLang="zh-TW">
+                <a:solidFill>
+                  <a:srgbClr val="C68869"/>
+                </a:solidFill>
+              </a:rPr>
               <a:t>if-else</a:t>
             </a:r>
             <a:r>
@@ -8055,13 +8063,23 @@
               <a:t>、</a:t>
             </a:r>
             <a:r>
-              <a:rPr lang="en-US" altLang="zh-TW"/>
+              <a:rPr lang="en-US" altLang="zh-TW">
+                <a:solidFill>
+                  <a:srgbClr val="C68869"/>
+                </a:solidFill>
+              </a:rPr>
               <a:t>switch</a:t>
             </a:r>
-          </a:p>
-          <a:p>
-            <a:r>
-              <a:rPr lang="en-US" altLang="zh-TW"/>
+            <a:r>
+              <a:rPr lang="zh-TW" altLang="en-US"/>
+              <a:t>、</a:t>
+            </a:r>
+            <a:r>
+              <a:rPr lang="en-US" altLang="zh-TW">
+                <a:solidFill>
+                  <a:srgbClr val="C68869"/>
+                </a:solidFill>
+              </a:rPr>
               <a:t>for</a:t>
             </a:r>
             <a:r>
@@ -8069,13 +8087,23 @@
               <a:t>、</a:t>
             </a:r>
             <a:r>
-              <a:rPr lang="en-US" altLang="zh-TW"/>
+              <a:rPr lang="en-US" altLang="zh-TW">
+                <a:solidFill>
+                  <a:srgbClr val="C68869"/>
+                </a:solidFill>
+              </a:rPr>
               <a:t>while</a:t>
             </a:r>
-          </a:p>
-          <a:p>
-            <a:r>
-              <a:rPr lang="en-US" altLang="zh-TW"/>
+            <a:r>
+              <a:rPr lang="zh-TW" altLang="en-US"/>
+              <a:t>、</a:t>
+            </a:r>
+            <a:r>
+              <a:rPr lang="en-US" altLang="zh-TW">
+                <a:solidFill>
+                  <a:srgbClr val="C68869"/>
+                </a:solidFill>
+              </a:rPr>
               <a:t>continue</a:t>
             </a:r>
             <a:r>
@@ -8083,7 +8111,11 @@
               <a:t>、</a:t>
             </a:r>
             <a:r>
-              <a:rPr lang="en-US" altLang="zh-TW"/>
+              <a:rPr lang="en-US" altLang="zh-TW">
+                <a:solidFill>
+                  <a:srgbClr val="C68869"/>
+                </a:solidFill>
+              </a:rPr>
               <a:t>break</a:t>
             </a:r>
           </a:p>
@@ -8167,7 +8199,12 @@
             <p:ph idx="1"/>
           </p:nvPr>
         </p:nvSpPr>
-        <p:spPr/>
+        <p:spPr>
+          <a:xfrm>
+            <a:off x="838200" y="1825625"/>
+            <a:ext cx="10515600" cy="586018"/>
+          </a:xfrm>
+        </p:spPr>
         <p:txBody>
           <a:bodyPr/>
           <a:lstStyle/>
@@ -8181,6 +8218,307 @@
               <a:t>是用來處理在特定情況下才執行的程式碼</a:t>
             </a:r>
             <a:endParaRPr lang="en-US" altLang="zh-TW"/>
+          </a:p>
+        </p:txBody>
+      </p:sp>
+      <p:sp>
+        <p:nvSpPr>
+          <p:cNvPr id="2" name="Rectangle 1">
+            <a:extLst>
+              <a:ext uri="{FF2B5EF4-FFF2-40B4-BE49-F238E27FC236}">
+                <a16:creationId xmlns:a16="http://schemas.microsoft.com/office/drawing/2014/main" id="{C077A1BF-5E07-4DE7-B84C-FE9569813F7E}"/>
+              </a:ext>
+            </a:extLst>
+          </p:cNvPr>
+          <p:cNvSpPr>
+            <a:spLocks noChangeArrowheads="1"/>
+          </p:cNvSpPr>
+          <p:nvPr/>
+        </p:nvSpPr>
+        <p:spPr bwMode="auto">
+          <a:xfrm>
+            <a:off x="838200" y="2411643"/>
+            <a:ext cx="10515600" cy="1200329"/>
+          </a:xfrm>
+          <a:prstGeom prst="rect">
+            <a:avLst/>
+          </a:prstGeom>
+          <a:solidFill>
+            <a:srgbClr val="1E1F22"/>
+          </a:solidFill>
+          <a:ln>
+            <a:noFill/>
+          </a:ln>
+          <a:effectLst/>
+          <a:extLst>
+            <a:ext uri="{91240B29-F687-4F45-9708-019B960494DF}">
+              <a14:hiddenLine xmlns:a14="http://schemas.microsoft.com/office/drawing/2010/main" w="9525">
+                <a:solidFill>
+                  <a:schemeClr val="tx1"/>
+                </a:solidFill>
+                <a:miter lim="800000"/>
+                <a:headEnd/>
+                <a:tailEnd/>
+              </a14:hiddenLine>
+            </a:ext>
+            <a:ext uri="{AF507438-7753-43E0-B8FC-AC1667EBCBE1}">
+              <a14:hiddenEffects xmlns:a14="http://schemas.microsoft.com/office/drawing/2010/main">
+                <a:effectLst>
+                  <a:outerShdw dist="35921" dir="2700000" algn="ctr" rotWithShape="0">
+                    <a:schemeClr val="bg2"/>
+                  </a:outerShdw>
+                </a:effectLst>
+              </a14:hiddenEffects>
+            </a:ext>
+          </a:extLst>
+        </p:spPr>
+        <p:txBody>
+          <a:bodyPr vert="horz" wrap="square" lIns="91440" tIns="45720" rIns="91440" bIns="45720" numCol="1" anchor="ctr" anchorCtr="0" compatLnSpc="1">
+            <a:prstTxWarp prst="textNoShape">
+              <a:avLst/>
+            </a:prstTxWarp>
+            <a:spAutoFit/>
+          </a:bodyPr>
+          <a:lstStyle/>
+          <a:p>
+            <a:pPr marL="0" marR="0" lvl="0" indent="0" algn="l" defTabSz="914400" rtl="0" eaLnBrk="0" fontAlgn="base" latinLnBrk="0" hangingPunct="0">
+              <a:lnSpc>
+                <a:spcPct val="100000"/>
+              </a:lnSpc>
+              <a:spcBef>
+                <a:spcPct val="0"/>
+              </a:spcBef>
+              <a:spcAft>
+                <a:spcPct val="0"/>
+              </a:spcAft>
+              <a:buClrTx/>
+              <a:buSzTx/>
+              <a:buFontTx/>
+              <a:buNone/>
+              <a:tabLst/>
+            </a:pPr>
+            <a:r>
+              <a:rPr kumimoji="0" lang="zh-TW" altLang="zh-TW" sz="2400" b="0" i="0" u="none" strike="noStrike" cap="none" normalizeH="0" baseline="0">
+                <a:ln>
+                  <a:noFill/>
+                </a:ln>
+                <a:solidFill>
+                  <a:srgbClr val="CF8E6D"/>
+                </a:solidFill>
+                <a:effectLst/>
+                <a:latin typeface="+mj-lt"/>
+                <a:cs typeface="JetBrains Mono" panose="02000009000000000000" pitchFamily="49" charset="0"/>
+              </a:rPr>
+              <a:t>if </a:t>
+            </a:r>
+            <a:r>
+              <a:rPr kumimoji="0" lang="zh-TW" altLang="zh-TW" sz="2400" b="0" i="0" u="none" strike="noStrike" cap="none" normalizeH="0" baseline="0">
+                <a:ln>
+                  <a:noFill/>
+                </a:ln>
+                <a:solidFill>
+                  <a:srgbClr val="BCBEC4"/>
+                </a:solidFill>
+                <a:effectLst/>
+                <a:latin typeface="+mj-lt"/>
+                <a:cs typeface="JetBrains Mono" panose="02000009000000000000" pitchFamily="49" charset="0"/>
+              </a:rPr>
+              <a:t>(</a:t>
+            </a:r>
+            <a:r>
+              <a:rPr kumimoji="0" lang="zh-TW" altLang="zh-TW" sz="2400" b="0" i="0" u="none" strike="noStrike" cap="none" normalizeH="0" baseline="0">
+                <a:ln>
+                  <a:noFill/>
+                </a:ln>
+                <a:solidFill>
+                  <a:srgbClr val="00B0F0"/>
+                </a:solidFill>
+                <a:effectLst/>
+                <a:latin typeface="+mj-lt"/>
+                <a:cs typeface="JetBrains Mono" panose="02000009000000000000" pitchFamily="49" charset="0"/>
+              </a:rPr>
+              <a:t>boolean(</a:t>
+            </a:r>
+            <a:r>
+              <a:rPr kumimoji="0" lang="zh-TW" altLang="zh-TW" sz="2400" b="0" i="0" u="none" strike="noStrike" cap="none" normalizeH="0" baseline="0">
+                <a:ln>
+                  <a:noFill/>
+                </a:ln>
+                <a:solidFill>
+                  <a:srgbClr val="00B0F0"/>
+                </a:solidFill>
+                <a:effectLst/>
+                <a:latin typeface="+mj-lt"/>
+                <a:ea typeface="微軟正黑體" panose="020B0604030504040204" pitchFamily="34" charset="-120"/>
+                <a:cs typeface="JetBrains Mono" panose="02000009000000000000" pitchFamily="49" charset="0"/>
+              </a:rPr>
+              <a:t>條件</a:t>
+            </a:r>
+            <a:r>
+              <a:rPr kumimoji="0" lang="zh-TW" altLang="zh-TW" sz="2400" b="0" i="0" u="none" strike="noStrike" cap="none" normalizeH="0" baseline="0">
+                <a:ln>
+                  <a:noFill/>
+                </a:ln>
+                <a:solidFill>
+                  <a:srgbClr val="00B0F0"/>
+                </a:solidFill>
+                <a:effectLst/>
+                <a:latin typeface="+mj-lt"/>
+                <a:cs typeface="JetBrains Mono" panose="02000009000000000000" pitchFamily="49" charset="0"/>
+              </a:rPr>
+              <a:t>)</a:t>
+            </a:r>
+            <a:r>
+              <a:rPr kumimoji="0" lang="zh-TW" altLang="zh-TW" sz="2400" b="0" i="0" u="none" strike="noStrike" cap="none" normalizeH="0" baseline="0">
+                <a:ln>
+                  <a:noFill/>
+                </a:ln>
+                <a:solidFill>
+                  <a:srgbClr val="BCBEC4"/>
+                </a:solidFill>
+                <a:effectLst/>
+                <a:latin typeface="+mj-lt"/>
+                <a:cs typeface="JetBrains Mono" panose="02000009000000000000" pitchFamily="49" charset="0"/>
+              </a:rPr>
+              <a:t>) {</a:t>
+            </a:r>
+            <a:br>
+              <a:rPr kumimoji="0" lang="zh-TW" altLang="zh-TW" sz="2400" b="0" i="0" u="none" strike="noStrike" cap="none" normalizeH="0" baseline="0">
+                <a:ln>
+                  <a:noFill/>
+                </a:ln>
+                <a:solidFill>
+                  <a:srgbClr val="BCBEC4"/>
+                </a:solidFill>
+                <a:effectLst/>
+                <a:latin typeface="+mj-lt"/>
+                <a:cs typeface="JetBrains Mono" panose="02000009000000000000" pitchFamily="49" charset="0"/>
+              </a:rPr>
+            </a:br>
+            <a:r>
+              <a:rPr kumimoji="0" lang="zh-TW" altLang="zh-TW" sz="2400" b="0" i="0" u="none" strike="noStrike" cap="none" normalizeH="0" baseline="0">
+                <a:ln>
+                  <a:noFill/>
+                </a:ln>
+                <a:solidFill>
+                  <a:srgbClr val="BCBEC4"/>
+                </a:solidFill>
+                <a:effectLst/>
+                <a:latin typeface="+mj-lt"/>
+                <a:cs typeface="JetBrains Mono" panose="02000009000000000000" pitchFamily="49" charset="0"/>
+              </a:rPr>
+              <a:t>    </a:t>
+            </a:r>
+            <a:r>
+              <a:rPr kumimoji="0" lang="zh-TW" altLang="zh-TW" sz="2400" b="0" i="0" u="none" strike="noStrike" cap="none" normalizeH="0" baseline="0">
+                <a:ln>
+                  <a:noFill/>
+                </a:ln>
+                <a:solidFill>
+                  <a:srgbClr val="00B0F0"/>
+                </a:solidFill>
+                <a:effectLst/>
+                <a:latin typeface="+mj-lt"/>
+                <a:ea typeface="微軟正黑體" panose="020B0604030504040204" pitchFamily="34" charset="-120"/>
+                <a:cs typeface="JetBrains Mono" panose="02000009000000000000" pitchFamily="49" charset="0"/>
+              </a:rPr>
+              <a:t>陳述式</a:t>
+            </a:r>
+            <a:r>
+              <a:rPr kumimoji="0" lang="zh-TW" altLang="zh-TW" sz="2400" b="0" i="0" u="none" strike="noStrike" cap="none" normalizeH="0" baseline="0">
+                <a:ln>
+                  <a:noFill/>
+                </a:ln>
+                <a:solidFill>
+                  <a:srgbClr val="00B0F0"/>
+                </a:solidFill>
+                <a:effectLst/>
+                <a:latin typeface="+mj-lt"/>
+                <a:cs typeface="JetBrains Mono" panose="02000009000000000000" pitchFamily="49" charset="0"/>
+              </a:rPr>
+              <a:t>...</a:t>
+            </a:r>
+            <a:br>
+              <a:rPr kumimoji="0" lang="zh-TW" altLang="zh-TW" sz="2400" b="0" i="0" u="none" strike="noStrike" cap="none" normalizeH="0" baseline="0">
+                <a:ln>
+                  <a:noFill/>
+                </a:ln>
+                <a:solidFill>
+                  <a:srgbClr val="BCBEC4"/>
+                </a:solidFill>
+                <a:effectLst/>
+                <a:latin typeface="+mj-lt"/>
+                <a:cs typeface="JetBrains Mono" panose="02000009000000000000" pitchFamily="49" charset="0"/>
+              </a:rPr>
+            </a:br>
+            <a:r>
+              <a:rPr kumimoji="0" lang="zh-TW" altLang="zh-TW" sz="2400" b="0" i="0" u="none" strike="noStrike" cap="none" normalizeH="0" baseline="0">
+                <a:ln>
+                  <a:noFill/>
+                </a:ln>
+                <a:solidFill>
+                  <a:srgbClr val="BCBEC4"/>
+                </a:solidFill>
+                <a:effectLst/>
+                <a:latin typeface="+mj-lt"/>
+                <a:cs typeface="JetBrains Mono" panose="02000009000000000000" pitchFamily="49" charset="0"/>
+              </a:rPr>
+              <a:t>}</a:t>
+            </a:r>
+            <a:endParaRPr kumimoji="0" lang="zh-TW" altLang="zh-TW" sz="4000" b="0" i="0" u="none" strike="noStrike" cap="none" normalizeH="0" baseline="0">
+              <a:ln>
+                <a:noFill/>
+              </a:ln>
+              <a:solidFill>
+                <a:schemeClr val="tx1"/>
+              </a:solidFill>
+              <a:effectLst/>
+              <a:latin typeface="+mj-lt"/>
+            </a:endParaRPr>
+          </a:p>
+        </p:txBody>
+      </p:sp>
+      <p:sp>
+        <p:nvSpPr>
+          <p:cNvPr id="3" name="文字方塊 2">
+            <a:extLst>
+              <a:ext uri="{FF2B5EF4-FFF2-40B4-BE49-F238E27FC236}">
+                <a16:creationId xmlns:a16="http://schemas.microsoft.com/office/drawing/2014/main" id="{965BAAED-C60E-4C78-9E7E-94A982989BF5}"/>
+              </a:ext>
+            </a:extLst>
+          </p:cNvPr>
+          <p:cNvSpPr txBox="1"/>
+          <p:nvPr/>
+        </p:nvSpPr>
+        <p:spPr>
+          <a:xfrm>
+            <a:off x="10662585" y="3242640"/>
+            <a:ext cx="691215" cy="369332"/>
+          </a:xfrm>
+          <a:prstGeom prst="rect">
+            <a:avLst/>
+          </a:prstGeom>
+          <a:noFill/>
+        </p:spPr>
+        <p:txBody>
+          <a:bodyPr wrap="none" rtlCol="0">
+            <a:spAutoFit/>
+          </a:bodyPr>
+          <a:lstStyle/>
+          <a:p>
+            <a:r>
+              <a:rPr lang="en-US" altLang="zh-TW">
+                <a:solidFill>
+                  <a:schemeClr val="accent3"/>
+                </a:solidFill>
+              </a:rPr>
+              <a:t>java</a:t>
+            </a:r>
+            <a:endParaRPr lang="zh-TW" altLang="en-US">
+              <a:solidFill>
+                <a:schemeClr val="accent3"/>
+              </a:solidFill>
+            </a:endParaRPr>
           </a:p>
         </p:txBody>
       </p:sp>

--- a/powerpoint/06_流程控制.pptx
+++ b/powerpoint/06_流程控制.pptx
@@ -8,6 +8,7 @@
     <p:sldId id="256" r:id="rId2"/>
     <p:sldId id="257" r:id="rId3"/>
     <p:sldId id="258" r:id="rId4"/>
+    <p:sldId id="259" r:id="rId5"/>
   </p:sldIdLst>
   <p:sldSz cx="12192000" cy="6858000"/>
   <p:notesSz cx="6858000" cy="9144000"/>
@@ -8056,7 +8057,7 @@
                   <a:srgbClr val="C68869"/>
                 </a:solidFill>
               </a:rPr>
-              <a:t>if-else</a:t>
+              <a:t>if...else</a:t>
             </a:r>
             <a:r>
               <a:rPr lang="zh-TW" altLang="en-US"/>
@@ -8177,7 +8178,7 @@
           <a:p>
             <a:r>
               <a:rPr lang="en-US" altLang="zh-TW"/>
-              <a:t>if-else</a:t>
+              <a:t>if...else</a:t>
             </a:r>
             <a:endParaRPr lang="zh-TW" altLang="en-US"/>
           </a:p>
@@ -8201,7 +8202,7 @@
         </p:nvSpPr>
         <p:spPr>
           <a:xfrm>
-            <a:off x="838200" y="1825625"/>
+            <a:off x="838200" y="1511860"/>
             <a:ext cx="10515600" cy="586018"/>
           </a:xfrm>
         </p:spPr>
@@ -8210,8 +8211,16 @@
           <a:lstStyle/>
           <a:p>
             <a:r>
+              <a:rPr lang="en-US" altLang="zh-TW">
+                <a:solidFill>
+                  <a:srgbClr val="CF8E6D"/>
+                </a:solidFill>
+              </a:rPr>
+              <a:t>if...else</a:t>
+            </a:r>
+            <a:r>
               <a:rPr lang="en-US" altLang="zh-TW"/>
-              <a:t>if-else </a:t>
+              <a:t> </a:t>
             </a:r>
             <a:r>
               <a:rPr lang="zh-TW" altLang="en-US"/>
@@ -8221,302 +8230,744 @@
           </a:p>
         </p:txBody>
       </p:sp>
-      <p:sp>
-        <p:nvSpPr>
-          <p:cNvPr id="2" name="Rectangle 1">
+      <p:grpSp>
+        <p:nvGrpSpPr>
+          <p:cNvPr id="14" name="群組 13">
             <a:extLst>
               <a:ext uri="{FF2B5EF4-FFF2-40B4-BE49-F238E27FC236}">
-                <a16:creationId xmlns:a16="http://schemas.microsoft.com/office/drawing/2014/main" id="{C077A1BF-5E07-4DE7-B84C-FE9569813F7E}"/>
+                <a16:creationId xmlns:a16="http://schemas.microsoft.com/office/drawing/2014/main" id="{91E3E378-14EB-461F-8898-F3953FF481DA}"/>
               </a:ext>
             </a:extLst>
           </p:cNvPr>
-          <p:cNvSpPr>
-            <a:spLocks noChangeArrowheads="1"/>
+          <p:cNvGrpSpPr/>
+          <p:nvPr/>
+        </p:nvGrpSpPr>
+        <p:grpSpPr>
+          <a:xfrm>
+            <a:off x="838200" y="2022132"/>
+            <a:ext cx="10515600" cy="1938992"/>
+            <a:chOff x="838200" y="2273144"/>
+            <a:chExt cx="10515600" cy="1938992"/>
+          </a:xfrm>
+        </p:grpSpPr>
+        <p:sp>
+          <p:nvSpPr>
+            <p:cNvPr id="2" name="Rectangle 1">
+              <a:extLst>
+                <a:ext uri="{FF2B5EF4-FFF2-40B4-BE49-F238E27FC236}">
+                  <a16:creationId xmlns:a16="http://schemas.microsoft.com/office/drawing/2014/main" id="{C077A1BF-5E07-4DE7-B84C-FE9569813F7E}"/>
+                </a:ext>
+              </a:extLst>
+            </p:cNvPr>
+            <p:cNvSpPr>
+              <a:spLocks noChangeArrowheads="1"/>
+            </p:cNvSpPr>
+            <p:nvPr/>
+          </p:nvSpPr>
+          <p:spPr bwMode="auto">
+            <a:xfrm>
+              <a:off x="838200" y="2273144"/>
+              <a:ext cx="10515600" cy="1938992"/>
+            </a:xfrm>
+            <a:prstGeom prst="rect">
+              <a:avLst/>
+            </a:prstGeom>
+            <a:solidFill>
+              <a:srgbClr val="1E1F22"/>
+            </a:solidFill>
+            <a:ln>
+              <a:noFill/>
+            </a:ln>
+            <a:effectLst/>
+            <a:extLst>
+              <a:ext uri="{91240B29-F687-4F45-9708-019B960494DF}">
+                <a14:hiddenLine xmlns:a14="http://schemas.microsoft.com/office/drawing/2010/main" w="9525">
+                  <a:solidFill>
+                    <a:schemeClr val="tx1"/>
+                  </a:solidFill>
+                  <a:miter lim="800000"/>
+                  <a:headEnd/>
+                  <a:tailEnd/>
+                </a14:hiddenLine>
+              </a:ext>
+              <a:ext uri="{AF507438-7753-43E0-B8FC-AC1667EBCBE1}">
+                <a14:hiddenEffects xmlns:a14="http://schemas.microsoft.com/office/drawing/2010/main">
+                  <a:effectLst>
+                    <a:outerShdw dist="35921" dir="2700000" algn="ctr" rotWithShape="0">
+                      <a:schemeClr val="bg2"/>
+                    </a:outerShdw>
+                  </a:effectLst>
+                </a14:hiddenEffects>
+              </a:ext>
+            </a:extLst>
+          </p:spPr>
+          <p:txBody>
+            <a:bodyPr vert="horz" wrap="square" lIns="91440" tIns="45720" rIns="91440" bIns="45720" numCol="1" anchor="ctr" anchorCtr="0" compatLnSpc="1">
+              <a:prstTxWarp prst="textNoShape">
+                <a:avLst/>
+              </a:prstTxWarp>
+              <a:spAutoFit/>
+            </a:bodyPr>
+            <a:lstStyle/>
+            <a:p>
+              <a:pPr eaLnBrk="0" fontAlgn="base" hangingPunct="0">
+                <a:spcBef>
+                  <a:spcPct val="0"/>
+                </a:spcBef>
+                <a:spcAft>
+                  <a:spcPct val="0"/>
+                </a:spcAft>
+              </a:pPr>
+              <a:r>
+                <a:rPr kumimoji="0" lang="zh-TW" altLang="zh-TW" sz="2400" b="0" i="0" u="none" strike="noStrike" cap="none" normalizeH="0" baseline="0">
+                  <a:ln>
+                    <a:noFill/>
+                  </a:ln>
+                  <a:solidFill>
+                    <a:srgbClr val="CF8E6D"/>
+                  </a:solidFill>
+                  <a:effectLst/>
+                  <a:latin typeface="+mj-lt"/>
+                  <a:cs typeface="JetBrains Mono" panose="02000009000000000000" pitchFamily="49" charset="0"/>
+                </a:rPr>
+                <a:t>if </a:t>
+              </a:r>
+              <a:r>
+                <a:rPr kumimoji="0" lang="zh-TW" altLang="zh-TW" sz="2400" b="0" i="0" u="none" strike="noStrike" cap="none" normalizeH="0" baseline="0">
+                  <a:ln>
+                    <a:noFill/>
+                  </a:ln>
+                  <a:solidFill>
+                    <a:srgbClr val="BCBEC4"/>
+                  </a:solidFill>
+                  <a:effectLst/>
+                  <a:latin typeface="+mj-lt"/>
+                  <a:cs typeface="JetBrains Mono" panose="02000009000000000000" pitchFamily="49" charset="0"/>
+                </a:rPr>
+                <a:t>(</a:t>
+              </a:r>
+              <a:r>
+                <a:rPr kumimoji="0" lang="zh-TW" altLang="zh-TW" sz="2400" b="0" i="0" u="none" strike="noStrike" cap="none" normalizeH="0" baseline="0">
+                  <a:ln>
+                    <a:noFill/>
+                  </a:ln>
+                  <a:solidFill>
+                    <a:srgbClr val="00B0F0"/>
+                  </a:solidFill>
+                  <a:effectLst/>
+                  <a:latin typeface="+mj-lt"/>
+                  <a:cs typeface="JetBrains Mono" panose="02000009000000000000" pitchFamily="49" charset="0"/>
+                </a:rPr>
+                <a:t>boolean(</a:t>
+              </a:r>
+              <a:r>
+                <a:rPr kumimoji="0" lang="zh-TW" altLang="zh-TW" sz="2400" b="0" i="0" u="none" strike="noStrike" cap="none" normalizeH="0" baseline="0">
+                  <a:ln>
+                    <a:noFill/>
+                  </a:ln>
+                  <a:solidFill>
+                    <a:srgbClr val="00B0F0"/>
+                  </a:solidFill>
+                  <a:effectLst/>
+                  <a:latin typeface="+mj-lt"/>
+                  <a:ea typeface="微軟正黑體" panose="020B0604030504040204" pitchFamily="34" charset="-120"/>
+                  <a:cs typeface="JetBrains Mono" panose="02000009000000000000" pitchFamily="49" charset="0"/>
+                </a:rPr>
+                <a:t>條件</a:t>
+              </a:r>
+              <a:r>
+                <a:rPr kumimoji="0" lang="zh-TW" altLang="zh-TW" sz="2400" b="0" i="0" u="none" strike="noStrike" cap="none" normalizeH="0" baseline="0">
+                  <a:ln>
+                    <a:noFill/>
+                  </a:ln>
+                  <a:solidFill>
+                    <a:srgbClr val="00B0F0"/>
+                  </a:solidFill>
+                  <a:effectLst/>
+                  <a:latin typeface="+mj-lt"/>
+                  <a:cs typeface="JetBrains Mono" panose="02000009000000000000" pitchFamily="49" charset="0"/>
+                </a:rPr>
+                <a:t>)</a:t>
+              </a:r>
+              <a:r>
+                <a:rPr kumimoji="0" lang="zh-TW" altLang="zh-TW" sz="2400" b="0" i="0" u="none" strike="noStrike" cap="none" normalizeH="0" baseline="0">
+                  <a:ln>
+                    <a:noFill/>
+                  </a:ln>
+                  <a:solidFill>
+                    <a:srgbClr val="BCBEC4"/>
+                  </a:solidFill>
+                  <a:effectLst/>
+                  <a:latin typeface="+mj-lt"/>
+                  <a:cs typeface="JetBrains Mono" panose="02000009000000000000" pitchFamily="49" charset="0"/>
+                </a:rPr>
+                <a:t>) {</a:t>
+              </a:r>
+              <a:br>
+                <a:rPr kumimoji="0" lang="zh-TW" altLang="zh-TW" sz="2400" b="0" i="0" u="none" strike="noStrike" cap="none" normalizeH="0" baseline="0">
+                  <a:ln>
+                    <a:noFill/>
+                  </a:ln>
+                  <a:solidFill>
+                    <a:srgbClr val="BCBEC4"/>
+                  </a:solidFill>
+                  <a:effectLst/>
+                  <a:latin typeface="+mj-lt"/>
+                  <a:cs typeface="JetBrains Mono" panose="02000009000000000000" pitchFamily="49" charset="0"/>
+                </a:rPr>
+              </a:br>
+              <a:r>
+                <a:rPr kumimoji="0" lang="zh-TW" altLang="zh-TW" sz="2400" b="0" i="0" u="none" strike="noStrike" cap="none" normalizeH="0" baseline="0">
+                  <a:ln>
+                    <a:noFill/>
+                  </a:ln>
+                  <a:solidFill>
+                    <a:srgbClr val="BCBEC4"/>
+                  </a:solidFill>
+                  <a:effectLst/>
+                  <a:latin typeface="+mj-lt"/>
+                  <a:cs typeface="JetBrains Mono" panose="02000009000000000000" pitchFamily="49" charset="0"/>
+                </a:rPr>
+                <a:t>    </a:t>
+              </a:r>
+              <a:r>
+                <a:rPr kumimoji="0" lang="zh-TW" altLang="zh-TW" sz="2400" b="0" i="0" u="none" strike="noStrike" cap="none" normalizeH="0" baseline="0">
+                  <a:ln>
+                    <a:noFill/>
+                  </a:ln>
+                  <a:solidFill>
+                    <a:srgbClr val="00B0F0"/>
+                  </a:solidFill>
+                  <a:effectLst/>
+                  <a:latin typeface="+mj-lt"/>
+                  <a:ea typeface="微軟正黑體" panose="020B0604030504040204" pitchFamily="34" charset="-120"/>
+                  <a:cs typeface="JetBrains Mono" panose="02000009000000000000" pitchFamily="49" charset="0"/>
+                </a:rPr>
+                <a:t>陳述式</a:t>
+              </a:r>
+              <a:r>
+                <a:rPr kumimoji="0" lang="zh-TW" altLang="zh-TW" sz="2400" b="0" i="0" u="none" strike="noStrike" cap="none" normalizeH="0" baseline="0">
+                  <a:ln>
+                    <a:noFill/>
+                  </a:ln>
+                  <a:solidFill>
+                    <a:srgbClr val="00B0F0"/>
+                  </a:solidFill>
+                  <a:effectLst/>
+                  <a:latin typeface="+mj-lt"/>
+                  <a:cs typeface="JetBrains Mono" panose="02000009000000000000" pitchFamily="49" charset="0"/>
+                </a:rPr>
+                <a:t>...</a:t>
+              </a:r>
+              <a:br>
+                <a:rPr kumimoji="0" lang="zh-TW" altLang="zh-TW" sz="2400" b="0" i="0" u="none" strike="noStrike" cap="none" normalizeH="0" baseline="0">
+                  <a:ln>
+                    <a:noFill/>
+                  </a:ln>
+                  <a:solidFill>
+                    <a:srgbClr val="BCBEC4"/>
+                  </a:solidFill>
+                  <a:effectLst/>
+                  <a:latin typeface="+mj-lt"/>
+                  <a:cs typeface="JetBrains Mono" panose="02000009000000000000" pitchFamily="49" charset="0"/>
+                </a:rPr>
+              </a:br>
+              <a:r>
+                <a:rPr kumimoji="0" lang="zh-TW" altLang="zh-TW" sz="2400" b="0" i="0" u="none" strike="noStrike" cap="none" normalizeH="0" baseline="0">
+                  <a:ln>
+                    <a:noFill/>
+                  </a:ln>
+                  <a:solidFill>
+                    <a:srgbClr val="BCBEC4"/>
+                  </a:solidFill>
+                  <a:effectLst/>
+                  <a:latin typeface="+mj-lt"/>
+                  <a:cs typeface="JetBrains Mono" panose="02000009000000000000" pitchFamily="49" charset="0"/>
+                </a:rPr>
+                <a:t>} </a:t>
+              </a:r>
+              <a:r>
+                <a:rPr kumimoji="0" lang="zh-TW" altLang="zh-TW" sz="2400" b="0" i="0" u="none" strike="noStrike" cap="none" normalizeH="0" baseline="0">
+                  <a:ln>
+                    <a:noFill/>
+                  </a:ln>
+                  <a:solidFill>
+                    <a:srgbClr val="CF8E6D"/>
+                  </a:solidFill>
+                  <a:effectLst/>
+                  <a:latin typeface="+mj-lt"/>
+                  <a:cs typeface="JetBrains Mono" panose="02000009000000000000" pitchFamily="49" charset="0"/>
+                </a:rPr>
+                <a:t>else </a:t>
+              </a:r>
+              <a:r>
+                <a:rPr kumimoji="0" lang="zh-TW" altLang="zh-TW" sz="2400" b="0" i="0" u="none" strike="noStrike" cap="none" normalizeH="0" baseline="0">
+                  <a:ln>
+                    <a:noFill/>
+                  </a:ln>
+                  <a:solidFill>
+                    <a:srgbClr val="BCBEC4"/>
+                  </a:solidFill>
+                  <a:effectLst/>
+                  <a:latin typeface="+mj-lt"/>
+                  <a:cs typeface="JetBrains Mono" panose="02000009000000000000" pitchFamily="49" charset="0"/>
+                </a:rPr>
+                <a:t>{</a:t>
+              </a:r>
+              <a:br>
+                <a:rPr kumimoji="0" lang="zh-TW" altLang="zh-TW" sz="2400" b="0" i="0" u="none" strike="noStrike" cap="none" normalizeH="0" baseline="0">
+                  <a:ln>
+                    <a:noFill/>
+                  </a:ln>
+                  <a:solidFill>
+                    <a:srgbClr val="BCBEC4"/>
+                  </a:solidFill>
+                  <a:effectLst/>
+                  <a:latin typeface="+mj-lt"/>
+                  <a:cs typeface="JetBrains Mono" panose="02000009000000000000" pitchFamily="49" charset="0"/>
+                </a:rPr>
+              </a:br>
+              <a:r>
+                <a:rPr lang="zh-TW" altLang="zh-TW" sz="2400">
+                  <a:solidFill>
+                    <a:srgbClr val="BCBEC4"/>
+                  </a:solidFill>
+                  <a:latin typeface="+mj-lt"/>
+                  <a:cs typeface="JetBrains Mono" panose="02000009000000000000" pitchFamily="49" charset="0"/>
+                </a:rPr>
+                <a:t>    </a:t>
+              </a:r>
+              <a:r>
+                <a:rPr lang="zh-TW" altLang="en-US" sz="2400">
+                  <a:solidFill>
+                    <a:srgbClr val="00B0F0"/>
+                  </a:solidFill>
+                  <a:latin typeface="+mj-lt"/>
+                  <a:ea typeface="微軟正黑體" panose="020B0604030504040204" pitchFamily="34" charset="-120"/>
+                  <a:cs typeface="JetBrains Mono" panose="02000009000000000000" pitchFamily="49" charset="0"/>
+                </a:rPr>
+                <a:t>陳述式</a:t>
+              </a:r>
+              <a:r>
+                <a:rPr lang="en-US" altLang="zh-TW" sz="2400">
+                  <a:solidFill>
+                    <a:srgbClr val="00B0F0"/>
+                  </a:solidFill>
+                  <a:latin typeface="+mj-lt"/>
+                  <a:ea typeface="微軟正黑體" panose="020B0604030504040204" pitchFamily="34" charset="-120"/>
+                  <a:cs typeface="JetBrains Mono" panose="02000009000000000000" pitchFamily="49" charset="0"/>
+                </a:rPr>
+                <a:t>...</a:t>
+              </a:r>
+              <a:br>
+                <a:rPr lang="zh-TW" altLang="zh-TW" sz="2400">
+                  <a:solidFill>
+                    <a:srgbClr val="00B0F0"/>
+                  </a:solidFill>
+                  <a:latin typeface="+mj-lt"/>
+                  <a:ea typeface="微軟正黑體" panose="020B0604030504040204" pitchFamily="34" charset="-120"/>
+                  <a:cs typeface="JetBrains Mono" panose="02000009000000000000" pitchFamily="49" charset="0"/>
+                </a:rPr>
+              </a:br>
+              <a:r>
+                <a:rPr kumimoji="0" lang="zh-TW" altLang="zh-TW" sz="2400" b="0" i="0" u="none" strike="noStrike" cap="none" normalizeH="0" baseline="0">
+                  <a:ln>
+                    <a:noFill/>
+                  </a:ln>
+                  <a:solidFill>
+                    <a:srgbClr val="BCBEC4"/>
+                  </a:solidFill>
+                  <a:effectLst/>
+                  <a:latin typeface="+mj-lt"/>
+                  <a:cs typeface="JetBrains Mono" panose="02000009000000000000" pitchFamily="49" charset="0"/>
+                </a:rPr>
+                <a:t>}</a:t>
+              </a:r>
+              <a:endParaRPr kumimoji="0" lang="zh-TW" altLang="zh-TW" sz="2400" b="0" i="0" u="none" strike="noStrike" cap="none" normalizeH="0" baseline="0">
+                <a:ln>
+                  <a:noFill/>
+                </a:ln>
+                <a:solidFill>
+                  <a:schemeClr val="tx1"/>
+                </a:solidFill>
+                <a:effectLst/>
+                <a:latin typeface="+mj-lt"/>
+              </a:endParaRPr>
+            </a:p>
+          </p:txBody>
+        </p:sp>
+        <p:sp>
+          <p:nvSpPr>
+            <p:cNvPr id="3" name="文字方塊 2">
+              <a:extLst>
+                <a:ext uri="{FF2B5EF4-FFF2-40B4-BE49-F238E27FC236}">
+                  <a16:creationId xmlns:a16="http://schemas.microsoft.com/office/drawing/2014/main" id="{965BAAED-C60E-4C78-9E7E-94A982989BF5}"/>
+                </a:ext>
+              </a:extLst>
+            </p:cNvPr>
+            <p:cNvSpPr txBox="1"/>
+            <p:nvPr/>
+          </p:nvSpPr>
+          <p:spPr>
+            <a:xfrm>
+              <a:off x="10662585" y="3842804"/>
+              <a:ext cx="691215" cy="369332"/>
+            </a:xfrm>
+            <a:prstGeom prst="rect">
+              <a:avLst/>
+            </a:prstGeom>
+            <a:noFill/>
+          </p:spPr>
+          <p:txBody>
+            <a:bodyPr wrap="none" rtlCol="0">
+              <a:spAutoFit/>
+            </a:bodyPr>
+            <a:lstStyle/>
+            <a:p>
+              <a:r>
+                <a:rPr lang="en-US" altLang="zh-TW">
+                  <a:solidFill>
+                    <a:schemeClr val="accent3"/>
+                  </a:solidFill>
+                </a:rPr>
+                <a:t>java</a:t>
+              </a:r>
+              <a:endParaRPr lang="zh-TW" altLang="en-US">
+                <a:solidFill>
+                  <a:schemeClr val="accent3"/>
+                </a:solidFill>
+              </a:endParaRPr>
+            </a:p>
+          </p:txBody>
+        </p:sp>
+      </p:grpSp>
+      <p:sp>
+        <p:nvSpPr>
+          <p:cNvPr id="6" name="內容版面配置區 4">
+            <a:extLst>
+              <a:ext uri="{FF2B5EF4-FFF2-40B4-BE49-F238E27FC236}">
+                <a16:creationId xmlns:a16="http://schemas.microsoft.com/office/drawing/2014/main" id="{ACA6B748-F3B2-4F3E-BDDA-6F3C54ED1257}"/>
+              </a:ext>
+            </a:extLst>
+          </p:cNvPr>
+          <p:cNvSpPr txBox="1">
+            <a:spLocks/>
           </p:cNvSpPr>
           <p:nvPr/>
         </p:nvSpPr>
-        <p:spPr bwMode="auto">
+        <p:spPr>
           <a:xfrm>
-            <a:off x="838200" y="2411643"/>
-            <a:ext cx="10515600" cy="1200329"/>
+            <a:off x="838200" y="4052880"/>
+            <a:ext cx="10515600" cy="2126229"/>
           </a:xfrm>
           <a:prstGeom prst="rect">
             <a:avLst/>
           </a:prstGeom>
-          <a:solidFill>
-            <a:srgbClr val="1E1F22"/>
-          </a:solidFill>
-          <a:ln>
-            <a:noFill/>
-          </a:ln>
-          <a:effectLst/>
-          <a:extLst>
-            <a:ext uri="{91240B29-F687-4F45-9708-019B960494DF}">
-              <a14:hiddenLine xmlns:a14="http://schemas.microsoft.com/office/drawing/2010/main" w="9525">
-                <a:solidFill>
-                  <a:schemeClr val="tx1"/>
-                </a:solidFill>
-                <a:miter lim="800000"/>
-                <a:headEnd/>
-                <a:tailEnd/>
-              </a14:hiddenLine>
-            </a:ext>
-            <a:ext uri="{AF507438-7753-43E0-B8FC-AC1667EBCBE1}">
-              <a14:hiddenEffects xmlns:a14="http://schemas.microsoft.com/office/drawing/2010/main">
-                <a:effectLst>
-                  <a:outerShdw dist="35921" dir="2700000" algn="ctr" rotWithShape="0">
-                    <a:schemeClr val="bg2"/>
-                  </a:outerShdw>
-                </a:effectLst>
-              </a14:hiddenEffects>
-            </a:ext>
-          </a:extLst>
         </p:spPr>
         <p:txBody>
-          <a:bodyPr vert="horz" wrap="square" lIns="91440" tIns="45720" rIns="91440" bIns="45720" numCol="1" anchor="ctr" anchorCtr="0" compatLnSpc="1">
-            <a:prstTxWarp prst="textNoShape">
-              <a:avLst/>
-            </a:prstTxWarp>
-            <a:spAutoFit/>
+          <a:bodyPr vert="horz" lIns="91440" tIns="45720" rIns="91440" bIns="45720" rtlCol="0">
+            <a:normAutofit/>
           </a:bodyPr>
-          <a:lstStyle/>
-          <a:p>
-            <a:pPr marL="0" marR="0" lvl="0" indent="0" algn="l" defTabSz="914400" rtl="0" eaLnBrk="0" fontAlgn="base" latinLnBrk="0" hangingPunct="0">
+          <a:lstStyle>
+            <a:lvl1pPr marL="0" indent="0" algn="l" defTabSz="914400" rtl="0" eaLnBrk="1" latinLnBrk="0" hangingPunct="1">
               <a:lnSpc>
-                <a:spcPct val="100000"/>
+                <a:spcPct val="90000"/>
               </a:lnSpc>
               <a:spcBef>
-                <a:spcPct val="0"/>
+                <a:spcPts val="1000"/>
               </a:spcBef>
-              <a:spcAft>
-                <a:spcPct val="0"/>
-              </a:spcAft>
-              <a:buClrTx/>
-              <a:buSzTx/>
-              <a:buFontTx/>
+              <a:buFont typeface="Arial" panose="020B0604020202020204" pitchFamily="34" charset="0"/>
               <a:buNone/>
-              <a:tabLst/>
-            </a:pPr>
-            <a:r>
-              <a:rPr kumimoji="0" lang="zh-TW" altLang="zh-TW" sz="2400" b="0" i="0" u="none" strike="noStrike" cap="none" normalizeH="0" baseline="0">
-                <a:ln>
-                  <a:noFill/>
-                </a:ln>
+              <a:defRPr sz="2800" kern="1200">
+                <a:solidFill>
+                  <a:schemeClr val="tx1"/>
+                </a:solidFill>
+                <a:latin typeface="+mn-lt"/>
+                <a:ea typeface="+mn-ea"/>
+                <a:cs typeface="+mn-cs"/>
+              </a:defRPr>
+            </a:lvl1pPr>
+            <a:lvl2pPr marL="457200" indent="0" algn="l" defTabSz="914400" rtl="0" eaLnBrk="1" latinLnBrk="0" hangingPunct="1">
+              <a:lnSpc>
+                <a:spcPct val="90000"/>
+              </a:lnSpc>
+              <a:spcBef>
+                <a:spcPts val="500"/>
+              </a:spcBef>
+              <a:buFont typeface="Arial" panose="020B0604020202020204" pitchFamily="34" charset="0"/>
+              <a:buNone/>
+              <a:defRPr sz="2400" kern="1200">
+                <a:solidFill>
+                  <a:schemeClr val="tx1"/>
+                </a:solidFill>
+                <a:latin typeface="+mn-lt"/>
+                <a:ea typeface="+mn-ea"/>
+                <a:cs typeface="+mn-cs"/>
+              </a:defRPr>
+            </a:lvl2pPr>
+            <a:lvl3pPr marL="914400" indent="0" algn="l" defTabSz="914400" rtl="0" eaLnBrk="1" latinLnBrk="0" hangingPunct="1">
+              <a:lnSpc>
+                <a:spcPct val="90000"/>
+              </a:lnSpc>
+              <a:spcBef>
+                <a:spcPts val="500"/>
+              </a:spcBef>
+              <a:buFont typeface="Arial" panose="020B0604020202020204" pitchFamily="34" charset="0"/>
+              <a:buNone/>
+              <a:defRPr sz="2000" kern="1200">
+                <a:solidFill>
+                  <a:schemeClr val="tx1"/>
+                </a:solidFill>
+                <a:latin typeface="+mn-lt"/>
+                <a:ea typeface="+mn-ea"/>
+                <a:cs typeface="+mn-cs"/>
+              </a:defRPr>
+            </a:lvl3pPr>
+            <a:lvl4pPr marL="1371600" indent="0" algn="l" defTabSz="914400" rtl="0" eaLnBrk="1" latinLnBrk="0" hangingPunct="1">
+              <a:lnSpc>
+                <a:spcPct val="90000"/>
+              </a:lnSpc>
+              <a:spcBef>
+                <a:spcPts val="500"/>
+              </a:spcBef>
+              <a:buFont typeface="Arial" panose="020B0604020202020204" pitchFamily="34" charset="0"/>
+              <a:buNone/>
+              <a:defRPr sz="1800" kern="1200">
+                <a:solidFill>
+                  <a:schemeClr val="tx1"/>
+                </a:solidFill>
+                <a:latin typeface="+mn-lt"/>
+                <a:ea typeface="+mn-ea"/>
+                <a:cs typeface="+mn-cs"/>
+              </a:defRPr>
+            </a:lvl4pPr>
+            <a:lvl5pPr marL="1828800" indent="0" algn="l" defTabSz="914400" rtl="0" eaLnBrk="1" latinLnBrk="0" hangingPunct="1">
+              <a:lnSpc>
+                <a:spcPct val="90000"/>
+              </a:lnSpc>
+              <a:spcBef>
+                <a:spcPts val="500"/>
+              </a:spcBef>
+              <a:buFont typeface="Arial" panose="020B0604020202020204" pitchFamily="34" charset="0"/>
+              <a:buNone/>
+              <a:defRPr sz="1800" kern="1200">
+                <a:solidFill>
+                  <a:schemeClr val="tx1"/>
+                </a:solidFill>
+                <a:latin typeface="+mn-lt"/>
+                <a:ea typeface="+mn-ea"/>
+                <a:cs typeface="+mn-cs"/>
+              </a:defRPr>
+            </a:lvl5pPr>
+            <a:lvl6pPr marL="2514600" indent="-228600" algn="l" defTabSz="914400" rtl="0" eaLnBrk="1" latinLnBrk="0" hangingPunct="1">
+              <a:lnSpc>
+                <a:spcPct val="90000"/>
+              </a:lnSpc>
+              <a:spcBef>
+                <a:spcPts val="500"/>
+              </a:spcBef>
+              <a:buFont typeface="Arial" panose="020B0604020202020204" pitchFamily="34" charset="0"/>
+              <a:buChar char="•"/>
+              <a:defRPr sz="1800" kern="1200">
+                <a:solidFill>
+                  <a:schemeClr val="tx1"/>
+                </a:solidFill>
+                <a:latin typeface="+mn-lt"/>
+                <a:ea typeface="+mn-ea"/>
+                <a:cs typeface="+mn-cs"/>
+              </a:defRPr>
+            </a:lvl6pPr>
+            <a:lvl7pPr marL="2971800" indent="-228600" algn="l" defTabSz="914400" rtl="0" eaLnBrk="1" latinLnBrk="0" hangingPunct="1">
+              <a:lnSpc>
+                <a:spcPct val="90000"/>
+              </a:lnSpc>
+              <a:spcBef>
+                <a:spcPts val="500"/>
+              </a:spcBef>
+              <a:buFont typeface="Arial" panose="020B0604020202020204" pitchFamily="34" charset="0"/>
+              <a:buChar char="•"/>
+              <a:defRPr sz="1800" kern="1200">
+                <a:solidFill>
+                  <a:schemeClr val="tx1"/>
+                </a:solidFill>
+                <a:latin typeface="+mn-lt"/>
+                <a:ea typeface="+mn-ea"/>
+                <a:cs typeface="+mn-cs"/>
+              </a:defRPr>
+            </a:lvl7pPr>
+            <a:lvl8pPr marL="3429000" indent="-228600" algn="l" defTabSz="914400" rtl="0" eaLnBrk="1" latinLnBrk="0" hangingPunct="1">
+              <a:lnSpc>
+                <a:spcPct val="90000"/>
+              </a:lnSpc>
+              <a:spcBef>
+                <a:spcPts val="500"/>
+              </a:spcBef>
+              <a:buFont typeface="Arial" panose="020B0604020202020204" pitchFamily="34" charset="0"/>
+              <a:buChar char="•"/>
+              <a:defRPr sz="1800" kern="1200">
+                <a:solidFill>
+                  <a:schemeClr val="tx1"/>
+                </a:solidFill>
+                <a:latin typeface="+mn-lt"/>
+                <a:ea typeface="+mn-ea"/>
+                <a:cs typeface="+mn-cs"/>
+              </a:defRPr>
+            </a:lvl8pPr>
+            <a:lvl9pPr marL="3886200" indent="-228600" algn="l" defTabSz="914400" rtl="0" eaLnBrk="1" latinLnBrk="0" hangingPunct="1">
+              <a:lnSpc>
+                <a:spcPct val="90000"/>
+              </a:lnSpc>
+              <a:spcBef>
+                <a:spcPts val="500"/>
+              </a:spcBef>
+              <a:buFont typeface="Arial" panose="020B0604020202020204" pitchFamily="34" charset="0"/>
+              <a:buChar char="•"/>
+              <a:defRPr sz="1800" kern="1200">
+                <a:solidFill>
+                  <a:schemeClr val="tx1"/>
+                </a:solidFill>
+                <a:latin typeface="+mn-lt"/>
+                <a:ea typeface="+mn-ea"/>
+                <a:cs typeface="+mn-cs"/>
+              </a:defRPr>
+            </a:lvl9pPr>
+          </a:lstStyle>
+          <a:p>
+            <a:r>
+              <a:rPr lang="zh-TW" altLang="en-US"/>
+              <a:t>在 </a:t>
+            </a:r>
+            <a:r>
+              <a:rPr lang="en-US" altLang="zh-TW"/>
+              <a:t>Java </a:t>
+            </a:r>
+            <a:r>
+              <a:rPr lang="zh-TW" altLang="en-US"/>
+              <a:t>中，一對大括號表示一個</a:t>
+            </a:r>
+            <a:r>
+              <a:rPr lang="zh-TW" altLang="en-US">
+                <a:solidFill>
+                  <a:srgbClr val="FFC000"/>
+                </a:solidFill>
+              </a:rPr>
+              <a:t>區塊</a:t>
+            </a:r>
+            <a:r>
+              <a:rPr lang="en-US" altLang="zh-TW">
+                <a:solidFill>
+                  <a:srgbClr val="FFC000"/>
+                </a:solidFill>
+              </a:rPr>
+              <a:t>(block)</a:t>
+            </a:r>
+          </a:p>
+          <a:p>
+            <a:r>
+              <a:rPr lang="zh-TW" altLang="en-US">
+                <a:solidFill>
+                  <a:srgbClr val="00B0F0"/>
+                </a:solidFill>
+              </a:rPr>
+              <a:t>當條件為真時才會執行 </a:t>
+            </a:r>
+            <a:r>
+              <a:rPr lang="en-US" altLang="zh-TW">
                 <a:solidFill>
                   <a:srgbClr val="CF8E6D"/>
                 </a:solidFill>
-                <a:effectLst/>
-                <a:latin typeface="+mj-lt"/>
-                <a:cs typeface="JetBrains Mono" panose="02000009000000000000" pitchFamily="49" charset="0"/>
               </a:rPr>
-              <a:t>if </a:t>
-            </a:r>
-            <a:r>
-              <a:rPr kumimoji="0" lang="zh-TW" altLang="zh-TW" sz="2400" b="0" i="0" u="none" strike="noStrike" cap="none" normalizeH="0" baseline="0">
-                <a:ln>
-                  <a:noFill/>
-                </a:ln>
-                <a:solidFill>
-                  <a:srgbClr val="BCBEC4"/>
-                </a:solidFill>
-                <a:effectLst/>
-                <a:latin typeface="+mj-lt"/>
-                <a:cs typeface="JetBrains Mono" panose="02000009000000000000" pitchFamily="49" charset="0"/>
+              <a:t>if</a:t>
+            </a:r>
+            <a:r>
+              <a:rPr lang="en-US" altLang="zh-TW">
+                <a:solidFill>
+                  <a:srgbClr val="00B0F0"/>
+                </a:solidFill>
               </a:rPr>
-              <a:t>(</a:t>
-            </a:r>
-            <a:r>
-              <a:rPr kumimoji="0" lang="zh-TW" altLang="zh-TW" sz="2400" b="0" i="0" u="none" strike="noStrike" cap="none" normalizeH="0" baseline="0">
-                <a:ln>
-                  <a:noFill/>
-                </a:ln>
+              <a:t> </a:t>
+            </a:r>
+            <a:r>
+              <a:rPr lang="zh-TW" altLang="en-US">
                 <a:solidFill>
                   <a:srgbClr val="00B0F0"/>
                 </a:solidFill>
-                <a:effectLst/>
-                <a:latin typeface="+mj-lt"/>
-                <a:cs typeface="JetBrains Mono" panose="02000009000000000000" pitchFamily="49" charset="0"/>
               </a:rPr>
-              <a:t>boolean(</a:t>
-            </a:r>
-            <a:r>
-              <a:rPr kumimoji="0" lang="zh-TW" altLang="zh-TW" sz="2400" b="0" i="0" u="none" strike="noStrike" cap="none" normalizeH="0" baseline="0">
-                <a:ln>
-                  <a:noFill/>
-                </a:ln>
+              <a:t>後方區塊的程式碼</a:t>
+            </a:r>
+            <a:endParaRPr lang="en-US" altLang="zh-TW">
+              <a:solidFill>
+                <a:srgbClr val="00B0F0"/>
+              </a:solidFill>
+            </a:endParaRPr>
+          </a:p>
+          <a:p>
+            <a:r>
+              <a:rPr lang="zh-TW" altLang="en-US">
                 <a:solidFill>
                   <a:srgbClr val="00B0F0"/>
                 </a:solidFill>
-                <a:effectLst/>
-                <a:latin typeface="+mj-lt"/>
-                <a:ea typeface="微軟正黑體" panose="020B0604030504040204" pitchFamily="34" charset="-120"/>
-                <a:cs typeface="JetBrains Mono" panose="02000009000000000000" pitchFamily="49" charset="0"/>
               </a:rPr>
-              <a:t>條件</a:t>
-            </a:r>
-            <a:r>
-              <a:rPr kumimoji="0" lang="zh-TW" altLang="zh-TW" sz="2400" b="0" i="0" u="none" strike="noStrike" cap="none" normalizeH="0" baseline="0">
-                <a:ln>
-                  <a:noFill/>
-                </a:ln>
+              <a:t>否則就會執行 </a:t>
+            </a:r>
+            <a:r>
+              <a:rPr lang="en-US" altLang="zh-TW">
+                <a:solidFill>
+                  <a:srgbClr val="CF8E6D"/>
+                </a:solidFill>
+              </a:rPr>
+              <a:t>else</a:t>
+            </a:r>
+            <a:r>
+              <a:rPr lang="en-US" altLang="zh-TW">
                 <a:solidFill>
                   <a:srgbClr val="00B0F0"/>
                 </a:solidFill>
-                <a:effectLst/>
-                <a:latin typeface="+mj-lt"/>
-                <a:cs typeface="JetBrains Mono" panose="02000009000000000000" pitchFamily="49" charset="0"/>
               </a:rPr>
-              <a:t>)</a:t>
-            </a:r>
-            <a:r>
-              <a:rPr kumimoji="0" lang="zh-TW" altLang="zh-TW" sz="2400" b="0" i="0" u="none" strike="noStrike" cap="none" normalizeH="0" baseline="0">
-                <a:ln>
-                  <a:noFill/>
-                </a:ln>
-                <a:solidFill>
-                  <a:srgbClr val="BCBEC4"/>
-                </a:solidFill>
-                <a:effectLst/>
-                <a:latin typeface="+mj-lt"/>
-                <a:cs typeface="JetBrains Mono" panose="02000009000000000000" pitchFamily="49" charset="0"/>
+              <a:t> </a:t>
+            </a:r>
+            <a:r>
+              <a:rPr lang="zh-TW" altLang="en-US">
+                <a:solidFill>
+                  <a:srgbClr val="00B0F0"/>
+                </a:solidFill>
               </a:rPr>
-              <a:t>) {</a:t>
-            </a:r>
-            <a:br>
-              <a:rPr kumimoji="0" lang="zh-TW" altLang="zh-TW" sz="2400" b="0" i="0" u="none" strike="noStrike" cap="none" normalizeH="0" baseline="0">
-                <a:ln>
-                  <a:noFill/>
-                </a:ln>
-                <a:solidFill>
-                  <a:srgbClr val="BCBEC4"/>
-                </a:solidFill>
-                <a:effectLst/>
-                <a:latin typeface="+mj-lt"/>
-                <a:cs typeface="JetBrains Mono" panose="02000009000000000000" pitchFamily="49" charset="0"/>
+              <a:t>後方區塊裡的程式碼</a:t>
+            </a:r>
+            <a:endParaRPr lang="en-US" altLang="zh-TW">
+              <a:solidFill>
+                <a:srgbClr val="00B0F0"/>
+              </a:solidFill>
+            </a:endParaRPr>
+          </a:p>
+          <a:p>
+            <a:r>
+              <a:rPr lang="en-US" altLang="zh-TW">
+                <a:solidFill>
+                  <a:srgbClr val="CF8E6D"/>
+                </a:solidFill>
               </a:rPr>
-            </a:br>
-            <a:r>
-              <a:rPr kumimoji="0" lang="zh-TW" altLang="zh-TW" sz="2400" b="0" i="0" u="none" strike="noStrike" cap="none" normalizeH="0" baseline="0">
-                <a:ln>
-                  <a:noFill/>
-                </a:ln>
-                <a:solidFill>
-                  <a:srgbClr val="BCBEC4"/>
-                </a:solidFill>
-                <a:effectLst/>
-                <a:latin typeface="+mj-lt"/>
-                <a:cs typeface="JetBrains Mono" panose="02000009000000000000" pitchFamily="49" charset="0"/>
+              <a:t>else</a:t>
+            </a:r>
+            <a:r>
+              <a:rPr lang="en-US" altLang="zh-TW">
+                <a:solidFill>
+                  <a:srgbClr val="00B0F0"/>
+                </a:solidFill>
               </a:rPr>
-              <a:t>    </a:t>
-            </a:r>
-            <a:r>
-              <a:rPr kumimoji="0" lang="zh-TW" altLang="zh-TW" sz="2400" b="0" i="0" u="none" strike="noStrike" cap="none" normalizeH="0" baseline="0">
-                <a:ln>
-                  <a:noFill/>
-                </a:ln>
+              <a:t> </a:t>
+            </a:r>
+            <a:r>
+              <a:rPr lang="zh-TW" altLang="en-US">
                 <a:solidFill>
                   <a:srgbClr val="00B0F0"/>
                 </a:solidFill>
-                <a:effectLst/>
-                <a:latin typeface="+mj-lt"/>
-                <a:ea typeface="微軟正黑體" panose="020B0604030504040204" pitchFamily="34" charset="-120"/>
-                <a:cs typeface="JetBrains Mono" panose="02000009000000000000" pitchFamily="49" charset="0"/>
               </a:rPr>
-              <a:t>陳述式</a:t>
-            </a:r>
-            <a:r>
-              <a:rPr kumimoji="0" lang="zh-TW" altLang="zh-TW" sz="2400" b="0" i="0" u="none" strike="noStrike" cap="none" normalizeH="0" baseline="0">
-                <a:ln>
-                  <a:noFill/>
-                </a:ln>
-                <a:solidFill>
-                  <a:srgbClr val="00B0F0"/>
-                </a:solidFill>
-                <a:effectLst/>
-                <a:latin typeface="+mj-lt"/>
-                <a:cs typeface="JetBrains Mono" panose="02000009000000000000" pitchFamily="49" charset="0"/>
-              </a:rPr>
-              <a:t>...</a:t>
-            </a:r>
-            <a:br>
-              <a:rPr kumimoji="0" lang="zh-TW" altLang="zh-TW" sz="2400" b="0" i="0" u="none" strike="noStrike" cap="none" normalizeH="0" baseline="0">
-                <a:ln>
-                  <a:noFill/>
-                </a:ln>
-                <a:solidFill>
-                  <a:srgbClr val="BCBEC4"/>
-                </a:solidFill>
-                <a:effectLst/>
-                <a:latin typeface="+mj-lt"/>
-                <a:cs typeface="JetBrains Mono" panose="02000009000000000000" pitchFamily="49" charset="0"/>
-              </a:rPr>
-            </a:br>
-            <a:r>
-              <a:rPr kumimoji="0" lang="zh-TW" altLang="zh-TW" sz="2400" b="0" i="0" u="none" strike="noStrike" cap="none" normalizeH="0" baseline="0">
-                <a:ln>
-                  <a:noFill/>
-                </a:ln>
-                <a:solidFill>
-                  <a:srgbClr val="BCBEC4"/>
-                </a:solidFill>
-                <a:effectLst/>
-                <a:latin typeface="+mj-lt"/>
-                <a:cs typeface="JetBrains Mono" panose="02000009000000000000" pitchFamily="49" charset="0"/>
-              </a:rPr>
-              <a:t>}</a:t>
-            </a:r>
-            <a:endParaRPr kumimoji="0" lang="zh-TW" altLang="zh-TW" sz="4000" b="0" i="0" u="none" strike="noStrike" cap="none" normalizeH="0" baseline="0">
-              <a:ln>
-                <a:noFill/>
-              </a:ln>
+              <a:t>部分可以省略，省略時如果條件不為真就不會做任何事</a:t>
+            </a:r>
+            <a:endParaRPr lang="en-US" altLang="zh-TW">
               <a:solidFill>
-                <a:schemeClr val="tx1"/>
-              </a:solidFill>
-              <a:effectLst/>
-              <a:latin typeface="+mj-lt"/>
-            </a:endParaRPr>
-          </a:p>
-        </p:txBody>
-      </p:sp>
-      <p:sp>
-        <p:nvSpPr>
-          <p:cNvPr id="3" name="文字方塊 2">
-            <a:extLst>
-              <a:ext uri="{FF2B5EF4-FFF2-40B4-BE49-F238E27FC236}">
-                <a16:creationId xmlns:a16="http://schemas.microsoft.com/office/drawing/2014/main" id="{965BAAED-C60E-4C78-9E7E-94A982989BF5}"/>
-              </a:ext>
-            </a:extLst>
-          </p:cNvPr>
-          <p:cNvSpPr txBox="1"/>
-          <p:nvPr/>
-        </p:nvSpPr>
-        <p:spPr>
-          <a:xfrm>
-            <a:off x="10662585" y="3242640"/>
-            <a:ext cx="691215" cy="369332"/>
-          </a:xfrm>
-          <a:prstGeom prst="rect">
-            <a:avLst/>
-          </a:prstGeom>
-          <a:noFill/>
-        </p:spPr>
-        <p:txBody>
-          <a:bodyPr wrap="none" rtlCol="0">
-            <a:spAutoFit/>
-          </a:bodyPr>
-          <a:lstStyle/>
-          <a:p>
-            <a:r>
-              <a:rPr lang="en-US" altLang="zh-TW">
-                <a:solidFill>
-                  <a:schemeClr val="accent3"/>
-                </a:solidFill>
-              </a:rPr>
-              <a:t>java</a:t>
-            </a:r>
-            <a:endParaRPr lang="zh-TW" altLang="en-US">
-              <a:solidFill>
-                <a:schemeClr val="accent3"/>
+                <a:srgbClr val="00B0F0"/>
               </a:solidFill>
             </a:endParaRPr>
           </a:p>
@@ -8526,6 +8977,1074 @@
     <p:extLst>
       <p:ext uri="{BB962C8B-B14F-4D97-AF65-F5344CB8AC3E}">
         <p14:creationId xmlns:p14="http://schemas.microsoft.com/office/powerpoint/2010/main" val="3458673303"/>
+      </p:ext>
+    </p:extLst>
+  </p:cSld>
+  <p:clrMapOvr>
+    <a:masterClrMapping/>
+  </p:clrMapOvr>
+  <p:transition spd="slow">
+    <p:push dir="u"/>
+  </p:transition>
+</p:sld>
+</file>
+
+<file path=ppt/slides/slide4.xml><?xml version="1.0" encoding="utf-8"?>
+<p:sld xmlns:a="http://schemas.openxmlformats.org/drawingml/2006/main" xmlns:r="http://schemas.openxmlformats.org/officeDocument/2006/relationships" xmlns:p="http://schemas.openxmlformats.org/presentationml/2006/main">
+  <p:cSld>
+    <p:spTree>
+      <p:nvGrpSpPr>
+        <p:cNvPr id="1" name=""/>
+        <p:cNvGrpSpPr/>
+        <p:nvPr/>
+      </p:nvGrpSpPr>
+      <p:grpSpPr>
+        <a:xfrm>
+          <a:off x="0" y="0"/>
+          <a:ext cx="0" cy="0"/>
+          <a:chOff x="0" y="0"/>
+          <a:chExt cx="0" cy="0"/>
+        </a:xfrm>
+      </p:grpSpPr>
+      <p:sp>
+        <p:nvSpPr>
+          <p:cNvPr id="2" name="標題 1">
+            <a:extLst>
+              <a:ext uri="{FF2B5EF4-FFF2-40B4-BE49-F238E27FC236}">
+                <a16:creationId xmlns:a16="http://schemas.microsoft.com/office/drawing/2014/main" id="{ACF22927-736B-4AE5-A615-BA5C967789FD}"/>
+              </a:ext>
+            </a:extLst>
+          </p:cNvPr>
+          <p:cNvSpPr>
+            <a:spLocks noGrp="1"/>
+          </p:cNvSpPr>
+          <p:nvPr>
+            <p:ph type="title"/>
+          </p:nvPr>
+        </p:nvSpPr>
+        <p:spPr>
+          <a:xfrm>
+            <a:off x="838200" y="0"/>
+            <a:ext cx="10515600" cy="1325563"/>
+          </a:xfrm>
+        </p:spPr>
+        <p:txBody>
+          <a:bodyPr/>
+          <a:lstStyle/>
+          <a:p>
+            <a:r>
+              <a:rPr lang="en-US" altLang="zh-TW"/>
+              <a:t>if-else</a:t>
+            </a:r>
+            <a:endParaRPr lang="zh-TW" altLang="en-US"/>
+          </a:p>
+        </p:txBody>
+      </p:sp>
+      <p:sp>
+        <p:nvSpPr>
+          <p:cNvPr id="3" name="內容版面配置區 2">
+            <a:extLst>
+              <a:ext uri="{FF2B5EF4-FFF2-40B4-BE49-F238E27FC236}">
+                <a16:creationId xmlns:a16="http://schemas.microsoft.com/office/drawing/2014/main" id="{E61B565D-3481-4524-8A78-5F335557D6BD}"/>
+              </a:ext>
+            </a:extLst>
+          </p:cNvPr>
+          <p:cNvSpPr>
+            <a:spLocks noGrp="1"/>
+          </p:cNvSpPr>
+          <p:nvPr>
+            <p:ph idx="1"/>
+          </p:nvPr>
+        </p:nvSpPr>
+        <p:spPr>
+          <a:xfrm>
+            <a:off x="838200" y="961593"/>
+            <a:ext cx="10515600" cy="2062629"/>
+          </a:xfrm>
+        </p:spPr>
+        <p:txBody>
+          <a:bodyPr/>
+          <a:lstStyle/>
+          <a:p>
+            <a:r>
+              <a:rPr lang="zh-TW" altLang="en-US"/>
+              <a:t>若 </a:t>
+            </a:r>
+            <a:r>
+              <a:rPr lang="en-US" altLang="zh-TW">
+                <a:solidFill>
+                  <a:srgbClr val="CF8E6D"/>
+                </a:solidFill>
+              </a:rPr>
+              <a:t>if</a:t>
+            </a:r>
+            <a:r>
+              <a:rPr lang="zh-TW" altLang="en-US"/>
+              <a:t>、</a:t>
+            </a:r>
+            <a:r>
+              <a:rPr lang="en-US" altLang="zh-TW">
+                <a:solidFill>
+                  <a:srgbClr val="CF8E6D"/>
+                </a:solidFill>
+              </a:rPr>
+              <a:t>else</a:t>
+            </a:r>
+            <a:r>
+              <a:rPr lang="en-US" altLang="zh-TW"/>
+              <a:t> </a:t>
+            </a:r>
+            <a:r>
+              <a:rPr lang="zh-TW" altLang="en-US"/>
+              <a:t>後方的區塊內只有一行陳述式</a:t>
+            </a:r>
+            <a:endParaRPr lang="en-US" altLang="zh-TW"/>
+          </a:p>
+          <a:p>
+            <a:r>
+              <a:rPr lang="zh-TW" altLang="en-US"/>
+              <a:t>則可以不寫程式碼區塊，直接寫陳述式</a:t>
+            </a:r>
+            <a:endParaRPr lang="en-US" altLang="zh-TW"/>
+          </a:p>
+          <a:p>
+            <a:r>
+              <a:rPr lang="zh-TW" altLang="en-US"/>
+              <a:t>而流程控制不算是陳述式的一種</a:t>
+            </a:r>
+            <a:endParaRPr lang="en-US" altLang="zh-TW"/>
+          </a:p>
+          <a:p>
+            <a:r>
+              <a:rPr lang="zh-TW" altLang="en-US"/>
+              <a:t>所以可以撰寫下方這種 </a:t>
+            </a:r>
+            <a:r>
+              <a:rPr lang="en-US" altLang="zh-TW">
+                <a:solidFill>
+                  <a:srgbClr val="CF8E6D"/>
+                </a:solidFill>
+              </a:rPr>
+              <a:t>if...else if...else </a:t>
+            </a:r>
+            <a:r>
+              <a:rPr lang="zh-TW" altLang="en-US"/>
+              <a:t>的語法</a:t>
+            </a:r>
+            <a:endParaRPr lang="en-US" altLang="zh-TW"/>
+          </a:p>
+        </p:txBody>
+      </p:sp>
+      <p:grpSp>
+        <p:nvGrpSpPr>
+          <p:cNvPr id="4" name="群組 3">
+            <a:extLst>
+              <a:ext uri="{FF2B5EF4-FFF2-40B4-BE49-F238E27FC236}">
+                <a16:creationId xmlns:a16="http://schemas.microsoft.com/office/drawing/2014/main" id="{196DA119-CEC5-4DA0-8106-F17E5F15A58B}"/>
+              </a:ext>
+            </a:extLst>
+          </p:cNvPr>
+          <p:cNvGrpSpPr/>
+          <p:nvPr/>
+        </p:nvGrpSpPr>
+        <p:grpSpPr>
+          <a:xfrm>
+            <a:off x="838200" y="3024222"/>
+            <a:ext cx="10515600" cy="2246769"/>
+            <a:chOff x="838200" y="2119255"/>
+            <a:chExt cx="10515600" cy="2246769"/>
+          </a:xfrm>
+        </p:grpSpPr>
+        <p:sp>
+          <p:nvSpPr>
+            <p:cNvPr id="5" name="Rectangle 1">
+              <a:extLst>
+                <a:ext uri="{FF2B5EF4-FFF2-40B4-BE49-F238E27FC236}">
+                  <a16:creationId xmlns:a16="http://schemas.microsoft.com/office/drawing/2014/main" id="{B0DEA525-3089-462C-8056-8B3106D3C02B}"/>
+                </a:ext>
+              </a:extLst>
+            </p:cNvPr>
+            <p:cNvSpPr>
+              <a:spLocks noChangeArrowheads="1"/>
+            </p:cNvSpPr>
+            <p:nvPr/>
+          </p:nvSpPr>
+          <p:spPr bwMode="auto">
+            <a:xfrm>
+              <a:off x="838200" y="2119255"/>
+              <a:ext cx="10515600" cy="2246769"/>
+            </a:xfrm>
+            <a:prstGeom prst="rect">
+              <a:avLst/>
+            </a:prstGeom>
+            <a:solidFill>
+              <a:srgbClr val="1E1F22"/>
+            </a:solidFill>
+            <a:ln>
+              <a:noFill/>
+            </a:ln>
+            <a:effectLst/>
+            <a:extLst>
+              <a:ext uri="{91240B29-F687-4F45-9708-019B960494DF}">
+                <a14:hiddenLine xmlns:a14="http://schemas.microsoft.com/office/drawing/2010/main" w="9525">
+                  <a:solidFill>
+                    <a:schemeClr val="tx1"/>
+                  </a:solidFill>
+                  <a:miter lim="800000"/>
+                  <a:headEnd/>
+                  <a:tailEnd/>
+                </a14:hiddenLine>
+              </a:ext>
+              <a:ext uri="{AF507438-7753-43E0-B8FC-AC1667EBCBE1}">
+                <a14:hiddenEffects xmlns:a14="http://schemas.microsoft.com/office/drawing/2010/main">
+                  <a:effectLst>
+                    <a:outerShdw dist="35921" dir="2700000" algn="ctr" rotWithShape="0">
+                      <a:schemeClr val="bg2"/>
+                    </a:outerShdw>
+                  </a:effectLst>
+                </a14:hiddenEffects>
+              </a:ext>
+            </a:extLst>
+          </p:spPr>
+          <p:txBody>
+            <a:bodyPr vert="horz" wrap="square" lIns="91440" tIns="45720" rIns="91440" bIns="45720" numCol="1" anchor="ctr" anchorCtr="0" compatLnSpc="1">
+              <a:prstTxWarp prst="textNoShape">
+                <a:avLst/>
+              </a:prstTxWarp>
+              <a:spAutoFit/>
+            </a:bodyPr>
+            <a:lstStyle/>
+            <a:p>
+              <a:pPr eaLnBrk="0" fontAlgn="base" hangingPunct="0">
+                <a:spcBef>
+                  <a:spcPct val="0"/>
+                </a:spcBef>
+                <a:spcAft>
+                  <a:spcPct val="0"/>
+                </a:spcAft>
+              </a:pPr>
+              <a:r>
+                <a:rPr kumimoji="0" lang="zh-TW" altLang="zh-TW" sz="2000" b="0" i="0" u="none" strike="noStrike" cap="none" normalizeH="0" baseline="0">
+                  <a:ln>
+                    <a:noFill/>
+                  </a:ln>
+                  <a:solidFill>
+                    <a:srgbClr val="CF8E6D"/>
+                  </a:solidFill>
+                  <a:effectLst/>
+                  <a:latin typeface="+mj-lt"/>
+                  <a:cs typeface="JetBrains Mono" panose="02000009000000000000" pitchFamily="49" charset="0"/>
+                </a:rPr>
+                <a:t>if </a:t>
+              </a:r>
+              <a:r>
+                <a:rPr kumimoji="0" lang="zh-TW" altLang="zh-TW" sz="2000" b="0" i="0" u="none" strike="noStrike" cap="none" normalizeH="0" baseline="0">
+                  <a:ln>
+                    <a:noFill/>
+                  </a:ln>
+                  <a:solidFill>
+                    <a:srgbClr val="BCBEC4"/>
+                  </a:solidFill>
+                  <a:effectLst/>
+                  <a:latin typeface="+mj-lt"/>
+                  <a:cs typeface="JetBrains Mono" panose="02000009000000000000" pitchFamily="49" charset="0"/>
+                </a:rPr>
+                <a:t>(</a:t>
+              </a:r>
+              <a:r>
+                <a:rPr kumimoji="0" lang="zh-TW" altLang="zh-TW" sz="2000" b="0" i="0" u="none" strike="noStrike" cap="none" normalizeH="0" baseline="0">
+                  <a:ln>
+                    <a:noFill/>
+                  </a:ln>
+                  <a:solidFill>
+                    <a:srgbClr val="00B0F0"/>
+                  </a:solidFill>
+                  <a:effectLst/>
+                  <a:latin typeface="+mj-lt"/>
+                  <a:cs typeface="JetBrains Mono" panose="02000009000000000000" pitchFamily="49" charset="0"/>
+                </a:rPr>
+                <a:t>boolean(</a:t>
+              </a:r>
+              <a:r>
+                <a:rPr kumimoji="0" lang="zh-TW" altLang="zh-TW" sz="2000" b="0" i="0" u="none" strike="noStrike" cap="none" normalizeH="0" baseline="0">
+                  <a:ln>
+                    <a:noFill/>
+                  </a:ln>
+                  <a:solidFill>
+                    <a:srgbClr val="00B0F0"/>
+                  </a:solidFill>
+                  <a:effectLst/>
+                  <a:latin typeface="+mj-lt"/>
+                  <a:ea typeface="微軟正黑體" panose="020B0604030504040204" pitchFamily="34" charset="-120"/>
+                  <a:cs typeface="JetBrains Mono" panose="02000009000000000000" pitchFamily="49" charset="0"/>
+                </a:rPr>
+                <a:t>條件</a:t>
+              </a:r>
+              <a:r>
+                <a:rPr kumimoji="0" lang="zh-TW" altLang="zh-TW" sz="2000" b="0" i="0" u="none" strike="noStrike" cap="none" normalizeH="0" baseline="0">
+                  <a:ln>
+                    <a:noFill/>
+                  </a:ln>
+                  <a:solidFill>
+                    <a:srgbClr val="00B0F0"/>
+                  </a:solidFill>
+                  <a:effectLst/>
+                  <a:latin typeface="+mj-lt"/>
+                  <a:cs typeface="JetBrains Mono" panose="02000009000000000000" pitchFamily="49" charset="0"/>
+                </a:rPr>
+                <a:t>)</a:t>
+              </a:r>
+              <a:r>
+                <a:rPr kumimoji="0" lang="zh-TW" altLang="zh-TW" sz="2000" b="0" i="0" u="none" strike="noStrike" cap="none" normalizeH="0" baseline="0">
+                  <a:ln>
+                    <a:noFill/>
+                  </a:ln>
+                  <a:solidFill>
+                    <a:srgbClr val="BCBEC4"/>
+                  </a:solidFill>
+                  <a:effectLst/>
+                  <a:latin typeface="+mj-lt"/>
+                  <a:cs typeface="JetBrains Mono" panose="02000009000000000000" pitchFamily="49" charset="0"/>
+                </a:rPr>
+                <a:t>) {</a:t>
+              </a:r>
+              <a:br>
+                <a:rPr kumimoji="0" lang="zh-TW" altLang="zh-TW" sz="2000" b="0" i="0" u="none" strike="noStrike" cap="none" normalizeH="0" baseline="0">
+                  <a:ln>
+                    <a:noFill/>
+                  </a:ln>
+                  <a:solidFill>
+                    <a:srgbClr val="BCBEC4"/>
+                  </a:solidFill>
+                  <a:effectLst/>
+                  <a:latin typeface="+mj-lt"/>
+                  <a:cs typeface="JetBrains Mono" panose="02000009000000000000" pitchFamily="49" charset="0"/>
+                </a:rPr>
+              </a:br>
+              <a:r>
+                <a:rPr kumimoji="0" lang="zh-TW" altLang="zh-TW" sz="2000" b="0" i="0" u="none" strike="noStrike" cap="none" normalizeH="0" baseline="0">
+                  <a:ln>
+                    <a:noFill/>
+                  </a:ln>
+                  <a:solidFill>
+                    <a:srgbClr val="BCBEC4"/>
+                  </a:solidFill>
+                  <a:effectLst/>
+                  <a:latin typeface="+mj-lt"/>
+                  <a:cs typeface="JetBrains Mono" panose="02000009000000000000" pitchFamily="49" charset="0"/>
+                </a:rPr>
+                <a:t>    </a:t>
+              </a:r>
+              <a:r>
+                <a:rPr kumimoji="0" lang="zh-TW" altLang="zh-TW" sz="2000" b="0" i="0" u="none" strike="noStrike" cap="none" normalizeH="0" baseline="0">
+                  <a:ln>
+                    <a:noFill/>
+                  </a:ln>
+                  <a:solidFill>
+                    <a:srgbClr val="00B0F0"/>
+                  </a:solidFill>
+                  <a:effectLst/>
+                  <a:latin typeface="+mj-lt"/>
+                  <a:ea typeface="微軟正黑體" panose="020B0604030504040204" pitchFamily="34" charset="-120"/>
+                  <a:cs typeface="JetBrains Mono" panose="02000009000000000000" pitchFamily="49" charset="0"/>
+                </a:rPr>
+                <a:t>陳述式</a:t>
+              </a:r>
+              <a:r>
+                <a:rPr kumimoji="0" lang="zh-TW" altLang="zh-TW" sz="2000" b="0" i="0" u="none" strike="noStrike" cap="none" normalizeH="0" baseline="0">
+                  <a:ln>
+                    <a:noFill/>
+                  </a:ln>
+                  <a:solidFill>
+                    <a:srgbClr val="00B0F0"/>
+                  </a:solidFill>
+                  <a:effectLst/>
+                  <a:latin typeface="+mj-lt"/>
+                  <a:cs typeface="JetBrains Mono" panose="02000009000000000000" pitchFamily="49" charset="0"/>
+                </a:rPr>
+                <a:t>...</a:t>
+              </a:r>
+              <a:br>
+                <a:rPr kumimoji="0" lang="zh-TW" altLang="zh-TW" sz="2000" b="0" i="0" u="none" strike="noStrike" cap="none" normalizeH="0" baseline="0">
+                  <a:ln>
+                    <a:noFill/>
+                  </a:ln>
+                  <a:solidFill>
+                    <a:srgbClr val="BCBEC4"/>
+                  </a:solidFill>
+                  <a:effectLst/>
+                  <a:latin typeface="+mj-lt"/>
+                  <a:cs typeface="JetBrains Mono" panose="02000009000000000000" pitchFamily="49" charset="0"/>
+                </a:rPr>
+              </a:br>
+              <a:r>
+                <a:rPr kumimoji="0" lang="zh-TW" altLang="zh-TW" sz="2000" b="0" i="0" u="none" strike="noStrike" cap="none" normalizeH="0" baseline="0">
+                  <a:ln>
+                    <a:noFill/>
+                  </a:ln>
+                  <a:solidFill>
+                    <a:srgbClr val="BCBEC4"/>
+                  </a:solidFill>
+                  <a:effectLst/>
+                  <a:latin typeface="+mj-lt"/>
+                  <a:cs typeface="JetBrains Mono" panose="02000009000000000000" pitchFamily="49" charset="0"/>
+                </a:rPr>
+                <a:t>} </a:t>
+              </a:r>
+              <a:r>
+                <a:rPr kumimoji="0" lang="zh-TW" altLang="zh-TW" sz="2000" b="0" i="0" u="none" strike="noStrike" cap="none" normalizeH="0" baseline="0">
+                  <a:ln>
+                    <a:noFill/>
+                  </a:ln>
+                  <a:solidFill>
+                    <a:srgbClr val="CF8E6D"/>
+                  </a:solidFill>
+                  <a:effectLst/>
+                  <a:latin typeface="+mj-lt"/>
+                  <a:cs typeface="JetBrains Mono" panose="02000009000000000000" pitchFamily="49" charset="0"/>
+                </a:rPr>
+                <a:t>else if </a:t>
+              </a:r>
+              <a:r>
+                <a:rPr kumimoji="0" lang="zh-TW" altLang="zh-TW" sz="2000" b="0" i="0" u="none" strike="noStrike" cap="none" normalizeH="0" baseline="0">
+                  <a:ln>
+                    <a:noFill/>
+                  </a:ln>
+                  <a:solidFill>
+                    <a:srgbClr val="BCBEC4"/>
+                  </a:solidFill>
+                  <a:effectLst/>
+                  <a:latin typeface="+mj-lt"/>
+                  <a:cs typeface="JetBrains Mono" panose="02000009000000000000" pitchFamily="49" charset="0"/>
+                </a:rPr>
+                <a:t>(</a:t>
+              </a:r>
+              <a:r>
+                <a:rPr kumimoji="0" lang="zh-TW" altLang="zh-TW" sz="2000" b="0" i="0" u="none" strike="noStrike" cap="none" normalizeH="0" baseline="0">
+                  <a:ln>
+                    <a:noFill/>
+                  </a:ln>
+                  <a:solidFill>
+                    <a:srgbClr val="00B0F0"/>
+                  </a:solidFill>
+                  <a:effectLst/>
+                  <a:latin typeface="+mj-lt"/>
+                  <a:cs typeface="JetBrains Mono" panose="02000009000000000000" pitchFamily="49" charset="0"/>
+                </a:rPr>
+                <a:t>boolean(</a:t>
+              </a:r>
+              <a:r>
+                <a:rPr kumimoji="0" lang="zh-TW" altLang="zh-TW" sz="2000" b="0" i="0" u="none" strike="noStrike" cap="none" normalizeH="0" baseline="0">
+                  <a:ln>
+                    <a:noFill/>
+                  </a:ln>
+                  <a:solidFill>
+                    <a:srgbClr val="00B0F0"/>
+                  </a:solidFill>
+                  <a:effectLst/>
+                  <a:latin typeface="+mj-lt"/>
+                  <a:ea typeface="微軟正黑體" panose="020B0604030504040204" pitchFamily="34" charset="-120"/>
+                  <a:cs typeface="JetBrains Mono" panose="02000009000000000000" pitchFamily="49" charset="0"/>
+                </a:rPr>
+                <a:t>條件</a:t>
+              </a:r>
+              <a:r>
+                <a:rPr kumimoji="0" lang="zh-TW" altLang="zh-TW" sz="2000" b="0" i="0" u="none" strike="noStrike" cap="none" normalizeH="0" baseline="0">
+                  <a:ln>
+                    <a:noFill/>
+                  </a:ln>
+                  <a:solidFill>
+                    <a:srgbClr val="00B0F0"/>
+                  </a:solidFill>
+                  <a:effectLst/>
+                  <a:latin typeface="+mj-lt"/>
+                  <a:cs typeface="JetBrains Mono" panose="02000009000000000000" pitchFamily="49" charset="0"/>
+                </a:rPr>
+                <a:t>)</a:t>
+              </a:r>
+              <a:r>
+                <a:rPr kumimoji="0" lang="zh-TW" altLang="zh-TW" sz="2000" b="0" i="0" u="none" strike="noStrike" cap="none" normalizeH="0" baseline="0">
+                  <a:ln>
+                    <a:noFill/>
+                  </a:ln>
+                  <a:solidFill>
+                    <a:srgbClr val="BCBEC4"/>
+                  </a:solidFill>
+                  <a:effectLst/>
+                  <a:latin typeface="+mj-lt"/>
+                  <a:cs typeface="JetBrains Mono" panose="02000009000000000000" pitchFamily="49" charset="0"/>
+                </a:rPr>
+                <a:t>) {</a:t>
+              </a:r>
+              <a:br>
+                <a:rPr kumimoji="0" lang="zh-TW" altLang="zh-TW" sz="2000" b="0" i="0" u="none" strike="noStrike" cap="none" normalizeH="0" baseline="0">
+                  <a:ln>
+                    <a:noFill/>
+                  </a:ln>
+                  <a:solidFill>
+                    <a:srgbClr val="BCBEC4"/>
+                  </a:solidFill>
+                  <a:effectLst/>
+                  <a:latin typeface="+mj-lt"/>
+                  <a:cs typeface="JetBrains Mono" panose="02000009000000000000" pitchFamily="49" charset="0"/>
+                </a:rPr>
+              </a:br>
+              <a:r>
+                <a:rPr kumimoji="0" lang="zh-TW" altLang="zh-TW" sz="2000" b="0" i="0" u="none" strike="noStrike" cap="none" normalizeH="0" baseline="0">
+                  <a:ln>
+                    <a:noFill/>
+                  </a:ln>
+                  <a:solidFill>
+                    <a:srgbClr val="BCBEC4"/>
+                  </a:solidFill>
+                  <a:effectLst/>
+                  <a:latin typeface="+mj-lt"/>
+                  <a:cs typeface="JetBrains Mono" panose="02000009000000000000" pitchFamily="49" charset="0"/>
+                </a:rPr>
+                <a:t>    </a:t>
+              </a:r>
+              <a:r>
+                <a:rPr kumimoji="0" lang="zh-TW" altLang="zh-TW" sz="2000" b="0" i="0" u="none" strike="noStrike" cap="none" normalizeH="0" baseline="0">
+                  <a:ln>
+                    <a:noFill/>
+                  </a:ln>
+                  <a:solidFill>
+                    <a:srgbClr val="00B0F0"/>
+                  </a:solidFill>
+                  <a:effectLst/>
+                  <a:latin typeface="+mj-lt"/>
+                  <a:ea typeface="微軟正黑體" panose="020B0604030504040204" pitchFamily="34" charset="-120"/>
+                  <a:cs typeface="JetBrains Mono" panose="02000009000000000000" pitchFamily="49" charset="0"/>
+                </a:rPr>
+                <a:t>陳述式</a:t>
+              </a:r>
+              <a:r>
+                <a:rPr kumimoji="0" lang="zh-TW" altLang="zh-TW" sz="2000" b="0" i="0" u="none" strike="noStrike" cap="none" normalizeH="0" baseline="0">
+                  <a:ln>
+                    <a:noFill/>
+                  </a:ln>
+                  <a:solidFill>
+                    <a:srgbClr val="00B0F0"/>
+                  </a:solidFill>
+                  <a:effectLst/>
+                  <a:latin typeface="+mj-lt"/>
+                  <a:cs typeface="JetBrains Mono" panose="02000009000000000000" pitchFamily="49" charset="0"/>
+                </a:rPr>
+                <a:t>...</a:t>
+              </a:r>
+              <a:br>
+                <a:rPr kumimoji="0" lang="zh-TW" altLang="zh-TW" sz="2000" b="0" i="0" u="none" strike="noStrike" cap="none" normalizeH="0" baseline="0">
+                  <a:ln>
+                    <a:noFill/>
+                  </a:ln>
+                  <a:solidFill>
+                    <a:srgbClr val="BCBEC4"/>
+                  </a:solidFill>
+                  <a:effectLst/>
+                  <a:latin typeface="+mj-lt"/>
+                  <a:cs typeface="JetBrains Mono" panose="02000009000000000000" pitchFamily="49" charset="0"/>
+                </a:rPr>
+              </a:br>
+              <a:r>
+                <a:rPr kumimoji="0" lang="zh-TW" altLang="zh-TW" sz="2000" b="0" i="0" u="none" strike="noStrike" cap="none" normalizeH="0" baseline="0">
+                  <a:ln>
+                    <a:noFill/>
+                  </a:ln>
+                  <a:solidFill>
+                    <a:srgbClr val="BCBEC4"/>
+                  </a:solidFill>
+                  <a:effectLst/>
+                  <a:latin typeface="+mj-lt"/>
+                  <a:cs typeface="JetBrains Mono" panose="02000009000000000000" pitchFamily="49" charset="0"/>
+                </a:rPr>
+                <a:t>} </a:t>
+              </a:r>
+              <a:r>
+                <a:rPr kumimoji="0" lang="zh-TW" altLang="zh-TW" sz="2000" b="0" i="0" u="none" strike="noStrike" cap="none" normalizeH="0" baseline="0">
+                  <a:ln>
+                    <a:noFill/>
+                  </a:ln>
+                  <a:solidFill>
+                    <a:srgbClr val="CF8E6D"/>
+                  </a:solidFill>
+                  <a:effectLst/>
+                  <a:latin typeface="+mj-lt"/>
+                  <a:cs typeface="JetBrains Mono" panose="02000009000000000000" pitchFamily="49" charset="0"/>
+                </a:rPr>
+                <a:t>else</a:t>
+              </a:r>
+              <a:r>
+                <a:rPr kumimoji="0" lang="zh-TW" altLang="en-US" sz="2000" b="0" i="0" u="none" strike="noStrike" cap="none" normalizeH="0" baseline="0">
+                  <a:ln>
+                    <a:noFill/>
+                  </a:ln>
+                  <a:solidFill>
+                    <a:srgbClr val="CF8E6D"/>
+                  </a:solidFill>
+                  <a:effectLst/>
+                  <a:latin typeface="+mj-lt"/>
+                  <a:cs typeface="JetBrains Mono" panose="02000009000000000000" pitchFamily="49" charset="0"/>
+                </a:rPr>
+                <a:t> </a:t>
+              </a:r>
+              <a:r>
+                <a:rPr kumimoji="0" lang="zh-TW" altLang="zh-TW" sz="2000" b="0" i="0" u="none" strike="noStrike" cap="none" normalizeH="0" baseline="0">
+                  <a:ln>
+                    <a:noFill/>
+                  </a:ln>
+                  <a:solidFill>
+                    <a:srgbClr val="BCBEC4"/>
+                  </a:solidFill>
+                  <a:effectLst/>
+                  <a:latin typeface="+mj-lt"/>
+                  <a:cs typeface="JetBrains Mono" panose="02000009000000000000" pitchFamily="49" charset="0"/>
+                </a:rPr>
+                <a:t>{</a:t>
+              </a:r>
+              <a:br>
+                <a:rPr kumimoji="0" lang="zh-TW" altLang="zh-TW" sz="2000" b="0" i="0" u="none" strike="noStrike" cap="none" normalizeH="0" baseline="0">
+                  <a:ln>
+                    <a:noFill/>
+                  </a:ln>
+                  <a:solidFill>
+                    <a:srgbClr val="BCBEC4"/>
+                  </a:solidFill>
+                  <a:effectLst/>
+                  <a:latin typeface="+mj-lt"/>
+                  <a:cs typeface="JetBrains Mono" panose="02000009000000000000" pitchFamily="49" charset="0"/>
+                </a:rPr>
+              </a:br>
+              <a:r>
+                <a:rPr lang="zh-TW" altLang="zh-TW" sz="2000">
+                  <a:solidFill>
+                    <a:srgbClr val="BCBEC4"/>
+                  </a:solidFill>
+                  <a:latin typeface="+mj-lt"/>
+                  <a:cs typeface="JetBrains Mono" panose="02000009000000000000" pitchFamily="49" charset="0"/>
+                </a:rPr>
+                <a:t>    </a:t>
+              </a:r>
+              <a:r>
+                <a:rPr lang="zh-TW" altLang="en-US" sz="2000">
+                  <a:solidFill>
+                    <a:srgbClr val="00B0F0"/>
+                  </a:solidFill>
+                  <a:latin typeface="+mj-lt"/>
+                  <a:ea typeface="微軟正黑體" panose="020B0604030504040204" pitchFamily="34" charset="-120"/>
+                  <a:cs typeface="JetBrains Mono" panose="02000009000000000000" pitchFamily="49" charset="0"/>
+                </a:rPr>
+                <a:t>陳述式</a:t>
+              </a:r>
+              <a:r>
+                <a:rPr lang="en-US" altLang="zh-TW" sz="2000">
+                  <a:solidFill>
+                    <a:srgbClr val="00B0F0"/>
+                  </a:solidFill>
+                  <a:latin typeface="+mj-lt"/>
+                  <a:ea typeface="微軟正黑體" panose="020B0604030504040204" pitchFamily="34" charset="-120"/>
+                  <a:cs typeface="JetBrains Mono" panose="02000009000000000000" pitchFamily="49" charset="0"/>
+                </a:rPr>
+                <a:t>...</a:t>
+              </a:r>
+              <a:br>
+                <a:rPr lang="zh-TW" altLang="zh-TW" sz="2000">
+                  <a:solidFill>
+                    <a:srgbClr val="00B0F0"/>
+                  </a:solidFill>
+                  <a:latin typeface="+mj-lt"/>
+                  <a:ea typeface="微軟正黑體" panose="020B0604030504040204" pitchFamily="34" charset="-120"/>
+                  <a:cs typeface="JetBrains Mono" panose="02000009000000000000" pitchFamily="49" charset="0"/>
+                </a:rPr>
+              </a:br>
+              <a:r>
+                <a:rPr kumimoji="0" lang="zh-TW" altLang="zh-TW" sz="2000" b="0" i="0" u="none" strike="noStrike" cap="none" normalizeH="0" baseline="0">
+                  <a:ln>
+                    <a:noFill/>
+                  </a:ln>
+                  <a:solidFill>
+                    <a:srgbClr val="BCBEC4"/>
+                  </a:solidFill>
+                  <a:effectLst/>
+                  <a:latin typeface="+mj-lt"/>
+                  <a:cs typeface="JetBrains Mono" panose="02000009000000000000" pitchFamily="49" charset="0"/>
+                </a:rPr>
+                <a:t>}</a:t>
+              </a:r>
+              <a:endParaRPr kumimoji="0" lang="zh-TW" altLang="zh-TW" sz="2000" b="0" i="0" u="none" strike="noStrike" cap="none" normalizeH="0" baseline="0">
+                <a:ln>
+                  <a:noFill/>
+                </a:ln>
+                <a:solidFill>
+                  <a:schemeClr val="tx1"/>
+                </a:solidFill>
+                <a:effectLst/>
+                <a:latin typeface="+mj-lt"/>
+              </a:endParaRPr>
+            </a:p>
+          </p:txBody>
+        </p:sp>
+        <p:sp>
+          <p:nvSpPr>
+            <p:cNvPr id="6" name="文字方塊 5">
+              <a:extLst>
+                <a:ext uri="{FF2B5EF4-FFF2-40B4-BE49-F238E27FC236}">
+                  <a16:creationId xmlns:a16="http://schemas.microsoft.com/office/drawing/2014/main" id="{6C926599-9FFB-4E4A-A17F-C828934F71F7}"/>
+                </a:ext>
+              </a:extLst>
+            </p:cNvPr>
+            <p:cNvSpPr txBox="1"/>
+            <p:nvPr/>
+          </p:nvSpPr>
+          <p:spPr>
+            <a:xfrm>
+              <a:off x="10662585" y="3996692"/>
+              <a:ext cx="691215" cy="369332"/>
+            </a:xfrm>
+            <a:prstGeom prst="rect">
+              <a:avLst/>
+            </a:prstGeom>
+            <a:noFill/>
+          </p:spPr>
+          <p:txBody>
+            <a:bodyPr wrap="none" rtlCol="0">
+              <a:spAutoFit/>
+            </a:bodyPr>
+            <a:lstStyle/>
+            <a:p>
+              <a:r>
+                <a:rPr lang="en-US" altLang="zh-TW">
+                  <a:solidFill>
+                    <a:schemeClr val="accent3"/>
+                  </a:solidFill>
+                </a:rPr>
+                <a:t>java</a:t>
+              </a:r>
+              <a:endParaRPr lang="zh-TW" altLang="en-US">
+                <a:solidFill>
+                  <a:schemeClr val="accent3"/>
+                </a:solidFill>
+              </a:endParaRPr>
+            </a:p>
+          </p:txBody>
+        </p:sp>
+      </p:grpSp>
+      <p:sp>
+        <p:nvSpPr>
+          <p:cNvPr id="8" name="內容版面配置區 2">
+            <a:extLst>
+              <a:ext uri="{FF2B5EF4-FFF2-40B4-BE49-F238E27FC236}">
+                <a16:creationId xmlns:a16="http://schemas.microsoft.com/office/drawing/2014/main" id="{F38FDA9B-8ADF-4112-99D9-4DE6AFB43784}"/>
+              </a:ext>
+            </a:extLst>
+          </p:cNvPr>
+          <p:cNvSpPr txBox="1">
+            <a:spLocks/>
+          </p:cNvSpPr>
+          <p:nvPr/>
+        </p:nvSpPr>
+        <p:spPr>
+          <a:xfrm>
+            <a:off x="838200" y="5414682"/>
+            <a:ext cx="10515600" cy="1102660"/>
+          </a:xfrm>
+          <a:prstGeom prst="rect">
+            <a:avLst/>
+          </a:prstGeom>
+        </p:spPr>
+        <p:txBody>
+          <a:bodyPr vert="horz" lIns="91440" tIns="45720" rIns="91440" bIns="45720" rtlCol="0">
+            <a:normAutofit/>
+          </a:bodyPr>
+          <a:lstStyle>
+            <a:lvl1pPr marL="0" indent="0" algn="l" defTabSz="914400" rtl="0" eaLnBrk="1" latinLnBrk="0" hangingPunct="1">
+              <a:lnSpc>
+                <a:spcPct val="90000"/>
+              </a:lnSpc>
+              <a:spcBef>
+                <a:spcPts val="1000"/>
+              </a:spcBef>
+              <a:buFont typeface="Arial" panose="020B0604020202020204" pitchFamily="34" charset="0"/>
+              <a:buNone/>
+              <a:defRPr sz="2800" kern="1200">
+                <a:solidFill>
+                  <a:schemeClr val="tx1"/>
+                </a:solidFill>
+                <a:latin typeface="+mn-lt"/>
+                <a:ea typeface="+mn-ea"/>
+                <a:cs typeface="+mn-cs"/>
+              </a:defRPr>
+            </a:lvl1pPr>
+            <a:lvl2pPr marL="457200" indent="0" algn="l" defTabSz="914400" rtl="0" eaLnBrk="1" latinLnBrk="0" hangingPunct="1">
+              <a:lnSpc>
+                <a:spcPct val="90000"/>
+              </a:lnSpc>
+              <a:spcBef>
+                <a:spcPts val="500"/>
+              </a:spcBef>
+              <a:buFont typeface="Arial" panose="020B0604020202020204" pitchFamily="34" charset="0"/>
+              <a:buNone/>
+              <a:defRPr sz="2400" kern="1200">
+                <a:solidFill>
+                  <a:schemeClr val="tx1"/>
+                </a:solidFill>
+                <a:latin typeface="+mn-lt"/>
+                <a:ea typeface="+mn-ea"/>
+                <a:cs typeface="+mn-cs"/>
+              </a:defRPr>
+            </a:lvl2pPr>
+            <a:lvl3pPr marL="914400" indent="0" algn="l" defTabSz="914400" rtl="0" eaLnBrk="1" latinLnBrk="0" hangingPunct="1">
+              <a:lnSpc>
+                <a:spcPct val="90000"/>
+              </a:lnSpc>
+              <a:spcBef>
+                <a:spcPts val="500"/>
+              </a:spcBef>
+              <a:buFont typeface="Arial" panose="020B0604020202020204" pitchFamily="34" charset="0"/>
+              <a:buNone/>
+              <a:defRPr sz="2000" kern="1200">
+                <a:solidFill>
+                  <a:schemeClr val="tx1"/>
+                </a:solidFill>
+                <a:latin typeface="+mn-lt"/>
+                <a:ea typeface="+mn-ea"/>
+                <a:cs typeface="+mn-cs"/>
+              </a:defRPr>
+            </a:lvl3pPr>
+            <a:lvl4pPr marL="1371600" indent="0" algn="l" defTabSz="914400" rtl="0" eaLnBrk="1" latinLnBrk="0" hangingPunct="1">
+              <a:lnSpc>
+                <a:spcPct val="90000"/>
+              </a:lnSpc>
+              <a:spcBef>
+                <a:spcPts val="500"/>
+              </a:spcBef>
+              <a:buFont typeface="Arial" panose="020B0604020202020204" pitchFamily="34" charset="0"/>
+              <a:buNone/>
+              <a:defRPr sz="1800" kern="1200">
+                <a:solidFill>
+                  <a:schemeClr val="tx1"/>
+                </a:solidFill>
+                <a:latin typeface="+mn-lt"/>
+                <a:ea typeface="+mn-ea"/>
+                <a:cs typeface="+mn-cs"/>
+              </a:defRPr>
+            </a:lvl4pPr>
+            <a:lvl5pPr marL="1828800" indent="0" algn="l" defTabSz="914400" rtl="0" eaLnBrk="1" latinLnBrk="0" hangingPunct="1">
+              <a:lnSpc>
+                <a:spcPct val="90000"/>
+              </a:lnSpc>
+              <a:spcBef>
+                <a:spcPts val="500"/>
+              </a:spcBef>
+              <a:buFont typeface="Arial" panose="020B0604020202020204" pitchFamily="34" charset="0"/>
+              <a:buNone/>
+              <a:defRPr sz="1800" kern="1200">
+                <a:solidFill>
+                  <a:schemeClr val="tx1"/>
+                </a:solidFill>
+                <a:latin typeface="+mn-lt"/>
+                <a:ea typeface="+mn-ea"/>
+                <a:cs typeface="+mn-cs"/>
+              </a:defRPr>
+            </a:lvl5pPr>
+            <a:lvl6pPr marL="2514600" indent="-228600" algn="l" defTabSz="914400" rtl="0" eaLnBrk="1" latinLnBrk="0" hangingPunct="1">
+              <a:lnSpc>
+                <a:spcPct val="90000"/>
+              </a:lnSpc>
+              <a:spcBef>
+                <a:spcPts val="500"/>
+              </a:spcBef>
+              <a:buFont typeface="Arial" panose="020B0604020202020204" pitchFamily="34" charset="0"/>
+              <a:buChar char="•"/>
+              <a:defRPr sz="1800" kern="1200">
+                <a:solidFill>
+                  <a:schemeClr val="tx1"/>
+                </a:solidFill>
+                <a:latin typeface="+mn-lt"/>
+                <a:ea typeface="+mn-ea"/>
+                <a:cs typeface="+mn-cs"/>
+              </a:defRPr>
+            </a:lvl6pPr>
+            <a:lvl7pPr marL="2971800" indent="-228600" algn="l" defTabSz="914400" rtl="0" eaLnBrk="1" latinLnBrk="0" hangingPunct="1">
+              <a:lnSpc>
+                <a:spcPct val="90000"/>
+              </a:lnSpc>
+              <a:spcBef>
+                <a:spcPts val="500"/>
+              </a:spcBef>
+              <a:buFont typeface="Arial" panose="020B0604020202020204" pitchFamily="34" charset="0"/>
+              <a:buChar char="•"/>
+              <a:defRPr sz="1800" kern="1200">
+                <a:solidFill>
+                  <a:schemeClr val="tx1"/>
+                </a:solidFill>
+                <a:latin typeface="+mn-lt"/>
+                <a:ea typeface="+mn-ea"/>
+                <a:cs typeface="+mn-cs"/>
+              </a:defRPr>
+            </a:lvl7pPr>
+            <a:lvl8pPr marL="3429000" indent="-228600" algn="l" defTabSz="914400" rtl="0" eaLnBrk="1" latinLnBrk="0" hangingPunct="1">
+              <a:lnSpc>
+                <a:spcPct val="90000"/>
+              </a:lnSpc>
+              <a:spcBef>
+                <a:spcPts val="500"/>
+              </a:spcBef>
+              <a:buFont typeface="Arial" panose="020B0604020202020204" pitchFamily="34" charset="0"/>
+              <a:buChar char="•"/>
+              <a:defRPr sz="1800" kern="1200">
+                <a:solidFill>
+                  <a:schemeClr val="tx1"/>
+                </a:solidFill>
+                <a:latin typeface="+mn-lt"/>
+                <a:ea typeface="+mn-ea"/>
+                <a:cs typeface="+mn-cs"/>
+              </a:defRPr>
+            </a:lvl8pPr>
+            <a:lvl9pPr marL="3886200" indent="-228600" algn="l" defTabSz="914400" rtl="0" eaLnBrk="1" latinLnBrk="0" hangingPunct="1">
+              <a:lnSpc>
+                <a:spcPct val="90000"/>
+              </a:lnSpc>
+              <a:spcBef>
+                <a:spcPts val="500"/>
+              </a:spcBef>
+              <a:buFont typeface="Arial" panose="020B0604020202020204" pitchFamily="34" charset="0"/>
+              <a:buChar char="•"/>
+              <a:defRPr sz="1800" kern="1200">
+                <a:solidFill>
+                  <a:schemeClr val="tx1"/>
+                </a:solidFill>
+                <a:latin typeface="+mn-lt"/>
+                <a:ea typeface="+mn-ea"/>
+                <a:cs typeface="+mn-cs"/>
+              </a:defRPr>
+            </a:lvl9pPr>
+          </a:lstStyle>
+          <a:p>
+            <a:r>
+              <a:rPr lang="zh-TW" altLang="en-US"/>
+              <a:t>但除非是 </a:t>
+            </a:r>
+            <a:r>
+              <a:rPr lang="en-US" altLang="zh-TW">
+                <a:solidFill>
+                  <a:srgbClr val="CF8E6D"/>
+                </a:solidFill>
+              </a:rPr>
+              <a:t>if...else if...else </a:t>
+            </a:r>
+            <a:r>
+              <a:rPr lang="zh-TW" altLang="en-US"/>
+              <a:t>的語法</a:t>
+            </a:r>
+            <a:endParaRPr lang="en-US" altLang="zh-TW"/>
+          </a:p>
+          <a:p>
+            <a:r>
+              <a:rPr lang="zh-TW" altLang="en-US"/>
+              <a:t>否則強烈建議使用區塊，避免閱讀錯誤</a:t>
+            </a:r>
+            <a:endParaRPr lang="en-US" altLang="zh-TW"/>
+          </a:p>
+        </p:txBody>
+      </p:sp>
+      <p:grpSp>
+        <p:nvGrpSpPr>
+          <p:cNvPr id="11" name="群組 10">
+            <a:extLst>
+              <a:ext uri="{FF2B5EF4-FFF2-40B4-BE49-F238E27FC236}">
+                <a16:creationId xmlns:a16="http://schemas.microsoft.com/office/drawing/2014/main" id="{B601A77E-6C25-400C-94E1-4F799DD9607F}"/>
+              </a:ext>
+            </a:extLst>
+          </p:cNvPr>
+          <p:cNvGrpSpPr/>
+          <p:nvPr/>
+        </p:nvGrpSpPr>
+        <p:grpSpPr>
+          <a:xfrm>
+            <a:off x="9177242" y="6123076"/>
+            <a:ext cx="2225216" cy="394266"/>
+            <a:chOff x="9177242" y="6123076"/>
+            <a:chExt cx="2225216" cy="394266"/>
+          </a:xfrm>
+        </p:grpSpPr>
+        <p:pic>
+          <p:nvPicPr>
+            <p:cNvPr id="9" name="圖片 8">
+              <a:hlinkClick r:id="rId2"/>
+              <a:extLst>
+                <a:ext uri="{FF2B5EF4-FFF2-40B4-BE49-F238E27FC236}">
+                  <a16:creationId xmlns:a16="http://schemas.microsoft.com/office/drawing/2014/main" id="{1A6F007A-0476-499C-B9F9-2AF4E9911BF0}"/>
+                </a:ext>
+              </a:extLst>
+            </p:cNvPr>
+            <p:cNvPicPr>
+              <a:picLocks noChangeAspect="1"/>
+            </p:cNvPicPr>
+            <p:nvPr/>
+          </p:nvPicPr>
+          <p:blipFill>
+            <a:blip r:embed="rId3">
+              <a:extLst>
+                <a:ext uri="{28A0092B-C50C-407E-A947-70E740481C1C}">
+                  <a14:useLocalDpi xmlns:a14="http://schemas.microsoft.com/office/drawing/2010/main" val="0"/>
+                </a:ext>
+              </a:extLst>
+            </a:blip>
+            <a:stretch>
+              <a:fillRect/>
+            </a:stretch>
+          </p:blipFill>
+          <p:spPr>
+            <a:xfrm>
+              <a:off x="11008192" y="6123076"/>
+              <a:ext cx="394266" cy="394266"/>
+            </a:xfrm>
+            <a:prstGeom prst="rect">
+              <a:avLst/>
+            </a:prstGeom>
+          </p:spPr>
+        </p:pic>
+        <p:sp>
+          <p:nvSpPr>
+            <p:cNvPr id="10" name="文字方塊 9">
+              <a:extLst>
+                <a:ext uri="{FF2B5EF4-FFF2-40B4-BE49-F238E27FC236}">
+                  <a16:creationId xmlns:a16="http://schemas.microsoft.com/office/drawing/2014/main" id="{90551BA1-EF11-4114-8C33-B5ED08FEFB95}"/>
+                </a:ext>
+              </a:extLst>
+            </p:cNvPr>
+            <p:cNvSpPr txBox="1"/>
+            <p:nvPr/>
+          </p:nvSpPr>
+          <p:spPr>
+            <a:xfrm>
+              <a:off x="9177242" y="6135543"/>
+              <a:ext cx="1830950" cy="369332"/>
+            </a:xfrm>
+            <a:prstGeom prst="rect">
+              <a:avLst/>
+            </a:prstGeom>
+            <a:noFill/>
+          </p:spPr>
+          <p:txBody>
+            <a:bodyPr wrap="none" rtlCol="0">
+              <a:spAutoFit/>
+            </a:bodyPr>
+            <a:lstStyle/>
+            <a:p>
+              <a:r>
+                <a:rPr lang="en-US" altLang="zh-TW"/>
+                <a:t>CVE-2014-1266</a:t>
+              </a:r>
+              <a:endParaRPr lang="zh-TW" altLang="en-US"/>
+            </a:p>
+          </p:txBody>
+        </p:sp>
+      </p:grpSp>
+    </p:spTree>
+    <p:extLst>
+      <p:ext uri="{BB962C8B-B14F-4D97-AF65-F5344CB8AC3E}">
+        <p14:creationId xmlns:p14="http://schemas.microsoft.com/office/powerpoint/2010/main" val="3057838582"/>
       </p:ext>
     </p:extLst>
   </p:cSld>

--- a/powerpoint/06_流程控制.pptx
+++ b/powerpoint/06_流程控制.pptx
@@ -9,6 +9,8 @@
     <p:sldId id="257" r:id="rId3"/>
     <p:sldId id="258" r:id="rId4"/>
     <p:sldId id="259" r:id="rId5"/>
+    <p:sldId id="261" r:id="rId6"/>
+    <p:sldId id="260" r:id="rId7"/>
   </p:sldIdLst>
   <p:sldSz cx="12192000" cy="6858000"/>
   <p:notesSz cx="6858000" cy="9144000"/>
@@ -8021,12 +8023,14 @@
         </p:nvSpPr>
         <p:spPr>
           <a:xfrm>
-            <a:off x="838200" y="2892425"/>
-            <a:ext cx="10515600" cy="1603375"/>
+            <a:off x="838200" y="2484532"/>
+            <a:ext cx="10515600" cy="2616386"/>
           </a:xfrm>
         </p:spPr>
         <p:txBody>
-          <a:bodyPr/>
+          <a:bodyPr>
+            <a:normAutofit/>
+          </a:bodyPr>
           <a:lstStyle/>
           <a:p>
             <a:r>
@@ -8119,6 +8123,35 @@
               </a:rPr>
               <a:t>break</a:t>
             </a:r>
+          </a:p>
+          <a:p>
+            <a:r>
+              <a:rPr lang="zh-TW" altLang="en-US"/>
+              <a:t>這些是</a:t>
+            </a:r>
+            <a:r>
+              <a:rPr lang="zh-TW" altLang="en-US">
+                <a:solidFill>
+                  <a:srgbClr val="00B0F0"/>
+                </a:solidFill>
+              </a:rPr>
+              <a:t>控制流程陳述式</a:t>
+            </a:r>
+            <a:r>
+              <a:rPr lang="en-US" altLang="zh-TW">
+                <a:solidFill>
+                  <a:srgbClr val="00B0F0"/>
+                </a:solidFill>
+              </a:rPr>
+              <a:t>(control flow statement)</a:t>
+            </a:r>
+          </a:p>
+          <a:p>
+            <a:r>
+              <a:rPr lang="zh-TW" altLang="en-US"/>
+              <a:t>與表達陳述式和宣告陳述式不同的是，流程控制陳述式不用分號</a:t>
+            </a:r>
+            <a:endParaRPr lang="en-US" altLang="zh-TW"/>
           </a:p>
         </p:txBody>
       </p:sp>
@@ -9024,7 +9057,7 @@
         </p:nvSpPr>
         <p:spPr>
           <a:xfrm>
-            <a:off x="838200" y="0"/>
+            <a:off x="838200" y="194261"/>
             <a:ext cx="10515600" cy="1325563"/>
           </a:xfrm>
         </p:spPr>
@@ -9034,7 +9067,7 @@
           <a:p>
             <a:r>
               <a:rPr lang="en-US" altLang="zh-TW"/>
-              <a:t>if-else</a:t>
+              <a:t>if...else</a:t>
             </a:r>
             <a:endParaRPr lang="zh-TW" altLang="en-US"/>
           </a:p>
@@ -9058,12 +9091,14 @@
         </p:nvSpPr>
         <p:spPr>
           <a:xfrm>
-            <a:off x="838200" y="961593"/>
-            <a:ext cx="10515600" cy="2062629"/>
+            <a:off x="838200" y="1353670"/>
+            <a:ext cx="10515600" cy="1511453"/>
           </a:xfrm>
         </p:spPr>
         <p:txBody>
-          <a:bodyPr/>
+          <a:bodyPr>
+            <a:normAutofit/>
+          </a:bodyPr>
           <a:lstStyle/>
           <a:p>
             <a:r>
@@ -9104,13 +9139,6 @@
             <a:r>
               <a:rPr lang="zh-TW" altLang="en-US"/>
               <a:t>則可以不寫程式碼區塊，直接寫陳述式</a:t>
-            </a:r>
-            <a:endParaRPr lang="en-US" altLang="zh-TW"/>
-          </a:p>
-          <a:p>
-            <a:r>
-              <a:rPr lang="zh-TW" altLang="en-US"/>
-              <a:t>而流程控制不算是陳述式的一種</a:t>
             </a:r>
             <a:endParaRPr lang="en-US" altLang="zh-TW"/>
           </a:p>
@@ -9149,7 +9177,7 @@
         </p:nvGrpSpPr>
         <p:grpSpPr>
           <a:xfrm>
-            <a:off x="838200" y="3024222"/>
+            <a:off x="838200" y="2865123"/>
             <a:ext cx="10515600" cy="2246769"/>
             <a:chOff x="838200" y="2119255"/>
             <a:chExt cx="10515600" cy="2246769"/>
@@ -9744,7 +9772,7 @@
         </p:nvSpPr>
         <p:spPr>
           <a:xfrm>
-            <a:off x="838200" y="5414682"/>
+            <a:off x="838200" y="5255583"/>
             <a:ext cx="10515600" cy="1102660"/>
           </a:xfrm>
           <a:prstGeom prst="rect">
@@ -10045,6 +10073,2686 @@
     <p:extLst>
       <p:ext uri="{BB962C8B-B14F-4D97-AF65-F5344CB8AC3E}">
         <p14:creationId xmlns:p14="http://schemas.microsoft.com/office/powerpoint/2010/main" val="3057838582"/>
+      </p:ext>
+    </p:extLst>
+  </p:cSld>
+  <p:clrMapOvr>
+    <a:masterClrMapping/>
+  </p:clrMapOvr>
+  <p:transition spd="slow">
+    <p:push dir="u"/>
+  </p:transition>
+</p:sld>
+</file>
+
+<file path=ppt/slides/slide5.xml><?xml version="1.0" encoding="utf-8"?>
+<p:sld xmlns:a="http://schemas.openxmlformats.org/drawingml/2006/main" xmlns:r="http://schemas.openxmlformats.org/officeDocument/2006/relationships" xmlns:p="http://schemas.openxmlformats.org/presentationml/2006/main">
+  <p:cSld>
+    <p:spTree>
+      <p:nvGrpSpPr>
+        <p:cNvPr id="1" name=""/>
+        <p:cNvGrpSpPr/>
+        <p:nvPr/>
+      </p:nvGrpSpPr>
+      <p:grpSpPr>
+        <a:xfrm>
+          <a:off x="0" y="0"/>
+          <a:ext cx="0" cy="0"/>
+          <a:chOff x="0" y="0"/>
+          <a:chExt cx="0" cy="0"/>
+        </a:xfrm>
+      </p:grpSpPr>
+      <p:sp>
+        <p:nvSpPr>
+          <p:cNvPr id="2" name="標題 1">
+            <a:extLst>
+              <a:ext uri="{FF2B5EF4-FFF2-40B4-BE49-F238E27FC236}">
+                <a16:creationId xmlns:a16="http://schemas.microsoft.com/office/drawing/2014/main" id="{2E5E2D51-FD52-404F-8316-062868EF9F85}"/>
+              </a:ext>
+            </a:extLst>
+          </p:cNvPr>
+          <p:cNvSpPr>
+            <a:spLocks noGrp="1"/>
+          </p:cNvSpPr>
+          <p:nvPr>
+            <p:ph type="title"/>
+          </p:nvPr>
+        </p:nvSpPr>
+        <p:spPr/>
+        <p:txBody>
+          <a:bodyPr/>
+          <a:lstStyle/>
+          <a:p>
+            <a:r>
+              <a:rPr lang="en-US" altLang="zh-TW"/>
+              <a:t>if...else</a:t>
+            </a:r>
+            <a:endParaRPr lang="zh-TW" altLang="en-US"/>
+          </a:p>
+        </p:txBody>
+      </p:sp>
+      <p:sp>
+        <p:nvSpPr>
+          <p:cNvPr id="4" name="Rectangle 1">
+            <a:extLst>
+              <a:ext uri="{FF2B5EF4-FFF2-40B4-BE49-F238E27FC236}">
+                <a16:creationId xmlns:a16="http://schemas.microsoft.com/office/drawing/2014/main" id="{8E297E17-56BB-418D-B55B-653CAC680C83}"/>
+              </a:ext>
+            </a:extLst>
+          </p:cNvPr>
+          <p:cNvSpPr>
+            <a:spLocks noChangeArrowheads="1"/>
+          </p:cNvSpPr>
+          <p:nvPr/>
+        </p:nvSpPr>
+        <p:spPr bwMode="auto">
+          <a:xfrm>
+            <a:off x="466165" y="1599545"/>
+            <a:ext cx="7530354" cy="4770537"/>
+          </a:xfrm>
+          <a:prstGeom prst="rect">
+            <a:avLst/>
+          </a:prstGeom>
+          <a:solidFill>
+            <a:srgbClr val="1E1F22"/>
+          </a:solidFill>
+          <a:ln>
+            <a:noFill/>
+          </a:ln>
+          <a:effectLst/>
+          <a:extLst>
+            <a:ext uri="{91240B29-F687-4F45-9708-019B960494DF}">
+              <a14:hiddenLine xmlns:a14="http://schemas.microsoft.com/office/drawing/2010/main" w="9525">
+                <a:solidFill>
+                  <a:schemeClr val="tx1"/>
+                </a:solidFill>
+                <a:miter lim="800000"/>
+                <a:headEnd/>
+                <a:tailEnd/>
+              </a14:hiddenLine>
+            </a:ext>
+            <a:ext uri="{AF507438-7753-43E0-B8FC-AC1667EBCBE1}">
+              <a14:hiddenEffects xmlns:a14="http://schemas.microsoft.com/office/drawing/2010/main">
+                <a:effectLst>
+                  <a:outerShdw dist="35921" dir="2700000" algn="ctr" rotWithShape="0">
+                    <a:schemeClr val="bg2"/>
+                  </a:outerShdw>
+                </a:effectLst>
+              </a14:hiddenEffects>
+            </a:ext>
+          </a:extLst>
+        </p:spPr>
+        <p:txBody>
+          <a:bodyPr vert="horz" wrap="square" lIns="91440" tIns="45720" rIns="91440" bIns="45720" numCol="1" anchor="ctr" anchorCtr="0" compatLnSpc="1">
+            <a:prstTxWarp prst="textNoShape">
+              <a:avLst/>
+            </a:prstTxWarp>
+            <a:spAutoFit/>
+          </a:bodyPr>
+          <a:lstStyle/>
+          <a:p>
+            <a:pPr marL="0" marR="0" lvl="0" indent="0" algn="l" defTabSz="914400" rtl="0" eaLnBrk="0" fontAlgn="base" latinLnBrk="0" hangingPunct="0">
+              <a:lnSpc>
+                <a:spcPct val="100000"/>
+              </a:lnSpc>
+              <a:spcBef>
+                <a:spcPct val="0"/>
+              </a:spcBef>
+              <a:spcAft>
+                <a:spcPct val="0"/>
+              </a:spcAft>
+              <a:buClrTx/>
+              <a:buSzTx/>
+              <a:buFontTx/>
+              <a:buNone/>
+              <a:tabLst/>
+            </a:pPr>
+            <a:r>
+              <a:rPr kumimoji="0" lang="zh-TW" altLang="zh-TW" sz="1600" b="0" i="0" u="none" strike="noStrike" cap="none" normalizeH="0" baseline="0">
+                <a:ln>
+                  <a:noFill/>
+                </a:ln>
+                <a:solidFill>
+                  <a:srgbClr val="CF8E6D"/>
+                </a:solidFill>
+                <a:effectLst/>
+                <a:latin typeface="+mj-lt"/>
+                <a:cs typeface="JetBrains Mono" panose="02000009000000000000" pitchFamily="49" charset="0"/>
+              </a:rPr>
+              <a:t>import </a:t>
+            </a:r>
+            <a:r>
+              <a:rPr kumimoji="0" lang="zh-TW" altLang="zh-TW" sz="1600" b="0" i="0" u="none" strike="noStrike" cap="none" normalizeH="0" baseline="0">
+                <a:ln>
+                  <a:noFill/>
+                </a:ln>
+                <a:solidFill>
+                  <a:srgbClr val="BCBEC4"/>
+                </a:solidFill>
+                <a:effectLst/>
+                <a:latin typeface="+mj-lt"/>
+                <a:cs typeface="JetBrains Mono" panose="02000009000000000000" pitchFamily="49" charset="0"/>
+              </a:rPr>
+              <a:t>java.util.Scanner;</a:t>
+            </a:r>
+            <a:br>
+              <a:rPr kumimoji="0" lang="zh-TW" altLang="zh-TW" sz="1600" b="0" i="0" u="none" strike="noStrike" cap="none" normalizeH="0" baseline="0">
+                <a:ln>
+                  <a:noFill/>
+                </a:ln>
+                <a:solidFill>
+                  <a:srgbClr val="BCBEC4"/>
+                </a:solidFill>
+                <a:effectLst/>
+                <a:latin typeface="+mj-lt"/>
+                <a:cs typeface="JetBrains Mono" panose="02000009000000000000" pitchFamily="49" charset="0"/>
+              </a:rPr>
+            </a:br>
+            <a:br>
+              <a:rPr kumimoji="0" lang="zh-TW" altLang="zh-TW" sz="1600" b="0" i="0" u="none" strike="noStrike" cap="none" normalizeH="0" baseline="0">
+                <a:ln>
+                  <a:noFill/>
+                </a:ln>
+                <a:solidFill>
+                  <a:srgbClr val="BCBEC4"/>
+                </a:solidFill>
+                <a:effectLst/>
+                <a:latin typeface="+mj-lt"/>
+                <a:cs typeface="JetBrains Mono" panose="02000009000000000000" pitchFamily="49" charset="0"/>
+              </a:rPr>
+            </a:br>
+            <a:r>
+              <a:rPr kumimoji="0" lang="zh-TW" altLang="zh-TW" sz="1600" b="0" i="0" u="none" strike="noStrike" cap="none" normalizeH="0" baseline="0">
+                <a:ln>
+                  <a:noFill/>
+                </a:ln>
+                <a:solidFill>
+                  <a:srgbClr val="CF8E6D"/>
+                </a:solidFill>
+                <a:effectLst/>
+                <a:latin typeface="+mj-lt"/>
+                <a:cs typeface="JetBrains Mono" panose="02000009000000000000" pitchFamily="49" charset="0"/>
+              </a:rPr>
+              <a:t>public class </a:t>
+            </a:r>
+            <a:r>
+              <a:rPr kumimoji="0" lang="zh-TW" altLang="zh-TW" sz="1600" b="0" i="0" u="none" strike="noStrike" cap="none" normalizeH="0" baseline="0">
+                <a:ln>
+                  <a:noFill/>
+                </a:ln>
+                <a:solidFill>
+                  <a:srgbClr val="BCBEC4"/>
+                </a:solidFill>
+                <a:effectLst/>
+                <a:latin typeface="+mj-lt"/>
+                <a:cs typeface="JetBrains Mono" panose="02000009000000000000" pitchFamily="49" charset="0"/>
+              </a:rPr>
+              <a:t>Main {</a:t>
+            </a:r>
+            <a:br>
+              <a:rPr kumimoji="0" lang="zh-TW" altLang="zh-TW" sz="1600" b="0" i="0" u="none" strike="noStrike" cap="none" normalizeH="0" baseline="0">
+                <a:ln>
+                  <a:noFill/>
+                </a:ln>
+                <a:solidFill>
+                  <a:srgbClr val="BCBEC4"/>
+                </a:solidFill>
+                <a:effectLst/>
+                <a:latin typeface="+mj-lt"/>
+                <a:cs typeface="JetBrains Mono" panose="02000009000000000000" pitchFamily="49" charset="0"/>
+              </a:rPr>
+            </a:br>
+            <a:r>
+              <a:rPr kumimoji="0" lang="zh-TW" altLang="zh-TW" sz="1600" b="0" i="0" u="none" strike="noStrike" cap="none" normalizeH="0" baseline="0">
+                <a:ln>
+                  <a:noFill/>
+                </a:ln>
+                <a:solidFill>
+                  <a:srgbClr val="BCBEC4"/>
+                </a:solidFill>
+                <a:effectLst/>
+                <a:latin typeface="+mj-lt"/>
+                <a:cs typeface="JetBrains Mono" panose="02000009000000000000" pitchFamily="49" charset="0"/>
+              </a:rPr>
+              <a:t>    </a:t>
+            </a:r>
+            <a:r>
+              <a:rPr kumimoji="0" lang="zh-TW" altLang="zh-TW" sz="1600" b="0" i="0" u="none" strike="noStrike" cap="none" normalizeH="0" baseline="0">
+                <a:ln>
+                  <a:noFill/>
+                </a:ln>
+                <a:solidFill>
+                  <a:srgbClr val="CF8E6D"/>
+                </a:solidFill>
+                <a:effectLst/>
+                <a:latin typeface="+mj-lt"/>
+                <a:cs typeface="JetBrains Mono" panose="02000009000000000000" pitchFamily="49" charset="0"/>
+              </a:rPr>
+              <a:t>public static void </a:t>
+            </a:r>
+            <a:r>
+              <a:rPr kumimoji="0" lang="zh-TW" altLang="zh-TW" sz="1600" b="0" i="0" u="none" strike="noStrike" cap="none" normalizeH="0" baseline="0">
+                <a:ln>
+                  <a:noFill/>
+                </a:ln>
+                <a:solidFill>
+                  <a:srgbClr val="56A8F5"/>
+                </a:solidFill>
+                <a:effectLst/>
+                <a:latin typeface="+mj-lt"/>
+                <a:cs typeface="JetBrains Mono" panose="02000009000000000000" pitchFamily="49" charset="0"/>
+              </a:rPr>
+              <a:t>main</a:t>
+            </a:r>
+            <a:r>
+              <a:rPr kumimoji="0" lang="zh-TW" altLang="zh-TW" sz="1600" b="0" i="0" u="none" strike="noStrike" cap="none" normalizeH="0" baseline="0">
+                <a:ln>
+                  <a:noFill/>
+                </a:ln>
+                <a:solidFill>
+                  <a:srgbClr val="BCBEC4"/>
+                </a:solidFill>
+                <a:effectLst/>
+                <a:latin typeface="+mj-lt"/>
+                <a:cs typeface="JetBrains Mono" panose="02000009000000000000" pitchFamily="49" charset="0"/>
+              </a:rPr>
+              <a:t>(String[] args) {</a:t>
+            </a:r>
+            <a:br>
+              <a:rPr kumimoji="0" lang="zh-TW" altLang="zh-TW" sz="1600" b="0" i="0" u="none" strike="noStrike" cap="none" normalizeH="0" baseline="0">
+                <a:ln>
+                  <a:noFill/>
+                </a:ln>
+                <a:solidFill>
+                  <a:srgbClr val="BCBEC4"/>
+                </a:solidFill>
+                <a:effectLst/>
+                <a:latin typeface="+mj-lt"/>
+                <a:cs typeface="JetBrains Mono" panose="02000009000000000000" pitchFamily="49" charset="0"/>
+              </a:rPr>
+            </a:br>
+            <a:r>
+              <a:rPr kumimoji="0" lang="zh-TW" altLang="zh-TW" sz="1600" b="0" i="0" u="none" strike="noStrike" cap="none" normalizeH="0" baseline="0">
+                <a:ln>
+                  <a:noFill/>
+                </a:ln>
+                <a:solidFill>
+                  <a:srgbClr val="BCBEC4"/>
+                </a:solidFill>
+                <a:effectLst/>
+                <a:latin typeface="+mj-lt"/>
+                <a:cs typeface="JetBrains Mono" panose="02000009000000000000" pitchFamily="49" charset="0"/>
+              </a:rPr>
+              <a:t>        Scanner scanner = </a:t>
+            </a:r>
+            <a:r>
+              <a:rPr kumimoji="0" lang="zh-TW" altLang="zh-TW" sz="1600" b="0" i="0" u="none" strike="noStrike" cap="none" normalizeH="0" baseline="0">
+                <a:ln>
+                  <a:noFill/>
+                </a:ln>
+                <a:solidFill>
+                  <a:srgbClr val="CF8E6D"/>
+                </a:solidFill>
+                <a:effectLst/>
+                <a:latin typeface="+mj-lt"/>
+                <a:cs typeface="JetBrains Mono" panose="02000009000000000000" pitchFamily="49" charset="0"/>
+              </a:rPr>
+              <a:t>new </a:t>
+            </a:r>
+            <a:r>
+              <a:rPr kumimoji="0" lang="zh-TW" altLang="zh-TW" sz="1600" b="0" i="0" u="none" strike="noStrike" cap="none" normalizeH="0" baseline="0">
+                <a:ln>
+                  <a:noFill/>
+                </a:ln>
+                <a:solidFill>
+                  <a:srgbClr val="BCBEC4"/>
+                </a:solidFill>
+                <a:effectLst/>
+                <a:latin typeface="+mj-lt"/>
+                <a:cs typeface="JetBrains Mono" panose="02000009000000000000" pitchFamily="49" charset="0"/>
+              </a:rPr>
+              <a:t>Scanner(System.</a:t>
+            </a:r>
+            <a:r>
+              <a:rPr kumimoji="0" lang="zh-TW" altLang="zh-TW" sz="1600" b="0" i="1" u="none" strike="noStrike" cap="none" normalizeH="0" baseline="0">
+                <a:ln>
+                  <a:noFill/>
+                </a:ln>
+                <a:solidFill>
+                  <a:srgbClr val="C77DBB"/>
+                </a:solidFill>
+                <a:effectLst/>
+                <a:latin typeface="+mj-lt"/>
+                <a:cs typeface="JetBrains Mono" panose="02000009000000000000" pitchFamily="49" charset="0"/>
+              </a:rPr>
+              <a:t>in</a:t>
+            </a:r>
+            <a:r>
+              <a:rPr kumimoji="0" lang="zh-TW" altLang="zh-TW" sz="1600" b="0" i="0" u="none" strike="noStrike" cap="none" normalizeH="0" baseline="0">
+                <a:ln>
+                  <a:noFill/>
+                </a:ln>
+                <a:solidFill>
+                  <a:srgbClr val="BCBEC4"/>
+                </a:solidFill>
+                <a:effectLst/>
+                <a:latin typeface="+mj-lt"/>
+                <a:cs typeface="JetBrains Mono" panose="02000009000000000000" pitchFamily="49" charset="0"/>
+              </a:rPr>
+              <a:t>);</a:t>
+            </a:r>
+            <a:br>
+              <a:rPr kumimoji="0" lang="zh-TW" altLang="zh-TW" sz="1600" b="0" i="0" u="none" strike="noStrike" cap="none" normalizeH="0" baseline="0">
+                <a:ln>
+                  <a:noFill/>
+                </a:ln>
+                <a:solidFill>
+                  <a:srgbClr val="BCBEC4"/>
+                </a:solidFill>
+                <a:effectLst/>
+                <a:latin typeface="+mj-lt"/>
+                <a:cs typeface="JetBrains Mono" panose="02000009000000000000" pitchFamily="49" charset="0"/>
+              </a:rPr>
+            </a:br>
+            <a:r>
+              <a:rPr kumimoji="0" lang="zh-TW" altLang="zh-TW" sz="1600" b="0" i="0" u="none" strike="noStrike" cap="none" normalizeH="0" baseline="0">
+                <a:ln>
+                  <a:noFill/>
+                </a:ln>
+                <a:solidFill>
+                  <a:srgbClr val="BCBEC4"/>
+                </a:solidFill>
+                <a:effectLst/>
+                <a:latin typeface="+mj-lt"/>
+                <a:cs typeface="JetBrains Mono" panose="02000009000000000000" pitchFamily="49" charset="0"/>
+              </a:rPr>
+              <a:t>        String input = scanner.next();</a:t>
+            </a:r>
+            <a:br>
+              <a:rPr kumimoji="0" lang="zh-TW" altLang="zh-TW" sz="1600" b="0" i="0" u="none" strike="noStrike" cap="none" normalizeH="0" baseline="0">
+                <a:ln>
+                  <a:noFill/>
+                </a:ln>
+                <a:solidFill>
+                  <a:srgbClr val="BCBEC4"/>
+                </a:solidFill>
+                <a:effectLst/>
+                <a:latin typeface="+mj-lt"/>
+                <a:cs typeface="JetBrains Mono" panose="02000009000000000000" pitchFamily="49" charset="0"/>
+              </a:rPr>
+            </a:br>
+            <a:r>
+              <a:rPr kumimoji="0" lang="zh-TW" altLang="zh-TW" sz="1600" b="0" i="0" u="none" strike="noStrike" cap="none" normalizeH="0" baseline="0">
+                <a:ln>
+                  <a:noFill/>
+                </a:ln>
+                <a:solidFill>
+                  <a:srgbClr val="BCBEC4"/>
+                </a:solidFill>
+                <a:effectLst/>
+                <a:latin typeface="+mj-lt"/>
+                <a:cs typeface="JetBrains Mono" panose="02000009000000000000" pitchFamily="49" charset="0"/>
+              </a:rPr>
+              <a:t>        </a:t>
+            </a:r>
+            <a:r>
+              <a:rPr kumimoji="0" lang="zh-TW" altLang="zh-TW" sz="1600" b="0" i="0" u="none" strike="noStrike" cap="none" normalizeH="0" baseline="0">
+                <a:ln>
+                  <a:noFill/>
+                </a:ln>
+                <a:solidFill>
+                  <a:srgbClr val="CF8E6D"/>
+                </a:solidFill>
+                <a:effectLst/>
+                <a:latin typeface="+mj-lt"/>
+                <a:cs typeface="JetBrains Mono" panose="02000009000000000000" pitchFamily="49" charset="0"/>
+              </a:rPr>
+              <a:t>if </a:t>
+            </a:r>
+            <a:r>
+              <a:rPr kumimoji="0" lang="zh-TW" altLang="zh-TW" sz="1600" b="0" i="0" u="none" strike="noStrike" cap="none" normalizeH="0" baseline="0">
+                <a:ln>
+                  <a:noFill/>
+                </a:ln>
+                <a:solidFill>
+                  <a:srgbClr val="BCBEC4"/>
+                </a:solidFill>
+                <a:effectLst/>
+                <a:latin typeface="+mj-lt"/>
+                <a:cs typeface="JetBrains Mono" panose="02000009000000000000" pitchFamily="49" charset="0"/>
+              </a:rPr>
+              <a:t>(input.equals(</a:t>
+            </a:r>
+            <a:r>
+              <a:rPr kumimoji="0" lang="zh-TW" altLang="zh-TW" sz="1600" b="0" i="0" u="none" strike="noStrike" cap="none" normalizeH="0" baseline="0">
+                <a:ln>
+                  <a:noFill/>
+                </a:ln>
+                <a:solidFill>
+                  <a:srgbClr val="6AAB73"/>
+                </a:solidFill>
+                <a:effectLst/>
+                <a:latin typeface="+mj-lt"/>
+                <a:cs typeface="JetBrains Mono" panose="02000009000000000000" pitchFamily="49" charset="0"/>
+              </a:rPr>
+              <a:t>"</a:t>
+            </a:r>
+            <a:r>
+              <a:rPr kumimoji="0" lang="zh-TW" altLang="zh-TW" sz="1600" b="0" i="0" u="none" strike="noStrike" cap="none" normalizeH="0" baseline="0">
+                <a:ln>
+                  <a:noFill/>
+                </a:ln>
+                <a:solidFill>
+                  <a:srgbClr val="6AAB73"/>
+                </a:solidFill>
+                <a:effectLst/>
+                <a:latin typeface="+mj-lt"/>
+                <a:ea typeface="微軟正黑體" panose="020B0604030504040204" pitchFamily="34" charset="-120"/>
+                <a:cs typeface="JetBrains Mono" panose="02000009000000000000" pitchFamily="49" charset="0"/>
+              </a:rPr>
+              <a:t>回憶過去</a:t>
+            </a:r>
+            <a:r>
+              <a:rPr kumimoji="0" lang="zh-TW" altLang="zh-TW" sz="1600" b="0" i="0" u="none" strike="noStrike" cap="none" normalizeH="0" baseline="0">
+                <a:ln>
+                  <a:noFill/>
+                </a:ln>
+                <a:solidFill>
+                  <a:srgbClr val="6AAB73"/>
+                </a:solidFill>
+                <a:effectLst/>
+                <a:latin typeface="+mj-lt"/>
+                <a:cs typeface="JetBrains Mono" panose="02000009000000000000" pitchFamily="49" charset="0"/>
+              </a:rPr>
+              <a:t>"</a:t>
+            </a:r>
+            <a:r>
+              <a:rPr kumimoji="0" lang="zh-TW" altLang="zh-TW" sz="1600" b="0" i="0" u="none" strike="noStrike" cap="none" normalizeH="0" baseline="0">
+                <a:ln>
+                  <a:noFill/>
+                </a:ln>
+                <a:solidFill>
+                  <a:srgbClr val="BCBEC4"/>
+                </a:solidFill>
+                <a:effectLst/>
+                <a:latin typeface="+mj-lt"/>
+                <a:cs typeface="JetBrains Mono" panose="02000009000000000000" pitchFamily="49" charset="0"/>
+              </a:rPr>
+              <a:t>)) {</a:t>
+            </a:r>
+            <a:br>
+              <a:rPr kumimoji="0" lang="zh-TW" altLang="zh-TW" sz="1600" b="0" i="0" u="none" strike="noStrike" cap="none" normalizeH="0" baseline="0">
+                <a:ln>
+                  <a:noFill/>
+                </a:ln>
+                <a:solidFill>
+                  <a:srgbClr val="BCBEC4"/>
+                </a:solidFill>
+                <a:effectLst/>
+                <a:latin typeface="+mj-lt"/>
+                <a:cs typeface="JetBrains Mono" panose="02000009000000000000" pitchFamily="49" charset="0"/>
+              </a:rPr>
+            </a:br>
+            <a:r>
+              <a:rPr kumimoji="0" lang="zh-TW" altLang="zh-TW" sz="1600" b="0" i="0" u="none" strike="noStrike" cap="none" normalizeH="0" baseline="0">
+                <a:ln>
+                  <a:noFill/>
+                </a:ln>
+                <a:solidFill>
+                  <a:srgbClr val="BCBEC4"/>
+                </a:solidFill>
+                <a:effectLst/>
+                <a:latin typeface="+mj-lt"/>
+                <a:cs typeface="JetBrains Mono" panose="02000009000000000000" pitchFamily="49" charset="0"/>
+              </a:rPr>
+              <a:t>            System.</a:t>
+            </a:r>
+            <a:r>
+              <a:rPr kumimoji="0" lang="zh-TW" altLang="zh-TW" sz="1600" b="0" i="1" u="none" strike="noStrike" cap="none" normalizeH="0" baseline="0">
+                <a:ln>
+                  <a:noFill/>
+                </a:ln>
+                <a:solidFill>
+                  <a:srgbClr val="C77DBB"/>
+                </a:solidFill>
+                <a:effectLst/>
+                <a:latin typeface="+mj-lt"/>
+                <a:cs typeface="JetBrains Mono" panose="02000009000000000000" pitchFamily="49" charset="0"/>
+              </a:rPr>
+              <a:t>out</a:t>
+            </a:r>
+            <a:r>
+              <a:rPr kumimoji="0" lang="zh-TW" altLang="zh-TW" sz="1600" b="0" i="0" u="none" strike="noStrike" cap="none" normalizeH="0" baseline="0">
+                <a:ln>
+                  <a:noFill/>
+                </a:ln>
+                <a:solidFill>
+                  <a:srgbClr val="BCBEC4"/>
+                </a:solidFill>
+                <a:effectLst/>
+                <a:latin typeface="+mj-lt"/>
+                <a:cs typeface="JetBrains Mono" panose="02000009000000000000" pitchFamily="49" charset="0"/>
+              </a:rPr>
+              <a:t>.println(</a:t>
+            </a:r>
+            <a:r>
+              <a:rPr kumimoji="0" lang="zh-TW" altLang="zh-TW" sz="1600" b="0" i="0" u="none" strike="noStrike" cap="none" normalizeH="0" baseline="0">
+                <a:ln>
+                  <a:noFill/>
+                </a:ln>
+                <a:solidFill>
+                  <a:srgbClr val="6AAB73"/>
+                </a:solidFill>
+                <a:effectLst/>
+                <a:latin typeface="+mj-lt"/>
+                <a:cs typeface="JetBrains Mono" panose="02000009000000000000" pitchFamily="49" charset="0"/>
+              </a:rPr>
+              <a:t>"</a:t>
+            </a:r>
+            <a:r>
+              <a:rPr kumimoji="0" lang="zh-TW" altLang="zh-TW" sz="1600" b="0" i="0" u="none" strike="noStrike" cap="none" normalizeH="0" baseline="0">
+                <a:ln>
+                  <a:noFill/>
+                </a:ln>
+                <a:solidFill>
+                  <a:srgbClr val="6AAB73"/>
+                </a:solidFill>
+                <a:effectLst/>
+                <a:latin typeface="+mj-lt"/>
+                <a:ea typeface="微軟正黑體" panose="020B0604030504040204" pitchFamily="34" charset="-120"/>
+                <a:cs typeface="JetBrains Mono" panose="02000009000000000000" pitchFamily="49" charset="0"/>
+              </a:rPr>
+              <a:t>痛苦的相思忘不了</a:t>
+            </a:r>
+            <a:r>
+              <a:rPr kumimoji="0" lang="zh-TW" altLang="zh-TW" sz="1600" b="0" i="0" u="none" strike="noStrike" cap="none" normalizeH="0" baseline="0">
+                <a:ln>
+                  <a:noFill/>
+                </a:ln>
+                <a:solidFill>
+                  <a:srgbClr val="6AAB73"/>
+                </a:solidFill>
+                <a:effectLst/>
+                <a:latin typeface="+mj-lt"/>
+                <a:cs typeface="JetBrains Mono" panose="02000009000000000000" pitchFamily="49" charset="0"/>
+              </a:rPr>
+              <a:t>"</a:t>
+            </a:r>
+            <a:r>
+              <a:rPr kumimoji="0" lang="zh-TW" altLang="zh-TW" sz="1600" b="0" i="0" u="none" strike="noStrike" cap="none" normalizeH="0" baseline="0">
+                <a:ln>
+                  <a:noFill/>
+                </a:ln>
+                <a:solidFill>
+                  <a:srgbClr val="BCBEC4"/>
+                </a:solidFill>
+                <a:effectLst/>
+                <a:latin typeface="+mj-lt"/>
+                <a:cs typeface="JetBrains Mono" panose="02000009000000000000" pitchFamily="49" charset="0"/>
+              </a:rPr>
+              <a:t>);</a:t>
+            </a:r>
+            <a:br>
+              <a:rPr kumimoji="0" lang="zh-TW" altLang="zh-TW" sz="1600" b="0" i="0" u="none" strike="noStrike" cap="none" normalizeH="0" baseline="0">
+                <a:ln>
+                  <a:noFill/>
+                </a:ln>
+                <a:solidFill>
+                  <a:srgbClr val="BCBEC4"/>
+                </a:solidFill>
+                <a:effectLst/>
+                <a:latin typeface="+mj-lt"/>
+                <a:cs typeface="JetBrains Mono" panose="02000009000000000000" pitchFamily="49" charset="0"/>
+              </a:rPr>
+            </a:br>
+            <a:r>
+              <a:rPr kumimoji="0" lang="zh-TW" altLang="zh-TW" sz="1600" b="0" i="0" u="none" strike="noStrike" cap="none" normalizeH="0" baseline="0">
+                <a:ln>
+                  <a:noFill/>
+                </a:ln>
+                <a:solidFill>
+                  <a:srgbClr val="BCBEC4"/>
+                </a:solidFill>
+                <a:effectLst/>
+                <a:latin typeface="+mj-lt"/>
+                <a:cs typeface="JetBrains Mono" panose="02000009000000000000" pitchFamily="49" charset="0"/>
+              </a:rPr>
+              <a:t>        } </a:t>
+            </a:r>
+            <a:r>
+              <a:rPr kumimoji="0" lang="zh-TW" altLang="zh-TW" sz="1600" b="0" i="0" u="none" strike="noStrike" cap="none" normalizeH="0" baseline="0">
+                <a:ln>
+                  <a:noFill/>
+                </a:ln>
+                <a:solidFill>
+                  <a:srgbClr val="CF8E6D"/>
+                </a:solidFill>
+                <a:effectLst/>
+                <a:latin typeface="+mj-lt"/>
+                <a:cs typeface="JetBrains Mono" panose="02000009000000000000" pitchFamily="49" charset="0"/>
+              </a:rPr>
+              <a:t>else if </a:t>
+            </a:r>
+            <a:r>
+              <a:rPr kumimoji="0" lang="zh-TW" altLang="zh-TW" sz="1600" b="0" i="0" u="none" strike="noStrike" cap="none" normalizeH="0" baseline="0">
+                <a:ln>
+                  <a:noFill/>
+                </a:ln>
+                <a:solidFill>
+                  <a:srgbClr val="BCBEC4"/>
+                </a:solidFill>
+                <a:effectLst/>
+                <a:latin typeface="+mj-lt"/>
+                <a:cs typeface="JetBrains Mono" panose="02000009000000000000" pitchFamily="49" charset="0"/>
+              </a:rPr>
+              <a:t>(input.equals(</a:t>
+            </a:r>
+            <a:r>
+              <a:rPr kumimoji="0" lang="zh-TW" altLang="zh-TW" sz="1600" b="0" i="0" u="none" strike="noStrike" cap="none" normalizeH="0" baseline="0">
+                <a:ln>
+                  <a:noFill/>
+                </a:ln>
+                <a:solidFill>
+                  <a:srgbClr val="6AAB73"/>
+                </a:solidFill>
+                <a:effectLst/>
+                <a:latin typeface="+mj-lt"/>
+                <a:cs typeface="JetBrains Mono" panose="02000009000000000000" pitchFamily="49" charset="0"/>
+              </a:rPr>
+              <a:t>"</a:t>
+            </a:r>
+            <a:r>
+              <a:rPr kumimoji="0" lang="zh-TW" altLang="zh-TW" sz="1600" b="0" i="0" u="none" strike="noStrike" cap="none" normalizeH="0" baseline="0">
+                <a:ln>
+                  <a:noFill/>
+                </a:ln>
+                <a:solidFill>
+                  <a:srgbClr val="6AAB73"/>
+                </a:solidFill>
+                <a:effectLst/>
+                <a:latin typeface="+mj-lt"/>
+                <a:ea typeface="微軟正黑體" panose="020B0604030504040204" pitchFamily="34" charset="-120"/>
+                <a:cs typeface="JetBrains Mono" panose="02000009000000000000" pitchFamily="49" charset="0"/>
+              </a:rPr>
+              <a:t>想念你的笑</a:t>
+            </a:r>
+            <a:r>
+              <a:rPr kumimoji="0" lang="zh-TW" altLang="zh-TW" sz="1600" b="0" i="0" u="none" strike="noStrike" cap="none" normalizeH="0" baseline="0">
+                <a:ln>
+                  <a:noFill/>
+                </a:ln>
+                <a:solidFill>
+                  <a:srgbClr val="6AAB73"/>
+                </a:solidFill>
+                <a:effectLst/>
+                <a:latin typeface="+mj-lt"/>
+                <a:cs typeface="JetBrains Mono" panose="02000009000000000000" pitchFamily="49" charset="0"/>
+              </a:rPr>
+              <a:t>"</a:t>
+            </a:r>
+            <a:r>
+              <a:rPr kumimoji="0" lang="zh-TW" altLang="zh-TW" sz="1600" b="0" i="0" u="none" strike="noStrike" cap="none" normalizeH="0" baseline="0">
+                <a:ln>
+                  <a:noFill/>
+                </a:ln>
+                <a:solidFill>
+                  <a:srgbClr val="BCBEC4"/>
+                </a:solidFill>
+                <a:effectLst/>
+                <a:latin typeface="+mj-lt"/>
+                <a:cs typeface="JetBrains Mono" panose="02000009000000000000" pitchFamily="49" charset="0"/>
+              </a:rPr>
+              <a:t>)) {</a:t>
+            </a:r>
+            <a:br>
+              <a:rPr kumimoji="0" lang="zh-TW" altLang="zh-TW" sz="1600" b="0" i="0" u="none" strike="noStrike" cap="none" normalizeH="0" baseline="0">
+                <a:ln>
+                  <a:noFill/>
+                </a:ln>
+                <a:solidFill>
+                  <a:srgbClr val="BCBEC4"/>
+                </a:solidFill>
+                <a:effectLst/>
+                <a:latin typeface="+mj-lt"/>
+                <a:cs typeface="JetBrains Mono" panose="02000009000000000000" pitchFamily="49" charset="0"/>
+              </a:rPr>
+            </a:br>
+            <a:r>
+              <a:rPr kumimoji="0" lang="zh-TW" altLang="zh-TW" sz="1600" b="0" i="0" u="none" strike="noStrike" cap="none" normalizeH="0" baseline="0">
+                <a:ln>
+                  <a:noFill/>
+                </a:ln>
+                <a:solidFill>
+                  <a:srgbClr val="BCBEC4"/>
+                </a:solidFill>
+                <a:effectLst/>
+                <a:latin typeface="+mj-lt"/>
+                <a:cs typeface="JetBrains Mono" panose="02000009000000000000" pitchFamily="49" charset="0"/>
+              </a:rPr>
+              <a:t>            System.</a:t>
+            </a:r>
+            <a:r>
+              <a:rPr kumimoji="0" lang="zh-TW" altLang="zh-TW" sz="1600" b="0" i="1" u="none" strike="noStrike" cap="none" normalizeH="0" baseline="0">
+                <a:ln>
+                  <a:noFill/>
+                </a:ln>
+                <a:solidFill>
+                  <a:srgbClr val="C77DBB"/>
+                </a:solidFill>
+                <a:effectLst/>
+                <a:latin typeface="+mj-lt"/>
+                <a:cs typeface="JetBrains Mono" panose="02000009000000000000" pitchFamily="49" charset="0"/>
+              </a:rPr>
+              <a:t>out</a:t>
+            </a:r>
+            <a:r>
+              <a:rPr kumimoji="0" lang="zh-TW" altLang="zh-TW" sz="1600" b="0" i="0" u="none" strike="noStrike" cap="none" normalizeH="0" baseline="0">
+                <a:ln>
+                  <a:noFill/>
+                </a:ln>
+                <a:solidFill>
+                  <a:srgbClr val="BCBEC4"/>
+                </a:solidFill>
+                <a:effectLst/>
+                <a:latin typeface="+mj-lt"/>
+                <a:cs typeface="JetBrains Mono" panose="02000009000000000000" pitchFamily="49" charset="0"/>
+              </a:rPr>
+              <a:t>.println(</a:t>
+            </a:r>
+            <a:r>
+              <a:rPr kumimoji="0" lang="zh-TW" altLang="zh-TW" sz="1600" b="0" i="0" u="none" strike="noStrike" cap="none" normalizeH="0" baseline="0">
+                <a:ln>
+                  <a:noFill/>
+                </a:ln>
+                <a:solidFill>
+                  <a:srgbClr val="6AAB73"/>
+                </a:solidFill>
+                <a:effectLst/>
+                <a:latin typeface="+mj-lt"/>
+                <a:cs typeface="JetBrains Mono" panose="02000009000000000000" pitchFamily="49" charset="0"/>
+              </a:rPr>
+              <a:t>"</a:t>
+            </a:r>
+            <a:r>
+              <a:rPr kumimoji="0" lang="zh-TW" altLang="zh-TW" sz="1600" b="0" i="0" u="none" strike="noStrike" cap="none" normalizeH="0" baseline="0">
+                <a:ln>
+                  <a:noFill/>
+                </a:ln>
+                <a:solidFill>
+                  <a:srgbClr val="6AAB73"/>
+                </a:solidFill>
+                <a:effectLst/>
+                <a:latin typeface="+mj-lt"/>
+                <a:ea typeface="微軟正黑體" panose="020B0604030504040204" pitchFamily="34" charset="-120"/>
+                <a:cs typeface="JetBrains Mono" panose="02000009000000000000" pitchFamily="49" charset="0"/>
+              </a:rPr>
+              <a:t>想念你的外套</a:t>
+            </a:r>
+            <a:r>
+              <a:rPr kumimoji="0" lang="zh-TW" altLang="zh-TW" sz="1600" b="0" i="0" u="none" strike="noStrike" cap="none" normalizeH="0" baseline="0">
+                <a:ln>
+                  <a:noFill/>
+                </a:ln>
+                <a:solidFill>
+                  <a:srgbClr val="6AAB73"/>
+                </a:solidFill>
+                <a:effectLst/>
+                <a:latin typeface="+mj-lt"/>
+                <a:cs typeface="JetBrains Mono" panose="02000009000000000000" pitchFamily="49" charset="0"/>
+              </a:rPr>
+              <a:t>"</a:t>
+            </a:r>
+            <a:r>
+              <a:rPr kumimoji="0" lang="zh-TW" altLang="zh-TW" sz="1600" b="0" i="0" u="none" strike="noStrike" cap="none" normalizeH="0" baseline="0">
+                <a:ln>
+                  <a:noFill/>
+                </a:ln>
+                <a:solidFill>
+                  <a:srgbClr val="BCBEC4"/>
+                </a:solidFill>
+                <a:effectLst/>
+                <a:latin typeface="+mj-lt"/>
+                <a:cs typeface="JetBrains Mono" panose="02000009000000000000" pitchFamily="49" charset="0"/>
+              </a:rPr>
+              <a:t>);</a:t>
+            </a:r>
+            <a:br>
+              <a:rPr kumimoji="0" lang="zh-TW" altLang="zh-TW" sz="1600" b="0" i="0" u="none" strike="noStrike" cap="none" normalizeH="0" baseline="0">
+                <a:ln>
+                  <a:noFill/>
+                </a:ln>
+                <a:solidFill>
+                  <a:srgbClr val="BCBEC4"/>
+                </a:solidFill>
+                <a:effectLst/>
+                <a:latin typeface="+mj-lt"/>
+                <a:cs typeface="JetBrains Mono" panose="02000009000000000000" pitchFamily="49" charset="0"/>
+              </a:rPr>
+            </a:br>
+            <a:r>
+              <a:rPr kumimoji="0" lang="zh-TW" altLang="zh-TW" sz="1600" b="0" i="0" u="none" strike="noStrike" cap="none" normalizeH="0" baseline="0">
+                <a:ln>
+                  <a:noFill/>
+                </a:ln>
+                <a:solidFill>
+                  <a:srgbClr val="BCBEC4"/>
+                </a:solidFill>
+                <a:effectLst/>
+                <a:latin typeface="+mj-lt"/>
+                <a:cs typeface="JetBrains Mono" panose="02000009000000000000" pitchFamily="49" charset="0"/>
+              </a:rPr>
+              <a:t>        } </a:t>
+            </a:r>
+            <a:r>
+              <a:rPr kumimoji="0" lang="zh-TW" altLang="zh-TW" sz="1600" b="0" i="0" u="none" strike="noStrike" cap="none" normalizeH="0" baseline="0">
+                <a:ln>
+                  <a:noFill/>
+                </a:ln>
+                <a:solidFill>
+                  <a:srgbClr val="CF8E6D"/>
+                </a:solidFill>
+                <a:effectLst/>
+                <a:latin typeface="+mj-lt"/>
+                <a:cs typeface="JetBrains Mono" panose="02000009000000000000" pitchFamily="49" charset="0"/>
+              </a:rPr>
+              <a:t>else if </a:t>
+            </a:r>
+            <a:r>
+              <a:rPr kumimoji="0" lang="zh-TW" altLang="zh-TW" sz="1600" b="0" i="0" u="none" strike="noStrike" cap="none" normalizeH="0" baseline="0">
+                <a:ln>
+                  <a:noFill/>
+                </a:ln>
+                <a:solidFill>
+                  <a:srgbClr val="BCBEC4"/>
+                </a:solidFill>
+                <a:effectLst/>
+                <a:latin typeface="+mj-lt"/>
+                <a:cs typeface="JetBrains Mono" panose="02000009000000000000" pitchFamily="49" charset="0"/>
+              </a:rPr>
+              <a:t>(input.equals(</a:t>
+            </a:r>
+            <a:r>
+              <a:rPr kumimoji="0" lang="zh-TW" altLang="zh-TW" sz="1600" b="0" i="0" u="none" strike="noStrike" cap="none" normalizeH="0" baseline="0">
+                <a:ln>
+                  <a:noFill/>
+                </a:ln>
+                <a:solidFill>
+                  <a:srgbClr val="6AAB73"/>
+                </a:solidFill>
+                <a:effectLst/>
+                <a:latin typeface="+mj-lt"/>
+                <a:cs typeface="JetBrains Mono" panose="02000009000000000000" pitchFamily="49" charset="0"/>
+              </a:rPr>
+              <a:t>"</a:t>
+            </a:r>
+            <a:r>
+              <a:rPr kumimoji="0" lang="zh-TW" altLang="zh-TW" sz="1600" b="0" i="0" u="none" strike="noStrike" cap="none" normalizeH="0" baseline="0">
+                <a:ln>
+                  <a:noFill/>
+                </a:ln>
+                <a:solidFill>
+                  <a:srgbClr val="6AAB73"/>
+                </a:solidFill>
+                <a:effectLst/>
+                <a:latin typeface="+mj-lt"/>
+                <a:ea typeface="微軟正黑體" panose="020B0604030504040204" pitchFamily="34" charset="-120"/>
+                <a:cs typeface="JetBrains Mono" panose="02000009000000000000" pitchFamily="49" charset="0"/>
+              </a:rPr>
+              <a:t>怎麼忍心怪你犯了錯</a:t>
+            </a:r>
+            <a:r>
+              <a:rPr kumimoji="0" lang="zh-TW" altLang="zh-TW" sz="1600" b="0" i="0" u="none" strike="noStrike" cap="none" normalizeH="0" baseline="0">
+                <a:ln>
+                  <a:noFill/>
+                </a:ln>
+                <a:solidFill>
+                  <a:srgbClr val="6AAB73"/>
+                </a:solidFill>
+                <a:effectLst/>
+                <a:latin typeface="+mj-lt"/>
+                <a:cs typeface="JetBrains Mono" panose="02000009000000000000" pitchFamily="49" charset="0"/>
+              </a:rPr>
+              <a:t>"</a:t>
+            </a:r>
+            <a:r>
+              <a:rPr kumimoji="0" lang="zh-TW" altLang="zh-TW" sz="1600" b="0" i="0" u="none" strike="noStrike" cap="none" normalizeH="0" baseline="0">
+                <a:ln>
+                  <a:noFill/>
+                </a:ln>
+                <a:solidFill>
+                  <a:srgbClr val="BCBEC4"/>
+                </a:solidFill>
+                <a:effectLst/>
+                <a:latin typeface="+mj-lt"/>
+                <a:cs typeface="JetBrains Mono" panose="02000009000000000000" pitchFamily="49" charset="0"/>
+              </a:rPr>
+              <a:t>)) {</a:t>
+            </a:r>
+            <a:br>
+              <a:rPr kumimoji="0" lang="zh-TW" altLang="zh-TW" sz="1600" b="0" i="0" u="none" strike="noStrike" cap="none" normalizeH="0" baseline="0">
+                <a:ln>
+                  <a:noFill/>
+                </a:ln>
+                <a:solidFill>
+                  <a:srgbClr val="BCBEC4"/>
+                </a:solidFill>
+                <a:effectLst/>
+                <a:latin typeface="+mj-lt"/>
+                <a:cs typeface="JetBrains Mono" panose="02000009000000000000" pitchFamily="49" charset="0"/>
+              </a:rPr>
+            </a:br>
+            <a:r>
+              <a:rPr kumimoji="0" lang="zh-TW" altLang="zh-TW" sz="1600" b="0" i="0" u="none" strike="noStrike" cap="none" normalizeH="0" baseline="0">
+                <a:ln>
+                  <a:noFill/>
+                </a:ln>
+                <a:solidFill>
+                  <a:srgbClr val="BCBEC4"/>
+                </a:solidFill>
+                <a:effectLst/>
+                <a:latin typeface="+mj-lt"/>
+                <a:cs typeface="JetBrains Mono" panose="02000009000000000000" pitchFamily="49" charset="0"/>
+              </a:rPr>
+              <a:t>            System.</a:t>
+            </a:r>
+            <a:r>
+              <a:rPr kumimoji="0" lang="zh-TW" altLang="zh-TW" sz="1600" b="0" i="1" u="none" strike="noStrike" cap="none" normalizeH="0" baseline="0">
+                <a:ln>
+                  <a:noFill/>
+                </a:ln>
+                <a:solidFill>
+                  <a:srgbClr val="C77DBB"/>
+                </a:solidFill>
+                <a:effectLst/>
+                <a:latin typeface="+mj-lt"/>
+                <a:cs typeface="JetBrains Mono" panose="02000009000000000000" pitchFamily="49" charset="0"/>
+              </a:rPr>
+              <a:t>out</a:t>
+            </a:r>
+            <a:r>
+              <a:rPr kumimoji="0" lang="zh-TW" altLang="zh-TW" sz="1600" b="0" i="0" u="none" strike="noStrike" cap="none" normalizeH="0" baseline="0">
+                <a:ln>
+                  <a:noFill/>
+                </a:ln>
+                <a:solidFill>
+                  <a:srgbClr val="BCBEC4"/>
+                </a:solidFill>
+                <a:effectLst/>
+                <a:latin typeface="+mj-lt"/>
+                <a:cs typeface="JetBrains Mono" panose="02000009000000000000" pitchFamily="49" charset="0"/>
+              </a:rPr>
+              <a:t>.println(</a:t>
+            </a:r>
+            <a:r>
+              <a:rPr kumimoji="0" lang="zh-TW" altLang="zh-TW" sz="1600" b="0" i="0" u="none" strike="noStrike" cap="none" normalizeH="0" baseline="0">
+                <a:ln>
+                  <a:noFill/>
+                </a:ln>
+                <a:solidFill>
+                  <a:srgbClr val="6AAB73"/>
+                </a:solidFill>
+                <a:effectLst/>
+                <a:latin typeface="+mj-lt"/>
+                <a:cs typeface="JetBrains Mono" panose="02000009000000000000" pitchFamily="49" charset="0"/>
+              </a:rPr>
+              <a:t>"</a:t>
+            </a:r>
+            <a:r>
+              <a:rPr kumimoji="0" lang="zh-TW" altLang="zh-TW" sz="1600" b="0" i="0" u="none" strike="noStrike" cap="none" normalizeH="0" baseline="0">
+                <a:ln>
+                  <a:noFill/>
+                </a:ln>
+                <a:solidFill>
+                  <a:srgbClr val="6AAB73"/>
+                </a:solidFill>
+                <a:effectLst/>
+                <a:latin typeface="+mj-lt"/>
+                <a:ea typeface="微軟正黑體" panose="020B0604030504040204" pitchFamily="34" charset="-120"/>
+                <a:cs typeface="JetBrains Mono" panose="02000009000000000000" pitchFamily="49" charset="0"/>
+              </a:rPr>
+              <a:t>是我給你自由過了火</a:t>
+            </a:r>
+            <a:r>
+              <a:rPr kumimoji="0" lang="zh-TW" altLang="zh-TW" sz="1600" b="0" i="0" u="none" strike="noStrike" cap="none" normalizeH="0" baseline="0">
+                <a:ln>
+                  <a:noFill/>
+                </a:ln>
+                <a:solidFill>
+                  <a:srgbClr val="6AAB73"/>
+                </a:solidFill>
+                <a:effectLst/>
+                <a:latin typeface="+mj-lt"/>
+                <a:cs typeface="JetBrains Mono" panose="02000009000000000000" pitchFamily="49" charset="0"/>
+              </a:rPr>
+              <a:t>"</a:t>
+            </a:r>
+            <a:r>
+              <a:rPr kumimoji="0" lang="zh-TW" altLang="zh-TW" sz="1600" b="0" i="0" u="none" strike="noStrike" cap="none" normalizeH="0" baseline="0">
+                <a:ln>
+                  <a:noFill/>
+                </a:ln>
+                <a:solidFill>
+                  <a:srgbClr val="BCBEC4"/>
+                </a:solidFill>
+                <a:effectLst/>
+                <a:latin typeface="+mj-lt"/>
+                <a:cs typeface="JetBrains Mono" panose="02000009000000000000" pitchFamily="49" charset="0"/>
+              </a:rPr>
+              <a:t>);</a:t>
+            </a:r>
+            <a:br>
+              <a:rPr kumimoji="0" lang="zh-TW" altLang="zh-TW" sz="1600" b="0" i="0" u="none" strike="noStrike" cap="none" normalizeH="0" baseline="0">
+                <a:ln>
+                  <a:noFill/>
+                </a:ln>
+                <a:solidFill>
+                  <a:srgbClr val="BCBEC4"/>
+                </a:solidFill>
+                <a:effectLst/>
+                <a:latin typeface="+mj-lt"/>
+                <a:cs typeface="JetBrains Mono" panose="02000009000000000000" pitchFamily="49" charset="0"/>
+              </a:rPr>
+            </a:br>
+            <a:r>
+              <a:rPr kumimoji="0" lang="zh-TW" altLang="zh-TW" sz="1600" b="0" i="0" u="none" strike="noStrike" cap="none" normalizeH="0" baseline="0">
+                <a:ln>
+                  <a:noFill/>
+                </a:ln>
+                <a:solidFill>
+                  <a:srgbClr val="BCBEC4"/>
+                </a:solidFill>
+                <a:effectLst/>
+                <a:latin typeface="+mj-lt"/>
+                <a:cs typeface="JetBrains Mono" panose="02000009000000000000" pitchFamily="49" charset="0"/>
+              </a:rPr>
+              <a:t>        } </a:t>
+            </a:r>
+            <a:r>
+              <a:rPr kumimoji="0" lang="zh-TW" altLang="zh-TW" sz="1600" b="0" i="0" u="none" strike="noStrike" cap="none" normalizeH="0" baseline="0">
+                <a:ln>
+                  <a:noFill/>
+                </a:ln>
+                <a:solidFill>
+                  <a:srgbClr val="CF8E6D"/>
+                </a:solidFill>
+                <a:effectLst/>
+                <a:latin typeface="+mj-lt"/>
+                <a:cs typeface="JetBrains Mono" panose="02000009000000000000" pitchFamily="49" charset="0"/>
+              </a:rPr>
+              <a:t>else if </a:t>
+            </a:r>
+            <a:r>
+              <a:rPr kumimoji="0" lang="zh-TW" altLang="zh-TW" sz="1600" b="0" i="0" u="none" strike="noStrike" cap="none" normalizeH="0" baseline="0">
+                <a:ln>
+                  <a:noFill/>
+                </a:ln>
+                <a:solidFill>
+                  <a:srgbClr val="BCBEC4"/>
+                </a:solidFill>
+                <a:effectLst/>
+                <a:latin typeface="+mj-lt"/>
+                <a:cs typeface="JetBrains Mono" panose="02000009000000000000" pitchFamily="49" charset="0"/>
+              </a:rPr>
+              <a:t>(input.equals(</a:t>
+            </a:r>
+            <a:r>
+              <a:rPr kumimoji="0" lang="zh-TW" altLang="zh-TW" sz="1600" b="0" i="0" u="none" strike="noStrike" cap="none" normalizeH="0" baseline="0">
+                <a:ln>
+                  <a:noFill/>
+                </a:ln>
+                <a:solidFill>
+                  <a:srgbClr val="6AAB73"/>
+                </a:solidFill>
+                <a:effectLst/>
+                <a:latin typeface="+mj-lt"/>
+                <a:cs typeface="JetBrains Mono" panose="02000009000000000000" pitchFamily="49" charset="0"/>
+              </a:rPr>
+              <a:t>"</a:t>
+            </a:r>
+            <a:r>
+              <a:rPr kumimoji="0" lang="zh-TW" altLang="zh-TW" sz="1600" b="0" i="0" u="none" strike="noStrike" cap="none" normalizeH="0" baseline="0">
+                <a:ln>
+                  <a:noFill/>
+                </a:ln>
+                <a:solidFill>
+                  <a:srgbClr val="6AAB73"/>
+                </a:solidFill>
+                <a:effectLst/>
+                <a:latin typeface="+mj-lt"/>
+                <a:ea typeface="微軟正黑體" panose="020B0604030504040204" pitchFamily="34" charset="-120"/>
+                <a:cs typeface="JetBrains Mono" panose="02000009000000000000" pitchFamily="49" charset="0"/>
+              </a:rPr>
+              <a:t>我願變成童話裡你愛的那個天使</a:t>
+            </a:r>
+            <a:r>
+              <a:rPr kumimoji="0" lang="zh-TW" altLang="zh-TW" sz="1600" b="0" i="0" u="none" strike="noStrike" cap="none" normalizeH="0" baseline="0">
+                <a:ln>
+                  <a:noFill/>
+                </a:ln>
+                <a:solidFill>
+                  <a:srgbClr val="6AAB73"/>
+                </a:solidFill>
+                <a:effectLst/>
+                <a:latin typeface="+mj-lt"/>
+                <a:cs typeface="JetBrains Mono" panose="02000009000000000000" pitchFamily="49" charset="0"/>
+              </a:rPr>
+              <a:t>"</a:t>
+            </a:r>
+            <a:r>
+              <a:rPr kumimoji="0" lang="zh-TW" altLang="zh-TW" sz="1600" b="0" i="0" u="none" strike="noStrike" cap="none" normalizeH="0" baseline="0">
+                <a:ln>
+                  <a:noFill/>
+                </a:ln>
+                <a:solidFill>
+                  <a:srgbClr val="BCBEC4"/>
+                </a:solidFill>
+                <a:effectLst/>
+                <a:latin typeface="+mj-lt"/>
+                <a:cs typeface="JetBrains Mono" panose="02000009000000000000" pitchFamily="49" charset="0"/>
+              </a:rPr>
+              <a:t>)) {</a:t>
+            </a:r>
+            <a:br>
+              <a:rPr kumimoji="0" lang="zh-TW" altLang="zh-TW" sz="1600" b="0" i="0" u="none" strike="noStrike" cap="none" normalizeH="0" baseline="0">
+                <a:ln>
+                  <a:noFill/>
+                </a:ln>
+                <a:solidFill>
+                  <a:srgbClr val="BCBEC4"/>
+                </a:solidFill>
+                <a:effectLst/>
+                <a:latin typeface="+mj-lt"/>
+                <a:cs typeface="JetBrains Mono" panose="02000009000000000000" pitchFamily="49" charset="0"/>
+              </a:rPr>
+            </a:br>
+            <a:r>
+              <a:rPr kumimoji="0" lang="zh-TW" altLang="zh-TW" sz="1600" b="0" i="0" u="none" strike="noStrike" cap="none" normalizeH="0" baseline="0">
+                <a:ln>
+                  <a:noFill/>
+                </a:ln>
+                <a:solidFill>
+                  <a:srgbClr val="BCBEC4"/>
+                </a:solidFill>
+                <a:effectLst/>
+                <a:latin typeface="+mj-lt"/>
+                <a:cs typeface="JetBrains Mono" panose="02000009000000000000" pitchFamily="49" charset="0"/>
+              </a:rPr>
+              <a:t>            System.</a:t>
+            </a:r>
+            <a:r>
+              <a:rPr kumimoji="0" lang="zh-TW" altLang="zh-TW" sz="1600" b="0" i="1" u="none" strike="noStrike" cap="none" normalizeH="0" baseline="0">
+                <a:ln>
+                  <a:noFill/>
+                </a:ln>
+                <a:solidFill>
+                  <a:srgbClr val="C77DBB"/>
+                </a:solidFill>
+                <a:effectLst/>
+                <a:latin typeface="+mj-lt"/>
+                <a:cs typeface="JetBrains Mono" panose="02000009000000000000" pitchFamily="49" charset="0"/>
+              </a:rPr>
+              <a:t>out</a:t>
+            </a:r>
+            <a:r>
+              <a:rPr kumimoji="0" lang="zh-TW" altLang="zh-TW" sz="1600" b="0" i="0" u="none" strike="noStrike" cap="none" normalizeH="0" baseline="0">
+                <a:ln>
+                  <a:noFill/>
+                </a:ln>
+                <a:solidFill>
+                  <a:srgbClr val="BCBEC4"/>
+                </a:solidFill>
+                <a:effectLst/>
+                <a:latin typeface="+mj-lt"/>
+                <a:cs typeface="JetBrains Mono" panose="02000009000000000000" pitchFamily="49" charset="0"/>
+              </a:rPr>
+              <a:t>.println(</a:t>
+            </a:r>
+            <a:r>
+              <a:rPr kumimoji="0" lang="zh-TW" altLang="zh-TW" sz="1600" b="0" i="0" u="none" strike="noStrike" cap="none" normalizeH="0" baseline="0">
+                <a:ln>
+                  <a:noFill/>
+                </a:ln>
+                <a:solidFill>
+                  <a:srgbClr val="6AAB73"/>
+                </a:solidFill>
+                <a:effectLst/>
+                <a:latin typeface="+mj-lt"/>
+                <a:cs typeface="JetBrains Mono" panose="02000009000000000000" pitchFamily="49" charset="0"/>
+              </a:rPr>
+              <a:t>"</a:t>
+            </a:r>
+            <a:r>
+              <a:rPr kumimoji="0" lang="zh-TW" altLang="zh-TW" sz="1600" b="0" i="0" u="none" strike="noStrike" cap="none" normalizeH="0" baseline="0">
+                <a:ln>
+                  <a:noFill/>
+                </a:ln>
+                <a:solidFill>
+                  <a:srgbClr val="6AAB73"/>
+                </a:solidFill>
+                <a:effectLst/>
+                <a:latin typeface="+mj-lt"/>
+                <a:ea typeface="微軟正黑體" panose="020B0604030504040204" pitchFamily="34" charset="-120"/>
+                <a:cs typeface="JetBrains Mono" panose="02000009000000000000" pitchFamily="49" charset="0"/>
+              </a:rPr>
+              <a:t>張開雙手變成翅膀守護你</a:t>
+            </a:r>
+            <a:r>
+              <a:rPr kumimoji="0" lang="zh-TW" altLang="zh-TW" sz="1600" b="0" i="0" u="none" strike="noStrike" cap="none" normalizeH="0" baseline="0">
+                <a:ln>
+                  <a:noFill/>
+                </a:ln>
+                <a:solidFill>
+                  <a:srgbClr val="6AAB73"/>
+                </a:solidFill>
+                <a:effectLst/>
+                <a:latin typeface="+mj-lt"/>
+                <a:cs typeface="JetBrains Mono" panose="02000009000000000000" pitchFamily="49" charset="0"/>
+              </a:rPr>
+              <a:t>"</a:t>
+            </a:r>
+            <a:r>
+              <a:rPr kumimoji="0" lang="zh-TW" altLang="zh-TW" sz="1600" b="0" i="0" u="none" strike="noStrike" cap="none" normalizeH="0" baseline="0">
+                <a:ln>
+                  <a:noFill/>
+                </a:ln>
+                <a:solidFill>
+                  <a:srgbClr val="BCBEC4"/>
+                </a:solidFill>
+                <a:effectLst/>
+                <a:latin typeface="+mj-lt"/>
+                <a:cs typeface="JetBrains Mono" panose="02000009000000000000" pitchFamily="49" charset="0"/>
+              </a:rPr>
+              <a:t>);</a:t>
+            </a:r>
+            <a:br>
+              <a:rPr kumimoji="0" lang="zh-TW" altLang="zh-TW" sz="1600" b="0" i="0" u="none" strike="noStrike" cap="none" normalizeH="0" baseline="0">
+                <a:ln>
+                  <a:noFill/>
+                </a:ln>
+                <a:solidFill>
+                  <a:srgbClr val="BCBEC4"/>
+                </a:solidFill>
+                <a:effectLst/>
+                <a:latin typeface="+mj-lt"/>
+                <a:cs typeface="JetBrains Mono" panose="02000009000000000000" pitchFamily="49" charset="0"/>
+              </a:rPr>
+            </a:br>
+            <a:r>
+              <a:rPr kumimoji="0" lang="zh-TW" altLang="zh-TW" sz="1600" b="0" i="0" u="none" strike="noStrike" cap="none" normalizeH="0" baseline="0">
+                <a:ln>
+                  <a:noFill/>
+                </a:ln>
+                <a:solidFill>
+                  <a:srgbClr val="BCBEC4"/>
+                </a:solidFill>
+                <a:effectLst/>
+                <a:latin typeface="+mj-lt"/>
+                <a:cs typeface="JetBrains Mono" panose="02000009000000000000" pitchFamily="49" charset="0"/>
+              </a:rPr>
+              <a:t>        } </a:t>
+            </a:r>
+            <a:r>
+              <a:rPr kumimoji="0" lang="zh-TW" altLang="zh-TW" sz="1600" b="0" i="0" u="none" strike="noStrike" cap="none" normalizeH="0" baseline="0">
+                <a:ln>
+                  <a:noFill/>
+                </a:ln>
+                <a:solidFill>
+                  <a:srgbClr val="CF8E6D"/>
+                </a:solidFill>
+                <a:effectLst/>
+                <a:latin typeface="+mj-lt"/>
+                <a:cs typeface="JetBrains Mono" panose="02000009000000000000" pitchFamily="49" charset="0"/>
+              </a:rPr>
+              <a:t>else </a:t>
+            </a:r>
+            <a:r>
+              <a:rPr kumimoji="0" lang="zh-TW" altLang="zh-TW" sz="1600" b="0" i="0" u="none" strike="noStrike" cap="none" normalizeH="0" baseline="0">
+                <a:ln>
+                  <a:noFill/>
+                </a:ln>
+                <a:solidFill>
+                  <a:srgbClr val="BCBEC4"/>
+                </a:solidFill>
+                <a:effectLst/>
+                <a:latin typeface="+mj-lt"/>
+                <a:cs typeface="JetBrains Mono" panose="02000009000000000000" pitchFamily="49" charset="0"/>
+              </a:rPr>
+              <a:t>{</a:t>
+            </a:r>
+            <a:br>
+              <a:rPr kumimoji="0" lang="zh-TW" altLang="zh-TW" sz="1600" b="0" i="0" u="none" strike="noStrike" cap="none" normalizeH="0" baseline="0">
+                <a:ln>
+                  <a:noFill/>
+                </a:ln>
+                <a:solidFill>
+                  <a:srgbClr val="BCBEC4"/>
+                </a:solidFill>
+                <a:effectLst/>
+                <a:latin typeface="+mj-lt"/>
+                <a:cs typeface="JetBrains Mono" panose="02000009000000000000" pitchFamily="49" charset="0"/>
+              </a:rPr>
+            </a:br>
+            <a:r>
+              <a:rPr kumimoji="0" lang="zh-TW" altLang="zh-TW" sz="1600" b="0" i="0" u="none" strike="noStrike" cap="none" normalizeH="0" baseline="0">
+                <a:ln>
+                  <a:noFill/>
+                </a:ln>
+                <a:solidFill>
+                  <a:srgbClr val="BCBEC4"/>
+                </a:solidFill>
+                <a:effectLst/>
+                <a:latin typeface="+mj-lt"/>
+                <a:cs typeface="JetBrains Mono" panose="02000009000000000000" pitchFamily="49" charset="0"/>
+              </a:rPr>
+              <a:t>            System.</a:t>
+            </a:r>
+            <a:r>
+              <a:rPr kumimoji="0" lang="zh-TW" altLang="zh-TW" sz="1600" b="0" i="1" u="none" strike="noStrike" cap="none" normalizeH="0" baseline="0">
+                <a:ln>
+                  <a:noFill/>
+                </a:ln>
+                <a:solidFill>
+                  <a:srgbClr val="C77DBB"/>
+                </a:solidFill>
+                <a:effectLst/>
+                <a:latin typeface="+mj-lt"/>
+                <a:cs typeface="JetBrains Mono" panose="02000009000000000000" pitchFamily="49" charset="0"/>
+              </a:rPr>
+              <a:t>out</a:t>
+            </a:r>
+            <a:r>
+              <a:rPr kumimoji="0" lang="zh-TW" altLang="zh-TW" sz="1600" b="0" i="0" u="none" strike="noStrike" cap="none" normalizeH="0" baseline="0">
+                <a:ln>
+                  <a:noFill/>
+                </a:ln>
+                <a:solidFill>
+                  <a:srgbClr val="BCBEC4"/>
+                </a:solidFill>
+                <a:effectLst/>
+                <a:latin typeface="+mj-lt"/>
+                <a:cs typeface="JetBrains Mono" panose="02000009000000000000" pitchFamily="49" charset="0"/>
+              </a:rPr>
+              <a:t>.println(</a:t>
+            </a:r>
+            <a:r>
+              <a:rPr kumimoji="0" lang="zh-TW" altLang="zh-TW" sz="1600" b="0" i="0" u="none" strike="noStrike" cap="none" normalizeH="0" baseline="0">
+                <a:ln>
+                  <a:noFill/>
+                </a:ln>
+                <a:solidFill>
+                  <a:srgbClr val="6AAB73"/>
+                </a:solidFill>
+                <a:effectLst/>
+                <a:latin typeface="+mj-lt"/>
+                <a:cs typeface="JetBrains Mono" panose="02000009000000000000" pitchFamily="49" charset="0"/>
+              </a:rPr>
+              <a:t>"</a:t>
+            </a:r>
+            <a:r>
+              <a:rPr kumimoji="0" lang="zh-TW" altLang="zh-TW" sz="1600" b="0" i="0" u="none" strike="noStrike" cap="none" normalizeH="0" baseline="0">
+                <a:ln>
+                  <a:noFill/>
+                </a:ln>
+                <a:solidFill>
+                  <a:srgbClr val="6AAB73"/>
+                </a:solidFill>
+                <a:effectLst/>
+                <a:latin typeface="+mj-lt"/>
+                <a:ea typeface="微軟正黑體" panose="020B0604030504040204" pitchFamily="34" charset="-120"/>
+                <a:cs typeface="JetBrains Mono" panose="02000009000000000000" pitchFamily="49" charset="0"/>
+              </a:rPr>
+              <a:t>我不知道下一句是什麼</a:t>
+            </a:r>
+            <a:r>
+              <a:rPr kumimoji="0" lang="zh-TW" altLang="zh-TW" sz="1600" b="0" i="0" u="none" strike="noStrike" cap="none" normalizeH="0" baseline="0">
+                <a:ln>
+                  <a:noFill/>
+                </a:ln>
+                <a:solidFill>
+                  <a:srgbClr val="6AAB73"/>
+                </a:solidFill>
+                <a:effectLst/>
+                <a:latin typeface="+mj-lt"/>
+                <a:cs typeface="JetBrains Mono" panose="02000009000000000000" pitchFamily="49" charset="0"/>
+              </a:rPr>
+              <a:t>"</a:t>
+            </a:r>
+            <a:r>
+              <a:rPr kumimoji="0" lang="zh-TW" altLang="zh-TW" sz="1600" b="0" i="0" u="none" strike="noStrike" cap="none" normalizeH="0" baseline="0">
+                <a:ln>
+                  <a:noFill/>
+                </a:ln>
+                <a:solidFill>
+                  <a:srgbClr val="BCBEC4"/>
+                </a:solidFill>
+                <a:effectLst/>
+                <a:latin typeface="+mj-lt"/>
+                <a:cs typeface="JetBrains Mono" panose="02000009000000000000" pitchFamily="49" charset="0"/>
+              </a:rPr>
+              <a:t>);</a:t>
+            </a:r>
+            <a:br>
+              <a:rPr kumimoji="0" lang="zh-TW" altLang="zh-TW" sz="1600" b="0" i="0" u="none" strike="noStrike" cap="none" normalizeH="0" baseline="0">
+                <a:ln>
+                  <a:noFill/>
+                </a:ln>
+                <a:solidFill>
+                  <a:srgbClr val="BCBEC4"/>
+                </a:solidFill>
+                <a:effectLst/>
+                <a:latin typeface="+mj-lt"/>
+                <a:cs typeface="JetBrains Mono" panose="02000009000000000000" pitchFamily="49" charset="0"/>
+              </a:rPr>
+            </a:br>
+            <a:r>
+              <a:rPr kumimoji="0" lang="zh-TW" altLang="zh-TW" sz="1600" b="0" i="0" u="none" strike="noStrike" cap="none" normalizeH="0" baseline="0">
+                <a:ln>
+                  <a:noFill/>
+                </a:ln>
+                <a:solidFill>
+                  <a:srgbClr val="BCBEC4"/>
+                </a:solidFill>
+                <a:effectLst/>
+                <a:latin typeface="+mj-lt"/>
+                <a:cs typeface="JetBrains Mono" panose="02000009000000000000" pitchFamily="49" charset="0"/>
+              </a:rPr>
+              <a:t>        }</a:t>
+            </a:r>
+            <a:br>
+              <a:rPr kumimoji="0" lang="zh-TW" altLang="zh-TW" sz="1600" b="0" i="0" u="none" strike="noStrike" cap="none" normalizeH="0" baseline="0">
+                <a:ln>
+                  <a:noFill/>
+                </a:ln>
+                <a:solidFill>
+                  <a:srgbClr val="BCBEC4"/>
+                </a:solidFill>
+                <a:effectLst/>
+                <a:latin typeface="+mj-lt"/>
+                <a:cs typeface="JetBrains Mono" panose="02000009000000000000" pitchFamily="49" charset="0"/>
+              </a:rPr>
+            </a:br>
+            <a:r>
+              <a:rPr kumimoji="0" lang="zh-TW" altLang="zh-TW" sz="1600" b="0" i="0" u="none" strike="noStrike" cap="none" normalizeH="0" baseline="0">
+                <a:ln>
+                  <a:noFill/>
+                </a:ln>
+                <a:solidFill>
+                  <a:srgbClr val="BCBEC4"/>
+                </a:solidFill>
+                <a:effectLst/>
+                <a:latin typeface="+mj-lt"/>
+                <a:cs typeface="JetBrains Mono" panose="02000009000000000000" pitchFamily="49" charset="0"/>
+              </a:rPr>
+              <a:t>    }</a:t>
+            </a:r>
+            <a:br>
+              <a:rPr kumimoji="0" lang="zh-TW" altLang="zh-TW" sz="1600" b="0" i="0" u="none" strike="noStrike" cap="none" normalizeH="0" baseline="0">
+                <a:ln>
+                  <a:noFill/>
+                </a:ln>
+                <a:solidFill>
+                  <a:srgbClr val="BCBEC4"/>
+                </a:solidFill>
+                <a:effectLst/>
+                <a:latin typeface="+mj-lt"/>
+                <a:cs typeface="JetBrains Mono" panose="02000009000000000000" pitchFamily="49" charset="0"/>
+              </a:rPr>
+            </a:br>
+            <a:r>
+              <a:rPr kumimoji="0" lang="zh-TW" altLang="zh-TW" sz="1600" b="0" i="0" u="none" strike="noStrike" cap="none" normalizeH="0" baseline="0">
+                <a:ln>
+                  <a:noFill/>
+                </a:ln>
+                <a:solidFill>
+                  <a:srgbClr val="BCBEC4"/>
+                </a:solidFill>
+                <a:effectLst/>
+                <a:latin typeface="+mj-lt"/>
+                <a:cs typeface="JetBrains Mono" panose="02000009000000000000" pitchFamily="49" charset="0"/>
+              </a:rPr>
+              <a:t>}</a:t>
+            </a:r>
+            <a:endParaRPr kumimoji="0" lang="zh-TW" altLang="zh-TW" sz="2800" b="0" i="0" u="none" strike="noStrike" cap="none" normalizeH="0" baseline="0">
+              <a:ln>
+                <a:noFill/>
+              </a:ln>
+              <a:solidFill>
+                <a:schemeClr val="tx1"/>
+              </a:solidFill>
+              <a:effectLst/>
+              <a:latin typeface="+mj-lt"/>
+            </a:endParaRPr>
+          </a:p>
+        </p:txBody>
+      </p:sp>
+      <p:sp>
+        <p:nvSpPr>
+          <p:cNvPr id="13" name="文字方塊 12">
+            <a:extLst>
+              <a:ext uri="{FF2B5EF4-FFF2-40B4-BE49-F238E27FC236}">
+                <a16:creationId xmlns:a16="http://schemas.microsoft.com/office/drawing/2014/main" id="{D6FF9DA4-B64F-4919-AD0A-841D2296A78C}"/>
+              </a:ext>
+            </a:extLst>
+          </p:cNvPr>
+          <p:cNvSpPr txBox="1"/>
+          <p:nvPr/>
+        </p:nvSpPr>
+        <p:spPr>
+          <a:xfrm>
+            <a:off x="7363012" y="6031528"/>
+            <a:ext cx="633507" cy="338554"/>
+          </a:xfrm>
+          <a:prstGeom prst="rect">
+            <a:avLst/>
+          </a:prstGeom>
+          <a:noFill/>
+        </p:spPr>
+        <p:txBody>
+          <a:bodyPr wrap="none" rtlCol="0">
+            <a:spAutoFit/>
+          </a:bodyPr>
+          <a:lstStyle/>
+          <a:p>
+            <a:r>
+              <a:rPr lang="en-US" altLang="zh-TW" sz="1600">
+                <a:solidFill>
+                  <a:schemeClr val="accent3"/>
+                </a:solidFill>
+              </a:rPr>
+              <a:t>java</a:t>
+            </a:r>
+            <a:endParaRPr lang="zh-TW" altLang="en-US" sz="1600">
+              <a:solidFill>
+                <a:schemeClr val="accent3"/>
+              </a:solidFill>
+            </a:endParaRPr>
+          </a:p>
+        </p:txBody>
+      </p:sp>
+      <p:grpSp>
+        <p:nvGrpSpPr>
+          <p:cNvPr id="19" name="群組 18">
+            <a:extLst>
+              <a:ext uri="{FF2B5EF4-FFF2-40B4-BE49-F238E27FC236}">
+                <a16:creationId xmlns:a16="http://schemas.microsoft.com/office/drawing/2014/main" id="{D2A357CB-DAE0-47CA-8973-FE12F90781FE}"/>
+              </a:ext>
+            </a:extLst>
+          </p:cNvPr>
+          <p:cNvGrpSpPr/>
+          <p:nvPr/>
+        </p:nvGrpSpPr>
+        <p:grpSpPr>
+          <a:xfrm>
+            <a:off x="8247529" y="5723751"/>
+            <a:ext cx="3478306" cy="646331"/>
+            <a:chOff x="8247529" y="5723751"/>
+            <a:chExt cx="3478306" cy="646331"/>
+          </a:xfrm>
+        </p:grpSpPr>
+        <p:sp>
+          <p:nvSpPr>
+            <p:cNvPr id="12" name="Rectangle 1">
+              <a:extLst>
+                <a:ext uri="{FF2B5EF4-FFF2-40B4-BE49-F238E27FC236}">
+                  <a16:creationId xmlns:a16="http://schemas.microsoft.com/office/drawing/2014/main" id="{956CA72A-04CE-40B0-A035-B5F1980C727A}"/>
+                </a:ext>
+              </a:extLst>
+            </p:cNvPr>
+            <p:cNvSpPr>
+              <a:spLocks noChangeArrowheads="1"/>
+            </p:cNvSpPr>
+            <p:nvPr/>
+          </p:nvSpPr>
+          <p:spPr bwMode="auto">
+            <a:xfrm>
+              <a:off x="8247529" y="5723751"/>
+              <a:ext cx="3478306" cy="646331"/>
+            </a:xfrm>
+            <a:prstGeom prst="rect">
+              <a:avLst/>
+            </a:prstGeom>
+            <a:solidFill>
+              <a:srgbClr val="1E1F22"/>
+            </a:solidFill>
+            <a:ln>
+              <a:noFill/>
+            </a:ln>
+            <a:effectLst/>
+            <a:extLst>
+              <a:ext uri="{91240B29-F687-4F45-9708-019B960494DF}">
+                <a14:hiddenLine xmlns:a14="http://schemas.microsoft.com/office/drawing/2010/main" w="9525">
+                  <a:solidFill>
+                    <a:schemeClr val="tx1"/>
+                  </a:solidFill>
+                  <a:miter lim="800000"/>
+                  <a:headEnd/>
+                  <a:tailEnd/>
+                </a14:hiddenLine>
+              </a:ext>
+              <a:ext uri="{AF507438-7753-43E0-B8FC-AC1667EBCBE1}">
+                <a14:hiddenEffects xmlns:a14="http://schemas.microsoft.com/office/drawing/2010/main">
+                  <a:effectLst>
+                    <a:outerShdw dist="35921" dir="2700000" algn="ctr" rotWithShape="0">
+                      <a:schemeClr val="bg2"/>
+                    </a:outerShdw>
+                  </a:effectLst>
+                </a14:hiddenEffects>
+              </a:ext>
+            </a:extLst>
+          </p:spPr>
+          <p:txBody>
+            <a:bodyPr vert="horz" wrap="square" lIns="91440" tIns="45720" rIns="91440" bIns="45720" numCol="1" anchor="ctr" anchorCtr="0" compatLnSpc="1">
+              <a:prstTxWarp prst="textNoShape">
+                <a:avLst/>
+              </a:prstTxWarp>
+              <a:spAutoFit/>
+            </a:bodyPr>
+            <a:lstStyle/>
+            <a:p>
+              <a:pPr marL="0" marR="0" lvl="0" indent="0" algn="l" defTabSz="914400" rtl="0" eaLnBrk="0" fontAlgn="base" latinLnBrk="0" hangingPunct="0">
+                <a:lnSpc>
+                  <a:spcPct val="100000"/>
+                </a:lnSpc>
+                <a:spcBef>
+                  <a:spcPct val="0"/>
+                </a:spcBef>
+                <a:spcAft>
+                  <a:spcPct val="0"/>
+                </a:spcAft>
+                <a:buClrTx/>
+                <a:buSzTx/>
+                <a:buFontTx/>
+                <a:buNone/>
+                <a:tabLst/>
+              </a:pPr>
+              <a:r>
+                <a:rPr lang="zh-TW" altLang="en-US">
+                  <a:solidFill>
+                    <a:srgbClr val="BCBEC4"/>
+                  </a:solidFill>
+                  <a:latin typeface="+mj-lt"/>
+                  <a:cs typeface="JetBrains Mono" panose="02000009000000000000" pitchFamily="49" charset="0"/>
+                </a:rPr>
+                <a:t>我是真的不能控制我自己</a:t>
+              </a:r>
+              <a:endParaRPr lang="en-US" altLang="zh-TW">
+                <a:solidFill>
+                  <a:srgbClr val="BCBEC4"/>
+                </a:solidFill>
+                <a:latin typeface="+mj-lt"/>
+                <a:cs typeface="JetBrains Mono" panose="02000009000000000000" pitchFamily="49" charset="0"/>
+              </a:endParaRPr>
+            </a:p>
+            <a:p>
+              <a:pPr marL="0" marR="0" lvl="0" indent="0" algn="l" defTabSz="914400" rtl="0" eaLnBrk="0" fontAlgn="base" latinLnBrk="0" hangingPunct="0">
+                <a:lnSpc>
+                  <a:spcPct val="100000"/>
+                </a:lnSpc>
+                <a:spcBef>
+                  <a:spcPct val="0"/>
+                </a:spcBef>
+                <a:spcAft>
+                  <a:spcPct val="0"/>
+                </a:spcAft>
+                <a:buClrTx/>
+                <a:buSzTx/>
+                <a:buFontTx/>
+                <a:buNone/>
+                <a:tabLst/>
+              </a:pPr>
+              <a:r>
+                <a:rPr kumimoji="0" lang="zh-TW" altLang="en-US" b="0" i="0" u="none" strike="noStrike" cap="none" normalizeH="0" baseline="0">
+                  <a:ln>
+                    <a:noFill/>
+                  </a:ln>
+                  <a:solidFill>
+                    <a:srgbClr val="92D050"/>
+                  </a:solidFill>
+                  <a:effectLst/>
+                  <a:latin typeface="+mj-lt"/>
+                  <a:cs typeface="JetBrains Mono" panose="02000009000000000000" pitchFamily="49" charset="0"/>
+                </a:rPr>
+                <a:t>我不知道下一句是什麼</a:t>
+              </a:r>
+            </a:p>
+          </p:txBody>
+        </p:sp>
+        <p:sp>
+          <p:nvSpPr>
+            <p:cNvPr id="14" name="文字方塊 13">
+              <a:extLst>
+                <a:ext uri="{FF2B5EF4-FFF2-40B4-BE49-F238E27FC236}">
+                  <a16:creationId xmlns:a16="http://schemas.microsoft.com/office/drawing/2014/main" id="{8B843205-C983-44FC-91A2-BB52B600B9C9}"/>
+                </a:ext>
+              </a:extLst>
+            </p:cNvPr>
+            <p:cNvSpPr txBox="1"/>
+            <p:nvPr/>
+          </p:nvSpPr>
+          <p:spPr>
+            <a:xfrm>
+              <a:off x="10944852" y="6062305"/>
+              <a:ext cx="780983" cy="307777"/>
+            </a:xfrm>
+            <a:prstGeom prst="rect">
+              <a:avLst/>
+            </a:prstGeom>
+            <a:noFill/>
+          </p:spPr>
+          <p:txBody>
+            <a:bodyPr wrap="none" rtlCol="0">
+              <a:spAutoFit/>
+            </a:bodyPr>
+            <a:lstStyle/>
+            <a:p>
+              <a:r>
+                <a:rPr lang="en-US" altLang="zh-TW" sz="1400">
+                  <a:solidFill>
+                    <a:schemeClr val="accent3"/>
+                  </a:solidFill>
+                </a:rPr>
+                <a:t>output</a:t>
+              </a:r>
+            </a:p>
+          </p:txBody>
+        </p:sp>
+      </p:grpSp>
+      <p:grpSp>
+        <p:nvGrpSpPr>
+          <p:cNvPr id="20" name="群組 19">
+            <a:extLst>
+              <a:ext uri="{FF2B5EF4-FFF2-40B4-BE49-F238E27FC236}">
+                <a16:creationId xmlns:a16="http://schemas.microsoft.com/office/drawing/2014/main" id="{86737C67-C19B-4571-AB15-531DD60B25A0}"/>
+              </a:ext>
+            </a:extLst>
+          </p:cNvPr>
+          <p:cNvGrpSpPr/>
+          <p:nvPr/>
+        </p:nvGrpSpPr>
+        <p:grpSpPr>
+          <a:xfrm>
+            <a:off x="8247529" y="4691416"/>
+            <a:ext cx="3478306" cy="646331"/>
+            <a:chOff x="8247529" y="4691416"/>
+            <a:chExt cx="3478306" cy="646331"/>
+          </a:xfrm>
+        </p:grpSpPr>
+        <p:sp>
+          <p:nvSpPr>
+            <p:cNvPr id="11" name="Rectangle 1">
+              <a:extLst>
+                <a:ext uri="{FF2B5EF4-FFF2-40B4-BE49-F238E27FC236}">
+                  <a16:creationId xmlns:a16="http://schemas.microsoft.com/office/drawing/2014/main" id="{AA08C088-8654-4B63-9F68-E1E4AE6A928C}"/>
+                </a:ext>
+              </a:extLst>
+            </p:cNvPr>
+            <p:cNvSpPr>
+              <a:spLocks noChangeArrowheads="1"/>
+            </p:cNvSpPr>
+            <p:nvPr/>
+          </p:nvSpPr>
+          <p:spPr bwMode="auto">
+            <a:xfrm>
+              <a:off x="8247529" y="4691416"/>
+              <a:ext cx="3478306" cy="646331"/>
+            </a:xfrm>
+            <a:prstGeom prst="rect">
+              <a:avLst/>
+            </a:prstGeom>
+            <a:solidFill>
+              <a:srgbClr val="1E1F22"/>
+            </a:solidFill>
+            <a:ln>
+              <a:noFill/>
+            </a:ln>
+            <a:effectLst/>
+            <a:extLst>
+              <a:ext uri="{91240B29-F687-4F45-9708-019B960494DF}">
+                <a14:hiddenLine xmlns:a14="http://schemas.microsoft.com/office/drawing/2010/main" w="9525">
+                  <a:solidFill>
+                    <a:schemeClr val="tx1"/>
+                  </a:solidFill>
+                  <a:miter lim="800000"/>
+                  <a:headEnd/>
+                  <a:tailEnd/>
+                </a14:hiddenLine>
+              </a:ext>
+              <a:ext uri="{AF507438-7753-43E0-B8FC-AC1667EBCBE1}">
+                <a14:hiddenEffects xmlns:a14="http://schemas.microsoft.com/office/drawing/2010/main">
+                  <a:effectLst>
+                    <a:outerShdw dist="35921" dir="2700000" algn="ctr" rotWithShape="0">
+                      <a:schemeClr val="bg2"/>
+                    </a:outerShdw>
+                  </a:effectLst>
+                </a14:hiddenEffects>
+              </a:ext>
+            </a:extLst>
+          </p:spPr>
+          <p:txBody>
+            <a:bodyPr vert="horz" wrap="square" lIns="91440" tIns="45720" rIns="91440" bIns="45720" numCol="1" anchor="ctr" anchorCtr="0" compatLnSpc="1">
+              <a:prstTxWarp prst="textNoShape">
+                <a:avLst/>
+              </a:prstTxWarp>
+              <a:spAutoFit/>
+            </a:bodyPr>
+            <a:lstStyle/>
+            <a:p>
+              <a:pPr marL="0" marR="0" lvl="0" indent="0" algn="l" defTabSz="914400" rtl="0" eaLnBrk="0" fontAlgn="base" latinLnBrk="0" hangingPunct="0">
+                <a:lnSpc>
+                  <a:spcPct val="100000"/>
+                </a:lnSpc>
+                <a:spcBef>
+                  <a:spcPct val="0"/>
+                </a:spcBef>
+                <a:spcAft>
+                  <a:spcPct val="0"/>
+                </a:spcAft>
+                <a:buClrTx/>
+                <a:buSzTx/>
+                <a:buFontTx/>
+                <a:buNone/>
+                <a:tabLst/>
+              </a:pPr>
+              <a:r>
+                <a:rPr lang="zh-TW" altLang="en-US">
+                  <a:solidFill>
+                    <a:srgbClr val="BCBEC4"/>
+                  </a:solidFill>
+                  <a:latin typeface="+mj-lt"/>
+                  <a:cs typeface="JetBrains Mono" panose="02000009000000000000" pitchFamily="49" charset="0"/>
+                </a:rPr>
+                <a:t>我願變成童話裡你愛的那個天使</a:t>
+              </a:r>
+              <a:endParaRPr lang="en-US" altLang="zh-TW">
+                <a:solidFill>
+                  <a:srgbClr val="92D050"/>
+                </a:solidFill>
+                <a:latin typeface="+mj-lt"/>
+                <a:cs typeface="JetBrains Mono" panose="02000009000000000000" pitchFamily="49" charset="0"/>
+              </a:endParaRPr>
+            </a:p>
+            <a:p>
+              <a:pPr marL="0" marR="0" lvl="0" indent="0" algn="l" defTabSz="914400" rtl="0" eaLnBrk="0" fontAlgn="base" latinLnBrk="0" hangingPunct="0">
+                <a:lnSpc>
+                  <a:spcPct val="100000"/>
+                </a:lnSpc>
+                <a:spcBef>
+                  <a:spcPct val="0"/>
+                </a:spcBef>
+                <a:spcAft>
+                  <a:spcPct val="0"/>
+                </a:spcAft>
+                <a:buClrTx/>
+                <a:buSzTx/>
+                <a:buFontTx/>
+                <a:buNone/>
+                <a:tabLst/>
+              </a:pPr>
+              <a:r>
+                <a:rPr kumimoji="0" lang="zh-TW" altLang="en-US" b="0" i="0" u="none" strike="noStrike" cap="none" normalizeH="0" baseline="0">
+                  <a:ln>
+                    <a:noFill/>
+                  </a:ln>
+                  <a:solidFill>
+                    <a:srgbClr val="92D050"/>
+                  </a:solidFill>
+                  <a:effectLst/>
+                  <a:latin typeface="+mj-lt"/>
+                  <a:cs typeface="JetBrains Mono" panose="02000009000000000000" pitchFamily="49" charset="0"/>
+                </a:rPr>
+                <a:t>張開雙手變成翅膀守護你</a:t>
+              </a:r>
+            </a:p>
+          </p:txBody>
+        </p:sp>
+        <p:sp>
+          <p:nvSpPr>
+            <p:cNvPr id="15" name="文字方塊 14">
+              <a:extLst>
+                <a:ext uri="{FF2B5EF4-FFF2-40B4-BE49-F238E27FC236}">
+                  <a16:creationId xmlns:a16="http://schemas.microsoft.com/office/drawing/2014/main" id="{04569F1C-92AF-4C50-A3F9-221CAC80B78E}"/>
+                </a:ext>
+              </a:extLst>
+            </p:cNvPr>
+            <p:cNvSpPr txBox="1"/>
+            <p:nvPr/>
+          </p:nvSpPr>
+          <p:spPr>
+            <a:xfrm>
+              <a:off x="10944852" y="5014581"/>
+              <a:ext cx="780983" cy="307777"/>
+            </a:xfrm>
+            <a:prstGeom prst="rect">
+              <a:avLst/>
+            </a:prstGeom>
+            <a:noFill/>
+          </p:spPr>
+          <p:txBody>
+            <a:bodyPr wrap="none" rtlCol="0">
+              <a:spAutoFit/>
+            </a:bodyPr>
+            <a:lstStyle/>
+            <a:p>
+              <a:r>
+                <a:rPr lang="en-US" altLang="zh-TW" sz="1400">
+                  <a:solidFill>
+                    <a:schemeClr val="accent3"/>
+                  </a:solidFill>
+                </a:rPr>
+                <a:t>output</a:t>
+              </a:r>
+            </a:p>
+          </p:txBody>
+        </p:sp>
+      </p:grpSp>
+      <p:grpSp>
+        <p:nvGrpSpPr>
+          <p:cNvPr id="21" name="群組 20">
+            <a:extLst>
+              <a:ext uri="{FF2B5EF4-FFF2-40B4-BE49-F238E27FC236}">
+                <a16:creationId xmlns:a16="http://schemas.microsoft.com/office/drawing/2014/main" id="{D247D294-D368-435E-8E7E-5D1ABDE66479}"/>
+              </a:ext>
+            </a:extLst>
+          </p:cNvPr>
+          <p:cNvGrpSpPr/>
+          <p:nvPr/>
+        </p:nvGrpSpPr>
+        <p:grpSpPr>
+          <a:xfrm>
+            <a:off x="8247530" y="3659080"/>
+            <a:ext cx="3478306" cy="646331"/>
+            <a:chOff x="8247530" y="3659080"/>
+            <a:chExt cx="3478306" cy="646331"/>
+          </a:xfrm>
+        </p:grpSpPr>
+        <p:sp>
+          <p:nvSpPr>
+            <p:cNvPr id="10" name="Rectangle 1">
+              <a:extLst>
+                <a:ext uri="{FF2B5EF4-FFF2-40B4-BE49-F238E27FC236}">
+                  <a16:creationId xmlns:a16="http://schemas.microsoft.com/office/drawing/2014/main" id="{5864E777-D9E7-4073-965A-ED91F89B5E85}"/>
+                </a:ext>
+              </a:extLst>
+            </p:cNvPr>
+            <p:cNvSpPr>
+              <a:spLocks noChangeArrowheads="1"/>
+            </p:cNvSpPr>
+            <p:nvPr/>
+          </p:nvSpPr>
+          <p:spPr bwMode="auto">
+            <a:xfrm>
+              <a:off x="8247530" y="3659080"/>
+              <a:ext cx="3478306" cy="646331"/>
+            </a:xfrm>
+            <a:prstGeom prst="rect">
+              <a:avLst/>
+            </a:prstGeom>
+            <a:solidFill>
+              <a:srgbClr val="1E1F22"/>
+            </a:solidFill>
+            <a:ln>
+              <a:noFill/>
+            </a:ln>
+            <a:effectLst/>
+            <a:extLst>
+              <a:ext uri="{91240B29-F687-4F45-9708-019B960494DF}">
+                <a14:hiddenLine xmlns:a14="http://schemas.microsoft.com/office/drawing/2010/main" w="9525">
+                  <a:solidFill>
+                    <a:schemeClr val="tx1"/>
+                  </a:solidFill>
+                  <a:miter lim="800000"/>
+                  <a:headEnd/>
+                  <a:tailEnd/>
+                </a14:hiddenLine>
+              </a:ext>
+              <a:ext uri="{AF507438-7753-43E0-B8FC-AC1667EBCBE1}">
+                <a14:hiddenEffects xmlns:a14="http://schemas.microsoft.com/office/drawing/2010/main">
+                  <a:effectLst>
+                    <a:outerShdw dist="35921" dir="2700000" algn="ctr" rotWithShape="0">
+                      <a:schemeClr val="bg2"/>
+                    </a:outerShdw>
+                  </a:effectLst>
+                </a14:hiddenEffects>
+              </a:ext>
+            </a:extLst>
+          </p:spPr>
+          <p:txBody>
+            <a:bodyPr vert="horz" wrap="square" lIns="91440" tIns="45720" rIns="91440" bIns="45720" numCol="1" anchor="ctr" anchorCtr="0" compatLnSpc="1">
+              <a:prstTxWarp prst="textNoShape">
+                <a:avLst/>
+              </a:prstTxWarp>
+              <a:spAutoFit/>
+            </a:bodyPr>
+            <a:lstStyle/>
+            <a:p>
+              <a:pPr marL="0" marR="0" lvl="0" indent="0" algn="l" defTabSz="914400" rtl="0" eaLnBrk="0" fontAlgn="base" latinLnBrk="0" hangingPunct="0">
+                <a:lnSpc>
+                  <a:spcPct val="100000"/>
+                </a:lnSpc>
+                <a:spcBef>
+                  <a:spcPct val="0"/>
+                </a:spcBef>
+                <a:spcAft>
+                  <a:spcPct val="0"/>
+                </a:spcAft>
+                <a:buClrTx/>
+                <a:buSzTx/>
+                <a:buFontTx/>
+                <a:buNone/>
+                <a:tabLst/>
+              </a:pPr>
+              <a:r>
+                <a:rPr lang="zh-TW" altLang="en-US">
+                  <a:solidFill>
+                    <a:srgbClr val="BCBEC4"/>
+                  </a:solidFill>
+                  <a:latin typeface="+mj-lt"/>
+                  <a:cs typeface="JetBrains Mono" panose="02000009000000000000" pitchFamily="49" charset="0"/>
+                </a:rPr>
+                <a:t>怎麼忍心怪你犯了錯</a:t>
+              </a:r>
+              <a:endParaRPr kumimoji="0" lang="en-US" altLang="zh-TW" b="0" i="0" u="none" strike="noStrike" cap="none" normalizeH="0" baseline="0">
+                <a:ln>
+                  <a:noFill/>
+                </a:ln>
+                <a:solidFill>
+                  <a:srgbClr val="BCBEC4"/>
+                </a:solidFill>
+                <a:effectLst/>
+                <a:latin typeface="+mj-lt"/>
+                <a:cs typeface="JetBrains Mono" panose="02000009000000000000" pitchFamily="49" charset="0"/>
+              </a:endParaRPr>
+            </a:p>
+            <a:p>
+              <a:pPr marL="0" marR="0" lvl="0" indent="0" algn="l" defTabSz="914400" rtl="0" eaLnBrk="0" fontAlgn="base" latinLnBrk="0" hangingPunct="0">
+                <a:lnSpc>
+                  <a:spcPct val="100000"/>
+                </a:lnSpc>
+                <a:spcBef>
+                  <a:spcPct val="0"/>
+                </a:spcBef>
+                <a:spcAft>
+                  <a:spcPct val="0"/>
+                </a:spcAft>
+                <a:buClrTx/>
+                <a:buSzTx/>
+                <a:buFontTx/>
+                <a:buNone/>
+                <a:tabLst/>
+              </a:pPr>
+              <a:r>
+                <a:rPr lang="zh-TW" altLang="en-US">
+                  <a:solidFill>
+                    <a:srgbClr val="92D050"/>
+                  </a:solidFill>
+                  <a:latin typeface="+mj-lt"/>
+                  <a:cs typeface="JetBrains Mono" panose="02000009000000000000" pitchFamily="49" charset="0"/>
+                </a:rPr>
+                <a:t>是我給你自由過了火</a:t>
+              </a:r>
+              <a:endParaRPr kumimoji="0" lang="zh-TW" altLang="en-US" b="0" i="0" u="none" strike="noStrike" cap="none" normalizeH="0" baseline="0">
+                <a:ln>
+                  <a:noFill/>
+                </a:ln>
+                <a:solidFill>
+                  <a:srgbClr val="92D050"/>
+                </a:solidFill>
+                <a:effectLst/>
+                <a:latin typeface="+mj-lt"/>
+                <a:cs typeface="JetBrains Mono" panose="02000009000000000000" pitchFamily="49" charset="0"/>
+              </a:endParaRPr>
+            </a:p>
+          </p:txBody>
+        </p:sp>
+        <p:sp>
+          <p:nvSpPr>
+            <p:cNvPr id="16" name="文字方塊 15">
+              <a:extLst>
+                <a:ext uri="{FF2B5EF4-FFF2-40B4-BE49-F238E27FC236}">
+                  <a16:creationId xmlns:a16="http://schemas.microsoft.com/office/drawing/2014/main" id="{3304EBCE-9C64-4365-BBBA-D68F1C37899A}"/>
+                </a:ext>
+              </a:extLst>
+            </p:cNvPr>
+            <p:cNvSpPr txBox="1"/>
+            <p:nvPr/>
+          </p:nvSpPr>
+          <p:spPr>
+            <a:xfrm>
+              <a:off x="10944851" y="3982245"/>
+              <a:ext cx="780983" cy="307777"/>
+            </a:xfrm>
+            <a:prstGeom prst="rect">
+              <a:avLst/>
+            </a:prstGeom>
+            <a:noFill/>
+          </p:spPr>
+          <p:txBody>
+            <a:bodyPr wrap="none" rtlCol="0">
+              <a:spAutoFit/>
+            </a:bodyPr>
+            <a:lstStyle/>
+            <a:p>
+              <a:r>
+                <a:rPr lang="en-US" altLang="zh-TW" sz="1400">
+                  <a:solidFill>
+                    <a:schemeClr val="accent3"/>
+                  </a:solidFill>
+                </a:rPr>
+                <a:t>output</a:t>
+              </a:r>
+            </a:p>
+          </p:txBody>
+        </p:sp>
+      </p:grpSp>
+      <p:grpSp>
+        <p:nvGrpSpPr>
+          <p:cNvPr id="22" name="群組 21">
+            <a:extLst>
+              <a:ext uri="{FF2B5EF4-FFF2-40B4-BE49-F238E27FC236}">
+                <a16:creationId xmlns:a16="http://schemas.microsoft.com/office/drawing/2014/main" id="{C55B7D1C-1694-4A9E-A1DE-3981E885BB1A}"/>
+              </a:ext>
+            </a:extLst>
+          </p:cNvPr>
+          <p:cNvGrpSpPr/>
+          <p:nvPr/>
+        </p:nvGrpSpPr>
+        <p:grpSpPr>
+          <a:xfrm>
+            <a:off x="8247530" y="2626744"/>
+            <a:ext cx="3478306" cy="646331"/>
+            <a:chOff x="8247530" y="2626744"/>
+            <a:chExt cx="3478306" cy="646331"/>
+          </a:xfrm>
+        </p:grpSpPr>
+        <p:sp>
+          <p:nvSpPr>
+            <p:cNvPr id="9" name="Rectangle 1">
+              <a:extLst>
+                <a:ext uri="{FF2B5EF4-FFF2-40B4-BE49-F238E27FC236}">
+                  <a16:creationId xmlns:a16="http://schemas.microsoft.com/office/drawing/2014/main" id="{AF221432-49DD-4637-813E-ED5E565D4C01}"/>
+                </a:ext>
+              </a:extLst>
+            </p:cNvPr>
+            <p:cNvSpPr>
+              <a:spLocks noChangeArrowheads="1"/>
+            </p:cNvSpPr>
+            <p:nvPr/>
+          </p:nvSpPr>
+          <p:spPr bwMode="auto">
+            <a:xfrm>
+              <a:off x="8247530" y="2626744"/>
+              <a:ext cx="3478306" cy="646331"/>
+            </a:xfrm>
+            <a:prstGeom prst="rect">
+              <a:avLst/>
+            </a:prstGeom>
+            <a:solidFill>
+              <a:srgbClr val="1E1F22"/>
+            </a:solidFill>
+            <a:ln>
+              <a:noFill/>
+            </a:ln>
+            <a:effectLst/>
+            <a:extLst>
+              <a:ext uri="{91240B29-F687-4F45-9708-019B960494DF}">
+                <a14:hiddenLine xmlns:a14="http://schemas.microsoft.com/office/drawing/2010/main" w="9525">
+                  <a:solidFill>
+                    <a:schemeClr val="tx1"/>
+                  </a:solidFill>
+                  <a:miter lim="800000"/>
+                  <a:headEnd/>
+                  <a:tailEnd/>
+                </a14:hiddenLine>
+              </a:ext>
+              <a:ext uri="{AF507438-7753-43E0-B8FC-AC1667EBCBE1}">
+                <a14:hiddenEffects xmlns:a14="http://schemas.microsoft.com/office/drawing/2010/main">
+                  <a:effectLst>
+                    <a:outerShdw dist="35921" dir="2700000" algn="ctr" rotWithShape="0">
+                      <a:schemeClr val="bg2"/>
+                    </a:outerShdw>
+                  </a:effectLst>
+                </a14:hiddenEffects>
+              </a:ext>
+            </a:extLst>
+          </p:spPr>
+          <p:txBody>
+            <a:bodyPr vert="horz" wrap="square" lIns="91440" tIns="45720" rIns="91440" bIns="45720" numCol="1" anchor="ctr" anchorCtr="0" compatLnSpc="1">
+              <a:prstTxWarp prst="textNoShape">
+                <a:avLst/>
+              </a:prstTxWarp>
+              <a:spAutoFit/>
+            </a:bodyPr>
+            <a:lstStyle/>
+            <a:p>
+              <a:pPr marL="0" marR="0" lvl="0" indent="0" algn="l" defTabSz="914400" rtl="0" eaLnBrk="0" fontAlgn="base" latinLnBrk="0" hangingPunct="0">
+                <a:lnSpc>
+                  <a:spcPct val="100000"/>
+                </a:lnSpc>
+                <a:spcBef>
+                  <a:spcPct val="0"/>
+                </a:spcBef>
+                <a:spcAft>
+                  <a:spcPct val="0"/>
+                </a:spcAft>
+                <a:buClrTx/>
+                <a:buSzTx/>
+                <a:buFontTx/>
+                <a:buNone/>
+                <a:tabLst/>
+              </a:pPr>
+              <a:r>
+                <a:rPr kumimoji="0" lang="zh-TW" altLang="en-US" b="0" i="0" u="none" strike="noStrike" cap="none" normalizeH="0" baseline="0">
+                  <a:ln>
+                    <a:noFill/>
+                  </a:ln>
+                  <a:solidFill>
+                    <a:srgbClr val="BCBEC4"/>
+                  </a:solidFill>
+                  <a:effectLst/>
+                  <a:latin typeface="+mj-lt"/>
+                  <a:cs typeface="JetBrains Mono" panose="02000009000000000000" pitchFamily="49" charset="0"/>
+                </a:rPr>
+                <a:t>想念你的笑</a:t>
+              </a:r>
+              <a:endParaRPr kumimoji="0" lang="en-US" altLang="zh-TW" b="0" i="0" u="none" strike="noStrike" cap="none" normalizeH="0" baseline="0">
+                <a:ln>
+                  <a:noFill/>
+                </a:ln>
+                <a:solidFill>
+                  <a:srgbClr val="BCBEC4"/>
+                </a:solidFill>
+                <a:effectLst/>
+                <a:latin typeface="+mj-lt"/>
+                <a:cs typeface="JetBrains Mono" panose="02000009000000000000" pitchFamily="49" charset="0"/>
+              </a:endParaRPr>
+            </a:p>
+            <a:p>
+              <a:pPr marL="0" marR="0" lvl="0" indent="0" algn="l" defTabSz="914400" rtl="0" eaLnBrk="0" fontAlgn="base" latinLnBrk="0" hangingPunct="0">
+                <a:lnSpc>
+                  <a:spcPct val="100000"/>
+                </a:lnSpc>
+                <a:spcBef>
+                  <a:spcPct val="0"/>
+                </a:spcBef>
+                <a:spcAft>
+                  <a:spcPct val="0"/>
+                </a:spcAft>
+                <a:buClrTx/>
+                <a:buSzTx/>
+                <a:buFontTx/>
+                <a:buNone/>
+                <a:tabLst/>
+              </a:pPr>
+              <a:r>
+                <a:rPr kumimoji="0" lang="zh-TW" altLang="en-US" b="0" i="0" u="none" strike="noStrike" cap="none" normalizeH="0" baseline="0">
+                  <a:ln>
+                    <a:noFill/>
+                  </a:ln>
+                  <a:solidFill>
+                    <a:srgbClr val="92D050"/>
+                  </a:solidFill>
+                  <a:effectLst/>
+                  <a:latin typeface="+mj-lt"/>
+                  <a:cs typeface="JetBrains Mono" panose="02000009000000000000" pitchFamily="49" charset="0"/>
+                </a:rPr>
+                <a:t>想念你的外套</a:t>
+              </a:r>
+            </a:p>
+          </p:txBody>
+        </p:sp>
+        <p:sp>
+          <p:nvSpPr>
+            <p:cNvPr id="17" name="文字方塊 16">
+              <a:extLst>
+                <a:ext uri="{FF2B5EF4-FFF2-40B4-BE49-F238E27FC236}">
+                  <a16:creationId xmlns:a16="http://schemas.microsoft.com/office/drawing/2014/main" id="{7814AE20-F1B0-43F6-95ED-ECFF9A0D498F}"/>
+                </a:ext>
+              </a:extLst>
+            </p:cNvPr>
+            <p:cNvSpPr txBox="1"/>
+            <p:nvPr/>
+          </p:nvSpPr>
+          <p:spPr>
+            <a:xfrm>
+              <a:off x="10944852" y="2965298"/>
+              <a:ext cx="780983" cy="307777"/>
+            </a:xfrm>
+            <a:prstGeom prst="rect">
+              <a:avLst/>
+            </a:prstGeom>
+            <a:noFill/>
+          </p:spPr>
+          <p:txBody>
+            <a:bodyPr wrap="none" rtlCol="0">
+              <a:spAutoFit/>
+            </a:bodyPr>
+            <a:lstStyle/>
+            <a:p>
+              <a:r>
+                <a:rPr lang="en-US" altLang="zh-TW" sz="1400">
+                  <a:solidFill>
+                    <a:schemeClr val="accent3"/>
+                  </a:solidFill>
+                </a:rPr>
+                <a:t>output</a:t>
+              </a:r>
+            </a:p>
+          </p:txBody>
+        </p:sp>
+      </p:grpSp>
+      <p:grpSp>
+        <p:nvGrpSpPr>
+          <p:cNvPr id="23" name="群組 22">
+            <a:extLst>
+              <a:ext uri="{FF2B5EF4-FFF2-40B4-BE49-F238E27FC236}">
+                <a16:creationId xmlns:a16="http://schemas.microsoft.com/office/drawing/2014/main" id="{95B3A224-0B7A-4A11-9A85-6A58B5D8FE25}"/>
+              </a:ext>
+            </a:extLst>
+          </p:cNvPr>
+          <p:cNvGrpSpPr/>
+          <p:nvPr/>
+        </p:nvGrpSpPr>
+        <p:grpSpPr>
+          <a:xfrm>
+            <a:off x="8247530" y="1594408"/>
+            <a:ext cx="3478306" cy="646331"/>
+            <a:chOff x="8247530" y="1594408"/>
+            <a:chExt cx="3478306" cy="646331"/>
+          </a:xfrm>
+        </p:grpSpPr>
+        <p:sp>
+          <p:nvSpPr>
+            <p:cNvPr id="7" name="Rectangle 1">
+              <a:extLst>
+                <a:ext uri="{FF2B5EF4-FFF2-40B4-BE49-F238E27FC236}">
+                  <a16:creationId xmlns:a16="http://schemas.microsoft.com/office/drawing/2014/main" id="{AAC7B894-7748-4F29-B148-A73D8B2FE7FB}"/>
+                </a:ext>
+              </a:extLst>
+            </p:cNvPr>
+            <p:cNvSpPr>
+              <a:spLocks noChangeArrowheads="1"/>
+            </p:cNvSpPr>
+            <p:nvPr/>
+          </p:nvSpPr>
+          <p:spPr bwMode="auto">
+            <a:xfrm>
+              <a:off x="8247530" y="1594408"/>
+              <a:ext cx="3478306" cy="646331"/>
+            </a:xfrm>
+            <a:prstGeom prst="rect">
+              <a:avLst/>
+            </a:prstGeom>
+            <a:solidFill>
+              <a:srgbClr val="1E1F22"/>
+            </a:solidFill>
+            <a:ln>
+              <a:noFill/>
+            </a:ln>
+            <a:effectLst/>
+            <a:extLst>
+              <a:ext uri="{91240B29-F687-4F45-9708-019B960494DF}">
+                <a14:hiddenLine xmlns:a14="http://schemas.microsoft.com/office/drawing/2010/main" w="9525">
+                  <a:solidFill>
+                    <a:schemeClr val="tx1"/>
+                  </a:solidFill>
+                  <a:miter lim="800000"/>
+                  <a:headEnd/>
+                  <a:tailEnd/>
+                </a14:hiddenLine>
+              </a:ext>
+              <a:ext uri="{AF507438-7753-43E0-B8FC-AC1667EBCBE1}">
+                <a14:hiddenEffects xmlns:a14="http://schemas.microsoft.com/office/drawing/2010/main">
+                  <a:effectLst>
+                    <a:outerShdw dist="35921" dir="2700000" algn="ctr" rotWithShape="0">
+                      <a:schemeClr val="bg2"/>
+                    </a:outerShdw>
+                  </a:effectLst>
+                </a14:hiddenEffects>
+              </a:ext>
+            </a:extLst>
+          </p:spPr>
+          <p:txBody>
+            <a:bodyPr vert="horz" wrap="square" lIns="91440" tIns="45720" rIns="91440" bIns="45720" numCol="1" anchor="ctr" anchorCtr="0" compatLnSpc="1">
+              <a:prstTxWarp prst="textNoShape">
+                <a:avLst/>
+              </a:prstTxWarp>
+              <a:spAutoFit/>
+            </a:bodyPr>
+            <a:lstStyle/>
+            <a:p>
+              <a:pPr marL="0" marR="0" lvl="0" indent="0" algn="l" defTabSz="914400" rtl="0" eaLnBrk="0" fontAlgn="base" latinLnBrk="0" hangingPunct="0">
+                <a:lnSpc>
+                  <a:spcPct val="100000"/>
+                </a:lnSpc>
+                <a:spcBef>
+                  <a:spcPct val="0"/>
+                </a:spcBef>
+                <a:spcAft>
+                  <a:spcPct val="0"/>
+                </a:spcAft>
+                <a:buClrTx/>
+                <a:buSzTx/>
+                <a:buFontTx/>
+                <a:buNone/>
+                <a:tabLst/>
+              </a:pPr>
+              <a:r>
+                <a:rPr kumimoji="0" lang="zh-TW" altLang="en-US" b="0" i="0" u="none" strike="noStrike" cap="none" normalizeH="0" baseline="0">
+                  <a:ln>
+                    <a:noFill/>
+                  </a:ln>
+                  <a:solidFill>
+                    <a:srgbClr val="BCBEC4"/>
+                  </a:solidFill>
+                  <a:effectLst/>
+                  <a:latin typeface="+mj-lt"/>
+                  <a:cs typeface="JetBrains Mono" panose="02000009000000000000" pitchFamily="49" charset="0"/>
+                </a:rPr>
+                <a:t>回憶過去</a:t>
+              </a:r>
+            </a:p>
+            <a:p>
+              <a:pPr marL="0" marR="0" lvl="0" indent="0" algn="l" defTabSz="914400" rtl="0" eaLnBrk="0" fontAlgn="base" latinLnBrk="0" hangingPunct="0">
+                <a:lnSpc>
+                  <a:spcPct val="100000"/>
+                </a:lnSpc>
+                <a:spcBef>
+                  <a:spcPct val="0"/>
+                </a:spcBef>
+                <a:spcAft>
+                  <a:spcPct val="0"/>
+                </a:spcAft>
+                <a:buClrTx/>
+                <a:buSzTx/>
+                <a:buFontTx/>
+                <a:buNone/>
+                <a:tabLst/>
+              </a:pPr>
+              <a:r>
+                <a:rPr kumimoji="0" lang="zh-TW" altLang="en-US" b="0" i="0" u="none" strike="noStrike" cap="none" normalizeH="0" baseline="0">
+                  <a:ln>
+                    <a:noFill/>
+                  </a:ln>
+                  <a:solidFill>
+                    <a:srgbClr val="92D050"/>
+                  </a:solidFill>
+                  <a:effectLst/>
+                  <a:latin typeface="+mj-lt"/>
+                  <a:cs typeface="JetBrains Mono" panose="02000009000000000000" pitchFamily="49" charset="0"/>
+                </a:rPr>
+                <a:t>痛苦的相思忘不了</a:t>
+              </a:r>
+            </a:p>
+          </p:txBody>
+        </p:sp>
+        <p:sp>
+          <p:nvSpPr>
+            <p:cNvPr id="18" name="文字方塊 17">
+              <a:extLst>
+                <a:ext uri="{FF2B5EF4-FFF2-40B4-BE49-F238E27FC236}">
+                  <a16:creationId xmlns:a16="http://schemas.microsoft.com/office/drawing/2014/main" id="{9F855788-454B-4C73-9DA5-52D6F89F2EB4}"/>
+                </a:ext>
+              </a:extLst>
+            </p:cNvPr>
+            <p:cNvSpPr txBox="1"/>
+            <p:nvPr/>
+          </p:nvSpPr>
+          <p:spPr>
+            <a:xfrm>
+              <a:off x="10944852" y="1931460"/>
+              <a:ext cx="780983" cy="307777"/>
+            </a:xfrm>
+            <a:prstGeom prst="rect">
+              <a:avLst/>
+            </a:prstGeom>
+            <a:noFill/>
+          </p:spPr>
+          <p:txBody>
+            <a:bodyPr wrap="none" rtlCol="0">
+              <a:spAutoFit/>
+            </a:bodyPr>
+            <a:lstStyle/>
+            <a:p>
+              <a:r>
+                <a:rPr lang="en-US" altLang="zh-TW" sz="1400">
+                  <a:solidFill>
+                    <a:schemeClr val="accent3"/>
+                  </a:solidFill>
+                </a:rPr>
+                <a:t>output</a:t>
+              </a:r>
+            </a:p>
+          </p:txBody>
+        </p:sp>
+      </p:grpSp>
+      <p:pic>
+        <p:nvPicPr>
+          <p:cNvPr id="24" name="圖片 23">
+            <a:hlinkClick r:id="rId2"/>
+            <a:extLst>
+              <a:ext uri="{FF2B5EF4-FFF2-40B4-BE49-F238E27FC236}">
+                <a16:creationId xmlns:a16="http://schemas.microsoft.com/office/drawing/2014/main" id="{A175219C-789C-485B-9A24-33ED5ABB9A74}"/>
+              </a:ext>
+            </a:extLst>
+          </p:cNvPr>
+          <p:cNvPicPr>
+            <a:picLocks noChangeAspect="1"/>
+          </p:cNvPicPr>
+          <p:nvPr/>
+        </p:nvPicPr>
+        <p:blipFill>
+          <a:blip r:embed="rId3">
+            <a:extLst>
+              <a:ext uri="{28A0092B-C50C-407E-A947-70E740481C1C}">
+                <a14:useLocalDpi xmlns:a14="http://schemas.microsoft.com/office/drawing/2010/main" val="0"/>
+              </a:ext>
+            </a:extLst>
+          </a:blip>
+          <a:stretch>
+            <a:fillRect/>
+          </a:stretch>
+        </p:blipFill>
+        <p:spPr>
+          <a:xfrm>
+            <a:off x="7512324" y="1603301"/>
+            <a:ext cx="484195" cy="473668"/>
+          </a:xfrm>
+          <a:prstGeom prst="rect">
+            <a:avLst/>
+          </a:prstGeom>
+        </p:spPr>
+      </p:pic>
+    </p:spTree>
+    <p:extLst>
+      <p:ext uri="{BB962C8B-B14F-4D97-AF65-F5344CB8AC3E}">
+        <p14:creationId xmlns:p14="http://schemas.microsoft.com/office/powerpoint/2010/main" val="2545298303"/>
+      </p:ext>
+    </p:extLst>
+  </p:cSld>
+  <p:clrMapOvr>
+    <a:masterClrMapping/>
+  </p:clrMapOvr>
+  <p:transition spd="slow">
+    <p:push dir="u"/>
+  </p:transition>
+</p:sld>
+</file>
+
+<file path=ppt/slides/slide6.xml><?xml version="1.0" encoding="utf-8"?>
+<p:sld xmlns:a="http://schemas.openxmlformats.org/drawingml/2006/main" xmlns:r="http://schemas.openxmlformats.org/officeDocument/2006/relationships" xmlns:p="http://schemas.openxmlformats.org/presentationml/2006/main">
+  <p:cSld>
+    <p:spTree>
+      <p:nvGrpSpPr>
+        <p:cNvPr id="1" name=""/>
+        <p:cNvGrpSpPr/>
+        <p:nvPr/>
+      </p:nvGrpSpPr>
+      <p:grpSpPr>
+        <a:xfrm>
+          <a:off x="0" y="0"/>
+          <a:ext cx="0" cy="0"/>
+          <a:chOff x="0" y="0"/>
+          <a:chExt cx="0" cy="0"/>
+        </a:xfrm>
+      </p:grpSpPr>
+      <p:sp>
+        <p:nvSpPr>
+          <p:cNvPr id="2" name="標題 1">
+            <a:extLst>
+              <a:ext uri="{FF2B5EF4-FFF2-40B4-BE49-F238E27FC236}">
+                <a16:creationId xmlns:a16="http://schemas.microsoft.com/office/drawing/2014/main" id="{D090D48B-04BB-455A-BAB0-B5F22859ED7A}"/>
+              </a:ext>
+            </a:extLst>
+          </p:cNvPr>
+          <p:cNvSpPr>
+            <a:spLocks noGrp="1"/>
+          </p:cNvSpPr>
+          <p:nvPr>
+            <p:ph type="title"/>
+          </p:nvPr>
+        </p:nvSpPr>
+        <p:spPr/>
+        <p:txBody>
+          <a:bodyPr/>
+          <a:lstStyle/>
+          <a:p>
+            <a:r>
+              <a:rPr lang="en-US" altLang="zh-TW"/>
+              <a:t>switch</a:t>
+            </a:r>
+            <a:endParaRPr lang="zh-TW" altLang="en-US"/>
+          </a:p>
+        </p:txBody>
+      </p:sp>
+      <p:sp>
+        <p:nvSpPr>
+          <p:cNvPr id="3" name="內容版面配置區 2">
+            <a:extLst>
+              <a:ext uri="{FF2B5EF4-FFF2-40B4-BE49-F238E27FC236}">
+                <a16:creationId xmlns:a16="http://schemas.microsoft.com/office/drawing/2014/main" id="{87B28AA8-5CA4-4B6E-8FA8-048CAD518345}"/>
+              </a:ext>
+            </a:extLst>
+          </p:cNvPr>
+          <p:cNvSpPr>
+            <a:spLocks noGrp="1"/>
+          </p:cNvSpPr>
+          <p:nvPr>
+            <p:ph idx="1"/>
+          </p:nvPr>
+        </p:nvSpPr>
+        <p:spPr/>
+        <p:txBody>
+          <a:bodyPr/>
+          <a:lstStyle/>
+          <a:p>
+            <a:endParaRPr lang="zh-TW" altLang="en-US"/>
+          </a:p>
+        </p:txBody>
+      </p:sp>
+    </p:spTree>
+    <p:extLst>
+      <p:ext uri="{BB962C8B-B14F-4D97-AF65-F5344CB8AC3E}">
+        <p14:creationId xmlns:p14="http://schemas.microsoft.com/office/powerpoint/2010/main" val="570779657"/>
       </p:ext>
     </p:extLst>
   </p:cSld>

--- a/powerpoint/06_流程控制.pptx
+++ b/powerpoint/06_流程控制.pptx
@@ -11,6 +11,7 @@
     <p:sldId id="259" r:id="rId5"/>
     <p:sldId id="261" r:id="rId6"/>
     <p:sldId id="260" r:id="rId7"/>
+    <p:sldId id="262" r:id="rId8"/>
   </p:sldIdLst>
   <p:sldSz cx="12192000" cy="6858000"/>
   <p:notesSz cx="6858000" cy="9144000"/>
@@ -11768,7 +11769,7 @@
               <a:r>
                 <a:rPr lang="zh-TW" altLang="en-US">
                   <a:solidFill>
-                    <a:srgbClr val="BCBEC4"/>
+                    <a:srgbClr val="92D050"/>
                   </a:solidFill>
                   <a:latin typeface="+mj-lt"/>
                   <a:cs typeface="JetBrains Mono" panose="02000009000000000000" pitchFamily="49" charset="0"/>
@@ -11777,38 +11778,26 @@
               </a:r>
               <a:endParaRPr lang="en-US" altLang="zh-TW">
                 <a:solidFill>
-                  <a:srgbClr val="BCBEC4"/>
+                  <a:srgbClr val="92D050"/>
                 </a:solidFill>
                 <a:latin typeface="+mj-lt"/>
                 <a:cs typeface="JetBrains Mono" panose="02000009000000000000" pitchFamily="49" charset="0"/>
               </a:endParaRPr>
             </a:p>
             <a:p>
-              <a:pPr marL="0" marR="0" lvl="0" indent="0" algn="l" defTabSz="914400" rtl="0" eaLnBrk="0" fontAlgn="base" latinLnBrk="0" hangingPunct="0">
-                <a:lnSpc>
-                  <a:spcPct val="100000"/>
-                </a:lnSpc>
+              <a:pPr eaLnBrk="0" fontAlgn="base" hangingPunct="0">
                 <a:spcBef>
                   <a:spcPct val="0"/>
                 </a:spcBef>
                 <a:spcAft>
                   <a:spcPct val="0"/>
                 </a:spcAft>
-                <a:buClrTx/>
-                <a:buSzTx/>
-                <a:buFontTx/>
-                <a:buNone/>
-                <a:tabLst/>
               </a:pPr>
               <a:r>
-                <a:rPr kumimoji="0" lang="zh-TW" altLang="en-US" b="0" i="0" u="none" strike="noStrike" cap="none" normalizeH="0" baseline="0">
-                  <a:ln>
-                    <a:noFill/>
-                  </a:ln>
+                <a:rPr lang="zh-TW" altLang="en-US">
                   <a:solidFill>
-                    <a:srgbClr val="92D050"/>
+                    <a:srgbClr val="BCBEC4"/>
                   </a:solidFill>
-                  <a:effectLst/>
                   <a:latin typeface="+mj-lt"/>
                   <a:cs typeface="JetBrains Mono" panose="02000009000000000000" pitchFamily="49" charset="0"/>
                 </a:rPr>
@@ -11956,7 +11945,7 @@
               <a:r>
                 <a:rPr lang="zh-TW" altLang="en-US">
                   <a:solidFill>
-                    <a:srgbClr val="BCBEC4"/>
+                    <a:srgbClr val="92D050"/>
                   </a:solidFill>
                   <a:latin typeface="+mj-lt"/>
                   <a:cs typeface="JetBrains Mono" panose="02000009000000000000" pitchFamily="49" charset="0"/>
@@ -11972,31 +11961,19 @@
               </a:endParaRPr>
             </a:p>
             <a:p>
-              <a:pPr marL="0" marR="0" lvl="0" indent="0" algn="l" defTabSz="914400" rtl="0" eaLnBrk="0" fontAlgn="base" latinLnBrk="0" hangingPunct="0">
-                <a:lnSpc>
-                  <a:spcPct val="100000"/>
-                </a:lnSpc>
+              <a:pPr eaLnBrk="0" fontAlgn="base" hangingPunct="0">
                 <a:spcBef>
                   <a:spcPct val="0"/>
                 </a:spcBef>
                 <a:spcAft>
                   <a:spcPct val="0"/>
                 </a:spcAft>
-                <a:buClrTx/>
-                <a:buSzTx/>
-                <a:buFontTx/>
-                <a:buNone/>
-                <a:tabLst/>
               </a:pPr>
               <a:r>
-                <a:rPr kumimoji="0" lang="zh-TW" altLang="en-US" b="0" i="0" u="none" strike="noStrike" cap="none" normalizeH="0" baseline="0">
-                  <a:ln>
-                    <a:noFill/>
-                  </a:ln>
+                <a:rPr lang="zh-TW" altLang="en-US">
                   <a:solidFill>
-                    <a:srgbClr val="92D050"/>
+                    <a:srgbClr val="BCBEC4"/>
                   </a:solidFill>
-                  <a:effectLst/>
                   <a:latin typeface="+mj-lt"/>
                   <a:cs typeface="JetBrains Mono" panose="02000009000000000000" pitchFamily="49" charset="0"/>
                 </a:rPr>
@@ -12144,7 +12121,7 @@
               <a:r>
                 <a:rPr lang="zh-TW" altLang="en-US">
                   <a:solidFill>
-                    <a:srgbClr val="BCBEC4"/>
+                    <a:srgbClr val="92D050"/>
                   </a:solidFill>
                   <a:latin typeface="+mj-lt"/>
                   <a:cs typeface="JetBrains Mono" panose="02000009000000000000" pitchFamily="49" charset="0"/>
@@ -12156,7 +12133,7 @@
                   <a:noFill/>
                 </a:ln>
                 <a:solidFill>
-                  <a:srgbClr val="BCBEC4"/>
+                  <a:srgbClr val="92D050"/>
                 </a:solidFill>
                 <a:effectLst/>
                 <a:latin typeface="+mj-lt"/>
@@ -12164,43 +12141,24 @@
               </a:endParaRPr>
             </a:p>
             <a:p>
-              <a:pPr marL="0" marR="0" lvl="0" indent="0" algn="l" defTabSz="914400" rtl="0" eaLnBrk="0" fontAlgn="base" latinLnBrk="0" hangingPunct="0">
-                <a:lnSpc>
-                  <a:spcPct val="100000"/>
-                </a:lnSpc>
+              <a:pPr eaLnBrk="0" fontAlgn="base" hangingPunct="0">
                 <a:spcBef>
                   <a:spcPct val="0"/>
                 </a:spcBef>
                 <a:spcAft>
                   <a:spcPct val="0"/>
                 </a:spcAft>
-                <a:buClrTx/>
-                <a:buSzTx/>
-                <a:buFontTx/>
-                <a:buNone/>
-                <a:tabLst/>
               </a:pPr>
               <a:r>
                 <a:rPr lang="zh-TW" altLang="en-US">
                   <a:solidFill>
-                    <a:srgbClr val="92D050"/>
+                    <a:srgbClr val="BCBEC4"/>
                   </a:solidFill>
                   <a:latin typeface="+mj-lt"/>
                   <a:cs typeface="JetBrains Mono" panose="02000009000000000000" pitchFamily="49" charset="0"/>
                 </a:rPr>
                 <a:t>是我給你自由過了火</a:t>
               </a:r>
-              <a:endParaRPr kumimoji="0" lang="zh-TW" altLang="en-US" b="0" i="0" u="none" strike="noStrike" cap="none" normalizeH="0" baseline="0">
-                <a:ln>
-                  <a:noFill/>
-                </a:ln>
-                <a:solidFill>
-                  <a:srgbClr val="92D050"/>
-                </a:solidFill>
-                <a:effectLst/>
-                <a:latin typeface="+mj-lt"/>
-                <a:cs typeface="JetBrains Mono" panose="02000009000000000000" pitchFamily="49" charset="0"/>
-              </a:endParaRPr>
             </a:p>
           </p:txBody>
         </p:sp>
@@ -12346,7 +12304,7 @@
                     <a:noFill/>
                   </a:ln>
                   <a:solidFill>
-                    <a:srgbClr val="BCBEC4"/>
+                    <a:srgbClr val="92D050"/>
                   </a:solidFill>
                   <a:effectLst/>
                   <a:latin typeface="+mj-lt"/>
@@ -12359,7 +12317,7 @@
                   <a:noFill/>
                 </a:ln>
                 <a:solidFill>
-                  <a:srgbClr val="BCBEC4"/>
+                  <a:srgbClr val="92D050"/>
                 </a:solidFill>
                 <a:effectLst/>
                 <a:latin typeface="+mj-lt"/>
@@ -12367,31 +12325,19 @@
               </a:endParaRPr>
             </a:p>
             <a:p>
-              <a:pPr marL="0" marR="0" lvl="0" indent="0" algn="l" defTabSz="914400" rtl="0" eaLnBrk="0" fontAlgn="base" latinLnBrk="0" hangingPunct="0">
-                <a:lnSpc>
-                  <a:spcPct val="100000"/>
-                </a:lnSpc>
+              <a:pPr eaLnBrk="0" fontAlgn="base" hangingPunct="0">
                 <a:spcBef>
                   <a:spcPct val="0"/>
                 </a:spcBef>
                 <a:spcAft>
                   <a:spcPct val="0"/>
                 </a:spcAft>
-                <a:buClrTx/>
-                <a:buSzTx/>
-                <a:buFontTx/>
-                <a:buNone/>
-                <a:tabLst/>
               </a:pPr>
               <a:r>
-                <a:rPr kumimoji="0" lang="zh-TW" altLang="en-US" b="0" i="0" u="none" strike="noStrike" cap="none" normalizeH="0" baseline="0">
-                  <a:ln>
-                    <a:noFill/>
-                  </a:ln>
+                <a:rPr lang="zh-TW" altLang="en-US">
                   <a:solidFill>
-                    <a:srgbClr val="92D050"/>
+                    <a:srgbClr val="BCBEC4"/>
                   </a:solidFill>
-                  <a:effectLst/>
                   <a:latin typeface="+mj-lt"/>
                   <a:cs typeface="JetBrains Mono" panose="02000009000000000000" pitchFamily="49" charset="0"/>
                 </a:rPr>
@@ -12542,7 +12488,7 @@
                     <a:noFill/>
                   </a:ln>
                   <a:solidFill>
-                    <a:srgbClr val="BCBEC4"/>
+                    <a:srgbClr val="92D050"/>
                   </a:solidFill>
                   <a:effectLst/>
                   <a:latin typeface="+mj-lt"/>
@@ -12574,7 +12520,7 @@
                     <a:noFill/>
                   </a:ln>
                   <a:solidFill>
-                    <a:srgbClr val="92D050"/>
+                    <a:srgbClr val="BCBEC4"/>
                   </a:solidFill>
                   <a:effectLst/>
                   <a:latin typeface="+mj-lt"/>
@@ -12720,7 +12666,10 @@
               <a:rPr lang="en-US" altLang="zh-TW"/>
               <a:t>switch</a:t>
             </a:r>
-            <a:endParaRPr lang="zh-TW" altLang="en-US"/>
+            <a:r>
+              <a:rPr lang="zh-TW" altLang="en-US"/>
+              <a:t> 流程控制陳述式</a:t>
+            </a:r>
           </a:p>
         </p:txBody>
       </p:sp>
@@ -12749,10 +12698,701 @@
           </a:p>
         </p:txBody>
       </p:sp>
+      <p:grpSp>
+        <p:nvGrpSpPr>
+          <p:cNvPr id="8" name="群組 7">
+            <a:extLst>
+              <a:ext uri="{FF2B5EF4-FFF2-40B4-BE49-F238E27FC236}">
+                <a16:creationId xmlns:a16="http://schemas.microsoft.com/office/drawing/2014/main" id="{2F800FCD-9533-43D6-9E69-DBE5324A0C15}"/>
+              </a:ext>
+            </a:extLst>
+          </p:cNvPr>
+          <p:cNvGrpSpPr/>
+          <p:nvPr/>
+        </p:nvGrpSpPr>
+        <p:grpSpPr>
+          <a:xfrm>
+            <a:off x="838200" y="2505670"/>
+            <a:ext cx="3814482" cy="3046988"/>
+            <a:chOff x="838200" y="2505670"/>
+            <a:chExt cx="3814482" cy="3046988"/>
+          </a:xfrm>
+        </p:grpSpPr>
+        <p:sp>
+          <p:nvSpPr>
+            <p:cNvPr id="7" name="Rectangle 1">
+              <a:extLst>
+                <a:ext uri="{FF2B5EF4-FFF2-40B4-BE49-F238E27FC236}">
+                  <a16:creationId xmlns:a16="http://schemas.microsoft.com/office/drawing/2014/main" id="{B1463C64-A78C-483B-964D-C1452569CFAD}"/>
+                </a:ext>
+              </a:extLst>
+            </p:cNvPr>
+            <p:cNvSpPr>
+              <a:spLocks noChangeArrowheads="1"/>
+            </p:cNvSpPr>
+            <p:nvPr/>
+          </p:nvSpPr>
+          <p:spPr bwMode="auto">
+            <a:xfrm>
+              <a:off x="838200" y="2505670"/>
+              <a:ext cx="3814482" cy="3046988"/>
+            </a:xfrm>
+            <a:prstGeom prst="rect">
+              <a:avLst/>
+            </a:prstGeom>
+            <a:solidFill>
+              <a:srgbClr val="1E1F22"/>
+            </a:solidFill>
+            <a:ln>
+              <a:noFill/>
+            </a:ln>
+            <a:effectLst/>
+            <a:extLst>
+              <a:ext uri="{91240B29-F687-4F45-9708-019B960494DF}">
+                <a14:hiddenLine xmlns:a14="http://schemas.microsoft.com/office/drawing/2010/main" w="9525">
+                  <a:solidFill>
+                    <a:schemeClr val="tx1"/>
+                  </a:solidFill>
+                  <a:miter lim="800000"/>
+                  <a:headEnd/>
+                  <a:tailEnd/>
+                </a14:hiddenLine>
+              </a:ext>
+              <a:ext uri="{AF507438-7753-43E0-B8FC-AC1667EBCBE1}">
+                <a14:hiddenEffects xmlns:a14="http://schemas.microsoft.com/office/drawing/2010/main">
+                  <a:effectLst>
+                    <a:outerShdw dist="35921" dir="2700000" algn="ctr" rotWithShape="0">
+                      <a:schemeClr val="bg2"/>
+                    </a:outerShdw>
+                  </a:effectLst>
+                </a14:hiddenEffects>
+              </a:ext>
+            </a:extLst>
+          </p:spPr>
+          <p:txBody>
+            <a:bodyPr vert="horz" wrap="square" lIns="91440" tIns="45720" rIns="91440" bIns="45720" numCol="1" anchor="ctr" anchorCtr="0" compatLnSpc="1">
+              <a:prstTxWarp prst="textNoShape">
+                <a:avLst/>
+              </a:prstTxWarp>
+              <a:spAutoFit/>
+            </a:bodyPr>
+            <a:lstStyle/>
+            <a:p>
+              <a:pPr marL="0" marR="0" lvl="0" indent="0" algn="l" defTabSz="914400" rtl="0" eaLnBrk="0" fontAlgn="base" latinLnBrk="0" hangingPunct="0">
+                <a:lnSpc>
+                  <a:spcPct val="100000"/>
+                </a:lnSpc>
+                <a:spcBef>
+                  <a:spcPct val="0"/>
+                </a:spcBef>
+                <a:spcAft>
+                  <a:spcPct val="0"/>
+                </a:spcAft>
+                <a:buClrTx/>
+                <a:buSzTx/>
+                <a:buFontTx/>
+                <a:buNone/>
+                <a:tabLst/>
+              </a:pPr>
+              <a:r>
+                <a:rPr kumimoji="0" lang="zh-TW" altLang="zh-TW" sz="2400" b="0" i="0" u="none" strike="noStrike" cap="none" normalizeH="0" baseline="0">
+                  <a:ln>
+                    <a:noFill/>
+                  </a:ln>
+                  <a:solidFill>
+                    <a:srgbClr val="CF8E6D"/>
+                  </a:solidFill>
+                  <a:effectLst/>
+                  <a:latin typeface="+mj-lt"/>
+                  <a:cs typeface="JetBrains Mono" panose="02000009000000000000" pitchFamily="49" charset="0"/>
+                </a:rPr>
+                <a:t>switch </a:t>
+              </a:r>
+              <a:r>
+                <a:rPr kumimoji="0" lang="zh-TW" altLang="zh-TW" sz="2400" b="0" i="0" u="none" strike="noStrike" cap="none" normalizeH="0" baseline="0">
+                  <a:ln>
+                    <a:noFill/>
+                  </a:ln>
+                  <a:solidFill>
+                    <a:srgbClr val="BCBEC4"/>
+                  </a:solidFill>
+                  <a:effectLst/>
+                  <a:latin typeface="+mj-lt"/>
+                  <a:cs typeface="JetBrains Mono" panose="02000009000000000000" pitchFamily="49" charset="0"/>
+                </a:rPr>
+                <a:t>(</a:t>
+              </a:r>
+              <a:r>
+                <a:rPr kumimoji="0" lang="zh-TW" altLang="zh-TW" sz="2400" b="0" i="0" u="none" strike="noStrike" cap="none" normalizeH="0" baseline="0">
+                  <a:ln>
+                    <a:noFill/>
+                  </a:ln>
+                  <a:solidFill>
+                    <a:srgbClr val="00B0F0"/>
+                  </a:solidFill>
+                  <a:effectLst/>
+                  <a:latin typeface="+mj-lt"/>
+                  <a:ea typeface="微軟正黑體" panose="020B0604030504040204" pitchFamily="34" charset="-120"/>
+                  <a:cs typeface="JetBrains Mono" panose="02000009000000000000" pitchFamily="49" charset="0"/>
+                </a:rPr>
+                <a:t>傳入值</a:t>
+              </a:r>
+              <a:r>
+                <a:rPr kumimoji="0" lang="zh-TW" altLang="zh-TW" sz="2400" b="0" i="0" u="none" strike="noStrike" cap="none" normalizeH="0" baseline="0">
+                  <a:ln>
+                    <a:noFill/>
+                  </a:ln>
+                  <a:solidFill>
+                    <a:srgbClr val="BCBEC4"/>
+                  </a:solidFill>
+                  <a:effectLst/>
+                  <a:latin typeface="+mj-lt"/>
+                  <a:cs typeface="JetBrains Mono" panose="02000009000000000000" pitchFamily="49" charset="0"/>
+                </a:rPr>
+                <a:t>) {</a:t>
+              </a:r>
+              <a:br>
+                <a:rPr kumimoji="0" lang="zh-TW" altLang="zh-TW" sz="2400" b="0" i="0" u="none" strike="noStrike" cap="none" normalizeH="0" baseline="0">
+                  <a:ln>
+                    <a:noFill/>
+                  </a:ln>
+                  <a:solidFill>
+                    <a:srgbClr val="BCBEC4"/>
+                  </a:solidFill>
+                  <a:effectLst/>
+                  <a:latin typeface="+mj-lt"/>
+                  <a:cs typeface="JetBrains Mono" panose="02000009000000000000" pitchFamily="49" charset="0"/>
+                </a:rPr>
+              </a:br>
+              <a:r>
+                <a:rPr kumimoji="0" lang="zh-TW" altLang="zh-TW" sz="2400" b="0" i="0" u="none" strike="noStrike" cap="none" normalizeH="0" baseline="0">
+                  <a:ln>
+                    <a:noFill/>
+                  </a:ln>
+                  <a:solidFill>
+                    <a:srgbClr val="BCBEC4"/>
+                  </a:solidFill>
+                  <a:effectLst/>
+                  <a:latin typeface="+mj-lt"/>
+                  <a:cs typeface="JetBrains Mono" panose="02000009000000000000" pitchFamily="49" charset="0"/>
+                </a:rPr>
+                <a:t>    </a:t>
+              </a:r>
+              <a:r>
+                <a:rPr kumimoji="0" lang="zh-TW" altLang="zh-TW" sz="2400" b="0" i="0" u="none" strike="noStrike" cap="none" normalizeH="0" baseline="0">
+                  <a:ln>
+                    <a:noFill/>
+                  </a:ln>
+                  <a:solidFill>
+                    <a:srgbClr val="CF8E6D"/>
+                  </a:solidFill>
+                  <a:effectLst/>
+                  <a:latin typeface="+mj-lt"/>
+                  <a:cs typeface="JetBrains Mono" panose="02000009000000000000" pitchFamily="49" charset="0"/>
+                </a:rPr>
+                <a:t>case </a:t>
+              </a:r>
+              <a:r>
+                <a:rPr kumimoji="0" lang="zh-TW" altLang="zh-TW" sz="2400" b="0" i="0" u="none" strike="noStrike" cap="none" normalizeH="0" baseline="0">
+                  <a:ln>
+                    <a:noFill/>
+                  </a:ln>
+                  <a:solidFill>
+                    <a:srgbClr val="00B0F0"/>
+                  </a:solidFill>
+                  <a:effectLst/>
+                  <a:latin typeface="+mj-lt"/>
+                  <a:ea typeface="微軟正黑體" panose="020B0604030504040204" pitchFamily="34" charset="-120"/>
+                  <a:cs typeface="JetBrains Mono" panose="02000009000000000000" pitchFamily="49" charset="0"/>
+                </a:rPr>
+                <a:t>條件值</a:t>
+              </a:r>
+              <a:r>
+                <a:rPr kumimoji="0" lang="zh-TW" altLang="zh-TW" sz="2400" b="0" i="0" u="none" strike="noStrike" cap="none" normalizeH="0" baseline="0">
+                  <a:ln>
+                    <a:noFill/>
+                  </a:ln>
+                  <a:solidFill>
+                    <a:srgbClr val="BCBEC4"/>
+                  </a:solidFill>
+                  <a:effectLst/>
+                  <a:latin typeface="+mj-lt"/>
+                  <a:cs typeface="JetBrains Mono" panose="02000009000000000000" pitchFamily="49" charset="0"/>
+                </a:rPr>
+                <a:t>:</a:t>
+              </a:r>
+              <a:br>
+                <a:rPr kumimoji="0" lang="zh-TW" altLang="zh-TW" sz="2400" b="0" i="0" u="none" strike="noStrike" cap="none" normalizeH="0" baseline="0">
+                  <a:ln>
+                    <a:noFill/>
+                  </a:ln>
+                  <a:solidFill>
+                    <a:srgbClr val="BCBEC4"/>
+                  </a:solidFill>
+                  <a:effectLst/>
+                  <a:latin typeface="+mj-lt"/>
+                  <a:cs typeface="JetBrains Mono" panose="02000009000000000000" pitchFamily="49" charset="0"/>
+                </a:rPr>
+              </a:br>
+              <a:r>
+                <a:rPr kumimoji="0" lang="zh-TW" altLang="zh-TW" sz="2400" b="0" i="0" u="none" strike="noStrike" cap="none" normalizeH="0" baseline="0">
+                  <a:ln>
+                    <a:noFill/>
+                  </a:ln>
+                  <a:solidFill>
+                    <a:srgbClr val="BCBEC4"/>
+                  </a:solidFill>
+                  <a:effectLst/>
+                  <a:latin typeface="+mj-lt"/>
+                  <a:cs typeface="JetBrains Mono" panose="02000009000000000000" pitchFamily="49" charset="0"/>
+                </a:rPr>
+                <a:t>        </a:t>
+              </a:r>
+              <a:r>
+                <a:rPr kumimoji="0" lang="zh-TW" altLang="zh-TW" sz="2400" b="0" i="0" u="none" strike="noStrike" cap="none" normalizeH="0" baseline="0">
+                  <a:ln>
+                    <a:noFill/>
+                  </a:ln>
+                  <a:solidFill>
+                    <a:srgbClr val="00B0F0"/>
+                  </a:solidFill>
+                  <a:effectLst/>
+                  <a:latin typeface="+mj-lt"/>
+                  <a:ea typeface="微軟正黑體" panose="020B0604030504040204" pitchFamily="34" charset="-120"/>
+                  <a:cs typeface="JetBrains Mono" panose="02000009000000000000" pitchFamily="49" charset="0"/>
+                </a:rPr>
+                <a:t>陳述式</a:t>
+              </a:r>
+              <a:r>
+                <a:rPr kumimoji="0" lang="zh-TW" altLang="zh-TW" sz="2400" b="0" i="0" u="none" strike="noStrike" cap="none" normalizeH="0" baseline="0">
+                  <a:ln>
+                    <a:noFill/>
+                  </a:ln>
+                  <a:solidFill>
+                    <a:srgbClr val="00B0F0"/>
+                  </a:solidFill>
+                  <a:effectLst/>
+                  <a:latin typeface="+mj-lt"/>
+                  <a:cs typeface="JetBrains Mono" panose="02000009000000000000" pitchFamily="49" charset="0"/>
+                </a:rPr>
+                <a:t>...</a:t>
+              </a:r>
+              <a:br>
+                <a:rPr kumimoji="0" lang="zh-TW" altLang="zh-TW" sz="2400" b="0" i="0" u="none" strike="noStrike" cap="none" normalizeH="0" baseline="0">
+                  <a:ln>
+                    <a:noFill/>
+                  </a:ln>
+                  <a:solidFill>
+                    <a:srgbClr val="BCBEC4"/>
+                  </a:solidFill>
+                  <a:effectLst/>
+                  <a:latin typeface="+mj-lt"/>
+                  <a:cs typeface="JetBrains Mono" panose="02000009000000000000" pitchFamily="49" charset="0"/>
+                </a:rPr>
+              </a:br>
+              <a:r>
+                <a:rPr kumimoji="0" lang="zh-TW" altLang="zh-TW" sz="2400" b="0" i="0" u="none" strike="noStrike" cap="none" normalizeH="0" baseline="0">
+                  <a:ln>
+                    <a:noFill/>
+                  </a:ln>
+                  <a:solidFill>
+                    <a:srgbClr val="BCBEC4"/>
+                  </a:solidFill>
+                  <a:effectLst/>
+                  <a:latin typeface="+mj-lt"/>
+                  <a:cs typeface="JetBrains Mono" panose="02000009000000000000" pitchFamily="49" charset="0"/>
+                </a:rPr>
+                <a:t>    </a:t>
+              </a:r>
+              <a:r>
+                <a:rPr kumimoji="0" lang="zh-TW" altLang="zh-TW" sz="2400" b="0" i="0" u="none" strike="noStrike" cap="none" normalizeH="0" baseline="0">
+                  <a:ln>
+                    <a:noFill/>
+                  </a:ln>
+                  <a:solidFill>
+                    <a:srgbClr val="CF8E6D"/>
+                  </a:solidFill>
+                  <a:effectLst/>
+                  <a:latin typeface="+mj-lt"/>
+                  <a:cs typeface="JetBrains Mono" panose="02000009000000000000" pitchFamily="49" charset="0"/>
+                </a:rPr>
+                <a:t>case </a:t>
+              </a:r>
+              <a:r>
+                <a:rPr kumimoji="0" lang="zh-TW" altLang="zh-TW" sz="2400" b="0" i="0" u="none" strike="noStrike" cap="none" normalizeH="0" baseline="0">
+                  <a:ln>
+                    <a:noFill/>
+                  </a:ln>
+                  <a:solidFill>
+                    <a:srgbClr val="00B0F0"/>
+                  </a:solidFill>
+                  <a:effectLst/>
+                  <a:latin typeface="+mj-lt"/>
+                  <a:ea typeface="微軟正黑體" panose="020B0604030504040204" pitchFamily="34" charset="-120"/>
+                  <a:cs typeface="JetBrains Mono" panose="02000009000000000000" pitchFamily="49" charset="0"/>
+                </a:rPr>
+                <a:t>條件值</a:t>
+              </a:r>
+              <a:r>
+                <a:rPr kumimoji="0" lang="zh-TW" altLang="zh-TW" sz="2400" b="0" i="0" u="none" strike="noStrike" cap="none" normalizeH="0" baseline="0">
+                  <a:ln>
+                    <a:noFill/>
+                  </a:ln>
+                  <a:solidFill>
+                    <a:srgbClr val="BCBEC4"/>
+                  </a:solidFill>
+                  <a:effectLst/>
+                  <a:latin typeface="+mj-lt"/>
+                  <a:cs typeface="JetBrains Mono" panose="02000009000000000000" pitchFamily="49" charset="0"/>
+                </a:rPr>
+                <a:t>:</a:t>
+              </a:r>
+              <a:br>
+                <a:rPr kumimoji="0" lang="zh-TW" altLang="zh-TW" sz="2400" b="0" i="0" u="none" strike="noStrike" cap="none" normalizeH="0" baseline="0">
+                  <a:ln>
+                    <a:noFill/>
+                  </a:ln>
+                  <a:solidFill>
+                    <a:srgbClr val="BCBEC4"/>
+                  </a:solidFill>
+                  <a:effectLst/>
+                  <a:latin typeface="+mj-lt"/>
+                  <a:cs typeface="JetBrains Mono" panose="02000009000000000000" pitchFamily="49" charset="0"/>
+                </a:rPr>
+              </a:br>
+              <a:r>
+                <a:rPr kumimoji="0" lang="zh-TW" altLang="zh-TW" sz="2400" b="0" i="0" u="none" strike="noStrike" cap="none" normalizeH="0" baseline="0">
+                  <a:ln>
+                    <a:noFill/>
+                  </a:ln>
+                  <a:solidFill>
+                    <a:srgbClr val="BCBEC4"/>
+                  </a:solidFill>
+                  <a:effectLst/>
+                  <a:latin typeface="+mj-lt"/>
+                  <a:cs typeface="JetBrains Mono" panose="02000009000000000000" pitchFamily="49" charset="0"/>
+                </a:rPr>
+                <a:t>        </a:t>
+              </a:r>
+              <a:r>
+                <a:rPr kumimoji="0" lang="zh-TW" altLang="zh-TW" sz="2400" b="0" i="0" u="none" strike="noStrike" cap="none" normalizeH="0" baseline="0">
+                  <a:ln>
+                    <a:noFill/>
+                  </a:ln>
+                  <a:solidFill>
+                    <a:srgbClr val="00B0F0"/>
+                  </a:solidFill>
+                  <a:effectLst/>
+                  <a:latin typeface="+mj-lt"/>
+                  <a:ea typeface="微軟正黑體" panose="020B0604030504040204" pitchFamily="34" charset="-120"/>
+                  <a:cs typeface="JetBrains Mono" panose="02000009000000000000" pitchFamily="49" charset="0"/>
+                </a:rPr>
+                <a:t>陳述式</a:t>
+              </a:r>
+              <a:r>
+                <a:rPr kumimoji="0" lang="zh-TW" altLang="zh-TW" sz="2400" b="0" i="0" u="none" strike="noStrike" cap="none" normalizeH="0" baseline="0">
+                  <a:ln>
+                    <a:noFill/>
+                  </a:ln>
+                  <a:solidFill>
+                    <a:srgbClr val="00B0F0"/>
+                  </a:solidFill>
+                  <a:effectLst/>
+                  <a:latin typeface="+mj-lt"/>
+                  <a:cs typeface="JetBrains Mono" panose="02000009000000000000" pitchFamily="49" charset="0"/>
+                </a:rPr>
+                <a:t>...</a:t>
+              </a:r>
+              <a:br>
+                <a:rPr kumimoji="0" lang="zh-TW" altLang="zh-TW" sz="2400" b="0" i="0" u="none" strike="noStrike" cap="none" normalizeH="0" baseline="0">
+                  <a:ln>
+                    <a:noFill/>
+                  </a:ln>
+                  <a:solidFill>
+                    <a:srgbClr val="BCBEC4"/>
+                  </a:solidFill>
+                  <a:effectLst/>
+                  <a:latin typeface="+mj-lt"/>
+                  <a:cs typeface="JetBrains Mono" panose="02000009000000000000" pitchFamily="49" charset="0"/>
+                </a:rPr>
+              </a:br>
+              <a:r>
+                <a:rPr kumimoji="0" lang="zh-TW" altLang="zh-TW" sz="2400" b="0" i="0" u="none" strike="noStrike" cap="none" normalizeH="0" baseline="0">
+                  <a:ln>
+                    <a:noFill/>
+                  </a:ln>
+                  <a:solidFill>
+                    <a:srgbClr val="BCBEC4"/>
+                  </a:solidFill>
+                  <a:effectLst/>
+                  <a:latin typeface="+mj-lt"/>
+                  <a:cs typeface="JetBrains Mono" panose="02000009000000000000" pitchFamily="49" charset="0"/>
+                </a:rPr>
+                <a:t>    </a:t>
+              </a:r>
+              <a:r>
+                <a:rPr kumimoji="0" lang="zh-TW" altLang="zh-TW" sz="2400" b="0" i="0" u="none" strike="noStrike" cap="none" normalizeH="0" baseline="0">
+                  <a:ln>
+                    <a:noFill/>
+                  </a:ln>
+                  <a:solidFill>
+                    <a:srgbClr val="CF8E6D"/>
+                  </a:solidFill>
+                  <a:effectLst/>
+                  <a:latin typeface="+mj-lt"/>
+                  <a:cs typeface="JetBrains Mono" panose="02000009000000000000" pitchFamily="49" charset="0"/>
+                </a:rPr>
+                <a:t>default</a:t>
+              </a:r>
+              <a:r>
+                <a:rPr kumimoji="0" lang="zh-TW" altLang="zh-TW" sz="2400" b="0" i="0" u="none" strike="noStrike" cap="none" normalizeH="0" baseline="0">
+                  <a:ln>
+                    <a:noFill/>
+                  </a:ln>
+                  <a:solidFill>
+                    <a:srgbClr val="BCBEC4"/>
+                  </a:solidFill>
+                  <a:effectLst/>
+                  <a:latin typeface="+mj-lt"/>
+                  <a:cs typeface="JetBrains Mono" panose="02000009000000000000" pitchFamily="49" charset="0"/>
+                </a:rPr>
+                <a:t>:</a:t>
+              </a:r>
+              <a:br>
+                <a:rPr kumimoji="0" lang="zh-TW" altLang="zh-TW" sz="2400" b="0" i="0" u="none" strike="noStrike" cap="none" normalizeH="0" baseline="0">
+                  <a:ln>
+                    <a:noFill/>
+                  </a:ln>
+                  <a:solidFill>
+                    <a:srgbClr val="BCBEC4"/>
+                  </a:solidFill>
+                  <a:effectLst/>
+                  <a:latin typeface="+mj-lt"/>
+                  <a:cs typeface="JetBrains Mono" panose="02000009000000000000" pitchFamily="49" charset="0"/>
+                </a:rPr>
+              </a:br>
+              <a:r>
+                <a:rPr kumimoji="0" lang="zh-TW" altLang="zh-TW" sz="2400" b="0" i="0" u="none" strike="noStrike" cap="none" normalizeH="0" baseline="0">
+                  <a:ln>
+                    <a:noFill/>
+                  </a:ln>
+                  <a:solidFill>
+                    <a:srgbClr val="BCBEC4"/>
+                  </a:solidFill>
+                  <a:effectLst/>
+                  <a:latin typeface="+mj-lt"/>
+                  <a:cs typeface="JetBrains Mono" panose="02000009000000000000" pitchFamily="49" charset="0"/>
+                </a:rPr>
+                <a:t>        </a:t>
+              </a:r>
+              <a:r>
+                <a:rPr kumimoji="0" lang="zh-TW" altLang="zh-TW" sz="2400" b="0" i="0" u="none" strike="noStrike" cap="none" normalizeH="0" baseline="0">
+                  <a:ln>
+                    <a:noFill/>
+                  </a:ln>
+                  <a:solidFill>
+                    <a:srgbClr val="00B0F0"/>
+                  </a:solidFill>
+                  <a:effectLst/>
+                  <a:latin typeface="+mj-lt"/>
+                  <a:ea typeface="微軟正黑體" panose="020B0604030504040204" pitchFamily="34" charset="-120"/>
+                  <a:cs typeface="JetBrains Mono" panose="02000009000000000000" pitchFamily="49" charset="0"/>
+                </a:rPr>
+                <a:t>陳述式</a:t>
+              </a:r>
+              <a:r>
+                <a:rPr kumimoji="0" lang="zh-TW" altLang="zh-TW" sz="2400" b="0" i="0" u="none" strike="noStrike" cap="none" normalizeH="0" baseline="0">
+                  <a:ln>
+                    <a:noFill/>
+                  </a:ln>
+                  <a:solidFill>
+                    <a:srgbClr val="00B0F0"/>
+                  </a:solidFill>
+                  <a:effectLst/>
+                  <a:latin typeface="+mj-lt"/>
+                  <a:cs typeface="JetBrains Mono" panose="02000009000000000000" pitchFamily="49" charset="0"/>
+                </a:rPr>
+                <a:t>...</a:t>
+              </a:r>
+              <a:br>
+                <a:rPr kumimoji="0" lang="zh-TW" altLang="zh-TW" sz="2400" b="0" i="0" u="none" strike="noStrike" cap="none" normalizeH="0" baseline="0">
+                  <a:ln>
+                    <a:noFill/>
+                  </a:ln>
+                  <a:solidFill>
+                    <a:srgbClr val="BCBEC4"/>
+                  </a:solidFill>
+                  <a:effectLst/>
+                  <a:latin typeface="+mj-lt"/>
+                  <a:cs typeface="JetBrains Mono" panose="02000009000000000000" pitchFamily="49" charset="0"/>
+                </a:rPr>
+              </a:br>
+              <a:r>
+                <a:rPr kumimoji="0" lang="zh-TW" altLang="zh-TW" sz="2400" b="0" i="0" u="none" strike="noStrike" cap="none" normalizeH="0" baseline="0">
+                  <a:ln>
+                    <a:noFill/>
+                  </a:ln>
+                  <a:solidFill>
+                    <a:srgbClr val="BCBEC4"/>
+                  </a:solidFill>
+                  <a:effectLst/>
+                  <a:latin typeface="+mj-lt"/>
+                  <a:cs typeface="JetBrains Mono" panose="02000009000000000000" pitchFamily="49" charset="0"/>
+                </a:rPr>
+                <a:t>}</a:t>
+              </a:r>
+              <a:endParaRPr kumimoji="0" lang="zh-TW" altLang="zh-TW" sz="4000" b="0" i="0" u="none" strike="noStrike" cap="none" normalizeH="0" baseline="0">
+                <a:ln>
+                  <a:noFill/>
+                </a:ln>
+                <a:solidFill>
+                  <a:schemeClr val="tx1"/>
+                </a:solidFill>
+                <a:effectLst/>
+                <a:latin typeface="+mj-lt"/>
+              </a:endParaRPr>
+            </a:p>
+          </p:txBody>
+        </p:sp>
+        <p:sp>
+          <p:nvSpPr>
+            <p:cNvPr id="6" name="文字方塊 5">
+              <a:extLst>
+                <a:ext uri="{FF2B5EF4-FFF2-40B4-BE49-F238E27FC236}">
+                  <a16:creationId xmlns:a16="http://schemas.microsoft.com/office/drawing/2014/main" id="{A9619BF5-D5DF-48C9-8B10-27F1D0B4E6C9}"/>
+                </a:ext>
+              </a:extLst>
+            </p:cNvPr>
+            <p:cNvSpPr txBox="1"/>
+            <p:nvPr/>
+          </p:nvSpPr>
+          <p:spPr>
+            <a:xfrm>
+              <a:off x="3961467" y="5183326"/>
+              <a:ext cx="691215" cy="369332"/>
+            </a:xfrm>
+            <a:prstGeom prst="rect">
+              <a:avLst/>
+            </a:prstGeom>
+            <a:noFill/>
+          </p:spPr>
+          <p:txBody>
+            <a:bodyPr wrap="none" rtlCol="0">
+              <a:spAutoFit/>
+            </a:bodyPr>
+            <a:lstStyle/>
+            <a:p>
+              <a:r>
+                <a:rPr lang="en-US" altLang="zh-TW">
+                  <a:solidFill>
+                    <a:schemeClr val="accent3"/>
+                  </a:solidFill>
+                </a:rPr>
+                <a:t>java</a:t>
+              </a:r>
+              <a:endParaRPr lang="zh-TW" altLang="en-US">
+                <a:solidFill>
+                  <a:schemeClr val="accent3"/>
+                </a:solidFill>
+              </a:endParaRPr>
+            </a:p>
+          </p:txBody>
+        </p:sp>
+      </p:grpSp>
     </p:spTree>
     <p:extLst>
       <p:ext uri="{BB962C8B-B14F-4D97-AF65-F5344CB8AC3E}">
         <p14:creationId xmlns:p14="http://schemas.microsoft.com/office/powerpoint/2010/main" val="570779657"/>
+      </p:ext>
+    </p:extLst>
+  </p:cSld>
+  <p:clrMapOvr>
+    <a:masterClrMapping/>
+  </p:clrMapOvr>
+  <p:transition spd="slow">
+    <p:push dir="u"/>
+  </p:transition>
+</p:sld>
+</file>
+
+<file path=ppt/slides/slide7.xml><?xml version="1.0" encoding="utf-8"?>
+<p:sld xmlns:a="http://schemas.openxmlformats.org/drawingml/2006/main" xmlns:r="http://schemas.openxmlformats.org/officeDocument/2006/relationships" xmlns:p="http://schemas.openxmlformats.org/presentationml/2006/main">
+  <p:cSld>
+    <p:spTree>
+      <p:nvGrpSpPr>
+        <p:cNvPr id="1" name=""/>
+        <p:cNvGrpSpPr/>
+        <p:nvPr/>
+      </p:nvGrpSpPr>
+      <p:grpSpPr>
+        <a:xfrm>
+          <a:off x="0" y="0"/>
+          <a:ext cx="0" cy="0"/>
+          <a:chOff x="0" y="0"/>
+          <a:chExt cx="0" cy="0"/>
+        </a:xfrm>
+      </p:grpSpPr>
+      <p:sp>
+        <p:nvSpPr>
+          <p:cNvPr id="2" name="標題 1">
+            <a:extLst>
+              <a:ext uri="{FF2B5EF4-FFF2-40B4-BE49-F238E27FC236}">
+                <a16:creationId xmlns:a16="http://schemas.microsoft.com/office/drawing/2014/main" id="{147E18DF-9DB1-4B7D-97F2-06AC36469079}"/>
+              </a:ext>
+            </a:extLst>
+          </p:cNvPr>
+          <p:cNvSpPr>
+            <a:spLocks noGrp="1"/>
+          </p:cNvSpPr>
+          <p:nvPr>
+            <p:ph type="title"/>
+          </p:nvPr>
+        </p:nvSpPr>
+        <p:spPr/>
+        <p:txBody>
+          <a:bodyPr/>
+          <a:lstStyle/>
+          <a:p>
+            <a:r>
+              <a:rPr lang="en-US" altLang="zh-TW"/>
+              <a:t>switch </a:t>
+            </a:r>
+            <a:r>
+              <a:rPr lang="zh-TW" altLang="en-US"/>
+              <a:t>表達式</a:t>
+            </a:r>
+          </a:p>
+        </p:txBody>
+      </p:sp>
+      <p:sp>
+        <p:nvSpPr>
+          <p:cNvPr id="3" name="內容版面配置區 2">
+            <a:extLst>
+              <a:ext uri="{FF2B5EF4-FFF2-40B4-BE49-F238E27FC236}">
+                <a16:creationId xmlns:a16="http://schemas.microsoft.com/office/drawing/2014/main" id="{1A884952-0D84-4BD3-864B-96751F05D5A9}"/>
+              </a:ext>
+            </a:extLst>
+          </p:cNvPr>
+          <p:cNvSpPr>
+            <a:spLocks noGrp="1"/>
+          </p:cNvSpPr>
+          <p:nvPr>
+            <p:ph idx="1"/>
+          </p:nvPr>
+        </p:nvSpPr>
+        <p:spPr/>
+        <p:txBody>
+          <a:bodyPr/>
+          <a:lstStyle/>
+          <a:p>
+            <a:endParaRPr lang="zh-TW" altLang="en-US"/>
+          </a:p>
+        </p:txBody>
+      </p:sp>
+    </p:spTree>
+    <p:extLst>
+      <p:ext uri="{BB962C8B-B14F-4D97-AF65-F5344CB8AC3E}">
+        <p14:creationId xmlns:p14="http://schemas.microsoft.com/office/powerpoint/2010/main" val="211777568"/>
       </p:ext>
     </p:extLst>
   </p:cSld>

--- a/powerpoint/06_流程控制.pptx
+++ b/powerpoint/06_流程控制.pptx
@@ -11,7 +11,8 @@
     <p:sldId id="259" r:id="rId5"/>
     <p:sldId id="261" r:id="rId6"/>
     <p:sldId id="260" r:id="rId7"/>
-    <p:sldId id="262" r:id="rId8"/>
+    <p:sldId id="263" r:id="rId8"/>
+    <p:sldId id="262" r:id="rId9"/>
   </p:sldIdLst>
   <p:sldSz cx="12192000" cy="6858000"/>
   <p:notesSz cx="6858000" cy="9144000"/>
@@ -10132,1544 +10133,6 @@
           </a:p>
         </p:txBody>
       </p:sp>
-      <p:sp>
-        <p:nvSpPr>
-          <p:cNvPr id="4" name="Rectangle 1">
-            <a:extLst>
-              <a:ext uri="{FF2B5EF4-FFF2-40B4-BE49-F238E27FC236}">
-                <a16:creationId xmlns:a16="http://schemas.microsoft.com/office/drawing/2014/main" id="{8E297E17-56BB-418D-B55B-653CAC680C83}"/>
-              </a:ext>
-            </a:extLst>
-          </p:cNvPr>
-          <p:cNvSpPr>
-            <a:spLocks noChangeArrowheads="1"/>
-          </p:cNvSpPr>
-          <p:nvPr/>
-        </p:nvSpPr>
-        <p:spPr bwMode="auto">
-          <a:xfrm>
-            <a:off x="466165" y="1599545"/>
-            <a:ext cx="7530354" cy="4770537"/>
-          </a:xfrm>
-          <a:prstGeom prst="rect">
-            <a:avLst/>
-          </a:prstGeom>
-          <a:solidFill>
-            <a:srgbClr val="1E1F22"/>
-          </a:solidFill>
-          <a:ln>
-            <a:noFill/>
-          </a:ln>
-          <a:effectLst/>
-          <a:extLst>
-            <a:ext uri="{91240B29-F687-4F45-9708-019B960494DF}">
-              <a14:hiddenLine xmlns:a14="http://schemas.microsoft.com/office/drawing/2010/main" w="9525">
-                <a:solidFill>
-                  <a:schemeClr val="tx1"/>
-                </a:solidFill>
-                <a:miter lim="800000"/>
-                <a:headEnd/>
-                <a:tailEnd/>
-              </a14:hiddenLine>
-            </a:ext>
-            <a:ext uri="{AF507438-7753-43E0-B8FC-AC1667EBCBE1}">
-              <a14:hiddenEffects xmlns:a14="http://schemas.microsoft.com/office/drawing/2010/main">
-                <a:effectLst>
-                  <a:outerShdw dist="35921" dir="2700000" algn="ctr" rotWithShape="0">
-                    <a:schemeClr val="bg2"/>
-                  </a:outerShdw>
-                </a:effectLst>
-              </a14:hiddenEffects>
-            </a:ext>
-          </a:extLst>
-        </p:spPr>
-        <p:txBody>
-          <a:bodyPr vert="horz" wrap="square" lIns="91440" tIns="45720" rIns="91440" bIns="45720" numCol="1" anchor="ctr" anchorCtr="0" compatLnSpc="1">
-            <a:prstTxWarp prst="textNoShape">
-              <a:avLst/>
-            </a:prstTxWarp>
-            <a:spAutoFit/>
-          </a:bodyPr>
-          <a:lstStyle/>
-          <a:p>
-            <a:pPr marL="0" marR="0" lvl="0" indent="0" algn="l" defTabSz="914400" rtl="0" eaLnBrk="0" fontAlgn="base" latinLnBrk="0" hangingPunct="0">
-              <a:lnSpc>
-                <a:spcPct val="100000"/>
-              </a:lnSpc>
-              <a:spcBef>
-                <a:spcPct val="0"/>
-              </a:spcBef>
-              <a:spcAft>
-                <a:spcPct val="0"/>
-              </a:spcAft>
-              <a:buClrTx/>
-              <a:buSzTx/>
-              <a:buFontTx/>
-              <a:buNone/>
-              <a:tabLst/>
-            </a:pPr>
-            <a:r>
-              <a:rPr kumimoji="0" lang="zh-TW" altLang="zh-TW" sz="1600" b="0" i="0" u="none" strike="noStrike" cap="none" normalizeH="0" baseline="0">
-                <a:ln>
-                  <a:noFill/>
-                </a:ln>
-                <a:solidFill>
-                  <a:srgbClr val="CF8E6D"/>
-                </a:solidFill>
-                <a:effectLst/>
-                <a:latin typeface="+mj-lt"/>
-                <a:cs typeface="JetBrains Mono" panose="02000009000000000000" pitchFamily="49" charset="0"/>
-              </a:rPr>
-              <a:t>import </a:t>
-            </a:r>
-            <a:r>
-              <a:rPr kumimoji="0" lang="zh-TW" altLang="zh-TW" sz="1600" b="0" i="0" u="none" strike="noStrike" cap="none" normalizeH="0" baseline="0">
-                <a:ln>
-                  <a:noFill/>
-                </a:ln>
-                <a:solidFill>
-                  <a:srgbClr val="BCBEC4"/>
-                </a:solidFill>
-                <a:effectLst/>
-                <a:latin typeface="+mj-lt"/>
-                <a:cs typeface="JetBrains Mono" panose="02000009000000000000" pitchFamily="49" charset="0"/>
-              </a:rPr>
-              <a:t>java.util.Scanner;</a:t>
-            </a:r>
-            <a:br>
-              <a:rPr kumimoji="0" lang="zh-TW" altLang="zh-TW" sz="1600" b="0" i="0" u="none" strike="noStrike" cap="none" normalizeH="0" baseline="0">
-                <a:ln>
-                  <a:noFill/>
-                </a:ln>
-                <a:solidFill>
-                  <a:srgbClr val="BCBEC4"/>
-                </a:solidFill>
-                <a:effectLst/>
-                <a:latin typeface="+mj-lt"/>
-                <a:cs typeface="JetBrains Mono" panose="02000009000000000000" pitchFamily="49" charset="0"/>
-              </a:rPr>
-            </a:br>
-            <a:br>
-              <a:rPr kumimoji="0" lang="zh-TW" altLang="zh-TW" sz="1600" b="0" i="0" u="none" strike="noStrike" cap="none" normalizeH="0" baseline="0">
-                <a:ln>
-                  <a:noFill/>
-                </a:ln>
-                <a:solidFill>
-                  <a:srgbClr val="BCBEC4"/>
-                </a:solidFill>
-                <a:effectLst/>
-                <a:latin typeface="+mj-lt"/>
-                <a:cs typeface="JetBrains Mono" panose="02000009000000000000" pitchFamily="49" charset="0"/>
-              </a:rPr>
-            </a:br>
-            <a:r>
-              <a:rPr kumimoji="0" lang="zh-TW" altLang="zh-TW" sz="1600" b="0" i="0" u="none" strike="noStrike" cap="none" normalizeH="0" baseline="0">
-                <a:ln>
-                  <a:noFill/>
-                </a:ln>
-                <a:solidFill>
-                  <a:srgbClr val="CF8E6D"/>
-                </a:solidFill>
-                <a:effectLst/>
-                <a:latin typeface="+mj-lt"/>
-                <a:cs typeface="JetBrains Mono" panose="02000009000000000000" pitchFamily="49" charset="0"/>
-              </a:rPr>
-              <a:t>public class </a:t>
-            </a:r>
-            <a:r>
-              <a:rPr kumimoji="0" lang="zh-TW" altLang="zh-TW" sz="1600" b="0" i="0" u="none" strike="noStrike" cap="none" normalizeH="0" baseline="0">
-                <a:ln>
-                  <a:noFill/>
-                </a:ln>
-                <a:solidFill>
-                  <a:srgbClr val="BCBEC4"/>
-                </a:solidFill>
-                <a:effectLst/>
-                <a:latin typeface="+mj-lt"/>
-                <a:cs typeface="JetBrains Mono" panose="02000009000000000000" pitchFamily="49" charset="0"/>
-              </a:rPr>
-              <a:t>Main {</a:t>
-            </a:r>
-            <a:br>
-              <a:rPr kumimoji="0" lang="zh-TW" altLang="zh-TW" sz="1600" b="0" i="0" u="none" strike="noStrike" cap="none" normalizeH="0" baseline="0">
-                <a:ln>
-                  <a:noFill/>
-                </a:ln>
-                <a:solidFill>
-                  <a:srgbClr val="BCBEC4"/>
-                </a:solidFill>
-                <a:effectLst/>
-                <a:latin typeface="+mj-lt"/>
-                <a:cs typeface="JetBrains Mono" panose="02000009000000000000" pitchFamily="49" charset="0"/>
-              </a:rPr>
-            </a:br>
-            <a:r>
-              <a:rPr kumimoji="0" lang="zh-TW" altLang="zh-TW" sz="1600" b="0" i="0" u="none" strike="noStrike" cap="none" normalizeH="0" baseline="0">
-                <a:ln>
-                  <a:noFill/>
-                </a:ln>
-                <a:solidFill>
-                  <a:srgbClr val="BCBEC4"/>
-                </a:solidFill>
-                <a:effectLst/>
-                <a:latin typeface="+mj-lt"/>
-                <a:cs typeface="JetBrains Mono" panose="02000009000000000000" pitchFamily="49" charset="0"/>
-              </a:rPr>
-              <a:t>    </a:t>
-            </a:r>
-            <a:r>
-              <a:rPr kumimoji="0" lang="zh-TW" altLang="zh-TW" sz="1600" b="0" i="0" u="none" strike="noStrike" cap="none" normalizeH="0" baseline="0">
-                <a:ln>
-                  <a:noFill/>
-                </a:ln>
-                <a:solidFill>
-                  <a:srgbClr val="CF8E6D"/>
-                </a:solidFill>
-                <a:effectLst/>
-                <a:latin typeface="+mj-lt"/>
-                <a:cs typeface="JetBrains Mono" panose="02000009000000000000" pitchFamily="49" charset="0"/>
-              </a:rPr>
-              <a:t>public static void </a:t>
-            </a:r>
-            <a:r>
-              <a:rPr kumimoji="0" lang="zh-TW" altLang="zh-TW" sz="1600" b="0" i="0" u="none" strike="noStrike" cap="none" normalizeH="0" baseline="0">
-                <a:ln>
-                  <a:noFill/>
-                </a:ln>
-                <a:solidFill>
-                  <a:srgbClr val="56A8F5"/>
-                </a:solidFill>
-                <a:effectLst/>
-                <a:latin typeface="+mj-lt"/>
-                <a:cs typeface="JetBrains Mono" panose="02000009000000000000" pitchFamily="49" charset="0"/>
-              </a:rPr>
-              <a:t>main</a:t>
-            </a:r>
-            <a:r>
-              <a:rPr kumimoji="0" lang="zh-TW" altLang="zh-TW" sz="1600" b="0" i="0" u="none" strike="noStrike" cap="none" normalizeH="0" baseline="0">
-                <a:ln>
-                  <a:noFill/>
-                </a:ln>
-                <a:solidFill>
-                  <a:srgbClr val="BCBEC4"/>
-                </a:solidFill>
-                <a:effectLst/>
-                <a:latin typeface="+mj-lt"/>
-                <a:cs typeface="JetBrains Mono" panose="02000009000000000000" pitchFamily="49" charset="0"/>
-              </a:rPr>
-              <a:t>(String[] args) {</a:t>
-            </a:r>
-            <a:br>
-              <a:rPr kumimoji="0" lang="zh-TW" altLang="zh-TW" sz="1600" b="0" i="0" u="none" strike="noStrike" cap="none" normalizeH="0" baseline="0">
-                <a:ln>
-                  <a:noFill/>
-                </a:ln>
-                <a:solidFill>
-                  <a:srgbClr val="BCBEC4"/>
-                </a:solidFill>
-                <a:effectLst/>
-                <a:latin typeface="+mj-lt"/>
-                <a:cs typeface="JetBrains Mono" panose="02000009000000000000" pitchFamily="49" charset="0"/>
-              </a:rPr>
-            </a:br>
-            <a:r>
-              <a:rPr kumimoji="0" lang="zh-TW" altLang="zh-TW" sz="1600" b="0" i="0" u="none" strike="noStrike" cap="none" normalizeH="0" baseline="0">
-                <a:ln>
-                  <a:noFill/>
-                </a:ln>
-                <a:solidFill>
-                  <a:srgbClr val="BCBEC4"/>
-                </a:solidFill>
-                <a:effectLst/>
-                <a:latin typeface="+mj-lt"/>
-                <a:cs typeface="JetBrains Mono" panose="02000009000000000000" pitchFamily="49" charset="0"/>
-              </a:rPr>
-              <a:t>        Scanner scanner = </a:t>
-            </a:r>
-            <a:r>
-              <a:rPr kumimoji="0" lang="zh-TW" altLang="zh-TW" sz="1600" b="0" i="0" u="none" strike="noStrike" cap="none" normalizeH="0" baseline="0">
-                <a:ln>
-                  <a:noFill/>
-                </a:ln>
-                <a:solidFill>
-                  <a:srgbClr val="CF8E6D"/>
-                </a:solidFill>
-                <a:effectLst/>
-                <a:latin typeface="+mj-lt"/>
-                <a:cs typeface="JetBrains Mono" panose="02000009000000000000" pitchFamily="49" charset="0"/>
-              </a:rPr>
-              <a:t>new </a:t>
-            </a:r>
-            <a:r>
-              <a:rPr kumimoji="0" lang="zh-TW" altLang="zh-TW" sz="1600" b="0" i="0" u="none" strike="noStrike" cap="none" normalizeH="0" baseline="0">
-                <a:ln>
-                  <a:noFill/>
-                </a:ln>
-                <a:solidFill>
-                  <a:srgbClr val="BCBEC4"/>
-                </a:solidFill>
-                <a:effectLst/>
-                <a:latin typeface="+mj-lt"/>
-                <a:cs typeface="JetBrains Mono" panose="02000009000000000000" pitchFamily="49" charset="0"/>
-              </a:rPr>
-              <a:t>Scanner(System.</a:t>
-            </a:r>
-            <a:r>
-              <a:rPr kumimoji="0" lang="zh-TW" altLang="zh-TW" sz="1600" b="0" i="1" u="none" strike="noStrike" cap="none" normalizeH="0" baseline="0">
-                <a:ln>
-                  <a:noFill/>
-                </a:ln>
-                <a:solidFill>
-                  <a:srgbClr val="C77DBB"/>
-                </a:solidFill>
-                <a:effectLst/>
-                <a:latin typeface="+mj-lt"/>
-                <a:cs typeface="JetBrains Mono" panose="02000009000000000000" pitchFamily="49" charset="0"/>
-              </a:rPr>
-              <a:t>in</a:t>
-            </a:r>
-            <a:r>
-              <a:rPr kumimoji="0" lang="zh-TW" altLang="zh-TW" sz="1600" b="0" i="0" u="none" strike="noStrike" cap="none" normalizeH="0" baseline="0">
-                <a:ln>
-                  <a:noFill/>
-                </a:ln>
-                <a:solidFill>
-                  <a:srgbClr val="BCBEC4"/>
-                </a:solidFill>
-                <a:effectLst/>
-                <a:latin typeface="+mj-lt"/>
-                <a:cs typeface="JetBrains Mono" panose="02000009000000000000" pitchFamily="49" charset="0"/>
-              </a:rPr>
-              <a:t>);</a:t>
-            </a:r>
-            <a:br>
-              <a:rPr kumimoji="0" lang="zh-TW" altLang="zh-TW" sz="1600" b="0" i="0" u="none" strike="noStrike" cap="none" normalizeH="0" baseline="0">
-                <a:ln>
-                  <a:noFill/>
-                </a:ln>
-                <a:solidFill>
-                  <a:srgbClr val="BCBEC4"/>
-                </a:solidFill>
-                <a:effectLst/>
-                <a:latin typeface="+mj-lt"/>
-                <a:cs typeface="JetBrains Mono" panose="02000009000000000000" pitchFamily="49" charset="0"/>
-              </a:rPr>
-            </a:br>
-            <a:r>
-              <a:rPr kumimoji="0" lang="zh-TW" altLang="zh-TW" sz="1600" b="0" i="0" u="none" strike="noStrike" cap="none" normalizeH="0" baseline="0">
-                <a:ln>
-                  <a:noFill/>
-                </a:ln>
-                <a:solidFill>
-                  <a:srgbClr val="BCBEC4"/>
-                </a:solidFill>
-                <a:effectLst/>
-                <a:latin typeface="+mj-lt"/>
-                <a:cs typeface="JetBrains Mono" panose="02000009000000000000" pitchFamily="49" charset="0"/>
-              </a:rPr>
-              <a:t>        String input = scanner.next();</a:t>
-            </a:r>
-            <a:br>
-              <a:rPr kumimoji="0" lang="zh-TW" altLang="zh-TW" sz="1600" b="0" i="0" u="none" strike="noStrike" cap="none" normalizeH="0" baseline="0">
-                <a:ln>
-                  <a:noFill/>
-                </a:ln>
-                <a:solidFill>
-                  <a:srgbClr val="BCBEC4"/>
-                </a:solidFill>
-                <a:effectLst/>
-                <a:latin typeface="+mj-lt"/>
-                <a:cs typeface="JetBrains Mono" panose="02000009000000000000" pitchFamily="49" charset="0"/>
-              </a:rPr>
-            </a:br>
-            <a:r>
-              <a:rPr kumimoji="0" lang="zh-TW" altLang="zh-TW" sz="1600" b="0" i="0" u="none" strike="noStrike" cap="none" normalizeH="0" baseline="0">
-                <a:ln>
-                  <a:noFill/>
-                </a:ln>
-                <a:solidFill>
-                  <a:srgbClr val="BCBEC4"/>
-                </a:solidFill>
-                <a:effectLst/>
-                <a:latin typeface="+mj-lt"/>
-                <a:cs typeface="JetBrains Mono" panose="02000009000000000000" pitchFamily="49" charset="0"/>
-              </a:rPr>
-              <a:t>        </a:t>
-            </a:r>
-            <a:r>
-              <a:rPr kumimoji="0" lang="zh-TW" altLang="zh-TW" sz="1600" b="0" i="0" u="none" strike="noStrike" cap="none" normalizeH="0" baseline="0">
-                <a:ln>
-                  <a:noFill/>
-                </a:ln>
-                <a:solidFill>
-                  <a:srgbClr val="CF8E6D"/>
-                </a:solidFill>
-                <a:effectLst/>
-                <a:latin typeface="+mj-lt"/>
-                <a:cs typeface="JetBrains Mono" panose="02000009000000000000" pitchFamily="49" charset="0"/>
-              </a:rPr>
-              <a:t>if </a:t>
-            </a:r>
-            <a:r>
-              <a:rPr kumimoji="0" lang="zh-TW" altLang="zh-TW" sz="1600" b="0" i="0" u="none" strike="noStrike" cap="none" normalizeH="0" baseline="0">
-                <a:ln>
-                  <a:noFill/>
-                </a:ln>
-                <a:solidFill>
-                  <a:srgbClr val="BCBEC4"/>
-                </a:solidFill>
-                <a:effectLst/>
-                <a:latin typeface="+mj-lt"/>
-                <a:cs typeface="JetBrains Mono" panose="02000009000000000000" pitchFamily="49" charset="0"/>
-              </a:rPr>
-              <a:t>(input.equals(</a:t>
-            </a:r>
-            <a:r>
-              <a:rPr kumimoji="0" lang="zh-TW" altLang="zh-TW" sz="1600" b="0" i="0" u="none" strike="noStrike" cap="none" normalizeH="0" baseline="0">
-                <a:ln>
-                  <a:noFill/>
-                </a:ln>
-                <a:solidFill>
-                  <a:srgbClr val="6AAB73"/>
-                </a:solidFill>
-                <a:effectLst/>
-                <a:latin typeface="+mj-lt"/>
-                <a:cs typeface="JetBrains Mono" panose="02000009000000000000" pitchFamily="49" charset="0"/>
-              </a:rPr>
-              <a:t>"</a:t>
-            </a:r>
-            <a:r>
-              <a:rPr kumimoji="0" lang="zh-TW" altLang="zh-TW" sz="1600" b="0" i="0" u="none" strike="noStrike" cap="none" normalizeH="0" baseline="0">
-                <a:ln>
-                  <a:noFill/>
-                </a:ln>
-                <a:solidFill>
-                  <a:srgbClr val="6AAB73"/>
-                </a:solidFill>
-                <a:effectLst/>
-                <a:latin typeface="+mj-lt"/>
-                <a:ea typeface="微軟正黑體" panose="020B0604030504040204" pitchFamily="34" charset="-120"/>
-                <a:cs typeface="JetBrains Mono" panose="02000009000000000000" pitchFamily="49" charset="0"/>
-              </a:rPr>
-              <a:t>回憶過去</a:t>
-            </a:r>
-            <a:r>
-              <a:rPr kumimoji="0" lang="zh-TW" altLang="zh-TW" sz="1600" b="0" i="0" u="none" strike="noStrike" cap="none" normalizeH="0" baseline="0">
-                <a:ln>
-                  <a:noFill/>
-                </a:ln>
-                <a:solidFill>
-                  <a:srgbClr val="6AAB73"/>
-                </a:solidFill>
-                <a:effectLst/>
-                <a:latin typeface="+mj-lt"/>
-                <a:cs typeface="JetBrains Mono" panose="02000009000000000000" pitchFamily="49" charset="0"/>
-              </a:rPr>
-              <a:t>"</a:t>
-            </a:r>
-            <a:r>
-              <a:rPr kumimoji="0" lang="zh-TW" altLang="zh-TW" sz="1600" b="0" i="0" u="none" strike="noStrike" cap="none" normalizeH="0" baseline="0">
-                <a:ln>
-                  <a:noFill/>
-                </a:ln>
-                <a:solidFill>
-                  <a:srgbClr val="BCBEC4"/>
-                </a:solidFill>
-                <a:effectLst/>
-                <a:latin typeface="+mj-lt"/>
-                <a:cs typeface="JetBrains Mono" panose="02000009000000000000" pitchFamily="49" charset="0"/>
-              </a:rPr>
-              <a:t>)) {</a:t>
-            </a:r>
-            <a:br>
-              <a:rPr kumimoji="0" lang="zh-TW" altLang="zh-TW" sz="1600" b="0" i="0" u="none" strike="noStrike" cap="none" normalizeH="0" baseline="0">
-                <a:ln>
-                  <a:noFill/>
-                </a:ln>
-                <a:solidFill>
-                  <a:srgbClr val="BCBEC4"/>
-                </a:solidFill>
-                <a:effectLst/>
-                <a:latin typeface="+mj-lt"/>
-                <a:cs typeface="JetBrains Mono" panose="02000009000000000000" pitchFamily="49" charset="0"/>
-              </a:rPr>
-            </a:br>
-            <a:r>
-              <a:rPr kumimoji="0" lang="zh-TW" altLang="zh-TW" sz="1600" b="0" i="0" u="none" strike="noStrike" cap="none" normalizeH="0" baseline="0">
-                <a:ln>
-                  <a:noFill/>
-                </a:ln>
-                <a:solidFill>
-                  <a:srgbClr val="BCBEC4"/>
-                </a:solidFill>
-                <a:effectLst/>
-                <a:latin typeface="+mj-lt"/>
-                <a:cs typeface="JetBrains Mono" panose="02000009000000000000" pitchFamily="49" charset="0"/>
-              </a:rPr>
-              <a:t>            System.</a:t>
-            </a:r>
-            <a:r>
-              <a:rPr kumimoji="0" lang="zh-TW" altLang="zh-TW" sz="1600" b="0" i="1" u="none" strike="noStrike" cap="none" normalizeH="0" baseline="0">
-                <a:ln>
-                  <a:noFill/>
-                </a:ln>
-                <a:solidFill>
-                  <a:srgbClr val="C77DBB"/>
-                </a:solidFill>
-                <a:effectLst/>
-                <a:latin typeface="+mj-lt"/>
-                <a:cs typeface="JetBrains Mono" panose="02000009000000000000" pitchFamily="49" charset="0"/>
-              </a:rPr>
-              <a:t>out</a:t>
-            </a:r>
-            <a:r>
-              <a:rPr kumimoji="0" lang="zh-TW" altLang="zh-TW" sz="1600" b="0" i="0" u="none" strike="noStrike" cap="none" normalizeH="0" baseline="0">
-                <a:ln>
-                  <a:noFill/>
-                </a:ln>
-                <a:solidFill>
-                  <a:srgbClr val="BCBEC4"/>
-                </a:solidFill>
-                <a:effectLst/>
-                <a:latin typeface="+mj-lt"/>
-                <a:cs typeface="JetBrains Mono" panose="02000009000000000000" pitchFamily="49" charset="0"/>
-              </a:rPr>
-              <a:t>.println(</a:t>
-            </a:r>
-            <a:r>
-              <a:rPr kumimoji="0" lang="zh-TW" altLang="zh-TW" sz="1600" b="0" i="0" u="none" strike="noStrike" cap="none" normalizeH="0" baseline="0">
-                <a:ln>
-                  <a:noFill/>
-                </a:ln>
-                <a:solidFill>
-                  <a:srgbClr val="6AAB73"/>
-                </a:solidFill>
-                <a:effectLst/>
-                <a:latin typeface="+mj-lt"/>
-                <a:cs typeface="JetBrains Mono" panose="02000009000000000000" pitchFamily="49" charset="0"/>
-              </a:rPr>
-              <a:t>"</a:t>
-            </a:r>
-            <a:r>
-              <a:rPr kumimoji="0" lang="zh-TW" altLang="zh-TW" sz="1600" b="0" i="0" u="none" strike="noStrike" cap="none" normalizeH="0" baseline="0">
-                <a:ln>
-                  <a:noFill/>
-                </a:ln>
-                <a:solidFill>
-                  <a:srgbClr val="6AAB73"/>
-                </a:solidFill>
-                <a:effectLst/>
-                <a:latin typeface="+mj-lt"/>
-                <a:ea typeface="微軟正黑體" panose="020B0604030504040204" pitchFamily="34" charset="-120"/>
-                <a:cs typeface="JetBrains Mono" panose="02000009000000000000" pitchFamily="49" charset="0"/>
-              </a:rPr>
-              <a:t>痛苦的相思忘不了</a:t>
-            </a:r>
-            <a:r>
-              <a:rPr kumimoji="0" lang="zh-TW" altLang="zh-TW" sz="1600" b="0" i="0" u="none" strike="noStrike" cap="none" normalizeH="0" baseline="0">
-                <a:ln>
-                  <a:noFill/>
-                </a:ln>
-                <a:solidFill>
-                  <a:srgbClr val="6AAB73"/>
-                </a:solidFill>
-                <a:effectLst/>
-                <a:latin typeface="+mj-lt"/>
-                <a:cs typeface="JetBrains Mono" panose="02000009000000000000" pitchFamily="49" charset="0"/>
-              </a:rPr>
-              <a:t>"</a:t>
-            </a:r>
-            <a:r>
-              <a:rPr kumimoji="0" lang="zh-TW" altLang="zh-TW" sz="1600" b="0" i="0" u="none" strike="noStrike" cap="none" normalizeH="0" baseline="0">
-                <a:ln>
-                  <a:noFill/>
-                </a:ln>
-                <a:solidFill>
-                  <a:srgbClr val="BCBEC4"/>
-                </a:solidFill>
-                <a:effectLst/>
-                <a:latin typeface="+mj-lt"/>
-                <a:cs typeface="JetBrains Mono" panose="02000009000000000000" pitchFamily="49" charset="0"/>
-              </a:rPr>
-              <a:t>);</a:t>
-            </a:r>
-            <a:br>
-              <a:rPr kumimoji="0" lang="zh-TW" altLang="zh-TW" sz="1600" b="0" i="0" u="none" strike="noStrike" cap="none" normalizeH="0" baseline="0">
-                <a:ln>
-                  <a:noFill/>
-                </a:ln>
-                <a:solidFill>
-                  <a:srgbClr val="BCBEC4"/>
-                </a:solidFill>
-                <a:effectLst/>
-                <a:latin typeface="+mj-lt"/>
-                <a:cs typeface="JetBrains Mono" panose="02000009000000000000" pitchFamily="49" charset="0"/>
-              </a:rPr>
-            </a:br>
-            <a:r>
-              <a:rPr kumimoji="0" lang="zh-TW" altLang="zh-TW" sz="1600" b="0" i="0" u="none" strike="noStrike" cap="none" normalizeH="0" baseline="0">
-                <a:ln>
-                  <a:noFill/>
-                </a:ln>
-                <a:solidFill>
-                  <a:srgbClr val="BCBEC4"/>
-                </a:solidFill>
-                <a:effectLst/>
-                <a:latin typeface="+mj-lt"/>
-                <a:cs typeface="JetBrains Mono" panose="02000009000000000000" pitchFamily="49" charset="0"/>
-              </a:rPr>
-              <a:t>        } </a:t>
-            </a:r>
-            <a:r>
-              <a:rPr kumimoji="0" lang="zh-TW" altLang="zh-TW" sz="1600" b="0" i="0" u="none" strike="noStrike" cap="none" normalizeH="0" baseline="0">
-                <a:ln>
-                  <a:noFill/>
-                </a:ln>
-                <a:solidFill>
-                  <a:srgbClr val="CF8E6D"/>
-                </a:solidFill>
-                <a:effectLst/>
-                <a:latin typeface="+mj-lt"/>
-                <a:cs typeface="JetBrains Mono" panose="02000009000000000000" pitchFamily="49" charset="0"/>
-              </a:rPr>
-              <a:t>else if </a:t>
-            </a:r>
-            <a:r>
-              <a:rPr kumimoji="0" lang="zh-TW" altLang="zh-TW" sz="1600" b="0" i="0" u="none" strike="noStrike" cap="none" normalizeH="0" baseline="0">
-                <a:ln>
-                  <a:noFill/>
-                </a:ln>
-                <a:solidFill>
-                  <a:srgbClr val="BCBEC4"/>
-                </a:solidFill>
-                <a:effectLst/>
-                <a:latin typeface="+mj-lt"/>
-                <a:cs typeface="JetBrains Mono" panose="02000009000000000000" pitchFamily="49" charset="0"/>
-              </a:rPr>
-              <a:t>(input.equals(</a:t>
-            </a:r>
-            <a:r>
-              <a:rPr kumimoji="0" lang="zh-TW" altLang="zh-TW" sz="1600" b="0" i="0" u="none" strike="noStrike" cap="none" normalizeH="0" baseline="0">
-                <a:ln>
-                  <a:noFill/>
-                </a:ln>
-                <a:solidFill>
-                  <a:srgbClr val="6AAB73"/>
-                </a:solidFill>
-                <a:effectLst/>
-                <a:latin typeface="+mj-lt"/>
-                <a:cs typeface="JetBrains Mono" panose="02000009000000000000" pitchFamily="49" charset="0"/>
-              </a:rPr>
-              <a:t>"</a:t>
-            </a:r>
-            <a:r>
-              <a:rPr kumimoji="0" lang="zh-TW" altLang="zh-TW" sz="1600" b="0" i="0" u="none" strike="noStrike" cap="none" normalizeH="0" baseline="0">
-                <a:ln>
-                  <a:noFill/>
-                </a:ln>
-                <a:solidFill>
-                  <a:srgbClr val="6AAB73"/>
-                </a:solidFill>
-                <a:effectLst/>
-                <a:latin typeface="+mj-lt"/>
-                <a:ea typeface="微軟正黑體" panose="020B0604030504040204" pitchFamily="34" charset="-120"/>
-                <a:cs typeface="JetBrains Mono" panose="02000009000000000000" pitchFamily="49" charset="0"/>
-              </a:rPr>
-              <a:t>想念你的笑</a:t>
-            </a:r>
-            <a:r>
-              <a:rPr kumimoji="0" lang="zh-TW" altLang="zh-TW" sz="1600" b="0" i="0" u="none" strike="noStrike" cap="none" normalizeH="0" baseline="0">
-                <a:ln>
-                  <a:noFill/>
-                </a:ln>
-                <a:solidFill>
-                  <a:srgbClr val="6AAB73"/>
-                </a:solidFill>
-                <a:effectLst/>
-                <a:latin typeface="+mj-lt"/>
-                <a:cs typeface="JetBrains Mono" panose="02000009000000000000" pitchFamily="49" charset="0"/>
-              </a:rPr>
-              <a:t>"</a:t>
-            </a:r>
-            <a:r>
-              <a:rPr kumimoji="0" lang="zh-TW" altLang="zh-TW" sz="1600" b="0" i="0" u="none" strike="noStrike" cap="none" normalizeH="0" baseline="0">
-                <a:ln>
-                  <a:noFill/>
-                </a:ln>
-                <a:solidFill>
-                  <a:srgbClr val="BCBEC4"/>
-                </a:solidFill>
-                <a:effectLst/>
-                <a:latin typeface="+mj-lt"/>
-                <a:cs typeface="JetBrains Mono" panose="02000009000000000000" pitchFamily="49" charset="0"/>
-              </a:rPr>
-              <a:t>)) {</a:t>
-            </a:r>
-            <a:br>
-              <a:rPr kumimoji="0" lang="zh-TW" altLang="zh-TW" sz="1600" b="0" i="0" u="none" strike="noStrike" cap="none" normalizeH="0" baseline="0">
-                <a:ln>
-                  <a:noFill/>
-                </a:ln>
-                <a:solidFill>
-                  <a:srgbClr val="BCBEC4"/>
-                </a:solidFill>
-                <a:effectLst/>
-                <a:latin typeface="+mj-lt"/>
-                <a:cs typeface="JetBrains Mono" panose="02000009000000000000" pitchFamily="49" charset="0"/>
-              </a:rPr>
-            </a:br>
-            <a:r>
-              <a:rPr kumimoji="0" lang="zh-TW" altLang="zh-TW" sz="1600" b="0" i="0" u="none" strike="noStrike" cap="none" normalizeH="0" baseline="0">
-                <a:ln>
-                  <a:noFill/>
-                </a:ln>
-                <a:solidFill>
-                  <a:srgbClr val="BCBEC4"/>
-                </a:solidFill>
-                <a:effectLst/>
-                <a:latin typeface="+mj-lt"/>
-                <a:cs typeface="JetBrains Mono" panose="02000009000000000000" pitchFamily="49" charset="0"/>
-              </a:rPr>
-              <a:t>            System.</a:t>
-            </a:r>
-            <a:r>
-              <a:rPr kumimoji="0" lang="zh-TW" altLang="zh-TW" sz="1600" b="0" i="1" u="none" strike="noStrike" cap="none" normalizeH="0" baseline="0">
-                <a:ln>
-                  <a:noFill/>
-                </a:ln>
-                <a:solidFill>
-                  <a:srgbClr val="C77DBB"/>
-                </a:solidFill>
-                <a:effectLst/>
-                <a:latin typeface="+mj-lt"/>
-                <a:cs typeface="JetBrains Mono" panose="02000009000000000000" pitchFamily="49" charset="0"/>
-              </a:rPr>
-              <a:t>out</a:t>
-            </a:r>
-            <a:r>
-              <a:rPr kumimoji="0" lang="zh-TW" altLang="zh-TW" sz="1600" b="0" i="0" u="none" strike="noStrike" cap="none" normalizeH="0" baseline="0">
-                <a:ln>
-                  <a:noFill/>
-                </a:ln>
-                <a:solidFill>
-                  <a:srgbClr val="BCBEC4"/>
-                </a:solidFill>
-                <a:effectLst/>
-                <a:latin typeface="+mj-lt"/>
-                <a:cs typeface="JetBrains Mono" panose="02000009000000000000" pitchFamily="49" charset="0"/>
-              </a:rPr>
-              <a:t>.println(</a:t>
-            </a:r>
-            <a:r>
-              <a:rPr kumimoji="0" lang="zh-TW" altLang="zh-TW" sz="1600" b="0" i="0" u="none" strike="noStrike" cap="none" normalizeH="0" baseline="0">
-                <a:ln>
-                  <a:noFill/>
-                </a:ln>
-                <a:solidFill>
-                  <a:srgbClr val="6AAB73"/>
-                </a:solidFill>
-                <a:effectLst/>
-                <a:latin typeface="+mj-lt"/>
-                <a:cs typeface="JetBrains Mono" panose="02000009000000000000" pitchFamily="49" charset="0"/>
-              </a:rPr>
-              <a:t>"</a:t>
-            </a:r>
-            <a:r>
-              <a:rPr kumimoji="0" lang="zh-TW" altLang="zh-TW" sz="1600" b="0" i="0" u="none" strike="noStrike" cap="none" normalizeH="0" baseline="0">
-                <a:ln>
-                  <a:noFill/>
-                </a:ln>
-                <a:solidFill>
-                  <a:srgbClr val="6AAB73"/>
-                </a:solidFill>
-                <a:effectLst/>
-                <a:latin typeface="+mj-lt"/>
-                <a:ea typeface="微軟正黑體" panose="020B0604030504040204" pitchFamily="34" charset="-120"/>
-                <a:cs typeface="JetBrains Mono" panose="02000009000000000000" pitchFamily="49" charset="0"/>
-              </a:rPr>
-              <a:t>想念你的外套</a:t>
-            </a:r>
-            <a:r>
-              <a:rPr kumimoji="0" lang="zh-TW" altLang="zh-TW" sz="1600" b="0" i="0" u="none" strike="noStrike" cap="none" normalizeH="0" baseline="0">
-                <a:ln>
-                  <a:noFill/>
-                </a:ln>
-                <a:solidFill>
-                  <a:srgbClr val="6AAB73"/>
-                </a:solidFill>
-                <a:effectLst/>
-                <a:latin typeface="+mj-lt"/>
-                <a:cs typeface="JetBrains Mono" panose="02000009000000000000" pitchFamily="49" charset="0"/>
-              </a:rPr>
-              <a:t>"</a:t>
-            </a:r>
-            <a:r>
-              <a:rPr kumimoji="0" lang="zh-TW" altLang="zh-TW" sz="1600" b="0" i="0" u="none" strike="noStrike" cap="none" normalizeH="0" baseline="0">
-                <a:ln>
-                  <a:noFill/>
-                </a:ln>
-                <a:solidFill>
-                  <a:srgbClr val="BCBEC4"/>
-                </a:solidFill>
-                <a:effectLst/>
-                <a:latin typeface="+mj-lt"/>
-                <a:cs typeface="JetBrains Mono" panose="02000009000000000000" pitchFamily="49" charset="0"/>
-              </a:rPr>
-              <a:t>);</a:t>
-            </a:r>
-            <a:br>
-              <a:rPr kumimoji="0" lang="zh-TW" altLang="zh-TW" sz="1600" b="0" i="0" u="none" strike="noStrike" cap="none" normalizeH="0" baseline="0">
-                <a:ln>
-                  <a:noFill/>
-                </a:ln>
-                <a:solidFill>
-                  <a:srgbClr val="BCBEC4"/>
-                </a:solidFill>
-                <a:effectLst/>
-                <a:latin typeface="+mj-lt"/>
-                <a:cs typeface="JetBrains Mono" panose="02000009000000000000" pitchFamily="49" charset="0"/>
-              </a:rPr>
-            </a:br>
-            <a:r>
-              <a:rPr kumimoji="0" lang="zh-TW" altLang="zh-TW" sz="1600" b="0" i="0" u="none" strike="noStrike" cap="none" normalizeH="0" baseline="0">
-                <a:ln>
-                  <a:noFill/>
-                </a:ln>
-                <a:solidFill>
-                  <a:srgbClr val="BCBEC4"/>
-                </a:solidFill>
-                <a:effectLst/>
-                <a:latin typeface="+mj-lt"/>
-                <a:cs typeface="JetBrains Mono" panose="02000009000000000000" pitchFamily="49" charset="0"/>
-              </a:rPr>
-              <a:t>        } </a:t>
-            </a:r>
-            <a:r>
-              <a:rPr kumimoji="0" lang="zh-TW" altLang="zh-TW" sz="1600" b="0" i="0" u="none" strike="noStrike" cap="none" normalizeH="0" baseline="0">
-                <a:ln>
-                  <a:noFill/>
-                </a:ln>
-                <a:solidFill>
-                  <a:srgbClr val="CF8E6D"/>
-                </a:solidFill>
-                <a:effectLst/>
-                <a:latin typeface="+mj-lt"/>
-                <a:cs typeface="JetBrains Mono" panose="02000009000000000000" pitchFamily="49" charset="0"/>
-              </a:rPr>
-              <a:t>else if </a:t>
-            </a:r>
-            <a:r>
-              <a:rPr kumimoji="0" lang="zh-TW" altLang="zh-TW" sz="1600" b="0" i="0" u="none" strike="noStrike" cap="none" normalizeH="0" baseline="0">
-                <a:ln>
-                  <a:noFill/>
-                </a:ln>
-                <a:solidFill>
-                  <a:srgbClr val="BCBEC4"/>
-                </a:solidFill>
-                <a:effectLst/>
-                <a:latin typeface="+mj-lt"/>
-                <a:cs typeface="JetBrains Mono" panose="02000009000000000000" pitchFamily="49" charset="0"/>
-              </a:rPr>
-              <a:t>(input.equals(</a:t>
-            </a:r>
-            <a:r>
-              <a:rPr kumimoji="0" lang="zh-TW" altLang="zh-TW" sz="1600" b="0" i="0" u="none" strike="noStrike" cap="none" normalizeH="0" baseline="0">
-                <a:ln>
-                  <a:noFill/>
-                </a:ln>
-                <a:solidFill>
-                  <a:srgbClr val="6AAB73"/>
-                </a:solidFill>
-                <a:effectLst/>
-                <a:latin typeface="+mj-lt"/>
-                <a:cs typeface="JetBrains Mono" panose="02000009000000000000" pitchFamily="49" charset="0"/>
-              </a:rPr>
-              <a:t>"</a:t>
-            </a:r>
-            <a:r>
-              <a:rPr kumimoji="0" lang="zh-TW" altLang="zh-TW" sz="1600" b="0" i="0" u="none" strike="noStrike" cap="none" normalizeH="0" baseline="0">
-                <a:ln>
-                  <a:noFill/>
-                </a:ln>
-                <a:solidFill>
-                  <a:srgbClr val="6AAB73"/>
-                </a:solidFill>
-                <a:effectLst/>
-                <a:latin typeface="+mj-lt"/>
-                <a:ea typeface="微軟正黑體" panose="020B0604030504040204" pitchFamily="34" charset="-120"/>
-                <a:cs typeface="JetBrains Mono" panose="02000009000000000000" pitchFamily="49" charset="0"/>
-              </a:rPr>
-              <a:t>怎麼忍心怪你犯了錯</a:t>
-            </a:r>
-            <a:r>
-              <a:rPr kumimoji="0" lang="zh-TW" altLang="zh-TW" sz="1600" b="0" i="0" u="none" strike="noStrike" cap="none" normalizeH="0" baseline="0">
-                <a:ln>
-                  <a:noFill/>
-                </a:ln>
-                <a:solidFill>
-                  <a:srgbClr val="6AAB73"/>
-                </a:solidFill>
-                <a:effectLst/>
-                <a:latin typeface="+mj-lt"/>
-                <a:cs typeface="JetBrains Mono" panose="02000009000000000000" pitchFamily="49" charset="0"/>
-              </a:rPr>
-              <a:t>"</a:t>
-            </a:r>
-            <a:r>
-              <a:rPr kumimoji="0" lang="zh-TW" altLang="zh-TW" sz="1600" b="0" i="0" u="none" strike="noStrike" cap="none" normalizeH="0" baseline="0">
-                <a:ln>
-                  <a:noFill/>
-                </a:ln>
-                <a:solidFill>
-                  <a:srgbClr val="BCBEC4"/>
-                </a:solidFill>
-                <a:effectLst/>
-                <a:latin typeface="+mj-lt"/>
-                <a:cs typeface="JetBrains Mono" panose="02000009000000000000" pitchFamily="49" charset="0"/>
-              </a:rPr>
-              <a:t>)) {</a:t>
-            </a:r>
-            <a:br>
-              <a:rPr kumimoji="0" lang="zh-TW" altLang="zh-TW" sz="1600" b="0" i="0" u="none" strike="noStrike" cap="none" normalizeH="0" baseline="0">
-                <a:ln>
-                  <a:noFill/>
-                </a:ln>
-                <a:solidFill>
-                  <a:srgbClr val="BCBEC4"/>
-                </a:solidFill>
-                <a:effectLst/>
-                <a:latin typeface="+mj-lt"/>
-                <a:cs typeface="JetBrains Mono" panose="02000009000000000000" pitchFamily="49" charset="0"/>
-              </a:rPr>
-            </a:br>
-            <a:r>
-              <a:rPr kumimoji="0" lang="zh-TW" altLang="zh-TW" sz="1600" b="0" i="0" u="none" strike="noStrike" cap="none" normalizeH="0" baseline="0">
-                <a:ln>
-                  <a:noFill/>
-                </a:ln>
-                <a:solidFill>
-                  <a:srgbClr val="BCBEC4"/>
-                </a:solidFill>
-                <a:effectLst/>
-                <a:latin typeface="+mj-lt"/>
-                <a:cs typeface="JetBrains Mono" panose="02000009000000000000" pitchFamily="49" charset="0"/>
-              </a:rPr>
-              <a:t>            System.</a:t>
-            </a:r>
-            <a:r>
-              <a:rPr kumimoji="0" lang="zh-TW" altLang="zh-TW" sz="1600" b="0" i="1" u="none" strike="noStrike" cap="none" normalizeH="0" baseline="0">
-                <a:ln>
-                  <a:noFill/>
-                </a:ln>
-                <a:solidFill>
-                  <a:srgbClr val="C77DBB"/>
-                </a:solidFill>
-                <a:effectLst/>
-                <a:latin typeface="+mj-lt"/>
-                <a:cs typeface="JetBrains Mono" panose="02000009000000000000" pitchFamily="49" charset="0"/>
-              </a:rPr>
-              <a:t>out</a:t>
-            </a:r>
-            <a:r>
-              <a:rPr kumimoji="0" lang="zh-TW" altLang="zh-TW" sz="1600" b="0" i="0" u="none" strike="noStrike" cap="none" normalizeH="0" baseline="0">
-                <a:ln>
-                  <a:noFill/>
-                </a:ln>
-                <a:solidFill>
-                  <a:srgbClr val="BCBEC4"/>
-                </a:solidFill>
-                <a:effectLst/>
-                <a:latin typeface="+mj-lt"/>
-                <a:cs typeface="JetBrains Mono" panose="02000009000000000000" pitchFamily="49" charset="0"/>
-              </a:rPr>
-              <a:t>.println(</a:t>
-            </a:r>
-            <a:r>
-              <a:rPr kumimoji="0" lang="zh-TW" altLang="zh-TW" sz="1600" b="0" i="0" u="none" strike="noStrike" cap="none" normalizeH="0" baseline="0">
-                <a:ln>
-                  <a:noFill/>
-                </a:ln>
-                <a:solidFill>
-                  <a:srgbClr val="6AAB73"/>
-                </a:solidFill>
-                <a:effectLst/>
-                <a:latin typeface="+mj-lt"/>
-                <a:cs typeface="JetBrains Mono" panose="02000009000000000000" pitchFamily="49" charset="0"/>
-              </a:rPr>
-              <a:t>"</a:t>
-            </a:r>
-            <a:r>
-              <a:rPr kumimoji="0" lang="zh-TW" altLang="zh-TW" sz="1600" b="0" i="0" u="none" strike="noStrike" cap="none" normalizeH="0" baseline="0">
-                <a:ln>
-                  <a:noFill/>
-                </a:ln>
-                <a:solidFill>
-                  <a:srgbClr val="6AAB73"/>
-                </a:solidFill>
-                <a:effectLst/>
-                <a:latin typeface="+mj-lt"/>
-                <a:ea typeface="微軟正黑體" panose="020B0604030504040204" pitchFamily="34" charset="-120"/>
-                <a:cs typeface="JetBrains Mono" panose="02000009000000000000" pitchFamily="49" charset="0"/>
-              </a:rPr>
-              <a:t>是我給你自由過了火</a:t>
-            </a:r>
-            <a:r>
-              <a:rPr kumimoji="0" lang="zh-TW" altLang="zh-TW" sz="1600" b="0" i="0" u="none" strike="noStrike" cap="none" normalizeH="0" baseline="0">
-                <a:ln>
-                  <a:noFill/>
-                </a:ln>
-                <a:solidFill>
-                  <a:srgbClr val="6AAB73"/>
-                </a:solidFill>
-                <a:effectLst/>
-                <a:latin typeface="+mj-lt"/>
-                <a:cs typeface="JetBrains Mono" panose="02000009000000000000" pitchFamily="49" charset="0"/>
-              </a:rPr>
-              <a:t>"</a:t>
-            </a:r>
-            <a:r>
-              <a:rPr kumimoji="0" lang="zh-TW" altLang="zh-TW" sz="1600" b="0" i="0" u="none" strike="noStrike" cap="none" normalizeH="0" baseline="0">
-                <a:ln>
-                  <a:noFill/>
-                </a:ln>
-                <a:solidFill>
-                  <a:srgbClr val="BCBEC4"/>
-                </a:solidFill>
-                <a:effectLst/>
-                <a:latin typeface="+mj-lt"/>
-                <a:cs typeface="JetBrains Mono" panose="02000009000000000000" pitchFamily="49" charset="0"/>
-              </a:rPr>
-              <a:t>);</a:t>
-            </a:r>
-            <a:br>
-              <a:rPr kumimoji="0" lang="zh-TW" altLang="zh-TW" sz="1600" b="0" i="0" u="none" strike="noStrike" cap="none" normalizeH="0" baseline="0">
-                <a:ln>
-                  <a:noFill/>
-                </a:ln>
-                <a:solidFill>
-                  <a:srgbClr val="BCBEC4"/>
-                </a:solidFill>
-                <a:effectLst/>
-                <a:latin typeface="+mj-lt"/>
-                <a:cs typeface="JetBrains Mono" panose="02000009000000000000" pitchFamily="49" charset="0"/>
-              </a:rPr>
-            </a:br>
-            <a:r>
-              <a:rPr kumimoji="0" lang="zh-TW" altLang="zh-TW" sz="1600" b="0" i="0" u="none" strike="noStrike" cap="none" normalizeH="0" baseline="0">
-                <a:ln>
-                  <a:noFill/>
-                </a:ln>
-                <a:solidFill>
-                  <a:srgbClr val="BCBEC4"/>
-                </a:solidFill>
-                <a:effectLst/>
-                <a:latin typeface="+mj-lt"/>
-                <a:cs typeface="JetBrains Mono" panose="02000009000000000000" pitchFamily="49" charset="0"/>
-              </a:rPr>
-              <a:t>        } </a:t>
-            </a:r>
-            <a:r>
-              <a:rPr kumimoji="0" lang="zh-TW" altLang="zh-TW" sz="1600" b="0" i="0" u="none" strike="noStrike" cap="none" normalizeH="0" baseline="0">
-                <a:ln>
-                  <a:noFill/>
-                </a:ln>
-                <a:solidFill>
-                  <a:srgbClr val="CF8E6D"/>
-                </a:solidFill>
-                <a:effectLst/>
-                <a:latin typeface="+mj-lt"/>
-                <a:cs typeface="JetBrains Mono" panose="02000009000000000000" pitchFamily="49" charset="0"/>
-              </a:rPr>
-              <a:t>else if </a:t>
-            </a:r>
-            <a:r>
-              <a:rPr kumimoji="0" lang="zh-TW" altLang="zh-TW" sz="1600" b="0" i="0" u="none" strike="noStrike" cap="none" normalizeH="0" baseline="0">
-                <a:ln>
-                  <a:noFill/>
-                </a:ln>
-                <a:solidFill>
-                  <a:srgbClr val="BCBEC4"/>
-                </a:solidFill>
-                <a:effectLst/>
-                <a:latin typeface="+mj-lt"/>
-                <a:cs typeface="JetBrains Mono" panose="02000009000000000000" pitchFamily="49" charset="0"/>
-              </a:rPr>
-              <a:t>(input.equals(</a:t>
-            </a:r>
-            <a:r>
-              <a:rPr kumimoji="0" lang="zh-TW" altLang="zh-TW" sz="1600" b="0" i="0" u="none" strike="noStrike" cap="none" normalizeH="0" baseline="0">
-                <a:ln>
-                  <a:noFill/>
-                </a:ln>
-                <a:solidFill>
-                  <a:srgbClr val="6AAB73"/>
-                </a:solidFill>
-                <a:effectLst/>
-                <a:latin typeface="+mj-lt"/>
-                <a:cs typeface="JetBrains Mono" panose="02000009000000000000" pitchFamily="49" charset="0"/>
-              </a:rPr>
-              <a:t>"</a:t>
-            </a:r>
-            <a:r>
-              <a:rPr kumimoji="0" lang="zh-TW" altLang="zh-TW" sz="1600" b="0" i="0" u="none" strike="noStrike" cap="none" normalizeH="0" baseline="0">
-                <a:ln>
-                  <a:noFill/>
-                </a:ln>
-                <a:solidFill>
-                  <a:srgbClr val="6AAB73"/>
-                </a:solidFill>
-                <a:effectLst/>
-                <a:latin typeface="+mj-lt"/>
-                <a:ea typeface="微軟正黑體" panose="020B0604030504040204" pitchFamily="34" charset="-120"/>
-                <a:cs typeface="JetBrains Mono" panose="02000009000000000000" pitchFamily="49" charset="0"/>
-              </a:rPr>
-              <a:t>我願變成童話裡你愛的那個天使</a:t>
-            </a:r>
-            <a:r>
-              <a:rPr kumimoji="0" lang="zh-TW" altLang="zh-TW" sz="1600" b="0" i="0" u="none" strike="noStrike" cap="none" normalizeH="0" baseline="0">
-                <a:ln>
-                  <a:noFill/>
-                </a:ln>
-                <a:solidFill>
-                  <a:srgbClr val="6AAB73"/>
-                </a:solidFill>
-                <a:effectLst/>
-                <a:latin typeface="+mj-lt"/>
-                <a:cs typeface="JetBrains Mono" panose="02000009000000000000" pitchFamily="49" charset="0"/>
-              </a:rPr>
-              <a:t>"</a:t>
-            </a:r>
-            <a:r>
-              <a:rPr kumimoji="0" lang="zh-TW" altLang="zh-TW" sz="1600" b="0" i="0" u="none" strike="noStrike" cap="none" normalizeH="0" baseline="0">
-                <a:ln>
-                  <a:noFill/>
-                </a:ln>
-                <a:solidFill>
-                  <a:srgbClr val="BCBEC4"/>
-                </a:solidFill>
-                <a:effectLst/>
-                <a:latin typeface="+mj-lt"/>
-                <a:cs typeface="JetBrains Mono" panose="02000009000000000000" pitchFamily="49" charset="0"/>
-              </a:rPr>
-              <a:t>)) {</a:t>
-            </a:r>
-            <a:br>
-              <a:rPr kumimoji="0" lang="zh-TW" altLang="zh-TW" sz="1600" b="0" i="0" u="none" strike="noStrike" cap="none" normalizeH="0" baseline="0">
-                <a:ln>
-                  <a:noFill/>
-                </a:ln>
-                <a:solidFill>
-                  <a:srgbClr val="BCBEC4"/>
-                </a:solidFill>
-                <a:effectLst/>
-                <a:latin typeface="+mj-lt"/>
-                <a:cs typeface="JetBrains Mono" panose="02000009000000000000" pitchFamily="49" charset="0"/>
-              </a:rPr>
-            </a:br>
-            <a:r>
-              <a:rPr kumimoji="0" lang="zh-TW" altLang="zh-TW" sz="1600" b="0" i="0" u="none" strike="noStrike" cap="none" normalizeH="0" baseline="0">
-                <a:ln>
-                  <a:noFill/>
-                </a:ln>
-                <a:solidFill>
-                  <a:srgbClr val="BCBEC4"/>
-                </a:solidFill>
-                <a:effectLst/>
-                <a:latin typeface="+mj-lt"/>
-                <a:cs typeface="JetBrains Mono" panose="02000009000000000000" pitchFamily="49" charset="0"/>
-              </a:rPr>
-              <a:t>            System.</a:t>
-            </a:r>
-            <a:r>
-              <a:rPr kumimoji="0" lang="zh-TW" altLang="zh-TW" sz="1600" b="0" i="1" u="none" strike="noStrike" cap="none" normalizeH="0" baseline="0">
-                <a:ln>
-                  <a:noFill/>
-                </a:ln>
-                <a:solidFill>
-                  <a:srgbClr val="C77DBB"/>
-                </a:solidFill>
-                <a:effectLst/>
-                <a:latin typeface="+mj-lt"/>
-                <a:cs typeface="JetBrains Mono" panose="02000009000000000000" pitchFamily="49" charset="0"/>
-              </a:rPr>
-              <a:t>out</a:t>
-            </a:r>
-            <a:r>
-              <a:rPr kumimoji="0" lang="zh-TW" altLang="zh-TW" sz="1600" b="0" i="0" u="none" strike="noStrike" cap="none" normalizeH="0" baseline="0">
-                <a:ln>
-                  <a:noFill/>
-                </a:ln>
-                <a:solidFill>
-                  <a:srgbClr val="BCBEC4"/>
-                </a:solidFill>
-                <a:effectLst/>
-                <a:latin typeface="+mj-lt"/>
-                <a:cs typeface="JetBrains Mono" panose="02000009000000000000" pitchFamily="49" charset="0"/>
-              </a:rPr>
-              <a:t>.println(</a:t>
-            </a:r>
-            <a:r>
-              <a:rPr kumimoji="0" lang="zh-TW" altLang="zh-TW" sz="1600" b="0" i="0" u="none" strike="noStrike" cap="none" normalizeH="0" baseline="0">
-                <a:ln>
-                  <a:noFill/>
-                </a:ln>
-                <a:solidFill>
-                  <a:srgbClr val="6AAB73"/>
-                </a:solidFill>
-                <a:effectLst/>
-                <a:latin typeface="+mj-lt"/>
-                <a:cs typeface="JetBrains Mono" panose="02000009000000000000" pitchFamily="49" charset="0"/>
-              </a:rPr>
-              <a:t>"</a:t>
-            </a:r>
-            <a:r>
-              <a:rPr kumimoji="0" lang="zh-TW" altLang="zh-TW" sz="1600" b="0" i="0" u="none" strike="noStrike" cap="none" normalizeH="0" baseline="0">
-                <a:ln>
-                  <a:noFill/>
-                </a:ln>
-                <a:solidFill>
-                  <a:srgbClr val="6AAB73"/>
-                </a:solidFill>
-                <a:effectLst/>
-                <a:latin typeface="+mj-lt"/>
-                <a:ea typeface="微軟正黑體" panose="020B0604030504040204" pitchFamily="34" charset="-120"/>
-                <a:cs typeface="JetBrains Mono" panose="02000009000000000000" pitchFamily="49" charset="0"/>
-              </a:rPr>
-              <a:t>張開雙手變成翅膀守護你</a:t>
-            </a:r>
-            <a:r>
-              <a:rPr kumimoji="0" lang="zh-TW" altLang="zh-TW" sz="1600" b="0" i="0" u="none" strike="noStrike" cap="none" normalizeH="0" baseline="0">
-                <a:ln>
-                  <a:noFill/>
-                </a:ln>
-                <a:solidFill>
-                  <a:srgbClr val="6AAB73"/>
-                </a:solidFill>
-                <a:effectLst/>
-                <a:latin typeface="+mj-lt"/>
-                <a:cs typeface="JetBrains Mono" panose="02000009000000000000" pitchFamily="49" charset="0"/>
-              </a:rPr>
-              <a:t>"</a:t>
-            </a:r>
-            <a:r>
-              <a:rPr kumimoji="0" lang="zh-TW" altLang="zh-TW" sz="1600" b="0" i="0" u="none" strike="noStrike" cap="none" normalizeH="0" baseline="0">
-                <a:ln>
-                  <a:noFill/>
-                </a:ln>
-                <a:solidFill>
-                  <a:srgbClr val="BCBEC4"/>
-                </a:solidFill>
-                <a:effectLst/>
-                <a:latin typeface="+mj-lt"/>
-                <a:cs typeface="JetBrains Mono" panose="02000009000000000000" pitchFamily="49" charset="0"/>
-              </a:rPr>
-              <a:t>);</a:t>
-            </a:r>
-            <a:br>
-              <a:rPr kumimoji="0" lang="zh-TW" altLang="zh-TW" sz="1600" b="0" i="0" u="none" strike="noStrike" cap="none" normalizeH="0" baseline="0">
-                <a:ln>
-                  <a:noFill/>
-                </a:ln>
-                <a:solidFill>
-                  <a:srgbClr val="BCBEC4"/>
-                </a:solidFill>
-                <a:effectLst/>
-                <a:latin typeface="+mj-lt"/>
-                <a:cs typeface="JetBrains Mono" panose="02000009000000000000" pitchFamily="49" charset="0"/>
-              </a:rPr>
-            </a:br>
-            <a:r>
-              <a:rPr kumimoji="0" lang="zh-TW" altLang="zh-TW" sz="1600" b="0" i="0" u="none" strike="noStrike" cap="none" normalizeH="0" baseline="0">
-                <a:ln>
-                  <a:noFill/>
-                </a:ln>
-                <a:solidFill>
-                  <a:srgbClr val="BCBEC4"/>
-                </a:solidFill>
-                <a:effectLst/>
-                <a:latin typeface="+mj-lt"/>
-                <a:cs typeface="JetBrains Mono" panose="02000009000000000000" pitchFamily="49" charset="0"/>
-              </a:rPr>
-              <a:t>        } </a:t>
-            </a:r>
-            <a:r>
-              <a:rPr kumimoji="0" lang="zh-TW" altLang="zh-TW" sz="1600" b="0" i="0" u="none" strike="noStrike" cap="none" normalizeH="0" baseline="0">
-                <a:ln>
-                  <a:noFill/>
-                </a:ln>
-                <a:solidFill>
-                  <a:srgbClr val="CF8E6D"/>
-                </a:solidFill>
-                <a:effectLst/>
-                <a:latin typeface="+mj-lt"/>
-                <a:cs typeface="JetBrains Mono" panose="02000009000000000000" pitchFamily="49" charset="0"/>
-              </a:rPr>
-              <a:t>else </a:t>
-            </a:r>
-            <a:r>
-              <a:rPr kumimoji="0" lang="zh-TW" altLang="zh-TW" sz="1600" b="0" i="0" u="none" strike="noStrike" cap="none" normalizeH="0" baseline="0">
-                <a:ln>
-                  <a:noFill/>
-                </a:ln>
-                <a:solidFill>
-                  <a:srgbClr val="BCBEC4"/>
-                </a:solidFill>
-                <a:effectLst/>
-                <a:latin typeface="+mj-lt"/>
-                <a:cs typeface="JetBrains Mono" panose="02000009000000000000" pitchFamily="49" charset="0"/>
-              </a:rPr>
-              <a:t>{</a:t>
-            </a:r>
-            <a:br>
-              <a:rPr kumimoji="0" lang="zh-TW" altLang="zh-TW" sz="1600" b="0" i="0" u="none" strike="noStrike" cap="none" normalizeH="0" baseline="0">
-                <a:ln>
-                  <a:noFill/>
-                </a:ln>
-                <a:solidFill>
-                  <a:srgbClr val="BCBEC4"/>
-                </a:solidFill>
-                <a:effectLst/>
-                <a:latin typeface="+mj-lt"/>
-                <a:cs typeface="JetBrains Mono" panose="02000009000000000000" pitchFamily="49" charset="0"/>
-              </a:rPr>
-            </a:br>
-            <a:r>
-              <a:rPr kumimoji="0" lang="zh-TW" altLang="zh-TW" sz="1600" b="0" i="0" u="none" strike="noStrike" cap="none" normalizeH="0" baseline="0">
-                <a:ln>
-                  <a:noFill/>
-                </a:ln>
-                <a:solidFill>
-                  <a:srgbClr val="BCBEC4"/>
-                </a:solidFill>
-                <a:effectLst/>
-                <a:latin typeface="+mj-lt"/>
-                <a:cs typeface="JetBrains Mono" panose="02000009000000000000" pitchFamily="49" charset="0"/>
-              </a:rPr>
-              <a:t>            System.</a:t>
-            </a:r>
-            <a:r>
-              <a:rPr kumimoji="0" lang="zh-TW" altLang="zh-TW" sz="1600" b="0" i="1" u="none" strike="noStrike" cap="none" normalizeH="0" baseline="0">
-                <a:ln>
-                  <a:noFill/>
-                </a:ln>
-                <a:solidFill>
-                  <a:srgbClr val="C77DBB"/>
-                </a:solidFill>
-                <a:effectLst/>
-                <a:latin typeface="+mj-lt"/>
-                <a:cs typeface="JetBrains Mono" panose="02000009000000000000" pitchFamily="49" charset="0"/>
-              </a:rPr>
-              <a:t>out</a:t>
-            </a:r>
-            <a:r>
-              <a:rPr kumimoji="0" lang="zh-TW" altLang="zh-TW" sz="1600" b="0" i="0" u="none" strike="noStrike" cap="none" normalizeH="0" baseline="0">
-                <a:ln>
-                  <a:noFill/>
-                </a:ln>
-                <a:solidFill>
-                  <a:srgbClr val="BCBEC4"/>
-                </a:solidFill>
-                <a:effectLst/>
-                <a:latin typeface="+mj-lt"/>
-                <a:cs typeface="JetBrains Mono" panose="02000009000000000000" pitchFamily="49" charset="0"/>
-              </a:rPr>
-              <a:t>.println(</a:t>
-            </a:r>
-            <a:r>
-              <a:rPr kumimoji="0" lang="zh-TW" altLang="zh-TW" sz="1600" b="0" i="0" u="none" strike="noStrike" cap="none" normalizeH="0" baseline="0">
-                <a:ln>
-                  <a:noFill/>
-                </a:ln>
-                <a:solidFill>
-                  <a:srgbClr val="6AAB73"/>
-                </a:solidFill>
-                <a:effectLst/>
-                <a:latin typeface="+mj-lt"/>
-                <a:cs typeface="JetBrains Mono" panose="02000009000000000000" pitchFamily="49" charset="0"/>
-              </a:rPr>
-              <a:t>"</a:t>
-            </a:r>
-            <a:r>
-              <a:rPr kumimoji="0" lang="zh-TW" altLang="zh-TW" sz="1600" b="0" i="0" u="none" strike="noStrike" cap="none" normalizeH="0" baseline="0">
-                <a:ln>
-                  <a:noFill/>
-                </a:ln>
-                <a:solidFill>
-                  <a:srgbClr val="6AAB73"/>
-                </a:solidFill>
-                <a:effectLst/>
-                <a:latin typeface="+mj-lt"/>
-                <a:ea typeface="微軟正黑體" panose="020B0604030504040204" pitchFamily="34" charset="-120"/>
-                <a:cs typeface="JetBrains Mono" panose="02000009000000000000" pitchFamily="49" charset="0"/>
-              </a:rPr>
-              <a:t>我不知道下一句是什麼</a:t>
-            </a:r>
-            <a:r>
-              <a:rPr kumimoji="0" lang="zh-TW" altLang="zh-TW" sz="1600" b="0" i="0" u="none" strike="noStrike" cap="none" normalizeH="0" baseline="0">
-                <a:ln>
-                  <a:noFill/>
-                </a:ln>
-                <a:solidFill>
-                  <a:srgbClr val="6AAB73"/>
-                </a:solidFill>
-                <a:effectLst/>
-                <a:latin typeface="+mj-lt"/>
-                <a:cs typeface="JetBrains Mono" panose="02000009000000000000" pitchFamily="49" charset="0"/>
-              </a:rPr>
-              <a:t>"</a:t>
-            </a:r>
-            <a:r>
-              <a:rPr kumimoji="0" lang="zh-TW" altLang="zh-TW" sz="1600" b="0" i="0" u="none" strike="noStrike" cap="none" normalizeH="0" baseline="0">
-                <a:ln>
-                  <a:noFill/>
-                </a:ln>
-                <a:solidFill>
-                  <a:srgbClr val="BCBEC4"/>
-                </a:solidFill>
-                <a:effectLst/>
-                <a:latin typeface="+mj-lt"/>
-                <a:cs typeface="JetBrains Mono" panose="02000009000000000000" pitchFamily="49" charset="0"/>
-              </a:rPr>
-              <a:t>);</a:t>
-            </a:r>
-            <a:br>
-              <a:rPr kumimoji="0" lang="zh-TW" altLang="zh-TW" sz="1600" b="0" i="0" u="none" strike="noStrike" cap="none" normalizeH="0" baseline="0">
-                <a:ln>
-                  <a:noFill/>
-                </a:ln>
-                <a:solidFill>
-                  <a:srgbClr val="BCBEC4"/>
-                </a:solidFill>
-                <a:effectLst/>
-                <a:latin typeface="+mj-lt"/>
-                <a:cs typeface="JetBrains Mono" panose="02000009000000000000" pitchFamily="49" charset="0"/>
-              </a:rPr>
-            </a:br>
-            <a:r>
-              <a:rPr kumimoji="0" lang="zh-TW" altLang="zh-TW" sz="1600" b="0" i="0" u="none" strike="noStrike" cap="none" normalizeH="0" baseline="0">
-                <a:ln>
-                  <a:noFill/>
-                </a:ln>
-                <a:solidFill>
-                  <a:srgbClr val="BCBEC4"/>
-                </a:solidFill>
-                <a:effectLst/>
-                <a:latin typeface="+mj-lt"/>
-                <a:cs typeface="JetBrains Mono" panose="02000009000000000000" pitchFamily="49" charset="0"/>
-              </a:rPr>
-              <a:t>        }</a:t>
-            </a:r>
-            <a:br>
-              <a:rPr kumimoji="0" lang="zh-TW" altLang="zh-TW" sz="1600" b="0" i="0" u="none" strike="noStrike" cap="none" normalizeH="0" baseline="0">
-                <a:ln>
-                  <a:noFill/>
-                </a:ln>
-                <a:solidFill>
-                  <a:srgbClr val="BCBEC4"/>
-                </a:solidFill>
-                <a:effectLst/>
-                <a:latin typeface="+mj-lt"/>
-                <a:cs typeface="JetBrains Mono" panose="02000009000000000000" pitchFamily="49" charset="0"/>
-              </a:rPr>
-            </a:br>
-            <a:r>
-              <a:rPr kumimoji="0" lang="zh-TW" altLang="zh-TW" sz="1600" b="0" i="0" u="none" strike="noStrike" cap="none" normalizeH="0" baseline="0">
-                <a:ln>
-                  <a:noFill/>
-                </a:ln>
-                <a:solidFill>
-                  <a:srgbClr val="BCBEC4"/>
-                </a:solidFill>
-                <a:effectLst/>
-                <a:latin typeface="+mj-lt"/>
-                <a:cs typeface="JetBrains Mono" panose="02000009000000000000" pitchFamily="49" charset="0"/>
-              </a:rPr>
-              <a:t>    }</a:t>
-            </a:r>
-            <a:br>
-              <a:rPr kumimoji="0" lang="zh-TW" altLang="zh-TW" sz="1600" b="0" i="0" u="none" strike="noStrike" cap="none" normalizeH="0" baseline="0">
-                <a:ln>
-                  <a:noFill/>
-                </a:ln>
-                <a:solidFill>
-                  <a:srgbClr val="BCBEC4"/>
-                </a:solidFill>
-                <a:effectLst/>
-                <a:latin typeface="+mj-lt"/>
-                <a:cs typeface="JetBrains Mono" panose="02000009000000000000" pitchFamily="49" charset="0"/>
-              </a:rPr>
-            </a:br>
-            <a:r>
-              <a:rPr kumimoji="0" lang="zh-TW" altLang="zh-TW" sz="1600" b="0" i="0" u="none" strike="noStrike" cap="none" normalizeH="0" baseline="0">
-                <a:ln>
-                  <a:noFill/>
-                </a:ln>
-                <a:solidFill>
-                  <a:srgbClr val="BCBEC4"/>
-                </a:solidFill>
-                <a:effectLst/>
-                <a:latin typeface="+mj-lt"/>
-                <a:cs typeface="JetBrains Mono" panose="02000009000000000000" pitchFamily="49" charset="0"/>
-              </a:rPr>
-              <a:t>}</a:t>
-            </a:r>
-            <a:endParaRPr kumimoji="0" lang="zh-TW" altLang="zh-TW" sz="2800" b="0" i="0" u="none" strike="noStrike" cap="none" normalizeH="0" baseline="0">
-              <a:ln>
-                <a:noFill/>
-              </a:ln>
-              <a:solidFill>
-                <a:schemeClr val="tx1"/>
-              </a:solidFill>
-              <a:effectLst/>
-              <a:latin typeface="+mj-lt"/>
-            </a:endParaRPr>
-          </a:p>
-        </p:txBody>
-      </p:sp>
-      <p:sp>
-        <p:nvSpPr>
-          <p:cNvPr id="13" name="文字方塊 12">
-            <a:extLst>
-              <a:ext uri="{FF2B5EF4-FFF2-40B4-BE49-F238E27FC236}">
-                <a16:creationId xmlns:a16="http://schemas.microsoft.com/office/drawing/2014/main" id="{D6FF9DA4-B64F-4919-AD0A-841D2296A78C}"/>
-              </a:ext>
-            </a:extLst>
-          </p:cNvPr>
-          <p:cNvSpPr txBox="1"/>
-          <p:nvPr/>
-        </p:nvSpPr>
-        <p:spPr>
-          <a:xfrm>
-            <a:off x="7363012" y="6031528"/>
-            <a:ext cx="633507" cy="338554"/>
-          </a:xfrm>
-          <a:prstGeom prst="rect">
-            <a:avLst/>
-          </a:prstGeom>
-          <a:noFill/>
-        </p:spPr>
-        <p:txBody>
-          <a:bodyPr wrap="none" rtlCol="0">
-            <a:spAutoFit/>
-          </a:bodyPr>
-          <a:lstStyle/>
-          <a:p>
-            <a:r>
-              <a:rPr lang="en-US" altLang="zh-TW" sz="1600">
-                <a:solidFill>
-                  <a:schemeClr val="accent3"/>
-                </a:solidFill>
-              </a:rPr>
-              <a:t>java</a:t>
-            </a:r>
-            <a:endParaRPr lang="zh-TW" altLang="en-US" sz="1600">
-              <a:solidFill>
-                <a:schemeClr val="accent3"/>
-              </a:solidFill>
-            </a:endParaRPr>
-          </a:p>
-        </p:txBody>
-      </p:sp>
       <p:grpSp>
         <p:nvGrpSpPr>
           <p:cNvPr id="19" name="群組 18">
@@ -12571,43 +11034,1602 @@
           </p:txBody>
         </p:sp>
       </p:grpSp>
-      <p:pic>
-        <p:nvPicPr>
-          <p:cNvPr id="24" name="圖片 23">
-            <a:hlinkClick r:id="rId2"/>
+      <p:grpSp>
+        <p:nvGrpSpPr>
+          <p:cNvPr id="3" name="群組 2">
             <a:extLst>
               <a:ext uri="{FF2B5EF4-FFF2-40B4-BE49-F238E27FC236}">
-                <a16:creationId xmlns:a16="http://schemas.microsoft.com/office/drawing/2014/main" id="{A175219C-789C-485B-9A24-33ED5ABB9A74}"/>
+                <a16:creationId xmlns:a16="http://schemas.microsoft.com/office/drawing/2014/main" id="{E4DB2DCC-280A-493E-8ED3-BB53B3873919}"/>
               </a:ext>
             </a:extLst>
           </p:cNvPr>
-          <p:cNvPicPr>
-            <a:picLocks noChangeAspect="1"/>
-          </p:cNvPicPr>
+          <p:cNvGrpSpPr/>
           <p:nvPr/>
-        </p:nvPicPr>
-        <p:blipFill>
-          <a:blip r:embed="rId3">
+        </p:nvGrpSpPr>
+        <p:grpSpPr>
+          <a:xfrm>
+            <a:off x="466165" y="1599545"/>
+            <a:ext cx="7530354" cy="4770537"/>
+            <a:chOff x="466165" y="1599545"/>
+            <a:chExt cx="7530354" cy="4770537"/>
+          </a:xfrm>
+        </p:grpSpPr>
+        <p:sp>
+          <p:nvSpPr>
+            <p:cNvPr id="4" name="Rectangle 1">
+              <a:extLst>
+                <a:ext uri="{FF2B5EF4-FFF2-40B4-BE49-F238E27FC236}">
+                  <a16:creationId xmlns:a16="http://schemas.microsoft.com/office/drawing/2014/main" id="{8E297E17-56BB-418D-B55B-653CAC680C83}"/>
+                </a:ext>
+              </a:extLst>
+            </p:cNvPr>
+            <p:cNvSpPr>
+              <a:spLocks noChangeArrowheads="1"/>
+            </p:cNvSpPr>
+            <p:nvPr/>
+          </p:nvSpPr>
+          <p:spPr bwMode="auto">
+            <a:xfrm>
+              <a:off x="466165" y="1599545"/>
+              <a:ext cx="7530354" cy="4770537"/>
+            </a:xfrm>
+            <a:prstGeom prst="rect">
+              <a:avLst/>
+            </a:prstGeom>
+            <a:solidFill>
+              <a:srgbClr val="1E1F22"/>
+            </a:solidFill>
+            <a:ln>
+              <a:noFill/>
+            </a:ln>
+            <a:effectLst/>
             <a:extLst>
-              <a:ext uri="{28A0092B-C50C-407E-A947-70E740481C1C}">
-                <a14:useLocalDpi xmlns:a14="http://schemas.microsoft.com/office/drawing/2010/main" val="0"/>
+              <a:ext uri="{91240B29-F687-4F45-9708-019B960494DF}">
+                <a14:hiddenLine xmlns:a14="http://schemas.microsoft.com/office/drawing/2010/main" w="9525">
+                  <a:solidFill>
+                    <a:schemeClr val="tx1"/>
+                  </a:solidFill>
+                  <a:miter lim="800000"/>
+                  <a:headEnd/>
+                  <a:tailEnd/>
+                </a14:hiddenLine>
+              </a:ext>
+              <a:ext uri="{AF507438-7753-43E0-B8FC-AC1667EBCBE1}">
+                <a14:hiddenEffects xmlns:a14="http://schemas.microsoft.com/office/drawing/2010/main">
+                  <a:effectLst>
+                    <a:outerShdw dist="35921" dir="2700000" algn="ctr" rotWithShape="0">
+                      <a:schemeClr val="bg2"/>
+                    </a:outerShdw>
+                  </a:effectLst>
+                </a14:hiddenEffects>
               </a:ext>
             </a:extLst>
-          </a:blip>
-          <a:stretch>
-            <a:fillRect/>
-          </a:stretch>
-        </p:blipFill>
-        <p:spPr>
-          <a:xfrm>
-            <a:off x="7512324" y="1603301"/>
-            <a:ext cx="484195" cy="473668"/>
-          </a:xfrm>
-          <a:prstGeom prst="rect">
-            <a:avLst/>
-          </a:prstGeom>
-        </p:spPr>
-      </p:pic>
+          </p:spPr>
+          <p:txBody>
+            <a:bodyPr vert="horz" wrap="square" lIns="91440" tIns="45720" rIns="91440" bIns="45720" numCol="1" anchor="ctr" anchorCtr="0" compatLnSpc="1">
+              <a:prstTxWarp prst="textNoShape">
+                <a:avLst/>
+              </a:prstTxWarp>
+              <a:spAutoFit/>
+            </a:bodyPr>
+            <a:lstStyle/>
+            <a:p>
+              <a:pPr marL="0" marR="0" lvl="0" indent="0" algn="l" defTabSz="914400" rtl="0" eaLnBrk="0" fontAlgn="base" latinLnBrk="0" hangingPunct="0">
+                <a:lnSpc>
+                  <a:spcPct val="100000"/>
+                </a:lnSpc>
+                <a:spcBef>
+                  <a:spcPct val="0"/>
+                </a:spcBef>
+                <a:spcAft>
+                  <a:spcPct val="0"/>
+                </a:spcAft>
+                <a:buClrTx/>
+                <a:buSzTx/>
+                <a:buFontTx/>
+                <a:buNone/>
+                <a:tabLst/>
+              </a:pPr>
+              <a:r>
+                <a:rPr kumimoji="0" lang="zh-TW" altLang="zh-TW" sz="1600" b="0" i="0" u="none" strike="noStrike" cap="none" normalizeH="0" baseline="0">
+                  <a:ln>
+                    <a:noFill/>
+                  </a:ln>
+                  <a:solidFill>
+                    <a:srgbClr val="CF8E6D"/>
+                  </a:solidFill>
+                  <a:effectLst/>
+                  <a:latin typeface="+mj-lt"/>
+                  <a:cs typeface="JetBrains Mono" panose="02000009000000000000" pitchFamily="49" charset="0"/>
+                </a:rPr>
+                <a:t>import </a:t>
+              </a:r>
+              <a:r>
+                <a:rPr kumimoji="0" lang="zh-TW" altLang="zh-TW" sz="1600" b="0" i="0" u="none" strike="noStrike" cap="none" normalizeH="0" baseline="0">
+                  <a:ln>
+                    <a:noFill/>
+                  </a:ln>
+                  <a:solidFill>
+                    <a:srgbClr val="BCBEC4"/>
+                  </a:solidFill>
+                  <a:effectLst/>
+                  <a:latin typeface="+mj-lt"/>
+                  <a:cs typeface="JetBrains Mono" panose="02000009000000000000" pitchFamily="49" charset="0"/>
+                </a:rPr>
+                <a:t>java.util.Scanner;</a:t>
+              </a:r>
+              <a:br>
+                <a:rPr kumimoji="0" lang="zh-TW" altLang="zh-TW" sz="1600" b="0" i="0" u="none" strike="noStrike" cap="none" normalizeH="0" baseline="0">
+                  <a:ln>
+                    <a:noFill/>
+                  </a:ln>
+                  <a:solidFill>
+                    <a:srgbClr val="BCBEC4"/>
+                  </a:solidFill>
+                  <a:effectLst/>
+                  <a:latin typeface="+mj-lt"/>
+                  <a:cs typeface="JetBrains Mono" panose="02000009000000000000" pitchFamily="49" charset="0"/>
+                </a:rPr>
+              </a:br>
+              <a:br>
+                <a:rPr kumimoji="0" lang="zh-TW" altLang="zh-TW" sz="1600" b="0" i="0" u="none" strike="noStrike" cap="none" normalizeH="0" baseline="0">
+                  <a:ln>
+                    <a:noFill/>
+                  </a:ln>
+                  <a:solidFill>
+                    <a:srgbClr val="BCBEC4"/>
+                  </a:solidFill>
+                  <a:effectLst/>
+                  <a:latin typeface="+mj-lt"/>
+                  <a:cs typeface="JetBrains Mono" panose="02000009000000000000" pitchFamily="49" charset="0"/>
+                </a:rPr>
+              </a:br>
+              <a:r>
+                <a:rPr kumimoji="0" lang="zh-TW" altLang="zh-TW" sz="1600" b="0" i="0" u="none" strike="noStrike" cap="none" normalizeH="0" baseline="0">
+                  <a:ln>
+                    <a:noFill/>
+                  </a:ln>
+                  <a:solidFill>
+                    <a:srgbClr val="CF8E6D"/>
+                  </a:solidFill>
+                  <a:effectLst/>
+                  <a:latin typeface="+mj-lt"/>
+                  <a:cs typeface="JetBrains Mono" panose="02000009000000000000" pitchFamily="49" charset="0"/>
+                </a:rPr>
+                <a:t>public class </a:t>
+              </a:r>
+              <a:r>
+                <a:rPr kumimoji="0" lang="zh-TW" altLang="zh-TW" sz="1600" b="0" i="0" u="none" strike="noStrike" cap="none" normalizeH="0" baseline="0">
+                  <a:ln>
+                    <a:noFill/>
+                  </a:ln>
+                  <a:solidFill>
+                    <a:srgbClr val="BCBEC4"/>
+                  </a:solidFill>
+                  <a:effectLst/>
+                  <a:latin typeface="+mj-lt"/>
+                  <a:cs typeface="JetBrains Mono" panose="02000009000000000000" pitchFamily="49" charset="0"/>
+                </a:rPr>
+                <a:t>Main {</a:t>
+              </a:r>
+              <a:br>
+                <a:rPr kumimoji="0" lang="zh-TW" altLang="zh-TW" sz="1600" b="0" i="0" u="none" strike="noStrike" cap="none" normalizeH="0" baseline="0">
+                  <a:ln>
+                    <a:noFill/>
+                  </a:ln>
+                  <a:solidFill>
+                    <a:srgbClr val="BCBEC4"/>
+                  </a:solidFill>
+                  <a:effectLst/>
+                  <a:latin typeface="+mj-lt"/>
+                  <a:cs typeface="JetBrains Mono" panose="02000009000000000000" pitchFamily="49" charset="0"/>
+                </a:rPr>
+              </a:br>
+              <a:r>
+                <a:rPr kumimoji="0" lang="zh-TW" altLang="zh-TW" sz="1600" b="0" i="0" u="none" strike="noStrike" cap="none" normalizeH="0" baseline="0">
+                  <a:ln>
+                    <a:noFill/>
+                  </a:ln>
+                  <a:solidFill>
+                    <a:srgbClr val="BCBEC4"/>
+                  </a:solidFill>
+                  <a:effectLst/>
+                  <a:latin typeface="+mj-lt"/>
+                  <a:cs typeface="JetBrains Mono" panose="02000009000000000000" pitchFamily="49" charset="0"/>
+                </a:rPr>
+                <a:t>    </a:t>
+              </a:r>
+              <a:r>
+                <a:rPr kumimoji="0" lang="zh-TW" altLang="zh-TW" sz="1600" b="0" i="0" u="none" strike="noStrike" cap="none" normalizeH="0" baseline="0">
+                  <a:ln>
+                    <a:noFill/>
+                  </a:ln>
+                  <a:solidFill>
+                    <a:srgbClr val="CF8E6D"/>
+                  </a:solidFill>
+                  <a:effectLst/>
+                  <a:latin typeface="+mj-lt"/>
+                  <a:cs typeface="JetBrains Mono" panose="02000009000000000000" pitchFamily="49" charset="0"/>
+                </a:rPr>
+                <a:t>public static void </a:t>
+              </a:r>
+              <a:r>
+                <a:rPr kumimoji="0" lang="zh-TW" altLang="zh-TW" sz="1600" b="0" i="0" u="none" strike="noStrike" cap="none" normalizeH="0" baseline="0">
+                  <a:ln>
+                    <a:noFill/>
+                  </a:ln>
+                  <a:solidFill>
+                    <a:srgbClr val="56A8F5"/>
+                  </a:solidFill>
+                  <a:effectLst/>
+                  <a:latin typeface="+mj-lt"/>
+                  <a:cs typeface="JetBrains Mono" panose="02000009000000000000" pitchFamily="49" charset="0"/>
+                </a:rPr>
+                <a:t>main</a:t>
+              </a:r>
+              <a:r>
+                <a:rPr kumimoji="0" lang="zh-TW" altLang="zh-TW" sz="1600" b="0" i="0" u="none" strike="noStrike" cap="none" normalizeH="0" baseline="0">
+                  <a:ln>
+                    <a:noFill/>
+                  </a:ln>
+                  <a:solidFill>
+                    <a:srgbClr val="BCBEC4"/>
+                  </a:solidFill>
+                  <a:effectLst/>
+                  <a:latin typeface="+mj-lt"/>
+                  <a:cs typeface="JetBrains Mono" panose="02000009000000000000" pitchFamily="49" charset="0"/>
+                </a:rPr>
+                <a:t>(String[] args) {</a:t>
+              </a:r>
+              <a:br>
+                <a:rPr kumimoji="0" lang="zh-TW" altLang="zh-TW" sz="1600" b="0" i="0" u="none" strike="noStrike" cap="none" normalizeH="0" baseline="0">
+                  <a:ln>
+                    <a:noFill/>
+                  </a:ln>
+                  <a:solidFill>
+                    <a:srgbClr val="BCBEC4"/>
+                  </a:solidFill>
+                  <a:effectLst/>
+                  <a:latin typeface="+mj-lt"/>
+                  <a:cs typeface="JetBrains Mono" panose="02000009000000000000" pitchFamily="49" charset="0"/>
+                </a:rPr>
+              </a:br>
+              <a:r>
+                <a:rPr kumimoji="0" lang="zh-TW" altLang="zh-TW" sz="1600" b="0" i="0" u="none" strike="noStrike" cap="none" normalizeH="0" baseline="0">
+                  <a:ln>
+                    <a:noFill/>
+                  </a:ln>
+                  <a:solidFill>
+                    <a:srgbClr val="BCBEC4"/>
+                  </a:solidFill>
+                  <a:effectLst/>
+                  <a:latin typeface="+mj-lt"/>
+                  <a:cs typeface="JetBrains Mono" panose="02000009000000000000" pitchFamily="49" charset="0"/>
+                </a:rPr>
+                <a:t>        Scanner scanner = </a:t>
+              </a:r>
+              <a:r>
+                <a:rPr kumimoji="0" lang="zh-TW" altLang="zh-TW" sz="1600" b="0" i="0" u="none" strike="noStrike" cap="none" normalizeH="0" baseline="0">
+                  <a:ln>
+                    <a:noFill/>
+                  </a:ln>
+                  <a:solidFill>
+                    <a:srgbClr val="CF8E6D"/>
+                  </a:solidFill>
+                  <a:effectLst/>
+                  <a:latin typeface="+mj-lt"/>
+                  <a:cs typeface="JetBrains Mono" panose="02000009000000000000" pitchFamily="49" charset="0"/>
+                </a:rPr>
+                <a:t>new </a:t>
+              </a:r>
+              <a:r>
+                <a:rPr kumimoji="0" lang="zh-TW" altLang="zh-TW" sz="1600" b="0" i="0" u="none" strike="noStrike" cap="none" normalizeH="0" baseline="0">
+                  <a:ln>
+                    <a:noFill/>
+                  </a:ln>
+                  <a:solidFill>
+                    <a:srgbClr val="BCBEC4"/>
+                  </a:solidFill>
+                  <a:effectLst/>
+                  <a:latin typeface="+mj-lt"/>
+                  <a:cs typeface="JetBrains Mono" panose="02000009000000000000" pitchFamily="49" charset="0"/>
+                </a:rPr>
+                <a:t>Scanner(System.</a:t>
+              </a:r>
+              <a:r>
+                <a:rPr kumimoji="0" lang="zh-TW" altLang="zh-TW" sz="1600" b="0" i="1" u="none" strike="noStrike" cap="none" normalizeH="0" baseline="0">
+                  <a:ln>
+                    <a:noFill/>
+                  </a:ln>
+                  <a:solidFill>
+                    <a:srgbClr val="C77DBB"/>
+                  </a:solidFill>
+                  <a:effectLst/>
+                  <a:latin typeface="+mj-lt"/>
+                  <a:cs typeface="JetBrains Mono" panose="02000009000000000000" pitchFamily="49" charset="0"/>
+                </a:rPr>
+                <a:t>in</a:t>
+              </a:r>
+              <a:r>
+                <a:rPr kumimoji="0" lang="zh-TW" altLang="zh-TW" sz="1600" b="0" i="0" u="none" strike="noStrike" cap="none" normalizeH="0" baseline="0">
+                  <a:ln>
+                    <a:noFill/>
+                  </a:ln>
+                  <a:solidFill>
+                    <a:srgbClr val="BCBEC4"/>
+                  </a:solidFill>
+                  <a:effectLst/>
+                  <a:latin typeface="+mj-lt"/>
+                  <a:cs typeface="JetBrains Mono" panose="02000009000000000000" pitchFamily="49" charset="0"/>
+                </a:rPr>
+                <a:t>);</a:t>
+              </a:r>
+              <a:br>
+                <a:rPr kumimoji="0" lang="zh-TW" altLang="zh-TW" sz="1600" b="0" i="0" u="none" strike="noStrike" cap="none" normalizeH="0" baseline="0">
+                  <a:ln>
+                    <a:noFill/>
+                  </a:ln>
+                  <a:solidFill>
+                    <a:srgbClr val="BCBEC4"/>
+                  </a:solidFill>
+                  <a:effectLst/>
+                  <a:latin typeface="+mj-lt"/>
+                  <a:cs typeface="JetBrains Mono" panose="02000009000000000000" pitchFamily="49" charset="0"/>
+                </a:rPr>
+              </a:br>
+              <a:r>
+                <a:rPr kumimoji="0" lang="zh-TW" altLang="zh-TW" sz="1600" b="0" i="0" u="none" strike="noStrike" cap="none" normalizeH="0" baseline="0">
+                  <a:ln>
+                    <a:noFill/>
+                  </a:ln>
+                  <a:solidFill>
+                    <a:srgbClr val="BCBEC4"/>
+                  </a:solidFill>
+                  <a:effectLst/>
+                  <a:latin typeface="+mj-lt"/>
+                  <a:cs typeface="JetBrains Mono" panose="02000009000000000000" pitchFamily="49" charset="0"/>
+                </a:rPr>
+                <a:t>        String input = scanner.next();</a:t>
+              </a:r>
+              <a:br>
+                <a:rPr kumimoji="0" lang="zh-TW" altLang="zh-TW" sz="1600" b="0" i="0" u="none" strike="noStrike" cap="none" normalizeH="0" baseline="0">
+                  <a:ln>
+                    <a:noFill/>
+                  </a:ln>
+                  <a:solidFill>
+                    <a:srgbClr val="BCBEC4"/>
+                  </a:solidFill>
+                  <a:effectLst/>
+                  <a:latin typeface="+mj-lt"/>
+                  <a:cs typeface="JetBrains Mono" panose="02000009000000000000" pitchFamily="49" charset="0"/>
+                </a:rPr>
+              </a:br>
+              <a:r>
+                <a:rPr kumimoji="0" lang="zh-TW" altLang="zh-TW" sz="1600" b="0" i="0" u="none" strike="noStrike" cap="none" normalizeH="0" baseline="0">
+                  <a:ln>
+                    <a:noFill/>
+                  </a:ln>
+                  <a:solidFill>
+                    <a:srgbClr val="BCBEC4"/>
+                  </a:solidFill>
+                  <a:effectLst/>
+                  <a:latin typeface="+mj-lt"/>
+                  <a:cs typeface="JetBrains Mono" panose="02000009000000000000" pitchFamily="49" charset="0"/>
+                </a:rPr>
+                <a:t>        </a:t>
+              </a:r>
+              <a:r>
+                <a:rPr kumimoji="0" lang="zh-TW" altLang="zh-TW" sz="1600" b="0" i="0" u="none" strike="noStrike" cap="none" normalizeH="0" baseline="0">
+                  <a:ln>
+                    <a:noFill/>
+                  </a:ln>
+                  <a:solidFill>
+                    <a:srgbClr val="CF8E6D"/>
+                  </a:solidFill>
+                  <a:effectLst/>
+                  <a:latin typeface="+mj-lt"/>
+                  <a:cs typeface="JetBrains Mono" panose="02000009000000000000" pitchFamily="49" charset="0"/>
+                </a:rPr>
+                <a:t>if </a:t>
+              </a:r>
+              <a:r>
+                <a:rPr kumimoji="0" lang="zh-TW" altLang="zh-TW" sz="1600" b="0" i="0" u="none" strike="noStrike" cap="none" normalizeH="0" baseline="0">
+                  <a:ln>
+                    <a:noFill/>
+                  </a:ln>
+                  <a:solidFill>
+                    <a:srgbClr val="BCBEC4"/>
+                  </a:solidFill>
+                  <a:effectLst/>
+                  <a:latin typeface="+mj-lt"/>
+                  <a:cs typeface="JetBrains Mono" panose="02000009000000000000" pitchFamily="49" charset="0"/>
+                </a:rPr>
+                <a:t>(input.equals(</a:t>
+              </a:r>
+              <a:r>
+                <a:rPr kumimoji="0" lang="zh-TW" altLang="zh-TW" sz="1600" b="0" i="0" u="none" strike="noStrike" cap="none" normalizeH="0" baseline="0">
+                  <a:ln>
+                    <a:noFill/>
+                  </a:ln>
+                  <a:solidFill>
+                    <a:srgbClr val="6AAB73"/>
+                  </a:solidFill>
+                  <a:effectLst/>
+                  <a:latin typeface="+mj-lt"/>
+                  <a:cs typeface="JetBrains Mono" panose="02000009000000000000" pitchFamily="49" charset="0"/>
+                </a:rPr>
+                <a:t>"</a:t>
+              </a:r>
+              <a:r>
+                <a:rPr kumimoji="0" lang="zh-TW" altLang="zh-TW" sz="1600" b="0" i="0" u="none" strike="noStrike" cap="none" normalizeH="0" baseline="0">
+                  <a:ln>
+                    <a:noFill/>
+                  </a:ln>
+                  <a:solidFill>
+                    <a:srgbClr val="6AAB73"/>
+                  </a:solidFill>
+                  <a:effectLst/>
+                  <a:latin typeface="+mj-lt"/>
+                  <a:ea typeface="微軟正黑體" panose="020B0604030504040204" pitchFamily="34" charset="-120"/>
+                  <a:cs typeface="JetBrains Mono" panose="02000009000000000000" pitchFamily="49" charset="0"/>
+                </a:rPr>
+                <a:t>回憶過去</a:t>
+              </a:r>
+              <a:r>
+                <a:rPr kumimoji="0" lang="zh-TW" altLang="zh-TW" sz="1600" b="0" i="0" u="none" strike="noStrike" cap="none" normalizeH="0" baseline="0">
+                  <a:ln>
+                    <a:noFill/>
+                  </a:ln>
+                  <a:solidFill>
+                    <a:srgbClr val="6AAB73"/>
+                  </a:solidFill>
+                  <a:effectLst/>
+                  <a:latin typeface="+mj-lt"/>
+                  <a:cs typeface="JetBrains Mono" panose="02000009000000000000" pitchFamily="49" charset="0"/>
+                </a:rPr>
+                <a:t>"</a:t>
+              </a:r>
+              <a:r>
+                <a:rPr kumimoji="0" lang="zh-TW" altLang="zh-TW" sz="1600" b="0" i="0" u="none" strike="noStrike" cap="none" normalizeH="0" baseline="0">
+                  <a:ln>
+                    <a:noFill/>
+                  </a:ln>
+                  <a:solidFill>
+                    <a:srgbClr val="BCBEC4"/>
+                  </a:solidFill>
+                  <a:effectLst/>
+                  <a:latin typeface="+mj-lt"/>
+                  <a:cs typeface="JetBrains Mono" panose="02000009000000000000" pitchFamily="49" charset="0"/>
+                </a:rPr>
+                <a:t>)) {</a:t>
+              </a:r>
+              <a:br>
+                <a:rPr kumimoji="0" lang="zh-TW" altLang="zh-TW" sz="1600" b="0" i="0" u="none" strike="noStrike" cap="none" normalizeH="0" baseline="0">
+                  <a:ln>
+                    <a:noFill/>
+                  </a:ln>
+                  <a:solidFill>
+                    <a:srgbClr val="BCBEC4"/>
+                  </a:solidFill>
+                  <a:effectLst/>
+                  <a:latin typeface="+mj-lt"/>
+                  <a:cs typeface="JetBrains Mono" panose="02000009000000000000" pitchFamily="49" charset="0"/>
+                </a:rPr>
+              </a:br>
+              <a:r>
+                <a:rPr kumimoji="0" lang="zh-TW" altLang="zh-TW" sz="1600" b="0" i="0" u="none" strike="noStrike" cap="none" normalizeH="0" baseline="0">
+                  <a:ln>
+                    <a:noFill/>
+                  </a:ln>
+                  <a:solidFill>
+                    <a:srgbClr val="BCBEC4"/>
+                  </a:solidFill>
+                  <a:effectLst/>
+                  <a:latin typeface="+mj-lt"/>
+                  <a:cs typeface="JetBrains Mono" panose="02000009000000000000" pitchFamily="49" charset="0"/>
+                </a:rPr>
+                <a:t>            System.</a:t>
+              </a:r>
+              <a:r>
+                <a:rPr kumimoji="0" lang="zh-TW" altLang="zh-TW" sz="1600" b="0" i="1" u="none" strike="noStrike" cap="none" normalizeH="0" baseline="0">
+                  <a:ln>
+                    <a:noFill/>
+                  </a:ln>
+                  <a:solidFill>
+                    <a:srgbClr val="C77DBB"/>
+                  </a:solidFill>
+                  <a:effectLst/>
+                  <a:latin typeface="+mj-lt"/>
+                  <a:cs typeface="JetBrains Mono" panose="02000009000000000000" pitchFamily="49" charset="0"/>
+                </a:rPr>
+                <a:t>out</a:t>
+              </a:r>
+              <a:r>
+                <a:rPr kumimoji="0" lang="zh-TW" altLang="zh-TW" sz="1600" b="0" i="0" u="none" strike="noStrike" cap="none" normalizeH="0" baseline="0">
+                  <a:ln>
+                    <a:noFill/>
+                  </a:ln>
+                  <a:solidFill>
+                    <a:srgbClr val="BCBEC4"/>
+                  </a:solidFill>
+                  <a:effectLst/>
+                  <a:latin typeface="+mj-lt"/>
+                  <a:cs typeface="JetBrains Mono" panose="02000009000000000000" pitchFamily="49" charset="0"/>
+                </a:rPr>
+                <a:t>.println(</a:t>
+              </a:r>
+              <a:r>
+                <a:rPr kumimoji="0" lang="zh-TW" altLang="zh-TW" sz="1600" b="0" i="0" u="none" strike="noStrike" cap="none" normalizeH="0" baseline="0">
+                  <a:ln>
+                    <a:noFill/>
+                  </a:ln>
+                  <a:solidFill>
+                    <a:srgbClr val="6AAB73"/>
+                  </a:solidFill>
+                  <a:effectLst/>
+                  <a:latin typeface="+mj-lt"/>
+                  <a:cs typeface="JetBrains Mono" panose="02000009000000000000" pitchFamily="49" charset="0"/>
+                </a:rPr>
+                <a:t>"</a:t>
+              </a:r>
+              <a:r>
+                <a:rPr kumimoji="0" lang="zh-TW" altLang="zh-TW" sz="1600" b="0" i="0" u="none" strike="noStrike" cap="none" normalizeH="0" baseline="0">
+                  <a:ln>
+                    <a:noFill/>
+                  </a:ln>
+                  <a:solidFill>
+                    <a:srgbClr val="6AAB73"/>
+                  </a:solidFill>
+                  <a:effectLst/>
+                  <a:latin typeface="+mj-lt"/>
+                  <a:ea typeface="微軟正黑體" panose="020B0604030504040204" pitchFamily="34" charset="-120"/>
+                  <a:cs typeface="JetBrains Mono" panose="02000009000000000000" pitchFamily="49" charset="0"/>
+                </a:rPr>
+                <a:t>痛苦的相思忘不了</a:t>
+              </a:r>
+              <a:r>
+                <a:rPr kumimoji="0" lang="zh-TW" altLang="zh-TW" sz="1600" b="0" i="0" u="none" strike="noStrike" cap="none" normalizeH="0" baseline="0">
+                  <a:ln>
+                    <a:noFill/>
+                  </a:ln>
+                  <a:solidFill>
+                    <a:srgbClr val="6AAB73"/>
+                  </a:solidFill>
+                  <a:effectLst/>
+                  <a:latin typeface="+mj-lt"/>
+                  <a:cs typeface="JetBrains Mono" panose="02000009000000000000" pitchFamily="49" charset="0"/>
+                </a:rPr>
+                <a:t>"</a:t>
+              </a:r>
+              <a:r>
+                <a:rPr kumimoji="0" lang="zh-TW" altLang="zh-TW" sz="1600" b="0" i="0" u="none" strike="noStrike" cap="none" normalizeH="0" baseline="0">
+                  <a:ln>
+                    <a:noFill/>
+                  </a:ln>
+                  <a:solidFill>
+                    <a:srgbClr val="BCBEC4"/>
+                  </a:solidFill>
+                  <a:effectLst/>
+                  <a:latin typeface="+mj-lt"/>
+                  <a:cs typeface="JetBrains Mono" panose="02000009000000000000" pitchFamily="49" charset="0"/>
+                </a:rPr>
+                <a:t>);</a:t>
+              </a:r>
+              <a:br>
+                <a:rPr kumimoji="0" lang="zh-TW" altLang="zh-TW" sz="1600" b="0" i="0" u="none" strike="noStrike" cap="none" normalizeH="0" baseline="0">
+                  <a:ln>
+                    <a:noFill/>
+                  </a:ln>
+                  <a:solidFill>
+                    <a:srgbClr val="BCBEC4"/>
+                  </a:solidFill>
+                  <a:effectLst/>
+                  <a:latin typeface="+mj-lt"/>
+                  <a:cs typeface="JetBrains Mono" panose="02000009000000000000" pitchFamily="49" charset="0"/>
+                </a:rPr>
+              </a:br>
+              <a:r>
+                <a:rPr kumimoji="0" lang="zh-TW" altLang="zh-TW" sz="1600" b="0" i="0" u="none" strike="noStrike" cap="none" normalizeH="0" baseline="0">
+                  <a:ln>
+                    <a:noFill/>
+                  </a:ln>
+                  <a:solidFill>
+                    <a:srgbClr val="BCBEC4"/>
+                  </a:solidFill>
+                  <a:effectLst/>
+                  <a:latin typeface="+mj-lt"/>
+                  <a:cs typeface="JetBrains Mono" panose="02000009000000000000" pitchFamily="49" charset="0"/>
+                </a:rPr>
+                <a:t>        } </a:t>
+              </a:r>
+              <a:r>
+                <a:rPr kumimoji="0" lang="zh-TW" altLang="zh-TW" sz="1600" b="0" i="0" u="none" strike="noStrike" cap="none" normalizeH="0" baseline="0">
+                  <a:ln>
+                    <a:noFill/>
+                  </a:ln>
+                  <a:solidFill>
+                    <a:srgbClr val="CF8E6D"/>
+                  </a:solidFill>
+                  <a:effectLst/>
+                  <a:latin typeface="+mj-lt"/>
+                  <a:cs typeface="JetBrains Mono" panose="02000009000000000000" pitchFamily="49" charset="0"/>
+                </a:rPr>
+                <a:t>else if </a:t>
+              </a:r>
+              <a:r>
+                <a:rPr kumimoji="0" lang="zh-TW" altLang="zh-TW" sz="1600" b="0" i="0" u="none" strike="noStrike" cap="none" normalizeH="0" baseline="0">
+                  <a:ln>
+                    <a:noFill/>
+                  </a:ln>
+                  <a:solidFill>
+                    <a:srgbClr val="BCBEC4"/>
+                  </a:solidFill>
+                  <a:effectLst/>
+                  <a:latin typeface="+mj-lt"/>
+                  <a:cs typeface="JetBrains Mono" panose="02000009000000000000" pitchFamily="49" charset="0"/>
+                </a:rPr>
+                <a:t>(input.equals(</a:t>
+              </a:r>
+              <a:r>
+                <a:rPr kumimoji="0" lang="zh-TW" altLang="zh-TW" sz="1600" b="0" i="0" u="none" strike="noStrike" cap="none" normalizeH="0" baseline="0">
+                  <a:ln>
+                    <a:noFill/>
+                  </a:ln>
+                  <a:solidFill>
+                    <a:srgbClr val="6AAB73"/>
+                  </a:solidFill>
+                  <a:effectLst/>
+                  <a:latin typeface="+mj-lt"/>
+                  <a:cs typeface="JetBrains Mono" panose="02000009000000000000" pitchFamily="49" charset="0"/>
+                </a:rPr>
+                <a:t>"</a:t>
+              </a:r>
+              <a:r>
+                <a:rPr kumimoji="0" lang="zh-TW" altLang="zh-TW" sz="1600" b="0" i="0" u="none" strike="noStrike" cap="none" normalizeH="0" baseline="0">
+                  <a:ln>
+                    <a:noFill/>
+                  </a:ln>
+                  <a:solidFill>
+                    <a:srgbClr val="6AAB73"/>
+                  </a:solidFill>
+                  <a:effectLst/>
+                  <a:latin typeface="+mj-lt"/>
+                  <a:ea typeface="微軟正黑體" panose="020B0604030504040204" pitchFamily="34" charset="-120"/>
+                  <a:cs typeface="JetBrains Mono" panose="02000009000000000000" pitchFamily="49" charset="0"/>
+                </a:rPr>
+                <a:t>想念你的笑</a:t>
+              </a:r>
+              <a:r>
+                <a:rPr kumimoji="0" lang="zh-TW" altLang="zh-TW" sz="1600" b="0" i="0" u="none" strike="noStrike" cap="none" normalizeH="0" baseline="0">
+                  <a:ln>
+                    <a:noFill/>
+                  </a:ln>
+                  <a:solidFill>
+                    <a:srgbClr val="6AAB73"/>
+                  </a:solidFill>
+                  <a:effectLst/>
+                  <a:latin typeface="+mj-lt"/>
+                  <a:cs typeface="JetBrains Mono" panose="02000009000000000000" pitchFamily="49" charset="0"/>
+                </a:rPr>
+                <a:t>"</a:t>
+              </a:r>
+              <a:r>
+                <a:rPr kumimoji="0" lang="zh-TW" altLang="zh-TW" sz="1600" b="0" i="0" u="none" strike="noStrike" cap="none" normalizeH="0" baseline="0">
+                  <a:ln>
+                    <a:noFill/>
+                  </a:ln>
+                  <a:solidFill>
+                    <a:srgbClr val="BCBEC4"/>
+                  </a:solidFill>
+                  <a:effectLst/>
+                  <a:latin typeface="+mj-lt"/>
+                  <a:cs typeface="JetBrains Mono" panose="02000009000000000000" pitchFamily="49" charset="0"/>
+                </a:rPr>
+                <a:t>)) {</a:t>
+              </a:r>
+              <a:br>
+                <a:rPr kumimoji="0" lang="zh-TW" altLang="zh-TW" sz="1600" b="0" i="0" u="none" strike="noStrike" cap="none" normalizeH="0" baseline="0">
+                  <a:ln>
+                    <a:noFill/>
+                  </a:ln>
+                  <a:solidFill>
+                    <a:srgbClr val="BCBEC4"/>
+                  </a:solidFill>
+                  <a:effectLst/>
+                  <a:latin typeface="+mj-lt"/>
+                  <a:cs typeface="JetBrains Mono" panose="02000009000000000000" pitchFamily="49" charset="0"/>
+                </a:rPr>
+              </a:br>
+              <a:r>
+                <a:rPr kumimoji="0" lang="zh-TW" altLang="zh-TW" sz="1600" b="0" i="0" u="none" strike="noStrike" cap="none" normalizeH="0" baseline="0">
+                  <a:ln>
+                    <a:noFill/>
+                  </a:ln>
+                  <a:solidFill>
+                    <a:srgbClr val="BCBEC4"/>
+                  </a:solidFill>
+                  <a:effectLst/>
+                  <a:latin typeface="+mj-lt"/>
+                  <a:cs typeface="JetBrains Mono" panose="02000009000000000000" pitchFamily="49" charset="0"/>
+                </a:rPr>
+                <a:t>            System.</a:t>
+              </a:r>
+              <a:r>
+                <a:rPr kumimoji="0" lang="zh-TW" altLang="zh-TW" sz="1600" b="0" i="1" u="none" strike="noStrike" cap="none" normalizeH="0" baseline="0">
+                  <a:ln>
+                    <a:noFill/>
+                  </a:ln>
+                  <a:solidFill>
+                    <a:srgbClr val="C77DBB"/>
+                  </a:solidFill>
+                  <a:effectLst/>
+                  <a:latin typeface="+mj-lt"/>
+                  <a:cs typeface="JetBrains Mono" panose="02000009000000000000" pitchFamily="49" charset="0"/>
+                </a:rPr>
+                <a:t>out</a:t>
+              </a:r>
+              <a:r>
+                <a:rPr kumimoji="0" lang="zh-TW" altLang="zh-TW" sz="1600" b="0" i="0" u="none" strike="noStrike" cap="none" normalizeH="0" baseline="0">
+                  <a:ln>
+                    <a:noFill/>
+                  </a:ln>
+                  <a:solidFill>
+                    <a:srgbClr val="BCBEC4"/>
+                  </a:solidFill>
+                  <a:effectLst/>
+                  <a:latin typeface="+mj-lt"/>
+                  <a:cs typeface="JetBrains Mono" panose="02000009000000000000" pitchFamily="49" charset="0"/>
+                </a:rPr>
+                <a:t>.println(</a:t>
+              </a:r>
+              <a:r>
+                <a:rPr kumimoji="0" lang="zh-TW" altLang="zh-TW" sz="1600" b="0" i="0" u="none" strike="noStrike" cap="none" normalizeH="0" baseline="0">
+                  <a:ln>
+                    <a:noFill/>
+                  </a:ln>
+                  <a:solidFill>
+                    <a:srgbClr val="6AAB73"/>
+                  </a:solidFill>
+                  <a:effectLst/>
+                  <a:latin typeface="+mj-lt"/>
+                  <a:cs typeface="JetBrains Mono" panose="02000009000000000000" pitchFamily="49" charset="0"/>
+                </a:rPr>
+                <a:t>"</a:t>
+              </a:r>
+              <a:r>
+                <a:rPr kumimoji="0" lang="zh-TW" altLang="zh-TW" sz="1600" b="0" i="0" u="none" strike="noStrike" cap="none" normalizeH="0" baseline="0">
+                  <a:ln>
+                    <a:noFill/>
+                  </a:ln>
+                  <a:solidFill>
+                    <a:srgbClr val="6AAB73"/>
+                  </a:solidFill>
+                  <a:effectLst/>
+                  <a:latin typeface="+mj-lt"/>
+                  <a:ea typeface="微軟正黑體" panose="020B0604030504040204" pitchFamily="34" charset="-120"/>
+                  <a:cs typeface="JetBrains Mono" panose="02000009000000000000" pitchFamily="49" charset="0"/>
+                </a:rPr>
+                <a:t>想念你的外套</a:t>
+              </a:r>
+              <a:r>
+                <a:rPr kumimoji="0" lang="zh-TW" altLang="zh-TW" sz="1600" b="0" i="0" u="none" strike="noStrike" cap="none" normalizeH="0" baseline="0">
+                  <a:ln>
+                    <a:noFill/>
+                  </a:ln>
+                  <a:solidFill>
+                    <a:srgbClr val="6AAB73"/>
+                  </a:solidFill>
+                  <a:effectLst/>
+                  <a:latin typeface="+mj-lt"/>
+                  <a:cs typeface="JetBrains Mono" panose="02000009000000000000" pitchFamily="49" charset="0"/>
+                </a:rPr>
+                <a:t>"</a:t>
+              </a:r>
+              <a:r>
+                <a:rPr kumimoji="0" lang="zh-TW" altLang="zh-TW" sz="1600" b="0" i="0" u="none" strike="noStrike" cap="none" normalizeH="0" baseline="0">
+                  <a:ln>
+                    <a:noFill/>
+                  </a:ln>
+                  <a:solidFill>
+                    <a:srgbClr val="BCBEC4"/>
+                  </a:solidFill>
+                  <a:effectLst/>
+                  <a:latin typeface="+mj-lt"/>
+                  <a:cs typeface="JetBrains Mono" panose="02000009000000000000" pitchFamily="49" charset="0"/>
+                </a:rPr>
+                <a:t>);</a:t>
+              </a:r>
+              <a:br>
+                <a:rPr kumimoji="0" lang="zh-TW" altLang="zh-TW" sz="1600" b="0" i="0" u="none" strike="noStrike" cap="none" normalizeH="0" baseline="0">
+                  <a:ln>
+                    <a:noFill/>
+                  </a:ln>
+                  <a:solidFill>
+                    <a:srgbClr val="BCBEC4"/>
+                  </a:solidFill>
+                  <a:effectLst/>
+                  <a:latin typeface="+mj-lt"/>
+                  <a:cs typeface="JetBrains Mono" panose="02000009000000000000" pitchFamily="49" charset="0"/>
+                </a:rPr>
+              </a:br>
+              <a:r>
+                <a:rPr kumimoji="0" lang="zh-TW" altLang="zh-TW" sz="1600" b="0" i="0" u="none" strike="noStrike" cap="none" normalizeH="0" baseline="0">
+                  <a:ln>
+                    <a:noFill/>
+                  </a:ln>
+                  <a:solidFill>
+                    <a:srgbClr val="BCBEC4"/>
+                  </a:solidFill>
+                  <a:effectLst/>
+                  <a:latin typeface="+mj-lt"/>
+                  <a:cs typeface="JetBrains Mono" panose="02000009000000000000" pitchFamily="49" charset="0"/>
+                </a:rPr>
+                <a:t>        } </a:t>
+              </a:r>
+              <a:r>
+                <a:rPr kumimoji="0" lang="zh-TW" altLang="zh-TW" sz="1600" b="0" i="0" u="none" strike="noStrike" cap="none" normalizeH="0" baseline="0">
+                  <a:ln>
+                    <a:noFill/>
+                  </a:ln>
+                  <a:solidFill>
+                    <a:srgbClr val="CF8E6D"/>
+                  </a:solidFill>
+                  <a:effectLst/>
+                  <a:latin typeface="+mj-lt"/>
+                  <a:cs typeface="JetBrains Mono" panose="02000009000000000000" pitchFamily="49" charset="0"/>
+                </a:rPr>
+                <a:t>else if </a:t>
+              </a:r>
+              <a:r>
+                <a:rPr kumimoji="0" lang="zh-TW" altLang="zh-TW" sz="1600" b="0" i="0" u="none" strike="noStrike" cap="none" normalizeH="0" baseline="0">
+                  <a:ln>
+                    <a:noFill/>
+                  </a:ln>
+                  <a:solidFill>
+                    <a:srgbClr val="BCBEC4"/>
+                  </a:solidFill>
+                  <a:effectLst/>
+                  <a:latin typeface="+mj-lt"/>
+                  <a:cs typeface="JetBrains Mono" panose="02000009000000000000" pitchFamily="49" charset="0"/>
+                </a:rPr>
+                <a:t>(input.equals(</a:t>
+              </a:r>
+              <a:r>
+                <a:rPr kumimoji="0" lang="zh-TW" altLang="zh-TW" sz="1600" b="0" i="0" u="none" strike="noStrike" cap="none" normalizeH="0" baseline="0">
+                  <a:ln>
+                    <a:noFill/>
+                  </a:ln>
+                  <a:solidFill>
+                    <a:srgbClr val="6AAB73"/>
+                  </a:solidFill>
+                  <a:effectLst/>
+                  <a:latin typeface="+mj-lt"/>
+                  <a:cs typeface="JetBrains Mono" panose="02000009000000000000" pitchFamily="49" charset="0"/>
+                </a:rPr>
+                <a:t>"</a:t>
+              </a:r>
+              <a:r>
+                <a:rPr kumimoji="0" lang="zh-TW" altLang="zh-TW" sz="1600" b="0" i="0" u="none" strike="noStrike" cap="none" normalizeH="0" baseline="0">
+                  <a:ln>
+                    <a:noFill/>
+                  </a:ln>
+                  <a:solidFill>
+                    <a:srgbClr val="6AAB73"/>
+                  </a:solidFill>
+                  <a:effectLst/>
+                  <a:latin typeface="+mj-lt"/>
+                  <a:ea typeface="微軟正黑體" panose="020B0604030504040204" pitchFamily="34" charset="-120"/>
+                  <a:cs typeface="JetBrains Mono" panose="02000009000000000000" pitchFamily="49" charset="0"/>
+                </a:rPr>
+                <a:t>怎麼忍心怪你犯了錯</a:t>
+              </a:r>
+              <a:r>
+                <a:rPr kumimoji="0" lang="zh-TW" altLang="zh-TW" sz="1600" b="0" i="0" u="none" strike="noStrike" cap="none" normalizeH="0" baseline="0">
+                  <a:ln>
+                    <a:noFill/>
+                  </a:ln>
+                  <a:solidFill>
+                    <a:srgbClr val="6AAB73"/>
+                  </a:solidFill>
+                  <a:effectLst/>
+                  <a:latin typeface="+mj-lt"/>
+                  <a:cs typeface="JetBrains Mono" panose="02000009000000000000" pitchFamily="49" charset="0"/>
+                </a:rPr>
+                <a:t>"</a:t>
+              </a:r>
+              <a:r>
+                <a:rPr kumimoji="0" lang="zh-TW" altLang="zh-TW" sz="1600" b="0" i="0" u="none" strike="noStrike" cap="none" normalizeH="0" baseline="0">
+                  <a:ln>
+                    <a:noFill/>
+                  </a:ln>
+                  <a:solidFill>
+                    <a:srgbClr val="BCBEC4"/>
+                  </a:solidFill>
+                  <a:effectLst/>
+                  <a:latin typeface="+mj-lt"/>
+                  <a:cs typeface="JetBrains Mono" panose="02000009000000000000" pitchFamily="49" charset="0"/>
+                </a:rPr>
+                <a:t>)) {</a:t>
+              </a:r>
+              <a:br>
+                <a:rPr kumimoji="0" lang="zh-TW" altLang="zh-TW" sz="1600" b="0" i="0" u="none" strike="noStrike" cap="none" normalizeH="0" baseline="0">
+                  <a:ln>
+                    <a:noFill/>
+                  </a:ln>
+                  <a:solidFill>
+                    <a:srgbClr val="BCBEC4"/>
+                  </a:solidFill>
+                  <a:effectLst/>
+                  <a:latin typeface="+mj-lt"/>
+                  <a:cs typeface="JetBrains Mono" panose="02000009000000000000" pitchFamily="49" charset="0"/>
+                </a:rPr>
+              </a:br>
+              <a:r>
+                <a:rPr kumimoji="0" lang="zh-TW" altLang="zh-TW" sz="1600" b="0" i="0" u="none" strike="noStrike" cap="none" normalizeH="0" baseline="0">
+                  <a:ln>
+                    <a:noFill/>
+                  </a:ln>
+                  <a:solidFill>
+                    <a:srgbClr val="BCBEC4"/>
+                  </a:solidFill>
+                  <a:effectLst/>
+                  <a:latin typeface="+mj-lt"/>
+                  <a:cs typeface="JetBrains Mono" panose="02000009000000000000" pitchFamily="49" charset="0"/>
+                </a:rPr>
+                <a:t>            System.</a:t>
+              </a:r>
+              <a:r>
+                <a:rPr kumimoji="0" lang="zh-TW" altLang="zh-TW" sz="1600" b="0" i="1" u="none" strike="noStrike" cap="none" normalizeH="0" baseline="0">
+                  <a:ln>
+                    <a:noFill/>
+                  </a:ln>
+                  <a:solidFill>
+                    <a:srgbClr val="C77DBB"/>
+                  </a:solidFill>
+                  <a:effectLst/>
+                  <a:latin typeface="+mj-lt"/>
+                  <a:cs typeface="JetBrains Mono" panose="02000009000000000000" pitchFamily="49" charset="0"/>
+                </a:rPr>
+                <a:t>out</a:t>
+              </a:r>
+              <a:r>
+                <a:rPr kumimoji="0" lang="zh-TW" altLang="zh-TW" sz="1600" b="0" i="0" u="none" strike="noStrike" cap="none" normalizeH="0" baseline="0">
+                  <a:ln>
+                    <a:noFill/>
+                  </a:ln>
+                  <a:solidFill>
+                    <a:srgbClr val="BCBEC4"/>
+                  </a:solidFill>
+                  <a:effectLst/>
+                  <a:latin typeface="+mj-lt"/>
+                  <a:cs typeface="JetBrains Mono" panose="02000009000000000000" pitchFamily="49" charset="0"/>
+                </a:rPr>
+                <a:t>.println(</a:t>
+              </a:r>
+              <a:r>
+                <a:rPr kumimoji="0" lang="zh-TW" altLang="zh-TW" sz="1600" b="0" i="0" u="none" strike="noStrike" cap="none" normalizeH="0" baseline="0">
+                  <a:ln>
+                    <a:noFill/>
+                  </a:ln>
+                  <a:solidFill>
+                    <a:srgbClr val="6AAB73"/>
+                  </a:solidFill>
+                  <a:effectLst/>
+                  <a:latin typeface="+mj-lt"/>
+                  <a:cs typeface="JetBrains Mono" panose="02000009000000000000" pitchFamily="49" charset="0"/>
+                </a:rPr>
+                <a:t>"</a:t>
+              </a:r>
+              <a:r>
+                <a:rPr kumimoji="0" lang="zh-TW" altLang="zh-TW" sz="1600" b="0" i="0" u="none" strike="noStrike" cap="none" normalizeH="0" baseline="0">
+                  <a:ln>
+                    <a:noFill/>
+                  </a:ln>
+                  <a:solidFill>
+                    <a:srgbClr val="6AAB73"/>
+                  </a:solidFill>
+                  <a:effectLst/>
+                  <a:latin typeface="+mj-lt"/>
+                  <a:ea typeface="微軟正黑體" panose="020B0604030504040204" pitchFamily="34" charset="-120"/>
+                  <a:cs typeface="JetBrains Mono" panose="02000009000000000000" pitchFamily="49" charset="0"/>
+                </a:rPr>
+                <a:t>是我給你自由過了火</a:t>
+              </a:r>
+              <a:r>
+                <a:rPr kumimoji="0" lang="zh-TW" altLang="zh-TW" sz="1600" b="0" i="0" u="none" strike="noStrike" cap="none" normalizeH="0" baseline="0">
+                  <a:ln>
+                    <a:noFill/>
+                  </a:ln>
+                  <a:solidFill>
+                    <a:srgbClr val="6AAB73"/>
+                  </a:solidFill>
+                  <a:effectLst/>
+                  <a:latin typeface="+mj-lt"/>
+                  <a:cs typeface="JetBrains Mono" panose="02000009000000000000" pitchFamily="49" charset="0"/>
+                </a:rPr>
+                <a:t>"</a:t>
+              </a:r>
+              <a:r>
+                <a:rPr kumimoji="0" lang="zh-TW" altLang="zh-TW" sz="1600" b="0" i="0" u="none" strike="noStrike" cap="none" normalizeH="0" baseline="0">
+                  <a:ln>
+                    <a:noFill/>
+                  </a:ln>
+                  <a:solidFill>
+                    <a:srgbClr val="BCBEC4"/>
+                  </a:solidFill>
+                  <a:effectLst/>
+                  <a:latin typeface="+mj-lt"/>
+                  <a:cs typeface="JetBrains Mono" panose="02000009000000000000" pitchFamily="49" charset="0"/>
+                </a:rPr>
+                <a:t>);</a:t>
+              </a:r>
+              <a:br>
+                <a:rPr kumimoji="0" lang="zh-TW" altLang="zh-TW" sz="1600" b="0" i="0" u="none" strike="noStrike" cap="none" normalizeH="0" baseline="0">
+                  <a:ln>
+                    <a:noFill/>
+                  </a:ln>
+                  <a:solidFill>
+                    <a:srgbClr val="BCBEC4"/>
+                  </a:solidFill>
+                  <a:effectLst/>
+                  <a:latin typeface="+mj-lt"/>
+                  <a:cs typeface="JetBrains Mono" panose="02000009000000000000" pitchFamily="49" charset="0"/>
+                </a:rPr>
+              </a:br>
+              <a:r>
+                <a:rPr kumimoji="0" lang="zh-TW" altLang="zh-TW" sz="1600" b="0" i="0" u="none" strike="noStrike" cap="none" normalizeH="0" baseline="0">
+                  <a:ln>
+                    <a:noFill/>
+                  </a:ln>
+                  <a:solidFill>
+                    <a:srgbClr val="BCBEC4"/>
+                  </a:solidFill>
+                  <a:effectLst/>
+                  <a:latin typeface="+mj-lt"/>
+                  <a:cs typeface="JetBrains Mono" panose="02000009000000000000" pitchFamily="49" charset="0"/>
+                </a:rPr>
+                <a:t>        } </a:t>
+              </a:r>
+              <a:r>
+                <a:rPr kumimoji="0" lang="zh-TW" altLang="zh-TW" sz="1600" b="0" i="0" u="none" strike="noStrike" cap="none" normalizeH="0" baseline="0">
+                  <a:ln>
+                    <a:noFill/>
+                  </a:ln>
+                  <a:solidFill>
+                    <a:srgbClr val="CF8E6D"/>
+                  </a:solidFill>
+                  <a:effectLst/>
+                  <a:latin typeface="+mj-lt"/>
+                  <a:cs typeface="JetBrains Mono" panose="02000009000000000000" pitchFamily="49" charset="0"/>
+                </a:rPr>
+                <a:t>else if </a:t>
+              </a:r>
+              <a:r>
+                <a:rPr kumimoji="0" lang="zh-TW" altLang="zh-TW" sz="1600" b="0" i="0" u="none" strike="noStrike" cap="none" normalizeH="0" baseline="0">
+                  <a:ln>
+                    <a:noFill/>
+                  </a:ln>
+                  <a:solidFill>
+                    <a:srgbClr val="BCBEC4"/>
+                  </a:solidFill>
+                  <a:effectLst/>
+                  <a:latin typeface="+mj-lt"/>
+                  <a:cs typeface="JetBrains Mono" panose="02000009000000000000" pitchFamily="49" charset="0"/>
+                </a:rPr>
+                <a:t>(input.equals(</a:t>
+              </a:r>
+              <a:r>
+                <a:rPr kumimoji="0" lang="zh-TW" altLang="zh-TW" sz="1600" b="0" i="0" u="none" strike="noStrike" cap="none" normalizeH="0" baseline="0">
+                  <a:ln>
+                    <a:noFill/>
+                  </a:ln>
+                  <a:solidFill>
+                    <a:srgbClr val="6AAB73"/>
+                  </a:solidFill>
+                  <a:effectLst/>
+                  <a:latin typeface="+mj-lt"/>
+                  <a:cs typeface="JetBrains Mono" panose="02000009000000000000" pitchFamily="49" charset="0"/>
+                </a:rPr>
+                <a:t>"</a:t>
+              </a:r>
+              <a:r>
+                <a:rPr kumimoji="0" lang="zh-TW" altLang="zh-TW" sz="1600" b="0" i="0" u="none" strike="noStrike" cap="none" normalizeH="0" baseline="0">
+                  <a:ln>
+                    <a:noFill/>
+                  </a:ln>
+                  <a:solidFill>
+                    <a:srgbClr val="6AAB73"/>
+                  </a:solidFill>
+                  <a:effectLst/>
+                  <a:latin typeface="+mj-lt"/>
+                  <a:ea typeface="微軟正黑體" panose="020B0604030504040204" pitchFamily="34" charset="-120"/>
+                  <a:cs typeface="JetBrains Mono" panose="02000009000000000000" pitchFamily="49" charset="0"/>
+                </a:rPr>
+                <a:t>我願變成童話裡你愛的那個天使</a:t>
+              </a:r>
+              <a:r>
+                <a:rPr kumimoji="0" lang="zh-TW" altLang="zh-TW" sz="1600" b="0" i="0" u="none" strike="noStrike" cap="none" normalizeH="0" baseline="0">
+                  <a:ln>
+                    <a:noFill/>
+                  </a:ln>
+                  <a:solidFill>
+                    <a:srgbClr val="6AAB73"/>
+                  </a:solidFill>
+                  <a:effectLst/>
+                  <a:latin typeface="+mj-lt"/>
+                  <a:cs typeface="JetBrains Mono" panose="02000009000000000000" pitchFamily="49" charset="0"/>
+                </a:rPr>
+                <a:t>"</a:t>
+              </a:r>
+              <a:r>
+                <a:rPr kumimoji="0" lang="zh-TW" altLang="zh-TW" sz="1600" b="0" i="0" u="none" strike="noStrike" cap="none" normalizeH="0" baseline="0">
+                  <a:ln>
+                    <a:noFill/>
+                  </a:ln>
+                  <a:solidFill>
+                    <a:srgbClr val="BCBEC4"/>
+                  </a:solidFill>
+                  <a:effectLst/>
+                  <a:latin typeface="+mj-lt"/>
+                  <a:cs typeface="JetBrains Mono" panose="02000009000000000000" pitchFamily="49" charset="0"/>
+                </a:rPr>
+                <a:t>)) {</a:t>
+              </a:r>
+              <a:br>
+                <a:rPr kumimoji="0" lang="zh-TW" altLang="zh-TW" sz="1600" b="0" i="0" u="none" strike="noStrike" cap="none" normalizeH="0" baseline="0">
+                  <a:ln>
+                    <a:noFill/>
+                  </a:ln>
+                  <a:solidFill>
+                    <a:srgbClr val="BCBEC4"/>
+                  </a:solidFill>
+                  <a:effectLst/>
+                  <a:latin typeface="+mj-lt"/>
+                  <a:cs typeface="JetBrains Mono" panose="02000009000000000000" pitchFamily="49" charset="0"/>
+                </a:rPr>
+              </a:br>
+              <a:r>
+                <a:rPr kumimoji="0" lang="zh-TW" altLang="zh-TW" sz="1600" b="0" i="0" u="none" strike="noStrike" cap="none" normalizeH="0" baseline="0">
+                  <a:ln>
+                    <a:noFill/>
+                  </a:ln>
+                  <a:solidFill>
+                    <a:srgbClr val="BCBEC4"/>
+                  </a:solidFill>
+                  <a:effectLst/>
+                  <a:latin typeface="+mj-lt"/>
+                  <a:cs typeface="JetBrains Mono" panose="02000009000000000000" pitchFamily="49" charset="0"/>
+                </a:rPr>
+                <a:t>            System.</a:t>
+              </a:r>
+              <a:r>
+                <a:rPr kumimoji="0" lang="zh-TW" altLang="zh-TW" sz="1600" b="0" i="1" u="none" strike="noStrike" cap="none" normalizeH="0" baseline="0">
+                  <a:ln>
+                    <a:noFill/>
+                  </a:ln>
+                  <a:solidFill>
+                    <a:srgbClr val="C77DBB"/>
+                  </a:solidFill>
+                  <a:effectLst/>
+                  <a:latin typeface="+mj-lt"/>
+                  <a:cs typeface="JetBrains Mono" panose="02000009000000000000" pitchFamily="49" charset="0"/>
+                </a:rPr>
+                <a:t>out</a:t>
+              </a:r>
+              <a:r>
+                <a:rPr kumimoji="0" lang="zh-TW" altLang="zh-TW" sz="1600" b="0" i="0" u="none" strike="noStrike" cap="none" normalizeH="0" baseline="0">
+                  <a:ln>
+                    <a:noFill/>
+                  </a:ln>
+                  <a:solidFill>
+                    <a:srgbClr val="BCBEC4"/>
+                  </a:solidFill>
+                  <a:effectLst/>
+                  <a:latin typeface="+mj-lt"/>
+                  <a:cs typeface="JetBrains Mono" panose="02000009000000000000" pitchFamily="49" charset="0"/>
+                </a:rPr>
+                <a:t>.println(</a:t>
+              </a:r>
+              <a:r>
+                <a:rPr kumimoji="0" lang="zh-TW" altLang="zh-TW" sz="1600" b="0" i="0" u="none" strike="noStrike" cap="none" normalizeH="0" baseline="0">
+                  <a:ln>
+                    <a:noFill/>
+                  </a:ln>
+                  <a:solidFill>
+                    <a:srgbClr val="6AAB73"/>
+                  </a:solidFill>
+                  <a:effectLst/>
+                  <a:latin typeface="+mj-lt"/>
+                  <a:cs typeface="JetBrains Mono" panose="02000009000000000000" pitchFamily="49" charset="0"/>
+                </a:rPr>
+                <a:t>"</a:t>
+              </a:r>
+              <a:r>
+                <a:rPr kumimoji="0" lang="zh-TW" altLang="zh-TW" sz="1600" b="0" i="0" u="none" strike="noStrike" cap="none" normalizeH="0" baseline="0">
+                  <a:ln>
+                    <a:noFill/>
+                  </a:ln>
+                  <a:solidFill>
+                    <a:srgbClr val="6AAB73"/>
+                  </a:solidFill>
+                  <a:effectLst/>
+                  <a:latin typeface="+mj-lt"/>
+                  <a:ea typeface="微軟正黑體" panose="020B0604030504040204" pitchFamily="34" charset="-120"/>
+                  <a:cs typeface="JetBrains Mono" panose="02000009000000000000" pitchFamily="49" charset="0"/>
+                </a:rPr>
+                <a:t>張開雙手變成翅膀守護你</a:t>
+              </a:r>
+              <a:r>
+                <a:rPr kumimoji="0" lang="zh-TW" altLang="zh-TW" sz="1600" b="0" i="0" u="none" strike="noStrike" cap="none" normalizeH="0" baseline="0">
+                  <a:ln>
+                    <a:noFill/>
+                  </a:ln>
+                  <a:solidFill>
+                    <a:srgbClr val="6AAB73"/>
+                  </a:solidFill>
+                  <a:effectLst/>
+                  <a:latin typeface="+mj-lt"/>
+                  <a:cs typeface="JetBrains Mono" panose="02000009000000000000" pitchFamily="49" charset="0"/>
+                </a:rPr>
+                <a:t>"</a:t>
+              </a:r>
+              <a:r>
+                <a:rPr kumimoji="0" lang="zh-TW" altLang="zh-TW" sz="1600" b="0" i="0" u="none" strike="noStrike" cap="none" normalizeH="0" baseline="0">
+                  <a:ln>
+                    <a:noFill/>
+                  </a:ln>
+                  <a:solidFill>
+                    <a:srgbClr val="BCBEC4"/>
+                  </a:solidFill>
+                  <a:effectLst/>
+                  <a:latin typeface="+mj-lt"/>
+                  <a:cs typeface="JetBrains Mono" panose="02000009000000000000" pitchFamily="49" charset="0"/>
+                </a:rPr>
+                <a:t>);</a:t>
+              </a:r>
+              <a:br>
+                <a:rPr kumimoji="0" lang="zh-TW" altLang="zh-TW" sz="1600" b="0" i="0" u="none" strike="noStrike" cap="none" normalizeH="0" baseline="0">
+                  <a:ln>
+                    <a:noFill/>
+                  </a:ln>
+                  <a:solidFill>
+                    <a:srgbClr val="BCBEC4"/>
+                  </a:solidFill>
+                  <a:effectLst/>
+                  <a:latin typeface="+mj-lt"/>
+                  <a:cs typeface="JetBrains Mono" panose="02000009000000000000" pitchFamily="49" charset="0"/>
+                </a:rPr>
+              </a:br>
+              <a:r>
+                <a:rPr kumimoji="0" lang="zh-TW" altLang="zh-TW" sz="1600" b="0" i="0" u="none" strike="noStrike" cap="none" normalizeH="0" baseline="0">
+                  <a:ln>
+                    <a:noFill/>
+                  </a:ln>
+                  <a:solidFill>
+                    <a:srgbClr val="BCBEC4"/>
+                  </a:solidFill>
+                  <a:effectLst/>
+                  <a:latin typeface="+mj-lt"/>
+                  <a:cs typeface="JetBrains Mono" panose="02000009000000000000" pitchFamily="49" charset="0"/>
+                </a:rPr>
+                <a:t>        } </a:t>
+              </a:r>
+              <a:r>
+                <a:rPr kumimoji="0" lang="zh-TW" altLang="zh-TW" sz="1600" b="0" i="0" u="none" strike="noStrike" cap="none" normalizeH="0" baseline="0">
+                  <a:ln>
+                    <a:noFill/>
+                  </a:ln>
+                  <a:solidFill>
+                    <a:srgbClr val="CF8E6D"/>
+                  </a:solidFill>
+                  <a:effectLst/>
+                  <a:latin typeface="+mj-lt"/>
+                  <a:cs typeface="JetBrains Mono" panose="02000009000000000000" pitchFamily="49" charset="0"/>
+                </a:rPr>
+                <a:t>else </a:t>
+              </a:r>
+              <a:r>
+                <a:rPr kumimoji="0" lang="zh-TW" altLang="zh-TW" sz="1600" b="0" i="0" u="none" strike="noStrike" cap="none" normalizeH="0" baseline="0">
+                  <a:ln>
+                    <a:noFill/>
+                  </a:ln>
+                  <a:solidFill>
+                    <a:srgbClr val="BCBEC4"/>
+                  </a:solidFill>
+                  <a:effectLst/>
+                  <a:latin typeface="+mj-lt"/>
+                  <a:cs typeface="JetBrains Mono" panose="02000009000000000000" pitchFamily="49" charset="0"/>
+                </a:rPr>
+                <a:t>{</a:t>
+              </a:r>
+              <a:br>
+                <a:rPr kumimoji="0" lang="zh-TW" altLang="zh-TW" sz="1600" b="0" i="0" u="none" strike="noStrike" cap="none" normalizeH="0" baseline="0">
+                  <a:ln>
+                    <a:noFill/>
+                  </a:ln>
+                  <a:solidFill>
+                    <a:srgbClr val="BCBEC4"/>
+                  </a:solidFill>
+                  <a:effectLst/>
+                  <a:latin typeface="+mj-lt"/>
+                  <a:cs typeface="JetBrains Mono" panose="02000009000000000000" pitchFamily="49" charset="0"/>
+                </a:rPr>
+              </a:br>
+              <a:r>
+                <a:rPr kumimoji="0" lang="zh-TW" altLang="zh-TW" sz="1600" b="0" i="0" u="none" strike="noStrike" cap="none" normalizeH="0" baseline="0">
+                  <a:ln>
+                    <a:noFill/>
+                  </a:ln>
+                  <a:solidFill>
+                    <a:srgbClr val="BCBEC4"/>
+                  </a:solidFill>
+                  <a:effectLst/>
+                  <a:latin typeface="+mj-lt"/>
+                  <a:cs typeface="JetBrains Mono" panose="02000009000000000000" pitchFamily="49" charset="0"/>
+                </a:rPr>
+                <a:t>            System.</a:t>
+              </a:r>
+              <a:r>
+                <a:rPr kumimoji="0" lang="zh-TW" altLang="zh-TW" sz="1600" b="0" i="1" u="none" strike="noStrike" cap="none" normalizeH="0" baseline="0">
+                  <a:ln>
+                    <a:noFill/>
+                  </a:ln>
+                  <a:solidFill>
+                    <a:srgbClr val="C77DBB"/>
+                  </a:solidFill>
+                  <a:effectLst/>
+                  <a:latin typeface="+mj-lt"/>
+                  <a:cs typeface="JetBrains Mono" panose="02000009000000000000" pitchFamily="49" charset="0"/>
+                </a:rPr>
+                <a:t>out</a:t>
+              </a:r>
+              <a:r>
+                <a:rPr kumimoji="0" lang="zh-TW" altLang="zh-TW" sz="1600" b="0" i="0" u="none" strike="noStrike" cap="none" normalizeH="0" baseline="0">
+                  <a:ln>
+                    <a:noFill/>
+                  </a:ln>
+                  <a:solidFill>
+                    <a:srgbClr val="BCBEC4"/>
+                  </a:solidFill>
+                  <a:effectLst/>
+                  <a:latin typeface="+mj-lt"/>
+                  <a:cs typeface="JetBrains Mono" panose="02000009000000000000" pitchFamily="49" charset="0"/>
+                </a:rPr>
+                <a:t>.println(</a:t>
+              </a:r>
+              <a:r>
+                <a:rPr kumimoji="0" lang="zh-TW" altLang="zh-TW" sz="1600" b="0" i="0" u="none" strike="noStrike" cap="none" normalizeH="0" baseline="0">
+                  <a:ln>
+                    <a:noFill/>
+                  </a:ln>
+                  <a:solidFill>
+                    <a:srgbClr val="6AAB73"/>
+                  </a:solidFill>
+                  <a:effectLst/>
+                  <a:latin typeface="+mj-lt"/>
+                  <a:cs typeface="JetBrains Mono" panose="02000009000000000000" pitchFamily="49" charset="0"/>
+                </a:rPr>
+                <a:t>"</a:t>
+              </a:r>
+              <a:r>
+                <a:rPr kumimoji="0" lang="zh-TW" altLang="zh-TW" sz="1600" b="0" i="0" u="none" strike="noStrike" cap="none" normalizeH="0" baseline="0">
+                  <a:ln>
+                    <a:noFill/>
+                  </a:ln>
+                  <a:solidFill>
+                    <a:srgbClr val="6AAB73"/>
+                  </a:solidFill>
+                  <a:effectLst/>
+                  <a:latin typeface="+mj-lt"/>
+                  <a:ea typeface="微軟正黑體" panose="020B0604030504040204" pitchFamily="34" charset="-120"/>
+                  <a:cs typeface="JetBrains Mono" panose="02000009000000000000" pitchFamily="49" charset="0"/>
+                </a:rPr>
+                <a:t>我不知道下一句是什麼</a:t>
+              </a:r>
+              <a:r>
+                <a:rPr kumimoji="0" lang="zh-TW" altLang="zh-TW" sz="1600" b="0" i="0" u="none" strike="noStrike" cap="none" normalizeH="0" baseline="0">
+                  <a:ln>
+                    <a:noFill/>
+                  </a:ln>
+                  <a:solidFill>
+                    <a:srgbClr val="6AAB73"/>
+                  </a:solidFill>
+                  <a:effectLst/>
+                  <a:latin typeface="+mj-lt"/>
+                  <a:cs typeface="JetBrains Mono" panose="02000009000000000000" pitchFamily="49" charset="0"/>
+                </a:rPr>
+                <a:t>"</a:t>
+              </a:r>
+              <a:r>
+                <a:rPr kumimoji="0" lang="zh-TW" altLang="zh-TW" sz="1600" b="0" i="0" u="none" strike="noStrike" cap="none" normalizeH="0" baseline="0">
+                  <a:ln>
+                    <a:noFill/>
+                  </a:ln>
+                  <a:solidFill>
+                    <a:srgbClr val="BCBEC4"/>
+                  </a:solidFill>
+                  <a:effectLst/>
+                  <a:latin typeface="+mj-lt"/>
+                  <a:cs typeface="JetBrains Mono" panose="02000009000000000000" pitchFamily="49" charset="0"/>
+                </a:rPr>
+                <a:t>);</a:t>
+              </a:r>
+              <a:br>
+                <a:rPr kumimoji="0" lang="zh-TW" altLang="zh-TW" sz="1600" b="0" i="0" u="none" strike="noStrike" cap="none" normalizeH="0" baseline="0">
+                  <a:ln>
+                    <a:noFill/>
+                  </a:ln>
+                  <a:solidFill>
+                    <a:srgbClr val="BCBEC4"/>
+                  </a:solidFill>
+                  <a:effectLst/>
+                  <a:latin typeface="+mj-lt"/>
+                  <a:cs typeface="JetBrains Mono" panose="02000009000000000000" pitchFamily="49" charset="0"/>
+                </a:rPr>
+              </a:br>
+              <a:r>
+                <a:rPr kumimoji="0" lang="zh-TW" altLang="zh-TW" sz="1600" b="0" i="0" u="none" strike="noStrike" cap="none" normalizeH="0" baseline="0">
+                  <a:ln>
+                    <a:noFill/>
+                  </a:ln>
+                  <a:solidFill>
+                    <a:srgbClr val="BCBEC4"/>
+                  </a:solidFill>
+                  <a:effectLst/>
+                  <a:latin typeface="+mj-lt"/>
+                  <a:cs typeface="JetBrains Mono" panose="02000009000000000000" pitchFamily="49" charset="0"/>
+                </a:rPr>
+                <a:t>        }</a:t>
+              </a:r>
+              <a:br>
+                <a:rPr kumimoji="0" lang="zh-TW" altLang="zh-TW" sz="1600" b="0" i="0" u="none" strike="noStrike" cap="none" normalizeH="0" baseline="0">
+                  <a:ln>
+                    <a:noFill/>
+                  </a:ln>
+                  <a:solidFill>
+                    <a:srgbClr val="BCBEC4"/>
+                  </a:solidFill>
+                  <a:effectLst/>
+                  <a:latin typeface="+mj-lt"/>
+                  <a:cs typeface="JetBrains Mono" panose="02000009000000000000" pitchFamily="49" charset="0"/>
+                </a:rPr>
+              </a:br>
+              <a:r>
+                <a:rPr kumimoji="0" lang="zh-TW" altLang="zh-TW" sz="1600" b="0" i="0" u="none" strike="noStrike" cap="none" normalizeH="0" baseline="0">
+                  <a:ln>
+                    <a:noFill/>
+                  </a:ln>
+                  <a:solidFill>
+                    <a:srgbClr val="BCBEC4"/>
+                  </a:solidFill>
+                  <a:effectLst/>
+                  <a:latin typeface="+mj-lt"/>
+                  <a:cs typeface="JetBrains Mono" panose="02000009000000000000" pitchFamily="49" charset="0"/>
+                </a:rPr>
+                <a:t>    }</a:t>
+              </a:r>
+              <a:br>
+                <a:rPr kumimoji="0" lang="zh-TW" altLang="zh-TW" sz="1600" b="0" i="0" u="none" strike="noStrike" cap="none" normalizeH="0" baseline="0">
+                  <a:ln>
+                    <a:noFill/>
+                  </a:ln>
+                  <a:solidFill>
+                    <a:srgbClr val="BCBEC4"/>
+                  </a:solidFill>
+                  <a:effectLst/>
+                  <a:latin typeface="+mj-lt"/>
+                  <a:cs typeface="JetBrains Mono" panose="02000009000000000000" pitchFamily="49" charset="0"/>
+                </a:rPr>
+              </a:br>
+              <a:r>
+                <a:rPr kumimoji="0" lang="zh-TW" altLang="zh-TW" sz="1600" b="0" i="0" u="none" strike="noStrike" cap="none" normalizeH="0" baseline="0">
+                  <a:ln>
+                    <a:noFill/>
+                  </a:ln>
+                  <a:solidFill>
+                    <a:srgbClr val="BCBEC4"/>
+                  </a:solidFill>
+                  <a:effectLst/>
+                  <a:latin typeface="+mj-lt"/>
+                  <a:cs typeface="JetBrains Mono" panose="02000009000000000000" pitchFamily="49" charset="0"/>
+                </a:rPr>
+                <a:t>}</a:t>
+              </a:r>
+              <a:endParaRPr kumimoji="0" lang="zh-TW" altLang="zh-TW" sz="2800" b="0" i="0" u="none" strike="noStrike" cap="none" normalizeH="0" baseline="0">
+                <a:ln>
+                  <a:noFill/>
+                </a:ln>
+                <a:solidFill>
+                  <a:schemeClr val="tx1"/>
+                </a:solidFill>
+                <a:effectLst/>
+                <a:latin typeface="+mj-lt"/>
+              </a:endParaRPr>
+            </a:p>
+          </p:txBody>
+        </p:sp>
+        <p:sp>
+          <p:nvSpPr>
+            <p:cNvPr id="13" name="文字方塊 12">
+              <a:extLst>
+                <a:ext uri="{FF2B5EF4-FFF2-40B4-BE49-F238E27FC236}">
+                  <a16:creationId xmlns:a16="http://schemas.microsoft.com/office/drawing/2014/main" id="{D6FF9DA4-B64F-4919-AD0A-841D2296A78C}"/>
+                </a:ext>
+              </a:extLst>
+            </p:cNvPr>
+            <p:cNvSpPr txBox="1"/>
+            <p:nvPr/>
+          </p:nvSpPr>
+          <p:spPr>
+            <a:xfrm>
+              <a:off x="7363012" y="6031528"/>
+              <a:ext cx="633507" cy="338554"/>
+            </a:xfrm>
+            <a:prstGeom prst="rect">
+              <a:avLst/>
+            </a:prstGeom>
+            <a:noFill/>
+          </p:spPr>
+          <p:txBody>
+            <a:bodyPr wrap="none" rtlCol="0">
+              <a:spAutoFit/>
+            </a:bodyPr>
+            <a:lstStyle/>
+            <a:p>
+              <a:r>
+                <a:rPr lang="en-US" altLang="zh-TW" sz="1600">
+                  <a:solidFill>
+                    <a:schemeClr val="accent3"/>
+                  </a:solidFill>
+                </a:rPr>
+                <a:t>java</a:t>
+              </a:r>
+              <a:endParaRPr lang="zh-TW" altLang="en-US" sz="1600">
+                <a:solidFill>
+                  <a:schemeClr val="accent3"/>
+                </a:solidFill>
+              </a:endParaRPr>
+            </a:p>
+          </p:txBody>
+        </p:sp>
+        <p:pic>
+          <p:nvPicPr>
+            <p:cNvPr id="24" name="圖片 23">
+              <a:hlinkClick r:id="rId2"/>
+              <a:extLst>
+                <a:ext uri="{FF2B5EF4-FFF2-40B4-BE49-F238E27FC236}">
+                  <a16:creationId xmlns:a16="http://schemas.microsoft.com/office/drawing/2014/main" id="{A175219C-789C-485B-9A24-33ED5ABB9A74}"/>
+                </a:ext>
+              </a:extLst>
+            </p:cNvPr>
+            <p:cNvPicPr>
+              <a:picLocks noChangeAspect="1"/>
+            </p:cNvPicPr>
+            <p:nvPr/>
+          </p:nvPicPr>
+          <p:blipFill>
+            <a:blip r:embed="rId3">
+              <a:extLst>
+                <a:ext uri="{28A0092B-C50C-407E-A947-70E740481C1C}">
+                  <a14:useLocalDpi xmlns:a14="http://schemas.microsoft.com/office/drawing/2010/main" val="0"/>
+                </a:ext>
+              </a:extLst>
+            </a:blip>
+            <a:stretch>
+              <a:fillRect/>
+            </a:stretch>
+          </p:blipFill>
+          <p:spPr>
+            <a:xfrm>
+              <a:off x="7512324" y="1603301"/>
+              <a:ext cx="484195" cy="473668"/>
+            </a:xfrm>
+            <a:prstGeom prst="rect">
+              <a:avLst/>
+            </a:prstGeom>
+          </p:spPr>
+        </p:pic>
+      </p:grpSp>
     </p:spTree>
     <p:extLst>
       <p:ext uri="{BB962C8B-B14F-4D97-AF65-F5344CB8AC3E}">
@@ -12657,7 +12679,12 @@
             <p:ph type="title"/>
           </p:nvPr>
         </p:nvSpPr>
-        <p:spPr/>
+        <p:spPr>
+          <a:xfrm>
+            <a:off x="838200" y="-2427"/>
+            <a:ext cx="10515600" cy="1325563"/>
+          </a:xfrm>
+        </p:spPr>
         <p:txBody>
           <a:bodyPr/>
           <a:lstStyle/>
@@ -12689,12 +12716,33 @@
             <p:ph idx="1"/>
           </p:nvPr>
         </p:nvSpPr>
-        <p:spPr/>
+        <p:spPr>
+          <a:xfrm>
+            <a:off x="838200" y="1242454"/>
+            <a:ext cx="10515600" cy="491787"/>
+          </a:xfrm>
+        </p:spPr>
         <p:txBody>
           <a:bodyPr/>
           <a:lstStyle/>
           <a:p>
-            <a:endParaRPr lang="zh-TW" altLang="en-US"/>
+            <a:r>
+              <a:rPr lang="en-US" altLang="zh-TW">
+                <a:solidFill>
+                  <a:srgbClr val="CF8E6D"/>
+                </a:solidFill>
+              </a:rPr>
+              <a:t>switch</a:t>
+            </a:r>
+            <a:r>
+              <a:rPr lang="en-US" altLang="zh-TW"/>
+              <a:t> </a:t>
+            </a:r>
+            <a:r>
+              <a:rPr lang="zh-TW" altLang="en-US"/>
+              <a:t>的作用是根據不同的傳入值做不同的事</a:t>
+            </a:r>
+            <a:endParaRPr lang="en-US" altLang="zh-TW"/>
           </a:p>
         </p:txBody>
       </p:sp>
@@ -12712,10 +12760,10 @@
         </p:nvGrpSpPr>
         <p:grpSpPr>
           <a:xfrm>
-            <a:off x="838200" y="2505670"/>
-            <a:ext cx="3814482" cy="3046988"/>
-            <a:chOff x="838200" y="2505670"/>
-            <a:chExt cx="3814482" cy="3046988"/>
+            <a:off x="838199" y="1828602"/>
+            <a:ext cx="10515599" cy="3046988"/>
+            <a:chOff x="838199" y="2505670"/>
+            <a:chExt cx="10515599" cy="3046988"/>
           </a:xfrm>
         </p:grpSpPr>
         <p:sp>
@@ -12734,8 +12782,8 @@
           </p:nvSpPr>
           <p:spPr bwMode="auto">
             <a:xfrm>
-              <a:off x="838200" y="2505670"/>
-              <a:ext cx="3814482" cy="3046988"/>
+              <a:off x="838199" y="2505670"/>
+              <a:ext cx="10515599" cy="3046988"/>
             </a:xfrm>
             <a:prstGeom prst="rect">
               <a:avLst/>
@@ -13268,7 +13316,7 @@
           </p:nvSpPr>
           <p:spPr>
             <a:xfrm>
-              <a:off x="3961467" y="5183326"/>
+              <a:off x="10662583" y="5183326"/>
               <a:ext cx="691215" cy="369332"/>
             </a:xfrm>
             <a:prstGeom prst="rect">
@@ -13299,6 +13347,284 @@
           </p:txBody>
         </p:sp>
       </p:grpSp>
+      <p:sp>
+        <p:nvSpPr>
+          <p:cNvPr id="9" name="內容版面配置區 2">
+            <a:extLst>
+              <a:ext uri="{FF2B5EF4-FFF2-40B4-BE49-F238E27FC236}">
+                <a16:creationId xmlns:a16="http://schemas.microsoft.com/office/drawing/2014/main" id="{41AC35B3-079D-4BFF-8EBA-7C6F762C2B4D}"/>
+              </a:ext>
+            </a:extLst>
+          </p:cNvPr>
+          <p:cNvSpPr txBox="1">
+            <a:spLocks/>
+          </p:cNvSpPr>
+          <p:nvPr/>
+        </p:nvSpPr>
+        <p:spPr>
+          <a:xfrm>
+            <a:off x="838200" y="4969951"/>
+            <a:ext cx="10515600" cy="1522923"/>
+          </a:xfrm>
+          <a:prstGeom prst="rect">
+            <a:avLst/>
+          </a:prstGeom>
+        </p:spPr>
+        <p:txBody>
+          <a:bodyPr vert="horz" lIns="91440" tIns="45720" rIns="91440" bIns="45720" rtlCol="0">
+            <a:normAutofit/>
+          </a:bodyPr>
+          <a:lstStyle>
+            <a:lvl1pPr marL="0" indent="0" algn="l" defTabSz="914400" rtl="0" eaLnBrk="1" latinLnBrk="0" hangingPunct="1">
+              <a:lnSpc>
+                <a:spcPct val="90000"/>
+              </a:lnSpc>
+              <a:spcBef>
+                <a:spcPts val="1000"/>
+              </a:spcBef>
+              <a:buFont typeface="Arial" panose="020B0604020202020204" pitchFamily="34" charset="0"/>
+              <a:buNone/>
+              <a:defRPr sz="2800" kern="1200">
+                <a:solidFill>
+                  <a:schemeClr val="tx1"/>
+                </a:solidFill>
+                <a:latin typeface="+mn-lt"/>
+                <a:ea typeface="+mn-ea"/>
+                <a:cs typeface="+mn-cs"/>
+              </a:defRPr>
+            </a:lvl1pPr>
+            <a:lvl2pPr marL="457200" indent="0" algn="l" defTabSz="914400" rtl="0" eaLnBrk="1" latinLnBrk="0" hangingPunct="1">
+              <a:lnSpc>
+                <a:spcPct val="90000"/>
+              </a:lnSpc>
+              <a:spcBef>
+                <a:spcPts val="500"/>
+              </a:spcBef>
+              <a:buFont typeface="Arial" panose="020B0604020202020204" pitchFamily="34" charset="0"/>
+              <a:buNone/>
+              <a:defRPr sz="2400" kern="1200">
+                <a:solidFill>
+                  <a:schemeClr val="tx1"/>
+                </a:solidFill>
+                <a:latin typeface="+mn-lt"/>
+                <a:ea typeface="+mn-ea"/>
+                <a:cs typeface="+mn-cs"/>
+              </a:defRPr>
+            </a:lvl2pPr>
+            <a:lvl3pPr marL="914400" indent="0" algn="l" defTabSz="914400" rtl="0" eaLnBrk="1" latinLnBrk="0" hangingPunct="1">
+              <a:lnSpc>
+                <a:spcPct val="90000"/>
+              </a:lnSpc>
+              <a:spcBef>
+                <a:spcPts val="500"/>
+              </a:spcBef>
+              <a:buFont typeface="Arial" panose="020B0604020202020204" pitchFamily="34" charset="0"/>
+              <a:buNone/>
+              <a:defRPr sz="2000" kern="1200">
+                <a:solidFill>
+                  <a:schemeClr val="tx1"/>
+                </a:solidFill>
+                <a:latin typeface="+mn-lt"/>
+                <a:ea typeface="+mn-ea"/>
+                <a:cs typeface="+mn-cs"/>
+              </a:defRPr>
+            </a:lvl3pPr>
+            <a:lvl4pPr marL="1371600" indent="0" algn="l" defTabSz="914400" rtl="0" eaLnBrk="1" latinLnBrk="0" hangingPunct="1">
+              <a:lnSpc>
+                <a:spcPct val="90000"/>
+              </a:lnSpc>
+              <a:spcBef>
+                <a:spcPts val="500"/>
+              </a:spcBef>
+              <a:buFont typeface="Arial" panose="020B0604020202020204" pitchFamily="34" charset="0"/>
+              <a:buNone/>
+              <a:defRPr sz="1800" kern="1200">
+                <a:solidFill>
+                  <a:schemeClr val="tx1"/>
+                </a:solidFill>
+                <a:latin typeface="+mn-lt"/>
+                <a:ea typeface="+mn-ea"/>
+                <a:cs typeface="+mn-cs"/>
+              </a:defRPr>
+            </a:lvl4pPr>
+            <a:lvl5pPr marL="1828800" indent="0" algn="l" defTabSz="914400" rtl="0" eaLnBrk="1" latinLnBrk="0" hangingPunct="1">
+              <a:lnSpc>
+                <a:spcPct val="90000"/>
+              </a:lnSpc>
+              <a:spcBef>
+                <a:spcPts val="500"/>
+              </a:spcBef>
+              <a:buFont typeface="Arial" panose="020B0604020202020204" pitchFamily="34" charset="0"/>
+              <a:buNone/>
+              <a:defRPr sz="1800" kern="1200">
+                <a:solidFill>
+                  <a:schemeClr val="tx1"/>
+                </a:solidFill>
+                <a:latin typeface="+mn-lt"/>
+                <a:ea typeface="+mn-ea"/>
+                <a:cs typeface="+mn-cs"/>
+              </a:defRPr>
+            </a:lvl5pPr>
+            <a:lvl6pPr marL="2514600" indent="-228600" algn="l" defTabSz="914400" rtl="0" eaLnBrk="1" latinLnBrk="0" hangingPunct="1">
+              <a:lnSpc>
+                <a:spcPct val="90000"/>
+              </a:lnSpc>
+              <a:spcBef>
+                <a:spcPts val="500"/>
+              </a:spcBef>
+              <a:buFont typeface="Arial" panose="020B0604020202020204" pitchFamily="34" charset="0"/>
+              <a:buChar char="•"/>
+              <a:defRPr sz="1800" kern="1200">
+                <a:solidFill>
+                  <a:schemeClr val="tx1"/>
+                </a:solidFill>
+                <a:latin typeface="+mn-lt"/>
+                <a:ea typeface="+mn-ea"/>
+                <a:cs typeface="+mn-cs"/>
+              </a:defRPr>
+            </a:lvl6pPr>
+            <a:lvl7pPr marL="2971800" indent="-228600" algn="l" defTabSz="914400" rtl="0" eaLnBrk="1" latinLnBrk="0" hangingPunct="1">
+              <a:lnSpc>
+                <a:spcPct val="90000"/>
+              </a:lnSpc>
+              <a:spcBef>
+                <a:spcPts val="500"/>
+              </a:spcBef>
+              <a:buFont typeface="Arial" panose="020B0604020202020204" pitchFamily="34" charset="0"/>
+              <a:buChar char="•"/>
+              <a:defRPr sz="1800" kern="1200">
+                <a:solidFill>
+                  <a:schemeClr val="tx1"/>
+                </a:solidFill>
+                <a:latin typeface="+mn-lt"/>
+                <a:ea typeface="+mn-ea"/>
+                <a:cs typeface="+mn-cs"/>
+              </a:defRPr>
+            </a:lvl7pPr>
+            <a:lvl8pPr marL="3429000" indent="-228600" algn="l" defTabSz="914400" rtl="0" eaLnBrk="1" latinLnBrk="0" hangingPunct="1">
+              <a:lnSpc>
+                <a:spcPct val="90000"/>
+              </a:lnSpc>
+              <a:spcBef>
+                <a:spcPts val="500"/>
+              </a:spcBef>
+              <a:buFont typeface="Arial" panose="020B0604020202020204" pitchFamily="34" charset="0"/>
+              <a:buChar char="•"/>
+              <a:defRPr sz="1800" kern="1200">
+                <a:solidFill>
+                  <a:schemeClr val="tx1"/>
+                </a:solidFill>
+                <a:latin typeface="+mn-lt"/>
+                <a:ea typeface="+mn-ea"/>
+                <a:cs typeface="+mn-cs"/>
+              </a:defRPr>
+            </a:lvl8pPr>
+            <a:lvl9pPr marL="3886200" indent="-228600" algn="l" defTabSz="914400" rtl="0" eaLnBrk="1" latinLnBrk="0" hangingPunct="1">
+              <a:lnSpc>
+                <a:spcPct val="90000"/>
+              </a:lnSpc>
+              <a:spcBef>
+                <a:spcPts val="500"/>
+              </a:spcBef>
+              <a:buFont typeface="Arial" panose="020B0604020202020204" pitchFamily="34" charset="0"/>
+              <a:buChar char="•"/>
+              <a:defRPr sz="1800" kern="1200">
+                <a:solidFill>
+                  <a:schemeClr val="tx1"/>
+                </a:solidFill>
+                <a:latin typeface="+mn-lt"/>
+                <a:ea typeface="+mn-ea"/>
+                <a:cs typeface="+mn-cs"/>
+              </a:defRPr>
+            </a:lvl9pPr>
+          </a:lstStyle>
+          <a:p>
+            <a:r>
+              <a:rPr lang="zh-TW" altLang="en-US"/>
+              <a:t>其中 </a:t>
+            </a:r>
+            <a:r>
+              <a:rPr lang="en-US" altLang="zh-TW">
+                <a:solidFill>
+                  <a:srgbClr val="CF8E6D"/>
+                </a:solidFill>
+              </a:rPr>
+              <a:t>case</a:t>
+            </a:r>
+            <a:r>
+              <a:rPr lang="en-US" altLang="zh-TW"/>
+              <a:t> </a:t>
+            </a:r>
+            <a:r>
+              <a:rPr lang="zh-TW" altLang="en-US"/>
+              <a:t>可以有若干個，而 </a:t>
+            </a:r>
+            <a:r>
+              <a:rPr lang="en-US" altLang="zh-TW">
+                <a:solidFill>
+                  <a:srgbClr val="CF8E6D"/>
+                </a:solidFill>
+              </a:rPr>
+              <a:t>default</a:t>
+            </a:r>
+            <a:r>
+              <a:rPr lang="en-US" altLang="zh-TW"/>
+              <a:t> </a:t>
+            </a:r>
+            <a:r>
+              <a:rPr lang="zh-TW" altLang="en-US"/>
+              <a:t>可以省略</a:t>
+            </a:r>
+            <a:endParaRPr lang="en-US" altLang="zh-TW"/>
+          </a:p>
+          <a:p>
+            <a:r>
+              <a:rPr lang="zh-TW" altLang="en-US">
+                <a:solidFill>
+                  <a:srgbClr val="00B0F0"/>
+                </a:solidFill>
+              </a:rPr>
+              <a:t>當傳入值和某個條件值相等時，便會從相等的條件值那行開始</a:t>
+            </a:r>
+            <a:endParaRPr lang="en-US" altLang="zh-TW">
+              <a:solidFill>
+                <a:srgbClr val="00B0F0"/>
+              </a:solidFill>
+            </a:endParaRPr>
+          </a:p>
+          <a:p>
+            <a:r>
+              <a:rPr lang="zh-TW" altLang="en-US">
+                <a:solidFill>
+                  <a:srgbClr val="00B0F0"/>
+                </a:solidFill>
+              </a:rPr>
+              <a:t>往下執行直到 </a:t>
+            </a:r>
+            <a:r>
+              <a:rPr lang="en-US" altLang="zh-TW">
+                <a:solidFill>
+                  <a:srgbClr val="00B0F0"/>
+                </a:solidFill>
+              </a:rPr>
+              <a:t>switch</a:t>
+            </a:r>
+            <a:r>
+              <a:rPr lang="zh-TW" altLang="en-US">
+                <a:solidFill>
+                  <a:srgbClr val="00B0F0"/>
+                </a:solidFill>
+              </a:rPr>
+              <a:t> 結束，而不管中間的條件值是否相等</a:t>
+            </a:r>
+            <a:endParaRPr lang="en-US" altLang="zh-TW">
+              <a:solidFill>
+                <a:srgbClr val="00B0F0"/>
+              </a:solidFill>
+            </a:endParaRPr>
+          </a:p>
+        </p:txBody>
+      </p:sp>
     </p:spTree>
     <p:extLst>
       <p:ext uri="{BB962C8B-B14F-4D97-AF65-F5344CB8AC3E}">
@@ -13337,6 +13663,2069 @@
           <p:cNvPr id="2" name="標題 1">
             <a:extLst>
               <a:ext uri="{FF2B5EF4-FFF2-40B4-BE49-F238E27FC236}">
+                <a16:creationId xmlns:a16="http://schemas.microsoft.com/office/drawing/2014/main" id="{48D80CA8-876E-4217-A9BD-AB9CEFF4E907}"/>
+              </a:ext>
+            </a:extLst>
+          </p:cNvPr>
+          <p:cNvSpPr>
+            <a:spLocks noGrp="1"/>
+          </p:cNvSpPr>
+          <p:nvPr>
+            <p:ph type="title"/>
+          </p:nvPr>
+        </p:nvSpPr>
+        <p:spPr>
+          <a:xfrm>
+            <a:off x="838200" y="0"/>
+            <a:ext cx="10515600" cy="1325563"/>
+          </a:xfrm>
+        </p:spPr>
+        <p:txBody>
+          <a:bodyPr/>
+          <a:lstStyle/>
+          <a:p>
+            <a:r>
+              <a:rPr lang="en-US" altLang="zh-TW"/>
+              <a:t>switch </a:t>
+            </a:r>
+            <a:r>
+              <a:rPr lang="zh-TW" altLang="en-US"/>
+              <a:t>流程控制陳述式</a:t>
+            </a:r>
+          </a:p>
+        </p:txBody>
+      </p:sp>
+      <p:sp>
+        <p:nvSpPr>
+          <p:cNvPr id="5" name="內容版面配置區 4">
+            <a:extLst>
+              <a:ext uri="{FF2B5EF4-FFF2-40B4-BE49-F238E27FC236}">
+                <a16:creationId xmlns:a16="http://schemas.microsoft.com/office/drawing/2014/main" id="{0278B13C-F600-4BCE-95AC-AD0A926D8653}"/>
+              </a:ext>
+            </a:extLst>
+          </p:cNvPr>
+          <p:cNvSpPr>
+            <a:spLocks noGrp="1"/>
+          </p:cNvSpPr>
+          <p:nvPr>
+            <p:ph idx="1"/>
+          </p:nvPr>
+        </p:nvSpPr>
+        <p:spPr>
+          <a:xfrm>
+            <a:off x="838200" y="1067524"/>
+            <a:ext cx="4479973" cy="5262978"/>
+          </a:xfrm>
+        </p:spPr>
+        <p:txBody>
+          <a:bodyPr>
+            <a:normAutofit/>
+          </a:bodyPr>
+          <a:lstStyle/>
+          <a:p>
+            <a:r>
+              <a:rPr lang="zh-TW" altLang="en-US"/>
+              <a:t>在 </a:t>
+            </a:r>
+            <a:r>
+              <a:rPr lang="en-US" altLang="zh-TW">
+                <a:solidFill>
+                  <a:srgbClr val="CF8E6D"/>
+                </a:solidFill>
+              </a:rPr>
+              <a:t>switch</a:t>
+            </a:r>
+            <a:r>
+              <a:rPr lang="zh-TW" altLang="en-US"/>
+              <a:t> 中</a:t>
+            </a:r>
+            <a:endParaRPr lang="en-US" altLang="zh-TW"/>
+          </a:p>
+          <a:p>
+            <a:r>
+              <a:rPr lang="zh-TW" altLang="en-US"/>
+              <a:t>可以使用 </a:t>
+            </a:r>
+            <a:r>
+              <a:rPr lang="en-US" altLang="zh-TW">
+                <a:solidFill>
+                  <a:srgbClr val="CF8E6D"/>
+                </a:solidFill>
+              </a:rPr>
+              <a:t>break</a:t>
+            </a:r>
+          </a:p>
+          <a:p>
+            <a:r>
+              <a:rPr lang="zh-TW" altLang="en-US"/>
+              <a:t>讓 </a:t>
+            </a:r>
+            <a:r>
+              <a:rPr lang="en-US" altLang="zh-TW">
+                <a:solidFill>
+                  <a:srgbClr val="CF8E6D"/>
+                </a:solidFill>
+              </a:rPr>
+              <a:t>switch </a:t>
+            </a:r>
+            <a:r>
+              <a:rPr lang="zh-TW" altLang="en-US"/>
+              <a:t>立刻結束</a:t>
+            </a:r>
+            <a:endParaRPr lang="en-US" altLang="zh-TW"/>
+          </a:p>
+          <a:p>
+            <a:r>
+              <a:rPr lang="zh-TW" altLang="en-US"/>
+              <a:t>從而避免 </a:t>
+            </a:r>
+            <a:r>
+              <a:rPr lang="en-US" altLang="zh-TW">
+                <a:solidFill>
+                  <a:srgbClr val="CF8E6D"/>
+                </a:solidFill>
+              </a:rPr>
+              <a:t>switch</a:t>
+            </a:r>
+          </a:p>
+          <a:p>
+            <a:r>
+              <a:rPr lang="zh-TW" altLang="en-US"/>
+              <a:t>一直往下執行的情況</a:t>
+            </a:r>
+            <a:endParaRPr lang="en-US" altLang="zh-TW"/>
+          </a:p>
+          <a:p>
+            <a:endParaRPr lang="en-US" altLang="zh-TW"/>
+          </a:p>
+          <a:p>
+            <a:r>
+              <a:rPr lang="zh-TW" altLang="en-US"/>
+              <a:t>與上個程式碼同樣的功能</a:t>
+            </a:r>
+            <a:endParaRPr lang="en-US" altLang="zh-TW"/>
+          </a:p>
+          <a:p>
+            <a:r>
+              <a:rPr lang="zh-TW" altLang="en-US"/>
+              <a:t>在這種情況下寫成 </a:t>
+            </a:r>
+            <a:r>
+              <a:rPr lang="en-US" altLang="zh-TW">
+                <a:solidFill>
+                  <a:srgbClr val="CF8E6D"/>
+                </a:solidFill>
+              </a:rPr>
+              <a:t>switch</a:t>
+            </a:r>
+          </a:p>
+          <a:p>
+            <a:r>
+              <a:rPr lang="zh-TW" altLang="en-US"/>
+              <a:t>比剛剛的 </a:t>
+            </a:r>
+            <a:r>
+              <a:rPr lang="en-US" altLang="zh-TW">
+                <a:solidFill>
+                  <a:srgbClr val="CF8E6D"/>
+                </a:solidFill>
+              </a:rPr>
+              <a:t>if...else</a:t>
+            </a:r>
+          </a:p>
+          <a:p>
+            <a:r>
+              <a:rPr lang="zh-TW" altLang="en-US"/>
+              <a:t>更容易閱讀</a:t>
+            </a:r>
+            <a:endParaRPr lang="en-US" altLang="zh-TW"/>
+          </a:p>
+          <a:p>
+            <a:endParaRPr lang="zh-TW" altLang="en-US"/>
+          </a:p>
+        </p:txBody>
+      </p:sp>
+      <p:grpSp>
+        <p:nvGrpSpPr>
+          <p:cNvPr id="9" name="群組 8">
+            <a:extLst>
+              <a:ext uri="{FF2B5EF4-FFF2-40B4-BE49-F238E27FC236}">
+                <a16:creationId xmlns:a16="http://schemas.microsoft.com/office/drawing/2014/main" id="{A17FF8E8-D036-4AB1-81B1-0DB6E9915839}"/>
+              </a:ext>
+            </a:extLst>
+          </p:cNvPr>
+          <p:cNvGrpSpPr/>
+          <p:nvPr/>
+        </p:nvGrpSpPr>
+        <p:grpSpPr>
+          <a:xfrm>
+            <a:off x="5318173" y="1067524"/>
+            <a:ext cx="6035627" cy="5262979"/>
+            <a:chOff x="5318173" y="1067524"/>
+            <a:chExt cx="6035627" cy="5262979"/>
+          </a:xfrm>
+        </p:grpSpPr>
+        <p:sp>
+          <p:nvSpPr>
+            <p:cNvPr id="6" name="Rectangle 1">
+              <a:extLst>
+                <a:ext uri="{FF2B5EF4-FFF2-40B4-BE49-F238E27FC236}">
+                  <a16:creationId xmlns:a16="http://schemas.microsoft.com/office/drawing/2014/main" id="{66F64937-1DBF-4691-A37D-6499BF473653}"/>
+                </a:ext>
+              </a:extLst>
+            </p:cNvPr>
+            <p:cNvSpPr>
+              <a:spLocks noChangeArrowheads="1"/>
+            </p:cNvSpPr>
+            <p:nvPr/>
+          </p:nvSpPr>
+          <p:spPr bwMode="auto">
+            <a:xfrm>
+              <a:off x="5318173" y="1067524"/>
+              <a:ext cx="6035627" cy="5262979"/>
+            </a:xfrm>
+            <a:prstGeom prst="rect">
+              <a:avLst/>
+            </a:prstGeom>
+            <a:solidFill>
+              <a:srgbClr val="1E1F22"/>
+            </a:solidFill>
+            <a:ln>
+              <a:noFill/>
+            </a:ln>
+            <a:effectLst/>
+            <a:extLst>
+              <a:ext uri="{91240B29-F687-4F45-9708-019B960494DF}">
+                <a14:hiddenLine xmlns:a14="http://schemas.microsoft.com/office/drawing/2010/main" w="9525">
+                  <a:solidFill>
+                    <a:schemeClr val="tx1"/>
+                  </a:solidFill>
+                  <a:miter lim="800000"/>
+                  <a:headEnd/>
+                  <a:tailEnd/>
+                </a14:hiddenLine>
+              </a:ext>
+              <a:ext uri="{AF507438-7753-43E0-B8FC-AC1667EBCBE1}">
+                <a14:hiddenEffects xmlns:a14="http://schemas.microsoft.com/office/drawing/2010/main">
+                  <a:effectLst>
+                    <a:outerShdw dist="35921" dir="2700000" algn="ctr" rotWithShape="0">
+                      <a:schemeClr val="bg2"/>
+                    </a:outerShdw>
+                  </a:effectLst>
+                </a14:hiddenEffects>
+              </a:ext>
+            </a:extLst>
+          </p:spPr>
+          <p:txBody>
+            <a:bodyPr vert="horz" wrap="none" lIns="91440" tIns="45720" rIns="91440" bIns="45720" numCol="1" anchor="ctr" anchorCtr="0" compatLnSpc="1">
+              <a:prstTxWarp prst="textNoShape">
+                <a:avLst/>
+              </a:prstTxWarp>
+              <a:spAutoFit/>
+            </a:bodyPr>
+            <a:lstStyle/>
+            <a:p>
+              <a:pPr marL="0" marR="0" lvl="0" indent="0" algn="l" defTabSz="914400" rtl="0" eaLnBrk="0" fontAlgn="base" latinLnBrk="0" hangingPunct="0">
+                <a:lnSpc>
+                  <a:spcPct val="100000"/>
+                </a:lnSpc>
+                <a:spcBef>
+                  <a:spcPct val="0"/>
+                </a:spcBef>
+                <a:spcAft>
+                  <a:spcPct val="0"/>
+                </a:spcAft>
+                <a:buClrTx/>
+                <a:buSzTx/>
+                <a:buFontTx/>
+                <a:buNone/>
+                <a:tabLst/>
+              </a:pPr>
+              <a:r>
+                <a:rPr kumimoji="0" lang="zh-TW" altLang="zh-TW" sz="1400" b="0" i="0" u="none" strike="noStrike" cap="none" normalizeH="0" baseline="0">
+                  <a:ln>
+                    <a:noFill/>
+                  </a:ln>
+                  <a:solidFill>
+                    <a:srgbClr val="CF8E6D"/>
+                  </a:solidFill>
+                  <a:effectLst/>
+                  <a:latin typeface="+mj-lt"/>
+                  <a:cs typeface="JetBrains Mono" panose="02000009000000000000" pitchFamily="49" charset="0"/>
+                </a:rPr>
+                <a:t>import </a:t>
+              </a:r>
+              <a:r>
+                <a:rPr kumimoji="0" lang="zh-TW" altLang="zh-TW" sz="1400" b="0" i="0" u="none" strike="noStrike" cap="none" normalizeH="0" baseline="0">
+                  <a:ln>
+                    <a:noFill/>
+                  </a:ln>
+                  <a:solidFill>
+                    <a:srgbClr val="BCBEC4"/>
+                  </a:solidFill>
+                  <a:effectLst/>
+                  <a:latin typeface="+mj-lt"/>
+                  <a:cs typeface="JetBrains Mono" panose="02000009000000000000" pitchFamily="49" charset="0"/>
+                </a:rPr>
+                <a:t>java.util.Scanner;</a:t>
+              </a:r>
+              <a:br>
+                <a:rPr kumimoji="0" lang="zh-TW" altLang="zh-TW" sz="1400" b="0" i="0" u="none" strike="noStrike" cap="none" normalizeH="0" baseline="0">
+                  <a:ln>
+                    <a:noFill/>
+                  </a:ln>
+                  <a:solidFill>
+                    <a:srgbClr val="BCBEC4"/>
+                  </a:solidFill>
+                  <a:effectLst/>
+                  <a:latin typeface="+mj-lt"/>
+                  <a:cs typeface="JetBrains Mono" panose="02000009000000000000" pitchFamily="49" charset="0"/>
+                </a:rPr>
+              </a:br>
+              <a:br>
+                <a:rPr kumimoji="0" lang="zh-TW" altLang="zh-TW" sz="1400" b="0" i="0" u="none" strike="noStrike" cap="none" normalizeH="0" baseline="0">
+                  <a:ln>
+                    <a:noFill/>
+                  </a:ln>
+                  <a:solidFill>
+                    <a:srgbClr val="BCBEC4"/>
+                  </a:solidFill>
+                  <a:effectLst/>
+                  <a:latin typeface="+mj-lt"/>
+                  <a:cs typeface="JetBrains Mono" panose="02000009000000000000" pitchFamily="49" charset="0"/>
+                </a:rPr>
+              </a:br>
+              <a:r>
+                <a:rPr kumimoji="0" lang="zh-TW" altLang="zh-TW" sz="1400" b="0" i="0" u="none" strike="noStrike" cap="none" normalizeH="0" baseline="0">
+                  <a:ln>
+                    <a:noFill/>
+                  </a:ln>
+                  <a:solidFill>
+                    <a:srgbClr val="CF8E6D"/>
+                  </a:solidFill>
+                  <a:effectLst/>
+                  <a:latin typeface="+mj-lt"/>
+                  <a:cs typeface="JetBrains Mono" panose="02000009000000000000" pitchFamily="49" charset="0"/>
+                </a:rPr>
+                <a:t>public class </a:t>
+              </a:r>
+              <a:r>
+                <a:rPr kumimoji="0" lang="zh-TW" altLang="zh-TW" sz="1400" b="0" i="0" u="none" strike="noStrike" cap="none" normalizeH="0" baseline="0">
+                  <a:ln>
+                    <a:noFill/>
+                  </a:ln>
+                  <a:solidFill>
+                    <a:srgbClr val="BCBEC4"/>
+                  </a:solidFill>
+                  <a:effectLst/>
+                  <a:latin typeface="+mj-lt"/>
+                  <a:cs typeface="JetBrains Mono" panose="02000009000000000000" pitchFamily="49" charset="0"/>
+                </a:rPr>
+                <a:t>Main</a:t>
+              </a:r>
+              <a:r>
+                <a:rPr kumimoji="0" lang="en-US" altLang="zh-TW" sz="1400" b="0" i="0" u="none" strike="noStrike" cap="none" normalizeH="0" baseline="0">
+                  <a:ln>
+                    <a:noFill/>
+                  </a:ln>
+                  <a:solidFill>
+                    <a:srgbClr val="BCBEC4"/>
+                  </a:solidFill>
+                  <a:effectLst/>
+                  <a:latin typeface="+mj-lt"/>
+                  <a:cs typeface="JetBrains Mono" panose="02000009000000000000" pitchFamily="49" charset="0"/>
+                </a:rPr>
+                <a:t>1</a:t>
+              </a:r>
+              <a:r>
+                <a:rPr kumimoji="0" lang="zh-TW" altLang="zh-TW" sz="1400" b="0" i="0" u="none" strike="noStrike" cap="none" normalizeH="0" baseline="0">
+                  <a:ln>
+                    <a:noFill/>
+                  </a:ln>
+                  <a:solidFill>
+                    <a:srgbClr val="BCBEC4"/>
+                  </a:solidFill>
+                  <a:effectLst/>
+                  <a:latin typeface="+mj-lt"/>
+                  <a:cs typeface="JetBrains Mono" panose="02000009000000000000" pitchFamily="49" charset="0"/>
+                </a:rPr>
+                <a:t> {</a:t>
+              </a:r>
+              <a:br>
+                <a:rPr kumimoji="0" lang="zh-TW" altLang="zh-TW" sz="1400" b="0" i="0" u="none" strike="noStrike" cap="none" normalizeH="0" baseline="0">
+                  <a:ln>
+                    <a:noFill/>
+                  </a:ln>
+                  <a:solidFill>
+                    <a:srgbClr val="BCBEC4"/>
+                  </a:solidFill>
+                  <a:effectLst/>
+                  <a:latin typeface="+mj-lt"/>
+                  <a:cs typeface="JetBrains Mono" panose="02000009000000000000" pitchFamily="49" charset="0"/>
+                </a:rPr>
+              </a:br>
+              <a:r>
+                <a:rPr kumimoji="0" lang="zh-TW" altLang="zh-TW" sz="1400" b="0" i="0" u="none" strike="noStrike" cap="none" normalizeH="0" baseline="0">
+                  <a:ln>
+                    <a:noFill/>
+                  </a:ln>
+                  <a:solidFill>
+                    <a:srgbClr val="BCBEC4"/>
+                  </a:solidFill>
+                  <a:effectLst/>
+                  <a:latin typeface="+mj-lt"/>
+                  <a:cs typeface="JetBrains Mono" panose="02000009000000000000" pitchFamily="49" charset="0"/>
+                </a:rPr>
+                <a:t>    </a:t>
+              </a:r>
+              <a:r>
+                <a:rPr kumimoji="0" lang="zh-TW" altLang="zh-TW" sz="1400" b="0" i="0" u="none" strike="noStrike" cap="none" normalizeH="0" baseline="0">
+                  <a:ln>
+                    <a:noFill/>
+                  </a:ln>
+                  <a:solidFill>
+                    <a:srgbClr val="CF8E6D"/>
+                  </a:solidFill>
+                  <a:effectLst/>
+                  <a:latin typeface="+mj-lt"/>
+                  <a:cs typeface="JetBrains Mono" panose="02000009000000000000" pitchFamily="49" charset="0"/>
+                </a:rPr>
+                <a:t>public static void </a:t>
+              </a:r>
+              <a:r>
+                <a:rPr kumimoji="0" lang="zh-TW" altLang="zh-TW" sz="1400" b="0" i="0" u="none" strike="noStrike" cap="none" normalizeH="0" baseline="0">
+                  <a:ln>
+                    <a:noFill/>
+                  </a:ln>
+                  <a:solidFill>
+                    <a:srgbClr val="56A8F5"/>
+                  </a:solidFill>
+                  <a:effectLst/>
+                  <a:latin typeface="+mj-lt"/>
+                  <a:cs typeface="JetBrains Mono" panose="02000009000000000000" pitchFamily="49" charset="0"/>
+                </a:rPr>
+                <a:t>main</a:t>
+              </a:r>
+              <a:r>
+                <a:rPr kumimoji="0" lang="zh-TW" altLang="zh-TW" sz="1400" b="0" i="0" u="none" strike="noStrike" cap="none" normalizeH="0" baseline="0">
+                  <a:ln>
+                    <a:noFill/>
+                  </a:ln>
+                  <a:solidFill>
+                    <a:srgbClr val="BCBEC4"/>
+                  </a:solidFill>
+                  <a:effectLst/>
+                  <a:latin typeface="+mj-lt"/>
+                  <a:cs typeface="JetBrains Mono" panose="02000009000000000000" pitchFamily="49" charset="0"/>
+                </a:rPr>
+                <a:t>(String[] args) {</a:t>
+              </a:r>
+              <a:br>
+                <a:rPr kumimoji="0" lang="zh-TW" altLang="zh-TW" sz="1400" b="0" i="0" u="none" strike="noStrike" cap="none" normalizeH="0" baseline="0">
+                  <a:ln>
+                    <a:noFill/>
+                  </a:ln>
+                  <a:solidFill>
+                    <a:srgbClr val="BCBEC4"/>
+                  </a:solidFill>
+                  <a:effectLst/>
+                  <a:latin typeface="+mj-lt"/>
+                  <a:cs typeface="JetBrains Mono" panose="02000009000000000000" pitchFamily="49" charset="0"/>
+                </a:rPr>
+              </a:br>
+              <a:r>
+                <a:rPr kumimoji="0" lang="zh-TW" altLang="zh-TW" sz="1400" b="0" i="0" u="none" strike="noStrike" cap="none" normalizeH="0" baseline="0">
+                  <a:ln>
+                    <a:noFill/>
+                  </a:ln>
+                  <a:solidFill>
+                    <a:srgbClr val="BCBEC4"/>
+                  </a:solidFill>
+                  <a:effectLst/>
+                  <a:latin typeface="+mj-lt"/>
+                  <a:cs typeface="JetBrains Mono" panose="02000009000000000000" pitchFamily="49" charset="0"/>
+                </a:rPr>
+                <a:t>        Scanner scanner = </a:t>
+              </a:r>
+              <a:r>
+                <a:rPr kumimoji="0" lang="zh-TW" altLang="zh-TW" sz="1400" b="0" i="0" u="none" strike="noStrike" cap="none" normalizeH="0" baseline="0">
+                  <a:ln>
+                    <a:noFill/>
+                  </a:ln>
+                  <a:solidFill>
+                    <a:srgbClr val="CF8E6D"/>
+                  </a:solidFill>
+                  <a:effectLst/>
+                  <a:latin typeface="+mj-lt"/>
+                  <a:cs typeface="JetBrains Mono" panose="02000009000000000000" pitchFamily="49" charset="0"/>
+                </a:rPr>
+                <a:t>new </a:t>
+              </a:r>
+              <a:r>
+                <a:rPr kumimoji="0" lang="zh-TW" altLang="zh-TW" sz="1400" b="0" i="0" u="none" strike="noStrike" cap="none" normalizeH="0" baseline="0">
+                  <a:ln>
+                    <a:noFill/>
+                  </a:ln>
+                  <a:solidFill>
+                    <a:srgbClr val="BCBEC4"/>
+                  </a:solidFill>
+                  <a:effectLst/>
+                  <a:latin typeface="+mj-lt"/>
+                  <a:cs typeface="JetBrains Mono" panose="02000009000000000000" pitchFamily="49" charset="0"/>
+                </a:rPr>
+                <a:t>Scanner(System.</a:t>
+              </a:r>
+              <a:r>
+                <a:rPr kumimoji="0" lang="zh-TW" altLang="zh-TW" sz="1400" b="0" i="1" u="none" strike="noStrike" cap="none" normalizeH="0" baseline="0">
+                  <a:ln>
+                    <a:noFill/>
+                  </a:ln>
+                  <a:solidFill>
+                    <a:srgbClr val="C77DBB"/>
+                  </a:solidFill>
+                  <a:effectLst/>
+                  <a:latin typeface="+mj-lt"/>
+                  <a:cs typeface="JetBrains Mono" panose="02000009000000000000" pitchFamily="49" charset="0"/>
+                </a:rPr>
+                <a:t>in</a:t>
+              </a:r>
+              <a:r>
+                <a:rPr kumimoji="0" lang="zh-TW" altLang="zh-TW" sz="1400" b="0" i="0" u="none" strike="noStrike" cap="none" normalizeH="0" baseline="0">
+                  <a:ln>
+                    <a:noFill/>
+                  </a:ln>
+                  <a:solidFill>
+                    <a:srgbClr val="BCBEC4"/>
+                  </a:solidFill>
+                  <a:effectLst/>
+                  <a:latin typeface="+mj-lt"/>
+                  <a:cs typeface="JetBrains Mono" panose="02000009000000000000" pitchFamily="49" charset="0"/>
+                </a:rPr>
+                <a:t>);</a:t>
+              </a:r>
+              <a:br>
+                <a:rPr kumimoji="0" lang="zh-TW" altLang="zh-TW" sz="1400" b="0" i="0" u="none" strike="noStrike" cap="none" normalizeH="0" baseline="0">
+                  <a:ln>
+                    <a:noFill/>
+                  </a:ln>
+                  <a:solidFill>
+                    <a:srgbClr val="BCBEC4"/>
+                  </a:solidFill>
+                  <a:effectLst/>
+                  <a:latin typeface="+mj-lt"/>
+                  <a:cs typeface="JetBrains Mono" panose="02000009000000000000" pitchFamily="49" charset="0"/>
+                </a:rPr>
+              </a:br>
+              <a:r>
+                <a:rPr kumimoji="0" lang="zh-TW" altLang="zh-TW" sz="1400" b="0" i="0" u="none" strike="noStrike" cap="none" normalizeH="0" baseline="0">
+                  <a:ln>
+                    <a:noFill/>
+                  </a:ln>
+                  <a:solidFill>
+                    <a:srgbClr val="BCBEC4"/>
+                  </a:solidFill>
+                  <a:effectLst/>
+                  <a:latin typeface="+mj-lt"/>
+                  <a:cs typeface="JetBrains Mono" panose="02000009000000000000" pitchFamily="49" charset="0"/>
+                </a:rPr>
+                <a:t>        String input = scanner.next();</a:t>
+              </a:r>
+              <a:br>
+                <a:rPr kumimoji="0" lang="zh-TW" altLang="zh-TW" sz="1400" b="0" i="0" u="none" strike="noStrike" cap="none" normalizeH="0" baseline="0">
+                  <a:ln>
+                    <a:noFill/>
+                  </a:ln>
+                  <a:solidFill>
+                    <a:srgbClr val="BCBEC4"/>
+                  </a:solidFill>
+                  <a:effectLst/>
+                  <a:latin typeface="+mj-lt"/>
+                  <a:cs typeface="JetBrains Mono" panose="02000009000000000000" pitchFamily="49" charset="0"/>
+                </a:rPr>
+              </a:br>
+              <a:r>
+                <a:rPr kumimoji="0" lang="zh-TW" altLang="zh-TW" sz="1400" b="0" i="0" u="none" strike="noStrike" cap="none" normalizeH="0" baseline="0">
+                  <a:ln>
+                    <a:noFill/>
+                  </a:ln>
+                  <a:solidFill>
+                    <a:srgbClr val="BCBEC4"/>
+                  </a:solidFill>
+                  <a:effectLst/>
+                  <a:latin typeface="+mj-lt"/>
+                  <a:cs typeface="JetBrains Mono" panose="02000009000000000000" pitchFamily="49" charset="0"/>
+                </a:rPr>
+                <a:t>        </a:t>
+              </a:r>
+              <a:r>
+                <a:rPr kumimoji="0" lang="zh-TW" altLang="zh-TW" sz="1400" b="0" i="0" u="none" strike="noStrike" cap="none" normalizeH="0" baseline="0">
+                  <a:ln>
+                    <a:noFill/>
+                  </a:ln>
+                  <a:solidFill>
+                    <a:srgbClr val="CF8E6D"/>
+                  </a:solidFill>
+                  <a:effectLst/>
+                  <a:latin typeface="+mj-lt"/>
+                  <a:cs typeface="JetBrains Mono" panose="02000009000000000000" pitchFamily="49" charset="0"/>
+                </a:rPr>
+                <a:t>switch </a:t>
+              </a:r>
+              <a:r>
+                <a:rPr kumimoji="0" lang="zh-TW" altLang="zh-TW" sz="1400" b="0" i="0" u="none" strike="noStrike" cap="none" normalizeH="0" baseline="0">
+                  <a:ln>
+                    <a:noFill/>
+                  </a:ln>
+                  <a:solidFill>
+                    <a:srgbClr val="BCBEC4"/>
+                  </a:solidFill>
+                  <a:effectLst/>
+                  <a:latin typeface="+mj-lt"/>
+                  <a:cs typeface="JetBrains Mono" panose="02000009000000000000" pitchFamily="49" charset="0"/>
+                </a:rPr>
+                <a:t>(input) {</a:t>
+              </a:r>
+              <a:br>
+                <a:rPr kumimoji="0" lang="zh-TW" altLang="zh-TW" sz="1400" b="0" i="0" u="none" strike="noStrike" cap="none" normalizeH="0" baseline="0">
+                  <a:ln>
+                    <a:noFill/>
+                  </a:ln>
+                  <a:solidFill>
+                    <a:srgbClr val="BCBEC4"/>
+                  </a:solidFill>
+                  <a:effectLst/>
+                  <a:latin typeface="+mj-lt"/>
+                  <a:cs typeface="JetBrains Mono" panose="02000009000000000000" pitchFamily="49" charset="0"/>
+                </a:rPr>
+              </a:br>
+              <a:r>
+                <a:rPr kumimoji="0" lang="zh-TW" altLang="zh-TW" sz="1400" b="0" i="0" u="none" strike="noStrike" cap="none" normalizeH="0" baseline="0">
+                  <a:ln>
+                    <a:noFill/>
+                  </a:ln>
+                  <a:solidFill>
+                    <a:srgbClr val="BCBEC4"/>
+                  </a:solidFill>
+                  <a:effectLst/>
+                  <a:latin typeface="+mj-lt"/>
+                  <a:cs typeface="JetBrains Mono" panose="02000009000000000000" pitchFamily="49" charset="0"/>
+                </a:rPr>
+                <a:t>            </a:t>
+              </a:r>
+              <a:r>
+                <a:rPr kumimoji="0" lang="zh-TW" altLang="zh-TW" sz="1400" b="0" i="0" u="none" strike="noStrike" cap="none" normalizeH="0" baseline="0">
+                  <a:ln>
+                    <a:noFill/>
+                  </a:ln>
+                  <a:solidFill>
+                    <a:srgbClr val="CF8E6D"/>
+                  </a:solidFill>
+                  <a:effectLst/>
+                  <a:latin typeface="+mj-lt"/>
+                  <a:cs typeface="JetBrains Mono" panose="02000009000000000000" pitchFamily="49" charset="0"/>
+                </a:rPr>
+                <a:t>case </a:t>
+              </a:r>
+              <a:r>
+                <a:rPr kumimoji="0" lang="zh-TW" altLang="zh-TW" sz="1400" b="0" i="0" u="none" strike="noStrike" cap="none" normalizeH="0" baseline="0">
+                  <a:ln>
+                    <a:noFill/>
+                  </a:ln>
+                  <a:solidFill>
+                    <a:srgbClr val="6AAB73"/>
+                  </a:solidFill>
+                  <a:effectLst/>
+                  <a:latin typeface="+mj-lt"/>
+                  <a:cs typeface="JetBrains Mono" panose="02000009000000000000" pitchFamily="49" charset="0"/>
+                </a:rPr>
+                <a:t>"</a:t>
+              </a:r>
+              <a:r>
+                <a:rPr kumimoji="0" lang="zh-TW" altLang="zh-TW" sz="1400" b="0" i="0" u="none" strike="noStrike" cap="none" normalizeH="0" baseline="0">
+                  <a:ln>
+                    <a:noFill/>
+                  </a:ln>
+                  <a:solidFill>
+                    <a:srgbClr val="6AAB73"/>
+                  </a:solidFill>
+                  <a:effectLst/>
+                  <a:latin typeface="+mj-lt"/>
+                  <a:ea typeface="微軟正黑體" panose="020B0604030504040204" pitchFamily="34" charset="-120"/>
+                  <a:cs typeface="JetBrains Mono" panose="02000009000000000000" pitchFamily="49" charset="0"/>
+                </a:rPr>
+                <a:t>回憶過去</a:t>
+              </a:r>
+              <a:r>
+                <a:rPr kumimoji="0" lang="zh-TW" altLang="zh-TW" sz="1400" b="0" i="0" u="none" strike="noStrike" cap="none" normalizeH="0" baseline="0">
+                  <a:ln>
+                    <a:noFill/>
+                  </a:ln>
+                  <a:solidFill>
+                    <a:srgbClr val="6AAB73"/>
+                  </a:solidFill>
+                  <a:effectLst/>
+                  <a:latin typeface="+mj-lt"/>
+                  <a:cs typeface="JetBrains Mono" panose="02000009000000000000" pitchFamily="49" charset="0"/>
+                </a:rPr>
+                <a:t>"</a:t>
+              </a:r>
+              <a:r>
+                <a:rPr kumimoji="0" lang="zh-TW" altLang="zh-TW" sz="1400" b="0" i="0" u="none" strike="noStrike" cap="none" normalizeH="0" baseline="0">
+                  <a:ln>
+                    <a:noFill/>
+                  </a:ln>
+                  <a:solidFill>
+                    <a:srgbClr val="BCBEC4"/>
+                  </a:solidFill>
+                  <a:effectLst/>
+                  <a:latin typeface="+mj-lt"/>
+                  <a:cs typeface="JetBrains Mono" panose="02000009000000000000" pitchFamily="49" charset="0"/>
+                </a:rPr>
+                <a:t>:</a:t>
+              </a:r>
+              <a:br>
+                <a:rPr kumimoji="0" lang="zh-TW" altLang="zh-TW" sz="1400" b="0" i="0" u="none" strike="noStrike" cap="none" normalizeH="0" baseline="0">
+                  <a:ln>
+                    <a:noFill/>
+                  </a:ln>
+                  <a:solidFill>
+                    <a:srgbClr val="BCBEC4"/>
+                  </a:solidFill>
+                  <a:effectLst/>
+                  <a:latin typeface="+mj-lt"/>
+                  <a:cs typeface="JetBrains Mono" panose="02000009000000000000" pitchFamily="49" charset="0"/>
+                </a:rPr>
+              </a:br>
+              <a:r>
+                <a:rPr kumimoji="0" lang="zh-TW" altLang="zh-TW" sz="1400" b="0" i="0" u="none" strike="noStrike" cap="none" normalizeH="0" baseline="0">
+                  <a:ln>
+                    <a:noFill/>
+                  </a:ln>
+                  <a:solidFill>
+                    <a:srgbClr val="BCBEC4"/>
+                  </a:solidFill>
+                  <a:effectLst/>
+                  <a:latin typeface="+mj-lt"/>
+                  <a:cs typeface="JetBrains Mono" panose="02000009000000000000" pitchFamily="49" charset="0"/>
+                </a:rPr>
+                <a:t>                System.</a:t>
+              </a:r>
+              <a:r>
+                <a:rPr kumimoji="0" lang="zh-TW" altLang="zh-TW" sz="1400" b="0" i="1" u="none" strike="noStrike" cap="none" normalizeH="0" baseline="0">
+                  <a:ln>
+                    <a:noFill/>
+                  </a:ln>
+                  <a:solidFill>
+                    <a:srgbClr val="C77DBB"/>
+                  </a:solidFill>
+                  <a:effectLst/>
+                  <a:latin typeface="+mj-lt"/>
+                  <a:cs typeface="JetBrains Mono" panose="02000009000000000000" pitchFamily="49" charset="0"/>
+                </a:rPr>
+                <a:t>out</a:t>
+              </a:r>
+              <a:r>
+                <a:rPr kumimoji="0" lang="zh-TW" altLang="zh-TW" sz="1400" b="0" i="0" u="none" strike="noStrike" cap="none" normalizeH="0" baseline="0">
+                  <a:ln>
+                    <a:noFill/>
+                  </a:ln>
+                  <a:solidFill>
+                    <a:srgbClr val="BCBEC4"/>
+                  </a:solidFill>
+                  <a:effectLst/>
+                  <a:latin typeface="+mj-lt"/>
+                  <a:cs typeface="JetBrains Mono" panose="02000009000000000000" pitchFamily="49" charset="0"/>
+                </a:rPr>
+                <a:t>.println(</a:t>
+              </a:r>
+              <a:r>
+                <a:rPr kumimoji="0" lang="zh-TW" altLang="zh-TW" sz="1400" b="0" i="0" u="none" strike="noStrike" cap="none" normalizeH="0" baseline="0">
+                  <a:ln>
+                    <a:noFill/>
+                  </a:ln>
+                  <a:solidFill>
+                    <a:srgbClr val="6AAB73"/>
+                  </a:solidFill>
+                  <a:effectLst/>
+                  <a:latin typeface="+mj-lt"/>
+                  <a:cs typeface="JetBrains Mono" panose="02000009000000000000" pitchFamily="49" charset="0"/>
+                </a:rPr>
+                <a:t>"</a:t>
+              </a:r>
+              <a:r>
+                <a:rPr kumimoji="0" lang="zh-TW" altLang="zh-TW" sz="1400" b="0" i="0" u="none" strike="noStrike" cap="none" normalizeH="0" baseline="0">
+                  <a:ln>
+                    <a:noFill/>
+                  </a:ln>
+                  <a:solidFill>
+                    <a:srgbClr val="6AAB73"/>
+                  </a:solidFill>
+                  <a:effectLst/>
+                  <a:latin typeface="+mj-lt"/>
+                  <a:ea typeface="微軟正黑體" panose="020B0604030504040204" pitchFamily="34" charset="-120"/>
+                  <a:cs typeface="JetBrains Mono" panose="02000009000000000000" pitchFamily="49" charset="0"/>
+                </a:rPr>
+                <a:t>痛苦的相思忘不了</a:t>
+              </a:r>
+              <a:r>
+                <a:rPr kumimoji="0" lang="zh-TW" altLang="zh-TW" sz="1400" b="0" i="0" u="none" strike="noStrike" cap="none" normalizeH="0" baseline="0">
+                  <a:ln>
+                    <a:noFill/>
+                  </a:ln>
+                  <a:solidFill>
+                    <a:srgbClr val="6AAB73"/>
+                  </a:solidFill>
+                  <a:effectLst/>
+                  <a:latin typeface="+mj-lt"/>
+                  <a:cs typeface="JetBrains Mono" panose="02000009000000000000" pitchFamily="49" charset="0"/>
+                </a:rPr>
+                <a:t>"</a:t>
+              </a:r>
+              <a:r>
+                <a:rPr kumimoji="0" lang="zh-TW" altLang="zh-TW" sz="1400" b="0" i="0" u="none" strike="noStrike" cap="none" normalizeH="0" baseline="0">
+                  <a:ln>
+                    <a:noFill/>
+                  </a:ln>
+                  <a:solidFill>
+                    <a:srgbClr val="BCBEC4"/>
+                  </a:solidFill>
+                  <a:effectLst/>
+                  <a:latin typeface="+mj-lt"/>
+                  <a:cs typeface="JetBrains Mono" panose="02000009000000000000" pitchFamily="49" charset="0"/>
+                </a:rPr>
+                <a:t>);</a:t>
+              </a:r>
+              <a:br>
+                <a:rPr kumimoji="0" lang="zh-TW" altLang="zh-TW" sz="1400" b="0" i="0" u="none" strike="noStrike" cap="none" normalizeH="0" baseline="0">
+                  <a:ln>
+                    <a:noFill/>
+                  </a:ln>
+                  <a:solidFill>
+                    <a:srgbClr val="BCBEC4"/>
+                  </a:solidFill>
+                  <a:effectLst/>
+                  <a:latin typeface="+mj-lt"/>
+                  <a:cs typeface="JetBrains Mono" panose="02000009000000000000" pitchFamily="49" charset="0"/>
+                </a:rPr>
+              </a:br>
+              <a:r>
+                <a:rPr kumimoji="0" lang="zh-TW" altLang="zh-TW" sz="1400" b="0" i="0" u="none" strike="noStrike" cap="none" normalizeH="0" baseline="0">
+                  <a:ln>
+                    <a:noFill/>
+                  </a:ln>
+                  <a:solidFill>
+                    <a:srgbClr val="BCBEC4"/>
+                  </a:solidFill>
+                  <a:effectLst/>
+                  <a:latin typeface="+mj-lt"/>
+                  <a:cs typeface="JetBrains Mono" panose="02000009000000000000" pitchFamily="49" charset="0"/>
+                </a:rPr>
+                <a:t>                </a:t>
+              </a:r>
+              <a:r>
+                <a:rPr kumimoji="0" lang="zh-TW" altLang="zh-TW" sz="1400" b="0" i="0" u="none" strike="noStrike" cap="none" normalizeH="0" baseline="0">
+                  <a:ln>
+                    <a:noFill/>
+                  </a:ln>
+                  <a:solidFill>
+                    <a:srgbClr val="CF8E6D"/>
+                  </a:solidFill>
+                  <a:effectLst/>
+                  <a:latin typeface="+mj-lt"/>
+                  <a:cs typeface="JetBrains Mono" panose="02000009000000000000" pitchFamily="49" charset="0"/>
+                </a:rPr>
+                <a:t>break</a:t>
+              </a:r>
+              <a:r>
+                <a:rPr kumimoji="0" lang="zh-TW" altLang="zh-TW" sz="1400" b="0" i="0" u="none" strike="noStrike" cap="none" normalizeH="0" baseline="0">
+                  <a:ln>
+                    <a:noFill/>
+                  </a:ln>
+                  <a:solidFill>
+                    <a:srgbClr val="BCBEC4"/>
+                  </a:solidFill>
+                  <a:effectLst/>
+                  <a:latin typeface="+mj-lt"/>
+                  <a:cs typeface="JetBrains Mono" panose="02000009000000000000" pitchFamily="49" charset="0"/>
+                </a:rPr>
+                <a:t>;</a:t>
+              </a:r>
+              <a:br>
+                <a:rPr kumimoji="0" lang="zh-TW" altLang="zh-TW" sz="1400" b="0" i="0" u="none" strike="noStrike" cap="none" normalizeH="0" baseline="0">
+                  <a:ln>
+                    <a:noFill/>
+                  </a:ln>
+                  <a:solidFill>
+                    <a:srgbClr val="BCBEC4"/>
+                  </a:solidFill>
+                  <a:effectLst/>
+                  <a:latin typeface="+mj-lt"/>
+                  <a:cs typeface="JetBrains Mono" panose="02000009000000000000" pitchFamily="49" charset="0"/>
+                </a:rPr>
+              </a:br>
+              <a:r>
+                <a:rPr kumimoji="0" lang="zh-TW" altLang="zh-TW" sz="1400" b="0" i="0" u="none" strike="noStrike" cap="none" normalizeH="0" baseline="0">
+                  <a:ln>
+                    <a:noFill/>
+                  </a:ln>
+                  <a:solidFill>
+                    <a:srgbClr val="BCBEC4"/>
+                  </a:solidFill>
+                  <a:effectLst/>
+                  <a:latin typeface="+mj-lt"/>
+                  <a:cs typeface="JetBrains Mono" panose="02000009000000000000" pitchFamily="49" charset="0"/>
+                </a:rPr>
+                <a:t>            </a:t>
+              </a:r>
+              <a:r>
+                <a:rPr kumimoji="0" lang="zh-TW" altLang="zh-TW" sz="1400" b="0" i="0" u="none" strike="noStrike" cap="none" normalizeH="0" baseline="0">
+                  <a:ln>
+                    <a:noFill/>
+                  </a:ln>
+                  <a:solidFill>
+                    <a:srgbClr val="CF8E6D"/>
+                  </a:solidFill>
+                  <a:effectLst/>
+                  <a:latin typeface="+mj-lt"/>
+                  <a:cs typeface="JetBrains Mono" panose="02000009000000000000" pitchFamily="49" charset="0"/>
+                </a:rPr>
+                <a:t>case </a:t>
+              </a:r>
+              <a:r>
+                <a:rPr kumimoji="0" lang="zh-TW" altLang="zh-TW" sz="1400" b="0" i="0" u="none" strike="noStrike" cap="none" normalizeH="0" baseline="0">
+                  <a:ln>
+                    <a:noFill/>
+                  </a:ln>
+                  <a:solidFill>
+                    <a:srgbClr val="6AAB73"/>
+                  </a:solidFill>
+                  <a:effectLst/>
+                  <a:latin typeface="+mj-lt"/>
+                  <a:cs typeface="JetBrains Mono" panose="02000009000000000000" pitchFamily="49" charset="0"/>
+                </a:rPr>
+                <a:t>"</a:t>
+              </a:r>
+              <a:r>
+                <a:rPr kumimoji="0" lang="zh-TW" altLang="zh-TW" sz="1400" b="0" i="0" u="none" strike="noStrike" cap="none" normalizeH="0" baseline="0">
+                  <a:ln>
+                    <a:noFill/>
+                  </a:ln>
+                  <a:solidFill>
+                    <a:srgbClr val="6AAB73"/>
+                  </a:solidFill>
+                  <a:effectLst/>
+                  <a:latin typeface="+mj-lt"/>
+                  <a:ea typeface="微軟正黑體" panose="020B0604030504040204" pitchFamily="34" charset="-120"/>
+                  <a:cs typeface="JetBrains Mono" panose="02000009000000000000" pitchFamily="49" charset="0"/>
+                </a:rPr>
+                <a:t>想念你的笑</a:t>
+              </a:r>
+              <a:r>
+                <a:rPr kumimoji="0" lang="zh-TW" altLang="zh-TW" sz="1400" b="0" i="0" u="none" strike="noStrike" cap="none" normalizeH="0" baseline="0">
+                  <a:ln>
+                    <a:noFill/>
+                  </a:ln>
+                  <a:solidFill>
+                    <a:srgbClr val="6AAB73"/>
+                  </a:solidFill>
+                  <a:effectLst/>
+                  <a:latin typeface="+mj-lt"/>
+                  <a:cs typeface="JetBrains Mono" panose="02000009000000000000" pitchFamily="49" charset="0"/>
+                </a:rPr>
+                <a:t>"</a:t>
+              </a:r>
+              <a:r>
+                <a:rPr kumimoji="0" lang="zh-TW" altLang="zh-TW" sz="1400" b="0" i="0" u="none" strike="noStrike" cap="none" normalizeH="0" baseline="0">
+                  <a:ln>
+                    <a:noFill/>
+                  </a:ln>
+                  <a:solidFill>
+                    <a:srgbClr val="BCBEC4"/>
+                  </a:solidFill>
+                  <a:effectLst/>
+                  <a:latin typeface="+mj-lt"/>
+                  <a:cs typeface="JetBrains Mono" panose="02000009000000000000" pitchFamily="49" charset="0"/>
+                </a:rPr>
+                <a:t>:</a:t>
+              </a:r>
+              <a:br>
+                <a:rPr kumimoji="0" lang="zh-TW" altLang="zh-TW" sz="1400" b="0" i="0" u="none" strike="noStrike" cap="none" normalizeH="0" baseline="0">
+                  <a:ln>
+                    <a:noFill/>
+                  </a:ln>
+                  <a:solidFill>
+                    <a:srgbClr val="BCBEC4"/>
+                  </a:solidFill>
+                  <a:effectLst/>
+                  <a:latin typeface="+mj-lt"/>
+                  <a:cs typeface="JetBrains Mono" panose="02000009000000000000" pitchFamily="49" charset="0"/>
+                </a:rPr>
+              </a:br>
+              <a:r>
+                <a:rPr kumimoji="0" lang="zh-TW" altLang="zh-TW" sz="1400" b="0" i="0" u="none" strike="noStrike" cap="none" normalizeH="0" baseline="0">
+                  <a:ln>
+                    <a:noFill/>
+                  </a:ln>
+                  <a:solidFill>
+                    <a:srgbClr val="BCBEC4"/>
+                  </a:solidFill>
+                  <a:effectLst/>
+                  <a:latin typeface="+mj-lt"/>
+                  <a:cs typeface="JetBrains Mono" panose="02000009000000000000" pitchFamily="49" charset="0"/>
+                </a:rPr>
+                <a:t>                System.</a:t>
+              </a:r>
+              <a:r>
+                <a:rPr kumimoji="0" lang="zh-TW" altLang="zh-TW" sz="1400" b="0" i="1" u="none" strike="noStrike" cap="none" normalizeH="0" baseline="0">
+                  <a:ln>
+                    <a:noFill/>
+                  </a:ln>
+                  <a:solidFill>
+                    <a:srgbClr val="C77DBB"/>
+                  </a:solidFill>
+                  <a:effectLst/>
+                  <a:latin typeface="+mj-lt"/>
+                  <a:cs typeface="JetBrains Mono" panose="02000009000000000000" pitchFamily="49" charset="0"/>
+                </a:rPr>
+                <a:t>out</a:t>
+              </a:r>
+              <a:r>
+                <a:rPr kumimoji="0" lang="zh-TW" altLang="zh-TW" sz="1400" b="0" i="0" u="none" strike="noStrike" cap="none" normalizeH="0" baseline="0">
+                  <a:ln>
+                    <a:noFill/>
+                  </a:ln>
+                  <a:solidFill>
+                    <a:srgbClr val="BCBEC4"/>
+                  </a:solidFill>
+                  <a:effectLst/>
+                  <a:latin typeface="+mj-lt"/>
+                  <a:cs typeface="JetBrains Mono" panose="02000009000000000000" pitchFamily="49" charset="0"/>
+                </a:rPr>
+                <a:t>.println(</a:t>
+              </a:r>
+              <a:r>
+                <a:rPr kumimoji="0" lang="zh-TW" altLang="zh-TW" sz="1400" b="0" i="0" u="none" strike="noStrike" cap="none" normalizeH="0" baseline="0">
+                  <a:ln>
+                    <a:noFill/>
+                  </a:ln>
+                  <a:solidFill>
+                    <a:srgbClr val="6AAB73"/>
+                  </a:solidFill>
+                  <a:effectLst/>
+                  <a:latin typeface="+mj-lt"/>
+                  <a:cs typeface="JetBrains Mono" panose="02000009000000000000" pitchFamily="49" charset="0"/>
+                </a:rPr>
+                <a:t>"</a:t>
+              </a:r>
+              <a:r>
+                <a:rPr kumimoji="0" lang="zh-TW" altLang="zh-TW" sz="1400" b="0" i="0" u="none" strike="noStrike" cap="none" normalizeH="0" baseline="0">
+                  <a:ln>
+                    <a:noFill/>
+                  </a:ln>
+                  <a:solidFill>
+                    <a:srgbClr val="6AAB73"/>
+                  </a:solidFill>
+                  <a:effectLst/>
+                  <a:latin typeface="+mj-lt"/>
+                  <a:ea typeface="微軟正黑體" panose="020B0604030504040204" pitchFamily="34" charset="-120"/>
+                  <a:cs typeface="JetBrains Mono" panose="02000009000000000000" pitchFamily="49" charset="0"/>
+                </a:rPr>
+                <a:t>想念你的外套</a:t>
+              </a:r>
+              <a:r>
+                <a:rPr kumimoji="0" lang="zh-TW" altLang="zh-TW" sz="1400" b="0" i="0" u="none" strike="noStrike" cap="none" normalizeH="0" baseline="0">
+                  <a:ln>
+                    <a:noFill/>
+                  </a:ln>
+                  <a:solidFill>
+                    <a:srgbClr val="6AAB73"/>
+                  </a:solidFill>
+                  <a:effectLst/>
+                  <a:latin typeface="+mj-lt"/>
+                  <a:cs typeface="JetBrains Mono" panose="02000009000000000000" pitchFamily="49" charset="0"/>
+                </a:rPr>
+                <a:t>"</a:t>
+              </a:r>
+              <a:r>
+                <a:rPr kumimoji="0" lang="zh-TW" altLang="zh-TW" sz="1400" b="0" i="0" u="none" strike="noStrike" cap="none" normalizeH="0" baseline="0">
+                  <a:ln>
+                    <a:noFill/>
+                  </a:ln>
+                  <a:solidFill>
+                    <a:srgbClr val="BCBEC4"/>
+                  </a:solidFill>
+                  <a:effectLst/>
+                  <a:latin typeface="+mj-lt"/>
+                  <a:cs typeface="JetBrains Mono" panose="02000009000000000000" pitchFamily="49" charset="0"/>
+                </a:rPr>
+                <a:t>);</a:t>
+              </a:r>
+              <a:br>
+                <a:rPr kumimoji="0" lang="zh-TW" altLang="zh-TW" sz="1400" b="0" i="0" u="none" strike="noStrike" cap="none" normalizeH="0" baseline="0">
+                  <a:ln>
+                    <a:noFill/>
+                  </a:ln>
+                  <a:solidFill>
+                    <a:srgbClr val="BCBEC4"/>
+                  </a:solidFill>
+                  <a:effectLst/>
+                  <a:latin typeface="+mj-lt"/>
+                  <a:cs typeface="JetBrains Mono" panose="02000009000000000000" pitchFamily="49" charset="0"/>
+                </a:rPr>
+              </a:br>
+              <a:r>
+                <a:rPr kumimoji="0" lang="zh-TW" altLang="zh-TW" sz="1400" b="0" i="0" u="none" strike="noStrike" cap="none" normalizeH="0" baseline="0">
+                  <a:ln>
+                    <a:noFill/>
+                  </a:ln>
+                  <a:solidFill>
+                    <a:srgbClr val="BCBEC4"/>
+                  </a:solidFill>
+                  <a:effectLst/>
+                  <a:latin typeface="+mj-lt"/>
+                  <a:cs typeface="JetBrains Mono" panose="02000009000000000000" pitchFamily="49" charset="0"/>
+                </a:rPr>
+                <a:t>                </a:t>
+              </a:r>
+              <a:r>
+                <a:rPr kumimoji="0" lang="zh-TW" altLang="zh-TW" sz="1400" b="0" i="0" u="none" strike="noStrike" cap="none" normalizeH="0" baseline="0">
+                  <a:ln>
+                    <a:noFill/>
+                  </a:ln>
+                  <a:solidFill>
+                    <a:srgbClr val="CF8E6D"/>
+                  </a:solidFill>
+                  <a:effectLst/>
+                  <a:latin typeface="+mj-lt"/>
+                  <a:cs typeface="JetBrains Mono" panose="02000009000000000000" pitchFamily="49" charset="0"/>
+                </a:rPr>
+                <a:t>break</a:t>
+              </a:r>
+              <a:r>
+                <a:rPr kumimoji="0" lang="zh-TW" altLang="zh-TW" sz="1400" b="0" i="0" u="none" strike="noStrike" cap="none" normalizeH="0" baseline="0">
+                  <a:ln>
+                    <a:noFill/>
+                  </a:ln>
+                  <a:solidFill>
+                    <a:srgbClr val="BCBEC4"/>
+                  </a:solidFill>
+                  <a:effectLst/>
+                  <a:latin typeface="+mj-lt"/>
+                  <a:cs typeface="JetBrains Mono" panose="02000009000000000000" pitchFamily="49" charset="0"/>
+                </a:rPr>
+                <a:t>;</a:t>
+              </a:r>
+              <a:br>
+                <a:rPr kumimoji="0" lang="zh-TW" altLang="zh-TW" sz="1400" b="0" i="0" u="none" strike="noStrike" cap="none" normalizeH="0" baseline="0">
+                  <a:ln>
+                    <a:noFill/>
+                  </a:ln>
+                  <a:solidFill>
+                    <a:srgbClr val="BCBEC4"/>
+                  </a:solidFill>
+                  <a:effectLst/>
+                  <a:latin typeface="+mj-lt"/>
+                  <a:cs typeface="JetBrains Mono" panose="02000009000000000000" pitchFamily="49" charset="0"/>
+                </a:rPr>
+              </a:br>
+              <a:r>
+                <a:rPr kumimoji="0" lang="zh-TW" altLang="zh-TW" sz="1400" b="0" i="0" u="none" strike="noStrike" cap="none" normalizeH="0" baseline="0">
+                  <a:ln>
+                    <a:noFill/>
+                  </a:ln>
+                  <a:solidFill>
+                    <a:srgbClr val="BCBEC4"/>
+                  </a:solidFill>
+                  <a:effectLst/>
+                  <a:latin typeface="+mj-lt"/>
+                  <a:cs typeface="JetBrains Mono" panose="02000009000000000000" pitchFamily="49" charset="0"/>
+                </a:rPr>
+                <a:t>            </a:t>
+              </a:r>
+              <a:r>
+                <a:rPr kumimoji="0" lang="zh-TW" altLang="zh-TW" sz="1400" b="0" i="0" u="none" strike="noStrike" cap="none" normalizeH="0" baseline="0">
+                  <a:ln>
+                    <a:noFill/>
+                  </a:ln>
+                  <a:solidFill>
+                    <a:srgbClr val="CF8E6D"/>
+                  </a:solidFill>
+                  <a:effectLst/>
+                  <a:latin typeface="+mj-lt"/>
+                  <a:cs typeface="JetBrains Mono" panose="02000009000000000000" pitchFamily="49" charset="0"/>
+                </a:rPr>
+                <a:t>case </a:t>
+              </a:r>
+              <a:r>
+                <a:rPr kumimoji="0" lang="zh-TW" altLang="zh-TW" sz="1400" b="0" i="0" u="none" strike="noStrike" cap="none" normalizeH="0" baseline="0">
+                  <a:ln>
+                    <a:noFill/>
+                  </a:ln>
+                  <a:solidFill>
+                    <a:srgbClr val="6AAB73"/>
+                  </a:solidFill>
+                  <a:effectLst/>
+                  <a:latin typeface="+mj-lt"/>
+                  <a:cs typeface="JetBrains Mono" panose="02000009000000000000" pitchFamily="49" charset="0"/>
+                </a:rPr>
+                <a:t>"</a:t>
+              </a:r>
+              <a:r>
+                <a:rPr kumimoji="0" lang="zh-TW" altLang="zh-TW" sz="1400" b="0" i="0" u="none" strike="noStrike" cap="none" normalizeH="0" baseline="0">
+                  <a:ln>
+                    <a:noFill/>
+                  </a:ln>
+                  <a:solidFill>
+                    <a:srgbClr val="6AAB73"/>
+                  </a:solidFill>
+                  <a:effectLst/>
+                  <a:latin typeface="+mj-lt"/>
+                  <a:ea typeface="微軟正黑體" panose="020B0604030504040204" pitchFamily="34" charset="-120"/>
+                  <a:cs typeface="JetBrains Mono" panose="02000009000000000000" pitchFamily="49" charset="0"/>
+                </a:rPr>
+                <a:t>怎麼忍心怪你犯了錯</a:t>
+              </a:r>
+              <a:r>
+                <a:rPr kumimoji="0" lang="zh-TW" altLang="zh-TW" sz="1400" b="0" i="0" u="none" strike="noStrike" cap="none" normalizeH="0" baseline="0">
+                  <a:ln>
+                    <a:noFill/>
+                  </a:ln>
+                  <a:solidFill>
+                    <a:srgbClr val="6AAB73"/>
+                  </a:solidFill>
+                  <a:effectLst/>
+                  <a:latin typeface="+mj-lt"/>
+                  <a:cs typeface="JetBrains Mono" panose="02000009000000000000" pitchFamily="49" charset="0"/>
+                </a:rPr>
+                <a:t>"</a:t>
+              </a:r>
+              <a:r>
+                <a:rPr kumimoji="0" lang="zh-TW" altLang="zh-TW" sz="1400" b="0" i="0" u="none" strike="noStrike" cap="none" normalizeH="0" baseline="0">
+                  <a:ln>
+                    <a:noFill/>
+                  </a:ln>
+                  <a:solidFill>
+                    <a:srgbClr val="BCBEC4"/>
+                  </a:solidFill>
+                  <a:effectLst/>
+                  <a:latin typeface="+mj-lt"/>
+                  <a:cs typeface="JetBrains Mono" panose="02000009000000000000" pitchFamily="49" charset="0"/>
+                </a:rPr>
+                <a:t>:</a:t>
+              </a:r>
+              <a:br>
+                <a:rPr kumimoji="0" lang="zh-TW" altLang="zh-TW" sz="1400" b="0" i="0" u="none" strike="noStrike" cap="none" normalizeH="0" baseline="0">
+                  <a:ln>
+                    <a:noFill/>
+                  </a:ln>
+                  <a:solidFill>
+                    <a:srgbClr val="BCBEC4"/>
+                  </a:solidFill>
+                  <a:effectLst/>
+                  <a:latin typeface="+mj-lt"/>
+                  <a:cs typeface="JetBrains Mono" panose="02000009000000000000" pitchFamily="49" charset="0"/>
+                </a:rPr>
+              </a:br>
+              <a:r>
+                <a:rPr kumimoji="0" lang="zh-TW" altLang="zh-TW" sz="1400" b="0" i="0" u="none" strike="noStrike" cap="none" normalizeH="0" baseline="0">
+                  <a:ln>
+                    <a:noFill/>
+                  </a:ln>
+                  <a:solidFill>
+                    <a:srgbClr val="BCBEC4"/>
+                  </a:solidFill>
+                  <a:effectLst/>
+                  <a:latin typeface="+mj-lt"/>
+                  <a:cs typeface="JetBrains Mono" panose="02000009000000000000" pitchFamily="49" charset="0"/>
+                </a:rPr>
+                <a:t>                System.</a:t>
+              </a:r>
+              <a:r>
+                <a:rPr kumimoji="0" lang="zh-TW" altLang="zh-TW" sz="1400" b="0" i="1" u="none" strike="noStrike" cap="none" normalizeH="0" baseline="0">
+                  <a:ln>
+                    <a:noFill/>
+                  </a:ln>
+                  <a:solidFill>
+                    <a:srgbClr val="C77DBB"/>
+                  </a:solidFill>
+                  <a:effectLst/>
+                  <a:latin typeface="+mj-lt"/>
+                  <a:cs typeface="JetBrains Mono" panose="02000009000000000000" pitchFamily="49" charset="0"/>
+                </a:rPr>
+                <a:t>out</a:t>
+              </a:r>
+              <a:r>
+                <a:rPr kumimoji="0" lang="zh-TW" altLang="zh-TW" sz="1400" b="0" i="0" u="none" strike="noStrike" cap="none" normalizeH="0" baseline="0">
+                  <a:ln>
+                    <a:noFill/>
+                  </a:ln>
+                  <a:solidFill>
+                    <a:srgbClr val="BCBEC4"/>
+                  </a:solidFill>
+                  <a:effectLst/>
+                  <a:latin typeface="+mj-lt"/>
+                  <a:cs typeface="JetBrains Mono" panose="02000009000000000000" pitchFamily="49" charset="0"/>
+                </a:rPr>
+                <a:t>.println(</a:t>
+              </a:r>
+              <a:r>
+                <a:rPr kumimoji="0" lang="zh-TW" altLang="zh-TW" sz="1400" b="0" i="0" u="none" strike="noStrike" cap="none" normalizeH="0" baseline="0">
+                  <a:ln>
+                    <a:noFill/>
+                  </a:ln>
+                  <a:solidFill>
+                    <a:srgbClr val="6AAB73"/>
+                  </a:solidFill>
+                  <a:effectLst/>
+                  <a:latin typeface="+mj-lt"/>
+                  <a:cs typeface="JetBrains Mono" panose="02000009000000000000" pitchFamily="49" charset="0"/>
+                </a:rPr>
+                <a:t>"</a:t>
+              </a:r>
+              <a:r>
+                <a:rPr kumimoji="0" lang="zh-TW" altLang="zh-TW" sz="1400" b="0" i="0" u="none" strike="noStrike" cap="none" normalizeH="0" baseline="0">
+                  <a:ln>
+                    <a:noFill/>
+                  </a:ln>
+                  <a:solidFill>
+                    <a:srgbClr val="6AAB73"/>
+                  </a:solidFill>
+                  <a:effectLst/>
+                  <a:latin typeface="+mj-lt"/>
+                  <a:ea typeface="微軟正黑體" panose="020B0604030504040204" pitchFamily="34" charset="-120"/>
+                  <a:cs typeface="JetBrains Mono" panose="02000009000000000000" pitchFamily="49" charset="0"/>
+                </a:rPr>
+                <a:t>是我給你自由過了火</a:t>
+              </a:r>
+              <a:r>
+                <a:rPr kumimoji="0" lang="zh-TW" altLang="zh-TW" sz="1400" b="0" i="0" u="none" strike="noStrike" cap="none" normalizeH="0" baseline="0">
+                  <a:ln>
+                    <a:noFill/>
+                  </a:ln>
+                  <a:solidFill>
+                    <a:srgbClr val="6AAB73"/>
+                  </a:solidFill>
+                  <a:effectLst/>
+                  <a:latin typeface="+mj-lt"/>
+                  <a:cs typeface="JetBrains Mono" panose="02000009000000000000" pitchFamily="49" charset="0"/>
+                </a:rPr>
+                <a:t>"</a:t>
+              </a:r>
+              <a:r>
+                <a:rPr kumimoji="0" lang="zh-TW" altLang="zh-TW" sz="1400" b="0" i="0" u="none" strike="noStrike" cap="none" normalizeH="0" baseline="0">
+                  <a:ln>
+                    <a:noFill/>
+                  </a:ln>
+                  <a:solidFill>
+                    <a:srgbClr val="BCBEC4"/>
+                  </a:solidFill>
+                  <a:effectLst/>
+                  <a:latin typeface="+mj-lt"/>
+                  <a:cs typeface="JetBrains Mono" panose="02000009000000000000" pitchFamily="49" charset="0"/>
+                </a:rPr>
+                <a:t>);</a:t>
+              </a:r>
+              <a:br>
+                <a:rPr kumimoji="0" lang="zh-TW" altLang="zh-TW" sz="1400" b="0" i="0" u="none" strike="noStrike" cap="none" normalizeH="0" baseline="0">
+                  <a:ln>
+                    <a:noFill/>
+                  </a:ln>
+                  <a:solidFill>
+                    <a:srgbClr val="BCBEC4"/>
+                  </a:solidFill>
+                  <a:effectLst/>
+                  <a:latin typeface="+mj-lt"/>
+                  <a:cs typeface="JetBrains Mono" panose="02000009000000000000" pitchFamily="49" charset="0"/>
+                </a:rPr>
+              </a:br>
+              <a:r>
+                <a:rPr kumimoji="0" lang="zh-TW" altLang="zh-TW" sz="1400" b="0" i="0" u="none" strike="noStrike" cap="none" normalizeH="0" baseline="0">
+                  <a:ln>
+                    <a:noFill/>
+                  </a:ln>
+                  <a:solidFill>
+                    <a:srgbClr val="BCBEC4"/>
+                  </a:solidFill>
+                  <a:effectLst/>
+                  <a:latin typeface="+mj-lt"/>
+                  <a:cs typeface="JetBrains Mono" panose="02000009000000000000" pitchFamily="49" charset="0"/>
+                </a:rPr>
+                <a:t>                </a:t>
+              </a:r>
+              <a:r>
+                <a:rPr kumimoji="0" lang="zh-TW" altLang="zh-TW" sz="1400" b="0" i="0" u="none" strike="noStrike" cap="none" normalizeH="0" baseline="0">
+                  <a:ln>
+                    <a:noFill/>
+                  </a:ln>
+                  <a:solidFill>
+                    <a:srgbClr val="CF8E6D"/>
+                  </a:solidFill>
+                  <a:effectLst/>
+                  <a:latin typeface="+mj-lt"/>
+                  <a:cs typeface="JetBrains Mono" panose="02000009000000000000" pitchFamily="49" charset="0"/>
+                </a:rPr>
+                <a:t>break</a:t>
+              </a:r>
+              <a:r>
+                <a:rPr kumimoji="0" lang="zh-TW" altLang="zh-TW" sz="1400" b="0" i="0" u="none" strike="noStrike" cap="none" normalizeH="0" baseline="0">
+                  <a:ln>
+                    <a:noFill/>
+                  </a:ln>
+                  <a:solidFill>
+                    <a:srgbClr val="BCBEC4"/>
+                  </a:solidFill>
+                  <a:effectLst/>
+                  <a:latin typeface="+mj-lt"/>
+                  <a:cs typeface="JetBrains Mono" panose="02000009000000000000" pitchFamily="49" charset="0"/>
+                </a:rPr>
+                <a:t>;</a:t>
+              </a:r>
+              <a:br>
+                <a:rPr kumimoji="0" lang="zh-TW" altLang="zh-TW" sz="1400" b="0" i="0" u="none" strike="noStrike" cap="none" normalizeH="0" baseline="0">
+                  <a:ln>
+                    <a:noFill/>
+                  </a:ln>
+                  <a:solidFill>
+                    <a:srgbClr val="BCBEC4"/>
+                  </a:solidFill>
+                  <a:effectLst/>
+                  <a:latin typeface="+mj-lt"/>
+                  <a:cs typeface="JetBrains Mono" panose="02000009000000000000" pitchFamily="49" charset="0"/>
+                </a:rPr>
+              </a:br>
+              <a:r>
+                <a:rPr kumimoji="0" lang="zh-TW" altLang="zh-TW" sz="1400" b="0" i="0" u="none" strike="noStrike" cap="none" normalizeH="0" baseline="0">
+                  <a:ln>
+                    <a:noFill/>
+                  </a:ln>
+                  <a:solidFill>
+                    <a:srgbClr val="BCBEC4"/>
+                  </a:solidFill>
+                  <a:effectLst/>
+                  <a:latin typeface="+mj-lt"/>
+                  <a:cs typeface="JetBrains Mono" panose="02000009000000000000" pitchFamily="49" charset="0"/>
+                </a:rPr>
+                <a:t>            </a:t>
+              </a:r>
+              <a:r>
+                <a:rPr kumimoji="0" lang="zh-TW" altLang="zh-TW" sz="1400" b="0" i="0" u="none" strike="noStrike" cap="none" normalizeH="0" baseline="0">
+                  <a:ln>
+                    <a:noFill/>
+                  </a:ln>
+                  <a:solidFill>
+                    <a:srgbClr val="CF8E6D"/>
+                  </a:solidFill>
+                  <a:effectLst/>
+                  <a:latin typeface="+mj-lt"/>
+                  <a:cs typeface="JetBrains Mono" panose="02000009000000000000" pitchFamily="49" charset="0"/>
+                </a:rPr>
+                <a:t>case </a:t>
+              </a:r>
+              <a:r>
+                <a:rPr kumimoji="0" lang="zh-TW" altLang="zh-TW" sz="1400" b="0" i="0" u="none" strike="noStrike" cap="none" normalizeH="0" baseline="0">
+                  <a:ln>
+                    <a:noFill/>
+                  </a:ln>
+                  <a:solidFill>
+                    <a:srgbClr val="6AAB73"/>
+                  </a:solidFill>
+                  <a:effectLst/>
+                  <a:latin typeface="+mj-lt"/>
+                  <a:cs typeface="JetBrains Mono" panose="02000009000000000000" pitchFamily="49" charset="0"/>
+                </a:rPr>
+                <a:t>"</a:t>
+              </a:r>
+              <a:r>
+                <a:rPr kumimoji="0" lang="zh-TW" altLang="zh-TW" sz="1400" b="0" i="0" u="none" strike="noStrike" cap="none" normalizeH="0" baseline="0">
+                  <a:ln>
+                    <a:noFill/>
+                  </a:ln>
+                  <a:solidFill>
+                    <a:srgbClr val="6AAB73"/>
+                  </a:solidFill>
+                  <a:effectLst/>
+                  <a:latin typeface="+mj-lt"/>
+                  <a:ea typeface="微軟正黑體" panose="020B0604030504040204" pitchFamily="34" charset="-120"/>
+                  <a:cs typeface="JetBrains Mono" panose="02000009000000000000" pitchFamily="49" charset="0"/>
+                </a:rPr>
+                <a:t>我願變成童話裡你愛的那個天使</a:t>
+              </a:r>
+              <a:r>
+                <a:rPr kumimoji="0" lang="zh-TW" altLang="zh-TW" sz="1400" b="0" i="0" u="none" strike="noStrike" cap="none" normalizeH="0" baseline="0">
+                  <a:ln>
+                    <a:noFill/>
+                  </a:ln>
+                  <a:solidFill>
+                    <a:srgbClr val="6AAB73"/>
+                  </a:solidFill>
+                  <a:effectLst/>
+                  <a:latin typeface="+mj-lt"/>
+                  <a:cs typeface="JetBrains Mono" panose="02000009000000000000" pitchFamily="49" charset="0"/>
+                </a:rPr>
+                <a:t>"</a:t>
+              </a:r>
+              <a:r>
+                <a:rPr kumimoji="0" lang="zh-TW" altLang="zh-TW" sz="1400" b="0" i="0" u="none" strike="noStrike" cap="none" normalizeH="0" baseline="0">
+                  <a:ln>
+                    <a:noFill/>
+                  </a:ln>
+                  <a:solidFill>
+                    <a:srgbClr val="BCBEC4"/>
+                  </a:solidFill>
+                  <a:effectLst/>
+                  <a:latin typeface="+mj-lt"/>
+                  <a:cs typeface="JetBrains Mono" panose="02000009000000000000" pitchFamily="49" charset="0"/>
+                </a:rPr>
+                <a:t>:</a:t>
+              </a:r>
+              <a:br>
+                <a:rPr kumimoji="0" lang="zh-TW" altLang="zh-TW" sz="1400" b="0" i="0" u="none" strike="noStrike" cap="none" normalizeH="0" baseline="0">
+                  <a:ln>
+                    <a:noFill/>
+                  </a:ln>
+                  <a:solidFill>
+                    <a:srgbClr val="BCBEC4"/>
+                  </a:solidFill>
+                  <a:effectLst/>
+                  <a:latin typeface="+mj-lt"/>
+                  <a:cs typeface="JetBrains Mono" panose="02000009000000000000" pitchFamily="49" charset="0"/>
+                </a:rPr>
+              </a:br>
+              <a:r>
+                <a:rPr kumimoji="0" lang="zh-TW" altLang="zh-TW" sz="1400" b="0" i="0" u="none" strike="noStrike" cap="none" normalizeH="0" baseline="0">
+                  <a:ln>
+                    <a:noFill/>
+                  </a:ln>
+                  <a:solidFill>
+                    <a:srgbClr val="BCBEC4"/>
+                  </a:solidFill>
+                  <a:effectLst/>
+                  <a:latin typeface="+mj-lt"/>
+                  <a:cs typeface="JetBrains Mono" panose="02000009000000000000" pitchFamily="49" charset="0"/>
+                </a:rPr>
+                <a:t>                System.</a:t>
+              </a:r>
+              <a:r>
+                <a:rPr kumimoji="0" lang="zh-TW" altLang="zh-TW" sz="1400" b="0" i="1" u="none" strike="noStrike" cap="none" normalizeH="0" baseline="0">
+                  <a:ln>
+                    <a:noFill/>
+                  </a:ln>
+                  <a:solidFill>
+                    <a:srgbClr val="C77DBB"/>
+                  </a:solidFill>
+                  <a:effectLst/>
+                  <a:latin typeface="+mj-lt"/>
+                  <a:cs typeface="JetBrains Mono" panose="02000009000000000000" pitchFamily="49" charset="0"/>
+                </a:rPr>
+                <a:t>out</a:t>
+              </a:r>
+              <a:r>
+                <a:rPr kumimoji="0" lang="zh-TW" altLang="zh-TW" sz="1400" b="0" i="0" u="none" strike="noStrike" cap="none" normalizeH="0" baseline="0">
+                  <a:ln>
+                    <a:noFill/>
+                  </a:ln>
+                  <a:solidFill>
+                    <a:srgbClr val="BCBEC4"/>
+                  </a:solidFill>
+                  <a:effectLst/>
+                  <a:latin typeface="+mj-lt"/>
+                  <a:cs typeface="JetBrains Mono" panose="02000009000000000000" pitchFamily="49" charset="0"/>
+                </a:rPr>
+                <a:t>.println(</a:t>
+              </a:r>
+              <a:r>
+                <a:rPr kumimoji="0" lang="zh-TW" altLang="zh-TW" sz="1400" b="0" i="0" u="none" strike="noStrike" cap="none" normalizeH="0" baseline="0">
+                  <a:ln>
+                    <a:noFill/>
+                  </a:ln>
+                  <a:solidFill>
+                    <a:srgbClr val="6AAB73"/>
+                  </a:solidFill>
+                  <a:effectLst/>
+                  <a:latin typeface="+mj-lt"/>
+                  <a:cs typeface="JetBrains Mono" panose="02000009000000000000" pitchFamily="49" charset="0"/>
+                </a:rPr>
+                <a:t>"</a:t>
+              </a:r>
+              <a:r>
+                <a:rPr kumimoji="0" lang="zh-TW" altLang="zh-TW" sz="1400" b="0" i="0" u="none" strike="noStrike" cap="none" normalizeH="0" baseline="0">
+                  <a:ln>
+                    <a:noFill/>
+                  </a:ln>
+                  <a:solidFill>
+                    <a:srgbClr val="6AAB73"/>
+                  </a:solidFill>
+                  <a:effectLst/>
+                  <a:latin typeface="+mj-lt"/>
+                  <a:ea typeface="微軟正黑體" panose="020B0604030504040204" pitchFamily="34" charset="-120"/>
+                  <a:cs typeface="JetBrains Mono" panose="02000009000000000000" pitchFamily="49" charset="0"/>
+                </a:rPr>
+                <a:t>張開雙手變成翅膀守護你</a:t>
+              </a:r>
+              <a:r>
+                <a:rPr kumimoji="0" lang="zh-TW" altLang="zh-TW" sz="1400" b="0" i="0" u="none" strike="noStrike" cap="none" normalizeH="0" baseline="0">
+                  <a:ln>
+                    <a:noFill/>
+                  </a:ln>
+                  <a:solidFill>
+                    <a:srgbClr val="6AAB73"/>
+                  </a:solidFill>
+                  <a:effectLst/>
+                  <a:latin typeface="+mj-lt"/>
+                  <a:cs typeface="JetBrains Mono" panose="02000009000000000000" pitchFamily="49" charset="0"/>
+                </a:rPr>
+                <a:t>"</a:t>
+              </a:r>
+              <a:r>
+                <a:rPr kumimoji="0" lang="zh-TW" altLang="zh-TW" sz="1400" b="0" i="0" u="none" strike="noStrike" cap="none" normalizeH="0" baseline="0">
+                  <a:ln>
+                    <a:noFill/>
+                  </a:ln>
+                  <a:solidFill>
+                    <a:srgbClr val="BCBEC4"/>
+                  </a:solidFill>
+                  <a:effectLst/>
+                  <a:latin typeface="+mj-lt"/>
+                  <a:cs typeface="JetBrains Mono" panose="02000009000000000000" pitchFamily="49" charset="0"/>
+                </a:rPr>
+                <a:t>);</a:t>
+              </a:r>
+              <a:br>
+                <a:rPr kumimoji="0" lang="zh-TW" altLang="zh-TW" sz="1400" b="0" i="0" u="none" strike="noStrike" cap="none" normalizeH="0" baseline="0">
+                  <a:ln>
+                    <a:noFill/>
+                  </a:ln>
+                  <a:solidFill>
+                    <a:srgbClr val="BCBEC4"/>
+                  </a:solidFill>
+                  <a:effectLst/>
+                  <a:latin typeface="+mj-lt"/>
+                  <a:cs typeface="JetBrains Mono" panose="02000009000000000000" pitchFamily="49" charset="0"/>
+                </a:rPr>
+              </a:br>
+              <a:r>
+                <a:rPr kumimoji="0" lang="zh-TW" altLang="zh-TW" sz="1400" b="0" i="0" u="none" strike="noStrike" cap="none" normalizeH="0" baseline="0">
+                  <a:ln>
+                    <a:noFill/>
+                  </a:ln>
+                  <a:solidFill>
+                    <a:srgbClr val="BCBEC4"/>
+                  </a:solidFill>
+                  <a:effectLst/>
+                  <a:latin typeface="+mj-lt"/>
+                  <a:cs typeface="JetBrains Mono" panose="02000009000000000000" pitchFamily="49" charset="0"/>
+                </a:rPr>
+                <a:t>                </a:t>
+              </a:r>
+              <a:r>
+                <a:rPr kumimoji="0" lang="zh-TW" altLang="zh-TW" sz="1400" b="0" i="0" u="none" strike="noStrike" cap="none" normalizeH="0" baseline="0">
+                  <a:ln>
+                    <a:noFill/>
+                  </a:ln>
+                  <a:solidFill>
+                    <a:srgbClr val="CF8E6D"/>
+                  </a:solidFill>
+                  <a:effectLst/>
+                  <a:latin typeface="+mj-lt"/>
+                  <a:cs typeface="JetBrains Mono" panose="02000009000000000000" pitchFamily="49" charset="0"/>
+                </a:rPr>
+                <a:t>break</a:t>
+              </a:r>
+              <a:r>
+                <a:rPr kumimoji="0" lang="zh-TW" altLang="zh-TW" sz="1400" b="0" i="0" u="none" strike="noStrike" cap="none" normalizeH="0" baseline="0">
+                  <a:ln>
+                    <a:noFill/>
+                  </a:ln>
+                  <a:solidFill>
+                    <a:srgbClr val="BCBEC4"/>
+                  </a:solidFill>
+                  <a:effectLst/>
+                  <a:latin typeface="+mj-lt"/>
+                  <a:cs typeface="JetBrains Mono" panose="02000009000000000000" pitchFamily="49" charset="0"/>
+                </a:rPr>
+                <a:t>;</a:t>
+              </a:r>
+              <a:br>
+                <a:rPr kumimoji="0" lang="zh-TW" altLang="zh-TW" sz="1400" b="0" i="0" u="none" strike="noStrike" cap="none" normalizeH="0" baseline="0">
+                  <a:ln>
+                    <a:noFill/>
+                  </a:ln>
+                  <a:solidFill>
+                    <a:srgbClr val="BCBEC4"/>
+                  </a:solidFill>
+                  <a:effectLst/>
+                  <a:latin typeface="+mj-lt"/>
+                  <a:cs typeface="JetBrains Mono" panose="02000009000000000000" pitchFamily="49" charset="0"/>
+                </a:rPr>
+              </a:br>
+              <a:r>
+                <a:rPr kumimoji="0" lang="zh-TW" altLang="zh-TW" sz="1400" b="0" i="0" u="none" strike="noStrike" cap="none" normalizeH="0" baseline="0">
+                  <a:ln>
+                    <a:noFill/>
+                  </a:ln>
+                  <a:solidFill>
+                    <a:srgbClr val="BCBEC4"/>
+                  </a:solidFill>
+                  <a:effectLst/>
+                  <a:latin typeface="+mj-lt"/>
+                  <a:cs typeface="JetBrains Mono" panose="02000009000000000000" pitchFamily="49" charset="0"/>
+                </a:rPr>
+                <a:t>            </a:t>
+              </a:r>
+              <a:r>
+                <a:rPr kumimoji="0" lang="zh-TW" altLang="zh-TW" sz="1400" b="0" i="0" u="none" strike="noStrike" cap="none" normalizeH="0" baseline="0">
+                  <a:ln>
+                    <a:noFill/>
+                  </a:ln>
+                  <a:solidFill>
+                    <a:srgbClr val="CF8E6D"/>
+                  </a:solidFill>
+                  <a:effectLst/>
+                  <a:latin typeface="+mj-lt"/>
+                  <a:cs typeface="JetBrains Mono" panose="02000009000000000000" pitchFamily="49" charset="0"/>
+                </a:rPr>
+                <a:t>default</a:t>
+              </a:r>
+              <a:r>
+                <a:rPr kumimoji="0" lang="zh-TW" altLang="zh-TW" sz="1400" b="0" i="0" u="none" strike="noStrike" cap="none" normalizeH="0" baseline="0">
+                  <a:ln>
+                    <a:noFill/>
+                  </a:ln>
+                  <a:solidFill>
+                    <a:srgbClr val="BCBEC4"/>
+                  </a:solidFill>
+                  <a:effectLst/>
+                  <a:latin typeface="+mj-lt"/>
+                  <a:cs typeface="JetBrains Mono" panose="02000009000000000000" pitchFamily="49" charset="0"/>
+                </a:rPr>
+                <a:t>:</a:t>
+              </a:r>
+              <a:br>
+                <a:rPr kumimoji="0" lang="zh-TW" altLang="zh-TW" sz="1400" b="0" i="0" u="none" strike="noStrike" cap="none" normalizeH="0" baseline="0">
+                  <a:ln>
+                    <a:noFill/>
+                  </a:ln>
+                  <a:solidFill>
+                    <a:srgbClr val="BCBEC4"/>
+                  </a:solidFill>
+                  <a:effectLst/>
+                  <a:latin typeface="+mj-lt"/>
+                  <a:cs typeface="JetBrains Mono" panose="02000009000000000000" pitchFamily="49" charset="0"/>
+                </a:rPr>
+              </a:br>
+              <a:r>
+                <a:rPr kumimoji="0" lang="zh-TW" altLang="zh-TW" sz="1400" b="0" i="0" u="none" strike="noStrike" cap="none" normalizeH="0" baseline="0">
+                  <a:ln>
+                    <a:noFill/>
+                  </a:ln>
+                  <a:solidFill>
+                    <a:srgbClr val="BCBEC4"/>
+                  </a:solidFill>
+                  <a:effectLst/>
+                  <a:latin typeface="+mj-lt"/>
+                  <a:cs typeface="JetBrains Mono" panose="02000009000000000000" pitchFamily="49" charset="0"/>
+                </a:rPr>
+                <a:t>                System.</a:t>
+              </a:r>
+              <a:r>
+                <a:rPr kumimoji="0" lang="zh-TW" altLang="zh-TW" sz="1400" b="0" i="1" u="none" strike="noStrike" cap="none" normalizeH="0" baseline="0">
+                  <a:ln>
+                    <a:noFill/>
+                  </a:ln>
+                  <a:solidFill>
+                    <a:srgbClr val="C77DBB"/>
+                  </a:solidFill>
+                  <a:effectLst/>
+                  <a:latin typeface="+mj-lt"/>
+                  <a:cs typeface="JetBrains Mono" panose="02000009000000000000" pitchFamily="49" charset="0"/>
+                </a:rPr>
+                <a:t>out</a:t>
+              </a:r>
+              <a:r>
+                <a:rPr kumimoji="0" lang="zh-TW" altLang="zh-TW" sz="1400" b="0" i="0" u="none" strike="noStrike" cap="none" normalizeH="0" baseline="0">
+                  <a:ln>
+                    <a:noFill/>
+                  </a:ln>
+                  <a:solidFill>
+                    <a:srgbClr val="BCBEC4"/>
+                  </a:solidFill>
+                  <a:effectLst/>
+                  <a:latin typeface="+mj-lt"/>
+                  <a:cs typeface="JetBrains Mono" panose="02000009000000000000" pitchFamily="49" charset="0"/>
+                </a:rPr>
+                <a:t>.println(</a:t>
+              </a:r>
+              <a:r>
+                <a:rPr kumimoji="0" lang="zh-TW" altLang="zh-TW" sz="1400" b="0" i="0" u="none" strike="noStrike" cap="none" normalizeH="0" baseline="0">
+                  <a:ln>
+                    <a:noFill/>
+                  </a:ln>
+                  <a:solidFill>
+                    <a:srgbClr val="6AAB73"/>
+                  </a:solidFill>
+                  <a:effectLst/>
+                  <a:latin typeface="+mj-lt"/>
+                  <a:cs typeface="JetBrains Mono" panose="02000009000000000000" pitchFamily="49" charset="0"/>
+                </a:rPr>
+                <a:t>"</a:t>
+              </a:r>
+              <a:r>
+                <a:rPr kumimoji="0" lang="zh-TW" altLang="zh-TW" sz="1400" b="0" i="0" u="none" strike="noStrike" cap="none" normalizeH="0" baseline="0">
+                  <a:ln>
+                    <a:noFill/>
+                  </a:ln>
+                  <a:solidFill>
+                    <a:srgbClr val="6AAB73"/>
+                  </a:solidFill>
+                  <a:effectLst/>
+                  <a:latin typeface="+mj-lt"/>
+                  <a:ea typeface="微軟正黑體" panose="020B0604030504040204" pitchFamily="34" charset="-120"/>
+                  <a:cs typeface="JetBrains Mono" panose="02000009000000000000" pitchFamily="49" charset="0"/>
+                </a:rPr>
+                <a:t>我不知道下一句是什麼</a:t>
+              </a:r>
+              <a:r>
+                <a:rPr kumimoji="0" lang="zh-TW" altLang="zh-TW" sz="1400" b="0" i="0" u="none" strike="noStrike" cap="none" normalizeH="0" baseline="0">
+                  <a:ln>
+                    <a:noFill/>
+                  </a:ln>
+                  <a:solidFill>
+                    <a:srgbClr val="6AAB73"/>
+                  </a:solidFill>
+                  <a:effectLst/>
+                  <a:latin typeface="+mj-lt"/>
+                  <a:cs typeface="JetBrains Mono" panose="02000009000000000000" pitchFamily="49" charset="0"/>
+                </a:rPr>
+                <a:t>"</a:t>
+              </a:r>
+              <a:r>
+                <a:rPr kumimoji="0" lang="zh-TW" altLang="zh-TW" sz="1400" b="0" i="0" u="none" strike="noStrike" cap="none" normalizeH="0" baseline="0">
+                  <a:ln>
+                    <a:noFill/>
+                  </a:ln>
+                  <a:solidFill>
+                    <a:srgbClr val="BCBEC4"/>
+                  </a:solidFill>
+                  <a:effectLst/>
+                  <a:latin typeface="+mj-lt"/>
+                  <a:cs typeface="JetBrains Mono" panose="02000009000000000000" pitchFamily="49" charset="0"/>
+                </a:rPr>
+                <a:t>);</a:t>
+              </a:r>
+              <a:br>
+                <a:rPr kumimoji="0" lang="zh-TW" altLang="zh-TW" sz="1400" b="0" i="0" u="none" strike="noStrike" cap="none" normalizeH="0" baseline="0">
+                  <a:ln>
+                    <a:noFill/>
+                  </a:ln>
+                  <a:solidFill>
+                    <a:srgbClr val="BCBEC4"/>
+                  </a:solidFill>
+                  <a:effectLst/>
+                  <a:latin typeface="+mj-lt"/>
+                  <a:cs typeface="JetBrains Mono" panose="02000009000000000000" pitchFamily="49" charset="0"/>
+                </a:rPr>
+              </a:br>
+              <a:r>
+                <a:rPr kumimoji="0" lang="zh-TW" altLang="zh-TW" sz="1400" b="0" i="0" u="none" strike="noStrike" cap="none" normalizeH="0" baseline="0">
+                  <a:ln>
+                    <a:noFill/>
+                  </a:ln>
+                  <a:solidFill>
+                    <a:srgbClr val="BCBEC4"/>
+                  </a:solidFill>
+                  <a:effectLst/>
+                  <a:latin typeface="+mj-lt"/>
+                  <a:cs typeface="JetBrains Mono" panose="02000009000000000000" pitchFamily="49" charset="0"/>
+                </a:rPr>
+                <a:t>        }</a:t>
+              </a:r>
+              <a:br>
+                <a:rPr kumimoji="0" lang="zh-TW" altLang="zh-TW" sz="1400" b="0" i="0" u="none" strike="noStrike" cap="none" normalizeH="0" baseline="0">
+                  <a:ln>
+                    <a:noFill/>
+                  </a:ln>
+                  <a:solidFill>
+                    <a:srgbClr val="BCBEC4"/>
+                  </a:solidFill>
+                  <a:effectLst/>
+                  <a:latin typeface="+mj-lt"/>
+                  <a:cs typeface="JetBrains Mono" panose="02000009000000000000" pitchFamily="49" charset="0"/>
+                </a:rPr>
+              </a:br>
+              <a:r>
+                <a:rPr kumimoji="0" lang="zh-TW" altLang="zh-TW" sz="1400" b="0" i="0" u="none" strike="noStrike" cap="none" normalizeH="0" baseline="0">
+                  <a:ln>
+                    <a:noFill/>
+                  </a:ln>
+                  <a:solidFill>
+                    <a:srgbClr val="BCBEC4"/>
+                  </a:solidFill>
+                  <a:effectLst/>
+                  <a:latin typeface="+mj-lt"/>
+                  <a:cs typeface="JetBrains Mono" panose="02000009000000000000" pitchFamily="49" charset="0"/>
+                </a:rPr>
+                <a:t>    }</a:t>
+              </a:r>
+              <a:br>
+                <a:rPr kumimoji="0" lang="zh-TW" altLang="zh-TW" sz="1400" b="0" i="0" u="none" strike="noStrike" cap="none" normalizeH="0" baseline="0">
+                  <a:ln>
+                    <a:noFill/>
+                  </a:ln>
+                  <a:solidFill>
+                    <a:srgbClr val="BCBEC4"/>
+                  </a:solidFill>
+                  <a:effectLst/>
+                  <a:latin typeface="+mj-lt"/>
+                  <a:cs typeface="JetBrains Mono" panose="02000009000000000000" pitchFamily="49" charset="0"/>
+                </a:rPr>
+              </a:br>
+              <a:r>
+                <a:rPr kumimoji="0" lang="zh-TW" altLang="zh-TW" sz="1400" b="0" i="0" u="none" strike="noStrike" cap="none" normalizeH="0" baseline="0">
+                  <a:ln>
+                    <a:noFill/>
+                  </a:ln>
+                  <a:solidFill>
+                    <a:srgbClr val="BCBEC4"/>
+                  </a:solidFill>
+                  <a:effectLst/>
+                  <a:latin typeface="+mj-lt"/>
+                  <a:cs typeface="JetBrains Mono" panose="02000009000000000000" pitchFamily="49" charset="0"/>
+                </a:rPr>
+                <a:t>}</a:t>
+              </a:r>
+              <a:endParaRPr kumimoji="0" lang="zh-TW" altLang="zh-TW" sz="2400" b="0" i="0" u="none" strike="noStrike" cap="none" normalizeH="0" baseline="0">
+                <a:ln>
+                  <a:noFill/>
+                </a:ln>
+                <a:solidFill>
+                  <a:schemeClr val="tx1"/>
+                </a:solidFill>
+                <a:effectLst/>
+                <a:latin typeface="+mj-lt"/>
+              </a:endParaRPr>
+            </a:p>
+          </p:txBody>
+        </p:sp>
+        <p:sp>
+          <p:nvSpPr>
+            <p:cNvPr id="7" name="文字方塊 6">
+              <a:extLst>
+                <a:ext uri="{FF2B5EF4-FFF2-40B4-BE49-F238E27FC236}">
+                  <a16:creationId xmlns:a16="http://schemas.microsoft.com/office/drawing/2014/main" id="{1934357D-51E0-4583-B0C6-C0D66334D64B}"/>
+                </a:ext>
+              </a:extLst>
+            </p:cNvPr>
+            <p:cNvSpPr txBox="1"/>
+            <p:nvPr/>
+          </p:nvSpPr>
+          <p:spPr>
+            <a:xfrm>
+              <a:off x="10720293" y="5991949"/>
+              <a:ext cx="633507" cy="338554"/>
+            </a:xfrm>
+            <a:prstGeom prst="rect">
+              <a:avLst/>
+            </a:prstGeom>
+            <a:noFill/>
+          </p:spPr>
+          <p:txBody>
+            <a:bodyPr wrap="none" rtlCol="0">
+              <a:spAutoFit/>
+            </a:bodyPr>
+            <a:lstStyle/>
+            <a:p>
+              <a:r>
+                <a:rPr lang="en-US" altLang="zh-TW" sz="1600">
+                  <a:solidFill>
+                    <a:schemeClr val="accent3"/>
+                  </a:solidFill>
+                </a:rPr>
+                <a:t>java</a:t>
+              </a:r>
+              <a:endParaRPr lang="zh-TW" altLang="en-US" sz="1600">
+                <a:solidFill>
+                  <a:schemeClr val="accent3"/>
+                </a:solidFill>
+              </a:endParaRPr>
+            </a:p>
+          </p:txBody>
+        </p:sp>
+        <p:pic>
+          <p:nvPicPr>
+            <p:cNvPr id="8" name="圖片 7">
+              <a:hlinkClick r:id="rId2"/>
+              <a:extLst>
+                <a:ext uri="{FF2B5EF4-FFF2-40B4-BE49-F238E27FC236}">
+                  <a16:creationId xmlns:a16="http://schemas.microsoft.com/office/drawing/2014/main" id="{D1571D73-5792-4CA0-B822-81FDDCCCC9F9}"/>
+                </a:ext>
+              </a:extLst>
+            </p:cNvPr>
+            <p:cNvPicPr>
+              <a:picLocks noChangeAspect="1"/>
+            </p:cNvPicPr>
+            <p:nvPr/>
+          </p:nvPicPr>
+          <p:blipFill>
+            <a:blip r:embed="rId3">
+              <a:extLst>
+                <a:ext uri="{28A0092B-C50C-407E-A947-70E740481C1C}">
+                  <a14:useLocalDpi xmlns:a14="http://schemas.microsoft.com/office/drawing/2010/main" val="0"/>
+                </a:ext>
+              </a:extLst>
+            </a:blip>
+            <a:stretch>
+              <a:fillRect/>
+            </a:stretch>
+          </p:blipFill>
+          <p:spPr>
+            <a:xfrm>
+              <a:off x="10869605" y="1067524"/>
+              <a:ext cx="484195" cy="473668"/>
+            </a:xfrm>
+            <a:prstGeom prst="rect">
+              <a:avLst/>
+            </a:prstGeom>
+          </p:spPr>
+        </p:pic>
+      </p:grpSp>
+    </p:spTree>
+    <p:extLst>
+      <p:ext uri="{BB962C8B-B14F-4D97-AF65-F5344CB8AC3E}">
+        <p14:creationId xmlns:p14="http://schemas.microsoft.com/office/powerpoint/2010/main" val="3184334984"/>
+      </p:ext>
+    </p:extLst>
+  </p:cSld>
+  <p:clrMapOvr>
+    <a:masterClrMapping/>
+  </p:clrMapOvr>
+  <p:transition spd="slow">
+    <p:push dir="u"/>
+  </p:transition>
+</p:sld>
+</file>
+
+<file path=ppt/slides/slide8.xml><?xml version="1.0" encoding="utf-8"?>
+<p:sld xmlns:a="http://schemas.openxmlformats.org/drawingml/2006/main" xmlns:r="http://schemas.openxmlformats.org/officeDocument/2006/relationships" xmlns:p="http://schemas.openxmlformats.org/presentationml/2006/main">
+  <p:cSld>
+    <p:spTree>
+      <p:nvGrpSpPr>
+        <p:cNvPr id="1" name=""/>
+        <p:cNvGrpSpPr/>
+        <p:nvPr/>
+      </p:nvGrpSpPr>
+      <p:grpSpPr>
+        <a:xfrm>
+          <a:off x="0" y="0"/>
+          <a:ext cx="0" cy="0"/>
+          <a:chOff x="0" y="0"/>
+          <a:chExt cx="0" cy="0"/>
+        </a:xfrm>
+      </p:grpSpPr>
+      <p:sp>
+        <p:nvSpPr>
+          <p:cNvPr id="2" name="標題 1">
+            <a:extLst>
+              <a:ext uri="{FF2B5EF4-FFF2-40B4-BE49-F238E27FC236}">
                 <a16:creationId xmlns:a16="http://schemas.microsoft.com/office/drawing/2014/main" id="{147E18DF-9DB1-4B7D-97F2-06AC36469079}"/>
               </a:ext>
             </a:extLst>
@@ -13348,18 +15737,23 @@
             <p:ph type="title"/>
           </p:nvPr>
         </p:nvSpPr>
-        <p:spPr/>
+        <p:spPr>
+          <a:xfrm>
+            <a:off x="838200" y="-17463"/>
+            <a:ext cx="10515600" cy="1325563"/>
+          </a:xfrm>
+        </p:spPr>
         <p:txBody>
           <a:bodyPr/>
           <a:lstStyle/>
           <a:p>
             <a:r>
               <a:rPr lang="en-US" altLang="zh-TW"/>
-              <a:t>switch </a:t>
+              <a:t>switch</a:t>
             </a:r>
             <a:r>
               <a:rPr lang="zh-TW" altLang="en-US"/>
-              <a:t>表達式</a:t>
+              <a:t> 流程控制陳述式</a:t>
             </a:r>
           </a:p>
         </p:txBody>
@@ -13380,15 +15774,1590 @@
             <p:ph idx="1"/>
           </p:nvPr>
         </p:nvSpPr>
-        <p:spPr/>
+        <p:spPr>
+          <a:xfrm>
+            <a:off x="618564" y="1095019"/>
+            <a:ext cx="10954870" cy="2031431"/>
+          </a:xfrm>
+        </p:spPr>
         <p:txBody>
-          <a:bodyPr/>
+          <a:bodyPr>
+            <a:normAutofit/>
+          </a:bodyPr>
           <a:lstStyle/>
           <a:p>
-            <a:endParaRPr lang="zh-TW" altLang="en-US"/>
+            <a:r>
+              <a:rPr lang="zh-TW" altLang="en-US"/>
+              <a:t>在 </a:t>
+            </a:r>
+            <a:r>
+              <a:rPr lang="en-US" altLang="zh-TW"/>
+              <a:t>Java 14 </a:t>
+            </a:r>
+            <a:r>
+              <a:rPr lang="zh-TW" altLang="en-US"/>
+              <a:t>中，</a:t>
+            </a:r>
+            <a:r>
+              <a:rPr lang="en-US" altLang="zh-TW">
+                <a:solidFill>
+                  <a:srgbClr val="CF8E6D"/>
+                </a:solidFill>
+              </a:rPr>
+              <a:t>switch</a:t>
+            </a:r>
+            <a:r>
+              <a:rPr lang="en-US" altLang="zh-TW"/>
+              <a:t> </a:t>
+            </a:r>
+            <a:r>
+              <a:rPr lang="zh-TW" altLang="en-US"/>
+              <a:t>支援了一個 </a:t>
+            </a:r>
+            <a:r>
+              <a:rPr lang="en-US" altLang="zh-TW">
+                <a:solidFill>
+                  <a:srgbClr val="CF8E6D"/>
+                </a:solidFill>
+              </a:rPr>
+              <a:t>case</a:t>
+            </a:r>
+            <a:r>
+              <a:rPr lang="en-US" altLang="zh-TW"/>
+              <a:t> </a:t>
+            </a:r>
+            <a:r>
+              <a:rPr lang="zh-TW" altLang="en-US"/>
+              <a:t>多個條件值</a:t>
+            </a:r>
+            <a:endParaRPr lang="en-US" altLang="zh-TW"/>
+          </a:p>
+          <a:p>
+            <a:r>
+              <a:rPr lang="zh-TW" altLang="en-US"/>
+              <a:t>以及可以使用</a:t>
+            </a:r>
+            <a:r>
+              <a:rPr lang="zh-TW" altLang="en-US">
+                <a:solidFill>
+                  <a:srgbClr val="00B0F0"/>
+                </a:solidFill>
+              </a:rPr>
+              <a:t>箭頭 </a:t>
+            </a:r>
+            <a:r>
+              <a:rPr lang="en-US" altLang="zh-TW">
+                <a:solidFill>
+                  <a:srgbClr val="00B0F0"/>
+                </a:solidFill>
+              </a:rPr>
+              <a:t>"-&gt;" </a:t>
+            </a:r>
+            <a:r>
+              <a:rPr lang="zh-TW" altLang="en-US"/>
+              <a:t>來替代冒號</a:t>
+            </a:r>
+            <a:endParaRPr lang="en-US" altLang="zh-TW"/>
+          </a:p>
+          <a:p>
+            <a:r>
+              <a:rPr lang="zh-TW" altLang="en-US"/>
+              <a:t>若使用箭頭，</a:t>
+            </a:r>
+            <a:r>
+              <a:rPr lang="en-US" altLang="zh-TW">
+                <a:solidFill>
+                  <a:srgbClr val="CF8E6D"/>
+                </a:solidFill>
+              </a:rPr>
+              <a:t>switch</a:t>
+            </a:r>
+            <a:r>
+              <a:rPr lang="en-US" altLang="zh-TW"/>
+              <a:t> </a:t>
+            </a:r>
+            <a:r>
+              <a:rPr lang="zh-TW" altLang="en-US"/>
+              <a:t>只會執行相等條件值箭頭後方的區塊或陳述式</a:t>
+            </a:r>
+            <a:endParaRPr lang="en-US" altLang="zh-TW"/>
+          </a:p>
+          <a:p>
+            <a:r>
+              <a:rPr lang="zh-TW" altLang="en-US"/>
+              <a:t>而不會像是用冒號時會一直往下執行，也就不需要 </a:t>
+            </a:r>
+            <a:r>
+              <a:rPr lang="en-US" altLang="zh-TW">
+                <a:solidFill>
+                  <a:srgbClr val="CF8E6D"/>
+                </a:solidFill>
+              </a:rPr>
+              <a:t>break</a:t>
+            </a:r>
           </a:p>
         </p:txBody>
       </p:sp>
+      <p:grpSp>
+        <p:nvGrpSpPr>
+          <p:cNvPr id="7" name="群組 6">
+            <a:extLst>
+              <a:ext uri="{FF2B5EF4-FFF2-40B4-BE49-F238E27FC236}">
+                <a16:creationId xmlns:a16="http://schemas.microsoft.com/office/drawing/2014/main" id="{CB641A17-831C-4732-997F-CBFC91FD5926}"/>
+              </a:ext>
+            </a:extLst>
+          </p:cNvPr>
+          <p:cNvGrpSpPr/>
+          <p:nvPr/>
+        </p:nvGrpSpPr>
+        <p:grpSpPr>
+          <a:xfrm>
+            <a:off x="618566" y="3126450"/>
+            <a:ext cx="10954869" cy="3323987"/>
+            <a:chOff x="398930" y="3285761"/>
+            <a:chExt cx="10954869" cy="3323987"/>
+          </a:xfrm>
+        </p:grpSpPr>
+        <p:sp>
+          <p:nvSpPr>
+            <p:cNvPr id="4" name="Rectangle 1">
+              <a:extLst>
+                <a:ext uri="{FF2B5EF4-FFF2-40B4-BE49-F238E27FC236}">
+                  <a16:creationId xmlns:a16="http://schemas.microsoft.com/office/drawing/2014/main" id="{0DC15DEC-9117-43D5-A324-CB1FAA9DC4B9}"/>
+                </a:ext>
+              </a:extLst>
+            </p:cNvPr>
+            <p:cNvSpPr>
+              <a:spLocks noChangeArrowheads="1"/>
+            </p:cNvSpPr>
+            <p:nvPr/>
+          </p:nvSpPr>
+          <p:spPr bwMode="auto">
+            <a:xfrm>
+              <a:off x="398930" y="3285761"/>
+              <a:ext cx="10954869" cy="3323987"/>
+            </a:xfrm>
+            <a:prstGeom prst="rect">
+              <a:avLst/>
+            </a:prstGeom>
+            <a:solidFill>
+              <a:srgbClr val="1E1F22"/>
+            </a:solidFill>
+            <a:ln>
+              <a:noFill/>
+            </a:ln>
+            <a:effectLst/>
+            <a:extLst>
+              <a:ext uri="{91240B29-F687-4F45-9708-019B960494DF}">
+                <a14:hiddenLine xmlns:a14="http://schemas.microsoft.com/office/drawing/2010/main" w="9525">
+                  <a:solidFill>
+                    <a:schemeClr val="tx1"/>
+                  </a:solidFill>
+                  <a:miter lim="800000"/>
+                  <a:headEnd/>
+                  <a:tailEnd/>
+                </a14:hiddenLine>
+              </a:ext>
+              <a:ext uri="{AF507438-7753-43E0-B8FC-AC1667EBCBE1}">
+                <a14:hiddenEffects xmlns:a14="http://schemas.microsoft.com/office/drawing/2010/main">
+                  <a:effectLst>
+                    <a:outerShdw dist="35921" dir="2700000" algn="ctr" rotWithShape="0">
+                      <a:schemeClr val="bg2"/>
+                    </a:outerShdw>
+                  </a:effectLst>
+                </a14:hiddenEffects>
+              </a:ext>
+            </a:extLst>
+          </p:spPr>
+          <p:txBody>
+            <a:bodyPr vert="horz" wrap="square" lIns="91440" tIns="45720" rIns="91440" bIns="45720" numCol="1" anchor="ctr" anchorCtr="0" compatLnSpc="1">
+              <a:prstTxWarp prst="textNoShape">
+                <a:avLst/>
+              </a:prstTxWarp>
+              <a:spAutoFit/>
+            </a:bodyPr>
+            <a:lstStyle/>
+            <a:p>
+              <a:pPr marL="0" marR="0" lvl="0" indent="0" algn="l" defTabSz="914400" rtl="0" eaLnBrk="0" fontAlgn="base" latinLnBrk="0" hangingPunct="0">
+                <a:lnSpc>
+                  <a:spcPct val="100000"/>
+                </a:lnSpc>
+                <a:spcBef>
+                  <a:spcPct val="0"/>
+                </a:spcBef>
+                <a:spcAft>
+                  <a:spcPct val="0"/>
+                </a:spcAft>
+                <a:buClrTx/>
+                <a:buSzTx/>
+                <a:buFontTx/>
+                <a:buNone/>
+                <a:tabLst/>
+              </a:pPr>
+              <a:r>
+                <a:rPr kumimoji="0" lang="zh-TW" altLang="zh-TW" sz="1400" b="0" i="0" u="none" strike="noStrike" cap="none" normalizeH="0" baseline="0">
+                  <a:ln>
+                    <a:noFill/>
+                  </a:ln>
+                  <a:solidFill>
+                    <a:srgbClr val="CF8E6D"/>
+                  </a:solidFill>
+                  <a:effectLst/>
+                  <a:latin typeface="+mj-lt"/>
+                  <a:cs typeface="JetBrains Mono" panose="02000009000000000000" pitchFamily="49" charset="0"/>
+                </a:rPr>
+                <a:t>import </a:t>
+              </a:r>
+              <a:r>
+                <a:rPr kumimoji="0" lang="zh-TW" altLang="zh-TW" sz="1400" b="0" i="0" u="none" strike="noStrike" cap="none" normalizeH="0" baseline="0">
+                  <a:ln>
+                    <a:noFill/>
+                  </a:ln>
+                  <a:solidFill>
+                    <a:srgbClr val="BCBEC4"/>
+                  </a:solidFill>
+                  <a:effectLst/>
+                  <a:latin typeface="+mj-lt"/>
+                  <a:cs typeface="JetBrains Mono" panose="02000009000000000000" pitchFamily="49" charset="0"/>
+                </a:rPr>
+                <a:t>java.util.Scanner;</a:t>
+              </a:r>
+              <a:br>
+                <a:rPr kumimoji="0" lang="zh-TW" altLang="zh-TW" sz="1400" b="0" i="0" u="none" strike="noStrike" cap="none" normalizeH="0" baseline="0">
+                  <a:ln>
+                    <a:noFill/>
+                  </a:ln>
+                  <a:solidFill>
+                    <a:srgbClr val="BCBEC4"/>
+                  </a:solidFill>
+                  <a:effectLst/>
+                  <a:latin typeface="+mj-lt"/>
+                  <a:cs typeface="JetBrains Mono" panose="02000009000000000000" pitchFamily="49" charset="0"/>
+                </a:rPr>
+              </a:br>
+              <a:br>
+                <a:rPr kumimoji="0" lang="zh-TW" altLang="zh-TW" sz="1400" b="0" i="0" u="none" strike="noStrike" cap="none" normalizeH="0" baseline="0">
+                  <a:ln>
+                    <a:noFill/>
+                  </a:ln>
+                  <a:solidFill>
+                    <a:srgbClr val="BCBEC4"/>
+                  </a:solidFill>
+                  <a:effectLst/>
+                  <a:latin typeface="+mj-lt"/>
+                  <a:cs typeface="JetBrains Mono" panose="02000009000000000000" pitchFamily="49" charset="0"/>
+                </a:rPr>
+              </a:br>
+              <a:r>
+                <a:rPr kumimoji="0" lang="zh-TW" altLang="zh-TW" sz="1400" b="0" i="0" u="none" strike="noStrike" cap="none" normalizeH="0" baseline="0">
+                  <a:ln>
+                    <a:noFill/>
+                  </a:ln>
+                  <a:solidFill>
+                    <a:srgbClr val="CF8E6D"/>
+                  </a:solidFill>
+                  <a:effectLst/>
+                  <a:latin typeface="+mj-lt"/>
+                  <a:cs typeface="JetBrains Mono" panose="02000009000000000000" pitchFamily="49" charset="0"/>
+                </a:rPr>
+                <a:t>public class </a:t>
+              </a:r>
+              <a:r>
+                <a:rPr kumimoji="0" lang="zh-TW" altLang="zh-TW" sz="1400" b="0" i="0" u="none" strike="noStrike" cap="none" normalizeH="0" baseline="0">
+                  <a:ln>
+                    <a:noFill/>
+                  </a:ln>
+                  <a:solidFill>
+                    <a:srgbClr val="BCBEC4"/>
+                  </a:solidFill>
+                  <a:effectLst/>
+                  <a:latin typeface="+mj-lt"/>
+                  <a:cs typeface="JetBrains Mono" panose="02000009000000000000" pitchFamily="49" charset="0"/>
+                </a:rPr>
+                <a:t>Main2 {</a:t>
+              </a:r>
+              <a:br>
+                <a:rPr kumimoji="0" lang="zh-TW" altLang="zh-TW" sz="1400" b="0" i="0" u="none" strike="noStrike" cap="none" normalizeH="0" baseline="0">
+                  <a:ln>
+                    <a:noFill/>
+                  </a:ln>
+                  <a:solidFill>
+                    <a:srgbClr val="BCBEC4"/>
+                  </a:solidFill>
+                  <a:effectLst/>
+                  <a:latin typeface="+mj-lt"/>
+                  <a:cs typeface="JetBrains Mono" panose="02000009000000000000" pitchFamily="49" charset="0"/>
+                </a:rPr>
+              </a:br>
+              <a:r>
+                <a:rPr kumimoji="0" lang="zh-TW" altLang="zh-TW" sz="1400" b="0" i="0" u="none" strike="noStrike" cap="none" normalizeH="0" baseline="0">
+                  <a:ln>
+                    <a:noFill/>
+                  </a:ln>
+                  <a:solidFill>
+                    <a:srgbClr val="BCBEC4"/>
+                  </a:solidFill>
+                  <a:effectLst/>
+                  <a:latin typeface="+mj-lt"/>
+                  <a:cs typeface="JetBrains Mono" panose="02000009000000000000" pitchFamily="49" charset="0"/>
+                </a:rPr>
+                <a:t>    </a:t>
+              </a:r>
+              <a:r>
+                <a:rPr kumimoji="0" lang="zh-TW" altLang="zh-TW" sz="1400" b="0" i="0" u="none" strike="noStrike" cap="none" normalizeH="0" baseline="0">
+                  <a:ln>
+                    <a:noFill/>
+                  </a:ln>
+                  <a:solidFill>
+                    <a:srgbClr val="CF8E6D"/>
+                  </a:solidFill>
+                  <a:effectLst/>
+                  <a:latin typeface="+mj-lt"/>
+                  <a:cs typeface="JetBrains Mono" panose="02000009000000000000" pitchFamily="49" charset="0"/>
+                </a:rPr>
+                <a:t>public static void </a:t>
+              </a:r>
+              <a:r>
+                <a:rPr kumimoji="0" lang="zh-TW" altLang="zh-TW" sz="1400" b="0" i="0" u="none" strike="noStrike" cap="none" normalizeH="0" baseline="0">
+                  <a:ln>
+                    <a:noFill/>
+                  </a:ln>
+                  <a:solidFill>
+                    <a:srgbClr val="56A8F5"/>
+                  </a:solidFill>
+                  <a:effectLst/>
+                  <a:latin typeface="+mj-lt"/>
+                  <a:cs typeface="JetBrains Mono" panose="02000009000000000000" pitchFamily="49" charset="0"/>
+                </a:rPr>
+                <a:t>main</a:t>
+              </a:r>
+              <a:r>
+                <a:rPr kumimoji="0" lang="zh-TW" altLang="zh-TW" sz="1400" b="0" i="0" u="none" strike="noStrike" cap="none" normalizeH="0" baseline="0">
+                  <a:ln>
+                    <a:noFill/>
+                  </a:ln>
+                  <a:solidFill>
+                    <a:srgbClr val="BCBEC4"/>
+                  </a:solidFill>
+                  <a:effectLst/>
+                  <a:latin typeface="+mj-lt"/>
+                  <a:cs typeface="JetBrains Mono" panose="02000009000000000000" pitchFamily="49" charset="0"/>
+                </a:rPr>
+                <a:t>(String[] args) {</a:t>
+              </a:r>
+              <a:br>
+                <a:rPr kumimoji="0" lang="zh-TW" altLang="zh-TW" sz="1400" b="0" i="0" u="none" strike="noStrike" cap="none" normalizeH="0" baseline="0">
+                  <a:ln>
+                    <a:noFill/>
+                  </a:ln>
+                  <a:solidFill>
+                    <a:srgbClr val="BCBEC4"/>
+                  </a:solidFill>
+                  <a:effectLst/>
+                  <a:latin typeface="+mj-lt"/>
+                  <a:cs typeface="JetBrains Mono" panose="02000009000000000000" pitchFamily="49" charset="0"/>
+                </a:rPr>
+              </a:br>
+              <a:r>
+                <a:rPr kumimoji="0" lang="zh-TW" altLang="zh-TW" sz="1400" b="0" i="0" u="none" strike="noStrike" cap="none" normalizeH="0" baseline="0">
+                  <a:ln>
+                    <a:noFill/>
+                  </a:ln>
+                  <a:solidFill>
+                    <a:srgbClr val="BCBEC4"/>
+                  </a:solidFill>
+                  <a:effectLst/>
+                  <a:latin typeface="+mj-lt"/>
+                  <a:cs typeface="JetBrains Mono" panose="02000009000000000000" pitchFamily="49" charset="0"/>
+                </a:rPr>
+                <a:t>        Scanner scanner = </a:t>
+              </a:r>
+              <a:r>
+                <a:rPr kumimoji="0" lang="zh-TW" altLang="zh-TW" sz="1400" b="0" i="0" u="none" strike="noStrike" cap="none" normalizeH="0" baseline="0">
+                  <a:ln>
+                    <a:noFill/>
+                  </a:ln>
+                  <a:solidFill>
+                    <a:srgbClr val="CF8E6D"/>
+                  </a:solidFill>
+                  <a:effectLst/>
+                  <a:latin typeface="+mj-lt"/>
+                  <a:cs typeface="JetBrains Mono" panose="02000009000000000000" pitchFamily="49" charset="0"/>
+                </a:rPr>
+                <a:t>new </a:t>
+              </a:r>
+              <a:r>
+                <a:rPr kumimoji="0" lang="zh-TW" altLang="zh-TW" sz="1400" b="0" i="0" u="none" strike="noStrike" cap="none" normalizeH="0" baseline="0">
+                  <a:ln>
+                    <a:noFill/>
+                  </a:ln>
+                  <a:solidFill>
+                    <a:srgbClr val="BCBEC4"/>
+                  </a:solidFill>
+                  <a:effectLst/>
+                  <a:latin typeface="+mj-lt"/>
+                  <a:cs typeface="JetBrains Mono" panose="02000009000000000000" pitchFamily="49" charset="0"/>
+                </a:rPr>
+                <a:t>Scanner(System.</a:t>
+              </a:r>
+              <a:r>
+                <a:rPr kumimoji="0" lang="zh-TW" altLang="zh-TW" sz="1400" b="0" i="1" u="none" strike="noStrike" cap="none" normalizeH="0" baseline="0">
+                  <a:ln>
+                    <a:noFill/>
+                  </a:ln>
+                  <a:solidFill>
+                    <a:srgbClr val="C77DBB"/>
+                  </a:solidFill>
+                  <a:effectLst/>
+                  <a:latin typeface="+mj-lt"/>
+                  <a:cs typeface="JetBrains Mono" panose="02000009000000000000" pitchFamily="49" charset="0"/>
+                </a:rPr>
+                <a:t>in</a:t>
+              </a:r>
+              <a:r>
+                <a:rPr kumimoji="0" lang="zh-TW" altLang="zh-TW" sz="1400" b="0" i="0" u="none" strike="noStrike" cap="none" normalizeH="0" baseline="0">
+                  <a:ln>
+                    <a:noFill/>
+                  </a:ln>
+                  <a:solidFill>
+                    <a:srgbClr val="BCBEC4"/>
+                  </a:solidFill>
+                  <a:effectLst/>
+                  <a:latin typeface="+mj-lt"/>
+                  <a:cs typeface="JetBrains Mono" panose="02000009000000000000" pitchFamily="49" charset="0"/>
+                </a:rPr>
+                <a:t>);</a:t>
+              </a:r>
+              <a:br>
+                <a:rPr kumimoji="0" lang="zh-TW" altLang="zh-TW" sz="1400" b="0" i="0" u="none" strike="noStrike" cap="none" normalizeH="0" baseline="0">
+                  <a:ln>
+                    <a:noFill/>
+                  </a:ln>
+                  <a:solidFill>
+                    <a:srgbClr val="BCBEC4"/>
+                  </a:solidFill>
+                  <a:effectLst/>
+                  <a:latin typeface="+mj-lt"/>
+                  <a:cs typeface="JetBrains Mono" panose="02000009000000000000" pitchFamily="49" charset="0"/>
+                </a:rPr>
+              </a:br>
+              <a:r>
+                <a:rPr kumimoji="0" lang="zh-TW" altLang="zh-TW" sz="1400" b="0" i="0" u="none" strike="noStrike" cap="none" normalizeH="0" baseline="0">
+                  <a:ln>
+                    <a:noFill/>
+                  </a:ln>
+                  <a:solidFill>
+                    <a:srgbClr val="BCBEC4"/>
+                  </a:solidFill>
+                  <a:effectLst/>
+                  <a:latin typeface="+mj-lt"/>
+                  <a:cs typeface="JetBrains Mono" panose="02000009000000000000" pitchFamily="49" charset="0"/>
+                </a:rPr>
+                <a:t>        String input = scanner.next();</a:t>
+              </a:r>
+              <a:br>
+                <a:rPr kumimoji="0" lang="zh-TW" altLang="zh-TW" sz="1400" b="0" i="0" u="none" strike="noStrike" cap="none" normalizeH="0" baseline="0">
+                  <a:ln>
+                    <a:noFill/>
+                  </a:ln>
+                  <a:solidFill>
+                    <a:srgbClr val="BCBEC4"/>
+                  </a:solidFill>
+                  <a:effectLst/>
+                  <a:latin typeface="+mj-lt"/>
+                  <a:cs typeface="JetBrains Mono" panose="02000009000000000000" pitchFamily="49" charset="0"/>
+                </a:rPr>
+              </a:br>
+              <a:r>
+                <a:rPr kumimoji="0" lang="zh-TW" altLang="zh-TW" sz="1400" b="0" i="0" u="none" strike="noStrike" cap="none" normalizeH="0" baseline="0">
+                  <a:ln>
+                    <a:noFill/>
+                  </a:ln>
+                  <a:solidFill>
+                    <a:srgbClr val="BCBEC4"/>
+                  </a:solidFill>
+                  <a:effectLst/>
+                  <a:latin typeface="+mj-lt"/>
+                  <a:cs typeface="JetBrains Mono" panose="02000009000000000000" pitchFamily="49" charset="0"/>
+                </a:rPr>
+                <a:t>        </a:t>
+              </a:r>
+              <a:r>
+                <a:rPr kumimoji="0" lang="zh-TW" altLang="zh-TW" sz="1400" b="0" i="0" u="none" strike="noStrike" cap="none" normalizeH="0" baseline="0">
+                  <a:ln>
+                    <a:noFill/>
+                  </a:ln>
+                  <a:solidFill>
+                    <a:srgbClr val="CF8E6D"/>
+                  </a:solidFill>
+                  <a:effectLst/>
+                  <a:latin typeface="+mj-lt"/>
+                  <a:cs typeface="JetBrains Mono" panose="02000009000000000000" pitchFamily="49" charset="0"/>
+                </a:rPr>
+                <a:t>switch </a:t>
+              </a:r>
+              <a:r>
+                <a:rPr kumimoji="0" lang="zh-TW" altLang="zh-TW" sz="1400" b="0" i="0" u="none" strike="noStrike" cap="none" normalizeH="0" baseline="0">
+                  <a:ln>
+                    <a:noFill/>
+                  </a:ln>
+                  <a:solidFill>
+                    <a:srgbClr val="BCBEC4"/>
+                  </a:solidFill>
+                  <a:effectLst/>
+                  <a:latin typeface="+mj-lt"/>
+                  <a:cs typeface="JetBrains Mono" panose="02000009000000000000" pitchFamily="49" charset="0"/>
+                </a:rPr>
+                <a:t>(input) {</a:t>
+              </a:r>
+              <a:br>
+                <a:rPr kumimoji="0" lang="zh-TW" altLang="zh-TW" sz="1400" b="0" i="0" u="none" strike="noStrike" cap="none" normalizeH="0" baseline="0">
+                  <a:ln>
+                    <a:noFill/>
+                  </a:ln>
+                  <a:solidFill>
+                    <a:srgbClr val="BCBEC4"/>
+                  </a:solidFill>
+                  <a:effectLst/>
+                  <a:latin typeface="+mj-lt"/>
+                  <a:cs typeface="JetBrains Mono" panose="02000009000000000000" pitchFamily="49" charset="0"/>
+                </a:rPr>
+              </a:br>
+              <a:r>
+                <a:rPr kumimoji="0" lang="zh-TW" altLang="zh-TW" sz="1400" b="0" i="0" u="none" strike="noStrike" cap="none" normalizeH="0" baseline="0">
+                  <a:ln>
+                    <a:noFill/>
+                  </a:ln>
+                  <a:solidFill>
+                    <a:srgbClr val="BCBEC4"/>
+                  </a:solidFill>
+                  <a:effectLst/>
+                  <a:latin typeface="+mj-lt"/>
+                  <a:cs typeface="JetBrains Mono" panose="02000009000000000000" pitchFamily="49" charset="0"/>
+                </a:rPr>
+                <a:t>            </a:t>
+              </a:r>
+              <a:r>
+                <a:rPr kumimoji="0" lang="zh-TW" altLang="zh-TW" sz="1400" b="0" i="0" u="none" strike="noStrike" cap="none" normalizeH="0" baseline="0">
+                  <a:ln>
+                    <a:noFill/>
+                  </a:ln>
+                  <a:solidFill>
+                    <a:srgbClr val="CF8E6D"/>
+                  </a:solidFill>
+                  <a:effectLst/>
+                  <a:latin typeface="+mj-lt"/>
+                  <a:cs typeface="JetBrains Mono" panose="02000009000000000000" pitchFamily="49" charset="0"/>
+                </a:rPr>
+                <a:t>case </a:t>
+              </a:r>
+              <a:r>
+                <a:rPr kumimoji="0" lang="zh-TW" altLang="zh-TW" sz="1400" b="0" i="0" u="none" strike="noStrike" cap="none" normalizeH="0" baseline="0">
+                  <a:ln>
+                    <a:noFill/>
+                  </a:ln>
+                  <a:solidFill>
+                    <a:srgbClr val="6AAB73"/>
+                  </a:solidFill>
+                  <a:effectLst/>
+                  <a:latin typeface="+mj-lt"/>
+                  <a:cs typeface="JetBrains Mono" panose="02000009000000000000" pitchFamily="49" charset="0"/>
+                </a:rPr>
+                <a:t>"</a:t>
+              </a:r>
+              <a:r>
+                <a:rPr kumimoji="0" lang="zh-TW" altLang="zh-TW" sz="1400" b="0" i="0" u="none" strike="noStrike" cap="none" normalizeH="0" baseline="0">
+                  <a:ln>
+                    <a:noFill/>
+                  </a:ln>
+                  <a:solidFill>
+                    <a:srgbClr val="6AAB73"/>
+                  </a:solidFill>
+                  <a:effectLst/>
+                  <a:latin typeface="+mj-lt"/>
+                  <a:ea typeface="微軟正黑體" panose="020B0604030504040204" pitchFamily="34" charset="-120"/>
+                  <a:cs typeface="JetBrains Mono" panose="02000009000000000000" pitchFamily="49" charset="0"/>
+                </a:rPr>
+                <a:t>回憶過去</a:t>
+              </a:r>
+              <a:r>
+                <a:rPr kumimoji="0" lang="zh-TW" altLang="zh-TW" sz="1400" b="0" i="0" u="none" strike="noStrike" cap="none" normalizeH="0" baseline="0">
+                  <a:ln>
+                    <a:noFill/>
+                  </a:ln>
+                  <a:solidFill>
+                    <a:srgbClr val="6AAB73"/>
+                  </a:solidFill>
+                  <a:effectLst/>
+                  <a:latin typeface="+mj-lt"/>
+                  <a:cs typeface="JetBrains Mono" panose="02000009000000000000" pitchFamily="49" charset="0"/>
+                </a:rPr>
+                <a:t>" </a:t>
+              </a:r>
+              <a:r>
+                <a:rPr kumimoji="0" lang="zh-TW" altLang="zh-TW" sz="1400" b="0" i="0" u="none" strike="noStrike" cap="none" normalizeH="0" baseline="0">
+                  <a:ln>
+                    <a:noFill/>
+                  </a:ln>
+                  <a:solidFill>
+                    <a:srgbClr val="BCBEC4"/>
+                  </a:solidFill>
+                  <a:effectLst/>
+                  <a:latin typeface="+mj-lt"/>
+                  <a:cs typeface="JetBrains Mono" panose="02000009000000000000" pitchFamily="49" charset="0"/>
+                </a:rPr>
+                <a:t>-&gt; System.</a:t>
+              </a:r>
+              <a:r>
+                <a:rPr kumimoji="0" lang="zh-TW" altLang="zh-TW" sz="1400" b="0" i="1" u="none" strike="noStrike" cap="none" normalizeH="0" baseline="0">
+                  <a:ln>
+                    <a:noFill/>
+                  </a:ln>
+                  <a:solidFill>
+                    <a:srgbClr val="C77DBB"/>
+                  </a:solidFill>
+                  <a:effectLst/>
+                  <a:latin typeface="+mj-lt"/>
+                  <a:cs typeface="JetBrains Mono" panose="02000009000000000000" pitchFamily="49" charset="0"/>
+                </a:rPr>
+                <a:t>out</a:t>
+              </a:r>
+              <a:r>
+                <a:rPr kumimoji="0" lang="zh-TW" altLang="zh-TW" sz="1400" b="0" i="0" u="none" strike="noStrike" cap="none" normalizeH="0" baseline="0">
+                  <a:ln>
+                    <a:noFill/>
+                  </a:ln>
+                  <a:solidFill>
+                    <a:srgbClr val="BCBEC4"/>
+                  </a:solidFill>
+                  <a:effectLst/>
+                  <a:latin typeface="+mj-lt"/>
+                  <a:cs typeface="JetBrains Mono" panose="02000009000000000000" pitchFamily="49" charset="0"/>
+                </a:rPr>
+                <a:t>.println(</a:t>
+              </a:r>
+              <a:r>
+                <a:rPr kumimoji="0" lang="zh-TW" altLang="zh-TW" sz="1400" b="0" i="0" u="none" strike="noStrike" cap="none" normalizeH="0" baseline="0">
+                  <a:ln>
+                    <a:noFill/>
+                  </a:ln>
+                  <a:solidFill>
+                    <a:srgbClr val="6AAB73"/>
+                  </a:solidFill>
+                  <a:effectLst/>
+                  <a:latin typeface="+mj-lt"/>
+                  <a:cs typeface="JetBrains Mono" panose="02000009000000000000" pitchFamily="49" charset="0"/>
+                </a:rPr>
+                <a:t>"</a:t>
+              </a:r>
+              <a:r>
+                <a:rPr kumimoji="0" lang="zh-TW" altLang="zh-TW" sz="1400" b="0" i="0" u="none" strike="noStrike" cap="none" normalizeH="0" baseline="0">
+                  <a:ln>
+                    <a:noFill/>
+                  </a:ln>
+                  <a:solidFill>
+                    <a:srgbClr val="6AAB73"/>
+                  </a:solidFill>
+                  <a:effectLst/>
+                  <a:latin typeface="+mj-lt"/>
+                  <a:ea typeface="微軟正黑體" panose="020B0604030504040204" pitchFamily="34" charset="-120"/>
+                  <a:cs typeface="JetBrains Mono" panose="02000009000000000000" pitchFamily="49" charset="0"/>
+                </a:rPr>
+                <a:t>痛苦的相思忘不了</a:t>
+              </a:r>
+              <a:r>
+                <a:rPr kumimoji="0" lang="zh-TW" altLang="zh-TW" sz="1400" b="0" i="0" u="none" strike="noStrike" cap="none" normalizeH="0" baseline="0">
+                  <a:ln>
+                    <a:noFill/>
+                  </a:ln>
+                  <a:solidFill>
+                    <a:srgbClr val="6AAB73"/>
+                  </a:solidFill>
+                  <a:effectLst/>
+                  <a:latin typeface="+mj-lt"/>
+                  <a:cs typeface="JetBrains Mono" panose="02000009000000000000" pitchFamily="49" charset="0"/>
+                </a:rPr>
+                <a:t>"</a:t>
+              </a:r>
+              <a:r>
+                <a:rPr kumimoji="0" lang="zh-TW" altLang="zh-TW" sz="1400" b="0" i="0" u="none" strike="noStrike" cap="none" normalizeH="0" baseline="0">
+                  <a:ln>
+                    <a:noFill/>
+                  </a:ln>
+                  <a:solidFill>
+                    <a:srgbClr val="BCBEC4"/>
+                  </a:solidFill>
+                  <a:effectLst/>
+                  <a:latin typeface="+mj-lt"/>
+                  <a:cs typeface="JetBrains Mono" panose="02000009000000000000" pitchFamily="49" charset="0"/>
+                </a:rPr>
+                <a:t>);</a:t>
+              </a:r>
+              <a:br>
+                <a:rPr kumimoji="0" lang="zh-TW" altLang="zh-TW" sz="1400" b="0" i="0" u="none" strike="noStrike" cap="none" normalizeH="0" baseline="0">
+                  <a:ln>
+                    <a:noFill/>
+                  </a:ln>
+                  <a:solidFill>
+                    <a:srgbClr val="BCBEC4"/>
+                  </a:solidFill>
+                  <a:effectLst/>
+                  <a:latin typeface="+mj-lt"/>
+                  <a:cs typeface="JetBrains Mono" panose="02000009000000000000" pitchFamily="49" charset="0"/>
+                </a:rPr>
+              </a:br>
+              <a:r>
+                <a:rPr kumimoji="0" lang="zh-TW" altLang="zh-TW" sz="1400" b="0" i="0" u="none" strike="noStrike" cap="none" normalizeH="0" baseline="0">
+                  <a:ln>
+                    <a:noFill/>
+                  </a:ln>
+                  <a:solidFill>
+                    <a:srgbClr val="BCBEC4"/>
+                  </a:solidFill>
+                  <a:effectLst/>
+                  <a:latin typeface="+mj-lt"/>
+                  <a:cs typeface="JetBrains Mono" panose="02000009000000000000" pitchFamily="49" charset="0"/>
+                </a:rPr>
+                <a:t>            </a:t>
+              </a:r>
+              <a:r>
+                <a:rPr kumimoji="0" lang="zh-TW" altLang="zh-TW" sz="1400" b="0" i="0" u="none" strike="noStrike" cap="none" normalizeH="0" baseline="0">
+                  <a:ln>
+                    <a:noFill/>
+                  </a:ln>
+                  <a:solidFill>
+                    <a:srgbClr val="CF8E6D"/>
+                  </a:solidFill>
+                  <a:effectLst/>
+                  <a:latin typeface="+mj-lt"/>
+                  <a:cs typeface="JetBrains Mono" panose="02000009000000000000" pitchFamily="49" charset="0"/>
+                </a:rPr>
+                <a:t>case </a:t>
+              </a:r>
+              <a:r>
+                <a:rPr kumimoji="0" lang="zh-TW" altLang="zh-TW" sz="1400" b="0" i="0" u="none" strike="noStrike" cap="none" normalizeH="0" baseline="0">
+                  <a:ln>
+                    <a:noFill/>
+                  </a:ln>
+                  <a:solidFill>
+                    <a:srgbClr val="6AAB73"/>
+                  </a:solidFill>
+                  <a:effectLst/>
+                  <a:latin typeface="+mj-lt"/>
+                  <a:cs typeface="JetBrains Mono" panose="02000009000000000000" pitchFamily="49" charset="0"/>
+                </a:rPr>
+                <a:t>"</a:t>
+              </a:r>
+              <a:r>
+                <a:rPr kumimoji="0" lang="zh-TW" altLang="zh-TW" sz="1400" b="0" i="0" u="none" strike="noStrike" cap="none" normalizeH="0" baseline="0">
+                  <a:ln>
+                    <a:noFill/>
+                  </a:ln>
+                  <a:solidFill>
+                    <a:srgbClr val="6AAB73"/>
+                  </a:solidFill>
+                  <a:effectLst/>
+                  <a:latin typeface="+mj-lt"/>
+                  <a:ea typeface="微軟正黑體" panose="020B0604030504040204" pitchFamily="34" charset="-120"/>
+                  <a:cs typeface="JetBrains Mono" panose="02000009000000000000" pitchFamily="49" charset="0"/>
+                </a:rPr>
+                <a:t>想念你的笑</a:t>
+              </a:r>
+              <a:r>
+                <a:rPr kumimoji="0" lang="zh-TW" altLang="zh-TW" sz="1400" b="0" i="0" u="none" strike="noStrike" cap="none" normalizeH="0" baseline="0">
+                  <a:ln>
+                    <a:noFill/>
+                  </a:ln>
+                  <a:solidFill>
+                    <a:srgbClr val="6AAB73"/>
+                  </a:solidFill>
+                  <a:effectLst/>
+                  <a:latin typeface="+mj-lt"/>
+                  <a:cs typeface="JetBrains Mono" panose="02000009000000000000" pitchFamily="49" charset="0"/>
+                </a:rPr>
+                <a:t>" </a:t>
+              </a:r>
+              <a:r>
+                <a:rPr kumimoji="0" lang="zh-TW" altLang="zh-TW" sz="1400" b="0" i="0" u="none" strike="noStrike" cap="none" normalizeH="0" baseline="0">
+                  <a:ln>
+                    <a:noFill/>
+                  </a:ln>
+                  <a:solidFill>
+                    <a:srgbClr val="BCBEC4"/>
+                  </a:solidFill>
+                  <a:effectLst/>
+                  <a:latin typeface="+mj-lt"/>
+                  <a:cs typeface="JetBrains Mono" panose="02000009000000000000" pitchFamily="49" charset="0"/>
+                </a:rPr>
+                <a:t>-&gt; System.</a:t>
+              </a:r>
+              <a:r>
+                <a:rPr kumimoji="0" lang="zh-TW" altLang="zh-TW" sz="1400" b="0" i="1" u="none" strike="noStrike" cap="none" normalizeH="0" baseline="0">
+                  <a:ln>
+                    <a:noFill/>
+                  </a:ln>
+                  <a:solidFill>
+                    <a:srgbClr val="C77DBB"/>
+                  </a:solidFill>
+                  <a:effectLst/>
+                  <a:latin typeface="+mj-lt"/>
+                  <a:cs typeface="JetBrains Mono" panose="02000009000000000000" pitchFamily="49" charset="0"/>
+                </a:rPr>
+                <a:t>out</a:t>
+              </a:r>
+              <a:r>
+                <a:rPr kumimoji="0" lang="zh-TW" altLang="zh-TW" sz="1400" b="0" i="0" u="none" strike="noStrike" cap="none" normalizeH="0" baseline="0">
+                  <a:ln>
+                    <a:noFill/>
+                  </a:ln>
+                  <a:solidFill>
+                    <a:srgbClr val="BCBEC4"/>
+                  </a:solidFill>
+                  <a:effectLst/>
+                  <a:latin typeface="+mj-lt"/>
+                  <a:cs typeface="JetBrains Mono" panose="02000009000000000000" pitchFamily="49" charset="0"/>
+                </a:rPr>
+                <a:t>.println(</a:t>
+              </a:r>
+              <a:r>
+                <a:rPr kumimoji="0" lang="zh-TW" altLang="zh-TW" sz="1400" b="0" i="0" u="none" strike="noStrike" cap="none" normalizeH="0" baseline="0">
+                  <a:ln>
+                    <a:noFill/>
+                  </a:ln>
+                  <a:solidFill>
+                    <a:srgbClr val="6AAB73"/>
+                  </a:solidFill>
+                  <a:effectLst/>
+                  <a:latin typeface="+mj-lt"/>
+                  <a:cs typeface="JetBrains Mono" panose="02000009000000000000" pitchFamily="49" charset="0"/>
+                </a:rPr>
+                <a:t>"</a:t>
+              </a:r>
+              <a:r>
+                <a:rPr kumimoji="0" lang="zh-TW" altLang="zh-TW" sz="1400" b="0" i="0" u="none" strike="noStrike" cap="none" normalizeH="0" baseline="0">
+                  <a:ln>
+                    <a:noFill/>
+                  </a:ln>
+                  <a:solidFill>
+                    <a:srgbClr val="6AAB73"/>
+                  </a:solidFill>
+                  <a:effectLst/>
+                  <a:latin typeface="+mj-lt"/>
+                  <a:ea typeface="微軟正黑體" panose="020B0604030504040204" pitchFamily="34" charset="-120"/>
+                  <a:cs typeface="JetBrains Mono" panose="02000009000000000000" pitchFamily="49" charset="0"/>
+                </a:rPr>
+                <a:t>想念你的外套</a:t>
+              </a:r>
+              <a:r>
+                <a:rPr kumimoji="0" lang="zh-TW" altLang="zh-TW" sz="1400" b="0" i="0" u="none" strike="noStrike" cap="none" normalizeH="0" baseline="0">
+                  <a:ln>
+                    <a:noFill/>
+                  </a:ln>
+                  <a:solidFill>
+                    <a:srgbClr val="6AAB73"/>
+                  </a:solidFill>
+                  <a:effectLst/>
+                  <a:latin typeface="+mj-lt"/>
+                  <a:cs typeface="JetBrains Mono" panose="02000009000000000000" pitchFamily="49" charset="0"/>
+                </a:rPr>
+                <a:t>"</a:t>
+              </a:r>
+              <a:r>
+                <a:rPr kumimoji="0" lang="zh-TW" altLang="zh-TW" sz="1400" b="0" i="0" u="none" strike="noStrike" cap="none" normalizeH="0" baseline="0">
+                  <a:ln>
+                    <a:noFill/>
+                  </a:ln>
+                  <a:solidFill>
+                    <a:srgbClr val="BCBEC4"/>
+                  </a:solidFill>
+                  <a:effectLst/>
+                  <a:latin typeface="+mj-lt"/>
+                  <a:cs typeface="JetBrains Mono" panose="02000009000000000000" pitchFamily="49" charset="0"/>
+                </a:rPr>
+                <a:t>);</a:t>
+              </a:r>
+              <a:br>
+                <a:rPr kumimoji="0" lang="zh-TW" altLang="zh-TW" sz="1400" b="0" i="0" u="none" strike="noStrike" cap="none" normalizeH="0" baseline="0">
+                  <a:ln>
+                    <a:noFill/>
+                  </a:ln>
+                  <a:solidFill>
+                    <a:srgbClr val="BCBEC4"/>
+                  </a:solidFill>
+                  <a:effectLst/>
+                  <a:latin typeface="+mj-lt"/>
+                  <a:cs typeface="JetBrains Mono" panose="02000009000000000000" pitchFamily="49" charset="0"/>
+                </a:rPr>
+              </a:br>
+              <a:r>
+                <a:rPr kumimoji="0" lang="zh-TW" altLang="zh-TW" sz="1400" b="0" i="0" u="none" strike="noStrike" cap="none" normalizeH="0" baseline="0">
+                  <a:ln>
+                    <a:noFill/>
+                  </a:ln>
+                  <a:solidFill>
+                    <a:srgbClr val="BCBEC4"/>
+                  </a:solidFill>
+                  <a:effectLst/>
+                  <a:latin typeface="+mj-lt"/>
+                  <a:cs typeface="JetBrains Mono" panose="02000009000000000000" pitchFamily="49" charset="0"/>
+                </a:rPr>
+                <a:t>            </a:t>
+              </a:r>
+              <a:r>
+                <a:rPr kumimoji="0" lang="zh-TW" altLang="zh-TW" sz="1400" b="0" i="0" u="none" strike="noStrike" cap="none" normalizeH="0" baseline="0">
+                  <a:ln>
+                    <a:noFill/>
+                  </a:ln>
+                  <a:solidFill>
+                    <a:srgbClr val="CF8E6D"/>
+                  </a:solidFill>
+                  <a:effectLst/>
+                  <a:latin typeface="+mj-lt"/>
+                  <a:cs typeface="JetBrains Mono" panose="02000009000000000000" pitchFamily="49" charset="0"/>
+                </a:rPr>
+                <a:t>case </a:t>
+              </a:r>
+              <a:r>
+                <a:rPr kumimoji="0" lang="zh-TW" altLang="zh-TW" sz="1400" b="0" i="0" u="none" strike="noStrike" cap="none" normalizeH="0" baseline="0">
+                  <a:ln>
+                    <a:noFill/>
+                  </a:ln>
+                  <a:solidFill>
+                    <a:srgbClr val="6AAB73"/>
+                  </a:solidFill>
+                  <a:effectLst/>
+                  <a:latin typeface="+mj-lt"/>
+                  <a:cs typeface="JetBrains Mono" panose="02000009000000000000" pitchFamily="49" charset="0"/>
+                </a:rPr>
+                <a:t>"</a:t>
+              </a:r>
+              <a:r>
+                <a:rPr kumimoji="0" lang="zh-TW" altLang="zh-TW" sz="1400" b="0" i="0" u="none" strike="noStrike" cap="none" normalizeH="0" baseline="0">
+                  <a:ln>
+                    <a:noFill/>
+                  </a:ln>
+                  <a:solidFill>
+                    <a:srgbClr val="6AAB73"/>
+                  </a:solidFill>
+                  <a:effectLst/>
+                  <a:latin typeface="+mj-lt"/>
+                  <a:ea typeface="微軟正黑體" panose="020B0604030504040204" pitchFamily="34" charset="-120"/>
+                  <a:cs typeface="JetBrains Mono" panose="02000009000000000000" pitchFamily="49" charset="0"/>
+                </a:rPr>
+                <a:t>怎麼忍心怪你犯了錯</a:t>
+              </a:r>
+              <a:r>
+                <a:rPr kumimoji="0" lang="zh-TW" altLang="zh-TW" sz="1400" b="0" i="0" u="none" strike="noStrike" cap="none" normalizeH="0" baseline="0">
+                  <a:ln>
+                    <a:noFill/>
+                  </a:ln>
+                  <a:solidFill>
+                    <a:srgbClr val="6AAB73"/>
+                  </a:solidFill>
+                  <a:effectLst/>
+                  <a:latin typeface="+mj-lt"/>
+                  <a:cs typeface="JetBrains Mono" panose="02000009000000000000" pitchFamily="49" charset="0"/>
+                </a:rPr>
+                <a:t>" </a:t>
+              </a:r>
+              <a:r>
+                <a:rPr kumimoji="0" lang="zh-TW" altLang="zh-TW" sz="1400" b="0" i="0" u="none" strike="noStrike" cap="none" normalizeH="0" baseline="0">
+                  <a:ln>
+                    <a:noFill/>
+                  </a:ln>
+                  <a:solidFill>
+                    <a:srgbClr val="BCBEC4"/>
+                  </a:solidFill>
+                  <a:effectLst/>
+                  <a:latin typeface="+mj-lt"/>
+                  <a:cs typeface="JetBrains Mono" panose="02000009000000000000" pitchFamily="49" charset="0"/>
+                </a:rPr>
+                <a:t>-&gt; System.</a:t>
+              </a:r>
+              <a:r>
+                <a:rPr kumimoji="0" lang="zh-TW" altLang="zh-TW" sz="1400" b="0" i="1" u="none" strike="noStrike" cap="none" normalizeH="0" baseline="0">
+                  <a:ln>
+                    <a:noFill/>
+                  </a:ln>
+                  <a:solidFill>
+                    <a:srgbClr val="C77DBB"/>
+                  </a:solidFill>
+                  <a:effectLst/>
+                  <a:latin typeface="+mj-lt"/>
+                  <a:cs typeface="JetBrains Mono" panose="02000009000000000000" pitchFamily="49" charset="0"/>
+                </a:rPr>
+                <a:t>out</a:t>
+              </a:r>
+              <a:r>
+                <a:rPr kumimoji="0" lang="zh-TW" altLang="zh-TW" sz="1400" b="0" i="0" u="none" strike="noStrike" cap="none" normalizeH="0" baseline="0">
+                  <a:ln>
+                    <a:noFill/>
+                  </a:ln>
+                  <a:solidFill>
+                    <a:srgbClr val="BCBEC4"/>
+                  </a:solidFill>
+                  <a:effectLst/>
+                  <a:latin typeface="+mj-lt"/>
+                  <a:cs typeface="JetBrains Mono" panose="02000009000000000000" pitchFamily="49" charset="0"/>
+                </a:rPr>
+                <a:t>.println(</a:t>
+              </a:r>
+              <a:r>
+                <a:rPr kumimoji="0" lang="zh-TW" altLang="zh-TW" sz="1400" b="0" i="0" u="none" strike="noStrike" cap="none" normalizeH="0" baseline="0">
+                  <a:ln>
+                    <a:noFill/>
+                  </a:ln>
+                  <a:solidFill>
+                    <a:srgbClr val="6AAB73"/>
+                  </a:solidFill>
+                  <a:effectLst/>
+                  <a:latin typeface="+mj-lt"/>
+                  <a:cs typeface="JetBrains Mono" panose="02000009000000000000" pitchFamily="49" charset="0"/>
+                </a:rPr>
+                <a:t>"</a:t>
+              </a:r>
+              <a:r>
+                <a:rPr kumimoji="0" lang="zh-TW" altLang="zh-TW" sz="1400" b="0" i="0" u="none" strike="noStrike" cap="none" normalizeH="0" baseline="0">
+                  <a:ln>
+                    <a:noFill/>
+                  </a:ln>
+                  <a:solidFill>
+                    <a:srgbClr val="6AAB73"/>
+                  </a:solidFill>
+                  <a:effectLst/>
+                  <a:latin typeface="+mj-lt"/>
+                  <a:ea typeface="微軟正黑體" panose="020B0604030504040204" pitchFamily="34" charset="-120"/>
+                  <a:cs typeface="JetBrains Mono" panose="02000009000000000000" pitchFamily="49" charset="0"/>
+                </a:rPr>
+                <a:t>是我給你自由過了火</a:t>
+              </a:r>
+              <a:r>
+                <a:rPr kumimoji="0" lang="zh-TW" altLang="zh-TW" sz="1400" b="0" i="0" u="none" strike="noStrike" cap="none" normalizeH="0" baseline="0">
+                  <a:ln>
+                    <a:noFill/>
+                  </a:ln>
+                  <a:solidFill>
+                    <a:srgbClr val="6AAB73"/>
+                  </a:solidFill>
+                  <a:effectLst/>
+                  <a:latin typeface="+mj-lt"/>
+                  <a:cs typeface="JetBrains Mono" panose="02000009000000000000" pitchFamily="49" charset="0"/>
+                </a:rPr>
+                <a:t>"</a:t>
+              </a:r>
+              <a:r>
+                <a:rPr kumimoji="0" lang="zh-TW" altLang="zh-TW" sz="1400" b="0" i="0" u="none" strike="noStrike" cap="none" normalizeH="0" baseline="0">
+                  <a:ln>
+                    <a:noFill/>
+                  </a:ln>
+                  <a:solidFill>
+                    <a:srgbClr val="BCBEC4"/>
+                  </a:solidFill>
+                  <a:effectLst/>
+                  <a:latin typeface="+mj-lt"/>
+                  <a:cs typeface="JetBrains Mono" panose="02000009000000000000" pitchFamily="49" charset="0"/>
+                </a:rPr>
+                <a:t>);</a:t>
+              </a:r>
+              <a:br>
+                <a:rPr kumimoji="0" lang="zh-TW" altLang="zh-TW" sz="1400" b="0" i="0" u="none" strike="noStrike" cap="none" normalizeH="0" baseline="0">
+                  <a:ln>
+                    <a:noFill/>
+                  </a:ln>
+                  <a:solidFill>
+                    <a:srgbClr val="BCBEC4"/>
+                  </a:solidFill>
+                  <a:effectLst/>
+                  <a:latin typeface="+mj-lt"/>
+                  <a:cs typeface="JetBrains Mono" panose="02000009000000000000" pitchFamily="49" charset="0"/>
+                </a:rPr>
+              </a:br>
+              <a:r>
+                <a:rPr kumimoji="0" lang="zh-TW" altLang="zh-TW" sz="1400" b="0" i="0" u="none" strike="noStrike" cap="none" normalizeH="0" baseline="0">
+                  <a:ln>
+                    <a:noFill/>
+                  </a:ln>
+                  <a:solidFill>
+                    <a:srgbClr val="BCBEC4"/>
+                  </a:solidFill>
+                  <a:effectLst/>
+                  <a:latin typeface="+mj-lt"/>
+                  <a:cs typeface="JetBrains Mono" panose="02000009000000000000" pitchFamily="49" charset="0"/>
+                </a:rPr>
+                <a:t>            </a:t>
+              </a:r>
+              <a:r>
+                <a:rPr kumimoji="0" lang="zh-TW" altLang="zh-TW" sz="1400" b="0" i="0" u="none" strike="noStrike" cap="none" normalizeH="0" baseline="0">
+                  <a:ln>
+                    <a:noFill/>
+                  </a:ln>
+                  <a:solidFill>
+                    <a:srgbClr val="CF8E6D"/>
+                  </a:solidFill>
+                  <a:effectLst/>
+                  <a:latin typeface="+mj-lt"/>
+                  <a:cs typeface="JetBrains Mono" panose="02000009000000000000" pitchFamily="49" charset="0"/>
+                </a:rPr>
+                <a:t>case </a:t>
+              </a:r>
+              <a:r>
+                <a:rPr kumimoji="0" lang="zh-TW" altLang="zh-TW" sz="1400" b="0" i="0" u="none" strike="noStrike" cap="none" normalizeH="0" baseline="0">
+                  <a:ln>
+                    <a:noFill/>
+                  </a:ln>
+                  <a:solidFill>
+                    <a:srgbClr val="6AAB73"/>
+                  </a:solidFill>
+                  <a:effectLst/>
+                  <a:latin typeface="+mj-lt"/>
+                  <a:cs typeface="JetBrains Mono" panose="02000009000000000000" pitchFamily="49" charset="0"/>
+                </a:rPr>
+                <a:t>"</a:t>
+              </a:r>
+              <a:r>
+                <a:rPr kumimoji="0" lang="zh-TW" altLang="zh-TW" sz="1400" b="0" i="0" u="none" strike="noStrike" cap="none" normalizeH="0" baseline="0">
+                  <a:ln>
+                    <a:noFill/>
+                  </a:ln>
+                  <a:solidFill>
+                    <a:srgbClr val="6AAB73"/>
+                  </a:solidFill>
+                  <a:effectLst/>
+                  <a:latin typeface="+mj-lt"/>
+                  <a:ea typeface="微軟正黑體" panose="020B0604030504040204" pitchFamily="34" charset="-120"/>
+                  <a:cs typeface="JetBrains Mono" panose="02000009000000000000" pitchFamily="49" charset="0"/>
+                </a:rPr>
+                <a:t>我願變成童話裡你愛的那個天使</a:t>
+              </a:r>
+              <a:r>
+                <a:rPr kumimoji="0" lang="zh-TW" altLang="zh-TW" sz="1400" b="0" i="0" u="none" strike="noStrike" cap="none" normalizeH="0" baseline="0">
+                  <a:ln>
+                    <a:noFill/>
+                  </a:ln>
+                  <a:solidFill>
+                    <a:srgbClr val="6AAB73"/>
+                  </a:solidFill>
+                  <a:effectLst/>
+                  <a:latin typeface="+mj-lt"/>
+                  <a:cs typeface="JetBrains Mono" panose="02000009000000000000" pitchFamily="49" charset="0"/>
+                </a:rPr>
+                <a:t>" </a:t>
+              </a:r>
+              <a:r>
+                <a:rPr kumimoji="0" lang="zh-TW" altLang="zh-TW" sz="1400" b="0" i="0" u="none" strike="noStrike" cap="none" normalizeH="0" baseline="0">
+                  <a:ln>
+                    <a:noFill/>
+                  </a:ln>
+                  <a:solidFill>
+                    <a:srgbClr val="BCBEC4"/>
+                  </a:solidFill>
+                  <a:effectLst/>
+                  <a:latin typeface="+mj-lt"/>
+                  <a:cs typeface="JetBrains Mono" panose="02000009000000000000" pitchFamily="49" charset="0"/>
+                </a:rPr>
+                <a:t>-&gt; System.</a:t>
+              </a:r>
+              <a:r>
+                <a:rPr kumimoji="0" lang="zh-TW" altLang="zh-TW" sz="1400" b="0" i="1" u="none" strike="noStrike" cap="none" normalizeH="0" baseline="0">
+                  <a:ln>
+                    <a:noFill/>
+                  </a:ln>
+                  <a:solidFill>
+                    <a:srgbClr val="C77DBB"/>
+                  </a:solidFill>
+                  <a:effectLst/>
+                  <a:latin typeface="+mj-lt"/>
+                  <a:cs typeface="JetBrains Mono" panose="02000009000000000000" pitchFamily="49" charset="0"/>
+                </a:rPr>
+                <a:t>out</a:t>
+              </a:r>
+              <a:r>
+                <a:rPr kumimoji="0" lang="zh-TW" altLang="zh-TW" sz="1400" b="0" i="0" u="none" strike="noStrike" cap="none" normalizeH="0" baseline="0">
+                  <a:ln>
+                    <a:noFill/>
+                  </a:ln>
+                  <a:solidFill>
+                    <a:srgbClr val="BCBEC4"/>
+                  </a:solidFill>
+                  <a:effectLst/>
+                  <a:latin typeface="+mj-lt"/>
+                  <a:cs typeface="JetBrains Mono" panose="02000009000000000000" pitchFamily="49" charset="0"/>
+                </a:rPr>
+                <a:t>.println(</a:t>
+              </a:r>
+              <a:r>
+                <a:rPr kumimoji="0" lang="zh-TW" altLang="zh-TW" sz="1400" b="0" i="0" u="none" strike="noStrike" cap="none" normalizeH="0" baseline="0">
+                  <a:ln>
+                    <a:noFill/>
+                  </a:ln>
+                  <a:solidFill>
+                    <a:srgbClr val="6AAB73"/>
+                  </a:solidFill>
+                  <a:effectLst/>
+                  <a:latin typeface="+mj-lt"/>
+                  <a:cs typeface="JetBrains Mono" panose="02000009000000000000" pitchFamily="49" charset="0"/>
+                </a:rPr>
+                <a:t>"</a:t>
+              </a:r>
+              <a:r>
+                <a:rPr kumimoji="0" lang="zh-TW" altLang="zh-TW" sz="1400" b="0" i="0" u="none" strike="noStrike" cap="none" normalizeH="0" baseline="0">
+                  <a:ln>
+                    <a:noFill/>
+                  </a:ln>
+                  <a:solidFill>
+                    <a:srgbClr val="6AAB73"/>
+                  </a:solidFill>
+                  <a:effectLst/>
+                  <a:latin typeface="+mj-lt"/>
+                  <a:ea typeface="微軟正黑體" panose="020B0604030504040204" pitchFamily="34" charset="-120"/>
+                  <a:cs typeface="JetBrains Mono" panose="02000009000000000000" pitchFamily="49" charset="0"/>
+                </a:rPr>
+                <a:t>張開雙手變成翅膀守護你</a:t>
+              </a:r>
+              <a:r>
+                <a:rPr kumimoji="0" lang="zh-TW" altLang="zh-TW" sz="1400" b="0" i="0" u="none" strike="noStrike" cap="none" normalizeH="0" baseline="0">
+                  <a:ln>
+                    <a:noFill/>
+                  </a:ln>
+                  <a:solidFill>
+                    <a:srgbClr val="6AAB73"/>
+                  </a:solidFill>
+                  <a:effectLst/>
+                  <a:latin typeface="+mj-lt"/>
+                  <a:cs typeface="JetBrains Mono" panose="02000009000000000000" pitchFamily="49" charset="0"/>
+                </a:rPr>
+                <a:t>"</a:t>
+              </a:r>
+              <a:r>
+                <a:rPr kumimoji="0" lang="zh-TW" altLang="zh-TW" sz="1400" b="0" i="0" u="none" strike="noStrike" cap="none" normalizeH="0" baseline="0">
+                  <a:ln>
+                    <a:noFill/>
+                  </a:ln>
+                  <a:solidFill>
+                    <a:srgbClr val="BCBEC4"/>
+                  </a:solidFill>
+                  <a:effectLst/>
+                  <a:latin typeface="+mj-lt"/>
+                  <a:cs typeface="JetBrains Mono" panose="02000009000000000000" pitchFamily="49" charset="0"/>
+                </a:rPr>
+                <a:t>);</a:t>
+              </a:r>
+              <a:br>
+                <a:rPr kumimoji="0" lang="zh-TW" altLang="zh-TW" sz="1400" b="0" i="0" u="none" strike="noStrike" cap="none" normalizeH="0" baseline="0">
+                  <a:ln>
+                    <a:noFill/>
+                  </a:ln>
+                  <a:solidFill>
+                    <a:srgbClr val="BCBEC4"/>
+                  </a:solidFill>
+                  <a:effectLst/>
+                  <a:latin typeface="+mj-lt"/>
+                  <a:cs typeface="JetBrains Mono" panose="02000009000000000000" pitchFamily="49" charset="0"/>
+                </a:rPr>
+              </a:br>
+              <a:r>
+                <a:rPr kumimoji="0" lang="zh-TW" altLang="zh-TW" sz="1400" b="0" i="0" u="none" strike="noStrike" cap="none" normalizeH="0" baseline="0">
+                  <a:ln>
+                    <a:noFill/>
+                  </a:ln>
+                  <a:solidFill>
+                    <a:srgbClr val="BCBEC4"/>
+                  </a:solidFill>
+                  <a:effectLst/>
+                  <a:latin typeface="+mj-lt"/>
+                  <a:cs typeface="JetBrains Mono" panose="02000009000000000000" pitchFamily="49" charset="0"/>
+                </a:rPr>
+                <a:t>            </a:t>
+              </a:r>
+              <a:r>
+                <a:rPr kumimoji="0" lang="zh-TW" altLang="zh-TW" sz="1400" b="0" i="0" u="none" strike="noStrike" cap="none" normalizeH="0" baseline="0">
+                  <a:ln>
+                    <a:noFill/>
+                  </a:ln>
+                  <a:solidFill>
+                    <a:srgbClr val="CF8E6D"/>
+                  </a:solidFill>
+                  <a:effectLst/>
+                  <a:latin typeface="+mj-lt"/>
+                  <a:cs typeface="JetBrains Mono" panose="02000009000000000000" pitchFamily="49" charset="0"/>
+                </a:rPr>
+                <a:t>default </a:t>
+              </a:r>
+              <a:r>
+                <a:rPr kumimoji="0" lang="zh-TW" altLang="zh-TW" sz="1400" b="0" i="0" u="none" strike="noStrike" cap="none" normalizeH="0" baseline="0">
+                  <a:ln>
+                    <a:noFill/>
+                  </a:ln>
+                  <a:solidFill>
+                    <a:srgbClr val="BCBEC4"/>
+                  </a:solidFill>
+                  <a:effectLst/>
+                  <a:latin typeface="+mj-lt"/>
+                  <a:cs typeface="JetBrains Mono" panose="02000009000000000000" pitchFamily="49" charset="0"/>
+                </a:rPr>
+                <a:t>-&gt; System.</a:t>
+              </a:r>
+              <a:r>
+                <a:rPr kumimoji="0" lang="zh-TW" altLang="zh-TW" sz="1400" b="0" i="1" u="none" strike="noStrike" cap="none" normalizeH="0" baseline="0">
+                  <a:ln>
+                    <a:noFill/>
+                  </a:ln>
+                  <a:solidFill>
+                    <a:srgbClr val="C77DBB"/>
+                  </a:solidFill>
+                  <a:effectLst/>
+                  <a:latin typeface="+mj-lt"/>
+                  <a:cs typeface="JetBrains Mono" panose="02000009000000000000" pitchFamily="49" charset="0"/>
+                </a:rPr>
+                <a:t>out</a:t>
+              </a:r>
+              <a:r>
+                <a:rPr kumimoji="0" lang="zh-TW" altLang="zh-TW" sz="1400" b="0" i="0" u="none" strike="noStrike" cap="none" normalizeH="0" baseline="0">
+                  <a:ln>
+                    <a:noFill/>
+                  </a:ln>
+                  <a:solidFill>
+                    <a:srgbClr val="BCBEC4"/>
+                  </a:solidFill>
+                  <a:effectLst/>
+                  <a:latin typeface="+mj-lt"/>
+                  <a:cs typeface="JetBrains Mono" panose="02000009000000000000" pitchFamily="49" charset="0"/>
+                </a:rPr>
+                <a:t>.println(</a:t>
+              </a:r>
+              <a:r>
+                <a:rPr kumimoji="0" lang="zh-TW" altLang="zh-TW" sz="1400" b="0" i="0" u="none" strike="noStrike" cap="none" normalizeH="0" baseline="0">
+                  <a:ln>
+                    <a:noFill/>
+                  </a:ln>
+                  <a:solidFill>
+                    <a:srgbClr val="6AAB73"/>
+                  </a:solidFill>
+                  <a:effectLst/>
+                  <a:latin typeface="+mj-lt"/>
+                  <a:cs typeface="JetBrains Mono" panose="02000009000000000000" pitchFamily="49" charset="0"/>
+                </a:rPr>
+                <a:t>"</a:t>
+              </a:r>
+              <a:r>
+                <a:rPr kumimoji="0" lang="zh-TW" altLang="zh-TW" sz="1400" b="0" i="0" u="none" strike="noStrike" cap="none" normalizeH="0" baseline="0">
+                  <a:ln>
+                    <a:noFill/>
+                  </a:ln>
+                  <a:solidFill>
+                    <a:srgbClr val="6AAB73"/>
+                  </a:solidFill>
+                  <a:effectLst/>
+                  <a:latin typeface="+mj-lt"/>
+                  <a:ea typeface="微軟正黑體" panose="020B0604030504040204" pitchFamily="34" charset="-120"/>
+                  <a:cs typeface="JetBrains Mono" panose="02000009000000000000" pitchFamily="49" charset="0"/>
+                </a:rPr>
+                <a:t>我不知道下一句是什麼</a:t>
+              </a:r>
+              <a:r>
+                <a:rPr kumimoji="0" lang="zh-TW" altLang="zh-TW" sz="1400" b="0" i="0" u="none" strike="noStrike" cap="none" normalizeH="0" baseline="0">
+                  <a:ln>
+                    <a:noFill/>
+                  </a:ln>
+                  <a:solidFill>
+                    <a:srgbClr val="6AAB73"/>
+                  </a:solidFill>
+                  <a:effectLst/>
+                  <a:latin typeface="+mj-lt"/>
+                  <a:cs typeface="JetBrains Mono" panose="02000009000000000000" pitchFamily="49" charset="0"/>
+                </a:rPr>
+                <a:t>"</a:t>
+              </a:r>
+              <a:r>
+                <a:rPr kumimoji="0" lang="zh-TW" altLang="zh-TW" sz="1400" b="0" i="0" u="none" strike="noStrike" cap="none" normalizeH="0" baseline="0">
+                  <a:ln>
+                    <a:noFill/>
+                  </a:ln>
+                  <a:solidFill>
+                    <a:srgbClr val="BCBEC4"/>
+                  </a:solidFill>
+                  <a:effectLst/>
+                  <a:latin typeface="+mj-lt"/>
+                  <a:cs typeface="JetBrains Mono" panose="02000009000000000000" pitchFamily="49" charset="0"/>
+                </a:rPr>
+                <a:t>);</a:t>
+              </a:r>
+              <a:br>
+                <a:rPr kumimoji="0" lang="zh-TW" altLang="zh-TW" sz="1400" b="0" i="0" u="none" strike="noStrike" cap="none" normalizeH="0" baseline="0">
+                  <a:ln>
+                    <a:noFill/>
+                  </a:ln>
+                  <a:solidFill>
+                    <a:srgbClr val="BCBEC4"/>
+                  </a:solidFill>
+                  <a:effectLst/>
+                  <a:latin typeface="+mj-lt"/>
+                  <a:cs typeface="JetBrains Mono" panose="02000009000000000000" pitchFamily="49" charset="0"/>
+                </a:rPr>
+              </a:br>
+              <a:r>
+                <a:rPr kumimoji="0" lang="zh-TW" altLang="zh-TW" sz="1400" b="0" i="0" u="none" strike="noStrike" cap="none" normalizeH="0" baseline="0">
+                  <a:ln>
+                    <a:noFill/>
+                  </a:ln>
+                  <a:solidFill>
+                    <a:srgbClr val="BCBEC4"/>
+                  </a:solidFill>
+                  <a:effectLst/>
+                  <a:latin typeface="+mj-lt"/>
+                  <a:cs typeface="JetBrains Mono" panose="02000009000000000000" pitchFamily="49" charset="0"/>
+                </a:rPr>
+                <a:t>        }</a:t>
+              </a:r>
+              <a:br>
+                <a:rPr kumimoji="0" lang="zh-TW" altLang="zh-TW" sz="1400" b="0" i="0" u="none" strike="noStrike" cap="none" normalizeH="0" baseline="0">
+                  <a:ln>
+                    <a:noFill/>
+                  </a:ln>
+                  <a:solidFill>
+                    <a:srgbClr val="BCBEC4"/>
+                  </a:solidFill>
+                  <a:effectLst/>
+                  <a:latin typeface="+mj-lt"/>
+                  <a:cs typeface="JetBrains Mono" panose="02000009000000000000" pitchFamily="49" charset="0"/>
+                </a:rPr>
+              </a:br>
+              <a:r>
+                <a:rPr kumimoji="0" lang="zh-TW" altLang="zh-TW" sz="1400" b="0" i="0" u="none" strike="noStrike" cap="none" normalizeH="0" baseline="0">
+                  <a:ln>
+                    <a:noFill/>
+                  </a:ln>
+                  <a:solidFill>
+                    <a:srgbClr val="BCBEC4"/>
+                  </a:solidFill>
+                  <a:effectLst/>
+                  <a:latin typeface="+mj-lt"/>
+                  <a:cs typeface="JetBrains Mono" panose="02000009000000000000" pitchFamily="49" charset="0"/>
+                </a:rPr>
+                <a:t>    }</a:t>
+              </a:r>
+              <a:br>
+                <a:rPr kumimoji="0" lang="zh-TW" altLang="zh-TW" sz="1400" b="0" i="0" u="none" strike="noStrike" cap="none" normalizeH="0" baseline="0">
+                  <a:ln>
+                    <a:noFill/>
+                  </a:ln>
+                  <a:solidFill>
+                    <a:srgbClr val="BCBEC4"/>
+                  </a:solidFill>
+                  <a:effectLst/>
+                  <a:latin typeface="+mj-lt"/>
+                  <a:cs typeface="JetBrains Mono" panose="02000009000000000000" pitchFamily="49" charset="0"/>
+                </a:rPr>
+              </a:br>
+              <a:r>
+                <a:rPr kumimoji="0" lang="zh-TW" altLang="zh-TW" sz="1400" b="0" i="0" u="none" strike="noStrike" cap="none" normalizeH="0" baseline="0">
+                  <a:ln>
+                    <a:noFill/>
+                  </a:ln>
+                  <a:solidFill>
+                    <a:srgbClr val="BCBEC4"/>
+                  </a:solidFill>
+                  <a:effectLst/>
+                  <a:latin typeface="+mj-lt"/>
+                  <a:cs typeface="JetBrains Mono" panose="02000009000000000000" pitchFamily="49" charset="0"/>
+                </a:rPr>
+                <a:t>}</a:t>
+              </a:r>
+              <a:endParaRPr kumimoji="0" lang="zh-TW" altLang="zh-TW" sz="2400" b="0" i="0" u="none" strike="noStrike" cap="none" normalizeH="0" baseline="0">
+                <a:ln>
+                  <a:noFill/>
+                </a:ln>
+                <a:solidFill>
+                  <a:schemeClr val="tx1"/>
+                </a:solidFill>
+                <a:effectLst/>
+                <a:latin typeface="+mj-lt"/>
+              </a:endParaRPr>
+            </a:p>
+          </p:txBody>
+        </p:sp>
+        <p:sp>
+          <p:nvSpPr>
+            <p:cNvPr id="5" name="文字方塊 4">
+              <a:extLst>
+                <a:ext uri="{FF2B5EF4-FFF2-40B4-BE49-F238E27FC236}">
+                  <a16:creationId xmlns:a16="http://schemas.microsoft.com/office/drawing/2014/main" id="{3E0B7474-531C-4DFF-97F9-7458F4C526AB}"/>
+                </a:ext>
+              </a:extLst>
+            </p:cNvPr>
+            <p:cNvSpPr txBox="1"/>
+            <p:nvPr/>
+          </p:nvSpPr>
+          <p:spPr>
+            <a:xfrm>
+              <a:off x="10771587" y="6301971"/>
+              <a:ext cx="582211" cy="307777"/>
+            </a:xfrm>
+            <a:prstGeom prst="rect">
+              <a:avLst/>
+            </a:prstGeom>
+            <a:noFill/>
+          </p:spPr>
+          <p:txBody>
+            <a:bodyPr wrap="none" rtlCol="0">
+              <a:spAutoFit/>
+            </a:bodyPr>
+            <a:lstStyle/>
+            <a:p>
+              <a:r>
+                <a:rPr lang="en-US" altLang="zh-TW" sz="1400">
+                  <a:solidFill>
+                    <a:schemeClr val="accent3"/>
+                  </a:solidFill>
+                </a:rPr>
+                <a:t>java</a:t>
+              </a:r>
+              <a:endParaRPr lang="zh-TW" altLang="en-US" sz="1400">
+                <a:solidFill>
+                  <a:schemeClr val="accent3"/>
+                </a:solidFill>
+              </a:endParaRPr>
+            </a:p>
+          </p:txBody>
+        </p:sp>
+        <p:pic>
+          <p:nvPicPr>
+            <p:cNvPr id="6" name="圖片 5">
+              <a:hlinkClick r:id="rId2"/>
+              <a:extLst>
+                <a:ext uri="{FF2B5EF4-FFF2-40B4-BE49-F238E27FC236}">
+                  <a16:creationId xmlns:a16="http://schemas.microsoft.com/office/drawing/2014/main" id="{62C27124-8669-4575-8B2A-3DC48F3B60D0}"/>
+                </a:ext>
+              </a:extLst>
+            </p:cNvPr>
+            <p:cNvPicPr>
+              <a:picLocks noChangeAspect="1"/>
+            </p:cNvPicPr>
+            <p:nvPr/>
+          </p:nvPicPr>
+          <p:blipFill>
+            <a:blip r:embed="rId3">
+              <a:extLst>
+                <a:ext uri="{28A0092B-C50C-407E-A947-70E740481C1C}">
+                  <a14:useLocalDpi xmlns:a14="http://schemas.microsoft.com/office/drawing/2010/main" val="0"/>
+                </a:ext>
+              </a:extLst>
+            </a:blip>
+            <a:stretch>
+              <a:fillRect/>
+            </a:stretch>
+          </p:blipFill>
+          <p:spPr>
+            <a:xfrm>
+              <a:off x="10910046" y="3285761"/>
+              <a:ext cx="443752" cy="434104"/>
+            </a:xfrm>
+            <a:prstGeom prst="rect">
+              <a:avLst/>
+            </a:prstGeom>
+          </p:spPr>
+        </p:pic>
+      </p:grpSp>
     </p:spTree>
     <p:extLst>
       <p:ext uri="{BB962C8B-B14F-4D97-AF65-F5344CB8AC3E}">

--- a/powerpoint/06_流程控制.pptx
+++ b/powerpoint/06_流程控制.pptx
@@ -13,6 +13,8 @@
     <p:sldId id="260" r:id="rId7"/>
     <p:sldId id="263" r:id="rId8"/>
     <p:sldId id="262" r:id="rId9"/>
+    <p:sldId id="264" r:id="rId10"/>
+    <p:sldId id="265" r:id="rId11"/>
   </p:sldIdLst>
   <p:sldSz cx="12192000" cy="6858000"/>
   <p:notesSz cx="6858000" cy="9144000"/>
@@ -7949,6 +7951,89 @@
 </p:sld>
 </file>
 
+<file path=ppt/slides/slide10.xml><?xml version="1.0" encoding="utf-8"?>
+<p:sld xmlns:a="http://schemas.openxmlformats.org/drawingml/2006/main" xmlns:r="http://schemas.openxmlformats.org/officeDocument/2006/relationships" xmlns:p="http://schemas.openxmlformats.org/presentationml/2006/main">
+  <p:cSld>
+    <p:spTree>
+      <p:nvGrpSpPr>
+        <p:cNvPr id="1" name=""/>
+        <p:cNvGrpSpPr/>
+        <p:nvPr/>
+      </p:nvGrpSpPr>
+      <p:grpSpPr>
+        <a:xfrm>
+          <a:off x="0" y="0"/>
+          <a:ext cx="0" cy="0"/>
+          <a:chOff x="0" y="0"/>
+          <a:chExt cx="0" cy="0"/>
+        </a:xfrm>
+      </p:grpSpPr>
+      <p:sp>
+        <p:nvSpPr>
+          <p:cNvPr id="2" name="標題 1">
+            <a:extLst>
+              <a:ext uri="{FF2B5EF4-FFF2-40B4-BE49-F238E27FC236}">
+                <a16:creationId xmlns:a16="http://schemas.microsoft.com/office/drawing/2014/main" id="{754B1C9A-8D7E-40A5-8232-75E712B1D9E5}"/>
+              </a:ext>
+            </a:extLst>
+          </p:cNvPr>
+          <p:cNvSpPr>
+            <a:spLocks noGrp="1"/>
+          </p:cNvSpPr>
+          <p:nvPr>
+            <p:ph type="title"/>
+          </p:nvPr>
+        </p:nvSpPr>
+        <p:spPr/>
+        <p:txBody>
+          <a:bodyPr/>
+          <a:lstStyle/>
+          <a:p>
+            <a:endParaRPr lang="zh-TW" altLang="en-US"/>
+          </a:p>
+        </p:txBody>
+      </p:sp>
+      <p:sp>
+        <p:nvSpPr>
+          <p:cNvPr id="3" name="內容版面配置區 2">
+            <a:extLst>
+              <a:ext uri="{FF2B5EF4-FFF2-40B4-BE49-F238E27FC236}">
+                <a16:creationId xmlns:a16="http://schemas.microsoft.com/office/drawing/2014/main" id="{05A0742A-15BC-4017-86F9-E4A18070691F}"/>
+              </a:ext>
+            </a:extLst>
+          </p:cNvPr>
+          <p:cNvSpPr>
+            <a:spLocks noGrp="1"/>
+          </p:cNvSpPr>
+          <p:nvPr>
+            <p:ph idx="1"/>
+          </p:nvPr>
+        </p:nvSpPr>
+        <p:spPr/>
+        <p:txBody>
+          <a:bodyPr/>
+          <a:lstStyle/>
+          <a:p>
+            <a:endParaRPr lang="zh-TW" altLang="en-US"/>
+          </a:p>
+        </p:txBody>
+      </p:sp>
+    </p:spTree>
+    <p:extLst>
+      <p:ext uri="{BB962C8B-B14F-4D97-AF65-F5344CB8AC3E}">
+        <p14:creationId xmlns:p14="http://schemas.microsoft.com/office/powerpoint/2010/main" val="2111517098"/>
+      </p:ext>
+    </p:extLst>
+  </p:cSld>
+  <p:clrMapOvr>
+    <a:masterClrMapping/>
+  </p:clrMapOvr>
+  <p:transition spd="slow">
+    <p:push dir="u"/>
+  </p:transition>
+</p:sld>
+</file>
+
 <file path=ppt/slides/slide2.xml><?xml version="1.0" encoding="utf-8"?>
 <p:sld xmlns:a="http://schemas.openxmlformats.org/drawingml/2006/main" xmlns:r="http://schemas.openxmlformats.org/officeDocument/2006/relationships" xmlns:p="http://schemas.openxmlformats.org/presentationml/2006/main">
   <p:cSld>
@@ -10283,8 +10368,8 @@
           </p:nvSpPr>
           <p:spPr>
             <a:xfrm>
-              <a:off x="10944852" y="6062305"/>
-              <a:ext cx="780983" cy="307777"/>
+              <a:off x="10845466" y="6062305"/>
+              <a:ext cx="880369" cy="307777"/>
             </a:xfrm>
             <a:prstGeom prst="rect">
               <a:avLst/>
@@ -10303,7 +10388,7 @@
                     <a:schemeClr val="accent3"/>
                   </a:solidFill>
                 </a:rPr>
-                <a:t>output</a:t>
+                <a:t>console</a:t>
               </a:r>
             </a:p>
           </p:txBody>
@@ -10459,8 +10544,8 @@
           </p:nvSpPr>
           <p:spPr>
             <a:xfrm>
-              <a:off x="10944852" y="5014581"/>
-              <a:ext cx="780983" cy="307777"/>
+              <a:off x="10845465" y="5014581"/>
+              <a:ext cx="880369" cy="307777"/>
             </a:xfrm>
             <a:prstGeom prst="rect">
               <a:avLst/>
@@ -10479,7 +10564,7 @@
                     <a:schemeClr val="accent3"/>
                   </a:solidFill>
                 </a:rPr>
-                <a:t>output</a:t>
+                <a:t>console</a:t>
               </a:r>
             </a:p>
           </p:txBody>
@@ -10639,8 +10724,8 @@
           </p:nvSpPr>
           <p:spPr>
             <a:xfrm>
-              <a:off x="10944851" y="3982245"/>
-              <a:ext cx="780983" cy="307777"/>
+              <a:off x="10845464" y="3982245"/>
+              <a:ext cx="880369" cy="307777"/>
             </a:xfrm>
             <a:prstGeom prst="rect">
               <a:avLst/>
@@ -10659,7 +10744,7 @@
                     <a:schemeClr val="accent3"/>
                   </a:solidFill>
                 </a:rPr>
-                <a:t>output</a:t>
+                <a:t>console</a:t>
               </a:r>
             </a:p>
           </p:txBody>
@@ -10823,8 +10908,8 @@
           </p:nvSpPr>
           <p:spPr>
             <a:xfrm>
-              <a:off x="10944852" y="2965298"/>
-              <a:ext cx="780983" cy="307777"/>
+              <a:off x="10845464" y="2965298"/>
+              <a:ext cx="880369" cy="307777"/>
             </a:xfrm>
             <a:prstGeom prst="rect">
               <a:avLst/>
@@ -10843,7 +10928,7 @@
                     <a:schemeClr val="accent3"/>
                   </a:solidFill>
                 </a:rPr>
-                <a:t>output</a:t>
+                <a:t>console</a:t>
               </a:r>
             </a:p>
           </p:txBody>
@@ -11008,8 +11093,8 @@
           </p:nvSpPr>
           <p:spPr>
             <a:xfrm>
-              <a:off x="10944852" y="1931460"/>
-              <a:ext cx="780983" cy="307777"/>
+              <a:off x="10845463" y="1931460"/>
+              <a:ext cx="880369" cy="307777"/>
             </a:xfrm>
             <a:prstGeom prst="rect">
               <a:avLst/>
@@ -11028,7 +11113,7 @@
                     <a:schemeClr val="accent3"/>
                   </a:solidFill>
                 </a:rPr>
-                <a:t>output</a:t>
+                <a:t>console</a:t>
               </a:r>
             </a:p>
           </p:txBody>
@@ -15855,7 +15940,7 @@
             </a:r>
             <a:r>
               <a:rPr lang="zh-TW" altLang="en-US"/>
-              <a:t>來替代冒號</a:t>
+              <a:t>來替代冒號，但兩者不可混用</a:t>
             </a:r>
             <a:endParaRPr lang="en-US" altLang="zh-TW"/>
           </a:p>
@@ -15913,9 +15998,9 @@
         <p:grpSpPr>
           <a:xfrm>
             <a:off x="618566" y="3126450"/>
-            <a:ext cx="10954869" cy="3323987"/>
+            <a:ext cx="10957110" cy="3323987"/>
             <a:chOff x="398930" y="3285761"/>
-            <a:chExt cx="10954869" cy="3323987"/>
+            <a:chExt cx="10957110" cy="3323987"/>
           </a:xfrm>
         </p:grpSpPr>
         <p:sp>
@@ -16758,6 +16843,63 @@
                   <a:latin typeface="+mj-lt"/>
                   <a:cs typeface="JetBrains Mono" panose="02000009000000000000" pitchFamily="49" charset="0"/>
                 </a:rPr>
+                <a:t>"</a:t>
+              </a:r>
+              <a:r>
+                <a:rPr kumimoji="0" lang="zh-TW" altLang="zh-TW" sz="1400" b="0" i="0" u="none" strike="noStrike" cap="none" normalizeH="0" baseline="0">
+                  <a:ln>
+                    <a:noFill/>
+                  </a:ln>
+                  <a:solidFill>
+                    <a:srgbClr val="BCBEC4"/>
+                  </a:solidFill>
+                  <a:effectLst/>
+                  <a:latin typeface="+mj-lt"/>
+                  <a:cs typeface="JetBrains Mono" panose="02000009000000000000" pitchFamily="49" charset="0"/>
+                </a:rPr>
+                <a:t>, </a:t>
+              </a:r>
+              <a:r>
+                <a:rPr kumimoji="0" lang="zh-TW" altLang="zh-TW" sz="1400" b="0" i="0" u="none" strike="noStrike" cap="none" normalizeH="0" baseline="0">
+                  <a:ln>
+                    <a:noFill/>
+                  </a:ln>
+                  <a:solidFill>
+                    <a:srgbClr val="6AAB73"/>
+                  </a:solidFill>
+                  <a:effectLst/>
+                  <a:latin typeface="+mj-lt"/>
+                  <a:cs typeface="JetBrains Mono" panose="02000009000000000000" pitchFamily="49" charset="0"/>
+                </a:rPr>
+                <a:t>"</a:t>
+              </a:r>
+              <a:r>
+                <a:rPr kumimoji="0" lang="zh-TW" altLang="zh-TW" sz="1400" b="0" i="0" u="none" strike="noStrike" cap="none" normalizeH="0" baseline="0">
+                  <a:ln>
+                    <a:noFill/>
+                  </a:ln>
+                  <a:solidFill>
+                    <a:srgbClr val="6AAB73"/>
+                  </a:solidFill>
+                  <a:effectLst/>
+                  <a:latin typeface="+mj-lt"/>
+                  <a:ea typeface="微軟正黑體" panose="020B0604030504040204" pitchFamily="34" charset="-120"/>
+                  <a:cs typeface="JetBrains Mono" panose="02000009000000000000" pitchFamily="49" charset="0"/>
+                </a:rPr>
+                <a:t>怎麼忍心讓你受折磨</a:t>
+              </a:r>
+              <a:r>
+                <a:rPr kumimoji="0" lang="zh-TW" altLang="zh-TW" sz="1400" b="0" i="0" u="none" strike="noStrike" cap="none" normalizeH="0" baseline="0">
+                  <a:ln>
+                    <a:noFill/>
+                  </a:ln>
+                  <a:solidFill>
+                    <a:srgbClr val="6AAB73"/>
+                  </a:solidFill>
+                  <a:effectLst/>
+                  <a:latin typeface="+mj-lt"/>
+                  <a:cs typeface="JetBrains Mono" panose="02000009000000000000" pitchFamily="49" charset="0"/>
+                </a:rPr>
                 <a:t>" </a:t>
               </a:r>
               <a:r>
@@ -17349,7 +17491,7 @@
           </p:blipFill>
           <p:spPr>
             <a:xfrm>
-              <a:off x="10910046" y="3285761"/>
+              <a:off x="10912288" y="4053594"/>
               <a:ext cx="443752" cy="434104"/>
             </a:xfrm>
             <a:prstGeom prst="rect">
@@ -17358,10 +17500,2375 @@
           </p:spPr>
         </p:pic>
       </p:grpSp>
+      <p:grpSp>
+        <p:nvGrpSpPr>
+          <p:cNvPr id="9" name="群組 8">
+            <a:extLst>
+              <a:ext uri="{FF2B5EF4-FFF2-40B4-BE49-F238E27FC236}">
+                <a16:creationId xmlns:a16="http://schemas.microsoft.com/office/drawing/2014/main" id="{3B335893-58DD-4059-8A2F-E84E1D5C281E}"/>
+              </a:ext>
+            </a:extLst>
+          </p:cNvPr>
+          <p:cNvGrpSpPr/>
+          <p:nvPr/>
+        </p:nvGrpSpPr>
+        <p:grpSpPr>
+          <a:xfrm>
+            <a:off x="8256738" y="3126450"/>
+            <a:ext cx="3285565" cy="646331"/>
+            <a:chOff x="8440269" y="5723751"/>
+            <a:chExt cx="3285565" cy="646331"/>
+          </a:xfrm>
+        </p:grpSpPr>
+        <p:sp>
+          <p:nvSpPr>
+            <p:cNvPr id="10" name="Rectangle 1">
+              <a:extLst>
+                <a:ext uri="{FF2B5EF4-FFF2-40B4-BE49-F238E27FC236}">
+                  <a16:creationId xmlns:a16="http://schemas.microsoft.com/office/drawing/2014/main" id="{602929D4-BE4D-4E3B-9DC1-5B4E05FF2EC2}"/>
+                </a:ext>
+              </a:extLst>
+            </p:cNvPr>
+            <p:cNvSpPr>
+              <a:spLocks noChangeArrowheads="1"/>
+            </p:cNvSpPr>
+            <p:nvPr/>
+          </p:nvSpPr>
+          <p:spPr bwMode="auto">
+            <a:xfrm>
+              <a:off x="8440269" y="5723751"/>
+              <a:ext cx="3285565" cy="646331"/>
+            </a:xfrm>
+            <a:prstGeom prst="rect">
+              <a:avLst/>
+            </a:prstGeom>
+            <a:solidFill>
+              <a:srgbClr val="1E1F22"/>
+            </a:solidFill>
+            <a:ln w="12700">
+              <a:solidFill>
+                <a:schemeClr val="tx1"/>
+              </a:solidFill>
+              <a:miter lim="800000"/>
+              <a:headEnd/>
+              <a:tailEnd/>
+            </a:ln>
+            <a:effectLst/>
+            <a:extLst>
+              <a:ext uri="{AF507438-7753-43E0-B8FC-AC1667EBCBE1}">
+                <a14:hiddenEffects xmlns:a14="http://schemas.microsoft.com/office/drawing/2010/main">
+                  <a:effectLst>
+                    <a:outerShdw dist="35921" dir="2700000" algn="ctr" rotWithShape="0">
+                      <a:schemeClr val="bg2"/>
+                    </a:outerShdw>
+                  </a:effectLst>
+                </a14:hiddenEffects>
+              </a:ext>
+            </a:extLst>
+          </p:spPr>
+          <p:txBody>
+            <a:bodyPr vert="horz" wrap="square" lIns="91440" tIns="45720" rIns="91440" bIns="45720" numCol="1" anchor="ctr" anchorCtr="0" compatLnSpc="1">
+              <a:prstTxWarp prst="textNoShape">
+                <a:avLst/>
+              </a:prstTxWarp>
+              <a:spAutoFit/>
+            </a:bodyPr>
+            <a:lstStyle/>
+            <a:p>
+              <a:pPr marL="0" marR="0" lvl="0" indent="0" algn="l" defTabSz="914400" rtl="0" eaLnBrk="0" fontAlgn="base" latinLnBrk="0" hangingPunct="0">
+                <a:lnSpc>
+                  <a:spcPct val="100000"/>
+                </a:lnSpc>
+                <a:spcBef>
+                  <a:spcPct val="0"/>
+                </a:spcBef>
+                <a:spcAft>
+                  <a:spcPct val="0"/>
+                </a:spcAft>
+                <a:buClrTx/>
+                <a:buSzTx/>
+                <a:buFontTx/>
+                <a:buNone/>
+                <a:tabLst/>
+              </a:pPr>
+              <a:r>
+                <a:rPr lang="zh-TW" altLang="en-US">
+                  <a:solidFill>
+                    <a:srgbClr val="92D050"/>
+                  </a:solidFill>
+                  <a:latin typeface="+mj-lt"/>
+                  <a:cs typeface="JetBrains Mono" panose="02000009000000000000" pitchFamily="49" charset="0"/>
+                </a:rPr>
+                <a:t>怎麼忍心讓你受折磨</a:t>
+              </a:r>
+              <a:endParaRPr lang="en-US" altLang="zh-TW">
+                <a:solidFill>
+                  <a:srgbClr val="92D050"/>
+                </a:solidFill>
+                <a:latin typeface="+mj-lt"/>
+                <a:cs typeface="JetBrains Mono" panose="02000009000000000000" pitchFamily="49" charset="0"/>
+              </a:endParaRPr>
+            </a:p>
+            <a:p>
+              <a:pPr marL="0" marR="0" lvl="0" indent="0" algn="l" defTabSz="914400" rtl="0" eaLnBrk="0" fontAlgn="base" latinLnBrk="0" hangingPunct="0">
+                <a:lnSpc>
+                  <a:spcPct val="100000"/>
+                </a:lnSpc>
+                <a:spcBef>
+                  <a:spcPct val="0"/>
+                </a:spcBef>
+                <a:spcAft>
+                  <a:spcPct val="0"/>
+                </a:spcAft>
+                <a:buClrTx/>
+                <a:buSzTx/>
+                <a:buFontTx/>
+                <a:buNone/>
+                <a:tabLst/>
+              </a:pPr>
+              <a:r>
+                <a:rPr lang="zh-TW" altLang="en-US">
+                  <a:solidFill>
+                    <a:srgbClr val="BCBEC4"/>
+                  </a:solidFill>
+                  <a:latin typeface="+mj-lt"/>
+                  <a:cs typeface="JetBrains Mono" panose="02000009000000000000" pitchFamily="49" charset="0"/>
+                </a:rPr>
+                <a:t>是我給你自由過了火</a:t>
+              </a:r>
+            </a:p>
+          </p:txBody>
+        </p:sp>
+        <p:sp>
+          <p:nvSpPr>
+            <p:cNvPr id="11" name="文字方塊 10">
+              <a:extLst>
+                <a:ext uri="{FF2B5EF4-FFF2-40B4-BE49-F238E27FC236}">
+                  <a16:creationId xmlns:a16="http://schemas.microsoft.com/office/drawing/2014/main" id="{6A406CE1-6FCF-403D-81BA-AC900D38BA25}"/>
+                </a:ext>
+              </a:extLst>
+            </p:cNvPr>
+            <p:cNvSpPr txBox="1"/>
+            <p:nvPr/>
+          </p:nvSpPr>
+          <p:spPr>
+            <a:xfrm>
+              <a:off x="10845465" y="6062305"/>
+              <a:ext cx="880369" cy="307777"/>
+            </a:xfrm>
+            <a:prstGeom prst="rect">
+              <a:avLst/>
+            </a:prstGeom>
+            <a:noFill/>
+          </p:spPr>
+          <p:txBody>
+            <a:bodyPr wrap="none" rtlCol="0">
+              <a:spAutoFit/>
+            </a:bodyPr>
+            <a:lstStyle/>
+            <a:p>
+              <a:r>
+                <a:rPr lang="en-US" altLang="zh-TW" sz="1400">
+                  <a:solidFill>
+                    <a:schemeClr val="accent3"/>
+                  </a:solidFill>
+                </a:rPr>
+                <a:t>console</a:t>
+              </a:r>
+            </a:p>
+          </p:txBody>
+        </p:sp>
+      </p:grpSp>
     </p:spTree>
     <p:extLst>
       <p:ext uri="{BB962C8B-B14F-4D97-AF65-F5344CB8AC3E}">
         <p14:creationId xmlns:p14="http://schemas.microsoft.com/office/powerpoint/2010/main" val="211777568"/>
+      </p:ext>
+    </p:extLst>
+  </p:cSld>
+  <p:clrMapOvr>
+    <a:masterClrMapping/>
+  </p:clrMapOvr>
+  <p:transition spd="slow">
+    <p:push dir="u"/>
+  </p:transition>
+</p:sld>
+</file>
+
+<file path=ppt/slides/slide9.xml><?xml version="1.0" encoding="utf-8"?>
+<p:sld xmlns:a="http://schemas.openxmlformats.org/drawingml/2006/main" xmlns:r="http://schemas.openxmlformats.org/officeDocument/2006/relationships" xmlns:p="http://schemas.openxmlformats.org/presentationml/2006/main">
+  <p:cSld>
+    <p:spTree>
+      <p:nvGrpSpPr>
+        <p:cNvPr id="1" name=""/>
+        <p:cNvGrpSpPr/>
+        <p:nvPr/>
+      </p:nvGrpSpPr>
+      <p:grpSpPr>
+        <a:xfrm>
+          <a:off x="0" y="0"/>
+          <a:ext cx="0" cy="0"/>
+          <a:chOff x="0" y="0"/>
+          <a:chExt cx="0" cy="0"/>
+        </a:xfrm>
+      </p:grpSpPr>
+      <p:grpSp>
+        <p:nvGrpSpPr>
+          <p:cNvPr id="26" name="群組 25">
+            <a:extLst>
+              <a:ext uri="{FF2B5EF4-FFF2-40B4-BE49-F238E27FC236}">
+                <a16:creationId xmlns:a16="http://schemas.microsoft.com/office/drawing/2014/main" id="{BD4558B2-B152-4AF2-8212-53ABEBD70339}"/>
+              </a:ext>
+            </a:extLst>
+          </p:cNvPr>
+          <p:cNvGrpSpPr/>
+          <p:nvPr/>
+        </p:nvGrpSpPr>
+        <p:grpSpPr>
+          <a:xfrm>
+            <a:off x="582705" y="2308505"/>
+            <a:ext cx="10771093" cy="4185761"/>
+            <a:chOff x="582705" y="2308505"/>
+            <a:chExt cx="10771093" cy="4185761"/>
+          </a:xfrm>
+        </p:grpSpPr>
+        <p:sp>
+          <p:nvSpPr>
+            <p:cNvPr id="5" name="Rectangle 2">
+              <a:extLst>
+                <a:ext uri="{FF2B5EF4-FFF2-40B4-BE49-F238E27FC236}">
+                  <a16:creationId xmlns:a16="http://schemas.microsoft.com/office/drawing/2014/main" id="{A25B7B46-9F15-481F-B3DD-3288C8CDF005}"/>
+                </a:ext>
+              </a:extLst>
+            </p:cNvPr>
+            <p:cNvSpPr>
+              <a:spLocks noChangeArrowheads="1"/>
+            </p:cNvSpPr>
+            <p:nvPr/>
+          </p:nvSpPr>
+          <p:spPr bwMode="auto">
+            <a:xfrm>
+              <a:off x="582705" y="2308505"/>
+              <a:ext cx="10771093" cy="4185761"/>
+            </a:xfrm>
+            <a:prstGeom prst="rect">
+              <a:avLst/>
+            </a:prstGeom>
+            <a:solidFill>
+              <a:srgbClr val="1E1F22"/>
+            </a:solidFill>
+            <a:ln>
+              <a:noFill/>
+            </a:ln>
+            <a:effectLst/>
+            <a:extLst>
+              <a:ext uri="{91240B29-F687-4F45-9708-019B960494DF}">
+                <a14:hiddenLine xmlns:a14="http://schemas.microsoft.com/office/drawing/2010/main" w="9525">
+                  <a:solidFill>
+                    <a:schemeClr val="tx1"/>
+                  </a:solidFill>
+                  <a:miter lim="800000"/>
+                  <a:headEnd/>
+                  <a:tailEnd/>
+                </a14:hiddenLine>
+              </a:ext>
+              <a:ext uri="{AF507438-7753-43E0-B8FC-AC1667EBCBE1}">
+                <a14:hiddenEffects xmlns:a14="http://schemas.microsoft.com/office/drawing/2010/main">
+                  <a:effectLst>
+                    <a:outerShdw dist="35921" dir="2700000" algn="ctr" rotWithShape="0">
+                      <a:schemeClr val="bg2"/>
+                    </a:outerShdw>
+                  </a:effectLst>
+                </a14:hiddenEffects>
+              </a:ext>
+            </a:extLst>
+          </p:spPr>
+          <p:txBody>
+            <a:bodyPr vert="horz" wrap="square" lIns="91440" tIns="45720" rIns="91440" bIns="45720" numCol="1" anchor="ctr" anchorCtr="0" compatLnSpc="1">
+              <a:prstTxWarp prst="textNoShape">
+                <a:avLst/>
+              </a:prstTxWarp>
+              <a:spAutoFit/>
+            </a:bodyPr>
+            <a:lstStyle/>
+            <a:p>
+              <a:pPr marL="0" marR="0" lvl="0" indent="0" algn="l" defTabSz="914400" rtl="0" eaLnBrk="0" fontAlgn="base" latinLnBrk="0" hangingPunct="0">
+                <a:lnSpc>
+                  <a:spcPct val="100000"/>
+                </a:lnSpc>
+                <a:spcBef>
+                  <a:spcPct val="0"/>
+                </a:spcBef>
+                <a:spcAft>
+                  <a:spcPct val="0"/>
+                </a:spcAft>
+                <a:buClrTx/>
+                <a:buSzTx/>
+                <a:buFontTx/>
+                <a:buNone/>
+                <a:tabLst/>
+              </a:pPr>
+              <a:r>
+                <a:rPr kumimoji="0" lang="zh-TW" altLang="zh-TW" sz="1400" b="0" i="0" u="none" strike="noStrike" cap="none" normalizeH="0" baseline="0">
+                  <a:ln>
+                    <a:noFill/>
+                  </a:ln>
+                  <a:solidFill>
+                    <a:srgbClr val="CF8E6D"/>
+                  </a:solidFill>
+                  <a:effectLst/>
+                  <a:latin typeface="+mj-lt"/>
+                  <a:cs typeface="JetBrains Mono" panose="02000009000000000000" pitchFamily="49" charset="0"/>
+                </a:rPr>
+                <a:t>import </a:t>
+              </a:r>
+              <a:r>
+                <a:rPr kumimoji="0" lang="zh-TW" altLang="zh-TW" sz="1400" b="0" i="0" u="none" strike="noStrike" cap="none" normalizeH="0" baseline="0">
+                  <a:ln>
+                    <a:noFill/>
+                  </a:ln>
+                  <a:solidFill>
+                    <a:srgbClr val="BCBEC4"/>
+                  </a:solidFill>
+                  <a:effectLst/>
+                  <a:latin typeface="+mj-lt"/>
+                  <a:cs typeface="JetBrains Mono" panose="02000009000000000000" pitchFamily="49" charset="0"/>
+                </a:rPr>
+                <a:t>java.util.Scanner;</a:t>
+              </a:r>
+              <a:br>
+                <a:rPr kumimoji="0" lang="zh-TW" altLang="zh-TW" sz="1400" b="0" i="0" u="none" strike="noStrike" cap="none" normalizeH="0" baseline="0">
+                  <a:ln>
+                    <a:noFill/>
+                  </a:ln>
+                  <a:solidFill>
+                    <a:srgbClr val="BCBEC4"/>
+                  </a:solidFill>
+                  <a:effectLst/>
+                  <a:latin typeface="+mj-lt"/>
+                  <a:cs typeface="JetBrains Mono" panose="02000009000000000000" pitchFamily="49" charset="0"/>
+                </a:rPr>
+              </a:br>
+              <a:br>
+                <a:rPr kumimoji="0" lang="zh-TW" altLang="zh-TW" sz="1400" b="0" i="0" u="none" strike="noStrike" cap="none" normalizeH="0" baseline="0">
+                  <a:ln>
+                    <a:noFill/>
+                  </a:ln>
+                  <a:solidFill>
+                    <a:srgbClr val="BCBEC4"/>
+                  </a:solidFill>
+                  <a:effectLst/>
+                  <a:latin typeface="+mj-lt"/>
+                  <a:cs typeface="JetBrains Mono" panose="02000009000000000000" pitchFamily="49" charset="0"/>
+                </a:rPr>
+              </a:br>
+              <a:r>
+                <a:rPr kumimoji="0" lang="zh-TW" altLang="zh-TW" sz="1400" b="0" i="0" u="none" strike="noStrike" cap="none" normalizeH="0" baseline="0">
+                  <a:ln>
+                    <a:noFill/>
+                  </a:ln>
+                  <a:solidFill>
+                    <a:srgbClr val="CF8E6D"/>
+                  </a:solidFill>
+                  <a:effectLst/>
+                  <a:latin typeface="+mj-lt"/>
+                  <a:cs typeface="JetBrains Mono" panose="02000009000000000000" pitchFamily="49" charset="0"/>
+                </a:rPr>
+                <a:t>public class </a:t>
+              </a:r>
+              <a:r>
+                <a:rPr kumimoji="0" lang="zh-TW" altLang="zh-TW" sz="1400" b="0" i="0" u="none" strike="noStrike" cap="none" normalizeH="0" baseline="0">
+                  <a:ln>
+                    <a:noFill/>
+                  </a:ln>
+                  <a:solidFill>
+                    <a:srgbClr val="BCBEC4"/>
+                  </a:solidFill>
+                  <a:effectLst/>
+                  <a:latin typeface="+mj-lt"/>
+                  <a:cs typeface="JetBrains Mono" panose="02000009000000000000" pitchFamily="49" charset="0"/>
+                </a:rPr>
+                <a:t>Main3 {</a:t>
+              </a:r>
+              <a:br>
+                <a:rPr kumimoji="0" lang="zh-TW" altLang="zh-TW" sz="1400" b="0" i="0" u="none" strike="noStrike" cap="none" normalizeH="0" baseline="0">
+                  <a:ln>
+                    <a:noFill/>
+                  </a:ln>
+                  <a:solidFill>
+                    <a:srgbClr val="BCBEC4"/>
+                  </a:solidFill>
+                  <a:effectLst/>
+                  <a:latin typeface="+mj-lt"/>
+                  <a:cs typeface="JetBrains Mono" panose="02000009000000000000" pitchFamily="49" charset="0"/>
+                </a:rPr>
+              </a:br>
+              <a:r>
+                <a:rPr kumimoji="0" lang="zh-TW" altLang="zh-TW" sz="1400" b="0" i="0" u="none" strike="noStrike" cap="none" normalizeH="0" baseline="0">
+                  <a:ln>
+                    <a:noFill/>
+                  </a:ln>
+                  <a:solidFill>
+                    <a:srgbClr val="BCBEC4"/>
+                  </a:solidFill>
+                  <a:effectLst/>
+                  <a:latin typeface="+mj-lt"/>
+                  <a:cs typeface="JetBrains Mono" panose="02000009000000000000" pitchFamily="49" charset="0"/>
+                </a:rPr>
+                <a:t>    </a:t>
+              </a:r>
+              <a:r>
+                <a:rPr kumimoji="0" lang="zh-TW" altLang="zh-TW" sz="1400" b="0" i="0" u="none" strike="noStrike" cap="none" normalizeH="0" baseline="0">
+                  <a:ln>
+                    <a:noFill/>
+                  </a:ln>
+                  <a:solidFill>
+                    <a:srgbClr val="CF8E6D"/>
+                  </a:solidFill>
+                  <a:effectLst/>
+                  <a:latin typeface="+mj-lt"/>
+                  <a:cs typeface="JetBrains Mono" panose="02000009000000000000" pitchFamily="49" charset="0"/>
+                </a:rPr>
+                <a:t>public static void </a:t>
+              </a:r>
+              <a:r>
+                <a:rPr kumimoji="0" lang="zh-TW" altLang="zh-TW" sz="1400" b="0" i="0" u="none" strike="noStrike" cap="none" normalizeH="0" baseline="0">
+                  <a:ln>
+                    <a:noFill/>
+                  </a:ln>
+                  <a:solidFill>
+                    <a:srgbClr val="56A8F5"/>
+                  </a:solidFill>
+                  <a:effectLst/>
+                  <a:latin typeface="+mj-lt"/>
+                  <a:cs typeface="JetBrains Mono" panose="02000009000000000000" pitchFamily="49" charset="0"/>
+                </a:rPr>
+                <a:t>main</a:t>
+              </a:r>
+              <a:r>
+                <a:rPr kumimoji="0" lang="zh-TW" altLang="zh-TW" sz="1400" b="0" i="0" u="none" strike="noStrike" cap="none" normalizeH="0" baseline="0">
+                  <a:ln>
+                    <a:noFill/>
+                  </a:ln>
+                  <a:solidFill>
+                    <a:srgbClr val="BCBEC4"/>
+                  </a:solidFill>
+                  <a:effectLst/>
+                  <a:latin typeface="+mj-lt"/>
+                  <a:cs typeface="JetBrains Mono" panose="02000009000000000000" pitchFamily="49" charset="0"/>
+                </a:rPr>
+                <a:t>(String[] args) {</a:t>
+              </a:r>
+              <a:br>
+                <a:rPr kumimoji="0" lang="zh-TW" altLang="zh-TW" sz="1400" b="0" i="0" u="none" strike="noStrike" cap="none" normalizeH="0" baseline="0">
+                  <a:ln>
+                    <a:noFill/>
+                  </a:ln>
+                  <a:solidFill>
+                    <a:srgbClr val="BCBEC4"/>
+                  </a:solidFill>
+                  <a:effectLst/>
+                  <a:latin typeface="+mj-lt"/>
+                  <a:cs typeface="JetBrains Mono" panose="02000009000000000000" pitchFamily="49" charset="0"/>
+                </a:rPr>
+              </a:br>
+              <a:r>
+                <a:rPr kumimoji="0" lang="zh-TW" altLang="zh-TW" sz="1400" b="0" i="0" u="none" strike="noStrike" cap="none" normalizeH="0" baseline="0">
+                  <a:ln>
+                    <a:noFill/>
+                  </a:ln>
+                  <a:solidFill>
+                    <a:srgbClr val="BCBEC4"/>
+                  </a:solidFill>
+                  <a:effectLst/>
+                  <a:latin typeface="+mj-lt"/>
+                  <a:cs typeface="JetBrains Mono" panose="02000009000000000000" pitchFamily="49" charset="0"/>
+                </a:rPr>
+                <a:t>        Scanner scanner = </a:t>
+              </a:r>
+              <a:r>
+                <a:rPr kumimoji="0" lang="zh-TW" altLang="zh-TW" sz="1400" b="0" i="0" u="none" strike="noStrike" cap="none" normalizeH="0" baseline="0">
+                  <a:ln>
+                    <a:noFill/>
+                  </a:ln>
+                  <a:solidFill>
+                    <a:srgbClr val="CF8E6D"/>
+                  </a:solidFill>
+                  <a:effectLst/>
+                  <a:latin typeface="+mj-lt"/>
+                  <a:cs typeface="JetBrains Mono" panose="02000009000000000000" pitchFamily="49" charset="0"/>
+                </a:rPr>
+                <a:t>new </a:t>
+              </a:r>
+              <a:r>
+                <a:rPr kumimoji="0" lang="zh-TW" altLang="zh-TW" sz="1400" b="0" i="0" u="none" strike="noStrike" cap="none" normalizeH="0" baseline="0">
+                  <a:ln>
+                    <a:noFill/>
+                  </a:ln>
+                  <a:solidFill>
+                    <a:srgbClr val="BCBEC4"/>
+                  </a:solidFill>
+                  <a:effectLst/>
+                  <a:latin typeface="+mj-lt"/>
+                  <a:cs typeface="JetBrains Mono" panose="02000009000000000000" pitchFamily="49" charset="0"/>
+                </a:rPr>
+                <a:t>Scanner(System.</a:t>
+              </a:r>
+              <a:r>
+                <a:rPr kumimoji="0" lang="zh-TW" altLang="zh-TW" sz="1400" b="0" i="1" u="none" strike="noStrike" cap="none" normalizeH="0" baseline="0">
+                  <a:ln>
+                    <a:noFill/>
+                  </a:ln>
+                  <a:solidFill>
+                    <a:srgbClr val="C77DBB"/>
+                  </a:solidFill>
+                  <a:effectLst/>
+                  <a:latin typeface="+mj-lt"/>
+                  <a:cs typeface="JetBrains Mono" panose="02000009000000000000" pitchFamily="49" charset="0"/>
+                </a:rPr>
+                <a:t>in</a:t>
+              </a:r>
+              <a:r>
+                <a:rPr kumimoji="0" lang="zh-TW" altLang="zh-TW" sz="1400" b="0" i="0" u="none" strike="noStrike" cap="none" normalizeH="0" baseline="0">
+                  <a:ln>
+                    <a:noFill/>
+                  </a:ln>
+                  <a:solidFill>
+                    <a:srgbClr val="BCBEC4"/>
+                  </a:solidFill>
+                  <a:effectLst/>
+                  <a:latin typeface="+mj-lt"/>
+                  <a:cs typeface="JetBrains Mono" panose="02000009000000000000" pitchFamily="49" charset="0"/>
+                </a:rPr>
+                <a:t>);</a:t>
+              </a:r>
+              <a:br>
+                <a:rPr kumimoji="0" lang="zh-TW" altLang="zh-TW" sz="1400" b="0" i="0" u="none" strike="noStrike" cap="none" normalizeH="0" baseline="0">
+                  <a:ln>
+                    <a:noFill/>
+                  </a:ln>
+                  <a:solidFill>
+                    <a:srgbClr val="BCBEC4"/>
+                  </a:solidFill>
+                  <a:effectLst/>
+                  <a:latin typeface="+mj-lt"/>
+                  <a:cs typeface="JetBrains Mono" panose="02000009000000000000" pitchFamily="49" charset="0"/>
+                </a:rPr>
+              </a:br>
+              <a:r>
+                <a:rPr kumimoji="0" lang="zh-TW" altLang="zh-TW" sz="1400" b="0" i="0" u="none" strike="noStrike" cap="none" normalizeH="0" baseline="0">
+                  <a:ln>
+                    <a:noFill/>
+                  </a:ln>
+                  <a:solidFill>
+                    <a:srgbClr val="BCBEC4"/>
+                  </a:solidFill>
+                  <a:effectLst/>
+                  <a:latin typeface="+mj-lt"/>
+                  <a:cs typeface="JetBrains Mono" panose="02000009000000000000" pitchFamily="49" charset="0"/>
+                </a:rPr>
+                <a:t>        String input = scanner.nextLine();</a:t>
+              </a:r>
+              <a:br>
+                <a:rPr kumimoji="0" lang="zh-TW" altLang="zh-TW" sz="1400" b="0" i="0" u="none" strike="noStrike" cap="none" normalizeH="0" baseline="0">
+                  <a:ln>
+                    <a:noFill/>
+                  </a:ln>
+                  <a:solidFill>
+                    <a:srgbClr val="BCBEC4"/>
+                  </a:solidFill>
+                  <a:effectLst/>
+                  <a:latin typeface="+mj-lt"/>
+                  <a:cs typeface="JetBrains Mono" panose="02000009000000000000" pitchFamily="49" charset="0"/>
+                </a:rPr>
+              </a:br>
+              <a:r>
+                <a:rPr kumimoji="0" lang="zh-TW" altLang="zh-TW" sz="1400" b="0" i="0" u="none" strike="noStrike" cap="none" normalizeH="0" baseline="0">
+                  <a:ln>
+                    <a:noFill/>
+                  </a:ln>
+                  <a:solidFill>
+                    <a:srgbClr val="BCBEC4"/>
+                  </a:solidFill>
+                  <a:effectLst/>
+                  <a:latin typeface="+mj-lt"/>
+                  <a:cs typeface="JetBrains Mono" panose="02000009000000000000" pitchFamily="49" charset="0"/>
+                </a:rPr>
+                <a:t>        String output = </a:t>
+              </a:r>
+              <a:r>
+                <a:rPr kumimoji="0" lang="zh-TW" altLang="zh-TW" sz="1400" b="0" i="0" u="none" strike="noStrike" cap="none" normalizeH="0" baseline="0">
+                  <a:ln>
+                    <a:noFill/>
+                  </a:ln>
+                  <a:solidFill>
+                    <a:srgbClr val="CF8E6D"/>
+                  </a:solidFill>
+                  <a:effectLst/>
+                  <a:latin typeface="+mj-lt"/>
+                  <a:cs typeface="JetBrains Mono" panose="02000009000000000000" pitchFamily="49" charset="0"/>
+                </a:rPr>
+                <a:t>switch </a:t>
+              </a:r>
+              <a:r>
+                <a:rPr kumimoji="0" lang="zh-TW" altLang="zh-TW" sz="1400" b="0" i="0" u="none" strike="noStrike" cap="none" normalizeH="0" baseline="0">
+                  <a:ln>
+                    <a:noFill/>
+                  </a:ln>
+                  <a:solidFill>
+                    <a:srgbClr val="BCBEC4"/>
+                  </a:solidFill>
+                  <a:effectLst/>
+                  <a:latin typeface="+mj-lt"/>
+                  <a:cs typeface="JetBrains Mono" panose="02000009000000000000" pitchFamily="49" charset="0"/>
+                </a:rPr>
+                <a:t>(input) {</a:t>
+              </a:r>
+              <a:br>
+                <a:rPr kumimoji="0" lang="zh-TW" altLang="zh-TW" sz="1400" b="0" i="0" u="none" strike="noStrike" cap="none" normalizeH="0" baseline="0">
+                  <a:ln>
+                    <a:noFill/>
+                  </a:ln>
+                  <a:solidFill>
+                    <a:srgbClr val="BCBEC4"/>
+                  </a:solidFill>
+                  <a:effectLst/>
+                  <a:latin typeface="+mj-lt"/>
+                  <a:cs typeface="JetBrains Mono" panose="02000009000000000000" pitchFamily="49" charset="0"/>
+                </a:rPr>
+              </a:br>
+              <a:r>
+                <a:rPr kumimoji="0" lang="zh-TW" altLang="zh-TW" sz="1400" b="0" i="0" u="none" strike="noStrike" cap="none" normalizeH="0" baseline="0">
+                  <a:ln>
+                    <a:noFill/>
+                  </a:ln>
+                  <a:solidFill>
+                    <a:srgbClr val="BCBEC4"/>
+                  </a:solidFill>
+                  <a:effectLst/>
+                  <a:latin typeface="+mj-lt"/>
+                  <a:cs typeface="JetBrains Mono" panose="02000009000000000000" pitchFamily="49" charset="0"/>
+                </a:rPr>
+                <a:t>            </a:t>
+              </a:r>
+              <a:r>
+                <a:rPr kumimoji="0" lang="zh-TW" altLang="zh-TW" sz="1400" b="0" i="0" u="none" strike="noStrike" cap="none" normalizeH="0" baseline="0">
+                  <a:ln>
+                    <a:noFill/>
+                  </a:ln>
+                  <a:solidFill>
+                    <a:srgbClr val="CF8E6D"/>
+                  </a:solidFill>
+                  <a:effectLst/>
+                  <a:latin typeface="+mj-lt"/>
+                  <a:cs typeface="JetBrains Mono" panose="02000009000000000000" pitchFamily="49" charset="0"/>
+                </a:rPr>
+                <a:t>case </a:t>
+              </a:r>
+              <a:r>
+                <a:rPr kumimoji="0" lang="zh-TW" altLang="zh-TW" sz="1400" b="0" i="0" u="none" strike="noStrike" cap="none" normalizeH="0" baseline="0">
+                  <a:ln>
+                    <a:noFill/>
+                  </a:ln>
+                  <a:solidFill>
+                    <a:srgbClr val="6AAB73"/>
+                  </a:solidFill>
+                  <a:effectLst/>
+                  <a:latin typeface="+mj-lt"/>
+                  <a:cs typeface="JetBrains Mono" panose="02000009000000000000" pitchFamily="49" charset="0"/>
+                </a:rPr>
+                <a:t>"</a:t>
+              </a:r>
+              <a:r>
+                <a:rPr kumimoji="0" lang="zh-TW" altLang="zh-TW" sz="1400" b="0" i="0" u="none" strike="noStrike" cap="none" normalizeH="0" baseline="0">
+                  <a:ln>
+                    <a:noFill/>
+                  </a:ln>
+                  <a:solidFill>
+                    <a:srgbClr val="6AAB73"/>
+                  </a:solidFill>
+                  <a:effectLst/>
+                  <a:latin typeface="+mj-lt"/>
+                  <a:ea typeface="微軟正黑體" panose="020B0604030504040204" pitchFamily="34" charset="-120"/>
+                  <a:cs typeface="JetBrains Mono" panose="02000009000000000000" pitchFamily="49" charset="0"/>
+                </a:rPr>
+                <a:t>回憶過去</a:t>
+              </a:r>
+              <a:r>
+                <a:rPr kumimoji="0" lang="zh-TW" altLang="zh-TW" sz="1400" b="0" i="0" u="none" strike="noStrike" cap="none" normalizeH="0" baseline="0">
+                  <a:ln>
+                    <a:noFill/>
+                  </a:ln>
+                  <a:solidFill>
+                    <a:srgbClr val="6AAB73"/>
+                  </a:solidFill>
+                  <a:effectLst/>
+                  <a:latin typeface="+mj-lt"/>
+                  <a:cs typeface="JetBrains Mono" panose="02000009000000000000" pitchFamily="49" charset="0"/>
+                </a:rPr>
+                <a:t>" </a:t>
+              </a:r>
+              <a:r>
+                <a:rPr kumimoji="0" lang="zh-TW" altLang="zh-TW" sz="1400" b="0" i="0" u="none" strike="noStrike" cap="none" normalizeH="0" baseline="0">
+                  <a:ln>
+                    <a:noFill/>
+                  </a:ln>
+                  <a:solidFill>
+                    <a:srgbClr val="BCBEC4"/>
+                  </a:solidFill>
+                  <a:effectLst/>
+                  <a:latin typeface="+mj-lt"/>
+                  <a:cs typeface="JetBrains Mono" panose="02000009000000000000" pitchFamily="49" charset="0"/>
+                </a:rPr>
+                <a:t>-&gt; </a:t>
+              </a:r>
+              <a:r>
+                <a:rPr kumimoji="0" lang="zh-TW" altLang="zh-TW" sz="1400" b="0" i="0" u="none" strike="noStrike" cap="none" normalizeH="0" baseline="0">
+                  <a:ln>
+                    <a:noFill/>
+                  </a:ln>
+                  <a:solidFill>
+                    <a:srgbClr val="6AAB73"/>
+                  </a:solidFill>
+                  <a:effectLst/>
+                  <a:latin typeface="+mj-lt"/>
+                  <a:cs typeface="JetBrains Mono" panose="02000009000000000000" pitchFamily="49" charset="0"/>
+                </a:rPr>
+                <a:t>"</a:t>
+              </a:r>
+              <a:r>
+                <a:rPr kumimoji="0" lang="zh-TW" altLang="zh-TW" sz="1400" b="0" i="0" u="none" strike="noStrike" cap="none" normalizeH="0" baseline="0">
+                  <a:ln>
+                    <a:noFill/>
+                  </a:ln>
+                  <a:solidFill>
+                    <a:srgbClr val="6AAB73"/>
+                  </a:solidFill>
+                  <a:effectLst/>
+                  <a:latin typeface="+mj-lt"/>
+                  <a:ea typeface="微軟正黑體" panose="020B0604030504040204" pitchFamily="34" charset="-120"/>
+                  <a:cs typeface="JetBrains Mono" panose="02000009000000000000" pitchFamily="49" charset="0"/>
+                </a:rPr>
+                <a:t>痛苦的相思忘不了</a:t>
+              </a:r>
+              <a:r>
+                <a:rPr kumimoji="0" lang="zh-TW" altLang="zh-TW" sz="1400" b="0" i="0" u="none" strike="noStrike" cap="none" normalizeH="0" baseline="0">
+                  <a:ln>
+                    <a:noFill/>
+                  </a:ln>
+                  <a:solidFill>
+                    <a:srgbClr val="6AAB73"/>
+                  </a:solidFill>
+                  <a:effectLst/>
+                  <a:latin typeface="+mj-lt"/>
+                  <a:cs typeface="JetBrains Mono" panose="02000009000000000000" pitchFamily="49" charset="0"/>
+                </a:rPr>
+                <a:t>"</a:t>
+              </a:r>
+              <a:r>
+                <a:rPr kumimoji="0" lang="zh-TW" altLang="zh-TW" sz="1400" b="0" i="0" u="none" strike="noStrike" cap="none" normalizeH="0" baseline="0">
+                  <a:ln>
+                    <a:noFill/>
+                  </a:ln>
+                  <a:solidFill>
+                    <a:srgbClr val="BCBEC4"/>
+                  </a:solidFill>
+                  <a:effectLst/>
+                  <a:latin typeface="+mj-lt"/>
+                  <a:cs typeface="JetBrains Mono" panose="02000009000000000000" pitchFamily="49" charset="0"/>
+                </a:rPr>
+                <a:t>;</a:t>
+              </a:r>
+              <a:br>
+                <a:rPr kumimoji="0" lang="zh-TW" altLang="zh-TW" sz="1400" b="0" i="0" u="none" strike="noStrike" cap="none" normalizeH="0" baseline="0">
+                  <a:ln>
+                    <a:noFill/>
+                  </a:ln>
+                  <a:solidFill>
+                    <a:srgbClr val="BCBEC4"/>
+                  </a:solidFill>
+                  <a:effectLst/>
+                  <a:latin typeface="+mj-lt"/>
+                  <a:cs typeface="JetBrains Mono" panose="02000009000000000000" pitchFamily="49" charset="0"/>
+                </a:rPr>
+              </a:br>
+              <a:r>
+                <a:rPr kumimoji="0" lang="zh-TW" altLang="zh-TW" sz="1400" b="0" i="0" u="none" strike="noStrike" cap="none" normalizeH="0" baseline="0">
+                  <a:ln>
+                    <a:noFill/>
+                  </a:ln>
+                  <a:solidFill>
+                    <a:srgbClr val="BCBEC4"/>
+                  </a:solidFill>
+                  <a:effectLst/>
+                  <a:latin typeface="+mj-lt"/>
+                  <a:cs typeface="JetBrains Mono" panose="02000009000000000000" pitchFamily="49" charset="0"/>
+                </a:rPr>
+                <a:t>            </a:t>
+              </a:r>
+              <a:r>
+                <a:rPr kumimoji="0" lang="zh-TW" altLang="zh-TW" sz="1400" b="0" i="0" u="none" strike="noStrike" cap="none" normalizeH="0" baseline="0">
+                  <a:ln>
+                    <a:noFill/>
+                  </a:ln>
+                  <a:solidFill>
+                    <a:srgbClr val="CF8E6D"/>
+                  </a:solidFill>
+                  <a:effectLst/>
+                  <a:latin typeface="+mj-lt"/>
+                  <a:cs typeface="JetBrains Mono" panose="02000009000000000000" pitchFamily="49" charset="0"/>
+                </a:rPr>
+                <a:t>case </a:t>
+              </a:r>
+              <a:r>
+                <a:rPr kumimoji="0" lang="zh-TW" altLang="zh-TW" sz="1400" b="0" i="0" u="none" strike="noStrike" cap="none" normalizeH="0" baseline="0">
+                  <a:ln>
+                    <a:noFill/>
+                  </a:ln>
+                  <a:solidFill>
+                    <a:srgbClr val="6AAB73"/>
+                  </a:solidFill>
+                  <a:effectLst/>
+                  <a:latin typeface="+mj-lt"/>
+                  <a:cs typeface="JetBrains Mono" panose="02000009000000000000" pitchFamily="49" charset="0"/>
+                </a:rPr>
+                <a:t>"</a:t>
+              </a:r>
+              <a:r>
+                <a:rPr kumimoji="0" lang="zh-TW" altLang="zh-TW" sz="1400" b="0" i="0" u="none" strike="noStrike" cap="none" normalizeH="0" baseline="0">
+                  <a:ln>
+                    <a:noFill/>
+                  </a:ln>
+                  <a:solidFill>
+                    <a:srgbClr val="6AAB73"/>
+                  </a:solidFill>
+                  <a:effectLst/>
+                  <a:latin typeface="+mj-lt"/>
+                  <a:ea typeface="微軟正黑體" panose="020B0604030504040204" pitchFamily="34" charset="-120"/>
+                  <a:cs typeface="JetBrains Mono" panose="02000009000000000000" pitchFamily="49" charset="0"/>
+                </a:rPr>
+                <a:t>想念你的笑</a:t>
+              </a:r>
+              <a:r>
+                <a:rPr kumimoji="0" lang="zh-TW" altLang="zh-TW" sz="1400" b="0" i="0" u="none" strike="noStrike" cap="none" normalizeH="0" baseline="0">
+                  <a:ln>
+                    <a:noFill/>
+                  </a:ln>
+                  <a:solidFill>
+                    <a:srgbClr val="6AAB73"/>
+                  </a:solidFill>
+                  <a:effectLst/>
+                  <a:latin typeface="+mj-lt"/>
+                  <a:cs typeface="JetBrains Mono" panose="02000009000000000000" pitchFamily="49" charset="0"/>
+                </a:rPr>
+                <a:t>" </a:t>
+              </a:r>
+              <a:r>
+                <a:rPr kumimoji="0" lang="zh-TW" altLang="zh-TW" sz="1400" b="0" i="0" u="none" strike="noStrike" cap="none" normalizeH="0" baseline="0">
+                  <a:ln>
+                    <a:noFill/>
+                  </a:ln>
+                  <a:solidFill>
+                    <a:srgbClr val="BCBEC4"/>
+                  </a:solidFill>
+                  <a:effectLst/>
+                  <a:latin typeface="+mj-lt"/>
+                  <a:cs typeface="JetBrains Mono" panose="02000009000000000000" pitchFamily="49" charset="0"/>
+                </a:rPr>
+                <a:t>-&gt; </a:t>
+              </a:r>
+              <a:r>
+                <a:rPr kumimoji="0" lang="zh-TW" altLang="zh-TW" sz="1400" b="0" i="0" u="none" strike="noStrike" cap="none" normalizeH="0" baseline="0">
+                  <a:ln>
+                    <a:noFill/>
+                  </a:ln>
+                  <a:solidFill>
+                    <a:srgbClr val="6AAB73"/>
+                  </a:solidFill>
+                  <a:effectLst/>
+                  <a:latin typeface="+mj-lt"/>
+                  <a:cs typeface="JetBrains Mono" panose="02000009000000000000" pitchFamily="49" charset="0"/>
+                </a:rPr>
+                <a:t>"</a:t>
+              </a:r>
+              <a:r>
+                <a:rPr kumimoji="0" lang="zh-TW" altLang="zh-TW" sz="1400" b="0" i="0" u="none" strike="noStrike" cap="none" normalizeH="0" baseline="0">
+                  <a:ln>
+                    <a:noFill/>
+                  </a:ln>
+                  <a:solidFill>
+                    <a:srgbClr val="6AAB73"/>
+                  </a:solidFill>
+                  <a:effectLst/>
+                  <a:latin typeface="+mj-lt"/>
+                  <a:ea typeface="微軟正黑體" panose="020B0604030504040204" pitchFamily="34" charset="-120"/>
+                  <a:cs typeface="JetBrains Mono" panose="02000009000000000000" pitchFamily="49" charset="0"/>
+                </a:rPr>
+                <a:t>想念你的外套</a:t>
+              </a:r>
+              <a:r>
+                <a:rPr kumimoji="0" lang="zh-TW" altLang="zh-TW" sz="1400" b="0" i="0" u="none" strike="noStrike" cap="none" normalizeH="0" baseline="0">
+                  <a:ln>
+                    <a:noFill/>
+                  </a:ln>
+                  <a:solidFill>
+                    <a:srgbClr val="6AAB73"/>
+                  </a:solidFill>
+                  <a:effectLst/>
+                  <a:latin typeface="+mj-lt"/>
+                  <a:cs typeface="JetBrains Mono" panose="02000009000000000000" pitchFamily="49" charset="0"/>
+                </a:rPr>
+                <a:t>"</a:t>
+              </a:r>
+              <a:r>
+                <a:rPr kumimoji="0" lang="zh-TW" altLang="zh-TW" sz="1400" b="0" i="0" u="none" strike="noStrike" cap="none" normalizeH="0" baseline="0">
+                  <a:ln>
+                    <a:noFill/>
+                  </a:ln>
+                  <a:solidFill>
+                    <a:srgbClr val="BCBEC4"/>
+                  </a:solidFill>
+                  <a:effectLst/>
+                  <a:latin typeface="+mj-lt"/>
+                  <a:cs typeface="JetBrains Mono" panose="02000009000000000000" pitchFamily="49" charset="0"/>
+                </a:rPr>
+                <a:t>;</a:t>
+              </a:r>
+              <a:br>
+                <a:rPr kumimoji="0" lang="zh-TW" altLang="zh-TW" sz="1400" b="0" i="0" u="none" strike="noStrike" cap="none" normalizeH="0" baseline="0">
+                  <a:ln>
+                    <a:noFill/>
+                  </a:ln>
+                  <a:solidFill>
+                    <a:srgbClr val="BCBEC4"/>
+                  </a:solidFill>
+                  <a:effectLst/>
+                  <a:latin typeface="+mj-lt"/>
+                  <a:cs typeface="JetBrains Mono" panose="02000009000000000000" pitchFamily="49" charset="0"/>
+                </a:rPr>
+              </a:br>
+              <a:r>
+                <a:rPr kumimoji="0" lang="zh-TW" altLang="zh-TW" sz="1400" b="0" i="0" u="none" strike="noStrike" cap="none" normalizeH="0" baseline="0">
+                  <a:ln>
+                    <a:noFill/>
+                  </a:ln>
+                  <a:solidFill>
+                    <a:srgbClr val="BCBEC4"/>
+                  </a:solidFill>
+                  <a:effectLst/>
+                  <a:latin typeface="+mj-lt"/>
+                  <a:cs typeface="JetBrains Mono" panose="02000009000000000000" pitchFamily="49" charset="0"/>
+                </a:rPr>
+                <a:t>            </a:t>
+              </a:r>
+              <a:r>
+                <a:rPr kumimoji="0" lang="zh-TW" altLang="zh-TW" sz="1400" b="0" i="0" u="none" strike="noStrike" cap="none" normalizeH="0" baseline="0">
+                  <a:ln>
+                    <a:noFill/>
+                  </a:ln>
+                  <a:solidFill>
+                    <a:srgbClr val="CF8E6D"/>
+                  </a:solidFill>
+                  <a:effectLst/>
+                  <a:latin typeface="+mj-lt"/>
+                  <a:cs typeface="JetBrains Mono" panose="02000009000000000000" pitchFamily="49" charset="0"/>
+                </a:rPr>
+                <a:t>case </a:t>
+              </a:r>
+              <a:r>
+                <a:rPr kumimoji="0" lang="zh-TW" altLang="zh-TW" sz="1400" b="0" i="0" u="none" strike="noStrike" cap="none" normalizeH="0" baseline="0">
+                  <a:ln>
+                    <a:noFill/>
+                  </a:ln>
+                  <a:solidFill>
+                    <a:srgbClr val="6AAB73"/>
+                  </a:solidFill>
+                  <a:effectLst/>
+                  <a:latin typeface="+mj-lt"/>
+                  <a:cs typeface="JetBrains Mono" panose="02000009000000000000" pitchFamily="49" charset="0"/>
+                </a:rPr>
+                <a:t>"</a:t>
+              </a:r>
+              <a:r>
+                <a:rPr kumimoji="0" lang="zh-TW" altLang="zh-TW" sz="1400" b="0" i="0" u="none" strike="noStrike" cap="none" normalizeH="0" baseline="0">
+                  <a:ln>
+                    <a:noFill/>
+                  </a:ln>
+                  <a:solidFill>
+                    <a:srgbClr val="6AAB73"/>
+                  </a:solidFill>
+                  <a:effectLst/>
+                  <a:latin typeface="+mj-lt"/>
+                  <a:ea typeface="微軟正黑體" panose="020B0604030504040204" pitchFamily="34" charset="-120"/>
+                  <a:cs typeface="JetBrains Mono" panose="02000009000000000000" pitchFamily="49" charset="0"/>
+                </a:rPr>
+                <a:t>怎麼忍心怪你犯了錯</a:t>
+              </a:r>
+              <a:r>
+                <a:rPr kumimoji="0" lang="zh-TW" altLang="zh-TW" sz="1400" b="0" i="0" u="none" strike="noStrike" cap="none" normalizeH="0" baseline="0">
+                  <a:ln>
+                    <a:noFill/>
+                  </a:ln>
+                  <a:solidFill>
+                    <a:srgbClr val="6AAB73"/>
+                  </a:solidFill>
+                  <a:effectLst/>
+                  <a:latin typeface="+mj-lt"/>
+                  <a:cs typeface="JetBrains Mono" panose="02000009000000000000" pitchFamily="49" charset="0"/>
+                </a:rPr>
+                <a:t>"</a:t>
+              </a:r>
+              <a:r>
+                <a:rPr kumimoji="0" lang="zh-TW" altLang="zh-TW" sz="1400" b="0" i="0" u="none" strike="noStrike" cap="none" normalizeH="0" baseline="0">
+                  <a:ln>
+                    <a:noFill/>
+                  </a:ln>
+                  <a:solidFill>
+                    <a:srgbClr val="BCBEC4"/>
+                  </a:solidFill>
+                  <a:effectLst/>
+                  <a:latin typeface="+mj-lt"/>
+                  <a:cs typeface="JetBrains Mono" panose="02000009000000000000" pitchFamily="49" charset="0"/>
+                </a:rPr>
+                <a:t>, </a:t>
+              </a:r>
+              <a:r>
+                <a:rPr kumimoji="0" lang="zh-TW" altLang="zh-TW" sz="1400" b="0" i="0" u="none" strike="noStrike" cap="none" normalizeH="0" baseline="0">
+                  <a:ln>
+                    <a:noFill/>
+                  </a:ln>
+                  <a:solidFill>
+                    <a:srgbClr val="6AAB73"/>
+                  </a:solidFill>
+                  <a:effectLst/>
+                  <a:latin typeface="+mj-lt"/>
+                  <a:cs typeface="JetBrains Mono" panose="02000009000000000000" pitchFamily="49" charset="0"/>
+                </a:rPr>
+                <a:t>"</a:t>
+              </a:r>
+              <a:r>
+                <a:rPr kumimoji="0" lang="zh-TW" altLang="zh-TW" sz="1400" b="0" i="0" u="none" strike="noStrike" cap="none" normalizeH="0" baseline="0">
+                  <a:ln>
+                    <a:noFill/>
+                  </a:ln>
+                  <a:solidFill>
+                    <a:srgbClr val="6AAB73"/>
+                  </a:solidFill>
+                  <a:effectLst/>
+                  <a:latin typeface="+mj-lt"/>
+                  <a:ea typeface="微軟正黑體" panose="020B0604030504040204" pitchFamily="34" charset="-120"/>
+                  <a:cs typeface="JetBrains Mono" panose="02000009000000000000" pitchFamily="49" charset="0"/>
+                </a:rPr>
+                <a:t>怎麼忍心讓你受折磨</a:t>
+              </a:r>
+              <a:r>
+                <a:rPr kumimoji="0" lang="zh-TW" altLang="zh-TW" sz="1400" b="0" i="0" u="none" strike="noStrike" cap="none" normalizeH="0" baseline="0">
+                  <a:ln>
+                    <a:noFill/>
+                  </a:ln>
+                  <a:solidFill>
+                    <a:srgbClr val="6AAB73"/>
+                  </a:solidFill>
+                  <a:effectLst/>
+                  <a:latin typeface="+mj-lt"/>
+                  <a:cs typeface="JetBrains Mono" panose="02000009000000000000" pitchFamily="49" charset="0"/>
+                </a:rPr>
+                <a:t>" </a:t>
+              </a:r>
+              <a:r>
+                <a:rPr kumimoji="0" lang="zh-TW" altLang="zh-TW" sz="1400" b="0" i="0" u="none" strike="noStrike" cap="none" normalizeH="0" baseline="0">
+                  <a:ln>
+                    <a:noFill/>
+                  </a:ln>
+                  <a:solidFill>
+                    <a:srgbClr val="BCBEC4"/>
+                  </a:solidFill>
+                  <a:effectLst/>
+                  <a:latin typeface="+mj-lt"/>
+                  <a:cs typeface="JetBrains Mono" panose="02000009000000000000" pitchFamily="49" charset="0"/>
+                </a:rPr>
+                <a:t>-&gt; </a:t>
+              </a:r>
+              <a:r>
+                <a:rPr kumimoji="0" lang="zh-TW" altLang="zh-TW" sz="1400" b="0" i="0" u="none" strike="noStrike" cap="none" normalizeH="0" baseline="0">
+                  <a:ln>
+                    <a:noFill/>
+                  </a:ln>
+                  <a:solidFill>
+                    <a:srgbClr val="6AAB73"/>
+                  </a:solidFill>
+                  <a:effectLst/>
+                  <a:latin typeface="+mj-lt"/>
+                  <a:cs typeface="JetBrains Mono" panose="02000009000000000000" pitchFamily="49" charset="0"/>
+                </a:rPr>
+                <a:t>"</a:t>
+              </a:r>
+              <a:r>
+                <a:rPr kumimoji="0" lang="zh-TW" altLang="zh-TW" sz="1400" b="0" i="0" u="none" strike="noStrike" cap="none" normalizeH="0" baseline="0">
+                  <a:ln>
+                    <a:noFill/>
+                  </a:ln>
+                  <a:solidFill>
+                    <a:srgbClr val="6AAB73"/>
+                  </a:solidFill>
+                  <a:effectLst/>
+                  <a:latin typeface="+mj-lt"/>
+                  <a:ea typeface="微軟正黑體" panose="020B0604030504040204" pitchFamily="34" charset="-120"/>
+                  <a:cs typeface="JetBrains Mono" panose="02000009000000000000" pitchFamily="49" charset="0"/>
+                </a:rPr>
+                <a:t>是我給你自由過了火</a:t>
+              </a:r>
+              <a:r>
+                <a:rPr kumimoji="0" lang="zh-TW" altLang="zh-TW" sz="1400" b="0" i="0" u="none" strike="noStrike" cap="none" normalizeH="0" baseline="0">
+                  <a:ln>
+                    <a:noFill/>
+                  </a:ln>
+                  <a:solidFill>
+                    <a:srgbClr val="6AAB73"/>
+                  </a:solidFill>
+                  <a:effectLst/>
+                  <a:latin typeface="+mj-lt"/>
+                  <a:cs typeface="JetBrains Mono" panose="02000009000000000000" pitchFamily="49" charset="0"/>
+                </a:rPr>
+                <a:t>"</a:t>
+              </a:r>
+              <a:r>
+                <a:rPr kumimoji="0" lang="zh-TW" altLang="zh-TW" sz="1400" b="0" i="0" u="none" strike="noStrike" cap="none" normalizeH="0" baseline="0">
+                  <a:ln>
+                    <a:noFill/>
+                  </a:ln>
+                  <a:solidFill>
+                    <a:srgbClr val="BCBEC4"/>
+                  </a:solidFill>
+                  <a:effectLst/>
+                  <a:latin typeface="+mj-lt"/>
+                  <a:cs typeface="JetBrains Mono" panose="02000009000000000000" pitchFamily="49" charset="0"/>
+                </a:rPr>
+                <a:t>;</a:t>
+              </a:r>
+              <a:br>
+                <a:rPr kumimoji="0" lang="zh-TW" altLang="zh-TW" sz="1400" b="0" i="0" u="none" strike="noStrike" cap="none" normalizeH="0" baseline="0">
+                  <a:ln>
+                    <a:noFill/>
+                  </a:ln>
+                  <a:solidFill>
+                    <a:srgbClr val="BCBEC4"/>
+                  </a:solidFill>
+                  <a:effectLst/>
+                  <a:latin typeface="+mj-lt"/>
+                  <a:cs typeface="JetBrains Mono" panose="02000009000000000000" pitchFamily="49" charset="0"/>
+                </a:rPr>
+              </a:br>
+              <a:r>
+                <a:rPr kumimoji="0" lang="zh-TW" altLang="zh-TW" sz="1400" b="0" i="0" u="none" strike="noStrike" cap="none" normalizeH="0" baseline="0">
+                  <a:ln>
+                    <a:noFill/>
+                  </a:ln>
+                  <a:solidFill>
+                    <a:srgbClr val="BCBEC4"/>
+                  </a:solidFill>
+                  <a:effectLst/>
+                  <a:latin typeface="+mj-lt"/>
+                  <a:cs typeface="JetBrains Mono" panose="02000009000000000000" pitchFamily="49" charset="0"/>
+                </a:rPr>
+                <a:t>            </a:t>
+              </a:r>
+              <a:r>
+                <a:rPr kumimoji="0" lang="zh-TW" altLang="zh-TW" sz="1400" b="0" i="0" u="none" strike="noStrike" cap="none" normalizeH="0" baseline="0">
+                  <a:ln>
+                    <a:noFill/>
+                  </a:ln>
+                  <a:solidFill>
+                    <a:srgbClr val="CF8E6D"/>
+                  </a:solidFill>
+                  <a:effectLst/>
+                  <a:latin typeface="+mj-lt"/>
+                  <a:cs typeface="JetBrains Mono" panose="02000009000000000000" pitchFamily="49" charset="0"/>
+                </a:rPr>
+                <a:t>case </a:t>
+              </a:r>
+              <a:r>
+                <a:rPr kumimoji="0" lang="zh-TW" altLang="zh-TW" sz="1400" b="0" i="0" u="none" strike="noStrike" cap="none" normalizeH="0" baseline="0">
+                  <a:ln>
+                    <a:noFill/>
+                  </a:ln>
+                  <a:solidFill>
+                    <a:srgbClr val="6AAB73"/>
+                  </a:solidFill>
+                  <a:effectLst/>
+                  <a:latin typeface="+mj-lt"/>
+                  <a:cs typeface="JetBrains Mono" panose="02000009000000000000" pitchFamily="49" charset="0"/>
+                </a:rPr>
+                <a:t>"</a:t>
+              </a:r>
+              <a:r>
+                <a:rPr kumimoji="0" lang="zh-TW" altLang="zh-TW" sz="1400" b="0" i="0" u="none" strike="noStrike" cap="none" normalizeH="0" baseline="0">
+                  <a:ln>
+                    <a:noFill/>
+                  </a:ln>
+                  <a:solidFill>
+                    <a:srgbClr val="6AAB73"/>
+                  </a:solidFill>
+                  <a:effectLst/>
+                  <a:latin typeface="+mj-lt"/>
+                  <a:ea typeface="微軟正黑體" panose="020B0604030504040204" pitchFamily="34" charset="-120"/>
+                  <a:cs typeface="JetBrains Mono" panose="02000009000000000000" pitchFamily="49" charset="0"/>
+                </a:rPr>
+                <a:t>我願變成童話裡你愛的那個天使</a:t>
+              </a:r>
+              <a:r>
+                <a:rPr kumimoji="0" lang="zh-TW" altLang="zh-TW" sz="1400" b="0" i="0" u="none" strike="noStrike" cap="none" normalizeH="0" baseline="0">
+                  <a:ln>
+                    <a:noFill/>
+                  </a:ln>
+                  <a:solidFill>
+                    <a:srgbClr val="6AAB73"/>
+                  </a:solidFill>
+                  <a:effectLst/>
+                  <a:latin typeface="+mj-lt"/>
+                  <a:cs typeface="JetBrains Mono" panose="02000009000000000000" pitchFamily="49" charset="0"/>
+                </a:rPr>
+                <a:t>" </a:t>
+              </a:r>
+              <a:r>
+                <a:rPr kumimoji="0" lang="zh-TW" altLang="zh-TW" sz="1400" b="0" i="0" u="none" strike="noStrike" cap="none" normalizeH="0" baseline="0">
+                  <a:ln>
+                    <a:noFill/>
+                  </a:ln>
+                  <a:solidFill>
+                    <a:srgbClr val="BCBEC4"/>
+                  </a:solidFill>
+                  <a:effectLst/>
+                  <a:latin typeface="+mj-lt"/>
+                  <a:cs typeface="JetBrains Mono" panose="02000009000000000000" pitchFamily="49" charset="0"/>
+                </a:rPr>
+                <a:t>-&gt; </a:t>
+              </a:r>
+              <a:r>
+                <a:rPr kumimoji="0" lang="zh-TW" altLang="zh-TW" sz="1400" b="0" i="0" u="none" strike="noStrike" cap="none" normalizeH="0" baseline="0">
+                  <a:ln>
+                    <a:noFill/>
+                  </a:ln>
+                  <a:solidFill>
+                    <a:srgbClr val="6AAB73"/>
+                  </a:solidFill>
+                  <a:effectLst/>
+                  <a:latin typeface="+mj-lt"/>
+                  <a:cs typeface="JetBrains Mono" panose="02000009000000000000" pitchFamily="49" charset="0"/>
+                </a:rPr>
+                <a:t>"</a:t>
+              </a:r>
+              <a:r>
+                <a:rPr kumimoji="0" lang="zh-TW" altLang="zh-TW" sz="1400" b="0" i="0" u="none" strike="noStrike" cap="none" normalizeH="0" baseline="0">
+                  <a:ln>
+                    <a:noFill/>
+                  </a:ln>
+                  <a:solidFill>
+                    <a:srgbClr val="6AAB73"/>
+                  </a:solidFill>
+                  <a:effectLst/>
+                  <a:latin typeface="+mj-lt"/>
+                  <a:ea typeface="微軟正黑體" panose="020B0604030504040204" pitchFamily="34" charset="-120"/>
+                  <a:cs typeface="JetBrains Mono" panose="02000009000000000000" pitchFamily="49" charset="0"/>
+                </a:rPr>
+                <a:t>張開雙手變成翅膀守護你</a:t>
+              </a:r>
+              <a:r>
+                <a:rPr kumimoji="0" lang="zh-TW" altLang="zh-TW" sz="1400" b="0" i="0" u="none" strike="noStrike" cap="none" normalizeH="0" baseline="0">
+                  <a:ln>
+                    <a:noFill/>
+                  </a:ln>
+                  <a:solidFill>
+                    <a:srgbClr val="6AAB73"/>
+                  </a:solidFill>
+                  <a:effectLst/>
+                  <a:latin typeface="+mj-lt"/>
+                  <a:cs typeface="JetBrains Mono" panose="02000009000000000000" pitchFamily="49" charset="0"/>
+                </a:rPr>
+                <a:t>"</a:t>
+              </a:r>
+              <a:r>
+                <a:rPr kumimoji="0" lang="zh-TW" altLang="zh-TW" sz="1400" b="0" i="0" u="none" strike="noStrike" cap="none" normalizeH="0" baseline="0">
+                  <a:ln>
+                    <a:noFill/>
+                  </a:ln>
+                  <a:solidFill>
+                    <a:srgbClr val="BCBEC4"/>
+                  </a:solidFill>
+                  <a:effectLst/>
+                  <a:latin typeface="+mj-lt"/>
+                  <a:cs typeface="JetBrains Mono" panose="02000009000000000000" pitchFamily="49" charset="0"/>
+                </a:rPr>
+                <a:t>;</a:t>
+              </a:r>
+              <a:br>
+                <a:rPr kumimoji="0" lang="zh-TW" altLang="zh-TW" sz="1400" b="0" i="0" u="none" strike="noStrike" cap="none" normalizeH="0" baseline="0">
+                  <a:ln>
+                    <a:noFill/>
+                  </a:ln>
+                  <a:solidFill>
+                    <a:srgbClr val="BCBEC4"/>
+                  </a:solidFill>
+                  <a:effectLst/>
+                  <a:latin typeface="+mj-lt"/>
+                  <a:cs typeface="JetBrains Mono" panose="02000009000000000000" pitchFamily="49" charset="0"/>
+                </a:rPr>
+              </a:br>
+              <a:r>
+                <a:rPr kumimoji="0" lang="zh-TW" altLang="zh-TW" sz="1400" b="0" i="0" u="none" strike="noStrike" cap="none" normalizeH="0" baseline="0">
+                  <a:ln>
+                    <a:noFill/>
+                  </a:ln>
+                  <a:solidFill>
+                    <a:srgbClr val="BCBEC4"/>
+                  </a:solidFill>
+                  <a:effectLst/>
+                  <a:latin typeface="+mj-lt"/>
+                  <a:cs typeface="JetBrains Mono" panose="02000009000000000000" pitchFamily="49" charset="0"/>
+                </a:rPr>
+                <a:t>            </a:t>
+              </a:r>
+              <a:r>
+                <a:rPr kumimoji="0" lang="zh-TW" altLang="zh-TW" sz="1400" b="0" i="0" u="none" strike="noStrike" cap="none" normalizeH="0" baseline="0">
+                  <a:ln>
+                    <a:noFill/>
+                  </a:ln>
+                  <a:solidFill>
+                    <a:srgbClr val="CF8E6D"/>
+                  </a:solidFill>
+                  <a:effectLst/>
+                  <a:latin typeface="+mj-lt"/>
+                  <a:cs typeface="JetBrains Mono" panose="02000009000000000000" pitchFamily="49" charset="0"/>
+                </a:rPr>
+                <a:t>default </a:t>
+              </a:r>
+              <a:r>
+                <a:rPr kumimoji="0" lang="zh-TW" altLang="zh-TW" sz="1400" b="0" i="0" u="none" strike="noStrike" cap="none" normalizeH="0" baseline="0">
+                  <a:ln>
+                    <a:noFill/>
+                  </a:ln>
+                  <a:solidFill>
+                    <a:srgbClr val="BCBEC4"/>
+                  </a:solidFill>
+                  <a:effectLst/>
+                  <a:latin typeface="+mj-lt"/>
+                  <a:cs typeface="JetBrains Mono" panose="02000009000000000000" pitchFamily="49" charset="0"/>
+                </a:rPr>
+                <a:t>-&gt; {</a:t>
+              </a:r>
+              <a:br>
+                <a:rPr kumimoji="0" lang="zh-TW" altLang="zh-TW" sz="1400" b="0" i="0" u="none" strike="noStrike" cap="none" normalizeH="0" baseline="0">
+                  <a:ln>
+                    <a:noFill/>
+                  </a:ln>
+                  <a:solidFill>
+                    <a:srgbClr val="BCBEC4"/>
+                  </a:solidFill>
+                  <a:effectLst/>
+                  <a:latin typeface="+mj-lt"/>
+                  <a:cs typeface="JetBrains Mono" panose="02000009000000000000" pitchFamily="49" charset="0"/>
+                </a:rPr>
+              </a:br>
+              <a:r>
+                <a:rPr kumimoji="0" lang="zh-TW" altLang="zh-TW" sz="1400" b="0" i="0" u="none" strike="noStrike" cap="none" normalizeH="0" baseline="0">
+                  <a:ln>
+                    <a:noFill/>
+                  </a:ln>
+                  <a:solidFill>
+                    <a:srgbClr val="BCBEC4"/>
+                  </a:solidFill>
+                  <a:effectLst/>
+                  <a:latin typeface="+mj-lt"/>
+                  <a:cs typeface="JetBrains Mono" panose="02000009000000000000" pitchFamily="49" charset="0"/>
+                </a:rPr>
+                <a:t>                </a:t>
+              </a:r>
+              <a:r>
+                <a:rPr kumimoji="0" lang="zh-TW" altLang="zh-TW" sz="1400" b="0" i="0" u="none" strike="noStrike" cap="none" normalizeH="0" baseline="0">
+                  <a:ln>
+                    <a:noFill/>
+                  </a:ln>
+                  <a:solidFill>
+                    <a:srgbClr val="CF8E6D"/>
+                  </a:solidFill>
+                  <a:effectLst/>
+                  <a:latin typeface="+mj-lt"/>
+                  <a:cs typeface="JetBrains Mono" panose="02000009000000000000" pitchFamily="49" charset="0"/>
+                </a:rPr>
+                <a:t>if </a:t>
+              </a:r>
+              <a:r>
+                <a:rPr kumimoji="0" lang="zh-TW" altLang="zh-TW" sz="1400" b="0" i="0" u="none" strike="noStrike" cap="none" normalizeH="0" baseline="0">
+                  <a:ln>
+                    <a:noFill/>
+                  </a:ln>
+                  <a:solidFill>
+                    <a:srgbClr val="BCBEC4"/>
+                  </a:solidFill>
+                  <a:effectLst/>
+                  <a:latin typeface="+mj-lt"/>
+                  <a:cs typeface="JetBrains Mono" panose="02000009000000000000" pitchFamily="49" charset="0"/>
+                </a:rPr>
+                <a:t>(input.isEmpty()) </a:t>
+              </a:r>
+              <a:r>
+                <a:rPr kumimoji="0" lang="zh-TW" altLang="zh-TW" sz="1400" b="0" i="0" u="none" strike="noStrike" cap="none" normalizeH="0" baseline="0">
+                  <a:ln>
+                    <a:noFill/>
+                  </a:ln>
+                  <a:solidFill>
+                    <a:srgbClr val="CF8E6D"/>
+                  </a:solidFill>
+                  <a:effectLst/>
+                  <a:latin typeface="+mj-lt"/>
+                  <a:cs typeface="JetBrains Mono" panose="02000009000000000000" pitchFamily="49" charset="0"/>
+                </a:rPr>
+                <a:t>yield </a:t>
+              </a:r>
+              <a:r>
+                <a:rPr kumimoji="0" lang="zh-TW" altLang="zh-TW" sz="1400" b="0" i="0" u="none" strike="noStrike" cap="none" normalizeH="0" baseline="0">
+                  <a:ln>
+                    <a:noFill/>
+                  </a:ln>
+                  <a:solidFill>
+                    <a:srgbClr val="6AAB73"/>
+                  </a:solidFill>
+                  <a:effectLst/>
+                  <a:latin typeface="+mj-lt"/>
+                  <a:cs typeface="JetBrains Mono" panose="02000009000000000000" pitchFamily="49" charset="0"/>
+                </a:rPr>
+                <a:t>"</a:t>
+              </a:r>
+              <a:r>
+                <a:rPr kumimoji="0" lang="zh-TW" altLang="zh-TW" sz="1400" b="0" i="0" u="none" strike="noStrike" cap="none" normalizeH="0" baseline="0">
+                  <a:ln>
+                    <a:noFill/>
+                  </a:ln>
+                  <a:solidFill>
+                    <a:srgbClr val="6AAB73"/>
+                  </a:solidFill>
+                  <a:effectLst/>
+                  <a:latin typeface="+mj-lt"/>
+                  <a:ea typeface="微軟正黑體" panose="020B0604030504040204" pitchFamily="34" charset="-120"/>
+                  <a:cs typeface="JetBrains Mono" panose="02000009000000000000" pitchFamily="49" charset="0"/>
+                </a:rPr>
+                <a:t>沒有輸入任何東西</a:t>
+              </a:r>
+              <a:r>
+                <a:rPr kumimoji="0" lang="zh-TW" altLang="zh-TW" sz="1400" b="0" i="0" u="none" strike="noStrike" cap="none" normalizeH="0" baseline="0">
+                  <a:ln>
+                    <a:noFill/>
+                  </a:ln>
+                  <a:solidFill>
+                    <a:srgbClr val="6AAB73"/>
+                  </a:solidFill>
+                  <a:effectLst/>
+                  <a:latin typeface="+mj-lt"/>
+                  <a:cs typeface="JetBrains Mono" panose="02000009000000000000" pitchFamily="49" charset="0"/>
+                </a:rPr>
+                <a:t>"</a:t>
+              </a:r>
+              <a:r>
+                <a:rPr kumimoji="0" lang="zh-TW" altLang="zh-TW" sz="1400" b="0" i="0" u="none" strike="noStrike" cap="none" normalizeH="0" baseline="0">
+                  <a:ln>
+                    <a:noFill/>
+                  </a:ln>
+                  <a:solidFill>
+                    <a:srgbClr val="BCBEC4"/>
+                  </a:solidFill>
+                  <a:effectLst/>
+                  <a:latin typeface="+mj-lt"/>
+                  <a:cs typeface="JetBrains Mono" panose="02000009000000000000" pitchFamily="49" charset="0"/>
+                </a:rPr>
+                <a:t>;</a:t>
+              </a:r>
+              <a:br>
+                <a:rPr kumimoji="0" lang="zh-TW" altLang="zh-TW" sz="1400" b="0" i="0" u="none" strike="noStrike" cap="none" normalizeH="0" baseline="0">
+                  <a:ln>
+                    <a:noFill/>
+                  </a:ln>
+                  <a:solidFill>
+                    <a:srgbClr val="BCBEC4"/>
+                  </a:solidFill>
+                  <a:effectLst/>
+                  <a:latin typeface="+mj-lt"/>
+                  <a:cs typeface="JetBrains Mono" panose="02000009000000000000" pitchFamily="49" charset="0"/>
+                </a:rPr>
+              </a:br>
+              <a:r>
+                <a:rPr kumimoji="0" lang="zh-TW" altLang="zh-TW" sz="1400" b="0" i="0" u="none" strike="noStrike" cap="none" normalizeH="0" baseline="0">
+                  <a:ln>
+                    <a:noFill/>
+                  </a:ln>
+                  <a:solidFill>
+                    <a:srgbClr val="BCBEC4"/>
+                  </a:solidFill>
+                  <a:effectLst/>
+                  <a:latin typeface="+mj-lt"/>
+                  <a:cs typeface="JetBrains Mono" panose="02000009000000000000" pitchFamily="49" charset="0"/>
+                </a:rPr>
+                <a:t>                </a:t>
+              </a:r>
+              <a:r>
+                <a:rPr kumimoji="0" lang="zh-TW" altLang="zh-TW" sz="1400" b="0" i="0" u="none" strike="noStrike" cap="none" normalizeH="0" baseline="0">
+                  <a:ln>
+                    <a:noFill/>
+                  </a:ln>
+                  <a:solidFill>
+                    <a:srgbClr val="CF8E6D"/>
+                  </a:solidFill>
+                  <a:effectLst/>
+                  <a:latin typeface="+mj-lt"/>
+                  <a:cs typeface="JetBrains Mono" panose="02000009000000000000" pitchFamily="49" charset="0"/>
+                </a:rPr>
+                <a:t>yield </a:t>
+              </a:r>
+              <a:r>
+                <a:rPr kumimoji="0" lang="zh-TW" altLang="zh-TW" sz="1400" b="0" i="0" u="none" strike="noStrike" cap="none" normalizeH="0" baseline="0">
+                  <a:ln>
+                    <a:noFill/>
+                  </a:ln>
+                  <a:solidFill>
+                    <a:srgbClr val="6AAB73"/>
+                  </a:solidFill>
+                  <a:effectLst/>
+                  <a:latin typeface="+mj-lt"/>
+                  <a:cs typeface="JetBrains Mono" panose="02000009000000000000" pitchFamily="49" charset="0"/>
+                </a:rPr>
+                <a:t>"</a:t>
+              </a:r>
+              <a:r>
+                <a:rPr kumimoji="0" lang="zh-TW" altLang="zh-TW" sz="1400" b="0" i="0" u="none" strike="noStrike" cap="none" normalizeH="0" baseline="0">
+                  <a:ln>
+                    <a:noFill/>
+                  </a:ln>
+                  <a:solidFill>
+                    <a:srgbClr val="6AAB73"/>
+                  </a:solidFill>
+                  <a:effectLst/>
+                  <a:latin typeface="+mj-lt"/>
+                  <a:ea typeface="微軟正黑體" panose="020B0604030504040204" pitchFamily="34" charset="-120"/>
+                  <a:cs typeface="JetBrains Mono" panose="02000009000000000000" pitchFamily="49" charset="0"/>
+                </a:rPr>
+                <a:t>我不知道下一句是什麼</a:t>
+              </a:r>
+              <a:r>
+                <a:rPr kumimoji="0" lang="zh-TW" altLang="zh-TW" sz="1400" b="0" i="0" u="none" strike="noStrike" cap="none" normalizeH="0" baseline="0">
+                  <a:ln>
+                    <a:noFill/>
+                  </a:ln>
+                  <a:solidFill>
+                    <a:srgbClr val="6AAB73"/>
+                  </a:solidFill>
+                  <a:effectLst/>
+                  <a:latin typeface="+mj-lt"/>
+                  <a:cs typeface="JetBrains Mono" panose="02000009000000000000" pitchFamily="49" charset="0"/>
+                </a:rPr>
+                <a:t>"</a:t>
+              </a:r>
+              <a:r>
+                <a:rPr kumimoji="0" lang="zh-TW" altLang="zh-TW" sz="1400" b="0" i="0" u="none" strike="noStrike" cap="none" normalizeH="0" baseline="0">
+                  <a:ln>
+                    <a:noFill/>
+                  </a:ln>
+                  <a:solidFill>
+                    <a:srgbClr val="BCBEC4"/>
+                  </a:solidFill>
+                  <a:effectLst/>
+                  <a:latin typeface="+mj-lt"/>
+                  <a:cs typeface="JetBrains Mono" panose="02000009000000000000" pitchFamily="49" charset="0"/>
+                </a:rPr>
+                <a:t>;</a:t>
+              </a:r>
+              <a:br>
+                <a:rPr kumimoji="0" lang="zh-TW" altLang="zh-TW" sz="1400" b="0" i="0" u="none" strike="noStrike" cap="none" normalizeH="0" baseline="0">
+                  <a:ln>
+                    <a:noFill/>
+                  </a:ln>
+                  <a:solidFill>
+                    <a:srgbClr val="BCBEC4"/>
+                  </a:solidFill>
+                  <a:effectLst/>
+                  <a:latin typeface="+mj-lt"/>
+                  <a:cs typeface="JetBrains Mono" panose="02000009000000000000" pitchFamily="49" charset="0"/>
+                </a:rPr>
+              </a:br>
+              <a:r>
+                <a:rPr kumimoji="0" lang="zh-TW" altLang="zh-TW" sz="1400" b="0" i="0" u="none" strike="noStrike" cap="none" normalizeH="0" baseline="0">
+                  <a:ln>
+                    <a:noFill/>
+                  </a:ln>
+                  <a:solidFill>
+                    <a:srgbClr val="BCBEC4"/>
+                  </a:solidFill>
+                  <a:effectLst/>
+                  <a:latin typeface="+mj-lt"/>
+                  <a:cs typeface="JetBrains Mono" panose="02000009000000000000" pitchFamily="49" charset="0"/>
+                </a:rPr>
+                <a:t>            }</a:t>
+              </a:r>
+              <a:br>
+                <a:rPr kumimoji="0" lang="zh-TW" altLang="zh-TW" sz="1400" b="0" i="0" u="none" strike="noStrike" cap="none" normalizeH="0" baseline="0">
+                  <a:ln>
+                    <a:noFill/>
+                  </a:ln>
+                  <a:solidFill>
+                    <a:srgbClr val="BCBEC4"/>
+                  </a:solidFill>
+                  <a:effectLst/>
+                  <a:latin typeface="+mj-lt"/>
+                  <a:cs typeface="JetBrains Mono" panose="02000009000000000000" pitchFamily="49" charset="0"/>
+                </a:rPr>
+              </a:br>
+              <a:r>
+                <a:rPr kumimoji="0" lang="zh-TW" altLang="zh-TW" sz="1400" b="0" i="0" u="none" strike="noStrike" cap="none" normalizeH="0" baseline="0">
+                  <a:ln>
+                    <a:noFill/>
+                  </a:ln>
+                  <a:solidFill>
+                    <a:srgbClr val="BCBEC4"/>
+                  </a:solidFill>
+                  <a:effectLst/>
+                  <a:latin typeface="+mj-lt"/>
+                  <a:cs typeface="JetBrains Mono" panose="02000009000000000000" pitchFamily="49" charset="0"/>
+                </a:rPr>
+                <a:t>        };</a:t>
+              </a:r>
+              <a:br>
+                <a:rPr kumimoji="0" lang="zh-TW" altLang="zh-TW" sz="1400" b="0" i="0" u="none" strike="noStrike" cap="none" normalizeH="0" baseline="0">
+                  <a:ln>
+                    <a:noFill/>
+                  </a:ln>
+                  <a:solidFill>
+                    <a:srgbClr val="BCBEC4"/>
+                  </a:solidFill>
+                  <a:effectLst/>
+                  <a:latin typeface="+mj-lt"/>
+                  <a:cs typeface="JetBrains Mono" panose="02000009000000000000" pitchFamily="49" charset="0"/>
+                </a:rPr>
+              </a:br>
+              <a:r>
+                <a:rPr kumimoji="0" lang="zh-TW" altLang="zh-TW" sz="1400" b="0" i="0" u="none" strike="noStrike" cap="none" normalizeH="0" baseline="0">
+                  <a:ln>
+                    <a:noFill/>
+                  </a:ln>
+                  <a:solidFill>
+                    <a:srgbClr val="BCBEC4"/>
+                  </a:solidFill>
+                  <a:effectLst/>
+                  <a:latin typeface="+mj-lt"/>
+                  <a:cs typeface="JetBrains Mono" panose="02000009000000000000" pitchFamily="49" charset="0"/>
+                </a:rPr>
+                <a:t>        System.</a:t>
+              </a:r>
+              <a:r>
+                <a:rPr kumimoji="0" lang="zh-TW" altLang="zh-TW" sz="1400" b="0" i="1" u="none" strike="noStrike" cap="none" normalizeH="0" baseline="0">
+                  <a:ln>
+                    <a:noFill/>
+                  </a:ln>
+                  <a:solidFill>
+                    <a:srgbClr val="C77DBB"/>
+                  </a:solidFill>
+                  <a:effectLst/>
+                  <a:latin typeface="+mj-lt"/>
+                  <a:cs typeface="JetBrains Mono" panose="02000009000000000000" pitchFamily="49" charset="0"/>
+                </a:rPr>
+                <a:t>out</a:t>
+              </a:r>
+              <a:r>
+                <a:rPr kumimoji="0" lang="zh-TW" altLang="zh-TW" sz="1400" b="0" i="0" u="none" strike="noStrike" cap="none" normalizeH="0" baseline="0">
+                  <a:ln>
+                    <a:noFill/>
+                  </a:ln>
+                  <a:solidFill>
+                    <a:srgbClr val="BCBEC4"/>
+                  </a:solidFill>
+                  <a:effectLst/>
+                  <a:latin typeface="+mj-lt"/>
+                  <a:cs typeface="JetBrains Mono" panose="02000009000000000000" pitchFamily="49" charset="0"/>
+                </a:rPr>
+                <a:t>.println(output);</a:t>
+              </a:r>
+              <a:br>
+                <a:rPr kumimoji="0" lang="zh-TW" altLang="zh-TW" sz="1400" b="0" i="0" u="none" strike="noStrike" cap="none" normalizeH="0" baseline="0">
+                  <a:ln>
+                    <a:noFill/>
+                  </a:ln>
+                  <a:solidFill>
+                    <a:srgbClr val="BCBEC4"/>
+                  </a:solidFill>
+                  <a:effectLst/>
+                  <a:latin typeface="+mj-lt"/>
+                  <a:cs typeface="JetBrains Mono" panose="02000009000000000000" pitchFamily="49" charset="0"/>
+                </a:rPr>
+              </a:br>
+              <a:r>
+                <a:rPr kumimoji="0" lang="zh-TW" altLang="zh-TW" sz="1400" b="0" i="0" u="none" strike="noStrike" cap="none" normalizeH="0" baseline="0">
+                  <a:ln>
+                    <a:noFill/>
+                  </a:ln>
+                  <a:solidFill>
+                    <a:srgbClr val="BCBEC4"/>
+                  </a:solidFill>
+                  <a:effectLst/>
+                  <a:latin typeface="+mj-lt"/>
+                  <a:cs typeface="JetBrains Mono" panose="02000009000000000000" pitchFamily="49" charset="0"/>
+                </a:rPr>
+                <a:t>    }</a:t>
+              </a:r>
+              <a:br>
+                <a:rPr kumimoji="0" lang="zh-TW" altLang="zh-TW" sz="1400" b="0" i="0" u="none" strike="noStrike" cap="none" normalizeH="0" baseline="0">
+                  <a:ln>
+                    <a:noFill/>
+                  </a:ln>
+                  <a:solidFill>
+                    <a:srgbClr val="BCBEC4"/>
+                  </a:solidFill>
+                  <a:effectLst/>
+                  <a:latin typeface="+mj-lt"/>
+                  <a:cs typeface="JetBrains Mono" panose="02000009000000000000" pitchFamily="49" charset="0"/>
+                </a:rPr>
+              </a:br>
+              <a:r>
+                <a:rPr kumimoji="0" lang="zh-TW" altLang="zh-TW" sz="1400" b="0" i="0" u="none" strike="noStrike" cap="none" normalizeH="0" baseline="0">
+                  <a:ln>
+                    <a:noFill/>
+                  </a:ln>
+                  <a:solidFill>
+                    <a:srgbClr val="BCBEC4"/>
+                  </a:solidFill>
+                  <a:effectLst/>
+                  <a:latin typeface="+mj-lt"/>
+                  <a:cs typeface="JetBrains Mono" panose="02000009000000000000" pitchFamily="49" charset="0"/>
+                </a:rPr>
+                <a:t>}</a:t>
+              </a:r>
+              <a:endParaRPr kumimoji="0" lang="zh-TW" altLang="zh-TW" sz="2400" b="0" i="0" u="none" strike="noStrike" cap="none" normalizeH="0" baseline="0">
+                <a:ln>
+                  <a:noFill/>
+                </a:ln>
+                <a:solidFill>
+                  <a:schemeClr val="tx1"/>
+                </a:solidFill>
+                <a:effectLst/>
+                <a:latin typeface="+mj-lt"/>
+              </a:endParaRPr>
+            </a:p>
+          </p:txBody>
+        </p:sp>
+        <p:sp>
+          <p:nvSpPr>
+            <p:cNvPr id="24" name="文字方塊 23">
+              <a:extLst>
+                <a:ext uri="{FF2B5EF4-FFF2-40B4-BE49-F238E27FC236}">
+                  <a16:creationId xmlns:a16="http://schemas.microsoft.com/office/drawing/2014/main" id="{E26CFA82-E5B1-49BD-A888-F42CEC389792}"/>
+                </a:ext>
+              </a:extLst>
+            </p:cNvPr>
+            <p:cNvSpPr txBox="1"/>
+            <p:nvPr/>
+          </p:nvSpPr>
+          <p:spPr>
+            <a:xfrm>
+              <a:off x="10771587" y="6186489"/>
+              <a:ext cx="582211" cy="307777"/>
+            </a:xfrm>
+            <a:prstGeom prst="rect">
+              <a:avLst/>
+            </a:prstGeom>
+            <a:noFill/>
+          </p:spPr>
+          <p:txBody>
+            <a:bodyPr wrap="none" rtlCol="0">
+              <a:spAutoFit/>
+            </a:bodyPr>
+            <a:lstStyle/>
+            <a:p>
+              <a:r>
+                <a:rPr lang="en-US" altLang="zh-TW" sz="1400">
+                  <a:solidFill>
+                    <a:schemeClr val="accent3"/>
+                  </a:solidFill>
+                </a:rPr>
+                <a:t>java</a:t>
+              </a:r>
+              <a:endParaRPr lang="zh-TW" altLang="en-US" sz="1400">
+                <a:solidFill>
+                  <a:schemeClr val="accent3"/>
+                </a:solidFill>
+              </a:endParaRPr>
+            </a:p>
+          </p:txBody>
+        </p:sp>
+        <p:pic>
+          <p:nvPicPr>
+            <p:cNvPr id="25" name="圖片 24">
+              <a:hlinkClick r:id="rId2"/>
+              <a:extLst>
+                <a:ext uri="{FF2B5EF4-FFF2-40B4-BE49-F238E27FC236}">
+                  <a16:creationId xmlns:a16="http://schemas.microsoft.com/office/drawing/2014/main" id="{4868122B-B178-49BC-B0EB-9F1D23C50AD8}"/>
+                </a:ext>
+              </a:extLst>
+            </p:cNvPr>
+            <p:cNvPicPr>
+              <a:picLocks noChangeAspect="1"/>
+            </p:cNvPicPr>
+            <p:nvPr/>
+          </p:nvPicPr>
+          <p:blipFill>
+            <a:blip r:embed="rId3">
+              <a:extLst>
+                <a:ext uri="{28A0092B-C50C-407E-A947-70E740481C1C}">
+                  <a14:useLocalDpi xmlns:a14="http://schemas.microsoft.com/office/drawing/2010/main" val="0"/>
+                </a:ext>
+              </a:extLst>
+            </a:blip>
+            <a:stretch>
+              <a:fillRect/>
+            </a:stretch>
+          </p:blipFill>
+          <p:spPr>
+            <a:xfrm>
+              <a:off x="10910046" y="2308505"/>
+              <a:ext cx="443752" cy="434104"/>
+            </a:xfrm>
+            <a:prstGeom prst="rect">
+              <a:avLst/>
+            </a:prstGeom>
+          </p:spPr>
+        </p:pic>
+      </p:grpSp>
+      <p:sp>
+        <p:nvSpPr>
+          <p:cNvPr id="2" name="標題 1">
+            <a:extLst>
+              <a:ext uri="{FF2B5EF4-FFF2-40B4-BE49-F238E27FC236}">
+                <a16:creationId xmlns:a16="http://schemas.microsoft.com/office/drawing/2014/main" id="{90A60615-CE6D-4DF4-9697-7C8E545BB125}"/>
+              </a:ext>
+            </a:extLst>
+          </p:cNvPr>
+          <p:cNvSpPr>
+            <a:spLocks noGrp="1"/>
+          </p:cNvSpPr>
+          <p:nvPr>
+            <p:ph type="title"/>
+          </p:nvPr>
+        </p:nvSpPr>
+        <p:spPr>
+          <a:xfrm>
+            <a:off x="838200" y="0"/>
+            <a:ext cx="10515600" cy="1325563"/>
+          </a:xfrm>
+        </p:spPr>
+        <p:txBody>
+          <a:bodyPr/>
+          <a:lstStyle/>
+          <a:p>
+            <a:r>
+              <a:rPr lang="en-US" altLang="zh-TW"/>
+              <a:t>switch</a:t>
+            </a:r>
+            <a:r>
+              <a:rPr lang="zh-TW" altLang="en-US"/>
+              <a:t> 表達式</a:t>
+            </a:r>
+          </a:p>
+        </p:txBody>
+      </p:sp>
+      <p:sp>
+        <p:nvSpPr>
+          <p:cNvPr id="3" name="內容版面配置區 2">
+            <a:extLst>
+              <a:ext uri="{FF2B5EF4-FFF2-40B4-BE49-F238E27FC236}">
+                <a16:creationId xmlns:a16="http://schemas.microsoft.com/office/drawing/2014/main" id="{46903C0E-EB15-432F-802E-AC47594F0328}"/>
+              </a:ext>
+            </a:extLst>
+          </p:cNvPr>
+          <p:cNvSpPr>
+            <a:spLocks noGrp="1"/>
+          </p:cNvSpPr>
+          <p:nvPr>
+            <p:ph idx="1"/>
+          </p:nvPr>
+        </p:nvSpPr>
+        <p:spPr>
+          <a:xfrm>
+            <a:off x="582706" y="982942"/>
+            <a:ext cx="10771094" cy="1401669"/>
+          </a:xfrm>
+        </p:spPr>
+        <p:txBody>
+          <a:bodyPr>
+            <a:normAutofit/>
+          </a:bodyPr>
+          <a:lstStyle/>
+          <a:p>
+            <a:r>
+              <a:rPr lang="en-US" altLang="zh-TW" sz="2400"/>
+              <a:t>Java 14 </a:t>
+            </a:r>
+            <a:r>
+              <a:rPr lang="zh-TW" altLang="en-US" sz="2400"/>
+              <a:t>加入了 </a:t>
+            </a:r>
+            <a:r>
+              <a:rPr lang="en-US" altLang="zh-TW" sz="2400">
+                <a:solidFill>
+                  <a:srgbClr val="CF8E6D"/>
+                </a:solidFill>
+              </a:rPr>
+              <a:t>switch</a:t>
+            </a:r>
+            <a:r>
+              <a:rPr lang="zh-TW" altLang="en-US" sz="2400">
+                <a:solidFill>
+                  <a:srgbClr val="CF8E6D"/>
+                </a:solidFill>
+              </a:rPr>
+              <a:t> </a:t>
+            </a:r>
+            <a:r>
+              <a:rPr lang="zh-TW" altLang="en-US" sz="2400"/>
+              <a:t>表達式，格式與 </a:t>
+            </a:r>
+            <a:r>
+              <a:rPr lang="en-US" altLang="zh-TW" sz="2400">
+                <a:solidFill>
+                  <a:srgbClr val="CF8E6D"/>
+                </a:solidFill>
+              </a:rPr>
+              <a:t>switch</a:t>
+            </a:r>
+            <a:r>
+              <a:rPr lang="en-US" altLang="zh-TW" sz="2400"/>
+              <a:t> </a:t>
+            </a:r>
+            <a:r>
+              <a:rPr lang="zh-TW" altLang="en-US" sz="2400"/>
+              <a:t>陳述式幾乎相同</a:t>
+            </a:r>
+            <a:endParaRPr lang="en-US" altLang="zh-TW" sz="2400"/>
+          </a:p>
+          <a:p>
+            <a:r>
+              <a:rPr lang="zh-TW" altLang="en-US" sz="2400"/>
+              <a:t>但一定需要有 </a:t>
+            </a:r>
+            <a:r>
+              <a:rPr lang="en-US" altLang="zh-TW" sz="2400">
+                <a:solidFill>
+                  <a:srgbClr val="CF8E6D"/>
+                </a:solidFill>
+              </a:rPr>
+              <a:t>default</a:t>
+            </a:r>
+            <a:r>
+              <a:rPr lang="zh-TW" altLang="en-US" sz="2400"/>
+              <a:t>，且 </a:t>
+            </a:r>
+            <a:r>
+              <a:rPr lang="en-US" altLang="zh-TW" sz="2400">
+                <a:solidFill>
+                  <a:srgbClr val="00B0F0"/>
+                </a:solidFill>
+              </a:rPr>
+              <a:t>"-&gt;"</a:t>
+            </a:r>
+            <a:r>
+              <a:rPr lang="en-US" altLang="zh-TW" sz="2400"/>
+              <a:t> </a:t>
+            </a:r>
+            <a:r>
+              <a:rPr lang="zh-TW" altLang="en-US" sz="2400"/>
+              <a:t>後方是要回傳的值</a:t>
+            </a:r>
+            <a:endParaRPr lang="en-US" altLang="zh-TW" sz="2400"/>
+          </a:p>
+          <a:p>
+            <a:r>
+              <a:rPr lang="zh-TW" altLang="en-US" sz="2400"/>
+              <a:t>而且若使用冒號或是區塊，需使用 </a:t>
+            </a:r>
+            <a:r>
+              <a:rPr lang="en-US" altLang="zh-TW" sz="2400">
+                <a:solidFill>
+                  <a:srgbClr val="CF8E6D"/>
+                </a:solidFill>
+              </a:rPr>
+              <a:t>yield </a:t>
+            </a:r>
+            <a:r>
+              <a:rPr lang="zh-TW" altLang="en-US" sz="2400"/>
+              <a:t>來回傳值，並且會終止 </a:t>
+            </a:r>
+            <a:r>
+              <a:rPr lang="en-US" altLang="zh-TW" sz="2400">
+                <a:solidFill>
+                  <a:srgbClr val="CF8E6D"/>
+                </a:solidFill>
+              </a:rPr>
+              <a:t>switch</a:t>
+            </a:r>
+            <a:endParaRPr lang="zh-TW" altLang="en-US" sz="2400">
+              <a:solidFill>
+                <a:srgbClr val="CF8E6D"/>
+              </a:solidFill>
+            </a:endParaRPr>
+          </a:p>
+        </p:txBody>
+      </p:sp>
+      <p:grpSp>
+        <p:nvGrpSpPr>
+          <p:cNvPr id="6" name="群組 5">
+            <a:extLst>
+              <a:ext uri="{FF2B5EF4-FFF2-40B4-BE49-F238E27FC236}">
+                <a16:creationId xmlns:a16="http://schemas.microsoft.com/office/drawing/2014/main" id="{D3677C19-1C89-486A-8F03-472BB90F9FED}"/>
+              </a:ext>
+            </a:extLst>
+          </p:cNvPr>
+          <p:cNvGrpSpPr/>
+          <p:nvPr/>
+        </p:nvGrpSpPr>
+        <p:grpSpPr>
+          <a:xfrm>
+            <a:off x="8068234" y="3326747"/>
+            <a:ext cx="3285565" cy="646331"/>
+            <a:chOff x="8440269" y="5723751"/>
+            <a:chExt cx="3285565" cy="646331"/>
+          </a:xfrm>
+        </p:grpSpPr>
+        <p:sp>
+          <p:nvSpPr>
+            <p:cNvPr id="7" name="Rectangle 1">
+              <a:extLst>
+                <a:ext uri="{FF2B5EF4-FFF2-40B4-BE49-F238E27FC236}">
+                  <a16:creationId xmlns:a16="http://schemas.microsoft.com/office/drawing/2014/main" id="{540017EB-219B-4192-B3F5-B49C0DD3EC7C}"/>
+                </a:ext>
+              </a:extLst>
+            </p:cNvPr>
+            <p:cNvSpPr>
+              <a:spLocks noChangeArrowheads="1"/>
+            </p:cNvSpPr>
+            <p:nvPr/>
+          </p:nvSpPr>
+          <p:spPr bwMode="auto">
+            <a:xfrm>
+              <a:off x="8440269" y="5723751"/>
+              <a:ext cx="3285565" cy="646331"/>
+            </a:xfrm>
+            <a:prstGeom prst="rect">
+              <a:avLst/>
+            </a:prstGeom>
+            <a:solidFill>
+              <a:srgbClr val="1E1F22"/>
+            </a:solidFill>
+            <a:ln w="12700">
+              <a:solidFill>
+                <a:schemeClr val="tx1"/>
+              </a:solidFill>
+              <a:miter lim="800000"/>
+              <a:headEnd/>
+              <a:tailEnd/>
+            </a:ln>
+            <a:effectLst/>
+            <a:extLst>
+              <a:ext uri="{AF507438-7753-43E0-B8FC-AC1667EBCBE1}">
+                <a14:hiddenEffects xmlns:a14="http://schemas.microsoft.com/office/drawing/2010/main">
+                  <a:effectLst>
+                    <a:outerShdw dist="35921" dir="2700000" algn="ctr" rotWithShape="0">
+                      <a:schemeClr val="bg2"/>
+                    </a:outerShdw>
+                  </a:effectLst>
+                </a14:hiddenEffects>
+              </a:ext>
+            </a:extLst>
+          </p:spPr>
+          <p:txBody>
+            <a:bodyPr vert="horz" wrap="square" lIns="91440" tIns="45720" rIns="91440" bIns="45720" numCol="1" anchor="ctr" anchorCtr="0" compatLnSpc="1">
+              <a:prstTxWarp prst="textNoShape">
+                <a:avLst/>
+              </a:prstTxWarp>
+              <a:spAutoFit/>
+            </a:bodyPr>
+            <a:lstStyle/>
+            <a:p>
+              <a:pPr marL="0" marR="0" lvl="0" indent="0" algn="l" defTabSz="914400" rtl="0" eaLnBrk="0" fontAlgn="base" latinLnBrk="0" hangingPunct="0">
+                <a:lnSpc>
+                  <a:spcPct val="100000"/>
+                </a:lnSpc>
+                <a:spcBef>
+                  <a:spcPct val="0"/>
+                </a:spcBef>
+                <a:spcAft>
+                  <a:spcPct val="0"/>
+                </a:spcAft>
+                <a:buClrTx/>
+                <a:buSzTx/>
+                <a:buFontTx/>
+                <a:buNone/>
+                <a:tabLst/>
+              </a:pPr>
+              <a:r>
+                <a:rPr lang="zh-TW" altLang="en-US">
+                  <a:solidFill>
+                    <a:srgbClr val="92D050"/>
+                  </a:solidFill>
+                  <a:latin typeface="+mj-lt"/>
+                  <a:cs typeface="JetBrains Mono" panose="02000009000000000000" pitchFamily="49" charset="0"/>
+                </a:rPr>
+                <a:t>現在是星期五晚上</a:t>
+              </a:r>
+              <a:endParaRPr lang="en-US" altLang="zh-TW">
+                <a:solidFill>
+                  <a:srgbClr val="92D050"/>
+                </a:solidFill>
+                <a:latin typeface="+mj-lt"/>
+                <a:cs typeface="JetBrains Mono" panose="02000009000000000000" pitchFamily="49" charset="0"/>
+              </a:endParaRPr>
+            </a:p>
+            <a:p>
+              <a:pPr marL="0" marR="0" lvl="0" indent="0" algn="l" defTabSz="914400" rtl="0" eaLnBrk="0" fontAlgn="base" latinLnBrk="0" hangingPunct="0">
+                <a:lnSpc>
+                  <a:spcPct val="100000"/>
+                </a:lnSpc>
+                <a:spcBef>
+                  <a:spcPct val="0"/>
+                </a:spcBef>
+                <a:spcAft>
+                  <a:spcPct val="0"/>
+                </a:spcAft>
+                <a:buClrTx/>
+                <a:buSzTx/>
+                <a:buFontTx/>
+                <a:buNone/>
+                <a:tabLst/>
+              </a:pPr>
+              <a:r>
+                <a:rPr lang="zh-TW" altLang="en-US">
+                  <a:solidFill>
+                    <a:srgbClr val="BCBEC4"/>
+                  </a:solidFill>
+                  <a:latin typeface="+mj-lt"/>
+                  <a:cs typeface="JetBrains Mono" panose="02000009000000000000" pitchFamily="49" charset="0"/>
+                </a:rPr>
+                <a:t>我不知道下一句是什麼</a:t>
+              </a:r>
+            </a:p>
+          </p:txBody>
+        </p:sp>
+        <p:sp>
+          <p:nvSpPr>
+            <p:cNvPr id="8" name="文字方塊 7">
+              <a:extLst>
+                <a:ext uri="{FF2B5EF4-FFF2-40B4-BE49-F238E27FC236}">
+                  <a16:creationId xmlns:a16="http://schemas.microsoft.com/office/drawing/2014/main" id="{FF7CBD1B-3CC3-494F-BA10-B2C9C967D79D}"/>
+                </a:ext>
+              </a:extLst>
+            </p:cNvPr>
+            <p:cNvSpPr txBox="1"/>
+            <p:nvPr/>
+          </p:nvSpPr>
+          <p:spPr>
+            <a:xfrm>
+              <a:off x="10845465" y="6062305"/>
+              <a:ext cx="880369" cy="307777"/>
+            </a:xfrm>
+            <a:prstGeom prst="rect">
+              <a:avLst/>
+            </a:prstGeom>
+            <a:noFill/>
+          </p:spPr>
+          <p:txBody>
+            <a:bodyPr wrap="none" rtlCol="0">
+              <a:spAutoFit/>
+            </a:bodyPr>
+            <a:lstStyle/>
+            <a:p>
+              <a:r>
+                <a:rPr lang="en-US" altLang="zh-TW" sz="1400">
+                  <a:solidFill>
+                    <a:schemeClr val="accent3"/>
+                  </a:solidFill>
+                </a:rPr>
+                <a:t>console</a:t>
+              </a:r>
+            </a:p>
+          </p:txBody>
+        </p:sp>
+      </p:grpSp>
+      <p:grpSp>
+        <p:nvGrpSpPr>
+          <p:cNvPr id="21" name="群組 20">
+            <a:extLst>
+              <a:ext uri="{FF2B5EF4-FFF2-40B4-BE49-F238E27FC236}">
+                <a16:creationId xmlns:a16="http://schemas.microsoft.com/office/drawing/2014/main" id="{BD7275FE-295E-47A1-A62F-9A7499408AD0}"/>
+              </a:ext>
+            </a:extLst>
+          </p:cNvPr>
+          <p:cNvGrpSpPr/>
+          <p:nvPr/>
+        </p:nvGrpSpPr>
+        <p:grpSpPr>
+          <a:xfrm>
+            <a:off x="8068234" y="4956020"/>
+            <a:ext cx="3285566" cy="646331"/>
+            <a:chOff x="8440269" y="5723751"/>
+            <a:chExt cx="3285566" cy="646331"/>
+          </a:xfrm>
+        </p:grpSpPr>
+        <p:sp>
+          <p:nvSpPr>
+            <p:cNvPr id="22" name="Rectangle 1">
+              <a:extLst>
+                <a:ext uri="{FF2B5EF4-FFF2-40B4-BE49-F238E27FC236}">
+                  <a16:creationId xmlns:a16="http://schemas.microsoft.com/office/drawing/2014/main" id="{C93BF6B6-BCAE-4944-96B6-D7411E57808D}"/>
+                </a:ext>
+              </a:extLst>
+            </p:cNvPr>
+            <p:cNvSpPr>
+              <a:spLocks noChangeArrowheads="1"/>
+            </p:cNvSpPr>
+            <p:nvPr/>
+          </p:nvSpPr>
+          <p:spPr bwMode="auto">
+            <a:xfrm>
+              <a:off x="8440269" y="5723751"/>
+              <a:ext cx="3285566" cy="646331"/>
+            </a:xfrm>
+            <a:prstGeom prst="rect">
+              <a:avLst/>
+            </a:prstGeom>
+            <a:solidFill>
+              <a:srgbClr val="1E1F22"/>
+            </a:solidFill>
+            <a:ln w="12700">
+              <a:solidFill>
+                <a:schemeClr val="tx1"/>
+              </a:solidFill>
+              <a:miter lim="800000"/>
+              <a:headEnd/>
+              <a:tailEnd/>
+            </a:ln>
+            <a:effectLst/>
+            <a:extLst>
+              <a:ext uri="{AF507438-7753-43E0-B8FC-AC1667EBCBE1}">
+                <a14:hiddenEffects xmlns:a14="http://schemas.microsoft.com/office/drawing/2010/main">
+                  <a:effectLst>
+                    <a:outerShdw dist="35921" dir="2700000" algn="ctr" rotWithShape="0">
+                      <a:schemeClr val="bg2"/>
+                    </a:outerShdw>
+                  </a:effectLst>
+                </a14:hiddenEffects>
+              </a:ext>
+            </a:extLst>
+          </p:spPr>
+          <p:txBody>
+            <a:bodyPr vert="horz" wrap="square" lIns="91440" tIns="45720" rIns="91440" bIns="45720" numCol="1" anchor="ctr" anchorCtr="0" compatLnSpc="1">
+              <a:prstTxWarp prst="textNoShape">
+                <a:avLst/>
+              </a:prstTxWarp>
+              <a:spAutoFit/>
+            </a:bodyPr>
+            <a:lstStyle/>
+            <a:p>
+              <a:pPr marL="0" marR="0" lvl="0" indent="0" algn="l" defTabSz="914400" rtl="0" eaLnBrk="0" fontAlgn="base" latinLnBrk="0" hangingPunct="0">
+                <a:lnSpc>
+                  <a:spcPct val="100000"/>
+                </a:lnSpc>
+                <a:spcBef>
+                  <a:spcPct val="0"/>
+                </a:spcBef>
+                <a:spcAft>
+                  <a:spcPct val="0"/>
+                </a:spcAft>
+                <a:buClrTx/>
+                <a:buSzTx/>
+                <a:buFontTx/>
+                <a:buNone/>
+                <a:tabLst/>
+              </a:pPr>
+              <a:endParaRPr lang="en-US" altLang="zh-TW">
+                <a:solidFill>
+                  <a:srgbClr val="BCBEC4"/>
+                </a:solidFill>
+                <a:latin typeface="+mj-lt"/>
+                <a:cs typeface="JetBrains Mono" panose="02000009000000000000" pitchFamily="49" charset="0"/>
+              </a:endParaRPr>
+            </a:p>
+            <a:p>
+              <a:pPr marL="0" marR="0" lvl="0" indent="0" algn="l" defTabSz="914400" rtl="0" eaLnBrk="0" fontAlgn="base" latinLnBrk="0" hangingPunct="0">
+                <a:lnSpc>
+                  <a:spcPct val="100000"/>
+                </a:lnSpc>
+                <a:spcBef>
+                  <a:spcPct val="0"/>
+                </a:spcBef>
+                <a:spcAft>
+                  <a:spcPct val="0"/>
+                </a:spcAft>
+                <a:buClrTx/>
+                <a:buSzTx/>
+                <a:buFontTx/>
+                <a:buNone/>
+                <a:tabLst/>
+              </a:pPr>
+              <a:r>
+                <a:rPr lang="zh-TW" altLang="en-US">
+                  <a:solidFill>
+                    <a:srgbClr val="BCBEC4"/>
+                  </a:solidFill>
+                  <a:latin typeface="+mj-lt"/>
+                  <a:cs typeface="JetBrains Mono" panose="02000009000000000000" pitchFamily="49" charset="0"/>
+                </a:rPr>
+                <a:t>沒有輸入任何東西</a:t>
+              </a:r>
+            </a:p>
+          </p:txBody>
+        </p:sp>
+        <p:sp>
+          <p:nvSpPr>
+            <p:cNvPr id="23" name="文字方塊 22">
+              <a:extLst>
+                <a:ext uri="{FF2B5EF4-FFF2-40B4-BE49-F238E27FC236}">
+                  <a16:creationId xmlns:a16="http://schemas.microsoft.com/office/drawing/2014/main" id="{16542E36-A672-4E46-B8CE-E33904139DBC}"/>
+                </a:ext>
+              </a:extLst>
+            </p:cNvPr>
+            <p:cNvSpPr txBox="1"/>
+            <p:nvPr/>
+          </p:nvSpPr>
+          <p:spPr>
+            <a:xfrm>
+              <a:off x="10845466" y="6062305"/>
+              <a:ext cx="880369" cy="307777"/>
+            </a:xfrm>
+            <a:prstGeom prst="rect">
+              <a:avLst/>
+            </a:prstGeom>
+            <a:noFill/>
+          </p:spPr>
+          <p:txBody>
+            <a:bodyPr wrap="none" rtlCol="0">
+              <a:spAutoFit/>
+            </a:bodyPr>
+            <a:lstStyle/>
+            <a:p>
+              <a:r>
+                <a:rPr lang="en-US" altLang="zh-TW" sz="1400">
+                  <a:solidFill>
+                    <a:schemeClr val="accent3"/>
+                  </a:solidFill>
+                </a:rPr>
+                <a:t>console</a:t>
+              </a:r>
+            </a:p>
+          </p:txBody>
+        </p:sp>
+      </p:grpSp>
+    </p:spTree>
+    <p:extLst>
+      <p:ext uri="{BB962C8B-B14F-4D97-AF65-F5344CB8AC3E}">
+        <p14:creationId xmlns:p14="http://schemas.microsoft.com/office/powerpoint/2010/main" val="1691638245"/>
       </p:ext>
     </p:extLst>
   </p:cSld>

--- a/powerpoint/06_流程控制.pptx
+++ b/powerpoint/06_流程控制.pptx
@@ -14,7 +14,8 @@
     <p:sldId id="263" r:id="rId8"/>
     <p:sldId id="262" r:id="rId9"/>
     <p:sldId id="264" r:id="rId10"/>
-    <p:sldId id="265" r:id="rId11"/>
+    <p:sldId id="266" r:id="rId11"/>
+    <p:sldId id="265" r:id="rId12"/>
   </p:sldIdLst>
   <p:sldSz cx="12192000" cy="6858000"/>
   <p:notesSz cx="6858000" cy="9144000"/>
@@ -7973,7 +7974,7 @@
           <p:cNvPr id="2" name="標題 1">
             <a:extLst>
               <a:ext uri="{FF2B5EF4-FFF2-40B4-BE49-F238E27FC236}">
-                <a16:creationId xmlns:a16="http://schemas.microsoft.com/office/drawing/2014/main" id="{754B1C9A-8D7E-40A5-8232-75E712B1D9E5}"/>
+                <a16:creationId xmlns:a16="http://schemas.microsoft.com/office/drawing/2014/main" id="{FD01E2C9-AE7A-41C7-85FE-93B611A225BE}"/>
               </a:ext>
             </a:extLst>
           </p:cNvPr>
@@ -7989,6 +7990,1778 @@
           <a:bodyPr/>
           <a:lstStyle/>
           <a:p>
+            <a:r>
+              <a:rPr lang="zh-TW" altLang="en-US"/>
+              <a:t>三元運算、</a:t>
+            </a:r>
+            <a:r>
+              <a:rPr lang="en-US" altLang="zh-TW"/>
+              <a:t>if...else</a:t>
+            </a:r>
+            <a:r>
+              <a:rPr lang="zh-TW" altLang="en-US"/>
+              <a:t>、</a:t>
+            </a:r>
+            <a:r>
+              <a:rPr lang="en-US" altLang="zh-TW"/>
+              <a:t>switch</a:t>
+            </a:r>
+            <a:endParaRPr lang="zh-TW" altLang="en-US"/>
+          </a:p>
+        </p:txBody>
+      </p:sp>
+      <p:sp>
+        <p:nvSpPr>
+          <p:cNvPr id="3" name="內容版面配置區 2">
+            <a:extLst>
+              <a:ext uri="{FF2B5EF4-FFF2-40B4-BE49-F238E27FC236}">
+                <a16:creationId xmlns:a16="http://schemas.microsoft.com/office/drawing/2014/main" id="{65341C48-CA97-4983-B5C2-C0EA6674B21A}"/>
+              </a:ext>
+            </a:extLst>
+          </p:cNvPr>
+          <p:cNvSpPr>
+            <a:spLocks noGrp="1"/>
+          </p:cNvSpPr>
+          <p:nvPr>
+            <p:ph idx="1"/>
+          </p:nvPr>
+        </p:nvSpPr>
+        <p:spPr>
+          <a:xfrm>
+            <a:off x="838200" y="1944206"/>
+            <a:ext cx="10515600" cy="541057"/>
+          </a:xfrm>
+        </p:spPr>
+        <p:txBody>
+          <a:bodyPr/>
+          <a:lstStyle/>
+          <a:p>
+            <a:r>
+              <a:rPr lang="zh-TW" altLang="en-US">
+                <a:solidFill>
+                  <a:srgbClr val="CF8E6D"/>
+                </a:solidFill>
+              </a:rPr>
+              <a:t>三元運算</a:t>
+            </a:r>
+            <a:r>
+              <a:rPr lang="zh-TW" altLang="en-US"/>
+              <a:t>、</a:t>
+            </a:r>
+            <a:r>
+              <a:rPr lang="en-US" altLang="zh-TW">
+                <a:solidFill>
+                  <a:srgbClr val="CF8E6D"/>
+                </a:solidFill>
+              </a:rPr>
+              <a:t>if...else</a:t>
+            </a:r>
+            <a:r>
+              <a:rPr lang="zh-TW" altLang="en-US"/>
+              <a:t>、</a:t>
+            </a:r>
+            <a:r>
+              <a:rPr lang="en-US" altLang="zh-TW">
+                <a:solidFill>
+                  <a:srgbClr val="CF8E6D"/>
+                </a:solidFill>
+              </a:rPr>
+              <a:t>switch</a:t>
+            </a:r>
+            <a:r>
+              <a:rPr lang="en-US" altLang="zh-TW"/>
+              <a:t> </a:t>
+            </a:r>
+            <a:r>
+              <a:rPr lang="zh-TW" altLang="en-US"/>
+              <a:t>有許多相似之處，但仍有不同：</a:t>
+            </a:r>
+          </a:p>
+        </p:txBody>
+      </p:sp>
+      <p:grpSp>
+        <p:nvGrpSpPr>
+          <p:cNvPr id="99" name="群組 98">
+            <a:extLst>
+              <a:ext uri="{FF2B5EF4-FFF2-40B4-BE49-F238E27FC236}">
+                <a16:creationId xmlns:a16="http://schemas.microsoft.com/office/drawing/2014/main" id="{DC386C43-E36C-43D1-94EF-26BE77F4AE01}"/>
+              </a:ext>
+            </a:extLst>
+          </p:cNvPr>
+          <p:cNvGrpSpPr/>
+          <p:nvPr/>
+        </p:nvGrpSpPr>
+        <p:grpSpPr>
+          <a:xfrm>
+            <a:off x="809353" y="2733648"/>
+            <a:ext cx="10573294" cy="2012742"/>
+            <a:chOff x="809353" y="2564551"/>
+            <a:chExt cx="10573294" cy="2012742"/>
+          </a:xfrm>
+        </p:grpSpPr>
+        <p:sp>
+          <p:nvSpPr>
+            <p:cNvPr id="91" name="手繪多邊形: 圖案 90">
+              <a:extLst>
+                <a:ext uri="{FF2B5EF4-FFF2-40B4-BE49-F238E27FC236}">
+                  <a16:creationId xmlns:a16="http://schemas.microsoft.com/office/drawing/2014/main" id="{50D38397-BC97-4636-BBEF-FA7F9C6A32D2}"/>
+                </a:ext>
+              </a:extLst>
+            </p:cNvPr>
+            <p:cNvSpPr/>
+            <p:nvPr/>
+          </p:nvSpPr>
+          <p:spPr>
+            <a:xfrm>
+              <a:off x="809353" y="3746296"/>
+              <a:ext cx="10573294" cy="760484"/>
+            </a:xfrm>
+            <a:custGeom>
+              <a:avLst/>
+              <a:gdLst>
+                <a:gd name="connsiteX0" fmla="*/ 0 w 10573294"/>
+                <a:gd name="connsiteY0" fmla="*/ 0 h 760484"/>
+                <a:gd name="connsiteX1" fmla="*/ 10573294 w 10573294"/>
+                <a:gd name="connsiteY1" fmla="*/ 0 h 760484"/>
+                <a:gd name="connsiteX2" fmla="*/ 10573294 w 10573294"/>
+                <a:gd name="connsiteY2" fmla="*/ 171300 h 760484"/>
+                <a:gd name="connsiteX3" fmla="*/ 9984110 w 10573294"/>
+                <a:gd name="connsiteY3" fmla="*/ 760484 h 760484"/>
+                <a:gd name="connsiteX4" fmla="*/ 9747601 w 10573294"/>
+                <a:gd name="connsiteY4" fmla="*/ 760484 h 760484"/>
+                <a:gd name="connsiteX5" fmla="*/ 9653026 w 10573294"/>
+                <a:gd name="connsiteY5" fmla="*/ 760484 h 760484"/>
+                <a:gd name="connsiteX6" fmla="*/ 5322492 w 10573294"/>
+                <a:gd name="connsiteY6" fmla="*/ 760484 h 760484"/>
+                <a:gd name="connsiteX7" fmla="*/ 5250802 w 10573294"/>
+                <a:gd name="connsiteY7" fmla="*/ 760484 h 760484"/>
+                <a:gd name="connsiteX8" fmla="*/ 5085983 w 10573294"/>
+                <a:gd name="connsiteY8" fmla="*/ 760484 h 760484"/>
+                <a:gd name="connsiteX9" fmla="*/ 4991408 w 10573294"/>
+                <a:gd name="connsiteY9" fmla="*/ 760484 h 760484"/>
+                <a:gd name="connsiteX10" fmla="*/ 589184 w 10573294"/>
+                <a:gd name="connsiteY10" fmla="*/ 760484 h 760484"/>
+                <a:gd name="connsiteX11" fmla="*/ 0 w 10573294"/>
+                <a:gd name="connsiteY11" fmla="*/ 171300 h 760484"/>
+              </a:gdLst>
+              <a:ahLst/>
+              <a:cxnLst>
+                <a:cxn ang="0">
+                  <a:pos x="connsiteX0" y="connsiteY0"/>
+                </a:cxn>
+                <a:cxn ang="0">
+                  <a:pos x="connsiteX1" y="connsiteY1"/>
+                </a:cxn>
+                <a:cxn ang="0">
+                  <a:pos x="connsiteX2" y="connsiteY2"/>
+                </a:cxn>
+                <a:cxn ang="0">
+                  <a:pos x="connsiteX3" y="connsiteY3"/>
+                </a:cxn>
+                <a:cxn ang="0">
+                  <a:pos x="connsiteX4" y="connsiteY4"/>
+                </a:cxn>
+                <a:cxn ang="0">
+                  <a:pos x="connsiteX5" y="connsiteY5"/>
+                </a:cxn>
+                <a:cxn ang="0">
+                  <a:pos x="connsiteX6" y="connsiteY6"/>
+                </a:cxn>
+                <a:cxn ang="0">
+                  <a:pos x="connsiteX7" y="connsiteY7"/>
+                </a:cxn>
+                <a:cxn ang="0">
+                  <a:pos x="connsiteX8" y="connsiteY8"/>
+                </a:cxn>
+                <a:cxn ang="0">
+                  <a:pos x="connsiteX9" y="connsiteY9"/>
+                </a:cxn>
+                <a:cxn ang="0">
+                  <a:pos x="connsiteX10" y="connsiteY10"/>
+                </a:cxn>
+                <a:cxn ang="0">
+                  <a:pos x="connsiteX11" y="connsiteY11"/>
+                </a:cxn>
+              </a:cxnLst>
+              <a:rect l="l" t="t" r="r" b="b"/>
+              <a:pathLst>
+                <a:path w="10573294" h="760484">
+                  <a:moveTo>
+                    <a:pt x="0" y="0"/>
+                  </a:moveTo>
+                  <a:lnTo>
+                    <a:pt x="10573294" y="0"/>
+                  </a:lnTo>
+                  <a:lnTo>
+                    <a:pt x="10573294" y="171300"/>
+                  </a:lnTo>
+                  <a:cubicBezTo>
+                    <a:pt x="10573294" y="496697"/>
+                    <a:pt x="10309507" y="760484"/>
+                    <a:pt x="9984110" y="760484"/>
+                  </a:cubicBezTo>
+                  <a:lnTo>
+                    <a:pt x="9747601" y="760484"/>
+                  </a:lnTo>
+                  <a:lnTo>
+                    <a:pt x="9653026" y="760484"/>
+                  </a:lnTo>
+                  <a:lnTo>
+                    <a:pt x="5322492" y="760484"/>
+                  </a:lnTo>
+                  <a:lnTo>
+                    <a:pt x="5250802" y="760484"/>
+                  </a:lnTo>
+                  <a:lnTo>
+                    <a:pt x="5085983" y="760484"/>
+                  </a:lnTo>
+                  <a:lnTo>
+                    <a:pt x="4991408" y="760484"/>
+                  </a:lnTo>
+                  <a:lnTo>
+                    <a:pt x="589184" y="760484"/>
+                  </a:lnTo>
+                  <a:cubicBezTo>
+                    <a:pt x="263787" y="760484"/>
+                    <a:pt x="0" y="496697"/>
+                    <a:pt x="0" y="171300"/>
+                  </a:cubicBezTo>
+                  <a:close/>
+                </a:path>
+              </a:pathLst>
+            </a:custGeom>
+            <a:solidFill>
+              <a:srgbClr val="99CCFF"/>
+            </a:solidFill>
+            <a:ln>
+              <a:noFill/>
+            </a:ln>
+          </p:spPr>
+          <p:style>
+            <a:lnRef idx="2">
+              <a:schemeClr val="accent1">
+                <a:shade val="50000"/>
+              </a:schemeClr>
+            </a:lnRef>
+            <a:fillRef idx="1">
+              <a:schemeClr val="accent1"/>
+            </a:fillRef>
+            <a:effectRef idx="0">
+              <a:schemeClr val="accent1"/>
+            </a:effectRef>
+            <a:fontRef idx="minor">
+              <a:schemeClr val="lt1"/>
+            </a:fontRef>
+          </p:style>
+          <p:txBody>
+            <a:bodyPr wrap="square" rtlCol="0" anchor="ctr">
+              <a:noAutofit/>
+            </a:bodyPr>
+            <a:lstStyle/>
+            <a:p>
+              <a:pPr algn="ctr"/>
+              <a:endParaRPr lang="zh-TW" altLang="en-US"/>
+            </a:p>
+          </p:txBody>
+        </p:sp>
+        <p:sp>
+          <p:nvSpPr>
+            <p:cNvPr id="56" name="手繪多邊形: 圖案 55">
+              <a:extLst>
+                <a:ext uri="{FF2B5EF4-FFF2-40B4-BE49-F238E27FC236}">
+                  <a16:creationId xmlns:a16="http://schemas.microsoft.com/office/drawing/2014/main" id="{9BD91F9C-0355-4F46-9CAE-380CD936D374}"/>
+                </a:ext>
+              </a:extLst>
+            </p:cNvPr>
+            <p:cNvSpPr/>
+            <p:nvPr/>
+          </p:nvSpPr>
+          <p:spPr>
+            <a:xfrm>
+              <a:off x="809353" y="3245772"/>
+              <a:ext cx="10573294" cy="505360"/>
+            </a:xfrm>
+            <a:custGeom>
+              <a:avLst/>
+              <a:gdLst>
+                <a:gd name="connsiteX0" fmla="*/ 0 w 10573294"/>
+                <a:gd name="connsiteY0" fmla="*/ 0 h 505360"/>
+                <a:gd name="connsiteX1" fmla="*/ 4661618 w 10573294"/>
+                <a:gd name="connsiteY1" fmla="*/ 0 h 505360"/>
+                <a:gd name="connsiteX2" fmla="*/ 4991408 w 10573294"/>
+                <a:gd name="connsiteY2" fmla="*/ 0 h 505360"/>
+                <a:gd name="connsiteX3" fmla="*/ 5085983 w 10573294"/>
+                <a:gd name="connsiteY3" fmla="*/ 0 h 505360"/>
+                <a:gd name="connsiteX4" fmla="*/ 5735085 w 10573294"/>
+                <a:gd name="connsiteY4" fmla="*/ 0 h 505360"/>
+                <a:gd name="connsiteX5" fmla="*/ 5829660 w 10573294"/>
+                <a:gd name="connsiteY5" fmla="*/ 0 h 505360"/>
+                <a:gd name="connsiteX6" fmla="*/ 5911676 w 10573294"/>
+                <a:gd name="connsiteY6" fmla="*/ 0 h 505360"/>
+                <a:gd name="connsiteX7" fmla="*/ 9653026 w 10573294"/>
+                <a:gd name="connsiteY7" fmla="*/ 0 h 505360"/>
+                <a:gd name="connsiteX8" fmla="*/ 9747601 w 10573294"/>
+                <a:gd name="connsiteY8" fmla="*/ 0 h 505360"/>
+                <a:gd name="connsiteX9" fmla="*/ 10396703 w 10573294"/>
+                <a:gd name="connsiteY9" fmla="*/ 0 h 505360"/>
+                <a:gd name="connsiteX10" fmla="*/ 10491278 w 10573294"/>
+                <a:gd name="connsiteY10" fmla="*/ 0 h 505360"/>
+                <a:gd name="connsiteX11" fmla="*/ 10573294 w 10573294"/>
+                <a:gd name="connsiteY11" fmla="*/ 0 h 505360"/>
+                <a:gd name="connsiteX12" fmla="*/ 10573294 w 10573294"/>
+                <a:gd name="connsiteY12" fmla="*/ 505360 h 505360"/>
+                <a:gd name="connsiteX13" fmla="*/ 10491278 w 10573294"/>
+                <a:gd name="connsiteY13" fmla="*/ 505360 h 505360"/>
+                <a:gd name="connsiteX14" fmla="*/ 10396703 w 10573294"/>
+                <a:gd name="connsiteY14" fmla="*/ 505360 h 505360"/>
+                <a:gd name="connsiteX15" fmla="*/ 9747601 w 10573294"/>
+                <a:gd name="connsiteY15" fmla="*/ 505360 h 505360"/>
+                <a:gd name="connsiteX16" fmla="*/ 9653026 w 10573294"/>
+                <a:gd name="connsiteY16" fmla="*/ 505360 h 505360"/>
+                <a:gd name="connsiteX17" fmla="*/ 5911676 w 10573294"/>
+                <a:gd name="connsiteY17" fmla="*/ 505360 h 505360"/>
+                <a:gd name="connsiteX18" fmla="*/ 5829660 w 10573294"/>
+                <a:gd name="connsiteY18" fmla="*/ 505360 h 505360"/>
+                <a:gd name="connsiteX19" fmla="*/ 5735085 w 10573294"/>
+                <a:gd name="connsiteY19" fmla="*/ 505360 h 505360"/>
+                <a:gd name="connsiteX20" fmla="*/ 5085983 w 10573294"/>
+                <a:gd name="connsiteY20" fmla="*/ 505360 h 505360"/>
+                <a:gd name="connsiteX21" fmla="*/ 4991408 w 10573294"/>
+                <a:gd name="connsiteY21" fmla="*/ 505360 h 505360"/>
+                <a:gd name="connsiteX22" fmla="*/ 4661618 w 10573294"/>
+                <a:gd name="connsiteY22" fmla="*/ 505360 h 505360"/>
+                <a:gd name="connsiteX23" fmla="*/ 0 w 10573294"/>
+                <a:gd name="connsiteY23" fmla="*/ 505360 h 505360"/>
+              </a:gdLst>
+              <a:ahLst/>
+              <a:cxnLst>
+                <a:cxn ang="0">
+                  <a:pos x="connsiteX0" y="connsiteY0"/>
+                </a:cxn>
+                <a:cxn ang="0">
+                  <a:pos x="connsiteX1" y="connsiteY1"/>
+                </a:cxn>
+                <a:cxn ang="0">
+                  <a:pos x="connsiteX2" y="connsiteY2"/>
+                </a:cxn>
+                <a:cxn ang="0">
+                  <a:pos x="connsiteX3" y="connsiteY3"/>
+                </a:cxn>
+                <a:cxn ang="0">
+                  <a:pos x="connsiteX4" y="connsiteY4"/>
+                </a:cxn>
+                <a:cxn ang="0">
+                  <a:pos x="connsiteX5" y="connsiteY5"/>
+                </a:cxn>
+                <a:cxn ang="0">
+                  <a:pos x="connsiteX6" y="connsiteY6"/>
+                </a:cxn>
+                <a:cxn ang="0">
+                  <a:pos x="connsiteX7" y="connsiteY7"/>
+                </a:cxn>
+                <a:cxn ang="0">
+                  <a:pos x="connsiteX8" y="connsiteY8"/>
+                </a:cxn>
+                <a:cxn ang="0">
+                  <a:pos x="connsiteX9" y="connsiteY9"/>
+                </a:cxn>
+                <a:cxn ang="0">
+                  <a:pos x="connsiteX10" y="connsiteY10"/>
+                </a:cxn>
+                <a:cxn ang="0">
+                  <a:pos x="connsiteX11" y="connsiteY11"/>
+                </a:cxn>
+                <a:cxn ang="0">
+                  <a:pos x="connsiteX12" y="connsiteY12"/>
+                </a:cxn>
+                <a:cxn ang="0">
+                  <a:pos x="connsiteX13" y="connsiteY13"/>
+                </a:cxn>
+                <a:cxn ang="0">
+                  <a:pos x="connsiteX14" y="connsiteY14"/>
+                </a:cxn>
+                <a:cxn ang="0">
+                  <a:pos x="connsiteX15" y="connsiteY15"/>
+                </a:cxn>
+                <a:cxn ang="0">
+                  <a:pos x="connsiteX16" y="connsiteY16"/>
+                </a:cxn>
+                <a:cxn ang="0">
+                  <a:pos x="connsiteX17" y="connsiteY17"/>
+                </a:cxn>
+                <a:cxn ang="0">
+                  <a:pos x="connsiteX18" y="connsiteY18"/>
+                </a:cxn>
+                <a:cxn ang="0">
+                  <a:pos x="connsiteX19" y="connsiteY19"/>
+                </a:cxn>
+                <a:cxn ang="0">
+                  <a:pos x="connsiteX20" y="connsiteY20"/>
+                </a:cxn>
+                <a:cxn ang="0">
+                  <a:pos x="connsiteX21" y="connsiteY21"/>
+                </a:cxn>
+                <a:cxn ang="0">
+                  <a:pos x="connsiteX22" y="connsiteY22"/>
+                </a:cxn>
+                <a:cxn ang="0">
+                  <a:pos x="connsiteX23" y="connsiteY23"/>
+                </a:cxn>
+              </a:cxnLst>
+              <a:rect l="l" t="t" r="r" b="b"/>
+              <a:pathLst>
+                <a:path w="10573294" h="505360">
+                  <a:moveTo>
+                    <a:pt x="0" y="0"/>
+                  </a:moveTo>
+                  <a:lnTo>
+                    <a:pt x="4661618" y="0"/>
+                  </a:lnTo>
+                  <a:lnTo>
+                    <a:pt x="4991408" y="0"/>
+                  </a:lnTo>
+                  <a:lnTo>
+                    <a:pt x="5085983" y="0"/>
+                  </a:lnTo>
+                  <a:lnTo>
+                    <a:pt x="5735085" y="0"/>
+                  </a:lnTo>
+                  <a:lnTo>
+                    <a:pt x="5829660" y="0"/>
+                  </a:lnTo>
+                  <a:lnTo>
+                    <a:pt x="5911676" y="0"/>
+                  </a:lnTo>
+                  <a:lnTo>
+                    <a:pt x="9653026" y="0"/>
+                  </a:lnTo>
+                  <a:lnTo>
+                    <a:pt x="9747601" y="0"/>
+                  </a:lnTo>
+                  <a:lnTo>
+                    <a:pt x="10396703" y="0"/>
+                  </a:lnTo>
+                  <a:lnTo>
+                    <a:pt x="10491278" y="0"/>
+                  </a:lnTo>
+                  <a:lnTo>
+                    <a:pt x="10573294" y="0"/>
+                  </a:lnTo>
+                  <a:lnTo>
+                    <a:pt x="10573294" y="505360"/>
+                  </a:lnTo>
+                  <a:lnTo>
+                    <a:pt x="10491278" y="505360"/>
+                  </a:lnTo>
+                  <a:lnTo>
+                    <a:pt x="10396703" y="505360"/>
+                  </a:lnTo>
+                  <a:lnTo>
+                    <a:pt x="9747601" y="505360"/>
+                  </a:lnTo>
+                  <a:lnTo>
+                    <a:pt x="9653026" y="505360"/>
+                  </a:lnTo>
+                  <a:lnTo>
+                    <a:pt x="5911676" y="505360"/>
+                  </a:lnTo>
+                  <a:lnTo>
+                    <a:pt x="5829660" y="505360"/>
+                  </a:lnTo>
+                  <a:lnTo>
+                    <a:pt x="5735085" y="505360"/>
+                  </a:lnTo>
+                  <a:lnTo>
+                    <a:pt x="5085983" y="505360"/>
+                  </a:lnTo>
+                  <a:lnTo>
+                    <a:pt x="4991408" y="505360"/>
+                  </a:lnTo>
+                  <a:lnTo>
+                    <a:pt x="4661618" y="505360"/>
+                  </a:lnTo>
+                  <a:lnTo>
+                    <a:pt x="0" y="505360"/>
+                  </a:lnTo>
+                  <a:close/>
+                </a:path>
+              </a:pathLst>
+            </a:custGeom>
+            <a:solidFill>
+              <a:srgbClr val="FFFFCC"/>
+            </a:solidFill>
+            <a:ln>
+              <a:noFill/>
+            </a:ln>
+          </p:spPr>
+          <p:style>
+            <a:lnRef idx="2">
+              <a:schemeClr val="accent1">
+                <a:shade val="50000"/>
+              </a:schemeClr>
+            </a:lnRef>
+            <a:fillRef idx="1">
+              <a:schemeClr val="accent1"/>
+            </a:fillRef>
+            <a:effectRef idx="0">
+              <a:schemeClr val="accent1"/>
+            </a:effectRef>
+            <a:fontRef idx="minor">
+              <a:schemeClr val="lt1"/>
+            </a:fontRef>
+          </p:style>
+          <p:txBody>
+            <a:bodyPr wrap="square" rtlCol="0" anchor="ctr">
+              <a:noAutofit/>
+            </a:bodyPr>
+            <a:lstStyle/>
+            <a:p>
+              <a:pPr algn="ctr"/>
+              <a:endParaRPr lang="zh-TW" altLang="en-US"/>
+            </a:p>
+          </p:txBody>
+        </p:sp>
+        <p:sp>
+          <p:nvSpPr>
+            <p:cNvPr id="93" name="手繪多邊形: 圖案 92">
+              <a:extLst>
+                <a:ext uri="{FF2B5EF4-FFF2-40B4-BE49-F238E27FC236}">
+                  <a16:creationId xmlns:a16="http://schemas.microsoft.com/office/drawing/2014/main" id="{793BC179-5DF7-4886-A755-B66AFADCB3EC}"/>
+                </a:ext>
+              </a:extLst>
+            </p:cNvPr>
+            <p:cNvSpPr/>
+            <p:nvPr/>
+          </p:nvSpPr>
+          <p:spPr>
+            <a:xfrm>
+              <a:off x="809353" y="2564551"/>
+              <a:ext cx="10573294" cy="659876"/>
+            </a:xfrm>
+            <a:custGeom>
+              <a:avLst/>
+              <a:gdLst>
+                <a:gd name="connsiteX0" fmla="*/ 589184 w 10573294"/>
+                <a:gd name="connsiteY0" fmla="*/ 0 h 659876"/>
+                <a:gd name="connsiteX1" fmla="*/ 4991408 w 10573294"/>
+                <a:gd name="connsiteY1" fmla="*/ 0 h 659876"/>
+                <a:gd name="connsiteX2" fmla="*/ 5085983 w 10573294"/>
+                <a:gd name="connsiteY2" fmla="*/ 0 h 659876"/>
+                <a:gd name="connsiteX3" fmla="*/ 5250802 w 10573294"/>
+                <a:gd name="connsiteY3" fmla="*/ 0 h 659876"/>
+                <a:gd name="connsiteX4" fmla="*/ 5322492 w 10573294"/>
+                <a:gd name="connsiteY4" fmla="*/ 0 h 659876"/>
+                <a:gd name="connsiteX5" fmla="*/ 9653026 w 10573294"/>
+                <a:gd name="connsiteY5" fmla="*/ 0 h 659876"/>
+                <a:gd name="connsiteX6" fmla="*/ 9747601 w 10573294"/>
+                <a:gd name="connsiteY6" fmla="*/ 0 h 659876"/>
+                <a:gd name="connsiteX7" fmla="*/ 9984110 w 10573294"/>
+                <a:gd name="connsiteY7" fmla="*/ 0 h 659876"/>
+                <a:gd name="connsiteX8" fmla="*/ 10573294 w 10573294"/>
+                <a:gd name="connsiteY8" fmla="*/ 589184 h 659876"/>
+                <a:gd name="connsiteX9" fmla="*/ 10573294 w 10573294"/>
+                <a:gd name="connsiteY9" fmla="*/ 619318 h 659876"/>
+                <a:gd name="connsiteX10" fmla="*/ 10573294 w 10573294"/>
+                <a:gd name="connsiteY10" fmla="*/ 631072 h 659876"/>
+                <a:gd name="connsiteX11" fmla="*/ 10573294 w 10573294"/>
+                <a:gd name="connsiteY11" fmla="*/ 659876 h 659876"/>
+                <a:gd name="connsiteX12" fmla="*/ 0 w 10573294"/>
+                <a:gd name="connsiteY12" fmla="*/ 659876 h 659876"/>
+                <a:gd name="connsiteX13" fmla="*/ 0 w 10573294"/>
+                <a:gd name="connsiteY13" fmla="*/ 631072 h 659876"/>
+                <a:gd name="connsiteX14" fmla="*/ 0 w 10573294"/>
+                <a:gd name="connsiteY14" fmla="*/ 619318 h 659876"/>
+                <a:gd name="connsiteX15" fmla="*/ 0 w 10573294"/>
+                <a:gd name="connsiteY15" fmla="*/ 589184 h 659876"/>
+                <a:gd name="connsiteX16" fmla="*/ 589184 w 10573294"/>
+                <a:gd name="connsiteY16" fmla="*/ 0 h 659876"/>
+              </a:gdLst>
+              <a:ahLst/>
+              <a:cxnLst>
+                <a:cxn ang="0">
+                  <a:pos x="connsiteX0" y="connsiteY0"/>
+                </a:cxn>
+                <a:cxn ang="0">
+                  <a:pos x="connsiteX1" y="connsiteY1"/>
+                </a:cxn>
+                <a:cxn ang="0">
+                  <a:pos x="connsiteX2" y="connsiteY2"/>
+                </a:cxn>
+                <a:cxn ang="0">
+                  <a:pos x="connsiteX3" y="connsiteY3"/>
+                </a:cxn>
+                <a:cxn ang="0">
+                  <a:pos x="connsiteX4" y="connsiteY4"/>
+                </a:cxn>
+                <a:cxn ang="0">
+                  <a:pos x="connsiteX5" y="connsiteY5"/>
+                </a:cxn>
+                <a:cxn ang="0">
+                  <a:pos x="connsiteX6" y="connsiteY6"/>
+                </a:cxn>
+                <a:cxn ang="0">
+                  <a:pos x="connsiteX7" y="connsiteY7"/>
+                </a:cxn>
+                <a:cxn ang="0">
+                  <a:pos x="connsiteX8" y="connsiteY8"/>
+                </a:cxn>
+                <a:cxn ang="0">
+                  <a:pos x="connsiteX9" y="connsiteY9"/>
+                </a:cxn>
+                <a:cxn ang="0">
+                  <a:pos x="connsiteX10" y="connsiteY10"/>
+                </a:cxn>
+                <a:cxn ang="0">
+                  <a:pos x="connsiteX11" y="connsiteY11"/>
+                </a:cxn>
+                <a:cxn ang="0">
+                  <a:pos x="connsiteX12" y="connsiteY12"/>
+                </a:cxn>
+                <a:cxn ang="0">
+                  <a:pos x="connsiteX13" y="connsiteY13"/>
+                </a:cxn>
+                <a:cxn ang="0">
+                  <a:pos x="connsiteX14" y="connsiteY14"/>
+                </a:cxn>
+                <a:cxn ang="0">
+                  <a:pos x="connsiteX15" y="connsiteY15"/>
+                </a:cxn>
+                <a:cxn ang="0">
+                  <a:pos x="connsiteX16" y="connsiteY16"/>
+                </a:cxn>
+              </a:cxnLst>
+              <a:rect l="l" t="t" r="r" b="b"/>
+              <a:pathLst>
+                <a:path w="10573294" h="659876">
+                  <a:moveTo>
+                    <a:pt x="589184" y="0"/>
+                  </a:moveTo>
+                  <a:lnTo>
+                    <a:pt x="4991408" y="0"/>
+                  </a:lnTo>
+                  <a:lnTo>
+                    <a:pt x="5085983" y="0"/>
+                  </a:lnTo>
+                  <a:lnTo>
+                    <a:pt x="5250802" y="0"/>
+                  </a:lnTo>
+                  <a:lnTo>
+                    <a:pt x="5322492" y="0"/>
+                  </a:lnTo>
+                  <a:lnTo>
+                    <a:pt x="9653026" y="0"/>
+                  </a:lnTo>
+                  <a:lnTo>
+                    <a:pt x="9747601" y="0"/>
+                  </a:lnTo>
+                  <a:lnTo>
+                    <a:pt x="9984110" y="0"/>
+                  </a:lnTo>
+                  <a:cubicBezTo>
+                    <a:pt x="10309507" y="0"/>
+                    <a:pt x="10573294" y="263787"/>
+                    <a:pt x="10573294" y="589184"/>
+                  </a:cubicBezTo>
+                  <a:lnTo>
+                    <a:pt x="10573294" y="619318"/>
+                  </a:lnTo>
+                  <a:lnTo>
+                    <a:pt x="10573294" y="631072"/>
+                  </a:lnTo>
+                  <a:lnTo>
+                    <a:pt x="10573294" y="659876"/>
+                  </a:lnTo>
+                  <a:lnTo>
+                    <a:pt x="0" y="659876"/>
+                  </a:lnTo>
+                  <a:lnTo>
+                    <a:pt x="0" y="631072"/>
+                  </a:lnTo>
+                  <a:lnTo>
+                    <a:pt x="0" y="619318"/>
+                  </a:lnTo>
+                  <a:lnTo>
+                    <a:pt x="0" y="589184"/>
+                  </a:lnTo>
+                  <a:cubicBezTo>
+                    <a:pt x="0" y="263787"/>
+                    <a:pt x="263787" y="0"/>
+                    <a:pt x="589184" y="0"/>
+                  </a:cubicBezTo>
+                  <a:close/>
+                </a:path>
+              </a:pathLst>
+            </a:custGeom>
+            <a:solidFill>
+              <a:srgbClr val="CCECFF"/>
+            </a:solidFill>
+            <a:ln>
+              <a:noFill/>
+            </a:ln>
+          </p:spPr>
+          <p:style>
+            <a:lnRef idx="2">
+              <a:schemeClr val="accent1">
+                <a:shade val="50000"/>
+              </a:schemeClr>
+            </a:lnRef>
+            <a:fillRef idx="1">
+              <a:schemeClr val="accent1"/>
+            </a:fillRef>
+            <a:effectRef idx="0">
+              <a:schemeClr val="accent1"/>
+            </a:effectRef>
+            <a:fontRef idx="minor">
+              <a:schemeClr val="lt1"/>
+            </a:fontRef>
+          </p:style>
+          <p:txBody>
+            <a:bodyPr wrap="square" rtlCol="0" anchor="ctr">
+              <a:noAutofit/>
+            </a:bodyPr>
+            <a:lstStyle/>
+            <a:p>
+              <a:pPr algn="ctr"/>
+              <a:endParaRPr lang="zh-TW" altLang="en-US"/>
+            </a:p>
+          </p:txBody>
+        </p:sp>
+        <p:cxnSp>
+          <p:nvCxnSpPr>
+            <p:cNvPr id="60" name="直線接點 59">
+              <a:extLst>
+                <a:ext uri="{FF2B5EF4-FFF2-40B4-BE49-F238E27FC236}">
+                  <a16:creationId xmlns:a16="http://schemas.microsoft.com/office/drawing/2014/main" id="{2C9CDF1D-70B6-453F-95BD-9ED681389C49}"/>
+                </a:ext>
+              </a:extLst>
+            </p:cNvPr>
+            <p:cNvCxnSpPr>
+              <a:cxnSpLocks/>
+            </p:cNvCxnSpPr>
+            <p:nvPr/>
+          </p:nvCxnSpPr>
+          <p:spPr>
+            <a:xfrm>
+              <a:off x="809353" y="3233852"/>
+              <a:ext cx="10573294" cy="11920"/>
+            </a:xfrm>
+            <a:prstGeom prst="line">
+              <a:avLst/>
+            </a:prstGeom>
+            <a:ln w="38100">
+              <a:solidFill>
+                <a:srgbClr val="336600"/>
+              </a:solidFill>
+            </a:ln>
+          </p:spPr>
+          <p:style>
+            <a:lnRef idx="1">
+              <a:schemeClr val="accent1"/>
+            </a:lnRef>
+            <a:fillRef idx="0">
+              <a:schemeClr val="accent1"/>
+            </a:fillRef>
+            <a:effectRef idx="0">
+              <a:schemeClr val="accent1"/>
+            </a:effectRef>
+            <a:fontRef idx="minor">
+              <a:schemeClr val="tx1"/>
+            </a:fontRef>
+          </p:style>
+        </p:cxnSp>
+        <p:cxnSp>
+          <p:nvCxnSpPr>
+            <p:cNvPr id="61" name="直線接點 60">
+              <a:extLst>
+                <a:ext uri="{FF2B5EF4-FFF2-40B4-BE49-F238E27FC236}">
+                  <a16:creationId xmlns:a16="http://schemas.microsoft.com/office/drawing/2014/main" id="{6B9C708A-5152-4F8E-9C1D-169DEABAE588}"/>
+                </a:ext>
+              </a:extLst>
+            </p:cNvPr>
+            <p:cNvCxnSpPr>
+              <a:cxnSpLocks/>
+            </p:cNvCxnSpPr>
+            <p:nvPr/>
+          </p:nvCxnSpPr>
+          <p:spPr>
+            <a:xfrm>
+              <a:off x="2406122" y="2564551"/>
+              <a:ext cx="0" cy="1942229"/>
+            </a:xfrm>
+            <a:prstGeom prst="line">
+              <a:avLst/>
+            </a:prstGeom>
+            <a:ln w="38100">
+              <a:solidFill>
+                <a:srgbClr val="336600"/>
+              </a:solidFill>
+            </a:ln>
+          </p:spPr>
+          <p:style>
+            <a:lnRef idx="1">
+              <a:schemeClr val="accent1"/>
+            </a:lnRef>
+            <a:fillRef idx="0">
+              <a:schemeClr val="accent1"/>
+            </a:fillRef>
+            <a:effectRef idx="0">
+              <a:schemeClr val="accent1"/>
+            </a:effectRef>
+            <a:fontRef idx="minor">
+              <a:schemeClr val="tx1"/>
+            </a:fontRef>
+          </p:style>
+        </p:cxnSp>
+        <p:cxnSp>
+          <p:nvCxnSpPr>
+            <p:cNvPr id="64" name="直線接點 63">
+              <a:extLst>
+                <a:ext uri="{FF2B5EF4-FFF2-40B4-BE49-F238E27FC236}">
+                  <a16:creationId xmlns:a16="http://schemas.microsoft.com/office/drawing/2014/main" id="{34E6120F-4625-4567-806A-C2707CE327BE}"/>
+                </a:ext>
+              </a:extLst>
+            </p:cNvPr>
+            <p:cNvCxnSpPr>
+              <a:cxnSpLocks/>
+            </p:cNvCxnSpPr>
+            <p:nvPr/>
+          </p:nvCxnSpPr>
+          <p:spPr>
+            <a:xfrm flipV="1">
+              <a:off x="809353" y="3750026"/>
+              <a:ext cx="10573294" cy="1106"/>
+            </a:xfrm>
+            <a:prstGeom prst="line">
+              <a:avLst/>
+            </a:prstGeom>
+            <a:ln w="38100">
+              <a:solidFill>
+                <a:srgbClr val="336600"/>
+              </a:solidFill>
+            </a:ln>
+          </p:spPr>
+          <p:style>
+            <a:lnRef idx="1">
+              <a:schemeClr val="accent1"/>
+            </a:lnRef>
+            <a:fillRef idx="0">
+              <a:schemeClr val="accent1"/>
+            </a:fillRef>
+            <a:effectRef idx="0">
+              <a:schemeClr val="accent1"/>
+            </a:effectRef>
+            <a:fontRef idx="minor">
+              <a:schemeClr val="tx1"/>
+            </a:fontRef>
+          </p:style>
+        </p:cxnSp>
+        <p:sp>
+          <p:nvSpPr>
+            <p:cNvPr id="66" name="文字方塊 65">
+              <a:extLst>
+                <a:ext uri="{FF2B5EF4-FFF2-40B4-BE49-F238E27FC236}">
+                  <a16:creationId xmlns:a16="http://schemas.microsoft.com/office/drawing/2014/main" id="{97BAF2AE-ABBE-4904-B153-CB425080760F}"/>
+                </a:ext>
+              </a:extLst>
+            </p:cNvPr>
+            <p:cNvSpPr txBox="1"/>
+            <p:nvPr/>
+          </p:nvSpPr>
+          <p:spPr>
+            <a:xfrm>
+              <a:off x="5370720" y="3930962"/>
+              <a:ext cx="2646879" cy="461665"/>
+            </a:xfrm>
+            <a:prstGeom prst="rect">
+              <a:avLst/>
+            </a:prstGeom>
+            <a:noFill/>
+          </p:spPr>
+          <p:txBody>
+            <a:bodyPr wrap="none" rtlCol="0">
+              <a:spAutoFit/>
+            </a:bodyPr>
+            <a:lstStyle/>
+            <a:p>
+              <a:pPr algn="ctr"/>
+              <a:r>
+                <a:rPr lang="zh-TW" altLang="en-US" sz="2400">
+                  <a:solidFill>
+                    <a:schemeClr val="bg1"/>
+                  </a:solidFill>
+                </a:rPr>
+                <a:t>依條件執行陳述式</a:t>
+              </a:r>
+            </a:p>
+          </p:txBody>
+        </p:sp>
+        <p:sp>
+          <p:nvSpPr>
+            <p:cNvPr id="67" name="文字方塊 66">
+              <a:extLst>
+                <a:ext uri="{FF2B5EF4-FFF2-40B4-BE49-F238E27FC236}">
+                  <a16:creationId xmlns:a16="http://schemas.microsoft.com/office/drawing/2014/main" id="{C2F6A977-32A0-4C11-A43A-377DEA754F45}"/>
+                </a:ext>
+              </a:extLst>
+            </p:cNvPr>
+            <p:cNvSpPr txBox="1"/>
+            <p:nvPr/>
+          </p:nvSpPr>
+          <p:spPr>
+            <a:xfrm>
+              <a:off x="6140161" y="3268392"/>
+              <a:ext cx="1107996" cy="461665"/>
+            </a:xfrm>
+            <a:prstGeom prst="rect">
+              <a:avLst/>
+            </a:prstGeom>
+            <a:noFill/>
+          </p:spPr>
+          <p:txBody>
+            <a:bodyPr wrap="none" rtlCol="0">
+              <a:spAutoFit/>
+            </a:bodyPr>
+            <a:lstStyle/>
+            <a:p>
+              <a:pPr algn="ctr"/>
+              <a:r>
+                <a:rPr lang="zh-TW" altLang="en-US" sz="2400">
+                  <a:solidFill>
+                    <a:schemeClr val="bg1"/>
+                  </a:solidFill>
+                </a:rPr>
+                <a:t>陳述式</a:t>
+              </a:r>
+            </a:p>
+          </p:txBody>
+        </p:sp>
+        <p:sp>
+          <p:nvSpPr>
+            <p:cNvPr id="68" name="文字方塊 67">
+              <a:extLst>
+                <a:ext uri="{FF2B5EF4-FFF2-40B4-BE49-F238E27FC236}">
+                  <a16:creationId xmlns:a16="http://schemas.microsoft.com/office/drawing/2014/main" id="{4B1D8A05-42A0-453B-B0CA-3665A97AA9C6}"/>
+                </a:ext>
+              </a:extLst>
+            </p:cNvPr>
+            <p:cNvSpPr txBox="1"/>
+            <p:nvPr/>
+          </p:nvSpPr>
+          <p:spPr>
+            <a:xfrm>
+              <a:off x="3114014" y="2668369"/>
+              <a:ext cx="1447833" cy="461665"/>
+            </a:xfrm>
+            <a:prstGeom prst="rect">
+              <a:avLst/>
+            </a:prstGeom>
+            <a:noFill/>
+          </p:spPr>
+          <p:txBody>
+            <a:bodyPr wrap="none" rtlCol="0">
+              <a:spAutoFit/>
+            </a:bodyPr>
+            <a:lstStyle/>
+            <a:p>
+              <a:pPr algn="ctr"/>
+              <a:r>
+                <a:rPr lang="zh-TW" altLang="en-US" sz="2400">
+                  <a:solidFill>
+                    <a:schemeClr val="bg1"/>
+                  </a:solidFill>
+                </a:rPr>
+                <a:t>三元運算</a:t>
+              </a:r>
+            </a:p>
+          </p:txBody>
+        </p:sp>
+        <p:sp>
+          <p:nvSpPr>
+            <p:cNvPr id="70" name="文字方塊 69">
+              <a:extLst>
+                <a:ext uri="{FF2B5EF4-FFF2-40B4-BE49-F238E27FC236}">
+                  <a16:creationId xmlns:a16="http://schemas.microsoft.com/office/drawing/2014/main" id="{BF85F5D7-13B0-4541-9E33-3C95885A2007}"/>
+                </a:ext>
+              </a:extLst>
+            </p:cNvPr>
+            <p:cNvSpPr txBox="1"/>
+            <p:nvPr/>
+          </p:nvSpPr>
+          <p:spPr>
+            <a:xfrm>
+              <a:off x="2668379" y="3930962"/>
+              <a:ext cx="2339102" cy="461665"/>
+            </a:xfrm>
+            <a:prstGeom prst="rect">
+              <a:avLst/>
+            </a:prstGeom>
+            <a:noFill/>
+          </p:spPr>
+          <p:txBody>
+            <a:bodyPr wrap="none" rtlCol="0">
+              <a:spAutoFit/>
+            </a:bodyPr>
+            <a:lstStyle/>
+            <a:p>
+              <a:pPr algn="ctr"/>
+              <a:r>
+                <a:rPr lang="zh-TW" altLang="en-US" sz="2400">
+                  <a:solidFill>
+                    <a:schemeClr val="bg1"/>
+                  </a:solidFill>
+                </a:rPr>
+                <a:t>依條件傳回結果</a:t>
+              </a:r>
+            </a:p>
+          </p:txBody>
+        </p:sp>
+        <p:sp>
+          <p:nvSpPr>
+            <p:cNvPr id="71" name="文字方塊 70">
+              <a:extLst>
+                <a:ext uri="{FF2B5EF4-FFF2-40B4-BE49-F238E27FC236}">
+                  <a16:creationId xmlns:a16="http://schemas.microsoft.com/office/drawing/2014/main" id="{460293AE-0587-4C7B-8715-16F957798337}"/>
+                </a:ext>
+              </a:extLst>
+            </p:cNvPr>
+            <p:cNvSpPr txBox="1"/>
+            <p:nvPr/>
+          </p:nvSpPr>
+          <p:spPr>
+            <a:xfrm>
+              <a:off x="3283932" y="3268392"/>
+              <a:ext cx="1107996" cy="461665"/>
+            </a:xfrm>
+            <a:prstGeom prst="rect">
+              <a:avLst/>
+            </a:prstGeom>
+            <a:noFill/>
+          </p:spPr>
+          <p:txBody>
+            <a:bodyPr wrap="none" rtlCol="0">
+              <a:spAutoFit/>
+            </a:bodyPr>
+            <a:lstStyle/>
+            <a:p>
+              <a:pPr algn="ctr"/>
+              <a:r>
+                <a:rPr lang="zh-TW" altLang="en-US" sz="2400">
+                  <a:solidFill>
+                    <a:schemeClr val="bg1"/>
+                  </a:solidFill>
+                </a:rPr>
+                <a:t>表達式</a:t>
+              </a:r>
+            </a:p>
+          </p:txBody>
+        </p:sp>
+        <p:cxnSp>
+          <p:nvCxnSpPr>
+            <p:cNvPr id="87" name="直線接點 86">
+              <a:extLst>
+                <a:ext uri="{FF2B5EF4-FFF2-40B4-BE49-F238E27FC236}">
+                  <a16:creationId xmlns:a16="http://schemas.microsoft.com/office/drawing/2014/main" id="{6007000F-F87D-46E4-96A2-9C860703B1B6}"/>
+                </a:ext>
+              </a:extLst>
+            </p:cNvPr>
+            <p:cNvCxnSpPr>
+              <a:cxnSpLocks/>
+            </p:cNvCxnSpPr>
+            <p:nvPr/>
+          </p:nvCxnSpPr>
+          <p:spPr>
+            <a:xfrm>
+              <a:off x="5278383" y="2564551"/>
+              <a:ext cx="0" cy="1942229"/>
+            </a:xfrm>
+            <a:prstGeom prst="line">
+              <a:avLst/>
+            </a:prstGeom>
+            <a:ln w="38100">
+              <a:solidFill>
+                <a:srgbClr val="336600"/>
+              </a:solidFill>
+            </a:ln>
+          </p:spPr>
+          <p:style>
+            <a:lnRef idx="1">
+              <a:schemeClr val="accent1"/>
+            </a:lnRef>
+            <a:fillRef idx="0">
+              <a:schemeClr val="accent1"/>
+            </a:fillRef>
+            <a:effectRef idx="0">
+              <a:schemeClr val="accent1"/>
+            </a:effectRef>
+            <a:fontRef idx="minor">
+              <a:schemeClr val="tx1"/>
+            </a:fontRef>
+          </p:style>
+        </p:cxnSp>
+        <p:sp>
+          <p:nvSpPr>
+            <p:cNvPr id="73" name="文字方塊 72">
+              <a:extLst>
+                <a:ext uri="{FF2B5EF4-FFF2-40B4-BE49-F238E27FC236}">
+                  <a16:creationId xmlns:a16="http://schemas.microsoft.com/office/drawing/2014/main" id="{7CE99175-745C-4669-846F-C928D051CAC9}"/>
+                </a:ext>
+              </a:extLst>
+            </p:cNvPr>
+            <p:cNvSpPr txBox="1"/>
+            <p:nvPr/>
+          </p:nvSpPr>
+          <p:spPr>
+            <a:xfrm>
+              <a:off x="1234802" y="2668369"/>
+              <a:ext cx="800219" cy="461665"/>
+            </a:xfrm>
+            <a:prstGeom prst="rect">
+              <a:avLst/>
+            </a:prstGeom>
+            <a:noFill/>
+          </p:spPr>
+          <p:txBody>
+            <a:bodyPr wrap="none" rtlCol="0">
+              <a:spAutoFit/>
+            </a:bodyPr>
+            <a:lstStyle/>
+            <a:p>
+              <a:pPr algn="ctr"/>
+              <a:r>
+                <a:rPr lang="zh-TW" altLang="en-US" sz="2400">
+                  <a:solidFill>
+                    <a:schemeClr val="bg1"/>
+                  </a:solidFill>
+                </a:rPr>
+                <a:t>名稱</a:t>
+              </a:r>
+            </a:p>
+          </p:txBody>
+        </p:sp>
+        <p:sp>
+          <p:nvSpPr>
+            <p:cNvPr id="76" name="文字方塊 75">
+              <a:extLst>
+                <a:ext uri="{FF2B5EF4-FFF2-40B4-BE49-F238E27FC236}">
+                  <a16:creationId xmlns:a16="http://schemas.microsoft.com/office/drawing/2014/main" id="{B74BF9C8-D236-4103-AE9F-EFBED59F8076}"/>
+                </a:ext>
+              </a:extLst>
+            </p:cNvPr>
+            <p:cNvSpPr txBox="1"/>
+            <p:nvPr/>
+          </p:nvSpPr>
+          <p:spPr>
+            <a:xfrm>
+              <a:off x="1234802" y="3930962"/>
+              <a:ext cx="800219" cy="461665"/>
+            </a:xfrm>
+            <a:prstGeom prst="rect">
+              <a:avLst/>
+            </a:prstGeom>
+            <a:noFill/>
+          </p:spPr>
+          <p:txBody>
+            <a:bodyPr wrap="none" rtlCol="0">
+              <a:spAutoFit/>
+            </a:bodyPr>
+            <a:lstStyle/>
+            <a:p>
+              <a:pPr algn="ctr"/>
+              <a:r>
+                <a:rPr lang="zh-TW" altLang="en-US" sz="2400">
+                  <a:solidFill>
+                    <a:schemeClr val="bg1"/>
+                  </a:solidFill>
+                </a:rPr>
+                <a:t>功能</a:t>
+              </a:r>
+              <a:endParaRPr lang="en-US" altLang="zh-TW" sz="2400">
+                <a:solidFill>
+                  <a:schemeClr val="bg1"/>
+                </a:solidFill>
+              </a:endParaRPr>
+            </a:p>
+          </p:txBody>
+        </p:sp>
+        <p:sp>
+          <p:nvSpPr>
+            <p:cNvPr id="77" name="文字方塊 76">
+              <a:extLst>
+                <a:ext uri="{FF2B5EF4-FFF2-40B4-BE49-F238E27FC236}">
+                  <a16:creationId xmlns:a16="http://schemas.microsoft.com/office/drawing/2014/main" id="{E301EA63-62D9-4214-88F1-A12F4B644B41}"/>
+                </a:ext>
+              </a:extLst>
+            </p:cNvPr>
+            <p:cNvSpPr txBox="1"/>
+            <p:nvPr/>
+          </p:nvSpPr>
+          <p:spPr>
+            <a:xfrm>
+              <a:off x="1234802" y="3268392"/>
+              <a:ext cx="800219" cy="461665"/>
+            </a:xfrm>
+            <a:prstGeom prst="rect">
+              <a:avLst/>
+            </a:prstGeom>
+            <a:noFill/>
+          </p:spPr>
+          <p:txBody>
+            <a:bodyPr wrap="none" rtlCol="0">
+              <a:spAutoFit/>
+            </a:bodyPr>
+            <a:lstStyle/>
+            <a:p>
+              <a:pPr algn="ctr"/>
+              <a:r>
+                <a:rPr lang="zh-TW" altLang="en-US" sz="2400">
+                  <a:solidFill>
+                    <a:schemeClr val="bg1"/>
+                  </a:solidFill>
+                </a:rPr>
+                <a:t>類型</a:t>
+              </a:r>
+            </a:p>
+          </p:txBody>
+        </p:sp>
+        <p:sp>
+          <p:nvSpPr>
+            <p:cNvPr id="78" name="文字方塊 77">
+              <a:extLst>
+                <a:ext uri="{FF2B5EF4-FFF2-40B4-BE49-F238E27FC236}">
+                  <a16:creationId xmlns:a16="http://schemas.microsoft.com/office/drawing/2014/main" id="{15EB3493-DDA5-451B-A689-A0501C1285DA}"/>
+                </a:ext>
+              </a:extLst>
+            </p:cNvPr>
+            <p:cNvSpPr txBox="1"/>
+            <p:nvPr/>
+          </p:nvSpPr>
+          <p:spPr>
+            <a:xfrm>
+              <a:off x="5837194" y="2668369"/>
+              <a:ext cx="1713931" cy="461665"/>
+            </a:xfrm>
+            <a:prstGeom prst="rect">
+              <a:avLst/>
+            </a:prstGeom>
+            <a:noFill/>
+          </p:spPr>
+          <p:txBody>
+            <a:bodyPr wrap="none" rtlCol="0">
+              <a:spAutoFit/>
+            </a:bodyPr>
+            <a:lstStyle/>
+            <a:p>
+              <a:pPr algn="ctr"/>
+              <a:r>
+                <a:rPr lang="en-US" altLang="zh-TW" sz="2400">
+                  <a:solidFill>
+                    <a:schemeClr val="bg1"/>
+                  </a:solidFill>
+                </a:rPr>
+                <a:t>if...else</a:t>
+              </a:r>
+              <a:endParaRPr lang="zh-TW" altLang="en-US" sz="2400">
+                <a:solidFill>
+                  <a:schemeClr val="bg1"/>
+                </a:solidFill>
+              </a:endParaRPr>
+            </a:p>
+          </p:txBody>
+        </p:sp>
+        <p:cxnSp>
+          <p:nvCxnSpPr>
+            <p:cNvPr id="85" name="直線接點 84">
+              <a:extLst>
+                <a:ext uri="{FF2B5EF4-FFF2-40B4-BE49-F238E27FC236}">
+                  <a16:creationId xmlns:a16="http://schemas.microsoft.com/office/drawing/2014/main" id="{6B9E5706-EEE0-4404-8A00-112F302FD50B}"/>
+                </a:ext>
+              </a:extLst>
+            </p:cNvPr>
+            <p:cNvCxnSpPr>
+              <a:cxnSpLocks/>
+            </p:cNvCxnSpPr>
+            <p:nvPr/>
+          </p:nvCxnSpPr>
+          <p:spPr>
+            <a:xfrm>
+              <a:off x="8128214" y="2564551"/>
+              <a:ext cx="0" cy="1942229"/>
+            </a:xfrm>
+            <a:prstGeom prst="line">
+              <a:avLst/>
+            </a:prstGeom>
+            <a:ln w="38100">
+              <a:solidFill>
+                <a:srgbClr val="336600"/>
+              </a:solidFill>
+            </a:ln>
+          </p:spPr>
+          <p:style>
+            <a:lnRef idx="1">
+              <a:schemeClr val="accent1"/>
+            </a:lnRef>
+            <a:fillRef idx="0">
+              <a:schemeClr val="accent1"/>
+            </a:fillRef>
+            <a:effectRef idx="0">
+              <a:schemeClr val="accent1"/>
+            </a:effectRef>
+            <a:fontRef idx="minor">
+              <a:schemeClr val="tx1"/>
+            </a:fontRef>
+          </p:style>
+        </p:cxnSp>
+        <p:sp>
+          <p:nvSpPr>
+            <p:cNvPr id="81" name="文字方塊 80">
+              <a:extLst>
+                <a:ext uri="{FF2B5EF4-FFF2-40B4-BE49-F238E27FC236}">
+                  <a16:creationId xmlns:a16="http://schemas.microsoft.com/office/drawing/2014/main" id="{5CA59110-5669-4BE8-BA42-BB7FF822F202}"/>
+                </a:ext>
+              </a:extLst>
+            </p:cNvPr>
+            <p:cNvSpPr txBox="1"/>
+            <p:nvPr/>
+          </p:nvSpPr>
+          <p:spPr>
+            <a:xfrm>
+              <a:off x="8292865" y="3746296"/>
+              <a:ext cx="2954655" cy="830997"/>
+            </a:xfrm>
+            <a:prstGeom prst="rect">
+              <a:avLst/>
+            </a:prstGeom>
+            <a:noFill/>
+          </p:spPr>
+          <p:txBody>
+            <a:bodyPr wrap="none" rtlCol="0">
+              <a:spAutoFit/>
+            </a:bodyPr>
+            <a:lstStyle/>
+            <a:p>
+              <a:pPr algn="ctr"/>
+              <a:r>
+                <a:rPr lang="zh-TW" altLang="en-US" sz="2400">
+                  <a:solidFill>
+                    <a:schemeClr val="bg1"/>
+                  </a:solidFill>
+                </a:rPr>
+                <a:t>依傳入值執行陳述式</a:t>
+              </a:r>
+              <a:endParaRPr lang="en-US" altLang="zh-TW" sz="2400">
+                <a:solidFill>
+                  <a:schemeClr val="bg1"/>
+                </a:solidFill>
+              </a:endParaRPr>
+            </a:p>
+            <a:p>
+              <a:pPr algn="ctr"/>
+              <a:r>
+                <a:rPr lang="zh-TW" altLang="en-US" sz="2400">
+                  <a:solidFill>
+                    <a:schemeClr val="bg1"/>
+                  </a:solidFill>
+                </a:rPr>
+                <a:t>或傳回結果</a:t>
+              </a:r>
+            </a:p>
+          </p:txBody>
+        </p:sp>
+        <p:sp>
+          <p:nvSpPr>
+            <p:cNvPr id="82" name="文字方塊 81">
+              <a:extLst>
+                <a:ext uri="{FF2B5EF4-FFF2-40B4-BE49-F238E27FC236}">
+                  <a16:creationId xmlns:a16="http://schemas.microsoft.com/office/drawing/2014/main" id="{B5AA2C37-3EB7-4681-967F-E6ABD3770E14}"/>
+                </a:ext>
+              </a:extLst>
+            </p:cNvPr>
+            <p:cNvSpPr txBox="1"/>
+            <p:nvPr/>
+          </p:nvSpPr>
+          <p:spPr>
+            <a:xfrm>
+              <a:off x="8430722" y="3268392"/>
+              <a:ext cx="2678940" cy="461665"/>
+            </a:xfrm>
+            <a:prstGeom prst="rect">
+              <a:avLst/>
+            </a:prstGeom>
+            <a:noFill/>
+          </p:spPr>
+          <p:txBody>
+            <a:bodyPr wrap="none" rtlCol="0">
+              <a:spAutoFit/>
+            </a:bodyPr>
+            <a:lstStyle/>
+            <a:p>
+              <a:pPr algn="ctr"/>
+              <a:r>
+                <a:rPr lang="zh-TW" altLang="en-US" sz="2400">
+                  <a:solidFill>
+                    <a:schemeClr val="bg1"/>
+                  </a:solidFill>
+                </a:rPr>
+                <a:t>陳述式 或 表達式</a:t>
+              </a:r>
+            </a:p>
+          </p:txBody>
+        </p:sp>
+        <p:sp>
+          <p:nvSpPr>
+            <p:cNvPr id="83" name="文字方塊 82">
+              <a:extLst>
+                <a:ext uri="{FF2B5EF4-FFF2-40B4-BE49-F238E27FC236}">
+                  <a16:creationId xmlns:a16="http://schemas.microsoft.com/office/drawing/2014/main" id="{53250788-9D3B-4843-AE26-E19844918F4F}"/>
+                </a:ext>
+              </a:extLst>
+            </p:cNvPr>
+            <p:cNvSpPr txBox="1"/>
+            <p:nvPr/>
+          </p:nvSpPr>
+          <p:spPr>
+            <a:xfrm>
+              <a:off x="9168104" y="2668369"/>
+              <a:ext cx="1204176" cy="461665"/>
+            </a:xfrm>
+            <a:prstGeom prst="rect">
+              <a:avLst/>
+            </a:prstGeom>
+            <a:noFill/>
+          </p:spPr>
+          <p:txBody>
+            <a:bodyPr wrap="none" rtlCol="0">
+              <a:spAutoFit/>
+            </a:bodyPr>
+            <a:lstStyle/>
+            <a:p>
+              <a:pPr algn="ctr"/>
+              <a:r>
+                <a:rPr lang="en-US" altLang="zh-TW" sz="2400">
+                  <a:solidFill>
+                    <a:schemeClr val="bg1"/>
+                  </a:solidFill>
+                </a:rPr>
+                <a:t>switch</a:t>
+              </a:r>
+              <a:endParaRPr lang="zh-TW" altLang="en-US" sz="2400">
+                <a:solidFill>
+                  <a:schemeClr val="bg1"/>
+                </a:solidFill>
+              </a:endParaRPr>
+            </a:p>
+          </p:txBody>
+        </p:sp>
+      </p:grpSp>
+      <p:sp>
+        <p:nvSpPr>
+          <p:cNvPr id="100" name="內容版面配置區 2">
+            <a:extLst>
+              <a:ext uri="{FF2B5EF4-FFF2-40B4-BE49-F238E27FC236}">
+                <a16:creationId xmlns:a16="http://schemas.microsoft.com/office/drawing/2014/main" id="{DCC4F648-A031-48CD-8898-B344801FEF0C}"/>
+              </a:ext>
+            </a:extLst>
+          </p:cNvPr>
+          <p:cNvSpPr txBox="1">
+            <a:spLocks/>
+          </p:cNvSpPr>
+          <p:nvPr/>
+        </p:nvSpPr>
+        <p:spPr>
+          <a:xfrm>
+            <a:off x="838200" y="4994776"/>
+            <a:ext cx="10515600" cy="1099049"/>
+          </a:xfrm>
+          <a:prstGeom prst="rect">
+            <a:avLst/>
+          </a:prstGeom>
+        </p:spPr>
+        <p:txBody>
+          <a:bodyPr vert="horz" lIns="91440" tIns="45720" rIns="91440" bIns="45720" rtlCol="0">
+            <a:normAutofit/>
+          </a:bodyPr>
+          <a:lstStyle>
+            <a:lvl1pPr marL="0" indent="0" algn="l" defTabSz="914400" rtl="0" eaLnBrk="1" latinLnBrk="0" hangingPunct="1">
+              <a:lnSpc>
+                <a:spcPct val="90000"/>
+              </a:lnSpc>
+              <a:spcBef>
+                <a:spcPts val="1000"/>
+              </a:spcBef>
+              <a:buFont typeface="Arial" panose="020B0604020202020204" pitchFamily="34" charset="0"/>
+              <a:buNone/>
+              <a:defRPr sz="2800" kern="1200">
+                <a:solidFill>
+                  <a:schemeClr val="tx1"/>
+                </a:solidFill>
+                <a:latin typeface="+mn-lt"/>
+                <a:ea typeface="+mn-ea"/>
+                <a:cs typeface="+mn-cs"/>
+              </a:defRPr>
+            </a:lvl1pPr>
+            <a:lvl2pPr marL="457200" indent="0" algn="l" defTabSz="914400" rtl="0" eaLnBrk="1" latinLnBrk="0" hangingPunct="1">
+              <a:lnSpc>
+                <a:spcPct val="90000"/>
+              </a:lnSpc>
+              <a:spcBef>
+                <a:spcPts val="500"/>
+              </a:spcBef>
+              <a:buFont typeface="Arial" panose="020B0604020202020204" pitchFamily="34" charset="0"/>
+              <a:buNone/>
+              <a:defRPr sz="2400" kern="1200">
+                <a:solidFill>
+                  <a:schemeClr val="tx1"/>
+                </a:solidFill>
+                <a:latin typeface="+mn-lt"/>
+                <a:ea typeface="+mn-ea"/>
+                <a:cs typeface="+mn-cs"/>
+              </a:defRPr>
+            </a:lvl2pPr>
+            <a:lvl3pPr marL="914400" indent="0" algn="l" defTabSz="914400" rtl="0" eaLnBrk="1" latinLnBrk="0" hangingPunct="1">
+              <a:lnSpc>
+                <a:spcPct val="90000"/>
+              </a:lnSpc>
+              <a:spcBef>
+                <a:spcPts val="500"/>
+              </a:spcBef>
+              <a:buFont typeface="Arial" panose="020B0604020202020204" pitchFamily="34" charset="0"/>
+              <a:buNone/>
+              <a:defRPr sz="2000" kern="1200">
+                <a:solidFill>
+                  <a:schemeClr val="tx1"/>
+                </a:solidFill>
+                <a:latin typeface="+mn-lt"/>
+                <a:ea typeface="+mn-ea"/>
+                <a:cs typeface="+mn-cs"/>
+              </a:defRPr>
+            </a:lvl3pPr>
+            <a:lvl4pPr marL="1371600" indent="0" algn="l" defTabSz="914400" rtl="0" eaLnBrk="1" latinLnBrk="0" hangingPunct="1">
+              <a:lnSpc>
+                <a:spcPct val="90000"/>
+              </a:lnSpc>
+              <a:spcBef>
+                <a:spcPts val="500"/>
+              </a:spcBef>
+              <a:buFont typeface="Arial" panose="020B0604020202020204" pitchFamily="34" charset="0"/>
+              <a:buNone/>
+              <a:defRPr sz="1800" kern="1200">
+                <a:solidFill>
+                  <a:schemeClr val="tx1"/>
+                </a:solidFill>
+                <a:latin typeface="+mn-lt"/>
+                <a:ea typeface="+mn-ea"/>
+                <a:cs typeface="+mn-cs"/>
+              </a:defRPr>
+            </a:lvl4pPr>
+            <a:lvl5pPr marL="1828800" indent="0" algn="l" defTabSz="914400" rtl="0" eaLnBrk="1" latinLnBrk="0" hangingPunct="1">
+              <a:lnSpc>
+                <a:spcPct val="90000"/>
+              </a:lnSpc>
+              <a:spcBef>
+                <a:spcPts val="500"/>
+              </a:spcBef>
+              <a:buFont typeface="Arial" panose="020B0604020202020204" pitchFamily="34" charset="0"/>
+              <a:buNone/>
+              <a:defRPr sz="1800" kern="1200">
+                <a:solidFill>
+                  <a:schemeClr val="tx1"/>
+                </a:solidFill>
+                <a:latin typeface="+mn-lt"/>
+                <a:ea typeface="+mn-ea"/>
+                <a:cs typeface="+mn-cs"/>
+              </a:defRPr>
+            </a:lvl5pPr>
+            <a:lvl6pPr marL="2514600" indent="-228600" algn="l" defTabSz="914400" rtl="0" eaLnBrk="1" latinLnBrk="0" hangingPunct="1">
+              <a:lnSpc>
+                <a:spcPct val="90000"/>
+              </a:lnSpc>
+              <a:spcBef>
+                <a:spcPts val="500"/>
+              </a:spcBef>
+              <a:buFont typeface="Arial" panose="020B0604020202020204" pitchFamily="34" charset="0"/>
+              <a:buChar char="•"/>
+              <a:defRPr sz="1800" kern="1200">
+                <a:solidFill>
+                  <a:schemeClr val="tx1"/>
+                </a:solidFill>
+                <a:latin typeface="+mn-lt"/>
+                <a:ea typeface="+mn-ea"/>
+                <a:cs typeface="+mn-cs"/>
+              </a:defRPr>
+            </a:lvl6pPr>
+            <a:lvl7pPr marL="2971800" indent="-228600" algn="l" defTabSz="914400" rtl="0" eaLnBrk="1" latinLnBrk="0" hangingPunct="1">
+              <a:lnSpc>
+                <a:spcPct val="90000"/>
+              </a:lnSpc>
+              <a:spcBef>
+                <a:spcPts val="500"/>
+              </a:spcBef>
+              <a:buFont typeface="Arial" panose="020B0604020202020204" pitchFamily="34" charset="0"/>
+              <a:buChar char="•"/>
+              <a:defRPr sz="1800" kern="1200">
+                <a:solidFill>
+                  <a:schemeClr val="tx1"/>
+                </a:solidFill>
+                <a:latin typeface="+mn-lt"/>
+                <a:ea typeface="+mn-ea"/>
+                <a:cs typeface="+mn-cs"/>
+              </a:defRPr>
+            </a:lvl7pPr>
+            <a:lvl8pPr marL="3429000" indent="-228600" algn="l" defTabSz="914400" rtl="0" eaLnBrk="1" latinLnBrk="0" hangingPunct="1">
+              <a:lnSpc>
+                <a:spcPct val="90000"/>
+              </a:lnSpc>
+              <a:spcBef>
+                <a:spcPts val="500"/>
+              </a:spcBef>
+              <a:buFont typeface="Arial" panose="020B0604020202020204" pitchFamily="34" charset="0"/>
+              <a:buChar char="•"/>
+              <a:defRPr sz="1800" kern="1200">
+                <a:solidFill>
+                  <a:schemeClr val="tx1"/>
+                </a:solidFill>
+                <a:latin typeface="+mn-lt"/>
+                <a:ea typeface="+mn-ea"/>
+                <a:cs typeface="+mn-cs"/>
+              </a:defRPr>
+            </a:lvl8pPr>
+            <a:lvl9pPr marL="3886200" indent="-228600" algn="l" defTabSz="914400" rtl="0" eaLnBrk="1" latinLnBrk="0" hangingPunct="1">
+              <a:lnSpc>
+                <a:spcPct val="90000"/>
+              </a:lnSpc>
+              <a:spcBef>
+                <a:spcPts val="500"/>
+              </a:spcBef>
+              <a:buFont typeface="Arial" panose="020B0604020202020204" pitchFamily="34" charset="0"/>
+              <a:buChar char="•"/>
+              <a:defRPr sz="1800" kern="1200">
+                <a:solidFill>
+                  <a:schemeClr val="tx1"/>
+                </a:solidFill>
+                <a:latin typeface="+mn-lt"/>
+                <a:ea typeface="+mn-ea"/>
+                <a:cs typeface="+mn-cs"/>
+              </a:defRPr>
+            </a:lvl9pPr>
+          </a:lstStyle>
+          <a:p>
+            <a:r>
+              <a:rPr lang="en-US" altLang="zh-TW">
+                <a:solidFill>
+                  <a:srgbClr val="CF8E6D"/>
+                </a:solidFill>
+              </a:rPr>
+              <a:t>switch </a:t>
+            </a:r>
+            <a:r>
+              <a:rPr lang="zh-TW" altLang="en-US"/>
+              <a:t>作為陳述式時可以與 </a:t>
+            </a:r>
+            <a:r>
+              <a:rPr lang="en-US" altLang="zh-TW">
+                <a:solidFill>
+                  <a:srgbClr val="CF8E6D"/>
+                </a:solidFill>
+              </a:rPr>
+              <a:t>if...else</a:t>
+            </a:r>
+            <a:r>
+              <a:rPr lang="zh-TW" altLang="en-US">
+                <a:solidFill>
+                  <a:srgbClr val="CF8E6D"/>
+                </a:solidFill>
+              </a:rPr>
+              <a:t> </a:t>
+            </a:r>
+            <a:r>
+              <a:rPr lang="zh-TW" altLang="en-US"/>
+              <a:t>互換</a:t>
+            </a:r>
+            <a:endParaRPr lang="en-US" altLang="zh-TW"/>
+          </a:p>
+          <a:p>
+            <a:r>
+              <a:rPr lang="zh-TW" altLang="en-US"/>
+              <a:t>而作為表達式時可以與</a:t>
+            </a:r>
+            <a:r>
+              <a:rPr lang="zh-TW" altLang="en-US">
+                <a:solidFill>
+                  <a:srgbClr val="CF8E6D"/>
+                </a:solidFill>
+              </a:rPr>
+              <a:t>三元運算</a:t>
+            </a:r>
+            <a:r>
+              <a:rPr lang="zh-TW" altLang="en-US"/>
+              <a:t>互換</a:t>
+            </a:r>
+          </a:p>
+        </p:txBody>
+      </p:sp>
+    </p:spTree>
+    <p:extLst>
+      <p:ext uri="{BB962C8B-B14F-4D97-AF65-F5344CB8AC3E}">
+        <p14:creationId xmlns:p14="http://schemas.microsoft.com/office/powerpoint/2010/main" val="3304813927"/>
+      </p:ext>
+    </p:extLst>
+  </p:cSld>
+  <p:clrMapOvr>
+    <a:masterClrMapping/>
+  </p:clrMapOvr>
+  <p:transition spd="slow">
+    <p:push dir="u"/>
+  </p:transition>
+</p:sld>
+</file>
+
+<file path=ppt/slides/slide11.xml><?xml version="1.0" encoding="utf-8"?>
+<p:sld xmlns:a="http://schemas.openxmlformats.org/drawingml/2006/main" xmlns:r="http://schemas.openxmlformats.org/officeDocument/2006/relationships" xmlns:p="http://schemas.openxmlformats.org/presentationml/2006/main">
+  <p:cSld>
+    <p:spTree>
+      <p:nvGrpSpPr>
+        <p:cNvPr id="1" name=""/>
+        <p:cNvGrpSpPr/>
+        <p:nvPr/>
+      </p:nvGrpSpPr>
+      <p:grpSpPr>
+        <a:xfrm>
+          <a:off x="0" y="0"/>
+          <a:ext cx="0" cy="0"/>
+          <a:chOff x="0" y="0"/>
+          <a:chExt cx="0" cy="0"/>
+        </a:xfrm>
+      </p:grpSpPr>
+      <p:sp>
+        <p:nvSpPr>
+          <p:cNvPr id="2" name="標題 1">
+            <a:extLst>
+              <a:ext uri="{FF2B5EF4-FFF2-40B4-BE49-F238E27FC236}">
+                <a16:creationId xmlns:a16="http://schemas.microsoft.com/office/drawing/2014/main" id="{754B1C9A-8D7E-40A5-8232-75E712B1D9E5}"/>
+              </a:ext>
+            </a:extLst>
+          </p:cNvPr>
+          <p:cNvSpPr>
+            <a:spLocks noGrp="1"/>
+          </p:cNvSpPr>
+          <p:nvPr>
+            <p:ph type="title"/>
+          </p:nvPr>
+        </p:nvSpPr>
+        <p:spPr>
+          <a:xfrm>
+            <a:off x="838200" y="0"/>
+            <a:ext cx="10515600" cy="1325563"/>
+          </a:xfrm>
+        </p:spPr>
+        <p:txBody>
+          <a:bodyPr/>
+          <a:lstStyle/>
+          <a:p>
+            <a:r>
+              <a:rPr lang="en-US" altLang="zh-TW"/>
+              <a:t>for</a:t>
+            </a:r>
             <a:endParaRPr lang="zh-TW" altLang="en-US"/>
           </a:p>
         </p:txBody>
@@ -8009,12 +9782,768 @@
             <p:ph idx="1"/>
           </p:nvPr>
         </p:nvSpPr>
-        <p:spPr/>
+        <p:spPr>
+          <a:xfrm>
+            <a:off x="838200" y="1117414"/>
+            <a:ext cx="10515600" cy="487269"/>
+          </a:xfrm>
+        </p:spPr>
         <p:txBody>
           <a:bodyPr/>
           <a:lstStyle/>
           <a:p>
-            <a:endParaRPr lang="zh-TW" altLang="en-US"/>
+            <a:r>
+              <a:rPr lang="en-US" altLang="zh-TW">
+                <a:solidFill>
+                  <a:srgbClr val="CF8E6D"/>
+                </a:solidFill>
+              </a:rPr>
+              <a:t>for</a:t>
+            </a:r>
+            <a:r>
+              <a:rPr lang="en-US" altLang="zh-TW"/>
+              <a:t> </a:t>
+            </a:r>
+            <a:r>
+              <a:rPr lang="zh-TW" altLang="en-US"/>
+              <a:t>是用來重複執行某些程式碼</a:t>
+            </a:r>
+          </a:p>
+        </p:txBody>
+      </p:sp>
+      <p:grpSp>
+        <p:nvGrpSpPr>
+          <p:cNvPr id="8" name="群組 7">
+            <a:extLst>
+              <a:ext uri="{FF2B5EF4-FFF2-40B4-BE49-F238E27FC236}">
+                <a16:creationId xmlns:a16="http://schemas.microsoft.com/office/drawing/2014/main" id="{9D0FC592-FD95-4EC3-BA43-A466FD5BC7C9}"/>
+              </a:ext>
+            </a:extLst>
+          </p:cNvPr>
+          <p:cNvGrpSpPr/>
+          <p:nvPr/>
+        </p:nvGrpSpPr>
+        <p:grpSpPr>
+          <a:xfrm>
+            <a:off x="838200" y="1604683"/>
+            <a:ext cx="10515600" cy="1200329"/>
+            <a:chOff x="838200" y="2642475"/>
+            <a:chExt cx="10515600" cy="1200329"/>
+          </a:xfrm>
+        </p:grpSpPr>
+        <p:sp>
+          <p:nvSpPr>
+            <p:cNvPr id="9" name="Rectangle 1">
+              <a:extLst>
+                <a:ext uri="{FF2B5EF4-FFF2-40B4-BE49-F238E27FC236}">
+                  <a16:creationId xmlns:a16="http://schemas.microsoft.com/office/drawing/2014/main" id="{179E55B0-94BF-45EC-BDFF-7B54F29ECFFB}"/>
+                </a:ext>
+              </a:extLst>
+            </p:cNvPr>
+            <p:cNvSpPr>
+              <a:spLocks noChangeArrowheads="1"/>
+            </p:cNvSpPr>
+            <p:nvPr/>
+          </p:nvSpPr>
+          <p:spPr bwMode="auto">
+            <a:xfrm>
+              <a:off x="838200" y="2642475"/>
+              <a:ext cx="10515600" cy="1200329"/>
+            </a:xfrm>
+            <a:prstGeom prst="rect">
+              <a:avLst/>
+            </a:prstGeom>
+            <a:solidFill>
+              <a:srgbClr val="1E1F22"/>
+            </a:solidFill>
+            <a:ln>
+              <a:noFill/>
+            </a:ln>
+            <a:effectLst/>
+            <a:extLst>
+              <a:ext uri="{91240B29-F687-4F45-9708-019B960494DF}">
+                <a14:hiddenLine xmlns:a14="http://schemas.microsoft.com/office/drawing/2010/main" w="9525">
+                  <a:solidFill>
+                    <a:schemeClr val="tx1"/>
+                  </a:solidFill>
+                  <a:miter lim="800000"/>
+                  <a:headEnd/>
+                  <a:tailEnd/>
+                </a14:hiddenLine>
+              </a:ext>
+              <a:ext uri="{AF507438-7753-43E0-B8FC-AC1667EBCBE1}">
+                <a14:hiddenEffects xmlns:a14="http://schemas.microsoft.com/office/drawing/2010/main">
+                  <a:effectLst>
+                    <a:outerShdw dist="35921" dir="2700000" algn="ctr" rotWithShape="0">
+                      <a:schemeClr val="bg2"/>
+                    </a:outerShdw>
+                  </a:effectLst>
+                </a14:hiddenEffects>
+              </a:ext>
+            </a:extLst>
+          </p:spPr>
+          <p:txBody>
+            <a:bodyPr vert="horz" wrap="square" lIns="91440" tIns="45720" rIns="91440" bIns="45720" numCol="1" anchor="ctr" anchorCtr="0" compatLnSpc="1">
+              <a:prstTxWarp prst="textNoShape">
+                <a:avLst/>
+              </a:prstTxWarp>
+              <a:spAutoFit/>
+            </a:bodyPr>
+            <a:lstStyle/>
+            <a:p>
+              <a:pPr eaLnBrk="0" fontAlgn="base" hangingPunct="0">
+                <a:spcBef>
+                  <a:spcPct val="0"/>
+                </a:spcBef>
+                <a:spcAft>
+                  <a:spcPct val="0"/>
+                </a:spcAft>
+              </a:pPr>
+              <a:r>
+                <a:rPr lang="en-US" altLang="zh-TW" sz="2400">
+                  <a:solidFill>
+                    <a:srgbClr val="CF8E6D"/>
+                  </a:solidFill>
+                  <a:latin typeface="+mj-lt"/>
+                  <a:cs typeface="JetBrains Mono" panose="02000009000000000000" pitchFamily="49" charset="0"/>
+                </a:rPr>
+                <a:t>for</a:t>
+              </a:r>
+              <a:r>
+                <a:rPr kumimoji="0" lang="zh-TW" altLang="zh-TW" sz="2400" b="0" i="0" u="none" strike="noStrike" cap="none" normalizeH="0" baseline="0">
+                  <a:ln>
+                    <a:noFill/>
+                  </a:ln>
+                  <a:solidFill>
+                    <a:srgbClr val="CF8E6D"/>
+                  </a:solidFill>
+                  <a:effectLst/>
+                  <a:latin typeface="+mj-lt"/>
+                  <a:cs typeface="JetBrains Mono" panose="02000009000000000000" pitchFamily="49" charset="0"/>
+                </a:rPr>
+                <a:t> </a:t>
+              </a:r>
+              <a:r>
+                <a:rPr kumimoji="0" lang="zh-TW" altLang="zh-TW" sz="2400" b="0" i="0" u="none" strike="noStrike" cap="none" normalizeH="0" baseline="0">
+                  <a:ln>
+                    <a:noFill/>
+                  </a:ln>
+                  <a:solidFill>
+                    <a:srgbClr val="BCBEC4"/>
+                  </a:solidFill>
+                  <a:effectLst/>
+                  <a:latin typeface="+mj-lt"/>
+                  <a:cs typeface="JetBrains Mono" panose="02000009000000000000" pitchFamily="49" charset="0"/>
+                </a:rPr>
+                <a:t>(</a:t>
+              </a:r>
+              <a:r>
+                <a:rPr kumimoji="0" lang="zh-TW" altLang="en-US" sz="2400" b="0" i="0" u="none" strike="noStrike" cap="none" normalizeH="0" baseline="0">
+                  <a:ln>
+                    <a:noFill/>
+                  </a:ln>
+                  <a:solidFill>
+                    <a:srgbClr val="92D050"/>
+                  </a:solidFill>
+                  <a:effectLst/>
+                  <a:latin typeface="+mj-lt"/>
+                  <a:ea typeface="+mj-ea"/>
+                  <a:cs typeface="JetBrains Mono" panose="02000009000000000000" pitchFamily="49" charset="0"/>
+                </a:rPr>
+                <a:t>初始化變數</a:t>
+              </a:r>
+              <a:r>
+                <a:rPr kumimoji="0" lang="en-US" altLang="zh-TW" sz="2400" b="0" i="0" u="none" strike="noStrike" cap="none" normalizeH="0" baseline="0">
+                  <a:ln>
+                    <a:noFill/>
+                  </a:ln>
+                  <a:solidFill>
+                    <a:srgbClr val="BCBEC4"/>
+                  </a:solidFill>
+                  <a:effectLst/>
+                  <a:latin typeface="+mj-lt"/>
+                  <a:cs typeface="JetBrains Mono" panose="02000009000000000000" pitchFamily="49" charset="0"/>
+                </a:rPr>
+                <a:t>;</a:t>
+              </a:r>
+              <a:r>
+                <a:rPr kumimoji="0" lang="zh-TW" altLang="zh-TW" sz="2400" b="0" i="0" u="none" strike="noStrike" cap="none" normalizeH="0" baseline="0">
+                  <a:ln>
+                    <a:noFill/>
+                  </a:ln>
+                  <a:solidFill>
+                    <a:srgbClr val="00B0F0"/>
+                  </a:solidFill>
+                  <a:effectLst/>
+                  <a:latin typeface="+mj-lt"/>
+                  <a:cs typeface="JetBrains Mono" panose="02000009000000000000" pitchFamily="49" charset="0"/>
+                </a:rPr>
+                <a:t>boolean(</a:t>
+              </a:r>
+              <a:r>
+                <a:rPr kumimoji="0" lang="zh-TW" altLang="en-US" sz="2400" b="0" i="0" u="none" strike="noStrike" cap="none" normalizeH="0" baseline="0">
+                  <a:ln>
+                    <a:noFill/>
+                  </a:ln>
+                  <a:solidFill>
+                    <a:srgbClr val="00B0F0"/>
+                  </a:solidFill>
+                  <a:effectLst/>
+                  <a:latin typeface="+mj-lt"/>
+                  <a:ea typeface="+mj-ea"/>
+                  <a:cs typeface="JetBrains Mono" panose="02000009000000000000" pitchFamily="49" charset="0"/>
+                </a:rPr>
+                <a:t>執行</a:t>
+              </a:r>
+              <a:r>
+                <a:rPr kumimoji="0" lang="zh-TW" altLang="zh-TW" sz="2400" b="0" i="0" u="none" strike="noStrike" cap="none" normalizeH="0" baseline="0">
+                  <a:ln>
+                    <a:noFill/>
+                  </a:ln>
+                  <a:solidFill>
+                    <a:srgbClr val="00B0F0"/>
+                  </a:solidFill>
+                  <a:effectLst/>
+                  <a:latin typeface="+mj-lt"/>
+                  <a:ea typeface="+mj-ea"/>
+                  <a:cs typeface="JetBrains Mono" panose="02000009000000000000" pitchFamily="49" charset="0"/>
+                </a:rPr>
+                <a:t>條件</a:t>
+              </a:r>
+              <a:r>
+                <a:rPr kumimoji="0" lang="zh-TW" altLang="zh-TW" sz="2400" b="0" i="0" u="none" strike="noStrike" cap="none" normalizeH="0" baseline="0">
+                  <a:ln>
+                    <a:noFill/>
+                  </a:ln>
+                  <a:solidFill>
+                    <a:srgbClr val="00B0F0"/>
+                  </a:solidFill>
+                  <a:effectLst/>
+                  <a:latin typeface="+mj-lt"/>
+                  <a:cs typeface="JetBrains Mono" panose="02000009000000000000" pitchFamily="49" charset="0"/>
+                </a:rPr>
+                <a:t>)</a:t>
+              </a:r>
+              <a:r>
+                <a:rPr kumimoji="0" lang="en-US" altLang="zh-TW" sz="2400" b="0" i="0" u="none" strike="noStrike" cap="none" normalizeH="0" baseline="0">
+                  <a:ln>
+                    <a:noFill/>
+                  </a:ln>
+                  <a:solidFill>
+                    <a:srgbClr val="BCBEC4"/>
+                  </a:solidFill>
+                  <a:effectLst/>
+                  <a:latin typeface="+mj-lt"/>
+                  <a:cs typeface="JetBrains Mono" panose="02000009000000000000" pitchFamily="49" charset="0"/>
+                </a:rPr>
+                <a:t>;</a:t>
+              </a:r>
+              <a:r>
+                <a:rPr kumimoji="0" lang="zh-TW" altLang="en-US" sz="2400" b="0" i="0" u="none" strike="noStrike" cap="none" normalizeH="0" baseline="0">
+                  <a:ln>
+                    <a:noFill/>
+                  </a:ln>
+                  <a:solidFill>
+                    <a:srgbClr val="FFC000"/>
+                  </a:solidFill>
+                  <a:effectLst/>
+                  <a:latin typeface="+mj-lt"/>
+                  <a:ea typeface="+mj-ea"/>
+                  <a:cs typeface="JetBrains Mono" panose="02000009000000000000" pitchFamily="49" charset="0"/>
+                </a:rPr>
+                <a:t>修改變數</a:t>
+              </a:r>
+              <a:r>
+                <a:rPr kumimoji="0" lang="zh-TW" altLang="zh-TW" sz="2400" b="0" i="0" u="none" strike="noStrike" cap="none" normalizeH="0" baseline="0">
+                  <a:ln>
+                    <a:noFill/>
+                  </a:ln>
+                  <a:solidFill>
+                    <a:srgbClr val="BCBEC4"/>
+                  </a:solidFill>
+                  <a:effectLst/>
+                  <a:latin typeface="+mj-lt"/>
+                  <a:cs typeface="JetBrains Mono" panose="02000009000000000000" pitchFamily="49" charset="0"/>
+                </a:rPr>
+                <a:t>) {</a:t>
+              </a:r>
+              <a:br>
+                <a:rPr kumimoji="0" lang="zh-TW" altLang="zh-TW" sz="2400" b="0" i="0" u="none" strike="noStrike" cap="none" normalizeH="0" baseline="0">
+                  <a:ln>
+                    <a:noFill/>
+                  </a:ln>
+                  <a:solidFill>
+                    <a:srgbClr val="BCBEC4"/>
+                  </a:solidFill>
+                  <a:effectLst/>
+                  <a:latin typeface="+mj-lt"/>
+                  <a:cs typeface="JetBrains Mono" panose="02000009000000000000" pitchFamily="49" charset="0"/>
+                </a:rPr>
+              </a:br>
+              <a:r>
+                <a:rPr kumimoji="0" lang="zh-TW" altLang="zh-TW" sz="2400" b="0" i="0" u="none" strike="noStrike" cap="none" normalizeH="0" baseline="0">
+                  <a:ln>
+                    <a:noFill/>
+                  </a:ln>
+                  <a:solidFill>
+                    <a:srgbClr val="BCBEC4"/>
+                  </a:solidFill>
+                  <a:effectLst/>
+                  <a:latin typeface="+mj-lt"/>
+                  <a:cs typeface="JetBrains Mono" panose="02000009000000000000" pitchFamily="49" charset="0"/>
+                </a:rPr>
+                <a:t>    </a:t>
+              </a:r>
+              <a:r>
+                <a:rPr kumimoji="0" lang="zh-TW" altLang="zh-TW" sz="2400" b="0" i="0" u="none" strike="noStrike" cap="none" normalizeH="0" baseline="0">
+                  <a:ln>
+                    <a:noFill/>
+                  </a:ln>
+                  <a:solidFill>
+                    <a:srgbClr val="FFFF00"/>
+                  </a:solidFill>
+                  <a:effectLst/>
+                  <a:latin typeface="+mj-lt"/>
+                  <a:ea typeface="微軟正黑體" panose="020B0604030504040204" pitchFamily="34" charset="-120"/>
+                  <a:cs typeface="JetBrains Mono" panose="02000009000000000000" pitchFamily="49" charset="0"/>
+                </a:rPr>
+                <a:t>陳述式</a:t>
+              </a:r>
+              <a:r>
+                <a:rPr kumimoji="0" lang="zh-TW" altLang="zh-TW" sz="2400" b="0" i="0" u="none" strike="noStrike" cap="none" normalizeH="0" baseline="0">
+                  <a:ln>
+                    <a:noFill/>
+                  </a:ln>
+                  <a:solidFill>
+                    <a:srgbClr val="FFFF00"/>
+                  </a:solidFill>
+                  <a:effectLst/>
+                  <a:latin typeface="+mj-lt"/>
+                  <a:cs typeface="JetBrains Mono" panose="02000009000000000000" pitchFamily="49" charset="0"/>
+                </a:rPr>
+                <a:t>...</a:t>
+              </a:r>
+              <a:br>
+                <a:rPr kumimoji="0" lang="zh-TW" altLang="zh-TW" sz="2400" b="0" i="0" u="none" strike="noStrike" cap="none" normalizeH="0" baseline="0">
+                  <a:ln>
+                    <a:noFill/>
+                  </a:ln>
+                  <a:solidFill>
+                    <a:srgbClr val="BCBEC4"/>
+                  </a:solidFill>
+                  <a:effectLst/>
+                  <a:latin typeface="+mj-lt"/>
+                  <a:cs typeface="JetBrains Mono" panose="02000009000000000000" pitchFamily="49" charset="0"/>
+                </a:rPr>
+              </a:br>
+              <a:r>
+                <a:rPr kumimoji="0" lang="zh-TW" altLang="zh-TW" sz="2400" b="0" i="0" u="none" strike="noStrike" cap="none" normalizeH="0" baseline="0">
+                  <a:ln>
+                    <a:noFill/>
+                  </a:ln>
+                  <a:solidFill>
+                    <a:srgbClr val="BCBEC4"/>
+                  </a:solidFill>
+                  <a:effectLst/>
+                  <a:latin typeface="+mj-lt"/>
+                  <a:cs typeface="JetBrains Mono" panose="02000009000000000000" pitchFamily="49" charset="0"/>
+                </a:rPr>
+                <a:t>}</a:t>
+              </a:r>
+              <a:endParaRPr kumimoji="0" lang="zh-TW" altLang="zh-TW" sz="2400" b="0" i="0" u="none" strike="noStrike" cap="none" normalizeH="0" baseline="0">
+                <a:ln>
+                  <a:noFill/>
+                </a:ln>
+                <a:solidFill>
+                  <a:schemeClr val="tx1"/>
+                </a:solidFill>
+                <a:effectLst/>
+                <a:latin typeface="+mj-lt"/>
+              </a:endParaRPr>
+            </a:p>
+          </p:txBody>
+        </p:sp>
+        <p:sp>
+          <p:nvSpPr>
+            <p:cNvPr id="10" name="文字方塊 9">
+              <a:extLst>
+                <a:ext uri="{FF2B5EF4-FFF2-40B4-BE49-F238E27FC236}">
+                  <a16:creationId xmlns:a16="http://schemas.microsoft.com/office/drawing/2014/main" id="{48F6F41E-4515-40E4-B97F-112983E91B75}"/>
+                </a:ext>
+              </a:extLst>
+            </p:cNvPr>
+            <p:cNvSpPr txBox="1"/>
+            <p:nvPr/>
+          </p:nvSpPr>
+          <p:spPr>
+            <a:xfrm>
+              <a:off x="10662585" y="3473472"/>
+              <a:ext cx="691215" cy="369332"/>
+            </a:xfrm>
+            <a:prstGeom prst="rect">
+              <a:avLst/>
+            </a:prstGeom>
+            <a:noFill/>
+          </p:spPr>
+          <p:txBody>
+            <a:bodyPr wrap="none" rtlCol="0">
+              <a:spAutoFit/>
+            </a:bodyPr>
+            <a:lstStyle/>
+            <a:p>
+              <a:r>
+                <a:rPr lang="en-US" altLang="zh-TW">
+                  <a:solidFill>
+                    <a:schemeClr val="accent3"/>
+                  </a:solidFill>
+                </a:rPr>
+                <a:t>java</a:t>
+              </a:r>
+              <a:endParaRPr lang="zh-TW" altLang="en-US">
+                <a:solidFill>
+                  <a:schemeClr val="accent3"/>
+                </a:solidFill>
+              </a:endParaRPr>
+            </a:p>
+          </p:txBody>
+        </p:sp>
+      </p:grpSp>
+      <p:sp>
+        <p:nvSpPr>
+          <p:cNvPr id="7" name="內容版面配置區 2">
+            <a:extLst>
+              <a:ext uri="{FF2B5EF4-FFF2-40B4-BE49-F238E27FC236}">
+                <a16:creationId xmlns:a16="http://schemas.microsoft.com/office/drawing/2014/main" id="{3DEBBDA7-F539-469B-8272-F7D642A8E113}"/>
+              </a:ext>
+            </a:extLst>
+          </p:cNvPr>
+          <p:cNvSpPr txBox="1">
+            <a:spLocks/>
+          </p:cNvSpPr>
+          <p:nvPr/>
+        </p:nvSpPr>
+        <p:spPr>
+          <a:xfrm>
+            <a:off x="838200" y="2885694"/>
+            <a:ext cx="10515600" cy="3515106"/>
+          </a:xfrm>
+          <a:prstGeom prst="rect">
+            <a:avLst/>
+          </a:prstGeom>
+        </p:spPr>
+        <p:txBody>
+          <a:bodyPr vert="horz" lIns="91440" tIns="45720" rIns="91440" bIns="45720" rtlCol="0">
+            <a:normAutofit/>
+          </a:bodyPr>
+          <a:lstStyle>
+            <a:lvl1pPr marL="0" indent="0" algn="l" defTabSz="914400" rtl="0" eaLnBrk="1" latinLnBrk="0" hangingPunct="1">
+              <a:lnSpc>
+                <a:spcPct val="90000"/>
+              </a:lnSpc>
+              <a:spcBef>
+                <a:spcPts val="1000"/>
+              </a:spcBef>
+              <a:buFont typeface="Arial" panose="020B0604020202020204" pitchFamily="34" charset="0"/>
+              <a:buNone/>
+              <a:defRPr sz="2800" kern="1200">
+                <a:solidFill>
+                  <a:schemeClr val="tx1"/>
+                </a:solidFill>
+                <a:latin typeface="+mn-lt"/>
+                <a:ea typeface="+mn-ea"/>
+                <a:cs typeface="+mn-cs"/>
+              </a:defRPr>
+            </a:lvl1pPr>
+            <a:lvl2pPr marL="457200" indent="0" algn="l" defTabSz="914400" rtl="0" eaLnBrk="1" latinLnBrk="0" hangingPunct="1">
+              <a:lnSpc>
+                <a:spcPct val="90000"/>
+              </a:lnSpc>
+              <a:spcBef>
+                <a:spcPts val="500"/>
+              </a:spcBef>
+              <a:buFont typeface="Arial" panose="020B0604020202020204" pitchFamily="34" charset="0"/>
+              <a:buNone/>
+              <a:defRPr sz="2400" kern="1200">
+                <a:solidFill>
+                  <a:schemeClr val="tx1"/>
+                </a:solidFill>
+                <a:latin typeface="+mn-lt"/>
+                <a:ea typeface="+mn-ea"/>
+                <a:cs typeface="+mn-cs"/>
+              </a:defRPr>
+            </a:lvl2pPr>
+            <a:lvl3pPr marL="914400" indent="0" algn="l" defTabSz="914400" rtl="0" eaLnBrk="1" latinLnBrk="0" hangingPunct="1">
+              <a:lnSpc>
+                <a:spcPct val="90000"/>
+              </a:lnSpc>
+              <a:spcBef>
+                <a:spcPts val="500"/>
+              </a:spcBef>
+              <a:buFont typeface="Arial" panose="020B0604020202020204" pitchFamily="34" charset="0"/>
+              <a:buNone/>
+              <a:defRPr sz="2000" kern="1200">
+                <a:solidFill>
+                  <a:schemeClr val="tx1"/>
+                </a:solidFill>
+                <a:latin typeface="+mn-lt"/>
+                <a:ea typeface="+mn-ea"/>
+                <a:cs typeface="+mn-cs"/>
+              </a:defRPr>
+            </a:lvl3pPr>
+            <a:lvl4pPr marL="1371600" indent="0" algn="l" defTabSz="914400" rtl="0" eaLnBrk="1" latinLnBrk="0" hangingPunct="1">
+              <a:lnSpc>
+                <a:spcPct val="90000"/>
+              </a:lnSpc>
+              <a:spcBef>
+                <a:spcPts val="500"/>
+              </a:spcBef>
+              <a:buFont typeface="Arial" panose="020B0604020202020204" pitchFamily="34" charset="0"/>
+              <a:buNone/>
+              <a:defRPr sz="1800" kern="1200">
+                <a:solidFill>
+                  <a:schemeClr val="tx1"/>
+                </a:solidFill>
+                <a:latin typeface="+mn-lt"/>
+                <a:ea typeface="+mn-ea"/>
+                <a:cs typeface="+mn-cs"/>
+              </a:defRPr>
+            </a:lvl4pPr>
+            <a:lvl5pPr marL="1828800" indent="0" algn="l" defTabSz="914400" rtl="0" eaLnBrk="1" latinLnBrk="0" hangingPunct="1">
+              <a:lnSpc>
+                <a:spcPct val="90000"/>
+              </a:lnSpc>
+              <a:spcBef>
+                <a:spcPts val="500"/>
+              </a:spcBef>
+              <a:buFont typeface="Arial" panose="020B0604020202020204" pitchFamily="34" charset="0"/>
+              <a:buNone/>
+              <a:defRPr sz="1800" kern="1200">
+                <a:solidFill>
+                  <a:schemeClr val="tx1"/>
+                </a:solidFill>
+                <a:latin typeface="+mn-lt"/>
+                <a:ea typeface="+mn-ea"/>
+                <a:cs typeface="+mn-cs"/>
+              </a:defRPr>
+            </a:lvl5pPr>
+            <a:lvl6pPr marL="2514600" indent="-228600" algn="l" defTabSz="914400" rtl="0" eaLnBrk="1" latinLnBrk="0" hangingPunct="1">
+              <a:lnSpc>
+                <a:spcPct val="90000"/>
+              </a:lnSpc>
+              <a:spcBef>
+                <a:spcPts val="500"/>
+              </a:spcBef>
+              <a:buFont typeface="Arial" panose="020B0604020202020204" pitchFamily="34" charset="0"/>
+              <a:buChar char="•"/>
+              <a:defRPr sz="1800" kern="1200">
+                <a:solidFill>
+                  <a:schemeClr val="tx1"/>
+                </a:solidFill>
+                <a:latin typeface="+mn-lt"/>
+                <a:ea typeface="+mn-ea"/>
+                <a:cs typeface="+mn-cs"/>
+              </a:defRPr>
+            </a:lvl6pPr>
+            <a:lvl7pPr marL="2971800" indent="-228600" algn="l" defTabSz="914400" rtl="0" eaLnBrk="1" latinLnBrk="0" hangingPunct="1">
+              <a:lnSpc>
+                <a:spcPct val="90000"/>
+              </a:lnSpc>
+              <a:spcBef>
+                <a:spcPts val="500"/>
+              </a:spcBef>
+              <a:buFont typeface="Arial" panose="020B0604020202020204" pitchFamily="34" charset="0"/>
+              <a:buChar char="•"/>
+              <a:defRPr sz="1800" kern="1200">
+                <a:solidFill>
+                  <a:schemeClr val="tx1"/>
+                </a:solidFill>
+                <a:latin typeface="+mn-lt"/>
+                <a:ea typeface="+mn-ea"/>
+                <a:cs typeface="+mn-cs"/>
+              </a:defRPr>
+            </a:lvl7pPr>
+            <a:lvl8pPr marL="3429000" indent="-228600" algn="l" defTabSz="914400" rtl="0" eaLnBrk="1" latinLnBrk="0" hangingPunct="1">
+              <a:lnSpc>
+                <a:spcPct val="90000"/>
+              </a:lnSpc>
+              <a:spcBef>
+                <a:spcPts val="500"/>
+              </a:spcBef>
+              <a:buFont typeface="Arial" panose="020B0604020202020204" pitchFamily="34" charset="0"/>
+              <a:buChar char="•"/>
+              <a:defRPr sz="1800" kern="1200">
+                <a:solidFill>
+                  <a:schemeClr val="tx1"/>
+                </a:solidFill>
+                <a:latin typeface="+mn-lt"/>
+                <a:ea typeface="+mn-ea"/>
+                <a:cs typeface="+mn-cs"/>
+              </a:defRPr>
+            </a:lvl8pPr>
+            <a:lvl9pPr marL="3886200" indent="-228600" algn="l" defTabSz="914400" rtl="0" eaLnBrk="1" latinLnBrk="0" hangingPunct="1">
+              <a:lnSpc>
+                <a:spcPct val="90000"/>
+              </a:lnSpc>
+              <a:spcBef>
+                <a:spcPts val="500"/>
+              </a:spcBef>
+              <a:buFont typeface="Arial" panose="020B0604020202020204" pitchFamily="34" charset="0"/>
+              <a:buChar char="•"/>
+              <a:defRPr sz="1800" kern="1200">
+                <a:solidFill>
+                  <a:schemeClr val="tx1"/>
+                </a:solidFill>
+                <a:latin typeface="+mn-lt"/>
+                <a:ea typeface="+mn-ea"/>
+                <a:cs typeface="+mn-cs"/>
+              </a:defRPr>
+            </a:lvl9pPr>
+          </a:lstStyle>
+          <a:p>
+            <a:r>
+              <a:rPr lang="zh-TW" altLang="en-US"/>
+              <a:t>其中，</a:t>
+            </a:r>
+            <a:r>
+              <a:rPr lang="zh-TW" altLang="en-US">
+                <a:solidFill>
+                  <a:srgbClr val="92D050"/>
+                </a:solidFill>
+              </a:rPr>
+              <a:t>初始化變數</a:t>
+            </a:r>
+            <a:r>
+              <a:rPr lang="zh-TW" altLang="en-US"/>
+              <a:t>、</a:t>
+            </a:r>
+            <a:r>
+              <a:rPr lang="zh-TW" altLang="en-US">
+                <a:solidFill>
+                  <a:srgbClr val="00B0F0"/>
+                </a:solidFill>
+              </a:rPr>
+              <a:t>執行條件</a:t>
+            </a:r>
+            <a:r>
+              <a:rPr lang="zh-TW" altLang="en-US"/>
+              <a:t>、</a:t>
+            </a:r>
+            <a:r>
+              <a:rPr lang="zh-TW" altLang="en-US">
+                <a:solidFill>
+                  <a:srgbClr val="FFC000"/>
+                </a:solidFill>
+              </a:rPr>
+              <a:t>修改變數</a:t>
+            </a:r>
+            <a:r>
+              <a:rPr lang="zh-TW" altLang="en-US"/>
+              <a:t>皆可省略</a:t>
+            </a:r>
+            <a:endParaRPr lang="en-US" altLang="zh-TW"/>
+          </a:p>
+          <a:p>
+            <a:r>
+              <a:rPr lang="zh-TW" altLang="en-US">
+                <a:solidFill>
+                  <a:srgbClr val="92D050"/>
+                </a:solidFill>
+              </a:rPr>
+              <a:t>初始化變數</a:t>
+            </a:r>
+            <a:r>
+              <a:rPr lang="zh-TW" altLang="en-US"/>
+              <a:t>可以是宣告或是賦值，也可以是其他表達式</a:t>
+            </a:r>
+            <a:endParaRPr lang="en-US" altLang="zh-TW"/>
+          </a:p>
+          <a:p>
+            <a:r>
+              <a:rPr lang="zh-TW" altLang="en-US">
+                <a:solidFill>
+                  <a:srgbClr val="00B0F0"/>
+                </a:solidFill>
+              </a:rPr>
+              <a:t>執行條件</a:t>
+            </a:r>
+            <a:r>
+              <a:rPr lang="zh-TW" altLang="en-US"/>
+              <a:t>為真時才會繼續執行 </a:t>
+            </a:r>
+            <a:r>
+              <a:rPr lang="en-US" altLang="zh-TW">
+                <a:solidFill>
+                  <a:srgbClr val="CF8E6D"/>
+                </a:solidFill>
+              </a:rPr>
+              <a:t>for</a:t>
+            </a:r>
+            <a:r>
+              <a:rPr lang="en-US" altLang="zh-TW"/>
+              <a:t> </a:t>
+            </a:r>
+            <a:r>
+              <a:rPr lang="zh-TW" altLang="en-US"/>
+              <a:t>迴圈，否則跳出 </a:t>
+            </a:r>
+            <a:r>
+              <a:rPr lang="en-US" altLang="zh-TW">
+                <a:solidFill>
+                  <a:srgbClr val="CF8E6D"/>
+                </a:solidFill>
+              </a:rPr>
+              <a:t>for</a:t>
+            </a:r>
+            <a:r>
+              <a:rPr lang="en-US" altLang="zh-TW"/>
+              <a:t> </a:t>
+            </a:r>
+            <a:r>
+              <a:rPr lang="zh-TW" altLang="en-US"/>
+              <a:t>迴圈</a:t>
+            </a:r>
+            <a:endParaRPr lang="en-US" altLang="zh-TW"/>
+          </a:p>
+          <a:p>
+            <a:r>
+              <a:rPr lang="zh-TW" altLang="en-US">
+                <a:solidFill>
+                  <a:srgbClr val="FFC000"/>
+                </a:solidFill>
+              </a:rPr>
+              <a:t>修改變數</a:t>
+            </a:r>
+            <a:r>
+              <a:rPr lang="zh-TW" altLang="en-US"/>
+              <a:t>可以是賦值，或是其他表達式</a:t>
+            </a:r>
+            <a:endParaRPr lang="en-US" altLang="zh-TW"/>
+          </a:p>
+          <a:p>
+            <a:r>
+              <a:rPr lang="zh-TW" altLang="en-US"/>
+              <a:t>若 </a:t>
+            </a:r>
+            <a:r>
+              <a:rPr lang="en-US" altLang="zh-TW">
+                <a:solidFill>
+                  <a:srgbClr val="CF8E6D"/>
+                </a:solidFill>
+              </a:rPr>
+              <a:t>for </a:t>
+            </a:r>
+            <a:r>
+              <a:rPr lang="zh-TW" altLang="en-US"/>
+              <a:t>後方的區塊內只有一行陳述式</a:t>
+            </a:r>
+            <a:endParaRPr lang="en-US" altLang="zh-TW"/>
+          </a:p>
+          <a:p>
+            <a:r>
+              <a:rPr lang="zh-TW" altLang="en-US"/>
+              <a:t>則可以不寫程式碼區塊，直接寫陳述式</a:t>
+            </a:r>
+            <a:endParaRPr lang="en-US" altLang="zh-TW"/>
           </a:p>
         </p:txBody>
       </p:sp>
@@ -8556,7 +11085,7 @@
                     <a:noFill/>
                   </a:ln>
                   <a:solidFill>
-                    <a:srgbClr val="00B0F0"/>
+                    <a:srgbClr val="FFFF00"/>
                   </a:solidFill>
                   <a:effectLst/>
                   <a:latin typeface="+mj-lt"/>
@@ -8571,7 +11100,7 @@
                     <a:noFill/>
                   </a:ln>
                   <a:solidFill>
-                    <a:srgbClr val="00B0F0"/>
+                    <a:srgbClr val="FFFF00"/>
                   </a:solidFill>
                   <a:effectLst/>
                   <a:latin typeface="+mj-lt"/>
@@ -8660,7 +11189,7 @@
               <a:r>
                 <a:rPr lang="zh-TW" altLang="en-US" sz="2400">
                   <a:solidFill>
-                    <a:srgbClr val="00B0F0"/>
+                    <a:srgbClr val="FFFF00"/>
                   </a:solidFill>
                   <a:latin typeface="+mj-lt"/>
                   <a:ea typeface="微軟正黑體" panose="020B0604030504040204" pitchFamily="34" charset="-120"/>
@@ -8671,7 +11200,7 @@
               <a:r>
                 <a:rPr lang="en-US" altLang="zh-TW" sz="2400">
                   <a:solidFill>
-                    <a:srgbClr val="00B0F0"/>
+                    <a:srgbClr val="FFFF00"/>
                   </a:solidFill>
                   <a:latin typeface="+mj-lt"/>
                   <a:ea typeface="微軟正黑體" panose="020B0604030504040204" pitchFamily="34" charset="-120"/>
@@ -9456,7 +11985,7 @@
                     <a:noFill/>
                   </a:ln>
                   <a:solidFill>
-                    <a:srgbClr val="00B0F0"/>
+                    <a:srgbClr val="FFFF00"/>
                   </a:solidFill>
                   <a:effectLst/>
                   <a:latin typeface="+mj-lt"/>
@@ -9471,7 +12000,7 @@
                     <a:noFill/>
                   </a:ln>
                   <a:solidFill>
-                    <a:srgbClr val="00B0F0"/>
+                    <a:srgbClr val="FFFF00"/>
                   </a:solidFill>
                   <a:effectLst/>
                   <a:latin typeface="+mj-lt"/>
@@ -9624,7 +12153,7 @@
                     <a:noFill/>
                   </a:ln>
                   <a:solidFill>
-                    <a:srgbClr val="00B0F0"/>
+                    <a:srgbClr val="FFFF00"/>
                   </a:solidFill>
                   <a:effectLst/>
                   <a:latin typeface="+mj-lt"/>
@@ -9639,7 +12168,7 @@
                     <a:noFill/>
                   </a:ln>
                   <a:solidFill>
-                    <a:srgbClr val="00B0F0"/>
+                    <a:srgbClr val="FFFF00"/>
                   </a:solidFill>
                   <a:effectLst/>
                   <a:latin typeface="+mj-lt"/>
@@ -9742,7 +12271,7 @@
               <a:r>
                 <a:rPr lang="zh-TW" altLang="en-US" sz="2000">
                   <a:solidFill>
-                    <a:srgbClr val="00B0F0"/>
+                    <a:srgbClr val="FFFF00"/>
                   </a:solidFill>
                   <a:latin typeface="+mj-lt"/>
                   <a:ea typeface="微軟正黑體" panose="020B0604030504040204" pitchFamily="34" charset="-120"/>
@@ -9753,7 +12282,7 @@
               <a:r>
                 <a:rPr lang="en-US" altLang="zh-TW" sz="2000">
                   <a:solidFill>
-                    <a:srgbClr val="00B0F0"/>
+                    <a:srgbClr val="FFFF00"/>
                   </a:solidFill>
                   <a:latin typeface="+mj-lt"/>
                   <a:ea typeface="微軟正黑體" panose="020B0604030504040204" pitchFamily="34" charset="-120"/>
@@ -12961,7 +15490,7 @@
                     <a:noFill/>
                   </a:ln>
                   <a:solidFill>
-                    <a:srgbClr val="00B0F0"/>
+                    <a:srgbClr val="92D050"/>
                   </a:solidFill>
                   <a:effectLst/>
                   <a:latin typeface="+mj-lt"/>
@@ -13087,7 +15616,7 @@
                     <a:noFill/>
                   </a:ln>
                   <a:solidFill>
-                    <a:srgbClr val="00B0F0"/>
+                    <a:srgbClr val="FFFF00"/>
                   </a:solidFill>
                   <a:effectLst/>
                   <a:latin typeface="+mj-lt"/>
@@ -13102,7 +15631,7 @@
                     <a:noFill/>
                   </a:ln>
                   <a:solidFill>
-                    <a:srgbClr val="00B0F0"/>
+                    <a:srgbClr val="FFFF00"/>
                   </a:solidFill>
                   <a:effectLst/>
                   <a:latin typeface="+mj-lt"/>
@@ -13213,7 +15742,7 @@
                     <a:noFill/>
                   </a:ln>
                   <a:solidFill>
-                    <a:srgbClr val="00B0F0"/>
+                    <a:srgbClr val="FFFF00"/>
                   </a:solidFill>
                   <a:effectLst/>
                   <a:latin typeface="+mj-lt"/>
@@ -13228,7 +15757,7 @@
                     <a:noFill/>
                   </a:ln>
                   <a:solidFill>
-                    <a:srgbClr val="00B0F0"/>
+                    <a:srgbClr val="FFFF00"/>
                   </a:solidFill>
                   <a:effectLst/>
                   <a:latin typeface="+mj-lt"/>
@@ -13324,7 +15853,7 @@
                     <a:noFill/>
                   </a:ln>
                   <a:solidFill>
-                    <a:srgbClr val="00B0F0"/>
+                    <a:srgbClr val="FFFF00"/>
                   </a:solidFill>
                   <a:effectLst/>
                   <a:latin typeface="+mj-lt"/>
@@ -13339,7 +15868,7 @@
                     <a:noFill/>
                   </a:ln>
                   <a:solidFill>
-                    <a:srgbClr val="00B0F0"/>
+                    <a:srgbClr val="FFFF00"/>
                   </a:solidFill>
                   <a:effectLst/>
                   <a:latin typeface="+mj-lt"/>

--- a/powerpoint/06_流程控制.pptx
+++ b/powerpoint/06_流程控制.pptx
@@ -16,6 +16,7 @@
     <p:sldId id="264" r:id="rId10"/>
     <p:sldId id="266" r:id="rId11"/>
     <p:sldId id="265" r:id="rId12"/>
+    <p:sldId id="267" r:id="rId13"/>
   </p:sldIdLst>
   <p:sldSz cx="12192000" cy="6858000"/>
   <p:notesSz cx="6858000" cy="9144000"/>
@@ -9784,7 +9785,7 @@
         </p:nvSpPr>
         <p:spPr>
           <a:xfrm>
-            <a:off x="838200" y="1117414"/>
+            <a:off x="838200" y="1081928"/>
             <a:ext cx="10515600" cy="487269"/>
           </a:xfrm>
         </p:spPr>
@@ -9825,7 +9826,7 @@
         </p:nvGrpSpPr>
         <p:grpSpPr>
           <a:xfrm>
-            <a:off x="838200" y="1604683"/>
+            <a:off x="838200" y="1569197"/>
             <a:ext cx="10515600" cy="1200329"/>
             <a:chOff x="838200" y="2642475"/>
             <a:chExt cx="10515600" cy="1200329"/>
@@ -9938,6 +9939,17 @@
                 <a:t>(</a:t>
               </a:r>
               <a:r>
+                <a:rPr lang="zh-TW" altLang="en-US" sz="2400">
+                  <a:solidFill>
+                    <a:srgbClr val="92D050"/>
+                  </a:solidFill>
+                  <a:latin typeface="+mj-ea"/>
+                  <a:ea typeface="+mj-ea"/>
+                  <a:cs typeface="JetBrains Mono" panose="02000009000000000000" pitchFamily="49" charset="0"/>
+                </a:rPr>
+                <a:t>⓪</a:t>
+              </a:r>
+              <a:r>
                 <a:rPr kumimoji="0" lang="zh-TW" altLang="en-US" sz="2400" b="0" i="0" u="none" strike="noStrike" cap="none" normalizeH="0" baseline="0">
                   <a:ln>
                     <a:noFill/>
@@ -9967,6 +9979,32 @@
                 <a:t>;</a:t>
               </a:r>
               <a:r>
+                <a:rPr kumimoji="0" lang="en-US" altLang="zh-TW" sz="2400" b="0" i="0" u="none" strike="noStrike" cap="none" normalizeH="0" baseline="0">
+                  <a:ln>
+                    <a:noFill/>
+                  </a:ln>
+                  <a:solidFill>
+                    <a:srgbClr val="00B0F0"/>
+                  </a:solidFill>
+                  <a:effectLst/>
+                  <a:latin typeface="+mj-lt"/>
+                  <a:ea typeface="+mj-ea"/>
+                  <a:cs typeface="JetBrains Mono" panose="02000009000000000000" pitchFamily="49" charset="0"/>
+                </a:rPr>
+                <a:t> </a:t>
+              </a:r>
+              <a:r>
+                <a:rPr lang="en-US" altLang="zh-TW" sz="2400">
+                  <a:solidFill>
+                    <a:srgbClr val="00B0F0"/>
+                  </a:solidFill>
+                  <a:latin typeface="+mj-ea"/>
+                  <a:ea typeface="+mj-ea"/>
+                  <a:cs typeface="JetBrains Mono" panose="02000009000000000000" pitchFamily="49" charset="0"/>
+                </a:rPr>
+                <a:t>➀</a:t>
+              </a:r>
+              <a:r>
                 <a:rPr kumimoji="0" lang="zh-TW" altLang="zh-TW" sz="2400" b="0" i="0" u="none" strike="noStrike" cap="none" normalizeH="0" baseline="0">
                   <a:ln>
                     <a:noFill/>
@@ -10036,7 +10074,18 @@
                   <a:latin typeface="+mj-lt"/>
                   <a:cs typeface="JetBrains Mono" panose="02000009000000000000" pitchFamily="49" charset="0"/>
                 </a:rPr>
-                <a:t>;</a:t>
+                <a:t>; </a:t>
+              </a:r>
+              <a:r>
+                <a:rPr lang="en-US" altLang="zh-TW" sz="2400">
+                  <a:solidFill>
+                    <a:srgbClr val="FFC000"/>
+                  </a:solidFill>
+                  <a:latin typeface="+mj-lt"/>
+                  <a:ea typeface="+mj-ea"/>
+                  <a:cs typeface="JetBrains Mono" panose="02000009000000000000" pitchFamily="49" charset="0"/>
+                </a:rPr>
+                <a:t>➂</a:t>
               </a:r>
               <a:r>
                 <a:rPr kumimoji="0" lang="zh-TW" altLang="en-US" sz="2400" b="0" i="0" u="none" strike="noStrike" cap="none" normalizeH="0" baseline="0">
@@ -10095,6 +10144,32 @@
                 <a:t>    </a:t>
               </a:r>
               <a:r>
+                <a:rPr lang="zh-TW" altLang="en-US" sz="2400">
+                  <a:solidFill>
+                    <a:srgbClr val="FFFF00"/>
+                  </a:solidFill>
+                  <a:latin typeface="+mj-lt"/>
+                  <a:ea typeface="微軟正黑體" panose="020B0604030504040204" pitchFamily="34" charset="-120"/>
+                  <a:cs typeface="JetBrains Mono" panose="02000009000000000000" pitchFamily="49" charset="0"/>
+                </a:rPr>
+                <a:t>➁</a:t>
+              </a:r>
+              <a:r>
+                <a:rPr kumimoji="0" lang="zh-TW" altLang="en-US" sz="2400" b="0" i="0" u="none" strike="noStrike" cap="none" normalizeH="0" baseline="0">
+                  <a:ln>
+                    <a:noFill/>
+                  </a:ln>
+                  <a:solidFill>
+                    <a:srgbClr val="FFFF00"/>
+                  </a:solidFill>
+                  <a:effectLst/>
+                  <a:latin typeface="+mj-lt"/>
+                  <a:ea typeface="微軟正黑體" panose="020B0604030504040204" pitchFamily="34" charset="-120"/>
+                  <a:cs typeface="JetBrains Mono" panose="02000009000000000000" pitchFamily="49" charset="0"/>
+                </a:rPr>
+                <a:t>陳</a:t>
+              </a:r>
+              <a:r>
                 <a:rPr kumimoji="0" lang="zh-TW" altLang="zh-TW" sz="2400" b="0" i="0" u="none" strike="noStrike" cap="none" normalizeH="0" baseline="0">
                   <a:ln>
                     <a:noFill/>
@@ -10107,7 +10182,7 @@
                   <a:ea typeface="微軟正黑體" panose="020B0604030504040204" pitchFamily="34" charset="-120"/>
                   <a:cs typeface="JetBrains Mono" panose="02000009000000000000" pitchFamily="49" charset="0"/>
                 </a:rPr>
-                <a:t>陳述式</a:t>
+                <a:t>述式</a:t>
               </a:r>
               <a:r>
                 <a:rPr kumimoji="0" lang="zh-TW" altLang="zh-TW" sz="2400" b="0" i="0" u="none" strike="noStrike" cap="none" normalizeH="0" baseline="0">
@@ -10224,8 +10299,8 @@
         </p:nvSpPr>
         <p:spPr>
           <a:xfrm>
-            <a:off x="838200" y="2885694"/>
-            <a:ext cx="10515600" cy="3515106"/>
+            <a:off x="838200" y="2850208"/>
+            <a:ext cx="10515600" cy="3577860"/>
           </a:xfrm>
           <a:prstGeom prst="rect">
             <a:avLst/>
@@ -10401,10 +10476,6 @@
           </a:lstStyle>
           <a:p>
             <a:r>
-              <a:rPr lang="zh-TW" altLang="en-US"/>
-              <a:t>其中，</a:t>
-            </a:r>
-            <a:r>
               <a:rPr lang="zh-TW" altLang="en-US">
                 <a:solidFill>
                   <a:srgbClr val="92D050"/>
@@ -10438,7 +10509,19 @@
             </a:r>
             <a:r>
               <a:rPr lang="zh-TW" altLang="en-US"/>
-              <a:t>皆可省略</a:t>
+              <a:t>皆可省略，</a:t>
+            </a:r>
+            <a:r>
+              <a:rPr lang="zh-TW" altLang="en-US">
+                <a:solidFill>
+                  <a:srgbClr val="00B0F0"/>
+                </a:solidFill>
+              </a:rPr>
+              <a:t>執行條件</a:t>
+            </a:r>
+            <a:r>
+              <a:rPr lang="zh-TW" altLang="en-US"/>
+              <a:t>預設為真</a:t>
             </a:r>
             <a:endParaRPr lang="en-US" altLang="zh-TW"/>
           </a:p>
@@ -10522,26 +10605,230 @@
           <a:p>
             <a:r>
               <a:rPr lang="zh-TW" altLang="en-US"/>
-              <a:t>若 </a:t>
-            </a:r>
-            <a:r>
-              <a:rPr lang="en-US" altLang="zh-TW">
-                <a:solidFill>
-                  <a:srgbClr val="CF8E6D"/>
-                </a:solidFill>
+              <a:t>執行順序：</a:t>
+            </a:r>
+            <a:r>
+              <a:rPr lang="zh-TW" altLang="en-US" sz="2800">
+                <a:solidFill>
+                  <a:srgbClr val="92D050"/>
+                </a:solidFill>
+                <a:latin typeface="+mj-ea"/>
+                <a:ea typeface="+mj-ea"/>
+                <a:cs typeface="JetBrains Mono" panose="02000009000000000000" pitchFamily="49" charset="0"/>
               </a:rPr>
-              <a:t>for </a:t>
-            </a:r>
-            <a:r>
-              <a:rPr lang="zh-TW" altLang="en-US"/>
-              <a:t>後方的區塊內只有一行陳述式</a:t>
+              <a:t>⓪</a:t>
+            </a:r>
+            <a:r>
+              <a:rPr lang="en-US" altLang="zh-TW" sz="2800">
+                <a:latin typeface="+mj-ea"/>
+                <a:ea typeface="+mj-ea"/>
+                <a:cs typeface="JetBrains Mono" panose="02000009000000000000" pitchFamily="49" charset="0"/>
+              </a:rPr>
+              <a:t>-&gt;</a:t>
+            </a:r>
+            <a:r>
+              <a:rPr lang="en-US" altLang="zh-TW" sz="2800">
+                <a:solidFill>
+                  <a:srgbClr val="00B0F0"/>
+                </a:solidFill>
+                <a:latin typeface="+mj-ea"/>
+                <a:ea typeface="+mj-ea"/>
+                <a:cs typeface="JetBrains Mono" panose="02000009000000000000" pitchFamily="49" charset="0"/>
+              </a:rPr>
+              <a:t>➀</a:t>
+            </a:r>
+            <a:r>
+              <a:rPr lang="en-US" altLang="zh-TW" sz="2800">
+                <a:latin typeface="+mj-ea"/>
+                <a:ea typeface="+mj-ea"/>
+                <a:cs typeface="JetBrains Mono" panose="02000009000000000000" pitchFamily="49" charset="0"/>
+              </a:rPr>
+              <a:t>-&gt;</a:t>
+            </a:r>
+            <a:r>
+              <a:rPr lang="zh-TW" altLang="en-US" sz="2800">
+                <a:solidFill>
+                  <a:srgbClr val="FFFF00"/>
+                </a:solidFill>
+                <a:latin typeface="+mj-ea"/>
+                <a:ea typeface="+mj-ea"/>
+                <a:cs typeface="JetBrains Mono" panose="02000009000000000000" pitchFamily="49" charset="0"/>
+              </a:rPr>
+              <a:t>➁</a:t>
+            </a:r>
+            <a:r>
+              <a:rPr lang="en-US" altLang="zh-TW" sz="2800">
+                <a:latin typeface="+mj-ea"/>
+                <a:ea typeface="+mj-ea"/>
+                <a:cs typeface="JetBrains Mono" panose="02000009000000000000" pitchFamily="49" charset="0"/>
+              </a:rPr>
+              <a:t>-&gt;</a:t>
+            </a:r>
+            <a:r>
+              <a:rPr lang="en-US" altLang="zh-TW" sz="2800">
+                <a:solidFill>
+                  <a:srgbClr val="FFC000"/>
+                </a:solidFill>
+                <a:latin typeface="+mj-ea"/>
+                <a:ea typeface="+mj-ea"/>
+                <a:cs typeface="JetBrains Mono" panose="02000009000000000000" pitchFamily="49" charset="0"/>
+              </a:rPr>
+              <a:t>➂</a:t>
+            </a:r>
+            <a:r>
+              <a:rPr lang="en-US" altLang="zh-TW" sz="2800">
+                <a:latin typeface="+mj-ea"/>
+                <a:ea typeface="+mj-ea"/>
+                <a:cs typeface="JetBrains Mono" panose="02000009000000000000" pitchFamily="49" charset="0"/>
+              </a:rPr>
+              <a:t>-&gt;</a:t>
+            </a:r>
+            <a:r>
+              <a:rPr lang="en-US" altLang="zh-TW" sz="2800">
+                <a:solidFill>
+                  <a:srgbClr val="00B0F0"/>
+                </a:solidFill>
+                <a:latin typeface="+mj-ea"/>
+                <a:ea typeface="+mj-ea"/>
+                <a:cs typeface="JetBrains Mono" panose="02000009000000000000" pitchFamily="49" charset="0"/>
+              </a:rPr>
+              <a:t>➀</a:t>
+            </a:r>
+            <a:r>
+              <a:rPr lang="en-US" altLang="zh-TW" sz="2800">
+                <a:latin typeface="+mj-ea"/>
+                <a:ea typeface="+mj-ea"/>
+                <a:cs typeface="JetBrains Mono" panose="02000009000000000000" pitchFamily="49" charset="0"/>
+              </a:rPr>
+              <a:t>-&gt;</a:t>
+            </a:r>
+            <a:r>
+              <a:rPr lang="zh-TW" altLang="en-US" sz="2800">
+                <a:solidFill>
+                  <a:srgbClr val="FFFF00"/>
+                </a:solidFill>
+                <a:latin typeface="+mj-ea"/>
+                <a:ea typeface="+mj-ea"/>
+                <a:cs typeface="JetBrains Mono" panose="02000009000000000000" pitchFamily="49" charset="0"/>
+              </a:rPr>
+              <a:t>➁</a:t>
+            </a:r>
+            <a:r>
+              <a:rPr lang="en-US" altLang="zh-TW" sz="2800">
+                <a:latin typeface="+mj-ea"/>
+                <a:ea typeface="+mj-ea"/>
+                <a:cs typeface="JetBrains Mono" panose="02000009000000000000" pitchFamily="49" charset="0"/>
+              </a:rPr>
+              <a:t>-&gt;</a:t>
+            </a:r>
+            <a:r>
+              <a:rPr lang="en-US" altLang="zh-TW" sz="2800">
+                <a:solidFill>
+                  <a:srgbClr val="FFC000"/>
+                </a:solidFill>
+                <a:latin typeface="+mj-ea"/>
+                <a:ea typeface="+mj-ea"/>
+                <a:cs typeface="JetBrains Mono" panose="02000009000000000000" pitchFamily="49" charset="0"/>
+              </a:rPr>
+              <a:t>➂</a:t>
+            </a:r>
+            <a:r>
+              <a:rPr lang="en-US" altLang="zh-TW" sz="2800">
+                <a:latin typeface="+mj-ea"/>
+                <a:ea typeface="+mj-ea"/>
+                <a:cs typeface="JetBrains Mono" panose="02000009000000000000" pitchFamily="49" charset="0"/>
+              </a:rPr>
+              <a:t>-&gt;</a:t>
+            </a:r>
+            <a:r>
+              <a:rPr lang="en-US" altLang="zh-TW" sz="2800">
+                <a:solidFill>
+                  <a:srgbClr val="00B0F0"/>
+                </a:solidFill>
+                <a:latin typeface="+mj-ea"/>
+                <a:ea typeface="+mj-ea"/>
+                <a:cs typeface="JetBrains Mono" panose="02000009000000000000" pitchFamily="49" charset="0"/>
+              </a:rPr>
+              <a:t>➀</a:t>
+            </a:r>
+            <a:r>
+              <a:rPr lang="en-US" altLang="zh-TW" sz="2800">
+                <a:latin typeface="+mj-ea"/>
+                <a:ea typeface="+mj-ea"/>
+                <a:cs typeface="JetBrains Mono" panose="02000009000000000000" pitchFamily="49" charset="0"/>
+              </a:rPr>
+              <a:t>-&gt;</a:t>
+            </a:r>
+            <a:r>
+              <a:rPr lang="zh-TW" altLang="en-US" sz="2800">
+                <a:solidFill>
+                  <a:srgbClr val="FFFF00"/>
+                </a:solidFill>
+                <a:latin typeface="+mj-ea"/>
+                <a:ea typeface="+mj-ea"/>
+                <a:cs typeface="JetBrains Mono" panose="02000009000000000000" pitchFamily="49" charset="0"/>
+              </a:rPr>
+              <a:t>➁</a:t>
+            </a:r>
+            <a:r>
+              <a:rPr lang="en-US" altLang="zh-TW" sz="2800">
+                <a:latin typeface="+mj-ea"/>
+                <a:ea typeface="+mj-ea"/>
+                <a:cs typeface="JetBrains Mono" panose="02000009000000000000" pitchFamily="49" charset="0"/>
+              </a:rPr>
+              <a:t>-&gt;</a:t>
+            </a:r>
+            <a:r>
+              <a:rPr lang="en-US" altLang="zh-TW" sz="2800">
+                <a:solidFill>
+                  <a:srgbClr val="FFC000"/>
+                </a:solidFill>
+                <a:latin typeface="+mj-ea"/>
+                <a:ea typeface="+mj-ea"/>
+                <a:cs typeface="JetBrains Mono" panose="02000009000000000000" pitchFamily="49" charset="0"/>
+              </a:rPr>
+              <a:t>➂</a:t>
+            </a:r>
+            <a:r>
+              <a:rPr lang="en-US" altLang="zh-TW" sz="2800">
+                <a:latin typeface="+mj-ea"/>
+                <a:ea typeface="+mj-ea"/>
+                <a:cs typeface="JetBrains Mono" panose="02000009000000000000" pitchFamily="49" charset="0"/>
+              </a:rPr>
+              <a:t>-&gt;</a:t>
+            </a:r>
+            <a:r>
+              <a:rPr lang="en-US" altLang="zh-TW" sz="2800">
+                <a:ea typeface="+mj-ea"/>
+                <a:cs typeface="JetBrains Mono" panose="02000009000000000000" pitchFamily="49" charset="0"/>
+              </a:rPr>
+              <a:t>...</a:t>
             </a:r>
             <a:endParaRPr lang="en-US" altLang="zh-TW"/>
           </a:p>
           <a:p>
             <a:r>
               <a:rPr lang="zh-TW" altLang="en-US"/>
-              <a:t>則可以不寫程式碼區塊，直接寫陳述式</a:t>
+              <a:t>若 </a:t>
+            </a:r>
+            <a:r>
+              <a:rPr lang="en-US" altLang="zh-TW">
+                <a:solidFill>
+                  <a:srgbClr val="CF8E6D"/>
+                </a:solidFill>
+              </a:rPr>
+              <a:t>for </a:t>
+            </a:r>
+            <a:r>
+              <a:rPr lang="zh-TW" altLang="en-US"/>
+              <a:t>後方的區塊內只有一行陳述式</a:t>
+            </a:r>
+            <a:endParaRPr lang="en-US" altLang="zh-TW"/>
+          </a:p>
+          <a:p>
+            <a:r>
+              <a:rPr lang="zh-TW" altLang="en-US"/>
+              <a:t>則可以不寫區塊，直接寫陳述式</a:t>
             </a:r>
             <a:endParaRPr lang="en-US" altLang="zh-TW"/>
           </a:p>
@@ -10560,6 +10847,3560 @@
   <p:transition spd="slow">
     <p:push dir="u"/>
   </p:transition>
+</p:sld>
+</file>
+
+<file path=ppt/slides/slide12.xml><?xml version="1.0" encoding="utf-8"?>
+<p:sld xmlns:a="http://schemas.openxmlformats.org/drawingml/2006/main" xmlns:r="http://schemas.openxmlformats.org/officeDocument/2006/relationships" xmlns:p="http://schemas.openxmlformats.org/presentationml/2006/main">
+  <p:cSld>
+    <p:spTree>
+      <p:nvGrpSpPr>
+        <p:cNvPr id="1" name=""/>
+        <p:cNvGrpSpPr/>
+        <p:nvPr/>
+      </p:nvGrpSpPr>
+      <p:grpSpPr>
+        <a:xfrm>
+          <a:off x="0" y="0"/>
+          <a:ext cx="0" cy="0"/>
+          <a:chOff x="0" y="0"/>
+          <a:chExt cx="0" cy="0"/>
+        </a:xfrm>
+      </p:grpSpPr>
+      <p:sp>
+        <p:nvSpPr>
+          <p:cNvPr id="2" name="標題 1">
+            <a:extLst>
+              <a:ext uri="{FF2B5EF4-FFF2-40B4-BE49-F238E27FC236}">
+                <a16:creationId xmlns:a16="http://schemas.microsoft.com/office/drawing/2014/main" id="{EF55ECDA-815E-4003-8BFF-B68798FB174B}"/>
+              </a:ext>
+            </a:extLst>
+          </p:cNvPr>
+          <p:cNvSpPr>
+            <a:spLocks noGrp="1"/>
+          </p:cNvSpPr>
+          <p:nvPr>
+            <p:ph type="title"/>
+          </p:nvPr>
+        </p:nvSpPr>
+        <p:spPr>
+          <a:xfrm>
+            <a:off x="838200" y="0"/>
+            <a:ext cx="10515600" cy="1325563"/>
+          </a:xfrm>
+        </p:spPr>
+        <p:txBody>
+          <a:bodyPr/>
+          <a:lstStyle/>
+          <a:p>
+            <a:r>
+              <a:rPr lang="en-US" altLang="zh-TW"/>
+              <a:t>for</a:t>
+            </a:r>
+            <a:endParaRPr lang="zh-TW" altLang="en-US"/>
+          </a:p>
+        </p:txBody>
+      </p:sp>
+      <p:grpSp>
+        <p:nvGrpSpPr>
+          <p:cNvPr id="4" name="群組 3">
+            <a:extLst>
+              <a:ext uri="{FF2B5EF4-FFF2-40B4-BE49-F238E27FC236}">
+                <a16:creationId xmlns:a16="http://schemas.microsoft.com/office/drawing/2014/main" id="{14DA7382-80F8-4874-8D41-60D47A10D7D9}"/>
+              </a:ext>
+            </a:extLst>
+          </p:cNvPr>
+          <p:cNvGrpSpPr/>
+          <p:nvPr/>
+        </p:nvGrpSpPr>
+        <p:grpSpPr>
+          <a:xfrm>
+            <a:off x="838200" y="1024039"/>
+            <a:ext cx="11004530" cy="2893100"/>
+            <a:chOff x="377072" y="3545156"/>
+            <a:chExt cx="11004530" cy="2893100"/>
+          </a:xfrm>
+        </p:grpSpPr>
+        <p:sp>
+          <p:nvSpPr>
+            <p:cNvPr id="5" name="Rectangle 1">
+              <a:extLst>
+                <a:ext uri="{FF2B5EF4-FFF2-40B4-BE49-F238E27FC236}">
+                  <a16:creationId xmlns:a16="http://schemas.microsoft.com/office/drawing/2014/main" id="{AFCA8131-BB06-47A7-95DB-73FC1E96FC85}"/>
+                </a:ext>
+              </a:extLst>
+            </p:cNvPr>
+            <p:cNvSpPr>
+              <a:spLocks noChangeArrowheads="1"/>
+            </p:cNvSpPr>
+            <p:nvPr/>
+          </p:nvSpPr>
+          <p:spPr bwMode="auto">
+            <a:xfrm>
+              <a:off x="377072" y="3545156"/>
+              <a:ext cx="11004530" cy="2893100"/>
+            </a:xfrm>
+            <a:prstGeom prst="rect">
+              <a:avLst/>
+            </a:prstGeom>
+            <a:solidFill>
+              <a:srgbClr val="1E1F22"/>
+            </a:solidFill>
+            <a:ln>
+              <a:noFill/>
+            </a:ln>
+            <a:effectLst/>
+            <a:extLst>
+              <a:ext uri="{91240B29-F687-4F45-9708-019B960494DF}">
+                <a14:hiddenLine xmlns:a14="http://schemas.microsoft.com/office/drawing/2010/main" w="9525">
+                  <a:solidFill>
+                    <a:schemeClr val="tx1"/>
+                  </a:solidFill>
+                  <a:miter lim="800000"/>
+                  <a:headEnd/>
+                  <a:tailEnd/>
+                </a14:hiddenLine>
+              </a:ext>
+              <a:ext uri="{AF507438-7753-43E0-B8FC-AC1667EBCBE1}">
+                <a14:hiddenEffects xmlns:a14="http://schemas.microsoft.com/office/drawing/2010/main">
+                  <a:effectLst>
+                    <a:outerShdw dist="35921" dir="2700000" algn="ctr" rotWithShape="0">
+                      <a:schemeClr val="bg2"/>
+                    </a:outerShdw>
+                  </a:effectLst>
+                </a14:hiddenEffects>
+              </a:ext>
+            </a:extLst>
+          </p:spPr>
+          <p:txBody>
+            <a:bodyPr vert="horz" wrap="square" lIns="91440" tIns="45720" rIns="91440" bIns="45720" numCol="1" anchor="ctr" anchorCtr="0" compatLnSpc="1">
+              <a:prstTxWarp prst="textNoShape">
+                <a:avLst/>
+              </a:prstTxWarp>
+              <a:spAutoFit/>
+            </a:bodyPr>
+            <a:lstStyle/>
+            <a:p>
+              <a:pPr eaLnBrk="0" fontAlgn="base" hangingPunct="0">
+                <a:spcBef>
+                  <a:spcPct val="0"/>
+                </a:spcBef>
+                <a:spcAft>
+                  <a:spcPct val="0"/>
+                </a:spcAft>
+              </a:pPr>
+              <a:r>
+                <a:rPr kumimoji="0" lang="en-US" altLang="zh-TW" sz="1400" b="0" i="0" u="none" strike="noStrike" cap="none" normalizeH="0" baseline="0">
+                  <a:ln>
+                    <a:noFill/>
+                  </a:ln>
+                  <a:solidFill>
+                    <a:srgbClr val="CF8E6D"/>
+                  </a:solidFill>
+                  <a:effectLst/>
+                  <a:latin typeface="+mj-lt"/>
+                  <a:cs typeface="JetBrains Mono" panose="02000009000000000000" pitchFamily="49" charset="0"/>
+                </a:rPr>
+                <a:t>public </a:t>
+              </a:r>
+              <a:r>
+                <a:rPr kumimoji="0" lang="zh-TW" altLang="zh-TW" sz="1400" b="0" i="0" u="none" strike="noStrike" cap="none" normalizeH="0" baseline="0">
+                  <a:ln>
+                    <a:noFill/>
+                  </a:ln>
+                  <a:solidFill>
+                    <a:srgbClr val="CF8E6D"/>
+                  </a:solidFill>
+                  <a:effectLst/>
+                  <a:latin typeface="+mj-lt"/>
+                  <a:cs typeface="JetBrains Mono" panose="02000009000000000000" pitchFamily="49" charset="0"/>
+                </a:rPr>
+                <a:t>class </a:t>
+              </a:r>
+              <a:r>
+                <a:rPr kumimoji="0" lang="zh-TW" altLang="zh-TW" sz="1400" b="0" i="0" u="none" strike="noStrike" cap="none" normalizeH="0" baseline="0">
+                  <a:ln>
+                    <a:noFill/>
+                  </a:ln>
+                  <a:solidFill>
+                    <a:srgbClr val="BCBEC4"/>
+                  </a:solidFill>
+                  <a:effectLst/>
+                  <a:latin typeface="+mj-lt"/>
+                  <a:cs typeface="JetBrains Mono" panose="02000009000000000000" pitchFamily="49" charset="0"/>
+                </a:rPr>
+                <a:t>Main {</a:t>
+              </a:r>
+              <a:br>
+                <a:rPr kumimoji="0" lang="zh-TW" altLang="zh-TW" sz="1400" b="0" i="0" u="none" strike="noStrike" cap="none" normalizeH="0" baseline="0">
+                  <a:ln>
+                    <a:noFill/>
+                  </a:ln>
+                  <a:solidFill>
+                    <a:srgbClr val="BCBEC4"/>
+                  </a:solidFill>
+                  <a:effectLst/>
+                  <a:latin typeface="+mj-lt"/>
+                  <a:cs typeface="JetBrains Mono" panose="02000009000000000000" pitchFamily="49" charset="0"/>
+                </a:rPr>
+              </a:br>
+              <a:r>
+                <a:rPr kumimoji="0" lang="zh-TW" altLang="zh-TW" sz="1400" b="0" i="0" u="none" strike="noStrike" cap="none" normalizeH="0" baseline="0">
+                  <a:ln>
+                    <a:noFill/>
+                  </a:ln>
+                  <a:solidFill>
+                    <a:srgbClr val="BCBEC4"/>
+                  </a:solidFill>
+                  <a:effectLst/>
+                  <a:latin typeface="+mj-lt"/>
+                  <a:cs typeface="JetBrains Mono" panose="02000009000000000000" pitchFamily="49" charset="0"/>
+                </a:rPr>
+                <a:t>    </a:t>
+              </a:r>
+              <a:r>
+                <a:rPr kumimoji="0" lang="zh-TW" altLang="zh-TW" sz="1400" b="0" i="0" u="none" strike="noStrike" cap="none" normalizeH="0" baseline="0">
+                  <a:ln>
+                    <a:noFill/>
+                  </a:ln>
+                  <a:solidFill>
+                    <a:srgbClr val="CF8E6D"/>
+                  </a:solidFill>
+                  <a:effectLst/>
+                  <a:latin typeface="+mj-lt"/>
+                  <a:cs typeface="JetBrains Mono" panose="02000009000000000000" pitchFamily="49" charset="0"/>
+                </a:rPr>
+                <a:t>public static void </a:t>
+              </a:r>
+              <a:r>
+                <a:rPr kumimoji="0" lang="zh-TW" altLang="zh-TW" sz="1400" b="0" i="0" u="none" strike="noStrike" cap="none" normalizeH="0" baseline="0">
+                  <a:ln>
+                    <a:noFill/>
+                  </a:ln>
+                  <a:solidFill>
+                    <a:srgbClr val="56A8F5"/>
+                  </a:solidFill>
+                  <a:effectLst/>
+                  <a:latin typeface="+mj-lt"/>
+                  <a:cs typeface="JetBrains Mono" panose="02000009000000000000" pitchFamily="49" charset="0"/>
+                </a:rPr>
+                <a:t>main</a:t>
+              </a:r>
+              <a:r>
+                <a:rPr kumimoji="0" lang="zh-TW" altLang="zh-TW" sz="1400" b="0" i="0" u="none" strike="noStrike" cap="none" normalizeH="0" baseline="0">
+                  <a:ln>
+                    <a:noFill/>
+                  </a:ln>
+                  <a:solidFill>
+                    <a:srgbClr val="BCBEC4"/>
+                  </a:solidFill>
+                  <a:effectLst/>
+                  <a:latin typeface="+mj-lt"/>
+                  <a:cs typeface="JetBrains Mono" panose="02000009000000000000" pitchFamily="49" charset="0"/>
+                </a:rPr>
+                <a:t>(String[] args) {</a:t>
+              </a:r>
+              <a:br>
+                <a:rPr kumimoji="0" lang="zh-TW" altLang="zh-TW" sz="1400" b="0" i="0" u="none" strike="noStrike" cap="none" normalizeH="0" baseline="0">
+                  <a:ln>
+                    <a:noFill/>
+                  </a:ln>
+                  <a:solidFill>
+                    <a:srgbClr val="BCBEC4"/>
+                  </a:solidFill>
+                  <a:effectLst/>
+                  <a:latin typeface="+mj-lt"/>
+                  <a:cs typeface="JetBrains Mono" panose="02000009000000000000" pitchFamily="49" charset="0"/>
+                </a:rPr>
+              </a:br>
+              <a:r>
+                <a:rPr kumimoji="0" lang="zh-TW" altLang="zh-TW" sz="1400" b="0" i="0" u="none" strike="noStrike" cap="none" normalizeH="0" baseline="0">
+                  <a:ln>
+                    <a:noFill/>
+                  </a:ln>
+                  <a:solidFill>
+                    <a:srgbClr val="BCBEC4"/>
+                  </a:solidFill>
+                  <a:effectLst/>
+                  <a:latin typeface="+mj-lt"/>
+                  <a:cs typeface="JetBrains Mono" panose="02000009000000000000" pitchFamily="49" charset="0"/>
+                </a:rPr>
+                <a:t>        </a:t>
+              </a:r>
+              <a:r>
+                <a:rPr kumimoji="0" lang="zh-TW" altLang="zh-TW" sz="1400" b="0" i="0" u="none" strike="noStrike" cap="none" normalizeH="0" baseline="0">
+                  <a:ln>
+                    <a:noFill/>
+                  </a:ln>
+                  <a:solidFill>
+                    <a:srgbClr val="CF8E6D"/>
+                  </a:solidFill>
+                  <a:effectLst/>
+                  <a:latin typeface="+mj-lt"/>
+                  <a:cs typeface="JetBrains Mono" panose="02000009000000000000" pitchFamily="49" charset="0"/>
+                </a:rPr>
+                <a:t>int </a:t>
+              </a:r>
+              <a:r>
+                <a:rPr kumimoji="0" lang="zh-TW" altLang="zh-TW" sz="1400" b="0" i="0" u="none" strike="noStrike" cap="none" normalizeH="0" baseline="0">
+                  <a:ln>
+                    <a:noFill/>
+                  </a:ln>
+                  <a:solidFill>
+                    <a:srgbClr val="BCBEC4"/>
+                  </a:solidFill>
+                  <a:effectLst/>
+                  <a:latin typeface="+mj-lt"/>
+                  <a:cs typeface="JetBrains Mono" panose="02000009000000000000" pitchFamily="49" charset="0"/>
+                </a:rPr>
+                <a:t>i = </a:t>
+              </a:r>
+              <a:r>
+                <a:rPr kumimoji="0" lang="zh-TW" altLang="zh-TW" sz="1400" b="0" i="0" u="none" strike="noStrike" cap="none" normalizeH="0" baseline="0">
+                  <a:ln>
+                    <a:noFill/>
+                  </a:ln>
+                  <a:solidFill>
+                    <a:srgbClr val="2AACB8"/>
+                  </a:solidFill>
+                  <a:effectLst/>
+                  <a:latin typeface="+mj-lt"/>
+                  <a:cs typeface="JetBrains Mono" panose="02000009000000000000" pitchFamily="49" charset="0"/>
+                </a:rPr>
+                <a:t>1</a:t>
+              </a:r>
+              <a:r>
+                <a:rPr kumimoji="0" lang="zh-TW" altLang="zh-TW" sz="1400" b="0" i="0" u="none" strike="noStrike" cap="none" normalizeH="0" baseline="0">
+                  <a:ln>
+                    <a:noFill/>
+                  </a:ln>
+                  <a:solidFill>
+                    <a:srgbClr val="BCBEC4"/>
+                  </a:solidFill>
+                  <a:effectLst/>
+                  <a:latin typeface="+mj-lt"/>
+                  <a:cs typeface="JetBrains Mono" panose="02000009000000000000" pitchFamily="49" charset="0"/>
+                </a:rPr>
+                <a:t>;</a:t>
+              </a:r>
+              <a:br>
+                <a:rPr kumimoji="0" lang="zh-TW" altLang="zh-TW" sz="1400" b="0" i="0" u="none" strike="noStrike" cap="none" normalizeH="0" baseline="0">
+                  <a:ln>
+                    <a:noFill/>
+                  </a:ln>
+                  <a:solidFill>
+                    <a:srgbClr val="BCBEC4"/>
+                  </a:solidFill>
+                  <a:effectLst/>
+                  <a:latin typeface="+mj-lt"/>
+                  <a:cs typeface="JetBrains Mono" panose="02000009000000000000" pitchFamily="49" charset="0"/>
+                </a:rPr>
+              </a:br>
+              <a:r>
+                <a:rPr kumimoji="0" lang="zh-TW" altLang="zh-TW" sz="1400" b="0" i="0" u="none" strike="noStrike" cap="none" normalizeH="0" baseline="0">
+                  <a:ln>
+                    <a:noFill/>
+                  </a:ln>
+                  <a:solidFill>
+                    <a:srgbClr val="BCBEC4"/>
+                  </a:solidFill>
+                  <a:effectLst/>
+                  <a:latin typeface="+mj-lt"/>
+                  <a:cs typeface="JetBrains Mono" panose="02000009000000000000" pitchFamily="49" charset="0"/>
+                </a:rPr>
+                <a:t>        </a:t>
+              </a:r>
+              <a:r>
+                <a:rPr kumimoji="0" lang="zh-TW" altLang="zh-TW" sz="1400" b="0" i="0" u="none" strike="noStrike" cap="none" normalizeH="0" baseline="0">
+                  <a:ln>
+                    <a:noFill/>
+                  </a:ln>
+                  <a:solidFill>
+                    <a:srgbClr val="CF8E6D"/>
+                  </a:solidFill>
+                  <a:effectLst/>
+                  <a:latin typeface="+mj-lt"/>
+                  <a:cs typeface="JetBrains Mono" panose="02000009000000000000" pitchFamily="49" charset="0"/>
+                </a:rPr>
+                <a:t>final </a:t>
+              </a:r>
+              <a:r>
+                <a:rPr kumimoji="0" lang="zh-TW" altLang="zh-TW" sz="1400" b="0" i="0" u="none" strike="noStrike" cap="none" normalizeH="0" baseline="0">
+                  <a:ln>
+                    <a:noFill/>
+                  </a:ln>
+                  <a:solidFill>
+                    <a:srgbClr val="BCBEC4"/>
+                  </a:solidFill>
+                  <a:effectLst/>
+                  <a:latin typeface="+mj-lt"/>
+                  <a:cs typeface="JetBrains Mono" panose="02000009000000000000" pitchFamily="49" charset="0"/>
+                </a:rPr>
+                <a:t>String PREFIX = </a:t>
+              </a:r>
+              <a:r>
+                <a:rPr kumimoji="0" lang="zh-TW" altLang="zh-TW" sz="1400" b="0" i="0" u="none" strike="noStrike" cap="none" normalizeH="0" baseline="0">
+                  <a:ln>
+                    <a:noFill/>
+                  </a:ln>
+                  <a:solidFill>
+                    <a:srgbClr val="6AAB73"/>
+                  </a:solidFill>
+                  <a:effectLst/>
+                  <a:latin typeface="+mj-lt"/>
+                  <a:cs typeface="JetBrains Mono" panose="02000009000000000000" pitchFamily="49" charset="0"/>
+                </a:rPr>
+                <a:t>"</a:t>
+              </a:r>
+              <a:r>
+                <a:rPr kumimoji="0" lang="zh-TW" altLang="zh-TW" sz="1400" b="0" i="0" u="none" strike="noStrike" cap="none" normalizeH="0" baseline="0">
+                  <a:ln>
+                    <a:noFill/>
+                  </a:ln>
+                  <a:solidFill>
+                    <a:srgbClr val="6AAB73"/>
+                  </a:solidFill>
+                  <a:effectLst/>
+                  <a:latin typeface="+mj-lt"/>
+                  <a:ea typeface="微軟正黑體" panose="020B0604030504040204" pitchFamily="34" charset="-120"/>
+                  <a:cs typeface="JetBrains Mono" panose="02000009000000000000" pitchFamily="49" charset="0"/>
+                </a:rPr>
+                <a:t>喜歡你的第</a:t>
+              </a:r>
+              <a:r>
+                <a:rPr kumimoji="0" lang="zh-TW" altLang="zh-TW" sz="1400" b="0" i="0" u="none" strike="noStrike" cap="none" normalizeH="0" baseline="0">
+                  <a:ln>
+                    <a:noFill/>
+                  </a:ln>
+                  <a:solidFill>
+                    <a:srgbClr val="6AAB73"/>
+                  </a:solidFill>
+                  <a:effectLst/>
+                  <a:latin typeface="+mj-lt"/>
+                  <a:cs typeface="JetBrains Mono" panose="02000009000000000000" pitchFamily="49" charset="0"/>
+                </a:rPr>
+                <a:t>"</a:t>
+              </a:r>
+              <a:r>
+                <a:rPr kumimoji="0" lang="zh-TW" altLang="zh-TW" sz="1400" b="0" i="0" u="none" strike="noStrike" cap="none" normalizeH="0" baseline="0">
+                  <a:ln>
+                    <a:noFill/>
+                  </a:ln>
+                  <a:solidFill>
+                    <a:srgbClr val="BCBEC4"/>
+                  </a:solidFill>
+                  <a:effectLst/>
+                  <a:latin typeface="+mj-lt"/>
+                  <a:cs typeface="JetBrains Mono" panose="02000009000000000000" pitchFamily="49" charset="0"/>
+                </a:rPr>
+                <a:t>;</a:t>
+              </a:r>
+              <a:br>
+                <a:rPr kumimoji="0" lang="zh-TW" altLang="zh-TW" sz="1400" b="0" i="0" u="none" strike="noStrike" cap="none" normalizeH="0" baseline="0">
+                  <a:ln>
+                    <a:noFill/>
+                  </a:ln>
+                  <a:solidFill>
+                    <a:srgbClr val="BCBEC4"/>
+                  </a:solidFill>
+                  <a:effectLst/>
+                  <a:latin typeface="+mj-lt"/>
+                  <a:cs typeface="JetBrains Mono" panose="02000009000000000000" pitchFamily="49" charset="0"/>
+                </a:rPr>
+              </a:br>
+              <a:r>
+                <a:rPr kumimoji="0" lang="zh-TW" altLang="zh-TW" sz="1400" b="0" i="0" u="none" strike="noStrike" cap="none" normalizeH="0" baseline="0">
+                  <a:ln>
+                    <a:noFill/>
+                  </a:ln>
+                  <a:solidFill>
+                    <a:srgbClr val="BCBEC4"/>
+                  </a:solidFill>
+                  <a:effectLst/>
+                  <a:latin typeface="+mj-lt"/>
+                  <a:cs typeface="JetBrains Mono" panose="02000009000000000000" pitchFamily="49" charset="0"/>
+                </a:rPr>
+                <a:t>        </a:t>
+              </a:r>
+              <a:r>
+                <a:rPr kumimoji="0" lang="zh-TW" altLang="zh-TW" sz="1400" b="0" i="0" u="none" strike="noStrike" cap="none" normalizeH="0" baseline="0">
+                  <a:ln>
+                    <a:noFill/>
+                  </a:ln>
+                  <a:solidFill>
+                    <a:srgbClr val="CF8E6D"/>
+                  </a:solidFill>
+                  <a:effectLst/>
+                  <a:latin typeface="+mj-lt"/>
+                  <a:cs typeface="JetBrains Mono" panose="02000009000000000000" pitchFamily="49" charset="0"/>
+                </a:rPr>
+                <a:t>final </a:t>
+              </a:r>
+              <a:r>
+                <a:rPr kumimoji="0" lang="zh-TW" altLang="zh-TW" sz="1400" b="0" i="0" u="none" strike="noStrike" cap="none" normalizeH="0" baseline="0">
+                  <a:ln>
+                    <a:noFill/>
+                  </a:ln>
+                  <a:solidFill>
+                    <a:srgbClr val="BCBEC4"/>
+                  </a:solidFill>
+                  <a:effectLst/>
+                  <a:latin typeface="+mj-lt"/>
+                  <a:cs typeface="JetBrains Mono" panose="02000009000000000000" pitchFamily="49" charset="0"/>
+                </a:rPr>
+                <a:t>String SUFFIX = </a:t>
+              </a:r>
+              <a:r>
+                <a:rPr kumimoji="0" lang="zh-TW" altLang="zh-TW" sz="1400" b="0" i="0" u="none" strike="noStrike" cap="none" normalizeH="0" baseline="0">
+                  <a:ln>
+                    <a:noFill/>
+                  </a:ln>
+                  <a:solidFill>
+                    <a:srgbClr val="CF8E6D"/>
+                  </a:solidFill>
+                  <a:effectLst/>
+                  <a:latin typeface="+mj-lt"/>
+                  <a:cs typeface="JetBrains Mono" panose="02000009000000000000" pitchFamily="49" charset="0"/>
+                </a:rPr>
+                <a:t>new </a:t>
+              </a:r>
+              <a:r>
+                <a:rPr kumimoji="0" lang="zh-TW" altLang="zh-TW" sz="1400" b="0" i="0" u="none" strike="noStrike" cap="none" normalizeH="0" baseline="0">
+                  <a:ln>
+                    <a:noFill/>
+                  </a:ln>
+                  <a:solidFill>
+                    <a:srgbClr val="BCBEC4"/>
+                  </a:solidFill>
+                  <a:effectLst/>
+                  <a:latin typeface="+mj-lt"/>
+                  <a:cs typeface="JetBrains Mono" panose="02000009000000000000" pitchFamily="49" charset="0"/>
+                </a:rPr>
+                <a:t>String(</a:t>
+              </a:r>
+              <a:r>
+                <a:rPr kumimoji="0" lang="zh-TW" altLang="zh-TW" sz="1400" b="0" i="0" u="none" strike="noStrike" cap="none" normalizeH="0" baseline="0">
+                  <a:ln>
+                    <a:noFill/>
+                  </a:ln>
+                  <a:solidFill>
+                    <a:srgbClr val="6AAB73"/>
+                  </a:solidFill>
+                  <a:effectLst/>
+                  <a:latin typeface="+mj-lt"/>
+                  <a:cs typeface="JetBrains Mono" panose="02000009000000000000" pitchFamily="49" charset="0"/>
+                </a:rPr>
+                <a:t>"</a:t>
+              </a:r>
+              <a:r>
+                <a:rPr kumimoji="0" lang="zh-TW" altLang="zh-TW" sz="1400" b="0" i="0" u="none" strike="noStrike" cap="none" normalizeH="0" baseline="0">
+                  <a:ln>
+                    <a:noFill/>
+                  </a:ln>
+                  <a:solidFill>
+                    <a:srgbClr val="6AAB73"/>
+                  </a:solidFill>
+                  <a:effectLst/>
+                  <a:latin typeface="+mj-lt"/>
+                  <a:ea typeface="微軟正黑體" panose="020B0604030504040204" pitchFamily="34" charset="-120"/>
+                  <a:cs typeface="JetBrains Mono" panose="02000009000000000000" pitchFamily="49" charset="0"/>
+                </a:rPr>
+                <a:t>年，我還是沒告白</a:t>
+              </a:r>
+              <a:r>
+                <a:rPr kumimoji="0" lang="zh-TW" altLang="zh-TW" sz="1400" b="0" i="0" u="none" strike="noStrike" cap="none" normalizeH="0" baseline="0">
+                  <a:ln>
+                    <a:noFill/>
+                  </a:ln>
+                  <a:solidFill>
+                    <a:srgbClr val="6AAB73"/>
+                  </a:solidFill>
+                  <a:effectLst/>
+                  <a:latin typeface="+mj-lt"/>
+                  <a:cs typeface="JetBrains Mono" panose="02000009000000000000" pitchFamily="49" charset="0"/>
+                </a:rPr>
+                <a:t>"</a:t>
+              </a:r>
+              <a:r>
+                <a:rPr kumimoji="0" lang="zh-TW" altLang="zh-TW" sz="1400" b="0" i="0" u="none" strike="noStrike" cap="none" normalizeH="0" baseline="0">
+                  <a:ln>
+                    <a:noFill/>
+                  </a:ln>
+                  <a:solidFill>
+                    <a:srgbClr val="BCBEC4"/>
+                  </a:solidFill>
+                  <a:effectLst/>
+                  <a:latin typeface="+mj-lt"/>
+                  <a:cs typeface="JetBrains Mono" panose="02000009000000000000" pitchFamily="49" charset="0"/>
+                </a:rPr>
+                <a:t>);</a:t>
+              </a:r>
+              <a:br>
+                <a:rPr kumimoji="0" lang="zh-TW" altLang="zh-TW" sz="1400" b="0" i="0" u="none" strike="noStrike" cap="none" normalizeH="0" baseline="0">
+                  <a:ln>
+                    <a:noFill/>
+                  </a:ln>
+                  <a:solidFill>
+                    <a:srgbClr val="BCBEC4"/>
+                  </a:solidFill>
+                  <a:effectLst/>
+                  <a:latin typeface="+mj-lt"/>
+                  <a:cs typeface="JetBrains Mono" panose="02000009000000000000" pitchFamily="49" charset="0"/>
+                </a:rPr>
+              </a:br>
+              <a:r>
+                <a:rPr kumimoji="0" lang="zh-TW" altLang="zh-TW" sz="1400" b="0" i="0" u="none" strike="noStrike" cap="none" normalizeH="0" baseline="0">
+                  <a:ln>
+                    <a:noFill/>
+                  </a:ln>
+                  <a:solidFill>
+                    <a:srgbClr val="BCBEC4"/>
+                  </a:solidFill>
+                  <a:effectLst/>
+                  <a:latin typeface="+mj-lt"/>
+                  <a:cs typeface="JetBrains Mono" panose="02000009000000000000" pitchFamily="49" charset="0"/>
+                </a:rPr>
+                <a:t>        System.</a:t>
+              </a:r>
+              <a:r>
+                <a:rPr kumimoji="0" lang="zh-TW" altLang="zh-TW" sz="1400" b="0" i="1" u="none" strike="noStrike" cap="none" normalizeH="0" baseline="0">
+                  <a:ln>
+                    <a:noFill/>
+                  </a:ln>
+                  <a:solidFill>
+                    <a:srgbClr val="C77DBB"/>
+                  </a:solidFill>
+                  <a:effectLst/>
+                  <a:latin typeface="+mj-lt"/>
+                  <a:cs typeface="JetBrains Mono" panose="02000009000000000000" pitchFamily="49" charset="0"/>
+                </a:rPr>
+                <a:t>out</a:t>
+              </a:r>
+              <a:r>
+                <a:rPr kumimoji="0" lang="zh-TW" altLang="zh-TW" sz="1400" b="0" i="0" u="none" strike="noStrike" cap="none" normalizeH="0" baseline="0">
+                  <a:ln>
+                    <a:noFill/>
+                  </a:ln>
+                  <a:solidFill>
+                    <a:srgbClr val="BCBEC4"/>
+                  </a:solidFill>
+                  <a:effectLst/>
+                  <a:latin typeface="+mj-lt"/>
+                  <a:cs typeface="JetBrains Mono" panose="02000009000000000000" pitchFamily="49" charset="0"/>
+                </a:rPr>
+                <a:t>.println(PREFIX + i++ + </a:t>
+              </a:r>
+              <a:r>
+                <a:rPr kumimoji="0" lang="zh-TW" altLang="zh-TW" sz="1400" b="0" i="0" u="none" strike="noStrike" cap="none" normalizeH="0" baseline="0">
+                  <a:ln>
+                    <a:noFill/>
+                  </a:ln>
+                  <a:solidFill>
+                    <a:srgbClr val="6AAB73"/>
+                  </a:solidFill>
+                  <a:effectLst/>
+                  <a:latin typeface="+mj-lt"/>
+                  <a:cs typeface="JetBrains Mono" panose="02000009000000000000" pitchFamily="49" charset="0"/>
+                </a:rPr>
+                <a:t>"</a:t>
+              </a:r>
+              <a:r>
+                <a:rPr kumimoji="0" lang="zh-TW" altLang="zh-TW" sz="1400" b="0" i="0" u="none" strike="noStrike" cap="none" normalizeH="0" baseline="0">
+                  <a:ln>
+                    <a:noFill/>
+                  </a:ln>
+                  <a:solidFill>
+                    <a:srgbClr val="6AAB73"/>
+                  </a:solidFill>
+                  <a:effectLst/>
+                  <a:latin typeface="+mj-lt"/>
+                  <a:ea typeface="微軟正黑體" panose="020B0604030504040204" pitchFamily="34" charset="-120"/>
+                  <a:cs typeface="JetBrains Mono" panose="02000009000000000000" pitchFamily="49" charset="0"/>
+                </a:rPr>
+                <a:t>年，我還沒有告白</a:t>
+              </a:r>
+              <a:r>
+                <a:rPr kumimoji="0" lang="zh-TW" altLang="zh-TW" sz="1400" b="0" i="0" u="none" strike="noStrike" cap="none" normalizeH="0" baseline="0">
+                  <a:ln>
+                    <a:noFill/>
+                  </a:ln>
+                  <a:solidFill>
+                    <a:srgbClr val="6AAB73"/>
+                  </a:solidFill>
+                  <a:effectLst/>
+                  <a:latin typeface="+mj-lt"/>
+                  <a:cs typeface="JetBrains Mono" panose="02000009000000000000" pitchFamily="49" charset="0"/>
+                </a:rPr>
+                <a:t>"</a:t>
+              </a:r>
+              <a:r>
+                <a:rPr kumimoji="0" lang="zh-TW" altLang="zh-TW" sz="1400" b="0" i="0" u="none" strike="noStrike" cap="none" normalizeH="0" baseline="0">
+                  <a:ln>
+                    <a:noFill/>
+                  </a:ln>
+                  <a:solidFill>
+                    <a:srgbClr val="BCBEC4"/>
+                  </a:solidFill>
+                  <a:effectLst/>
+                  <a:latin typeface="+mj-lt"/>
+                  <a:cs typeface="JetBrains Mono" panose="02000009000000000000" pitchFamily="49" charset="0"/>
+                </a:rPr>
+                <a:t>);</a:t>
+              </a:r>
+              <a:br>
+                <a:rPr kumimoji="0" lang="zh-TW" altLang="zh-TW" sz="1400" b="0" i="0" u="none" strike="noStrike" cap="none" normalizeH="0" baseline="0">
+                  <a:ln>
+                    <a:noFill/>
+                  </a:ln>
+                  <a:solidFill>
+                    <a:srgbClr val="BCBEC4"/>
+                  </a:solidFill>
+                  <a:effectLst/>
+                  <a:latin typeface="+mj-lt"/>
+                  <a:cs typeface="JetBrains Mono" panose="02000009000000000000" pitchFamily="49" charset="0"/>
+                </a:rPr>
+              </a:br>
+              <a:r>
+                <a:rPr kumimoji="0" lang="zh-TW" altLang="zh-TW" sz="1400" b="0" i="0" u="none" strike="noStrike" cap="none" normalizeH="0" baseline="0">
+                  <a:ln>
+                    <a:noFill/>
+                  </a:ln>
+                  <a:solidFill>
+                    <a:srgbClr val="BCBEC4"/>
+                  </a:solidFill>
+                  <a:effectLst/>
+                  <a:latin typeface="+mj-lt"/>
+                  <a:cs typeface="JetBrains Mono" panose="02000009000000000000" pitchFamily="49" charset="0"/>
+                </a:rPr>
+                <a:t>        System.</a:t>
+              </a:r>
+              <a:r>
+                <a:rPr kumimoji="0" lang="zh-TW" altLang="zh-TW" sz="1400" b="0" i="1" u="none" strike="noStrike" cap="none" normalizeH="0" baseline="0">
+                  <a:ln>
+                    <a:noFill/>
+                  </a:ln>
+                  <a:solidFill>
+                    <a:srgbClr val="C77DBB"/>
+                  </a:solidFill>
+                  <a:effectLst/>
+                  <a:latin typeface="+mj-lt"/>
+                  <a:cs typeface="JetBrains Mono" panose="02000009000000000000" pitchFamily="49" charset="0"/>
+                </a:rPr>
+                <a:t>out</a:t>
+              </a:r>
+              <a:r>
+                <a:rPr kumimoji="0" lang="zh-TW" altLang="zh-TW" sz="1400" b="0" i="0" u="none" strike="noStrike" cap="none" normalizeH="0" baseline="0">
+                  <a:ln>
+                    <a:noFill/>
+                  </a:ln>
+                  <a:solidFill>
+                    <a:srgbClr val="BCBEC4"/>
+                  </a:solidFill>
+                  <a:effectLst/>
+                  <a:latin typeface="+mj-lt"/>
+                  <a:cs typeface="JetBrains Mono" panose="02000009000000000000" pitchFamily="49" charset="0"/>
+                </a:rPr>
+                <a:t>.println(PREFIX + i++ + SUFFIX);</a:t>
+              </a:r>
+              <a:br>
+                <a:rPr kumimoji="0" lang="zh-TW" altLang="zh-TW" sz="1400" b="0" i="0" u="none" strike="noStrike" cap="none" normalizeH="0" baseline="0">
+                  <a:ln>
+                    <a:noFill/>
+                  </a:ln>
+                  <a:solidFill>
+                    <a:srgbClr val="BCBEC4"/>
+                  </a:solidFill>
+                  <a:effectLst/>
+                  <a:latin typeface="+mj-lt"/>
+                  <a:cs typeface="JetBrains Mono" panose="02000009000000000000" pitchFamily="49" charset="0"/>
+                </a:rPr>
+              </a:br>
+              <a:r>
+                <a:rPr kumimoji="0" lang="zh-TW" altLang="zh-TW" sz="1400" b="0" i="0" u="none" strike="noStrike" cap="none" normalizeH="0" baseline="0">
+                  <a:ln>
+                    <a:noFill/>
+                  </a:ln>
+                  <a:solidFill>
+                    <a:srgbClr val="BCBEC4"/>
+                  </a:solidFill>
+                  <a:effectLst/>
+                  <a:latin typeface="+mj-lt"/>
+                  <a:cs typeface="JetBrains Mono" panose="02000009000000000000" pitchFamily="49" charset="0"/>
+                </a:rPr>
+                <a:t>        System.</a:t>
+              </a:r>
+              <a:r>
+                <a:rPr kumimoji="0" lang="zh-TW" altLang="zh-TW" sz="1400" b="0" i="1" u="none" strike="noStrike" cap="none" normalizeH="0" baseline="0">
+                  <a:ln>
+                    <a:noFill/>
+                  </a:ln>
+                  <a:solidFill>
+                    <a:srgbClr val="C77DBB"/>
+                  </a:solidFill>
+                  <a:effectLst/>
+                  <a:latin typeface="+mj-lt"/>
+                  <a:cs typeface="JetBrains Mono" panose="02000009000000000000" pitchFamily="49" charset="0"/>
+                </a:rPr>
+                <a:t>out</a:t>
+              </a:r>
+              <a:r>
+                <a:rPr kumimoji="0" lang="zh-TW" altLang="zh-TW" sz="1400" b="0" i="0" u="none" strike="noStrike" cap="none" normalizeH="0" baseline="0">
+                  <a:ln>
+                    <a:noFill/>
+                  </a:ln>
+                  <a:solidFill>
+                    <a:srgbClr val="BCBEC4"/>
+                  </a:solidFill>
+                  <a:effectLst/>
+                  <a:latin typeface="+mj-lt"/>
+                  <a:cs typeface="JetBrains Mono" panose="02000009000000000000" pitchFamily="49" charset="0"/>
+                </a:rPr>
+                <a:t>.println(PREFIX + i++ + SUFFIX);</a:t>
+              </a:r>
+              <a:br>
+                <a:rPr kumimoji="0" lang="zh-TW" altLang="zh-TW" sz="1400" b="0" i="0" u="none" strike="noStrike" cap="none" normalizeH="0" baseline="0">
+                  <a:ln>
+                    <a:noFill/>
+                  </a:ln>
+                  <a:solidFill>
+                    <a:srgbClr val="BCBEC4"/>
+                  </a:solidFill>
+                  <a:effectLst/>
+                  <a:latin typeface="+mj-lt"/>
+                  <a:cs typeface="JetBrains Mono" panose="02000009000000000000" pitchFamily="49" charset="0"/>
+                </a:rPr>
+              </a:br>
+              <a:r>
+                <a:rPr kumimoji="0" lang="zh-TW" altLang="zh-TW" sz="1400" b="0" i="0" u="none" strike="noStrike" cap="none" normalizeH="0" baseline="0">
+                  <a:ln>
+                    <a:noFill/>
+                  </a:ln>
+                  <a:solidFill>
+                    <a:srgbClr val="BCBEC4"/>
+                  </a:solidFill>
+                  <a:effectLst/>
+                  <a:latin typeface="+mj-lt"/>
+                  <a:cs typeface="JetBrains Mono" panose="02000009000000000000" pitchFamily="49" charset="0"/>
+                </a:rPr>
+                <a:t>        System.</a:t>
+              </a:r>
+              <a:r>
+                <a:rPr kumimoji="0" lang="zh-TW" altLang="zh-TW" sz="1400" b="0" i="1" u="none" strike="noStrike" cap="none" normalizeH="0" baseline="0">
+                  <a:ln>
+                    <a:noFill/>
+                  </a:ln>
+                  <a:solidFill>
+                    <a:srgbClr val="C77DBB"/>
+                  </a:solidFill>
+                  <a:effectLst/>
+                  <a:latin typeface="+mj-lt"/>
+                  <a:cs typeface="JetBrains Mono" panose="02000009000000000000" pitchFamily="49" charset="0"/>
+                </a:rPr>
+                <a:t>out</a:t>
+              </a:r>
+              <a:r>
+                <a:rPr kumimoji="0" lang="zh-TW" altLang="zh-TW" sz="1400" b="0" i="0" u="none" strike="noStrike" cap="none" normalizeH="0" baseline="0">
+                  <a:ln>
+                    <a:noFill/>
+                  </a:ln>
+                  <a:solidFill>
+                    <a:srgbClr val="BCBEC4"/>
+                  </a:solidFill>
+                  <a:effectLst/>
+                  <a:latin typeface="+mj-lt"/>
+                  <a:cs typeface="JetBrains Mono" panose="02000009000000000000" pitchFamily="49" charset="0"/>
+                </a:rPr>
+                <a:t>.println(PREFIX + i++ + SUFFIX);</a:t>
+              </a:r>
+              <a:br>
+                <a:rPr kumimoji="0" lang="zh-TW" altLang="zh-TW" sz="1400" b="0" i="0" u="none" strike="noStrike" cap="none" normalizeH="0" baseline="0">
+                  <a:ln>
+                    <a:noFill/>
+                  </a:ln>
+                  <a:solidFill>
+                    <a:srgbClr val="BCBEC4"/>
+                  </a:solidFill>
+                  <a:effectLst/>
+                  <a:latin typeface="+mj-lt"/>
+                  <a:cs typeface="JetBrains Mono" panose="02000009000000000000" pitchFamily="49" charset="0"/>
+                </a:rPr>
+              </a:br>
+              <a:r>
+                <a:rPr kumimoji="0" lang="zh-TW" altLang="zh-TW" sz="1400" b="0" i="0" u="none" strike="noStrike" cap="none" normalizeH="0" baseline="0">
+                  <a:ln>
+                    <a:noFill/>
+                  </a:ln>
+                  <a:solidFill>
+                    <a:srgbClr val="BCBEC4"/>
+                  </a:solidFill>
+                  <a:effectLst/>
+                  <a:latin typeface="+mj-lt"/>
+                  <a:cs typeface="JetBrains Mono" panose="02000009000000000000" pitchFamily="49" charset="0"/>
+                </a:rPr>
+                <a:t>        System.</a:t>
+              </a:r>
+              <a:r>
+                <a:rPr kumimoji="0" lang="zh-TW" altLang="zh-TW" sz="1400" b="0" i="1" u="none" strike="noStrike" cap="none" normalizeH="0" baseline="0">
+                  <a:ln>
+                    <a:noFill/>
+                  </a:ln>
+                  <a:solidFill>
+                    <a:srgbClr val="C77DBB"/>
+                  </a:solidFill>
+                  <a:effectLst/>
+                  <a:latin typeface="+mj-lt"/>
+                  <a:cs typeface="JetBrains Mono" panose="02000009000000000000" pitchFamily="49" charset="0"/>
+                </a:rPr>
+                <a:t>out</a:t>
+              </a:r>
+              <a:r>
+                <a:rPr kumimoji="0" lang="zh-TW" altLang="zh-TW" sz="1400" b="0" i="0" u="none" strike="noStrike" cap="none" normalizeH="0" baseline="0">
+                  <a:ln>
+                    <a:noFill/>
+                  </a:ln>
+                  <a:solidFill>
+                    <a:srgbClr val="BCBEC4"/>
+                  </a:solidFill>
+                  <a:effectLst/>
+                  <a:latin typeface="+mj-lt"/>
+                  <a:cs typeface="JetBrains Mono" panose="02000009000000000000" pitchFamily="49" charset="0"/>
+                </a:rPr>
+                <a:t>.println(PREFIX + i++ + SUFFIX);</a:t>
+              </a:r>
+              <a:br>
+                <a:rPr kumimoji="0" lang="zh-TW" altLang="zh-TW" sz="1400" b="0" i="0" u="none" strike="noStrike" cap="none" normalizeH="0" baseline="0">
+                  <a:ln>
+                    <a:noFill/>
+                  </a:ln>
+                  <a:solidFill>
+                    <a:srgbClr val="BCBEC4"/>
+                  </a:solidFill>
+                  <a:effectLst/>
+                  <a:latin typeface="+mj-lt"/>
+                  <a:cs typeface="JetBrains Mono" panose="02000009000000000000" pitchFamily="49" charset="0"/>
+                </a:rPr>
+              </a:br>
+              <a:r>
+                <a:rPr kumimoji="0" lang="zh-TW" altLang="zh-TW" sz="1400" b="0" i="0" u="none" strike="noStrike" cap="none" normalizeH="0" baseline="0">
+                  <a:ln>
+                    <a:noFill/>
+                  </a:ln>
+                  <a:solidFill>
+                    <a:srgbClr val="BCBEC4"/>
+                  </a:solidFill>
+                  <a:effectLst/>
+                  <a:latin typeface="+mj-lt"/>
+                  <a:cs typeface="JetBrains Mono" panose="02000009000000000000" pitchFamily="49" charset="0"/>
+                </a:rPr>
+                <a:t>        System.</a:t>
+              </a:r>
+              <a:r>
+                <a:rPr kumimoji="0" lang="zh-TW" altLang="zh-TW" sz="1400" b="0" i="1" u="none" strike="noStrike" cap="none" normalizeH="0" baseline="0">
+                  <a:ln>
+                    <a:noFill/>
+                  </a:ln>
+                  <a:solidFill>
+                    <a:srgbClr val="C77DBB"/>
+                  </a:solidFill>
+                  <a:effectLst/>
+                  <a:latin typeface="+mj-lt"/>
+                  <a:cs typeface="JetBrains Mono" panose="02000009000000000000" pitchFamily="49" charset="0"/>
+                </a:rPr>
+                <a:t>out</a:t>
+              </a:r>
+              <a:r>
+                <a:rPr kumimoji="0" lang="zh-TW" altLang="zh-TW" sz="1400" b="0" i="0" u="none" strike="noStrike" cap="none" normalizeH="0" baseline="0">
+                  <a:ln>
+                    <a:noFill/>
+                  </a:ln>
+                  <a:solidFill>
+                    <a:srgbClr val="BCBEC4"/>
+                  </a:solidFill>
+                  <a:effectLst/>
+                  <a:latin typeface="+mj-lt"/>
+                  <a:cs typeface="JetBrains Mono" panose="02000009000000000000" pitchFamily="49" charset="0"/>
+                </a:rPr>
+                <a:t>.println(PREFIX + i++ + </a:t>
+              </a:r>
+              <a:r>
+                <a:rPr kumimoji="0" lang="zh-TW" altLang="zh-TW" sz="1400" b="0" i="0" u="none" strike="noStrike" cap="none" normalizeH="0" baseline="0">
+                  <a:ln>
+                    <a:noFill/>
+                  </a:ln>
+                  <a:solidFill>
+                    <a:srgbClr val="6AAB73"/>
+                  </a:solidFill>
+                  <a:effectLst/>
+                  <a:latin typeface="+mj-lt"/>
+                  <a:cs typeface="JetBrains Mono" panose="02000009000000000000" pitchFamily="49" charset="0"/>
+                </a:rPr>
+                <a:t>"</a:t>
+              </a:r>
+              <a:r>
+                <a:rPr kumimoji="0" lang="zh-TW" altLang="zh-TW" sz="1400" b="0" i="0" u="none" strike="noStrike" cap="none" normalizeH="0" baseline="0">
+                  <a:ln>
+                    <a:noFill/>
+                  </a:ln>
+                  <a:solidFill>
+                    <a:srgbClr val="6AAB73"/>
+                  </a:solidFill>
+                  <a:effectLst/>
+                  <a:latin typeface="+mj-lt"/>
+                  <a:ea typeface="微軟正黑體" panose="020B0604030504040204" pitchFamily="34" charset="-120"/>
+                  <a:cs typeface="JetBrains Mono" panose="02000009000000000000" pitchFamily="49" charset="0"/>
+                </a:rPr>
+                <a:t>年，我終於告白了</a:t>
+              </a:r>
+              <a:r>
+                <a:rPr kumimoji="0" lang="zh-TW" altLang="zh-TW" sz="1400" b="0" i="0" u="none" strike="noStrike" cap="none" normalizeH="0" baseline="0">
+                  <a:ln>
+                    <a:noFill/>
+                  </a:ln>
+                  <a:solidFill>
+                    <a:srgbClr val="6AAB73"/>
+                  </a:solidFill>
+                  <a:effectLst/>
+                  <a:latin typeface="+mj-lt"/>
+                  <a:cs typeface="JetBrains Mono" panose="02000009000000000000" pitchFamily="49" charset="0"/>
+                </a:rPr>
+                <a:t>"</a:t>
+              </a:r>
+              <a:r>
+                <a:rPr kumimoji="0" lang="zh-TW" altLang="zh-TW" sz="1400" b="0" i="0" u="none" strike="noStrike" cap="none" normalizeH="0" baseline="0">
+                  <a:ln>
+                    <a:noFill/>
+                  </a:ln>
+                  <a:solidFill>
+                    <a:srgbClr val="BCBEC4"/>
+                  </a:solidFill>
+                  <a:effectLst/>
+                  <a:latin typeface="+mj-lt"/>
+                  <a:cs typeface="JetBrains Mono" panose="02000009000000000000" pitchFamily="49" charset="0"/>
+                </a:rPr>
+                <a:t>);</a:t>
+              </a:r>
+              <a:br>
+                <a:rPr kumimoji="0" lang="zh-TW" altLang="zh-TW" sz="1400" b="0" i="0" u="none" strike="noStrike" cap="none" normalizeH="0" baseline="0">
+                  <a:ln>
+                    <a:noFill/>
+                  </a:ln>
+                  <a:solidFill>
+                    <a:srgbClr val="BCBEC4"/>
+                  </a:solidFill>
+                  <a:effectLst/>
+                  <a:latin typeface="+mj-lt"/>
+                  <a:cs typeface="JetBrains Mono" panose="02000009000000000000" pitchFamily="49" charset="0"/>
+                </a:rPr>
+              </a:br>
+              <a:r>
+                <a:rPr kumimoji="0" lang="zh-TW" altLang="zh-TW" sz="1400" b="0" i="0" u="none" strike="noStrike" cap="none" normalizeH="0" baseline="0">
+                  <a:ln>
+                    <a:noFill/>
+                  </a:ln>
+                  <a:solidFill>
+                    <a:srgbClr val="BCBEC4"/>
+                  </a:solidFill>
+                  <a:effectLst/>
+                  <a:latin typeface="+mj-lt"/>
+                  <a:cs typeface="JetBrains Mono" panose="02000009000000000000" pitchFamily="49" charset="0"/>
+                </a:rPr>
+                <a:t>    }</a:t>
+              </a:r>
+              <a:br>
+                <a:rPr kumimoji="0" lang="zh-TW" altLang="zh-TW" sz="1400" b="0" i="0" u="none" strike="noStrike" cap="none" normalizeH="0" baseline="0">
+                  <a:ln>
+                    <a:noFill/>
+                  </a:ln>
+                  <a:solidFill>
+                    <a:srgbClr val="BCBEC4"/>
+                  </a:solidFill>
+                  <a:effectLst/>
+                  <a:latin typeface="+mj-lt"/>
+                  <a:cs typeface="JetBrains Mono" panose="02000009000000000000" pitchFamily="49" charset="0"/>
+                </a:rPr>
+              </a:br>
+              <a:r>
+                <a:rPr kumimoji="0" lang="zh-TW" altLang="zh-TW" sz="1400" b="0" i="0" u="none" strike="noStrike" cap="none" normalizeH="0" baseline="0">
+                  <a:ln>
+                    <a:noFill/>
+                  </a:ln>
+                  <a:solidFill>
+                    <a:srgbClr val="BCBEC4"/>
+                  </a:solidFill>
+                  <a:effectLst/>
+                  <a:latin typeface="+mj-lt"/>
+                  <a:cs typeface="JetBrains Mono" panose="02000009000000000000" pitchFamily="49" charset="0"/>
+                </a:rPr>
+                <a:t>}</a:t>
+              </a:r>
+              <a:endParaRPr kumimoji="0" lang="zh-TW" altLang="zh-TW" sz="2400" b="0" i="0" u="none" strike="noStrike" cap="none" normalizeH="0" baseline="0">
+                <a:ln>
+                  <a:noFill/>
+                </a:ln>
+                <a:solidFill>
+                  <a:schemeClr val="tx1"/>
+                </a:solidFill>
+                <a:effectLst/>
+                <a:latin typeface="+mj-lt"/>
+              </a:endParaRPr>
+            </a:p>
+          </p:txBody>
+        </p:sp>
+        <p:sp>
+          <p:nvSpPr>
+            <p:cNvPr id="6" name="文字方塊 5">
+              <a:extLst>
+                <a:ext uri="{FF2B5EF4-FFF2-40B4-BE49-F238E27FC236}">
+                  <a16:creationId xmlns:a16="http://schemas.microsoft.com/office/drawing/2014/main" id="{7BC3E72F-C1DA-480D-9B79-3DA01831976A}"/>
+                </a:ext>
+              </a:extLst>
+            </p:cNvPr>
+            <p:cNvSpPr txBox="1"/>
+            <p:nvPr/>
+          </p:nvSpPr>
+          <p:spPr>
+            <a:xfrm>
+              <a:off x="10748094" y="6099702"/>
+              <a:ext cx="633507" cy="338554"/>
+            </a:xfrm>
+            <a:prstGeom prst="rect">
+              <a:avLst/>
+            </a:prstGeom>
+            <a:noFill/>
+          </p:spPr>
+          <p:txBody>
+            <a:bodyPr wrap="none" rtlCol="0">
+              <a:spAutoFit/>
+            </a:bodyPr>
+            <a:lstStyle/>
+            <a:p>
+              <a:r>
+                <a:rPr lang="en-US" altLang="zh-TW" sz="1600">
+                  <a:solidFill>
+                    <a:schemeClr val="accent3"/>
+                  </a:solidFill>
+                </a:rPr>
+                <a:t>java</a:t>
+              </a:r>
+              <a:endParaRPr lang="zh-TW" altLang="en-US" sz="1600">
+                <a:solidFill>
+                  <a:schemeClr val="accent3"/>
+                </a:solidFill>
+              </a:endParaRPr>
+            </a:p>
+          </p:txBody>
+        </p:sp>
+      </p:grpSp>
+      <p:sp>
+        <p:nvSpPr>
+          <p:cNvPr id="10" name="矩形: 圓角 9">
+            <a:extLst>
+              <a:ext uri="{FF2B5EF4-FFF2-40B4-BE49-F238E27FC236}">
+                <a16:creationId xmlns:a16="http://schemas.microsoft.com/office/drawing/2014/main" id="{2F3F7F62-A0A5-4F1F-B9B6-5194D1E37141}"/>
+              </a:ext>
+            </a:extLst>
+          </p:cNvPr>
+          <p:cNvSpPr/>
+          <p:nvPr/>
+        </p:nvSpPr>
+        <p:spPr>
+          <a:xfrm>
+            <a:off x="1654459" y="2380175"/>
+            <a:ext cx="4238341" cy="830997"/>
+          </a:xfrm>
+          <a:prstGeom prst="roundRect">
+            <a:avLst>
+              <a:gd name="adj" fmla="val 10374"/>
+            </a:avLst>
+          </a:prstGeom>
+          <a:noFill/>
+          <a:ln w="28575">
+            <a:solidFill>
+              <a:srgbClr val="FFC000"/>
+            </a:solidFill>
+          </a:ln>
+        </p:spPr>
+        <p:style>
+          <a:lnRef idx="2">
+            <a:schemeClr val="accent1">
+              <a:shade val="50000"/>
+            </a:schemeClr>
+          </a:lnRef>
+          <a:fillRef idx="1">
+            <a:schemeClr val="accent1"/>
+          </a:fillRef>
+          <a:effectRef idx="0">
+            <a:schemeClr val="accent1"/>
+          </a:effectRef>
+          <a:fontRef idx="minor">
+            <a:schemeClr val="lt1"/>
+          </a:fontRef>
+        </p:style>
+        <p:txBody>
+          <a:bodyPr rtlCol="0" anchor="ctr"/>
+          <a:lstStyle/>
+          <a:p>
+            <a:pPr algn="ctr"/>
+            <a:endParaRPr lang="zh-TW" altLang="en-US"/>
+          </a:p>
+        </p:txBody>
+      </p:sp>
+      <p:sp>
+        <p:nvSpPr>
+          <p:cNvPr id="20" name="文字方塊 19">
+            <a:extLst>
+              <a:ext uri="{FF2B5EF4-FFF2-40B4-BE49-F238E27FC236}">
+                <a16:creationId xmlns:a16="http://schemas.microsoft.com/office/drawing/2014/main" id="{1C348BCA-41DF-41A5-8CB6-B7E3B46697AB}"/>
+              </a:ext>
+            </a:extLst>
+          </p:cNvPr>
+          <p:cNvSpPr txBox="1"/>
+          <p:nvPr/>
+        </p:nvSpPr>
+        <p:spPr>
+          <a:xfrm>
+            <a:off x="7858965" y="2394212"/>
+            <a:ext cx="2954655" cy="830997"/>
+          </a:xfrm>
+          <a:prstGeom prst="rect">
+            <a:avLst/>
+          </a:prstGeom>
+          <a:noFill/>
+        </p:spPr>
+        <p:txBody>
+          <a:bodyPr wrap="none" rtlCol="0">
+            <a:spAutoFit/>
+          </a:bodyPr>
+          <a:lstStyle/>
+          <a:p>
+            <a:pPr marL="0" marR="0" lvl="0" indent="0" algn="l" defTabSz="914400" rtl="0" eaLnBrk="1" fontAlgn="auto" latinLnBrk="0" hangingPunct="1">
+              <a:lnSpc>
+                <a:spcPct val="100000"/>
+              </a:lnSpc>
+              <a:spcBef>
+                <a:spcPts val="0"/>
+              </a:spcBef>
+              <a:spcAft>
+                <a:spcPts val="0"/>
+              </a:spcAft>
+              <a:buClrTx/>
+              <a:buSzTx/>
+              <a:buFontTx/>
+              <a:buNone/>
+              <a:tabLst/>
+              <a:defRPr/>
+            </a:pPr>
+            <a:r>
+              <a:rPr kumimoji="0" lang="zh-TW" altLang="en-US" sz="2400" b="0" i="0" u="none" strike="noStrike" kern="1200" cap="none" spc="0" normalizeH="0" baseline="0" noProof="0">
+                <a:ln>
+                  <a:noFill/>
+                </a:ln>
+                <a:solidFill>
+                  <a:srgbClr val="FFC000"/>
+                </a:solidFill>
+                <a:effectLst/>
+                <a:uLnTx/>
+                <a:uFillTx/>
+                <a:latin typeface="Consolas"/>
+                <a:ea typeface="微軟正黑體 Light"/>
+                <a:cs typeface="+mn-cs"/>
+              </a:rPr>
+              <a:t>程式碼有許多行重複</a:t>
+            </a:r>
+            <a:endParaRPr kumimoji="0" lang="en-US" altLang="zh-TW" sz="2400" b="0" i="0" u="none" strike="noStrike" kern="1200" cap="none" spc="0" normalizeH="0" baseline="0" noProof="0">
+              <a:ln>
+                <a:noFill/>
+              </a:ln>
+              <a:solidFill>
+                <a:srgbClr val="FFC000"/>
+              </a:solidFill>
+              <a:effectLst/>
+              <a:uLnTx/>
+              <a:uFillTx/>
+              <a:latin typeface="Consolas"/>
+              <a:ea typeface="微軟正黑體 Light"/>
+              <a:cs typeface="+mn-cs"/>
+            </a:endParaRPr>
+          </a:p>
+          <a:p>
+            <a:pPr marL="0" marR="0" lvl="0" indent="0" algn="l" defTabSz="914400" rtl="0" eaLnBrk="1" fontAlgn="auto" latinLnBrk="0" hangingPunct="1">
+              <a:lnSpc>
+                <a:spcPct val="100000"/>
+              </a:lnSpc>
+              <a:spcBef>
+                <a:spcPts val="0"/>
+              </a:spcBef>
+              <a:spcAft>
+                <a:spcPts val="0"/>
+              </a:spcAft>
+              <a:buClrTx/>
+              <a:buSzTx/>
+              <a:buFontTx/>
+              <a:buNone/>
+              <a:tabLst/>
+              <a:defRPr/>
+            </a:pPr>
+            <a:r>
+              <a:rPr kumimoji="0" lang="zh-TW" altLang="en-US" sz="2400" b="0" i="0" u="none" strike="noStrike" kern="1200" cap="none" spc="0" normalizeH="0" baseline="0" noProof="0">
+                <a:ln>
+                  <a:noFill/>
+                </a:ln>
+                <a:solidFill>
+                  <a:srgbClr val="FFC000"/>
+                </a:solidFill>
+                <a:effectLst/>
+                <a:uLnTx/>
+                <a:uFillTx/>
+                <a:latin typeface="Consolas"/>
+                <a:ea typeface="微軟正黑體 Light"/>
+                <a:cs typeface="+mn-cs"/>
+              </a:rPr>
+              <a:t>適合使用 </a:t>
+            </a:r>
+            <a:r>
+              <a:rPr kumimoji="0" lang="en-US" altLang="zh-TW" sz="2400" b="0" i="0" u="none" strike="noStrike" kern="1200" cap="none" spc="0" normalizeH="0" baseline="0" noProof="0">
+                <a:ln>
+                  <a:noFill/>
+                </a:ln>
+                <a:solidFill>
+                  <a:srgbClr val="FFC000"/>
+                </a:solidFill>
+                <a:effectLst/>
+                <a:uLnTx/>
+                <a:uFillTx/>
+                <a:latin typeface="Consolas"/>
+                <a:ea typeface="微軟正黑體 Light"/>
+                <a:cs typeface="+mn-cs"/>
+              </a:rPr>
+              <a:t>for </a:t>
+            </a:r>
+            <a:r>
+              <a:rPr kumimoji="0" lang="zh-TW" altLang="en-US" sz="2400" b="0" i="0" u="none" strike="noStrike" kern="1200" cap="none" spc="0" normalizeH="0" baseline="0" noProof="0">
+                <a:ln>
+                  <a:noFill/>
+                </a:ln>
+                <a:solidFill>
+                  <a:srgbClr val="FFC000"/>
+                </a:solidFill>
+                <a:effectLst/>
+                <a:uLnTx/>
+                <a:uFillTx/>
+                <a:latin typeface="Consolas"/>
+                <a:ea typeface="微軟正黑體 Light"/>
+                <a:cs typeface="+mn-cs"/>
+              </a:rPr>
+              <a:t>迴圈</a:t>
+            </a:r>
+            <a:endParaRPr kumimoji="0" lang="en-US" altLang="zh-TW" sz="2400" b="0" i="0" u="none" strike="noStrike" kern="1200" cap="none" spc="0" normalizeH="0" baseline="0" noProof="0">
+              <a:ln>
+                <a:noFill/>
+              </a:ln>
+              <a:solidFill>
+                <a:srgbClr val="FFC000"/>
+              </a:solidFill>
+              <a:effectLst/>
+              <a:uLnTx/>
+              <a:uFillTx/>
+              <a:latin typeface="Consolas"/>
+              <a:ea typeface="微軟正黑體 Light"/>
+              <a:cs typeface="+mn-cs"/>
+            </a:endParaRPr>
+          </a:p>
+        </p:txBody>
+      </p:sp>
+      <p:grpSp>
+        <p:nvGrpSpPr>
+          <p:cNvPr id="7" name="群組 6">
+            <a:extLst>
+              <a:ext uri="{FF2B5EF4-FFF2-40B4-BE49-F238E27FC236}">
+                <a16:creationId xmlns:a16="http://schemas.microsoft.com/office/drawing/2014/main" id="{514D4386-7D3D-44FE-9F46-1DC12459C1EA}"/>
+              </a:ext>
+            </a:extLst>
+          </p:cNvPr>
+          <p:cNvGrpSpPr/>
+          <p:nvPr/>
+        </p:nvGrpSpPr>
+        <p:grpSpPr>
+          <a:xfrm>
+            <a:off x="838200" y="4465888"/>
+            <a:ext cx="3821784" cy="1569661"/>
+            <a:chOff x="7532016" y="3452824"/>
+            <a:chExt cx="3821784" cy="1569661"/>
+          </a:xfrm>
+        </p:grpSpPr>
+        <p:sp>
+          <p:nvSpPr>
+            <p:cNvPr id="8" name="Rectangle 1">
+              <a:extLst>
+                <a:ext uri="{FF2B5EF4-FFF2-40B4-BE49-F238E27FC236}">
+                  <a16:creationId xmlns:a16="http://schemas.microsoft.com/office/drawing/2014/main" id="{7F2F1438-F309-49A2-9BAB-EC50BA6F5966}"/>
+                </a:ext>
+              </a:extLst>
+            </p:cNvPr>
+            <p:cNvSpPr>
+              <a:spLocks noChangeArrowheads="1"/>
+            </p:cNvSpPr>
+            <p:nvPr/>
+          </p:nvSpPr>
+          <p:spPr bwMode="auto">
+            <a:xfrm>
+              <a:off x="7532016" y="3452824"/>
+              <a:ext cx="3821784" cy="1569660"/>
+            </a:xfrm>
+            <a:prstGeom prst="rect">
+              <a:avLst/>
+            </a:prstGeom>
+            <a:solidFill>
+              <a:srgbClr val="1E1F22"/>
+            </a:solidFill>
+            <a:ln w="9525">
+              <a:noFill/>
+              <a:miter lim="800000"/>
+              <a:headEnd/>
+              <a:tailEnd/>
+            </a:ln>
+            <a:effectLst/>
+            <a:extLst>
+              <a:ext uri="{AF507438-7753-43E0-B8FC-AC1667EBCBE1}">
+                <a14:hiddenEffects xmlns:a14="http://schemas.microsoft.com/office/drawing/2010/main">
+                  <a:effectLst>
+                    <a:outerShdw dist="35921" dir="2700000" algn="ctr" rotWithShape="0">
+                      <a:schemeClr val="bg2"/>
+                    </a:outerShdw>
+                  </a:effectLst>
+                </a14:hiddenEffects>
+              </a:ext>
+            </a:extLst>
+          </p:spPr>
+          <p:txBody>
+            <a:bodyPr vert="horz" wrap="square" lIns="91440" tIns="45720" rIns="91440" bIns="45720" numCol="1" anchor="ctr" anchorCtr="0" compatLnSpc="1">
+              <a:prstTxWarp prst="textNoShape">
+                <a:avLst/>
+              </a:prstTxWarp>
+              <a:spAutoFit/>
+            </a:bodyPr>
+            <a:lstStyle/>
+            <a:p>
+              <a:r>
+                <a:rPr lang="zh-TW" altLang="en-US" sz="1600">
+                  <a:solidFill>
+                    <a:srgbClr val="BCBEC4"/>
+                  </a:solidFill>
+                  <a:latin typeface="+mj-lt"/>
+                  <a:cs typeface="JetBrains Mono" panose="02000009000000000000" pitchFamily="49" charset="0"/>
+                </a:rPr>
+                <a:t>喜歡你的第</a:t>
+              </a:r>
+              <a:r>
+                <a:rPr lang="en-US" altLang="zh-TW" sz="1600">
+                  <a:solidFill>
+                    <a:srgbClr val="BCBEC4"/>
+                  </a:solidFill>
+                  <a:latin typeface="+mj-lt"/>
+                  <a:cs typeface="JetBrains Mono" panose="02000009000000000000" pitchFamily="49" charset="0"/>
+                </a:rPr>
+                <a:t>1</a:t>
+              </a:r>
+              <a:r>
+                <a:rPr lang="zh-TW" altLang="en-US" sz="1600">
+                  <a:solidFill>
+                    <a:srgbClr val="BCBEC4"/>
+                  </a:solidFill>
+                  <a:latin typeface="+mj-lt"/>
+                  <a:cs typeface="JetBrains Mono" panose="02000009000000000000" pitchFamily="49" charset="0"/>
+                </a:rPr>
+                <a:t>年，我還沒有告白</a:t>
+              </a:r>
+            </a:p>
+            <a:p>
+              <a:r>
+                <a:rPr lang="zh-TW" altLang="en-US" sz="1600">
+                  <a:solidFill>
+                    <a:srgbClr val="BCBEC4"/>
+                  </a:solidFill>
+                  <a:latin typeface="+mj-lt"/>
+                  <a:cs typeface="JetBrains Mono" panose="02000009000000000000" pitchFamily="49" charset="0"/>
+                </a:rPr>
+                <a:t>喜歡你的第</a:t>
+              </a:r>
+              <a:r>
+                <a:rPr lang="en-US" altLang="zh-TW" sz="1600">
+                  <a:solidFill>
+                    <a:srgbClr val="BCBEC4"/>
+                  </a:solidFill>
+                  <a:latin typeface="+mj-lt"/>
+                  <a:cs typeface="JetBrains Mono" panose="02000009000000000000" pitchFamily="49" charset="0"/>
+                </a:rPr>
+                <a:t>2</a:t>
+              </a:r>
+              <a:r>
+                <a:rPr lang="zh-TW" altLang="en-US" sz="1600">
+                  <a:solidFill>
+                    <a:srgbClr val="BCBEC4"/>
+                  </a:solidFill>
+                  <a:latin typeface="+mj-lt"/>
+                  <a:cs typeface="JetBrains Mono" panose="02000009000000000000" pitchFamily="49" charset="0"/>
+                </a:rPr>
+                <a:t>年，我還是沒告白</a:t>
+              </a:r>
+            </a:p>
+            <a:p>
+              <a:r>
+                <a:rPr lang="zh-TW" altLang="en-US" sz="1600">
+                  <a:solidFill>
+                    <a:srgbClr val="BCBEC4"/>
+                  </a:solidFill>
+                  <a:latin typeface="+mj-lt"/>
+                  <a:cs typeface="JetBrains Mono" panose="02000009000000000000" pitchFamily="49" charset="0"/>
+                </a:rPr>
+                <a:t>喜歡你的第</a:t>
+              </a:r>
+              <a:r>
+                <a:rPr lang="en-US" altLang="zh-TW" sz="1600">
+                  <a:solidFill>
+                    <a:srgbClr val="BCBEC4"/>
+                  </a:solidFill>
+                  <a:latin typeface="+mj-lt"/>
+                  <a:cs typeface="JetBrains Mono" panose="02000009000000000000" pitchFamily="49" charset="0"/>
+                </a:rPr>
+                <a:t>3</a:t>
+              </a:r>
+              <a:r>
+                <a:rPr lang="zh-TW" altLang="en-US" sz="1600">
+                  <a:solidFill>
+                    <a:srgbClr val="BCBEC4"/>
+                  </a:solidFill>
+                  <a:latin typeface="+mj-lt"/>
+                  <a:cs typeface="JetBrains Mono" panose="02000009000000000000" pitchFamily="49" charset="0"/>
+                </a:rPr>
+                <a:t>年，我還是沒告白</a:t>
+              </a:r>
+            </a:p>
+            <a:p>
+              <a:r>
+                <a:rPr lang="zh-TW" altLang="en-US" sz="1600">
+                  <a:solidFill>
+                    <a:srgbClr val="BCBEC4"/>
+                  </a:solidFill>
+                  <a:latin typeface="+mj-lt"/>
+                  <a:cs typeface="JetBrains Mono" panose="02000009000000000000" pitchFamily="49" charset="0"/>
+                </a:rPr>
+                <a:t>喜歡你的第</a:t>
+              </a:r>
+              <a:r>
+                <a:rPr lang="en-US" altLang="zh-TW" sz="1600">
+                  <a:solidFill>
+                    <a:srgbClr val="BCBEC4"/>
+                  </a:solidFill>
+                  <a:latin typeface="+mj-lt"/>
+                  <a:cs typeface="JetBrains Mono" panose="02000009000000000000" pitchFamily="49" charset="0"/>
+                </a:rPr>
+                <a:t>4</a:t>
+              </a:r>
+              <a:r>
+                <a:rPr lang="zh-TW" altLang="en-US" sz="1600">
+                  <a:solidFill>
+                    <a:srgbClr val="BCBEC4"/>
+                  </a:solidFill>
+                  <a:latin typeface="+mj-lt"/>
+                  <a:cs typeface="JetBrains Mono" panose="02000009000000000000" pitchFamily="49" charset="0"/>
+                </a:rPr>
+                <a:t>年，我還是沒告白</a:t>
+              </a:r>
+            </a:p>
+            <a:p>
+              <a:r>
+                <a:rPr lang="zh-TW" altLang="en-US" sz="1600">
+                  <a:solidFill>
+                    <a:srgbClr val="BCBEC4"/>
+                  </a:solidFill>
+                  <a:latin typeface="+mj-lt"/>
+                  <a:cs typeface="JetBrains Mono" panose="02000009000000000000" pitchFamily="49" charset="0"/>
+                </a:rPr>
+                <a:t>喜歡你的第</a:t>
+              </a:r>
+              <a:r>
+                <a:rPr lang="en-US" altLang="zh-TW" sz="1600">
+                  <a:solidFill>
+                    <a:srgbClr val="BCBEC4"/>
+                  </a:solidFill>
+                  <a:latin typeface="+mj-lt"/>
+                  <a:cs typeface="JetBrains Mono" panose="02000009000000000000" pitchFamily="49" charset="0"/>
+                </a:rPr>
+                <a:t>5</a:t>
+              </a:r>
+              <a:r>
+                <a:rPr lang="zh-TW" altLang="en-US" sz="1600">
+                  <a:solidFill>
+                    <a:srgbClr val="BCBEC4"/>
+                  </a:solidFill>
+                  <a:latin typeface="+mj-lt"/>
+                  <a:cs typeface="JetBrains Mono" panose="02000009000000000000" pitchFamily="49" charset="0"/>
+                </a:rPr>
+                <a:t>年，我還是沒告白</a:t>
+              </a:r>
+            </a:p>
+            <a:p>
+              <a:r>
+                <a:rPr lang="zh-TW" altLang="en-US" sz="1600">
+                  <a:solidFill>
+                    <a:srgbClr val="BCBEC4"/>
+                  </a:solidFill>
+                  <a:latin typeface="+mj-lt"/>
+                  <a:cs typeface="JetBrains Mono" panose="02000009000000000000" pitchFamily="49" charset="0"/>
+                </a:rPr>
+                <a:t>喜歡你的第</a:t>
+              </a:r>
+              <a:r>
+                <a:rPr lang="en-US" altLang="zh-TW" sz="1600">
+                  <a:solidFill>
+                    <a:srgbClr val="BCBEC4"/>
+                  </a:solidFill>
+                  <a:latin typeface="+mj-lt"/>
+                  <a:cs typeface="JetBrains Mono" panose="02000009000000000000" pitchFamily="49" charset="0"/>
+                </a:rPr>
+                <a:t>6</a:t>
+              </a:r>
+              <a:r>
+                <a:rPr lang="zh-TW" altLang="en-US" sz="1600">
+                  <a:solidFill>
+                    <a:srgbClr val="BCBEC4"/>
+                  </a:solidFill>
+                  <a:latin typeface="+mj-lt"/>
+                  <a:cs typeface="JetBrains Mono" panose="02000009000000000000" pitchFamily="49" charset="0"/>
+                </a:rPr>
+                <a:t>年，我終於告白了</a:t>
+              </a:r>
+            </a:p>
+          </p:txBody>
+        </p:sp>
+        <p:sp>
+          <p:nvSpPr>
+            <p:cNvPr id="9" name="文字方塊 8">
+              <a:extLst>
+                <a:ext uri="{FF2B5EF4-FFF2-40B4-BE49-F238E27FC236}">
+                  <a16:creationId xmlns:a16="http://schemas.microsoft.com/office/drawing/2014/main" id="{F6A0B3F7-84FC-4699-8C6C-7ECB02E21410}"/>
+                </a:ext>
+              </a:extLst>
+            </p:cNvPr>
+            <p:cNvSpPr txBox="1"/>
+            <p:nvPr/>
+          </p:nvSpPr>
+          <p:spPr>
+            <a:xfrm>
+              <a:off x="10495873" y="4683931"/>
+              <a:ext cx="857927" cy="338554"/>
+            </a:xfrm>
+            <a:prstGeom prst="rect">
+              <a:avLst/>
+            </a:prstGeom>
+            <a:noFill/>
+            <a:ln>
+              <a:noFill/>
+            </a:ln>
+          </p:spPr>
+          <p:txBody>
+            <a:bodyPr wrap="none" rtlCol="0">
+              <a:spAutoFit/>
+            </a:bodyPr>
+            <a:lstStyle/>
+            <a:p>
+              <a:r>
+                <a:rPr lang="en-US" altLang="zh-TW" sz="1600">
+                  <a:solidFill>
+                    <a:schemeClr val="accent3"/>
+                  </a:solidFill>
+                </a:rPr>
+                <a:t>output</a:t>
+              </a:r>
+              <a:endParaRPr lang="zh-TW" altLang="en-US" sz="1600">
+                <a:solidFill>
+                  <a:schemeClr val="accent3"/>
+                </a:solidFill>
+              </a:endParaRPr>
+            </a:p>
+          </p:txBody>
+        </p:sp>
+      </p:grpSp>
+      <p:grpSp>
+        <p:nvGrpSpPr>
+          <p:cNvPr id="33" name="群組 32">
+            <a:extLst>
+              <a:ext uri="{FF2B5EF4-FFF2-40B4-BE49-F238E27FC236}">
+                <a16:creationId xmlns:a16="http://schemas.microsoft.com/office/drawing/2014/main" id="{F6533644-16EE-4EE7-B206-FD360D2594A2}"/>
+              </a:ext>
+            </a:extLst>
+          </p:cNvPr>
+          <p:cNvGrpSpPr/>
+          <p:nvPr/>
+        </p:nvGrpSpPr>
+        <p:grpSpPr>
+          <a:xfrm>
+            <a:off x="4935070" y="4019612"/>
+            <a:ext cx="6907660" cy="2462213"/>
+            <a:chOff x="4935070" y="4019612"/>
+            <a:chExt cx="6907660" cy="2462213"/>
+          </a:xfrm>
+        </p:grpSpPr>
+        <p:grpSp>
+          <p:nvGrpSpPr>
+            <p:cNvPr id="31" name="群組 30">
+              <a:extLst>
+                <a:ext uri="{FF2B5EF4-FFF2-40B4-BE49-F238E27FC236}">
+                  <a16:creationId xmlns:a16="http://schemas.microsoft.com/office/drawing/2014/main" id="{83725812-3D36-418C-93F6-650FF74011F3}"/>
+                </a:ext>
+              </a:extLst>
+            </p:cNvPr>
+            <p:cNvGrpSpPr/>
+            <p:nvPr/>
+          </p:nvGrpSpPr>
+          <p:grpSpPr>
+            <a:xfrm>
+              <a:off x="4935070" y="4019612"/>
+              <a:ext cx="6907660" cy="2462213"/>
+              <a:chOff x="4935070" y="4019612"/>
+              <a:chExt cx="6907660" cy="2462213"/>
+            </a:xfrm>
+          </p:grpSpPr>
+          <p:sp>
+            <p:nvSpPr>
+              <p:cNvPr id="28" name="Rectangle 1">
+                <a:extLst>
+                  <a:ext uri="{FF2B5EF4-FFF2-40B4-BE49-F238E27FC236}">
+                    <a16:creationId xmlns:a16="http://schemas.microsoft.com/office/drawing/2014/main" id="{F9C5EFB0-CF8F-4552-9E0D-DB8412A37DCC}"/>
+                  </a:ext>
+                </a:extLst>
+              </p:cNvPr>
+              <p:cNvSpPr>
+                <a:spLocks noChangeArrowheads="1"/>
+              </p:cNvSpPr>
+              <p:nvPr/>
+            </p:nvSpPr>
+            <p:spPr bwMode="auto">
+              <a:xfrm>
+                <a:off x="4935070" y="4019612"/>
+                <a:ext cx="6907660" cy="2462213"/>
+              </a:xfrm>
+              <a:prstGeom prst="rect">
+                <a:avLst/>
+              </a:prstGeom>
+              <a:solidFill>
+                <a:srgbClr val="1E1F22"/>
+              </a:solidFill>
+              <a:ln>
+                <a:noFill/>
+              </a:ln>
+              <a:effectLst/>
+              <a:extLst>
+                <a:ext uri="{91240B29-F687-4F45-9708-019B960494DF}">
+                  <a14:hiddenLine xmlns:a14="http://schemas.microsoft.com/office/drawing/2010/main" w="9525">
+                    <a:solidFill>
+                      <a:schemeClr val="tx1"/>
+                    </a:solidFill>
+                    <a:miter lim="800000"/>
+                    <a:headEnd/>
+                    <a:tailEnd/>
+                  </a14:hiddenLine>
+                </a:ext>
+                <a:ext uri="{AF507438-7753-43E0-B8FC-AC1667EBCBE1}">
+                  <a14:hiddenEffects xmlns:a14="http://schemas.microsoft.com/office/drawing/2010/main">
+                    <a:effectLst>
+                      <a:outerShdw dist="35921" dir="2700000" algn="ctr" rotWithShape="0">
+                        <a:schemeClr val="bg2"/>
+                      </a:outerShdw>
+                    </a:effectLst>
+                  </a14:hiddenEffects>
+                </a:ext>
+              </a:extLst>
+            </p:spPr>
+            <p:txBody>
+              <a:bodyPr vert="horz" wrap="none" lIns="91440" tIns="45720" rIns="91440" bIns="45720" numCol="1" anchor="ctr" anchorCtr="0" compatLnSpc="1">
+                <a:prstTxWarp prst="textNoShape">
+                  <a:avLst/>
+                </a:prstTxWarp>
+                <a:spAutoFit/>
+              </a:bodyPr>
+              <a:lstStyle/>
+              <a:p>
+                <a:pPr marL="0" marR="0" lvl="0" indent="0" algn="l" defTabSz="914400" rtl="0" eaLnBrk="0" fontAlgn="base" latinLnBrk="0" hangingPunct="0">
+                  <a:lnSpc>
+                    <a:spcPct val="100000"/>
+                  </a:lnSpc>
+                  <a:spcBef>
+                    <a:spcPct val="0"/>
+                  </a:spcBef>
+                  <a:spcAft>
+                    <a:spcPct val="0"/>
+                  </a:spcAft>
+                  <a:buClrTx/>
+                  <a:buSzTx/>
+                  <a:buFontTx/>
+                  <a:buNone/>
+                  <a:tabLst/>
+                </a:pPr>
+                <a:r>
+                  <a:rPr kumimoji="0" lang="zh-TW" altLang="zh-TW" sz="1400" b="0" i="0" u="none" strike="noStrike" cap="none" normalizeH="0" baseline="0">
+                    <a:ln>
+                      <a:noFill/>
+                    </a:ln>
+                    <a:solidFill>
+                      <a:srgbClr val="CF8E6D"/>
+                    </a:solidFill>
+                    <a:effectLst/>
+                    <a:latin typeface="+mj-lt"/>
+                    <a:cs typeface="JetBrains Mono" panose="02000009000000000000" pitchFamily="49" charset="0"/>
+                  </a:rPr>
+                  <a:t>public class </a:t>
+                </a:r>
+                <a:r>
+                  <a:rPr kumimoji="0" lang="zh-TW" altLang="zh-TW" sz="1400" b="0" i="0" u="none" strike="noStrike" cap="none" normalizeH="0" baseline="0">
+                    <a:ln>
+                      <a:noFill/>
+                    </a:ln>
+                    <a:solidFill>
+                      <a:srgbClr val="BCBEC4"/>
+                    </a:solidFill>
+                    <a:effectLst/>
+                    <a:latin typeface="+mj-lt"/>
+                    <a:cs typeface="JetBrains Mono" panose="02000009000000000000" pitchFamily="49" charset="0"/>
+                  </a:rPr>
+                  <a:t>Main {</a:t>
+                </a:r>
+                <a:br>
+                  <a:rPr kumimoji="0" lang="zh-TW" altLang="zh-TW" sz="1400" b="0" i="0" u="none" strike="noStrike" cap="none" normalizeH="0" baseline="0">
+                    <a:ln>
+                      <a:noFill/>
+                    </a:ln>
+                    <a:solidFill>
+                      <a:srgbClr val="BCBEC4"/>
+                    </a:solidFill>
+                    <a:effectLst/>
+                    <a:latin typeface="+mj-lt"/>
+                    <a:cs typeface="JetBrains Mono" panose="02000009000000000000" pitchFamily="49" charset="0"/>
+                  </a:rPr>
+                </a:br>
+                <a:r>
+                  <a:rPr kumimoji="0" lang="zh-TW" altLang="zh-TW" sz="1400" b="0" i="0" u="none" strike="noStrike" cap="none" normalizeH="0" baseline="0">
+                    <a:ln>
+                      <a:noFill/>
+                    </a:ln>
+                    <a:solidFill>
+                      <a:srgbClr val="BCBEC4"/>
+                    </a:solidFill>
+                    <a:effectLst/>
+                    <a:latin typeface="+mj-lt"/>
+                    <a:cs typeface="JetBrains Mono" panose="02000009000000000000" pitchFamily="49" charset="0"/>
+                  </a:rPr>
+                  <a:t>    </a:t>
+                </a:r>
+                <a:r>
+                  <a:rPr kumimoji="0" lang="zh-TW" altLang="zh-TW" sz="1400" b="0" i="0" u="none" strike="noStrike" cap="none" normalizeH="0" baseline="0">
+                    <a:ln>
+                      <a:noFill/>
+                    </a:ln>
+                    <a:solidFill>
+                      <a:srgbClr val="CF8E6D"/>
+                    </a:solidFill>
+                    <a:effectLst/>
+                    <a:latin typeface="+mj-lt"/>
+                    <a:cs typeface="JetBrains Mono" panose="02000009000000000000" pitchFamily="49" charset="0"/>
+                  </a:rPr>
+                  <a:t>public static void </a:t>
+                </a:r>
+                <a:r>
+                  <a:rPr kumimoji="0" lang="zh-TW" altLang="zh-TW" sz="1400" b="0" i="0" u="none" strike="noStrike" cap="none" normalizeH="0" baseline="0">
+                    <a:ln>
+                      <a:noFill/>
+                    </a:ln>
+                    <a:solidFill>
+                      <a:srgbClr val="56A8F5"/>
+                    </a:solidFill>
+                    <a:effectLst/>
+                    <a:latin typeface="+mj-lt"/>
+                    <a:cs typeface="JetBrains Mono" panose="02000009000000000000" pitchFamily="49" charset="0"/>
+                  </a:rPr>
+                  <a:t>main</a:t>
+                </a:r>
+                <a:r>
+                  <a:rPr kumimoji="0" lang="zh-TW" altLang="zh-TW" sz="1400" b="0" i="0" u="none" strike="noStrike" cap="none" normalizeH="0" baseline="0">
+                    <a:ln>
+                      <a:noFill/>
+                    </a:ln>
+                    <a:solidFill>
+                      <a:srgbClr val="BCBEC4"/>
+                    </a:solidFill>
+                    <a:effectLst/>
+                    <a:latin typeface="+mj-lt"/>
+                    <a:cs typeface="JetBrains Mono" panose="02000009000000000000" pitchFamily="49" charset="0"/>
+                  </a:rPr>
+                  <a:t>(String[] args) {</a:t>
+                </a:r>
+                <a:br>
+                  <a:rPr kumimoji="0" lang="zh-TW" altLang="zh-TW" sz="1400" b="0" i="0" u="none" strike="noStrike" cap="none" normalizeH="0" baseline="0">
+                    <a:ln>
+                      <a:noFill/>
+                    </a:ln>
+                    <a:solidFill>
+                      <a:srgbClr val="BCBEC4"/>
+                    </a:solidFill>
+                    <a:effectLst/>
+                    <a:latin typeface="+mj-lt"/>
+                    <a:cs typeface="JetBrains Mono" panose="02000009000000000000" pitchFamily="49" charset="0"/>
+                  </a:rPr>
+                </a:br>
+                <a:r>
+                  <a:rPr kumimoji="0" lang="zh-TW" altLang="zh-TW" sz="1400" b="0" i="0" u="none" strike="noStrike" cap="none" normalizeH="0" baseline="0">
+                    <a:ln>
+                      <a:noFill/>
+                    </a:ln>
+                    <a:solidFill>
+                      <a:srgbClr val="BCBEC4"/>
+                    </a:solidFill>
+                    <a:effectLst/>
+                    <a:latin typeface="+mj-lt"/>
+                    <a:cs typeface="JetBrains Mono" panose="02000009000000000000" pitchFamily="49" charset="0"/>
+                  </a:rPr>
+                  <a:t>        </a:t>
+                </a:r>
+                <a:r>
+                  <a:rPr kumimoji="0" lang="zh-TW" altLang="zh-TW" sz="1400" b="0" i="0" u="none" strike="noStrike" cap="none" normalizeH="0" baseline="0">
+                    <a:ln>
+                      <a:noFill/>
+                    </a:ln>
+                    <a:solidFill>
+                      <a:srgbClr val="CF8E6D"/>
+                    </a:solidFill>
+                    <a:effectLst/>
+                    <a:latin typeface="+mj-lt"/>
+                    <a:cs typeface="JetBrains Mono" panose="02000009000000000000" pitchFamily="49" charset="0"/>
+                  </a:rPr>
+                  <a:t>for </a:t>
+                </a:r>
+                <a:r>
+                  <a:rPr kumimoji="0" lang="zh-TW" altLang="zh-TW" sz="1400" b="0" i="0" u="none" strike="noStrike" cap="none" normalizeH="0" baseline="0">
+                    <a:ln>
+                      <a:noFill/>
+                    </a:ln>
+                    <a:solidFill>
+                      <a:srgbClr val="BCBEC4"/>
+                    </a:solidFill>
+                    <a:effectLst/>
+                    <a:latin typeface="+mj-lt"/>
+                    <a:cs typeface="JetBrains Mono" panose="02000009000000000000" pitchFamily="49" charset="0"/>
+                  </a:rPr>
+                  <a:t>(</a:t>
+                </a:r>
+                <a:r>
+                  <a:rPr kumimoji="0" lang="zh-TW" altLang="zh-TW" sz="1400" b="0" i="0" u="none" strike="noStrike" cap="none" normalizeH="0" baseline="0">
+                    <a:ln>
+                      <a:noFill/>
+                    </a:ln>
+                    <a:solidFill>
+                      <a:srgbClr val="CF8E6D"/>
+                    </a:solidFill>
+                    <a:effectLst/>
+                    <a:latin typeface="+mj-lt"/>
+                    <a:cs typeface="JetBrains Mono" panose="02000009000000000000" pitchFamily="49" charset="0"/>
+                  </a:rPr>
+                  <a:t>int </a:t>
+                </a:r>
+                <a:r>
+                  <a:rPr kumimoji="0" lang="zh-TW" altLang="zh-TW" sz="1400" b="0" i="0" u="none" strike="noStrike" cap="none" normalizeH="0" baseline="0">
+                    <a:ln>
+                      <a:noFill/>
+                    </a:ln>
+                    <a:solidFill>
+                      <a:srgbClr val="BCBEC4"/>
+                    </a:solidFill>
+                    <a:effectLst/>
+                    <a:latin typeface="+mj-lt"/>
+                    <a:cs typeface="JetBrains Mono" panose="02000009000000000000" pitchFamily="49" charset="0"/>
+                  </a:rPr>
+                  <a:t>i = </a:t>
+                </a:r>
+                <a:r>
+                  <a:rPr kumimoji="0" lang="zh-TW" altLang="zh-TW" sz="1400" b="0" i="0" u="none" strike="noStrike" cap="none" normalizeH="0" baseline="0">
+                    <a:ln>
+                      <a:noFill/>
+                    </a:ln>
+                    <a:solidFill>
+                      <a:srgbClr val="2AACB8"/>
+                    </a:solidFill>
+                    <a:effectLst/>
+                    <a:latin typeface="+mj-lt"/>
+                    <a:cs typeface="JetBrains Mono" panose="02000009000000000000" pitchFamily="49" charset="0"/>
+                  </a:rPr>
+                  <a:t>1</a:t>
+                </a:r>
+                <a:r>
+                  <a:rPr kumimoji="0" lang="zh-TW" altLang="zh-TW" sz="1400" b="0" i="0" u="none" strike="noStrike" cap="none" normalizeH="0" baseline="0">
+                    <a:ln>
+                      <a:noFill/>
+                    </a:ln>
+                    <a:solidFill>
+                      <a:srgbClr val="BCBEC4"/>
+                    </a:solidFill>
+                    <a:effectLst/>
+                    <a:latin typeface="+mj-lt"/>
+                    <a:cs typeface="JetBrains Mono" panose="02000009000000000000" pitchFamily="49" charset="0"/>
+                  </a:rPr>
+                  <a:t>; i &lt;= </a:t>
+                </a:r>
+                <a:r>
+                  <a:rPr kumimoji="0" lang="zh-TW" altLang="zh-TW" sz="1400" b="0" i="0" u="none" strike="noStrike" cap="none" normalizeH="0" baseline="0">
+                    <a:ln>
+                      <a:noFill/>
+                    </a:ln>
+                    <a:solidFill>
+                      <a:srgbClr val="2AACB8"/>
+                    </a:solidFill>
+                    <a:effectLst/>
+                    <a:latin typeface="+mj-lt"/>
+                    <a:cs typeface="JetBrains Mono" panose="02000009000000000000" pitchFamily="49" charset="0"/>
+                  </a:rPr>
+                  <a:t>6</a:t>
+                </a:r>
+                <a:r>
+                  <a:rPr kumimoji="0" lang="zh-TW" altLang="zh-TW" sz="1400" b="0" i="0" u="none" strike="noStrike" cap="none" normalizeH="0" baseline="0">
+                    <a:ln>
+                      <a:noFill/>
+                    </a:ln>
+                    <a:solidFill>
+                      <a:srgbClr val="BCBEC4"/>
+                    </a:solidFill>
+                    <a:effectLst/>
+                    <a:latin typeface="+mj-lt"/>
+                    <a:cs typeface="JetBrains Mono" panose="02000009000000000000" pitchFamily="49" charset="0"/>
+                  </a:rPr>
+                  <a:t>; i++)</a:t>
+                </a:r>
+                <a:br>
+                  <a:rPr kumimoji="0" lang="zh-TW" altLang="zh-TW" sz="1400" b="0" i="0" u="none" strike="noStrike" cap="none" normalizeH="0" baseline="0">
+                    <a:ln>
+                      <a:noFill/>
+                    </a:ln>
+                    <a:solidFill>
+                      <a:srgbClr val="BCBEC4"/>
+                    </a:solidFill>
+                    <a:effectLst/>
+                    <a:latin typeface="+mj-lt"/>
+                    <a:cs typeface="JetBrains Mono" panose="02000009000000000000" pitchFamily="49" charset="0"/>
+                  </a:rPr>
+                </a:br>
+                <a:r>
+                  <a:rPr kumimoji="0" lang="zh-TW" altLang="zh-TW" sz="1400" b="0" i="0" u="none" strike="noStrike" cap="none" normalizeH="0" baseline="0">
+                    <a:ln>
+                      <a:noFill/>
+                    </a:ln>
+                    <a:solidFill>
+                      <a:srgbClr val="BCBEC4"/>
+                    </a:solidFill>
+                    <a:effectLst/>
+                    <a:latin typeface="+mj-lt"/>
+                    <a:cs typeface="JetBrains Mono" panose="02000009000000000000" pitchFamily="49" charset="0"/>
+                  </a:rPr>
+                  <a:t>            System.</a:t>
+                </a:r>
+                <a:r>
+                  <a:rPr kumimoji="0" lang="zh-TW" altLang="zh-TW" sz="1400" b="0" i="1" u="none" strike="noStrike" cap="none" normalizeH="0" baseline="0">
+                    <a:ln>
+                      <a:noFill/>
+                    </a:ln>
+                    <a:solidFill>
+                      <a:srgbClr val="C77DBB"/>
+                    </a:solidFill>
+                    <a:effectLst/>
+                    <a:latin typeface="+mj-lt"/>
+                    <a:cs typeface="JetBrains Mono" panose="02000009000000000000" pitchFamily="49" charset="0"/>
+                  </a:rPr>
+                  <a:t>out</a:t>
+                </a:r>
+                <a:r>
+                  <a:rPr kumimoji="0" lang="zh-TW" altLang="zh-TW" sz="1400" b="0" i="0" u="none" strike="noStrike" cap="none" normalizeH="0" baseline="0">
+                    <a:ln>
+                      <a:noFill/>
+                    </a:ln>
+                    <a:solidFill>
+                      <a:srgbClr val="BCBEC4"/>
+                    </a:solidFill>
+                    <a:effectLst/>
+                    <a:latin typeface="+mj-lt"/>
+                    <a:cs typeface="JetBrains Mono" panose="02000009000000000000" pitchFamily="49" charset="0"/>
+                  </a:rPr>
+                  <a:t>.printf(</a:t>
+                </a:r>
+                <a:r>
+                  <a:rPr kumimoji="0" lang="zh-TW" altLang="zh-TW" sz="1400" b="0" i="0" u="none" strike="noStrike" cap="none" normalizeH="0" baseline="0">
+                    <a:ln>
+                      <a:noFill/>
+                    </a:ln>
+                    <a:solidFill>
+                      <a:srgbClr val="6AAB73"/>
+                    </a:solidFill>
+                    <a:effectLst/>
+                    <a:latin typeface="+mj-lt"/>
+                    <a:cs typeface="JetBrains Mono" panose="02000009000000000000" pitchFamily="49" charset="0"/>
+                  </a:rPr>
+                  <a:t>"</a:t>
+                </a:r>
+                <a:r>
+                  <a:rPr kumimoji="0" lang="zh-TW" altLang="zh-TW" sz="1400" b="0" i="0" u="none" strike="noStrike" cap="none" normalizeH="0" baseline="0">
+                    <a:ln>
+                      <a:noFill/>
+                    </a:ln>
+                    <a:solidFill>
+                      <a:srgbClr val="6AAB73"/>
+                    </a:solidFill>
+                    <a:effectLst/>
+                    <a:latin typeface="+mj-lt"/>
+                    <a:ea typeface="微軟正黑體" panose="020B0604030504040204" pitchFamily="34" charset="-120"/>
+                    <a:cs typeface="JetBrains Mono" panose="02000009000000000000" pitchFamily="49" charset="0"/>
+                  </a:rPr>
+                  <a:t>喜歡你的第</a:t>
+                </a:r>
+                <a:r>
+                  <a:rPr kumimoji="0" lang="zh-TW" altLang="zh-TW" sz="1400" b="0" i="0" u="none" strike="noStrike" cap="none" normalizeH="0" baseline="0">
+                    <a:ln>
+                      <a:noFill/>
+                    </a:ln>
+                    <a:solidFill>
+                      <a:srgbClr val="6AAB73"/>
+                    </a:solidFill>
+                    <a:effectLst/>
+                    <a:latin typeface="+mj-lt"/>
+                    <a:cs typeface="JetBrains Mono" panose="02000009000000000000" pitchFamily="49" charset="0"/>
+                  </a:rPr>
+                  <a:t>%d</a:t>
+                </a:r>
+                <a:r>
+                  <a:rPr kumimoji="0" lang="zh-TW" altLang="zh-TW" sz="1400" b="0" i="0" u="none" strike="noStrike" cap="none" normalizeH="0" baseline="0">
+                    <a:ln>
+                      <a:noFill/>
+                    </a:ln>
+                    <a:solidFill>
+                      <a:srgbClr val="6AAB73"/>
+                    </a:solidFill>
+                    <a:effectLst/>
+                    <a:latin typeface="+mj-lt"/>
+                    <a:ea typeface="微軟正黑體" panose="020B0604030504040204" pitchFamily="34" charset="-120"/>
+                    <a:cs typeface="JetBrains Mono" panose="02000009000000000000" pitchFamily="49" charset="0"/>
+                  </a:rPr>
+                  <a:t>年，</a:t>
+                </a:r>
+                <a:r>
+                  <a:rPr kumimoji="0" lang="zh-TW" altLang="zh-TW" sz="1400" b="0" i="0" u="none" strike="noStrike" cap="none" normalizeH="0" baseline="0">
+                    <a:ln>
+                      <a:noFill/>
+                    </a:ln>
+                    <a:solidFill>
+                      <a:srgbClr val="6AAB73"/>
+                    </a:solidFill>
+                    <a:effectLst/>
+                    <a:latin typeface="+mj-lt"/>
+                    <a:cs typeface="JetBrains Mono" panose="02000009000000000000" pitchFamily="49" charset="0"/>
+                  </a:rPr>
+                  <a:t>%s%n"</a:t>
+                </a:r>
+                <a:r>
+                  <a:rPr kumimoji="0" lang="zh-TW" altLang="zh-TW" sz="1400" b="0" i="0" u="none" strike="noStrike" cap="none" normalizeH="0" baseline="0">
+                    <a:ln>
+                      <a:noFill/>
+                    </a:ln>
+                    <a:solidFill>
+                      <a:srgbClr val="BCBEC4"/>
+                    </a:solidFill>
+                    <a:effectLst/>
+                    <a:latin typeface="+mj-lt"/>
+                    <a:cs typeface="JetBrains Mono" panose="02000009000000000000" pitchFamily="49" charset="0"/>
+                  </a:rPr>
+                  <a:t>, i, </a:t>
+                </a:r>
+                <a:r>
+                  <a:rPr kumimoji="0" lang="zh-TW" altLang="zh-TW" sz="1400" b="0" i="0" u="none" strike="noStrike" cap="none" normalizeH="0" baseline="0">
+                    <a:ln>
+                      <a:noFill/>
+                    </a:ln>
+                    <a:solidFill>
+                      <a:srgbClr val="CF8E6D"/>
+                    </a:solidFill>
+                    <a:effectLst/>
+                    <a:latin typeface="+mj-lt"/>
+                    <a:cs typeface="JetBrains Mono" panose="02000009000000000000" pitchFamily="49" charset="0"/>
+                  </a:rPr>
+                  <a:t>switch </a:t>
+                </a:r>
+                <a:r>
+                  <a:rPr kumimoji="0" lang="zh-TW" altLang="zh-TW" sz="1400" b="0" i="0" u="none" strike="noStrike" cap="none" normalizeH="0" baseline="0">
+                    <a:ln>
+                      <a:noFill/>
+                    </a:ln>
+                    <a:solidFill>
+                      <a:srgbClr val="BCBEC4"/>
+                    </a:solidFill>
+                    <a:effectLst/>
+                    <a:latin typeface="+mj-lt"/>
+                    <a:cs typeface="JetBrains Mono" panose="02000009000000000000" pitchFamily="49" charset="0"/>
+                  </a:rPr>
+                  <a:t>(i) {</a:t>
+                </a:r>
+                <a:br>
+                  <a:rPr kumimoji="0" lang="zh-TW" altLang="zh-TW" sz="1400" b="0" i="0" u="none" strike="noStrike" cap="none" normalizeH="0" baseline="0">
+                    <a:ln>
+                      <a:noFill/>
+                    </a:ln>
+                    <a:solidFill>
+                      <a:srgbClr val="BCBEC4"/>
+                    </a:solidFill>
+                    <a:effectLst/>
+                    <a:latin typeface="+mj-lt"/>
+                    <a:cs typeface="JetBrains Mono" panose="02000009000000000000" pitchFamily="49" charset="0"/>
+                  </a:rPr>
+                </a:br>
+                <a:r>
+                  <a:rPr kumimoji="0" lang="zh-TW" altLang="zh-TW" sz="1400" b="0" i="0" u="none" strike="noStrike" cap="none" normalizeH="0" baseline="0">
+                    <a:ln>
+                      <a:noFill/>
+                    </a:ln>
+                    <a:solidFill>
+                      <a:srgbClr val="BCBEC4"/>
+                    </a:solidFill>
+                    <a:effectLst/>
+                    <a:latin typeface="+mj-lt"/>
+                    <a:cs typeface="JetBrains Mono" panose="02000009000000000000" pitchFamily="49" charset="0"/>
+                  </a:rPr>
+                  <a:t>                        </a:t>
+                </a:r>
+                <a:r>
+                  <a:rPr kumimoji="0" lang="zh-TW" altLang="zh-TW" sz="1400" b="0" i="0" u="none" strike="noStrike" cap="none" normalizeH="0" baseline="0">
+                    <a:ln>
+                      <a:noFill/>
+                    </a:ln>
+                    <a:solidFill>
+                      <a:srgbClr val="CF8E6D"/>
+                    </a:solidFill>
+                    <a:effectLst/>
+                    <a:latin typeface="+mj-lt"/>
+                    <a:cs typeface="JetBrains Mono" panose="02000009000000000000" pitchFamily="49" charset="0"/>
+                  </a:rPr>
+                  <a:t>case </a:t>
+                </a:r>
+                <a:r>
+                  <a:rPr kumimoji="0" lang="zh-TW" altLang="zh-TW" sz="1400" b="0" i="0" u="none" strike="noStrike" cap="none" normalizeH="0" baseline="0">
+                    <a:ln>
+                      <a:noFill/>
+                    </a:ln>
+                    <a:solidFill>
+                      <a:srgbClr val="2AACB8"/>
+                    </a:solidFill>
+                    <a:effectLst/>
+                    <a:latin typeface="+mj-lt"/>
+                    <a:cs typeface="JetBrains Mono" panose="02000009000000000000" pitchFamily="49" charset="0"/>
+                  </a:rPr>
+                  <a:t>1 </a:t>
+                </a:r>
+                <a:r>
+                  <a:rPr kumimoji="0" lang="zh-TW" altLang="zh-TW" sz="1400" b="0" i="0" u="none" strike="noStrike" cap="none" normalizeH="0" baseline="0">
+                    <a:ln>
+                      <a:noFill/>
+                    </a:ln>
+                    <a:solidFill>
+                      <a:srgbClr val="BCBEC4"/>
+                    </a:solidFill>
+                    <a:effectLst/>
+                    <a:latin typeface="+mj-lt"/>
+                    <a:cs typeface="JetBrains Mono" panose="02000009000000000000" pitchFamily="49" charset="0"/>
+                  </a:rPr>
+                  <a:t>-&gt; </a:t>
+                </a:r>
+                <a:r>
+                  <a:rPr kumimoji="0" lang="zh-TW" altLang="zh-TW" sz="1400" b="0" i="0" u="none" strike="noStrike" cap="none" normalizeH="0" baseline="0">
+                    <a:ln>
+                      <a:noFill/>
+                    </a:ln>
+                    <a:solidFill>
+                      <a:srgbClr val="6AAB73"/>
+                    </a:solidFill>
+                    <a:effectLst/>
+                    <a:latin typeface="+mj-lt"/>
+                    <a:cs typeface="JetBrains Mono" panose="02000009000000000000" pitchFamily="49" charset="0"/>
+                  </a:rPr>
+                  <a:t>"</a:t>
+                </a:r>
+                <a:r>
+                  <a:rPr kumimoji="0" lang="zh-TW" altLang="zh-TW" sz="1400" b="0" i="0" u="none" strike="noStrike" cap="none" normalizeH="0" baseline="0">
+                    <a:ln>
+                      <a:noFill/>
+                    </a:ln>
+                    <a:solidFill>
+                      <a:srgbClr val="6AAB73"/>
+                    </a:solidFill>
+                    <a:effectLst/>
+                    <a:latin typeface="+mj-lt"/>
+                    <a:ea typeface="微軟正黑體" panose="020B0604030504040204" pitchFamily="34" charset="-120"/>
+                    <a:cs typeface="JetBrains Mono" panose="02000009000000000000" pitchFamily="49" charset="0"/>
+                  </a:rPr>
+                  <a:t>我還沒有告白</a:t>
+                </a:r>
+                <a:r>
+                  <a:rPr kumimoji="0" lang="zh-TW" altLang="zh-TW" sz="1400" b="0" i="0" u="none" strike="noStrike" cap="none" normalizeH="0" baseline="0">
+                    <a:ln>
+                      <a:noFill/>
+                    </a:ln>
+                    <a:solidFill>
+                      <a:srgbClr val="6AAB73"/>
+                    </a:solidFill>
+                    <a:effectLst/>
+                    <a:latin typeface="+mj-lt"/>
+                    <a:cs typeface="JetBrains Mono" panose="02000009000000000000" pitchFamily="49" charset="0"/>
+                  </a:rPr>
+                  <a:t>"</a:t>
+                </a:r>
+                <a:r>
+                  <a:rPr kumimoji="0" lang="zh-TW" altLang="zh-TW" sz="1400" b="0" i="0" u="none" strike="noStrike" cap="none" normalizeH="0" baseline="0">
+                    <a:ln>
+                      <a:noFill/>
+                    </a:ln>
+                    <a:solidFill>
+                      <a:srgbClr val="BCBEC4"/>
+                    </a:solidFill>
+                    <a:effectLst/>
+                    <a:latin typeface="+mj-lt"/>
+                    <a:cs typeface="JetBrains Mono" panose="02000009000000000000" pitchFamily="49" charset="0"/>
+                  </a:rPr>
+                  <a:t>;</a:t>
+                </a:r>
+                <a:br>
+                  <a:rPr kumimoji="0" lang="zh-TW" altLang="zh-TW" sz="1400" b="0" i="0" u="none" strike="noStrike" cap="none" normalizeH="0" baseline="0">
+                    <a:ln>
+                      <a:noFill/>
+                    </a:ln>
+                    <a:solidFill>
+                      <a:srgbClr val="BCBEC4"/>
+                    </a:solidFill>
+                    <a:effectLst/>
+                    <a:latin typeface="+mj-lt"/>
+                    <a:cs typeface="JetBrains Mono" panose="02000009000000000000" pitchFamily="49" charset="0"/>
+                  </a:rPr>
+                </a:br>
+                <a:r>
+                  <a:rPr kumimoji="0" lang="zh-TW" altLang="zh-TW" sz="1400" b="0" i="0" u="none" strike="noStrike" cap="none" normalizeH="0" baseline="0">
+                    <a:ln>
+                      <a:noFill/>
+                    </a:ln>
+                    <a:solidFill>
+                      <a:srgbClr val="BCBEC4"/>
+                    </a:solidFill>
+                    <a:effectLst/>
+                    <a:latin typeface="+mj-lt"/>
+                    <a:cs typeface="JetBrains Mono" panose="02000009000000000000" pitchFamily="49" charset="0"/>
+                  </a:rPr>
+                  <a:t>                        </a:t>
+                </a:r>
+                <a:r>
+                  <a:rPr kumimoji="0" lang="zh-TW" altLang="zh-TW" sz="1400" b="0" i="0" u="none" strike="noStrike" cap="none" normalizeH="0" baseline="0">
+                    <a:ln>
+                      <a:noFill/>
+                    </a:ln>
+                    <a:solidFill>
+                      <a:srgbClr val="CF8E6D"/>
+                    </a:solidFill>
+                    <a:effectLst/>
+                    <a:latin typeface="+mj-lt"/>
+                    <a:cs typeface="JetBrains Mono" panose="02000009000000000000" pitchFamily="49" charset="0"/>
+                  </a:rPr>
+                  <a:t>case </a:t>
+                </a:r>
+                <a:r>
+                  <a:rPr kumimoji="0" lang="zh-TW" altLang="zh-TW" sz="1400" b="0" i="0" u="none" strike="noStrike" cap="none" normalizeH="0" baseline="0">
+                    <a:ln>
+                      <a:noFill/>
+                    </a:ln>
+                    <a:solidFill>
+                      <a:srgbClr val="2AACB8"/>
+                    </a:solidFill>
+                    <a:effectLst/>
+                    <a:latin typeface="+mj-lt"/>
+                    <a:cs typeface="JetBrains Mono" panose="02000009000000000000" pitchFamily="49" charset="0"/>
+                  </a:rPr>
+                  <a:t>6 </a:t>
+                </a:r>
+                <a:r>
+                  <a:rPr kumimoji="0" lang="zh-TW" altLang="zh-TW" sz="1400" b="0" i="0" u="none" strike="noStrike" cap="none" normalizeH="0" baseline="0">
+                    <a:ln>
+                      <a:noFill/>
+                    </a:ln>
+                    <a:solidFill>
+                      <a:srgbClr val="BCBEC4"/>
+                    </a:solidFill>
+                    <a:effectLst/>
+                    <a:latin typeface="+mj-lt"/>
+                    <a:cs typeface="JetBrains Mono" panose="02000009000000000000" pitchFamily="49" charset="0"/>
+                  </a:rPr>
+                  <a:t>-&gt; </a:t>
+                </a:r>
+                <a:r>
+                  <a:rPr kumimoji="0" lang="zh-TW" altLang="zh-TW" sz="1400" b="0" i="0" u="none" strike="noStrike" cap="none" normalizeH="0" baseline="0">
+                    <a:ln>
+                      <a:noFill/>
+                    </a:ln>
+                    <a:solidFill>
+                      <a:srgbClr val="6AAB73"/>
+                    </a:solidFill>
+                    <a:effectLst/>
+                    <a:latin typeface="+mj-lt"/>
+                    <a:cs typeface="JetBrains Mono" panose="02000009000000000000" pitchFamily="49" charset="0"/>
+                  </a:rPr>
+                  <a:t>"</a:t>
+                </a:r>
+                <a:r>
+                  <a:rPr kumimoji="0" lang="zh-TW" altLang="zh-TW" sz="1400" b="0" i="0" u="none" strike="noStrike" cap="none" normalizeH="0" baseline="0">
+                    <a:ln>
+                      <a:noFill/>
+                    </a:ln>
+                    <a:solidFill>
+                      <a:srgbClr val="6AAB73"/>
+                    </a:solidFill>
+                    <a:effectLst/>
+                    <a:latin typeface="+mj-lt"/>
+                    <a:ea typeface="微軟正黑體" panose="020B0604030504040204" pitchFamily="34" charset="-120"/>
+                    <a:cs typeface="JetBrains Mono" panose="02000009000000000000" pitchFamily="49" charset="0"/>
+                  </a:rPr>
+                  <a:t>我終於告白了</a:t>
+                </a:r>
+                <a:r>
+                  <a:rPr kumimoji="0" lang="zh-TW" altLang="zh-TW" sz="1400" b="0" i="0" u="none" strike="noStrike" cap="none" normalizeH="0" baseline="0">
+                    <a:ln>
+                      <a:noFill/>
+                    </a:ln>
+                    <a:solidFill>
+                      <a:srgbClr val="6AAB73"/>
+                    </a:solidFill>
+                    <a:effectLst/>
+                    <a:latin typeface="+mj-lt"/>
+                    <a:cs typeface="JetBrains Mono" panose="02000009000000000000" pitchFamily="49" charset="0"/>
+                  </a:rPr>
+                  <a:t>"</a:t>
+                </a:r>
+                <a:r>
+                  <a:rPr kumimoji="0" lang="zh-TW" altLang="zh-TW" sz="1400" b="0" i="0" u="none" strike="noStrike" cap="none" normalizeH="0" baseline="0">
+                    <a:ln>
+                      <a:noFill/>
+                    </a:ln>
+                    <a:solidFill>
+                      <a:srgbClr val="BCBEC4"/>
+                    </a:solidFill>
+                    <a:effectLst/>
+                    <a:latin typeface="+mj-lt"/>
+                    <a:cs typeface="JetBrains Mono" panose="02000009000000000000" pitchFamily="49" charset="0"/>
+                  </a:rPr>
+                  <a:t>;</a:t>
+                </a:r>
+                <a:br>
+                  <a:rPr kumimoji="0" lang="zh-TW" altLang="zh-TW" sz="1400" b="0" i="0" u="none" strike="noStrike" cap="none" normalizeH="0" baseline="0">
+                    <a:ln>
+                      <a:noFill/>
+                    </a:ln>
+                    <a:solidFill>
+                      <a:srgbClr val="BCBEC4"/>
+                    </a:solidFill>
+                    <a:effectLst/>
+                    <a:latin typeface="+mj-lt"/>
+                    <a:cs typeface="JetBrains Mono" panose="02000009000000000000" pitchFamily="49" charset="0"/>
+                  </a:rPr>
+                </a:br>
+                <a:r>
+                  <a:rPr kumimoji="0" lang="zh-TW" altLang="zh-TW" sz="1400" b="0" i="0" u="none" strike="noStrike" cap="none" normalizeH="0" baseline="0">
+                    <a:ln>
+                      <a:noFill/>
+                    </a:ln>
+                    <a:solidFill>
+                      <a:srgbClr val="BCBEC4"/>
+                    </a:solidFill>
+                    <a:effectLst/>
+                    <a:latin typeface="+mj-lt"/>
+                    <a:cs typeface="JetBrains Mono" panose="02000009000000000000" pitchFamily="49" charset="0"/>
+                  </a:rPr>
+                  <a:t>                        </a:t>
+                </a:r>
+                <a:r>
+                  <a:rPr kumimoji="0" lang="zh-TW" altLang="zh-TW" sz="1400" b="0" i="0" u="none" strike="noStrike" cap="none" normalizeH="0" baseline="0">
+                    <a:ln>
+                      <a:noFill/>
+                    </a:ln>
+                    <a:solidFill>
+                      <a:srgbClr val="CF8E6D"/>
+                    </a:solidFill>
+                    <a:effectLst/>
+                    <a:latin typeface="+mj-lt"/>
+                    <a:cs typeface="JetBrains Mono" panose="02000009000000000000" pitchFamily="49" charset="0"/>
+                  </a:rPr>
+                  <a:t>default </a:t>
+                </a:r>
+                <a:r>
+                  <a:rPr kumimoji="0" lang="zh-TW" altLang="zh-TW" sz="1400" b="0" i="0" u="none" strike="noStrike" cap="none" normalizeH="0" baseline="0">
+                    <a:ln>
+                      <a:noFill/>
+                    </a:ln>
+                    <a:solidFill>
+                      <a:srgbClr val="BCBEC4"/>
+                    </a:solidFill>
+                    <a:effectLst/>
+                    <a:latin typeface="+mj-lt"/>
+                    <a:cs typeface="JetBrains Mono" panose="02000009000000000000" pitchFamily="49" charset="0"/>
+                  </a:rPr>
+                  <a:t>-&gt; </a:t>
+                </a:r>
+                <a:r>
+                  <a:rPr kumimoji="0" lang="zh-TW" altLang="zh-TW" sz="1400" b="0" i="0" u="none" strike="noStrike" cap="none" normalizeH="0" baseline="0">
+                    <a:ln>
+                      <a:noFill/>
+                    </a:ln>
+                    <a:solidFill>
+                      <a:srgbClr val="6AAB73"/>
+                    </a:solidFill>
+                    <a:effectLst/>
+                    <a:latin typeface="+mj-lt"/>
+                    <a:cs typeface="JetBrains Mono" panose="02000009000000000000" pitchFamily="49" charset="0"/>
+                  </a:rPr>
+                  <a:t>"</a:t>
+                </a:r>
+                <a:r>
+                  <a:rPr kumimoji="0" lang="zh-TW" altLang="zh-TW" sz="1400" b="0" i="0" u="none" strike="noStrike" cap="none" normalizeH="0" baseline="0">
+                    <a:ln>
+                      <a:noFill/>
+                    </a:ln>
+                    <a:solidFill>
+                      <a:srgbClr val="6AAB73"/>
+                    </a:solidFill>
+                    <a:effectLst/>
+                    <a:latin typeface="+mj-lt"/>
+                    <a:ea typeface="微軟正黑體" panose="020B0604030504040204" pitchFamily="34" charset="-120"/>
+                    <a:cs typeface="JetBrains Mono" panose="02000009000000000000" pitchFamily="49" charset="0"/>
+                  </a:rPr>
+                  <a:t>我還是沒告白</a:t>
+                </a:r>
+                <a:r>
+                  <a:rPr kumimoji="0" lang="zh-TW" altLang="zh-TW" sz="1400" b="0" i="0" u="none" strike="noStrike" cap="none" normalizeH="0" baseline="0">
+                    <a:ln>
+                      <a:noFill/>
+                    </a:ln>
+                    <a:solidFill>
+                      <a:srgbClr val="6AAB73"/>
+                    </a:solidFill>
+                    <a:effectLst/>
+                    <a:latin typeface="+mj-lt"/>
+                    <a:cs typeface="JetBrains Mono" panose="02000009000000000000" pitchFamily="49" charset="0"/>
+                  </a:rPr>
+                  <a:t>"</a:t>
+                </a:r>
+                <a:r>
+                  <a:rPr kumimoji="0" lang="zh-TW" altLang="zh-TW" sz="1400" b="0" i="0" u="none" strike="noStrike" cap="none" normalizeH="0" baseline="0">
+                    <a:ln>
+                      <a:noFill/>
+                    </a:ln>
+                    <a:solidFill>
+                      <a:srgbClr val="BCBEC4"/>
+                    </a:solidFill>
+                    <a:effectLst/>
+                    <a:latin typeface="+mj-lt"/>
+                    <a:cs typeface="JetBrains Mono" panose="02000009000000000000" pitchFamily="49" charset="0"/>
+                  </a:rPr>
+                  <a:t>;</a:t>
+                </a:r>
+                <a:br>
+                  <a:rPr kumimoji="0" lang="zh-TW" altLang="zh-TW" sz="1400" b="0" i="0" u="none" strike="noStrike" cap="none" normalizeH="0" baseline="0">
+                    <a:ln>
+                      <a:noFill/>
+                    </a:ln>
+                    <a:solidFill>
+                      <a:srgbClr val="BCBEC4"/>
+                    </a:solidFill>
+                    <a:effectLst/>
+                    <a:latin typeface="+mj-lt"/>
+                    <a:cs typeface="JetBrains Mono" panose="02000009000000000000" pitchFamily="49" charset="0"/>
+                  </a:rPr>
+                </a:br>
+                <a:r>
+                  <a:rPr kumimoji="0" lang="zh-TW" altLang="zh-TW" sz="1400" b="0" i="0" u="none" strike="noStrike" cap="none" normalizeH="0" baseline="0">
+                    <a:ln>
+                      <a:noFill/>
+                    </a:ln>
+                    <a:solidFill>
+                      <a:srgbClr val="BCBEC4"/>
+                    </a:solidFill>
+                    <a:effectLst/>
+                    <a:latin typeface="+mj-lt"/>
+                    <a:cs typeface="JetBrains Mono" panose="02000009000000000000" pitchFamily="49" charset="0"/>
+                  </a:rPr>
+                  <a:t>                    }</a:t>
+                </a:r>
+                <a:br>
+                  <a:rPr kumimoji="0" lang="zh-TW" altLang="zh-TW" sz="1400" b="0" i="0" u="none" strike="noStrike" cap="none" normalizeH="0" baseline="0">
+                    <a:ln>
+                      <a:noFill/>
+                    </a:ln>
+                    <a:solidFill>
+                      <a:srgbClr val="BCBEC4"/>
+                    </a:solidFill>
+                    <a:effectLst/>
+                    <a:latin typeface="+mj-lt"/>
+                    <a:cs typeface="JetBrains Mono" panose="02000009000000000000" pitchFamily="49" charset="0"/>
+                  </a:rPr>
+                </a:br>
+                <a:r>
+                  <a:rPr kumimoji="0" lang="zh-TW" altLang="zh-TW" sz="1400" b="0" i="0" u="none" strike="noStrike" cap="none" normalizeH="0" baseline="0">
+                    <a:ln>
+                      <a:noFill/>
+                    </a:ln>
+                    <a:solidFill>
+                      <a:srgbClr val="BCBEC4"/>
+                    </a:solidFill>
+                    <a:effectLst/>
+                    <a:latin typeface="+mj-lt"/>
+                    <a:cs typeface="JetBrains Mono" panose="02000009000000000000" pitchFamily="49" charset="0"/>
+                  </a:rPr>
+                  <a:t>            );</a:t>
+                </a:r>
+                <a:br>
+                  <a:rPr kumimoji="0" lang="zh-TW" altLang="zh-TW" sz="1400" b="0" i="0" u="none" strike="noStrike" cap="none" normalizeH="0" baseline="0">
+                    <a:ln>
+                      <a:noFill/>
+                    </a:ln>
+                    <a:solidFill>
+                      <a:srgbClr val="BCBEC4"/>
+                    </a:solidFill>
+                    <a:effectLst/>
+                    <a:latin typeface="+mj-lt"/>
+                    <a:cs typeface="JetBrains Mono" panose="02000009000000000000" pitchFamily="49" charset="0"/>
+                  </a:rPr>
+                </a:br>
+                <a:r>
+                  <a:rPr kumimoji="0" lang="zh-TW" altLang="zh-TW" sz="1400" b="0" i="0" u="none" strike="noStrike" cap="none" normalizeH="0" baseline="0">
+                    <a:ln>
+                      <a:noFill/>
+                    </a:ln>
+                    <a:solidFill>
+                      <a:srgbClr val="BCBEC4"/>
+                    </a:solidFill>
+                    <a:effectLst/>
+                    <a:latin typeface="+mj-lt"/>
+                    <a:cs typeface="JetBrains Mono" panose="02000009000000000000" pitchFamily="49" charset="0"/>
+                  </a:rPr>
+                  <a:t>    }</a:t>
+                </a:r>
+                <a:br>
+                  <a:rPr kumimoji="0" lang="zh-TW" altLang="zh-TW" sz="1400" b="0" i="0" u="none" strike="noStrike" cap="none" normalizeH="0" baseline="0">
+                    <a:ln>
+                      <a:noFill/>
+                    </a:ln>
+                    <a:solidFill>
+                      <a:srgbClr val="BCBEC4"/>
+                    </a:solidFill>
+                    <a:effectLst/>
+                    <a:latin typeface="+mj-lt"/>
+                    <a:cs typeface="JetBrains Mono" panose="02000009000000000000" pitchFamily="49" charset="0"/>
+                  </a:rPr>
+                </a:br>
+                <a:r>
+                  <a:rPr kumimoji="0" lang="zh-TW" altLang="zh-TW" sz="1400" b="0" i="0" u="none" strike="noStrike" cap="none" normalizeH="0" baseline="0">
+                    <a:ln>
+                      <a:noFill/>
+                    </a:ln>
+                    <a:solidFill>
+                      <a:srgbClr val="BCBEC4"/>
+                    </a:solidFill>
+                    <a:effectLst/>
+                    <a:latin typeface="+mj-lt"/>
+                    <a:cs typeface="JetBrains Mono" panose="02000009000000000000" pitchFamily="49" charset="0"/>
+                  </a:rPr>
+                  <a:t>}</a:t>
+                </a:r>
+                <a:endParaRPr kumimoji="0" lang="zh-TW" altLang="zh-TW" sz="2400" b="0" i="0" u="none" strike="noStrike" cap="none" normalizeH="0" baseline="0">
+                  <a:ln>
+                    <a:noFill/>
+                  </a:ln>
+                  <a:solidFill>
+                    <a:schemeClr val="tx1"/>
+                  </a:solidFill>
+                  <a:effectLst/>
+                  <a:latin typeface="+mj-lt"/>
+                </a:endParaRPr>
+              </a:p>
+            </p:txBody>
+          </p:sp>
+          <p:sp>
+            <p:nvSpPr>
+              <p:cNvPr id="30" name="文字方塊 29">
+                <a:extLst>
+                  <a:ext uri="{FF2B5EF4-FFF2-40B4-BE49-F238E27FC236}">
+                    <a16:creationId xmlns:a16="http://schemas.microsoft.com/office/drawing/2014/main" id="{A44D2EB1-C3FF-42E0-B00F-D17C70CBE579}"/>
+                  </a:ext>
+                </a:extLst>
+              </p:cNvPr>
+              <p:cNvSpPr txBox="1"/>
+              <p:nvPr/>
+            </p:nvSpPr>
+            <p:spPr>
+              <a:xfrm>
+                <a:off x="11209223" y="6143271"/>
+                <a:ext cx="633507" cy="338554"/>
+              </a:xfrm>
+              <a:prstGeom prst="rect">
+                <a:avLst/>
+              </a:prstGeom>
+              <a:noFill/>
+            </p:spPr>
+            <p:txBody>
+              <a:bodyPr wrap="none" rtlCol="0">
+                <a:spAutoFit/>
+              </a:bodyPr>
+              <a:lstStyle/>
+              <a:p>
+                <a:r>
+                  <a:rPr lang="en-US" altLang="zh-TW" sz="1600">
+                    <a:solidFill>
+                      <a:schemeClr val="accent3"/>
+                    </a:solidFill>
+                  </a:rPr>
+                  <a:t>java</a:t>
+                </a:r>
+                <a:endParaRPr lang="zh-TW" altLang="en-US" sz="1600">
+                  <a:solidFill>
+                    <a:schemeClr val="accent3"/>
+                  </a:solidFill>
+                </a:endParaRPr>
+              </a:p>
+            </p:txBody>
+          </p:sp>
+        </p:grpSp>
+        <p:pic>
+          <p:nvPicPr>
+            <p:cNvPr id="32" name="圖片 31">
+              <a:hlinkClick r:id="rId2"/>
+              <a:extLst>
+                <a:ext uri="{FF2B5EF4-FFF2-40B4-BE49-F238E27FC236}">
+                  <a16:creationId xmlns:a16="http://schemas.microsoft.com/office/drawing/2014/main" id="{CC6CA7BA-B9B3-4BE6-BB45-959ABE869714}"/>
+                </a:ext>
+              </a:extLst>
+            </p:cNvPr>
+            <p:cNvPicPr>
+              <a:picLocks noChangeAspect="1"/>
+            </p:cNvPicPr>
+            <p:nvPr/>
+          </p:nvPicPr>
+          <p:blipFill>
+            <a:blip r:embed="rId3">
+              <a:extLst>
+                <a:ext uri="{28A0092B-C50C-407E-A947-70E740481C1C}">
+                  <a14:useLocalDpi xmlns:a14="http://schemas.microsoft.com/office/drawing/2010/main" val="0"/>
+                </a:ext>
+              </a:extLst>
+            </a:blip>
+            <a:stretch>
+              <a:fillRect/>
+            </a:stretch>
+          </p:blipFill>
+          <p:spPr>
+            <a:xfrm>
+              <a:off x="11398978" y="4031784"/>
+              <a:ext cx="443752" cy="434104"/>
+            </a:xfrm>
+            <a:prstGeom prst="rect">
+              <a:avLst/>
+            </a:prstGeom>
+          </p:spPr>
+        </p:pic>
+      </p:grpSp>
+      <p:sp>
+        <p:nvSpPr>
+          <p:cNvPr id="35" name="矩形: 圓角 34">
+            <a:extLst>
+              <a:ext uri="{FF2B5EF4-FFF2-40B4-BE49-F238E27FC236}">
+                <a16:creationId xmlns:a16="http://schemas.microsoft.com/office/drawing/2014/main" id="{58A7B2BF-E762-4B80-887E-7A506B004D1C}"/>
+              </a:ext>
+            </a:extLst>
+          </p:cNvPr>
+          <p:cNvSpPr/>
+          <p:nvPr/>
+        </p:nvSpPr>
+        <p:spPr>
+          <a:xfrm>
+            <a:off x="6291737" y="4515568"/>
+            <a:ext cx="1023145" cy="207034"/>
+          </a:xfrm>
+          <a:prstGeom prst="roundRect">
+            <a:avLst>
+              <a:gd name="adj" fmla="val 12665"/>
+            </a:avLst>
+          </a:prstGeom>
+          <a:noFill/>
+          <a:ln w="12700">
+            <a:solidFill>
+              <a:srgbClr val="FFFF00"/>
+            </a:solidFill>
+          </a:ln>
+        </p:spPr>
+        <p:style>
+          <a:lnRef idx="2">
+            <a:schemeClr val="accent1">
+              <a:shade val="50000"/>
+            </a:schemeClr>
+          </a:lnRef>
+          <a:fillRef idx="1">
+            <a:schemeClr val="accent1"/>
+          </a:fillRef>
+          <a:effectRef idx="0">
+            <a:schemeClr val="accent1"/>
+          </a:effectRef>
+          <a:fontRef idx="minor">
+            <a:schemeClr val="lt1"/>
+          </a:fontRef>
+        </p:style>
+        <p:txBody>
+          <a:bodyPr rtlCol="0" anchor="ctr"/>
+          <a:lstStyle/>
+          <a:p>
+            <a:pPr algn="ctr"/>
+            <a:endParaRPr lang="zh-TW" altLang="en-US"/>
+          </a:p>
+        </p:txBody>
+      </p:sp>
+      <p:sp>
+        <p:nvSpPr>
+          <p:cNvPr id="36" name="矩形: 圓角 35">
+            <a:extLst>
+              <a:ext uri="{FF2B5EF4-FFF2-40B4-BE49-F238E27FC236}">
+                <a16:creationId xmlns:a16="http://schemas.microsoft.com/office/drawing/2014/main" id="{2CE478E4-C322-45C1-8D59-A78BA7466C93}"/>
+              </a:ext>
+            </a:extLst>
+          </p:cNvPr>
+          <p:cNvSpPr/>
+          <p:nvPr/>
+        </p:nvSpPr>
+        <p:spPr>
+          <a:xfrm>
+            <a:off x="1677319" y="1523808"/>
+            <a:ext cx="1023145" cy="207034"/>
+          </a:xfrm>
+          <a:prstGeom prst="roundRect">
+            <a:avLst>
+              <a:gd name="adj" fmla="val 12665"/>
+            </a:avLst>
+          </a:prstGeom>
+          <a:noFill/>
+          <a:ln w="12700">
+            <a:solidFill>
+              <a:srgbClr val="FFFF00"/>
+            </a:solidFill>
+          </a:ln>
+        </p:spPr>
+        <p:style>
+          <a:lnRef idx="2">
+            <a:schemeClr val="accent1">
+              <a:shade val="50000"/>
+            </a:schemeClr>
+          </a:lnRef>
+          <a:fillRef idx="1">
+            <a:schemeClr val="accent1"/>
+          </a:fillRef>
+          <a:effectRef idx="0">
+            <a:schemeClr val="accent1"/>
+          </a:effectRef>
+          <a:fontRef idx="minor">
+            <a:schemeClr val="lt1"/>
+          </a:fontRef>
+        </p:style>
+        <p:txBody>
+          <a:bodyPr rtlCol="0" anchor="ctr"/>
+          <a:lstStyle/>
+          <a:p>
+            <a:pPr algn="ctr"/>
+            <a:endParaRPr lang="zh-TW" altLang="en-US"/>
+          </a:p>
+        </p:txBody>
+      </p:sp>
+      <p:cxnSp>
+        <p:nvCxnSpPr>
+          <p:cNvPr id="38" name="直線單箭頭接點 37">
+            <a:extLst>
+              <a:ext uri="{FF2B5EF4-FFF2-40B4-BE49-F238E27FC236}">
+                <a16:creationId xmlns:a16="http://schemas.microsoft.com/office/drawing/2014/main" id="{B8163915-8E80-4AF1-ADAB-7AD8BD26C5C5}"/>
+              </a:ext>
+            </a:extLst>
+          </p:cNvPr>
+          <p:cNvCxnSpPr>
+            <a:stCxn id="36" idx="3"/>
+            <a:endCxn id="35" idx="1"/>
+          </p:cNvCxnSpPr>
+          <p:nvPr/>
+        </p:nvCxnSpPr>
+        <p:spPr>
+          <a:xfrm>
+            <a:off x="2700464" y="1627325"/>
+            <a:ext cx="3591273" cy="2991760"/>
+          </a:xfrm>
+          <a:prstGeom prst="straightConnector1">
+            <a:avLst/>
+          </a:prstGeom>
+          <a:ln w="12700">
+            <a:solidFill>
+              <a:srgbClr val="FFFF00"/>
+            </a:solidFill>
+            <a:tailEnd type="triangle"/>
+          </a:ln>
+        </p:spPr>
+        <p:style>
+          <a:lnRef idx="1">
+            <a:schemeClr val="accent1"/>
+          </a:lnRef>
+          <a:fillRef idx="0">
+            <a:schemeClr val="accent1"/>
+          </a:fillRef>
+          <a:effectRef idx="0">
+            <a:schemeClr val="accent1"/>
+          </a:effectRef>
+          <a:fontRef idx="minor">
+            <a:schemeClr val="tx1"/>
+          </a:fontRef>
+        </p:style>
+      </p:cxnSp>
+      <p:sp>
+        <p:nvSpPr>
+          <p:cNvPr id="39" name="矩形: 圓角 38">
+            <a:extLst>
+              <a:ext uri="{FF2B5EF4-FFF2-40B4-BE49-F238E27FC236}">
+                <a16:creationId xmlns:a16="http://schemas.microsoft.com/office/drawing/2014/main" id="{B5F69231-DD7A-4189-BE86-F2B0CD1550D3}"/>
+              </a:ext>
+            </a:extLst>
+          </p:cNvPr>
+          <p:cNvSpPr/>
+          <p:nvPr/>
+        </p:nvSpPr>
+        <p:spPr>
+          <a:xfrm>
+            <a:off x="8138762" y="4515568"/>
+            <a:ext cx="372342" cy="207034"/>
+          </a:xfrm>
+          <a:prstGeom prst="roundRect">
+            <a:avLst>
+              <a:gd name="adj" fmla="val 12665"/>
+            </a:avLst>
+          </a:prstGeom>
+          <a:noFill/>
+          <a:ln w="12700">
+            <a:solidFill>
+              <a:srgbClr val="92D050"/>
+            </a:solidFill>
+          </a:ln>
+        </p:spPr>
+        <p:style>
+          <a:lnRef idx="2">
+            <a:schemeClr val="accent1">
+              <a:shade val="50000"/>
+            </a:schemeClr>
+          </a:lnRef>
+          <a:fillRef idx="1">
+            <a:schemeClr val="accent1"/>
+          </a:fillRef>
+          <a:effectRef idx="0">
+            <a:schemeClr val="accent1"/>
+          </a:effectRef>
+          <a:fontRef idx="minor">
+            <a:schemeClr val="lt1"/>
+          </a:fontRef>
+        </p:style>
+        <p:txBody>
+          <a:bodyPr rtlCol="0" anchor="ctr"/>
+          <a:lstStyle/>
+          <a:p>
+            <a:pPr algn="ctr"/>
+            <a:endParaRPr lang="zh-TW" altLang="en-US"/>
+          </a:p>
+        </p:txBody>
+      </p:sp>
+      <p:sp>
+        <p:nvSpPr>
+          <p:cNvPr id="40" name="矩形: 圓角 39">
+            <a:extLst>
+              <a:ext uri="{FF2B5EF4-FFF2-40B4-BE49-F238E27FC236}">
+                <a16:creationId xmlns:a16="http://schemas.microsoft.com/office/drawing/2014/main" id="{7439FE45-4177-4358-8D03-382BBD36FD2E}"/>
+              </a:ext>
+            </a:extLst>
+          </p:cNvPr>
+          <p:cNvSpPr/>
+          <p:nvPr/>
+        </p:nvSpPr>
+        <p:spPr>
+          <a:xfrm>
+            <a:off x="4437859" y="2158258"/>
+            <a:ext cx="347502" cy="1270742"/>
+          </a:xfrm>
+          <a:prstGeom prst="roundRect">
+            <a:avLst>
+              <a:gd name="adj" fmla="val 12665"/>
+            </a:avLst>
+          </a:prstGeom>
+          <a:noFill/>
+          <a:ln w="12700">
+            <a:solidFill>
+              <a:srgbClr val="92D050"/>
+            </a:solidFill>
+          </a:ln>
+        </p:spPr>
+        <p:style>
+          <a:lnRef idx="2">
+            <a:schemeClr val="accent1">
+              <a:shade val="50000"/>
+            </a:schemeClr>
+          </a:lnRef>
+          <a:fillRef idx="1">
+            <a:schemeClr val="accent1"/>
+          </a:fillRef>
+          <a:effectRef idx="0">
+            <a:schemeClr val="accent1"/>
+          </a:effectRef>
+          <a:fontRef idx="minor">
+            <a:schemeClr val="lt1"/>
+          </a:fontRef>
+        </p:style>
+        <p:txBody>
+          <a:bodyPr rtlCol="0" anchor="ctr"/>
+          <a:lstStyle/>
+          <a:p>
+            <a:pPr algn="ctr"/>
+            <a:endParaRPr lang="zh-TW" altLang="en-US"/>
+          </a:p>
+        </p:txBody>
+      </p:sp>
+      <p:cxnSp>
+        <p:nvCxnSpPr>
+          <p:cNvPr id="41" name="直線單箭頭接點 40">
+            <a:extLst>
+              <a:ext uri="{FF2B5EF4-FFF2-40B4-BE49-F238E27FC236}">
+                <a16:creationId xmlns:a16="http://schemas.microsoft.com/office/drawing/2014/main" id="{F6F69A43-E37E-402F-B436-AD1D3D4F677D}"/>
+              </a:ext>
+            </a:extLst>
+          </p:cNvPr>
+          <p:cNvCxnSpPr>
+            <a:cxnSpLocks/>
+            <a:stCxn id="40" idx="3"/>
+            <a:endCxn id="39" idx="1"/>
+          </p:cNvCxnSpPr>
+          <p:nvPr/>
+        </p:nvCxnSpPr>
+        <p:spPr>
+          <a:xfrm>
+            <a:off x="4785361" y="2793629"/>
+            <a:ext cx="3353401" cy="1825456"/>
+          </a:xfrm>
+          <a:prstGeom prst="straightConnector1">
+            <a:avLst/>
+          </a:prstGeom>
+          <a:ln w="12700">
+            <a:solidFill>
+              <a:srgbClr val="92D050"/>
+            </a:solidFill>
+            <a:tailEnd type="triangle"/>
+          </a:ln>
+        </p:spPr>
+        <p:style>
+          <a:lnRef idx="1">
+            <a:schemeClr val="accent1"/>
+          </a:lnRef>
+          <a:fillRef idx="0">
+            <a:schemeClr val="accent1"/>
+          </a:fillRef>
+          <a:effectRef idx="0">
+            <a:schemeClr val="accent1"/>
+          </a:effectRef>
+          <a:fontRef idx="minor">
+            <a:schemeClr val="tx1"/>
+          </a:fontRef>
+        </p:style>
+      </p:cxnSp>
+    </p:spTree>
+    <p:extLst>
+      <p:ext uri="{BB962C8B-B14F-4D97-AF65-F5344CB8AC3E}">
+        <p14:creationId xmlns:p14="http://schemas.microsoft.com/office/powerpoint/2010/main" val="3442193536"/>
+      </p:ext>
+    </p:extLst>
+  </p:cSld>
+  <p:clrMapOvr>
+    <a:masterClrMapping/>
+  </p:clrMapOvr>
+  <p:transition spd="slow">
+    <p:push dir="u"/>
+  </p:transition>
+  <p:timing>
+    <p:tnLst>
+      <p:par>
+        <p:cTn id="1" dur="indefinite" restart="never" nodeType="tmRoot">
+          <p:childTnLst>
+            <p:seq concurrent="1" nextAc="seek">
+              <p:cTn id="2" dur="indefinite" nodeType="mainSeq">
+                <p:childTnLst>
+                  <p:par>
+                    <p:cTn id="3" fill="hold">
+                      <p:stCondLst>
+                        <p:cond delay="indefinite"/>
+                      </p:stCondLst>
+                      <p:childTnLst>
+                        <p:par>
+                          <p:cTn id="4" fill="hold">
+                            <p:stCondLst>
+                              <p:cond delay="0"/>
+                            </p:stCondLst>
+                            <p:childTnLst>
+                              <p:par>
+                                <p:cTn id="5" presetID="21" presetClass="entr" presetSubtype="1" fill="hold" grpId="0" nodeType="clickEffect">
+                                  <p:stCondLst>
+                                    <p:cond delay="0"/>
+                                  </p:stCondLst>
+                                  <p:childTnLst>
+                                    <p:set>
+                                      <p:cBhvr>
+                                        <p:cTn id="6" dur="1" fill="hold">
+                                          <p:stCondLst>
+                                            <p:cond delay="0"/>
+                                          </p:stCondLst>
+                                        </p:cTn>
+                                        <p:tgtEl>
+                                          <p:spTgt spid="10"/>
+                                        </p:tgtEl>
+                                        <p:attrNameLst>
+                                          <p:attrName>style.visibility</p:attrName>
+                                        </p:attrNameLst>
+                                      </p:cBhvr>
+                                      <p:to>
+                                        <p:strVal val="visible"/>
+                                      </p:to>
+                                    </p:set>
+                                    <p:animEffect transition="in" filter="wheel(1)">
+                                      <p:cBhvr>
+                                        <p:cTn id="7" dur="500"/>
+                                        <p:tgtEl>
+                                          <p:spTgt spid="10"/>
+                                        </p:tgtEl>
+                                      </p:cBhvr>
+                                    </p:animEffect>
+                                  </p:childTnLst>
+                                </p:cTn>
+                              </p:par>
+                            </p:childTnLst>
+                          </p:cTn>
+                        </p:par>
+                        <p:par>
+                          <p:cTn id="8" fill="hold">
+                            <p:stCondLst>
+                              <p:cond delay="500"/>
+                            </p:stCondLst>
+                            <p:childTnLst>
+                              <p:par>
+                                <p:cTn id="9" presetID="10" presetClass="entr" presetSubtype="0" fill="hold" grpId="0" nodeType="afterEffect">
+                                  <p:stCondLst>
+                                    <p:cond delay="0"/>
+                                  </p:stCondLst>
+                                  <p:childTnLst>
+                                    <p:set>
+                                      <p:cBhvr>
+                                        <p:cTn id="10" dur="1" fill="hold">
+                                          <p:stCondLst>
+                                            <p:cond delay="0"/>
+                                          </p:stCondLst>
+                                        </p:cTn>
+                                        <p:tgtEl>
+                                          <p:spTgt spid="20"/>
+                                        </p:tgtEl>
+                                        <p:attrNameLst>
+                                          <p:attrName>style.visibility</p:attrName>
+                                        </p:attrNameLst>
+                                      </p:cBhvr>
+                                      <p:to>
+                                        <p:strVal val="visible"/>
+                                      </p:to>
+                                    </p:set>
+                                    <p:animEffect transition="in" filter="fade">
+                                      <p:cBhvr>
+                                        <p:cTn id="11" dur="500"/>
+                                        <p:tgtEl>
+                                          <p:spTgt spid="20"/>
+                                        </p:tgtEl>
+                                      </p:cBhvr>
+                                    </p:animEffect>
+                                  </p:childTnLst>
+                                </p:cTn>
+                              </p:par>
+                            </p:childTnLst>
+                          </p:cTn>
+                        </p:par>
+                      </p:childTnLst>
+                    </p:cTn>
+                  </p:par>
+                  <p:par>
+                    <p:cTn id="12" fill="hold">
+                      <p:stCondLst>
+                        <p:cond delay="indefinite"/>
+                      </p:stCondLst>
+                      <p:childTnLst>
+                        <p:par>
+                          <p:cTn id="13" fill="hold">
+                            <p:stCondLst>
+                              <p:cond delay="0"/>
+                            </p:stCondLst>
+                            <p:childTnLst>
+                              <p:par>
+                                <p:cTn id="14" presetID="10" presetClass="entr" presetSubtype="0" fill="hold" nodeType="clickEffect">
+                                  <p:stCondLst>
+                                    <p:cond delay="0"/>
+                                  </p:stCondLst>
+                                  <p:childTnLst>
+                                    <p:set>
+                                      <p:cBhvr>
+                                        <p:cTn id="15" dur="1" fill="hold">
+                                          <p:stCondLst>
+                                            <p:cond delay="0"/>
+                                          </p:stCondLst>
+                                        </p:cTn>
+                                        <p:tgtEl>
+                                          <p:spTgt spid="33"/>
+                                        </p:tgtEl>
+                                        <p:attrNameLst>
+                                          <p:attrName>style.visibility</p:attrName>
+                                        </p:attrNameLst>
+                                      </p:cBhvr>
+                                      <p:to>
+                                        <p:strVal val="visible"/>
+                                      </p:to>
+                                    </p:set>
+                                    <p:animEffect transition="in" filter="fade">
+                                      <p:cBhvr>
+                                        <p:cTn id="16" dur="500"/>
+                                        <p:tgtEl>
+                                          <p:spTgt spid="33"/>
+                                        </p:tgtEl>
+                                      </p:cBhvr>
+                                    </p:animEffect>
+                                  </p:childTnLst>
+                                </p:cTn>
+                              </p:par>
+                            </p:childTnLst>
+                          </p:cTn>
+                        </p:par>
+                      </p:childTnLst>
+                    </p:cTn>
+                  </p:par>
+                  <p:par>
+                    <p:cTn id="17" fill="hold">
+                      <p:stCondLst>
+                        <p:cond delay="indefinite"/>
+                      </p:stCondLst>
+                      <p:childTnLst>
+                        <p:par>
+                          <p:cTn id="18" fill="hold">
+                            <p:stCondLst>
+                              <p:cond delay="0"/>
+                            </p:stCondLst>
+                            <p:childTnLst>
+                              <p:par>
+                                <p:cTn id="19" presetID="21" presetClass="entr" presetSubtype="1" fill="hold" grpId="0" nodeType="clickEffect">
+                                  <p:stCondLst>
+                                    <p:cond delay="0"/>
+                                  </p:stCondLst>
+                                  <p:childTnLst>
+                                    <p:set>
+                                      <p:cBhvr>
+                                        <p:cTn id="20" dur="1" fill="hold">
+                                          <p:stCondLst>
+                                            <p:cond delay="0"/>
+                                          </p:stCondLst>
+                                        </p:cTn>
+                                        <p:tgtEl>
+                                          <p:spTgt spid="36"/>
+                                        </p:tgtEl>
+                                        <p:attrNameLst>
+                                          <p:attrName>style.visibility</p:attrName>
+                                        </p:attrNameLst>
+                                      </p:cBhvr>
+                                      <p:to>
+                                        <p:strVal val="visible"/>
+                                      </p:to>
+                                    </p:set>
+                                    <p:animEffect transition="in" filter="wheel(1)">
+                                      <p:cBhvr>
+                                        <p:cTn id="21" dur="500"/>
+                                        <p:tgtEl>
+                                          <p:spTgt spid="36"/>
+                                        </p:tgtEl>
+                                      </p:cBhvr>
+                                    </p:animEffect>
+                                  </p:childTnLst>
+                                </p:cTn>
+                              </p:par>
+                            </p:childTnLst>
+                          </p:cTn>
+                        </p:par>
+                        <p:par>
+                          <p:cTn id="22" fill="hold">
+                            <p:stCondLst>
+                              <p:cond delay="500"/>
+                            </p:stCondLst>
+                            <p:childTnLst>
+                              <p:par>
+                                <p:cTn id="23" presetID="22" presetClass="entr" presetSubtype="8" fill="hold" nodeType="afterEffect">
+                                  <p:stCondLst>
+                                    <p:cond delay="0"/>
+                                  </p:stCondLst>
+                                  <p:childTnLst>
+                                    <p:set>
+                                      <p:cBhvr>
+                                        <p:cTn id="24" dur="1" fill="hold">
+                                          <p:stCondLst>
+                                            <p:cond delay="0"/>
+                                          </p:stCondLst>
+                                        </p:cTn>
+                                        <p:tgtEl>
+                                          <p:spTgt spid="38"/>
+                                        </p:tgtEl>
+                                        <p:attrNameLst>
+                                          <p:attrName>style.visibility</p:attrName>
+                                        </p:attrNameLst>
+                                      </p:cBhvr>
+                                      <p:to>
+                                        <p:strVal val="visible"/>
+                                      </p:to>
+                                    </p:set>
+                                    <p:animEffect transition="in" filter="wipe(left)">
+                                      <p:cBhvr>
+                                        <p:cTn id="25" dur="500"/>
+                                        <p:tgtEl>
+                                          <p:spTgt spid="38"/>
+                                        </p:tgtEl>
+                                      </p:cBhvr>
+                                    </p:animEffect>
+                                  </p:childTnLst>
+                                </p:cTn>
+                              </p:par>
+                            </p:childTnLst>
+                          </p:cTn>
+                        </p:par>
+                        <p:par>
+                          <p:cTn id="26" fill="hold">
+                            <p:stCondLst>
+                              <p:cond delay="1000"/>
+                            </p:stCondLst>
+                            <p:childTnLst>
+                              <p:par>
+                                <p:cTn id="27" presetID="21" presetClass="entr" presetSubtype="1" fill="hold" grpId="0" nodeType="afterEffect">
+                                  <p:stCondLst>
+                                    <p:cond delay="0"/>
+                                  </p:stCondLst>
+                                  <p:childTnLst>
+                                    <p:set>
+                                      <p:cBhvr>
+                                        <p:cTn id="28" dur="1" fill="hold">
+                                          <p:stCondLst>
+                                            <p:cond delay="0"/>
+                                          </p:stCondLst>
+                                        </p:cTn>
+                                        <p:tgtEl>
+                                          <p:spTgt spid="35"/>
+                                        </p:tgtEl>
+                                        <p:attrNameLst>
+                                          <p:attrName>style.visibility</p:attrName>
+                                        </p:attrNameLst>
+                                      </p:cBhvr>
+                                      <p:to>
+                                        <p:strVal val="visible"/>
+                                      </p:to>
+                                    </p:set>
+                                    <p:animEffect transition="in" filter="wheel(1)">
+                                      <p:cBhvr>
+                                        <p:cTn id="29" dur="500"/>
+                                        <p:tgtEl>
+                                          <p:spTgt spid="35"/>
+                                        </p:tgtEl>
+                                      </p:cBhvr>
+                                    </p:animEffect>
+                                  </p:childTnLst>
+                                </p:cTn>
+                              </p:par>
+                            </p:childTnLst>
+                          </p:cTn>
+                        </p:par>
+                      </p:childTnLst>
+                    </p:cTn>
+                  </p:par>
+                  <p:par>
+                    <p:cTn id="30" fill="hold">
+                      <p:stCondLst>
+                        <p:cond delay="indefinite"/>
+                      </p:stCondLst>
+                      <p:childTnLst>
+                        <p:par>
+                          <p:cTn id="31" fill="hold">
+                            <p:stCondLst>
+                              <p:cond delay="0"/>
+                            </p:stCondLst>
+                            <p:childTnLst>
+                              <p:par>
+                                <p:cTn id="32" presetID="21" presetClass="entr" presetSubtype="1" fill="hold" grpId="0" nodeType="clickEffect">
+                                  <p:stCondLst>
+                                    <p:cond delay="0"/>
+                                  </p:stCondLst>
+                                  <p:childTnLst>
+                                    <p:set>
+                                      <p:cBhvr>
+                                        <p:cTn id="33" dur="1" fill="hold">
+                                          <p:stCondLst>
+                                            <p:cond delay="0"/>
+                                          </p:stCondLst>
+                                        </p:cTn>
+                                        <p:tgtEl>
+                                          <p:spTgt spid="40"/>
+                                        </p:tgtEl>
+                                        <p:attrNameLst>
+                                          <p:attrName>style.visibility</p:attrName>
+                                        </p:attrNameLst>
+                                      </p:cBhvr>
+                                      <p:to>
+                                        <p:strVal val="visible"/>
+                                      </p:to>
+                                    </p:set>
+                                    <p:animEffect transition="in" filter="wheel(1)">
+                                      <p:cBhvr>
+                                        <p:cTn id="34" dur="500"/>
+                                        <p:tgtEl>
+                                          <p:spTgt spid="40"/>
+                                        </p:tgtEl>
+                                      </p:cBhvr>
+                                    </p:animEffect>
+                                  </p:childTnLst>
+                                </p:cTn>
+                              </p:par>
+                            </p:childTnLst>
+                          </p:cTn>
+                        </p:par>
+                        <p:par>
+                          <p:cTn id="35" fill="hold">
+                            <p:stCondLst>
+                              <p:cond delay="500"/>
+                            </p:stCondLst>
+                            <p:childTnLst>
+                              <p:par>
+                                <p:cTn id="36" presetID="22" presetClass="entr" presetSubtype="8" fill="hold" nodeType="afterEffect">
+                                  <p:stCondLst>
+                                    <p:cond delay="0"/>
+                                  </p:stCondLst>
+                                  <p:childTnLst>
+                                    <p:set>
+                                      <p:cBhvr>
+                                        <p:cTn id="37" dur="1" fill="hold">
+                                          <p:stCondLst>
+                                            <p:cond delay="0"/>
+                                          </p:stCondLst>
+                                        </p:cTn>
+                                        <p:tgtEl>
+                                          <p:spTgt spid="41"/>
+                                        </p:tgtEl>
+                                        <p:attrNameLst>
+                                          <p:attrName>style.visibility</p:attrName>
+                                        </p:attrNameLst>
+                                      </p:cBhvr>
+                                      <p:to>
+                                        <p:strVal val="visible"/>
+                                      </p:to>
+                                    </p:set>
+                                    <p:animEffect transition="in" filter="wipe(left)">
+                                      <p:cBhvr>
+                                        <p:cTn id="38" dur="500"/>
+                                        <p:tgtEl>
+                                          <p:spTgt spid="41"/>
+                                        </p:tgtEl>
+                                      </p:cBhvr>
+                                    </p:animEffect>
+                                  </p:childTnLst>
+                                </p:cTn>
+                              </p:par>
+                            </p:childTnLst>
+                          </p:cTn>
+                        </p:par>
+                        <p:par>
+                          <p:cTn id="39" fill="hold">
+                            <p:stCondLst>
+                              <p:cond delay="1000"/>
+                            </p:stCondLst>
+                            <p:childTnLst>
+                              <p:par>
+                                <p:cTn id="40" presetID="21" presetClass="entr" presetSubtype="1" fill="hold" grpId="0" nodeType="afterEffect">
+                                  <p:stCondLst>
+                                    <p:cond delay="0"/>
+                                  </p:stCondLst>
+                                  <p:childTnLst>
+                                    <p:set>
+                                      <p:cBhvr>
+                                        <p:cTn id="41" dur="1" fill="hold">
+                                          <p:stCondLst>
+                                            <p:cond delay="0"/>
+                                          </p:stCondLst>
+                                        </p:cTn>
+                                        <p:tgtEl>
+                                          <p:spTgt spid="39"/>
+                                        </p:tgtEl>
+                                        <p:attrNameLst>
+                                          <p:attrName>style.visibility</p:attrName>
+                                        </p:attrNameLst>
+                                      </p:cBhvr>
+                                      <p:to>
+                                        <p:strVal val="visible"/>
+                                      </p:to>
+                                    </p:set>
+                                    <p:animEffect transition="in" filter="wheel(1)">
+                                      <p:cBhvr>
+                                        <p:cTn id="42" dur="500"/>
+                                        <p:tgtEl>
+                                          <p:spTgt spid="39"/>
+                                        </p:tgtEl>
+                                      </p:cBhvr>
+                                    </p:animEffect>
+                                  </p:childTnLst>
+                                </p:cTn>
+                              </p:par>
+                            </p:childTnLst>
+                          </p:cTn>
+                        </p:par>
+                      </p:childTnLst>
+                    </p:cTn>
+                  </p:par>
+                </p:childTnLst>
+              </p:cTn>
+              <p:prevCondLst>
+                <p:cond evt="onPrev" delay="0">
+                  <p:tgtEl>
+                    <p:sldTgt/>
+                  </p:tgtEl>
+                </p:cond>
+              </p:prevCondLst>
+              <p:nextCondLst>
+                <p:cond evt="onNext" delay="0">
+                  <p:tgtEl>
+                    <p:sldTgt/>
+                  </p:tgtEl>
+                </p:cond>
+              </p:nextCondLst>
+            </p:seq>
+          </p:childTnLst>
+        </p:cTn>
+      </p:par>
+    </p:tnLst>
+    <p:bldLst>
+      <p:bldP spid="10" grpId="0" animBg="1"/>
+      <p:bldP spid="20" grpId="0"/>
+      <p:bldP spid="35" grpId="0" animBg="1"/>
+      <p:bldP spid="36" grpId="0" animBg="1"/>
+      <p:bldP spid="39" grpId="0" animBg="1"/>
+      <p:bldP spid="40" grpId="0" animBg="1"/>
+    </p:bldLst>
+  </p:timing>
 </p:sld>
 </file>
 
@@ -11754,7 +15595,7 @@
           <a:p>
             <a:r>
               <a:rPr lang="zh-TW" altLang="en-US"/>
-              <a:t>則可以不寫程式碼區塊，直接寫陳述式</a:t>
+              <a:t>則可以不寫區塊，直接寫陳述式</a:t>
             </a:r>
             <a:endParaRPr lang="en-US" altLang="zh-TW"/>
           </a:p>
@@ -12749,6 +16590,1666 @@
       </p:sp>
       <p:grpSp>
         <p:nvGrpSpPr>
+          <p:cNvPr id="3" name="群組 2">
+            <a:extLst>
+              <a:ext uri="{FF2B5EF4-FFF2-40B4-BE49-F238E27FC236}">
+                <a16:creationId xmlns:a16="http://schemas.microsoft.com/office/drawing/2014/main" id="{E4DB2DCC-280A-493E-8ED3-BB53B3873919}"/>
+              </a:ext>
+            </a:extLst>
+          </p:cNvPr>
+          <p:cNvGrpSpPr/>
+          <p:nvPr/>
+        </p:nvGrpSpPr>
+        <p:grpSpPr>
+          <a:xfrm>
+            <a:off x="466164" y="1599545"/>
+            <a:ext cx="10887635" cy="4770537"/>
+            <a:chOff x="466164" y="1599545"/>
+            <a:chExt cx="10887635" cy="4770537"/>
+          </a:xfrm>
+        </p:grpSpPr>
+        <p:sp>
+          <p:nvSpPr>
+            <p:cNvPr id="4" name="Rectangle 1">
+              <a:extLst>
+                <a:ext uri="{FF2B5EF4-FFF2-40B4-BE49-F238E27FC236}">
+                  <a16:creationId xmlns:a16="http://schemas.microsoft.com/office/drawing/2014/main" id="{8E297E17-56BB-418D-B55B-653CAC680C83}"/>
+                </a:ext>
+              </a:extLst>
+            </p:cNvPr>
+            <p:cNvSpPr>
+              <a:spLocks noChangeArrowheads="1"/>
+            </p:cNvSpPr>
+            <p:nvPr/>
+          </p:nvSpPr>
+          <p:spPr bwMode="auto">
+            <a:xfrm>
+              <a:off x="466164" y="1599545"/>
+              <a:ext cx="10887635" cy="4770537"/>
+            </a:xfrm>
+            <a:prstGeom prst="rect">
+              <a:avLst/>
+            </a:prstGeom>
+            <a:solidFill>
+              <a:srgbClr val="1E1F22"/>
+            </a:solidFill>
+            <a:ln>
+              <a:noFill/>
+            </a:ln>
+            <a:effectLst/>
+            <a:extLst>
+              <a:ext uri="{91240B29-F687-4F45-9708-019B960494DF}">
+                <a14:hiddenLine xmlns:a14="http://schemas.microsoft.com/office/drawing/2010/main" w="9525">
+                  <a:solidFill>
+                    <a:schemeClr val="tx1"/>
+                  </a:solidFill>
+                  <a:miter lim="800000"/>
+                  <a:headEnd/>
+                  <a:tailEnd/>
+                </a14:hiddenLine>
+              </a:ext>
+              <a:ext uri="{AF507438-7753-43E0-B8FC-AC1667EBCBE1}">
+                <a14:hiddenEffects xmlns:a14="http://schemas.microsoft.com/office/drawing/2010/main">
+                  <a:effectLst>
+                    <a:outerShdw dist="35921" dir="2700000" algn="ctr" rotWithShape="0">
+                      <a:schemeClr val="bg2"/>
+                    </a:outerShdw>
+                  </a:effectLst>
+                </a14:hiddenEffects>
+              </a:ext>
+            </a:extLst>
+          </p:spPr>
+          <p:txBody>
+            <a:bodyPr vert="horz" wrap="square" lIns="91440" tIns="45720" rIns="91440" bIns="45720" numCol="1" anchor="ctr" anchorCtr="0" compatLnSpc="1">
+              <a:prstTxWarp prst="textNoShape">
+                <a:avLst/>
+              </a:prstTxWarp>
+              <a:spAutoFit/>
+            </a:bodyPr>
+            <a:lstStyle/>
+            <a:p>
+              <a:pPr eaLnBrk="0" fontAlgn="base" hangingPunct="0">
+                <a:spcBef>
+                  <a:spcPct val="0"/>
+                </a:spcBef>
+                <a:spcAft>
+                  <a:spcPct val="0"/>
+                </a:spcAft>
+              </a:pPr>
+              <a:r>
+                <a:rPr kumimoji="0" lang="zh-TW" altLang="zh-TW" sz="1600" b="0" i="0" u="none" strike="noStrike" cap="none" normalizeH="0" baseline="0">
+                  <a:ln>
+                    <a:noFill/>
+                  </a:ln>
+                  <a:solidFill>
+                    <a:srgbClr val="CF8E6D"/>
+                  </a:solidFill>
+                  <a:effectLst/>
+                  <a:latin typeface="+mj-lt"/>
+                  <a:cs typeface="JetBrains Mono" panose="02000009000000000000" pitchFamily="49" charset="0"/>
+                </a:rPr>
+                <a:t>import </a:t>
+              </a:r>
+              <a:r>
+                <a:rPr kumimoji="0" lang="zh-TW" altLang="zh-TW" sz="1600" b="0" i="0" u="none" strike="noStrike" cap="none" normalizeH="0" baseline="0">
+                  <a:ln>
+                    <a:noFill/>
+                  </a:ln>
+                  <a:solidFill>
+                    <a:srgbClr val="BCBEC4"/>
+                  </a:solidFill>
+                  <a:effectLst/>
+                  <a:latin typeface="+mj-lt"/>
+                  <a:cs typeface="JetBrains Mono" panose="02000009000000000000" pitchFamily="49" charset="0"/>
+                </a:rPr>
+                <a:t>java.util.Scanner;</a:t>
+              </a:r>
+              <a:br>
+                <a:rPr kumimoji="0" lang="zh-TW" altLang="zh-TW" sz="1600" b="0" i="0" u="none" strike="noStrike" cap="none" normalizeH="0" baseline="0">
+                  <a:ln>
+                    <a:noFill/>
+                  </a:ln>
+                  <a:solidFill>
+                    <a:srgbClr val="BCBEC4"/>
+                  </a:solidFill>
+                  <a:effectLst/>
+                  <a:latin typeface="+mj-lt"/>
+                  <a:cs typeface="JetBrains Mono" panose="02000009000000000000" pitchFamily="49" charset="0"/>
+                </a:rPr>
+              </a:br>
+              <a:br>
+                <a:rPr kumimoji="0" lang="zh-TW" altLang="zh-TW" sz="1600" b="0" i="0" u="none" strike="noStrike" cap="none" normalizeH="0" baseline="0">
+                  <a:ln>
+                    <a:noFill/>
+                  </a:ln>
+                  <a:solidFill>
+                    <a:srgbClr val="BCBEC4"/>
+                  </a:solidFill>
+                  <a:effectLst/>
+                  <a:latin typeface="+mj-lt"/>
+                  <a:cs typeface="JetBrains Mono" panose="02000009000000000000" pitchFamily="49" charset="0"/>
+                </a:rPr>
+              </a:br>
+              <a:r>
+                <a:rPr kumimoji="0" lang="zh-TW" altLang="zh-TW" sz="1600" b="0" i="0" u="none" strike="noStrike" cap="none" normalizeH="0" baseline="0">
+                  <a:ln>
+                    <a:noFill/>
+                  </a:ln>
+                  <a:solidFill>
+                    <a:srgbClr val="CF8E6D"/>
+                  </a:solidFill>
+                  <a:effectLst/>
+                  <a:latin typeface="+mj-lt"/>
+                  <a:cs typeface="JetBrains Mono" panose="02000009000000000000" pitchFamily="49" charset="0"/>
+                </a:rPr>
+                <a:t>public class </a:t>
+              </a:r>
+              <a:r>
+                <a:rPr kumimoji="0" lang="zh-TW" altLang="zh-TW" sz="1600" b="0" i="0" u="none" strike="noStrike" cap="none" normalizeH="0" baseline="0">
+                  <a:ln>
+                    <a:noFill/>
+                  </a:ln>
+                  <a:solidFill>
+                    <a:srgbClr val="BCBEC4"/>
+                  </a:solidFill>
+                  <a:effectLst/>
+                  <a:latin typeface="+mj-lt"/>
+                  <a:cs typeface="JetBrains Mono" panose="02000009000000000000" pitchFamily="49" charset="0"/>
+                </a:rPr>
+                <a:t>Main {</a:t>
+              </a:r>
+              <a:br>
+                <a:rPr kumimoji="0" lang="zh-TW" altLang="zh-TW" sz="1600" b="0" i="0" u="none" strike="noStrike" cap="none" normalizeH="0" baseline="0">
+                  <a:ln>
+                    <a:noFill/>
+                  </a:ln>
+                  <a:solidFill>
+                    <a:srgbClr val="BCBEC4"/>
+                  </a:solidFill>
+                  <a:effectLst/>
+                  <a:latin typeface="+mj-lt"/>
+                  <a:cs typeface="JetBrains Mono" panose="02000009000000000000" pitchFamily="49" charset="0"/>
+                </a:rPr>
+              </a:br>
+              <a:r>
+                <a:rPr kumimoji="0" lang="zh-TW" altLang="zh-TW" sz="1600" b="0" i="0" u="none" strike="noStrike" cap="none" normalizeH="0" baseline="0">
+                  <a:ln>
+                    <a:noFill/>
+                  </a:ln>
+                  <a:solidFill>
+                    <a:srgbClr val="BCBEC4"/>
+                  </a:solidFill>
+                  <a:effectLst/>
+                  <a:latin typeface="+mj-lt"/>
+                  <a:cs typeface="JetBrains Mono" panose="02000009000000000000" pitchFamily="49" charset="0"/>
+                </a:rPr>
+                <a:t>    </a:t>
+              </a:r>
+              <a:r>
+                <a:rPr kumimoji="0" lang="zh-TW" altLang="zh-TW" sz="1600" b="0" i="0" u="none" strike="noStrike" cap="none" normalizeH="0" baseline="0">
+                  <a:ln>
+                    <a:noFill/>
+                  </a:ln>
+                  <a:solidFill>
+                    <a:srgbClr val="CF8E6D"/>
+                  </a:solidFill>
+                  <a:effectLst/>
+                  <a:latin typeface="+mj-lt"/>
+                  <a:cs typeface="JetBrains Mono" panose="02000009000000000000" pitchFamily="49" charset="0"/>
+                </a:rPr>
+                <a:t>public static void </a:t>
+              </a:r>
+              <a:r>
+                <a:rPr kumimoji="0" lang="zh-TW" altLang="zh-TW" sz="1600" b="0" i="0" u="none" strike="noStrike" cap="none" normalizeH="0" baseline="0">
+                  <a:ln>
+                    <a:noFill/>
+                  </a:ln>
+                  <a:solidFill>
+                    <a:srgbClr val="56A8F5"/>
+                  </a:solidFill>
+                  <a:effectLst/>
+                  <a:latin typeface="+mj-lt"/>
+                  <a:cs typeface="JetBrains Mono" panose="02000009000000000000" pitchFamily="49" charset="0"/>
+                </a:rPr>
+                <a:t>main</a:t>
+              </a:r>
+              <a:r>
+                <a:rPr kumimoji="0" lang="zh-TW" altLang="zh-TW" sz="1600" b="0" i="0" u="none" strike="noStrike" cap="none" normalizeH="0" baseline="0">
+                  <a:ln>
+                    <a:noFill/>
+                  </a:ln>
+                  <a:solidFill>
+                    <a:srgbClr val="BCBEC4"/>
+                  </a:solidFill>
+                  <a:effectLst/>
+                  <a:latin typeface="+mj-lt"/>
+                  <a:cs typeface="JetBrains Mono" panose="02000009000000000000" pitchFamily="49" charset="0"/>
+                </a:rPr>
+                <a:t>(String[] args) {</a:t>
+              </a:r>
+              <a:br>
+                <a:rPr kumimoji="0" lang="zh-TW" altLang="zh-TW" sz="1600" b="0" i="0" u="none" strike="noStrike" cap="none" normalizeH="0" baseline="0">
+                  <a:ln>
+                    <a:noFill/>
+                  </a:ln>
+                  <a:solidFill>
+                    <a:srgbClr val="BCBEC4"/>
+                  </a:solidFill>
+                  <a:effectLst/>
+                  <a:latin typeface="+mj-lt"/>
+                  <a:cs typeface="JetBrains Mono" panose="02000009000000000000" pitchFamily="49" charset="0"/>
+                </a:rPr>
+              </a:br>
+              <a:r>
+                <a:rPr kumimoji="0" lang="zh-TW" altLang="zh-TW" sz="1600" b="0" i="0" u="none" strike="noStrike" cap="none" normalizeH="0" baseline="0">
+                  <a:ln>
+                    <a:noFill/>
+                  </a:ln>
+                  <a:solidFill>
+                    <a:srgbClr val="BCBEC4"/>
+                  </a:solidFill>
+                  <a:effectLst/>
+                  <a:latin typeface="+mj-lt"/>
+                  <a:cs typeface="JetBrains Mono" panose="02000009000000000000" pitchFamily="49" charset="0"/>
+                </a:rPr>
+                <a:t>        Scanner scanner = </a:t>
+              </a:r>
+              <a:r>
+                <a:rPr kumimoji="0" lang="zh-TW" altLang="zh-TW" sz="1600" b="0" i="0" u="none" strike="noStrike" cap="none" normalizeH="0" baseline="0">
+                  <a:ln>
+                    <a:noFill/>
+                  </a:ln>
+                  <a:solidFill>
+                    <a:srgbClr val="CF8E6D"/>
+                  </a:solidFill>
+                  <a:effectLst/>
+                  <a:latin typeface="+mj-lt"/>
+                  <a:cs typeface="JetBrains Mono" panose="02000009000000000000" pitchFamily="49" charset="0"/>
+                </a:rPr>
+                <a:t>new </a:t>
+              </a:r>
+              <a:r>
+                <a:rPr kumimoji="0" lang="zh-TW" altLang="zh-TW" sz="1600" b="0" i="0" u="none" strike="noStrike" cap="none" normalizeH="0" baseline="0">
+                  <a:ln>
+                    <a:noFill/>
+                  </a:ln>
+                  <a:solidFill>
+                    <a:srgbClr val="BCBEC4"/>
+                  </a:solidFill>
+                  <a:effectLst/>
+                  <a:latin typeface="+mj-lt"/>
+                  <a:cs typeface="JetBrains Mono" panose="02000009000000000000" pitchFamily="49" charset="0"/>
+                </a:rPr>
+                <a:t>Scanner(System.</a:t>
+              </a:r>
+              <a:r>
+                <a:rPr kumimoji="0" lang="zh-TW" altLang="zh-TW" sz="1600" b="0" i="1" u="none" strike="noStrike" cap="none" normalizeH="0" baseline="0">
+                  <a:ln>
+                    <a:noFill/>
+                  </a:ln>
+                  <a:solidFill>
+                    <a:srgbClr val="C77DBB"/>
+                  </a:solidFill>
+                  <a:effectLst/>
+                  <a:latin typeface="+mj-lt"/>
+                  <a:cs typeface="JetBrains Mono" panose="02000009000000000000" pitchFamily="49" charset="0"/>
+                </a:rPr>
+                <a:t>in</a:t>
+              </a:r>
+              <a:r>
+                <a:rPr kumimoji="0" lang="zh-TW" altLang="zh-TW" sz="1600" b="0" i="0" u="none" strike="noStrike" cap="none" normalizeH="0" baseline="0">
+                  <a:ln>
+                    <a:noFill/>
+                  </a:ln>
+                  <a:solidFill>
+                    <a:srgbClr val="BCBEC4"/>
+                  </a:solidFill>
+                  <a:effectLst/>
+                  <a:latin typeface="+mj-lt"/>
+                  <a:cs typeface="JetBrains Mono" panose="02000009000000000000" pitchFamily="49" charset="0"/>
+                </a:rPr>
+                <a:t>);</a:t>
+              </a:r>
+              <a:br>
+                <a:rPr kumimoji="0" lang="zh-TW" altLang="zh-TW" sz="1600" b="0" i="0" u="none" strike="noStrike" cap="none" normalizeH="0" baseline="0">
+                  <a:ln>
+                    <a:noFill/>
+                  </a:ln>
+                  <a:solidFill>
+                    <a:srgbClr val="BCBEC4"/>
+                  </a:solidFill>
+                  <a:effectLst/>
+                  <a:latin typeface="+mj-lt"/>
+                  <a:cs typeface="JetBrains Mono" panose="02000009000000000000" pitchFamily="49" charset="0"/>
+                </a:rPr>
+              </a:br>
+              <a:r>
+                <a:rPr kumimoji="0" lang="zh-TW" altLang="zh-TW" sz="1600" b="0" i="0" u="none" strike="noStrike" cap="none" normalizeH="0" baseline="0">
+                  <a:ln>
+                    <a:noFill/>
+                  </a:ln>
+                  <a:solidFill>
+                    <a:srgbClr val="BCBEC4"/>
+                  </a:solidFill>
+                  <a:effectLst/>
+                  <a:latin typeface="+mj-lt"/>
+                  <a:cs typeface="JetBrains Mono" panose="02000009000000000000" pitchFamily="49" charset="0"/>
+                </a:rPr>
+                <a:t>        String input = scanner.next();</a:t>
+              </a:r>
+              <a:br>
+                <a:rPr kumimoji="0" lang="zh-TW" altLang="zh-TW" sz="1600" b="0" i="0" u="none" strike="noStrike" cap="none" normalizeH="0" baseline="0">
+                  <a:ln>
+                    <a:noFill/>
+                  </a:ln>
+                  <a:solidFill>
+                    <a:srgbClr val="BCBEC4"/>
+                  </a:solidFill>
+                  <a:effectLst/>
+                  <a:latin typeface="+mj-lt"/>
+                  <a:cs typeface="JetBrains Mono" panose="02000009000000000000" pitchFamily="49" charset="0"/>
+                </a:rPr>
+              </a:br>
+              <a:r>
+                <a:rPr kumimoji="0" lang="zh-TW" altLang="zh-TW" sz="1600" b="0" i="0" u="none" strike="noStrike" cap="none" normalizeH="0" baseline="0">
+                  <a:ln>
+                    <a:noFill/>
+                  </a:ln>
+                  <a:solidFill>
+                    <a:srgbClr val="BCBEC4"/>
+                  </a:solidFill>
+                  <a:effectLst/>
+                  <a:latin typeface="+mj-lt"/>
+                  <a:cs typeface="JetBrains Mono" panose="02000009000000000000" pitchFamily="49" charset="0"/>
+                </a:rPr>
+                <a:t>        </a:t>
+              </a:r>
+              <a:r>
+                <a:rPr kumimoji="0" lang="zh-TW" altLang="zh-TW" sz="1600" b="0" i="0" u="none" strike="noStrike" cap="none" normalizeH="0" baseline="0">
+                  <a:ln>
+                    <a:noFill/>
+                  </a:ln>
+                  <a:solidFill>
+                    <a:srgbClr val="CF8E6D"/>
+                  </a:solidFill>
+                  <a:effectLst/>
+                  <a:latin typeface="+mj-lt"/>
+                  <a:cs typeface="JetBrains Mono" panose="02000009000000000000" pitchFamily="49" charset="0"/>
+                </a:rPr>
+                <a:t>if </a:t>
+              </a:r>
+              <a:r>
+                <a:rPr kumimoji="0" lang="zh-TW" altLang="zh-TW" sz="1600" b="0" i="0" u="none" strike="noStrike" cap="none" normalizeH="0" baseline="0">
+                  <a:ln>
+                    <a:noFill/>
+                  </a:ln>
+                  <a:solidFill>
+                    <a:srgbClr val="BCBEC4"/>
+                  </a:solidFill>
+                  <a:effectLst/>
+                  <a:latin typeface="+mj-lt"/>
+                  <a:cs typeface="JetBrains Mono" panose="02000009000000000000" pitchFamily="49" charset="0"/>
+                </a:rPr>
+                <a:t>(input.equals(</a:t>
+              </a:r>
+              <a:r>
+                <a:rPr kumimoji="0" lang="zh-TW" altLang="zh-TW" sz="1600" b="0" i="0" u="none" strike="noStrike" cap="none" normalizeH="0" baseline="0">
+                  <a:ln>
+                    <a:noFill/>
+                  </a:ln>
+                  <a:solidFill>
+                    <a:srgbClr val="6AAB73"/>
+                  </a:solidFill>
+                  <a:effectLst/>
+                  <a:latin typeface="+mj-lt"/>
+                  <a:cs typeface="JetBrains Mono" panose="02000009000000000000" pitchFamily="49" charset="0"/>
+                </a:rPr>
+                <a:t>"</a:t>
+              </a:r>
+              <a:r>
+                <a:rPr kumimoji="0" lang="zh-TW" altLang="zh-TW" sz="1600" b="0" i="0" u="none" strike="noStrike" cap="none" normalizeH="0" baseline="0">
+                  <a:ln>
+                    <a:noFill/>
+                  </a:ln>
+                  <a:solidFill>
+                    <a:srgbClr val="6AAB73"/>
+                  </a:solidFill>
+                  <a:effectLst/>
+                  <a:latin typeface="+mj-lt"/>
+                  <a:ea typeface="微軟正黑體" panose="020B0604030504040204" pitchFamily="34" charset="-120"/>
+                  <a:cs typeface="JetBrains Mono" panose="02000009000000000000" pitchFamily="49" charset="0"/>
+                </a:rPr>
+                <a:t>回憶過去</a:t>
+              </a:r>
+              <a:r>
+                <a:rPr kumimoji="0" lang="zh-TW" altLang="zh-TW" sz="1600" b="0" i="0" u="none" strike="noStrike" cap="none" normalizeH="0" baseline="0">
+                  <a:ln>
+                    <a:noFill/>
+                  </a:ln>
+                  <a:solidFill>
+                    <a:srgbClr val="6AAB73"/>
+                  </a:solidFill>
+                  <a:effectLst/>
+                  <a:latin typeface="+mj-lt"/>
+                  <a:cs typeface="JetBrains Mono" panose="02000009000000000000" pitchFamily="49" charset="0"/>
+                </a:rPr>
+                <a:t>"</a:t>
+              </a:r>
+              <a:r>
+                <a:rPr kumimoji="0" lang="zh-TW" altLang="zh-TW" sz="1600" b="0" i="0" u="none" strike="noStrike" cap="none" normalizeH="0" baseline="0">
+                  <a:ln>
+                    <a:noFill/>
+                  </a:ln>
+                  <a:solidFill>
+                    <a:srgbClr val="BCBEC4"/>
+                  </a:solidFill>
+                  <a:effectLst/>
+                  <a:latin typeface="+mj-lt"/>
+                  <a:cs typeface="JetBrains Mono" panose="02000009000000000000" pitchFamily="49" charset="0"/>
+                </a:rPr>
+                <a:t>)) {</a:t>
+              </a:r>
+              <a:br>
+                <a:rPr kumimoji="0" lang="zh-TW" altLang="zh-TW" sz="1600" b="0" i="0" u="none" strike="noStrike" cap="none" normalizeH="0" baseline="0">
+                  <a:ln>
+                    <a:noFill/>
+                  </a:ln>
+                  <a:solidFill>
+                    <a:srgbClr val="BCBEC4"/>
+                  </a:solidFill>
+                  <a:effectLst/>
+                  <a:latin typeface="+mj-lt"/>
+                  <a:cs typeface="JetBrains Mono" panose="02000009000000000000" pitchFamily="49" charset="0"/>
+                </a:rPr>
+              </a:br>
+              <a:r>
+                <a:rPr kumimoji="0" lang="zh-TW" altLang="zh-TW" sz="1600" b="0" i="0" u="none" strike="noStrike" cap="none" normalizeH="0" baseline="0">
+                  <a:ln>
+                    <a:noFill/>
+                  </a:ln>
+                  <a:solidFill>
+                    <a:srgbClr val="BCBEC4"/>
+                  </a:solidFill>
+                  <a:effectLst/>
+                  <a:latin typeface="+mj-lt"/>
+                  <a:cs typeface="JetBrains Mono" panose="02000009000000000000" pitchFamily="49" charset="0"/>
+                </a:rPr>
+                <a:t>            System.</a:t>
+              </a:r>
+              <a:r>
+                <a:rPr kumimoji="0" lang="zh-TW" altLang="zh-TW" sz="1600" b="0" i="1" u="none" strike="noStrike" cap="none" normalizeH="0" baseline="0">
+                  <a:ln>
+                    <a:noFill/>
+                  </a:ln>
+                  <a:solidFill>
+                    <a:srgbClr val="C77DBB"/>
+                  </a:solidFill>
+                  <a:effectLst/>
+                  <a:latin typeface="+mj-lt"/>
+                  <a:cs typeface="JetBrains Mono" panose="02000009000000000000" pitchFamily="49" charset="0"/>
+                </a:rPr>
+                <a:t>out</a:t>
+              </a:r>
+              <a:r>
+                <a:rPr kumimoji="0" lang="zh-TW" altLang="zh-TW" sz="1600" b="0" i="0" u="none" strike="noStrike" cap="none" normalizeH="0" baseline="0">
+                  <a:ln>
+                    <a:noFill/>
+                  </a:ln>
+                  <a:solidFill>
+                    <a:srgbClr val="BCBEC4"/>
+                  </a:solidFill>
+                  <a:effectLst/>
+                  <a:latin typeface="+mj-lt"/>
+                  <a:cs typeface="JetBrains Mono" panose="02000009000000000000" pitchFamily="49" charset="0"/>
+                </a:rPr>
+                <a:t>.println(</a:t>
+              </a:r>
+              <a:r>
+                <a:rPr kumimoji="0" lang="zh-TW" altLang="zh-TW" sz="1600" b="0" i="0" u="none" strike="noStrike" cap="none" normalizeH="0" baseline="0">
+                  <a:ln>
+                    <a:noFill/>
+                  </a:ln>
+                  <a:solidFill>
+                    <a:srgbClr val="6AAB73"/>
+                  </a:solidFill>
+                  <a:effectLst/>
+                  <a:latin typeface="+mj-lt"/>
+                  <a:cs typeface="JetBrains Mono" panose="02000009000000000000" pitchFamily="49" charset="0"/>
+                </a:rPr>
+                <a:t>"</a:t>
+              </a:r>
+              <a:r>
+                <a:rPr kumimoji="0" lang="zh-TW" altLang="zh-TW" sz="1600" b="0" i="0" u="none" strike="noStrike" cap="none" normalizeH="0" baseline="0">
+                  <a:ln>
+                    <a:noFill/>
+                  </a:ln>
+                  <a:solidFill>
+                    <a:srgbClr val="6AAB73"/>
+                  </a:solidFill>
+                  <a:effectLst/>
+                  <a:latin typeface="+mj-lt"/>
+                  <a:ea typeface="微軟正黑體" panose="020B0604030504040204" pitchFamily="34" charset="-120"/>
+                  <a:cs typeface="JetBrains Mono" panose="02000009000000000000" pitchFamily="49" charset="0"/>
+                </a:rPr>
+                <a:t>痛苦的相思忘不了</a:t>
+              </a:r>
+              <a:r>
+                <a:rPr kumimoji="0" lang="zh-TW" altLang="zh-TW" sz="1600" b="0" i="0" u="none" strike="noStrike" cap="none" normalizeH="0" baseline="0">
+                  <a:ln>
+                    <a:noFill/>
+                  </a:ln>
+                  <a:solidFill>
+                    <a:srgbClr val="6AAB73"/>
+                  </a:solidFill>
+                  <a:effectLst/>
+                  <a:latin typeface="+mj-lt"/>
+                  <a:cs typeface="JetBrains Mono" panose="02000009000000000000" pitchFamily="49" charset="0"/>
+                </a:rPr>
+                <a:t>"</a:t>
+              </a:r>
+              <a:r>
+                <a:rPr kumimoji="0" lang="zh-TW" altLang="zh-TW" sz="1600" b="0" i="0" u="none" strike="noStrike" cap="none" normalizeH="0" baseline="0">
+                  <a:ln>
+                    <a:noFill/>
+                  </a:ln>
+                  <a:solidFill>
+                    <a:srgbClr val="BCBEC4"/>
+                  </a:solidFill>
+                  <a:effectLst/>
+                  <a:latin typeface="+mj-lt"/>
+                  <a:cs typeface="JetBrains Mono" panose="02000009000000000000" pitchFamily="49" charset="0"/>
+                </a:rPr>
+                <a:t>);</a:t>
+              </a:r>
+              <a:br>
+                <a:rPr kumimoji="0" lang="zh-TW" altLang="zh-TW" sz="1600" b="0" i="0" u="none" strike="noStrike" cap="none" normalizeH="0" baseline="0">
+                  <a:ln>
+                    <a:noFill/>
+                  </a:ln>
+                  <a:solidFill>
+                    <a:srgbClr val="BCBEC4"/>
+                  </a:solidFill>
+                  <a:effectLst/>
+                  <a:latin typeface="+mj-lt"/>
+                  <a:cs typeface="JetBrains Mono" panose="02000009000000000000" pitchFamily="49" charset="0"/>
+                </a:rPr>
+              </a:br>
+              <a:r>
+                <a:rPr kumimoji="0" lang="zh-TW" altLang="zh-TW" sz="1600" b="0" i="0" u="none" strike="noStrike" cap="none" normalizeH="0" baseline="0">
+                  <a:ln>
+                    <a:noFill/>
+                  </a:ln>
+                  <a:solidFill>
+                    <a:srgbClr val="BCBEC4"/>
+                  </a:solidFill>
+                  <a:effectLst/>
+                  <a:latin typeface="+mj-lt"/>
+                  <a:cs typeface="JetBrains Mono" panose="02000009000000000000" pitchFamily="49" charset="0"/>
+                </a:rPr>
+                <a:t>        } </a:t>
+              </a:r>
+              <a:r>
+                <a:rPr kumimoji="0" lang="zh-TW" altLang="zh-TW" sz="1600" b="0" i="0" u="none" strike="noStrike" cap="none" normalizeH="0" baseline="0">
+                  <a:ln>
+                    <a:noFill/>
+                  </a:ln>
+                  <a:solidFill>
+                    <a:srgbClr val="CF8E6D"/>
+                  </a:solidFill>
+                  <a:effectLst/>
+                  <a:latin typeface="+mj-lt"/>
+                  <a:cs typeface="JetBrains Mono" panose="02000009000000000000" pitchFamily="49" charset="0"/>
+                </a:rPr>
+                <a:t>else if </a:t>
+              </a:r>
+              <a:r>
+                <a:rPr kumimoji="0" lang="zh-TW" altLang="zh-TW" sz="1600" b="0" i="0" u="none" strike="noStrike" cap="none" normalizeH="0" baseline="0">
+                  <a:ln>
+                    <a:noFill/>
+                  </a:ln>
+                  <a:solidFill>
+                    <a:srgbClr val="BCBEC4"/>
+                  </a:solidFill>
+                  <a:effectLst/>
+                  <a:latin typeface="+mj-lt"/>
+                  <a:cs typeface="JetBrains Mono" panose="02000009000000000000" pitchFamily="49" charset="0"/>
+                </a:rPr>
+                <a:t>(input.equals(</a:t>
+              </a:r>
+              <a:r>
+                <a:rPr kumimoji="0" lang="zh-TW" altLang="zh-TW" sz="1600" b="0" i="0" u="none" strike="noStrike" cap="none" normalizeH="0" baseline="0">
+                  <a:ln>
+                    <a:noFill/>
+                  </a:ln>
+                  <a:solidFill>
+                    <a:srgbClr val="6AAB73"/>
+                  </a:solidFill>
+                  <a:effectLst/>
+                  <a:latin typeface="+mj-lt"/>
+                  <a:cs typeface="JetBrains Mono" panose="02000009000000000000" pitchFamily="49" charset="0"/>
+                </a:rPr>
+                <a:t>"</a:t>
+              </a:r>
+              <a:r>
+                <a:rPr kumimoji="0" lang="zh-TW" altLang="zh-TW" sz="1600" b="0" i="0" u="none" strike="noStrike" cap="none" normalizeH="0" baseline="0">
+                  <a:ln>
+                    <a:noFill/>
+                  </a:ln>
+                  <a:solidFill>
+                    <a:srgbClr val="6AAB73"/>
+                  </a:solidFill>
+                  <a:effectLst/>
+                  <a:latin typeface="+mj-lt"/>
+                  <a:ea typeface="微軟正黑體" panose="020B0604030504040204" pitchFamily="34" charset="-120"/>
+                  <a:cs typeface="JetBrains Mono" panose="02000009000000000000" pitchFamily="49" charset="0"/>
+                </a:rPr>
+                <a:t>想念你的笑</a:t>
+              </a:r>
+              <a:r>
+                <a:rPr kumimoji="0" lang="zh-TW" altLang="zh-TW" sz="1600" b="0" i="0" u="none" strike="noStrike" cap="none" normalizeH="0" baseline="0">
+                  <a:ln>
+                    <a:noFill/>
+                  </a:ln>
+                  <a:solidFill>
+                    <a:srgbClr val="6AAB73"/>
+                  </a:solidFill>
+                  <a:effectLst/>
+                  <a:latin typeface="+mj-lt"/>
+                  <a:cs typeface="JetBrains Mono" panose="02000009000000000000" pitchFamily="49" charset="0"/>
+                </a:rPr>
+                <a:t>"</a:t>
+              </a:r>
+              <a:r>
+                <a:rPr kumimoji="0" lang="zh-TW" altLang="zh-TW" sz="1600" b="0" i="0" u="none" strike="noStrike" cap="none" normalizeH="0" baseline="0">
+                  <a:ln>
+                    <a:noFill/>
+                  </a:ln>
+                  <a:solidFill>
+                    <a:srgbClr val="BCBEC4"/>
+                  </a:solidFill>
+                  <a:effectLst/>
+                  <a:latin typeface="+mj-lt"/>
+                  <a:cs typeface="JetBrains Mono" panose="02000009000000000000" pitchFamily="49" charset="0"/>
+                </a:rPr>
+                <a:t>)) {</a:t>
+              </a:r>
+              <a:br>
+                <a:rPr kumimoji="0" lang="zh-TW" altLang="zh-TW" sz="1600" b="0" i="0" u="none" strike="noStrike" cap="none" normalizeH="0" baseline="0">
+                  <a:ln>
+                    <a:noFill/>
+                  </a:ln>
+                  <a:solidFill>
+                    <a:srgbClr val="BCBEC4"/>
+                  </a:solidFill>
+                  <a:effectLst/>
+                  <a:latin typeface="+mj-lt"/>
+                  <a:cs typeface="JetBrains Mono" panose="02000009000000000000" pitchFamily="49" charset="0"/>
+                </a:rPr>
+              </a:br>
+              <a:r>
+                <a:rPr kumimoji="0" lang="zh-TW" altLang="zh-TW" sz="1600" b="0" i="0" u="none" strike="noStrike" cap="none" normalizeH="0" baseline="0">
+                  <a:ln>
+                    <a:noFill/>
+                  </a:ln>
+                  <a:solidFill>
+                    <a:srgbClr val="BCBEC4"/>
+                  </a:solidFill>
+                  <a:effectLst/>
+                  <a:latin typeface="+mj-lt"/>
+                  <a:cs typeface="JetBrains Mono" panose="02000009000000000000" pitchFamily="49" charset="0"/>
+                </a:rPr>
+                <a:t>            System.</a:t>
+              </a:r>
+              <a:r>
+                <a:rPr kumimoji="0" lang="zh-TW" altLang="zh-TW" sz="1600" b="0" i="1" u="none" strike="noStrike" cap="none" normalizeH="0" baseline="0">
+                  <a:ln>
+                    <a:noFill/>
+                  </a:ln>
+                  <a:solidFill>
+                    <a:srgbClr val="C77DBB"/>
+                  </a:solidFill>
+                  <a:effectLst/>
+                  <a:latin typeface="+mj-lt"/>
+                  <a:cs typeface="JetBrains Mono" panose="02000009000000000000" pitchFamily="49" charset="0"/>
+                </a:rPr>
+                <a:t>out</a:t>
+              </a:r>
+              <a:r>
+                <a:rPr kumimoji="0" lang="zh-TW" altLang="zh-TW" sz="1600" b="0" i="0" u="none" strike="noStrike" cap="none" normalizeH="0" baseline="0">
+                  <a:ln>
+                    <a:noFill/>
+                  </a:ln>
+                  <a:solidFill>
+                    <a:srgbClr val="BCBEC4"/>
+                  </a:solidFill>
+                  <a:effectLst/>
+                  <a:latin typeface="+mj-lt"/>
+                  <a:cs typeface="JetBrains Mono" panose="02000009000000000000" pitchFamily="49" charset="0"/>
+                </a:rPr>
+                <a:t>.println(</a:t>
+              </a:r>
+              <a:r>
+                <a:rPr kumimoji="0" lang="zh-TW" altLang="zh-TW" sz="1600" b="0" i="0" u="none" strike="noStrike" cap="none" normalizeH="0" baseline="0">
+                  <a:ln>
+                    <a:noFill/>
+                  </a:ln>
+                  <a:solidFill>
+                    <a:srgbClr val="6AAB73"/>
+                  </a:solidFill>
+                  <a:effectLst/>
+                  <a:latin typeface="+mj-lt"/>
+                  <a:cs typeface="JetBrains Mono" panose="02000009000000000000" pitchFamily="49" charset="0"/>
+                </a:rPr>
+                <a:t>"</a:t>
+              </a:r>
+              <a:r>
+                <a:rPr kumimoji="0" lang="zh-TW" altLang="zh-TW" sz="1600" b="0" i="0" u="none" strike="noStrike" cap="none" normalizeH="0" baseline="0">
+                  <a:ln>
+                    <a:noFill/>
+                  </a:ln>
+                  <a:solidFill>
+                    <a:srgbClr val="6AAB73"/>
+                  </a:solidFill>
+                  <a:effectLst/>
+                  <a:latin typeface="+mj-lt"/>
+                  <a:ea typeface="微軟正黑體" panose="020B0604030504040204" pitchFamily="34" charset="-120"/>
+                  <a:cs typeface="JetBrains Mono" panose="02000009000000000000" pitchFamily="49" charset="0"/>
+                </a:rPr>
+                <a:t>想念你的外套</a:t>
+              </a:r>
+              <a:r>
+                <a:rPr kumimoji="0" lang="zh-TW" altLang="zh-TW" sz="1600" b="0" i="0" u="none" strike="noStrike" cap="none" normalizeH="0" baseline="0">
+                  <a:ln>
+                    <a:noFill/>
+                  </a:ln>
+                  <a:solidFill>
+                    <a:srgbClr val="6AAB73"/>
+                  </a:solidFill>
+                  <a:effectLst/>
+                  <a:latin typeface="+mj-lt"/>
+                  <a:cs typeface="JetBrains Mono" panose="02000009000000000000" pitchFamily="49" charset="0"/>
+                </a:rPr>
+                <a:t>"</a:t>
+              </a:r>
+              <a:r>
+                <a:rPr kumimoji="0" lang="zh-TW" altLang="zh-TW" sz="1600" b="0" i="0" u="none" strike="noStrike" cap="none" normalizeH="0" baseline="0">
+                  <a:ln>
+                    <a:noFill/>
+                  </a:ln>
+                  <a:solidFill>
+                    <a:srgbClr val="BCBEC4"/>
+                  </a:solidFill>
+                  <a:effectLst/>
+                  <a:latin typeface="+mj-lt"/>
+                  <a:cs typeface="JetBrains Mono" panose="02000009000000000000" pitchFamily="49" charset="0"/>
+                </a:rPr>
+                <a:t>);</a:t>
+              </a:r>
+              <a:br>
+                <a:rPr kumimoji="0" lang="zh-TW" altLang="zh-TW" sz="1600" b="0" i="0" u="none" strike="noStrike" cap="none" normalizeH="0" baseline="0">
+                  <a:ln>
+                    <a:noFill/>
+                  </a:ln>
+                  <a:solidFill>
+                    <a:srgbClr val="BCBEC4"/>
+                  </a:solidFill>
+                  <a:effectLst/>
+                  <a:latin typeface="+mj-lt"/>
+                  <a:cs typeface="JetBrains Mono" panose="02000009000000000000" pitchFamily="49" charset="0"/>
+                </a:rPr>
+              </a:br>
+              <a:r>
+                <a:rPr kumimoji="0" lang="zh-TW" altLang="zh-TW" sz="1600" b="0" i="0" u="none" strike="noStrike" cap="none" normalizeH="0" baseline="0">
+                  <a:ln>
+                    <a:noFill/>
+                  </a:ln>
+                  <a:solidFill>
+                    <a:srgbClr val="BCBEC4"/>
+                  </a:solidFill>
+                  <a:effectLst/>
+                  <a:latin typeface="+mj-lt"/>
+                  <a:cs typeface="JetBrains Mono" panose="02000009000000000000" pitchFamily="49" charset="0"/>
+                </a:rPr>
+                <a:t>        } </a:t>
+              </a:r>
+              <a:r>
+                <a:rPr kumimoji="0" lang="zh-TW" altLang="zh-TW" sz="1600" b="0" i="0" u="none" strike="noStrike" cap="none" normalizeH="0" baseline="0">
+                  <a:ln>
+                    <a:noFill/>
+                  </a:ln>
+                  <a:solidFill>
+                    <a:srgbClr val="CF8E6D"/>
+                  </a:solidFill>
+                  <a:effectLst/>
+                  <a:latin typeface="+mj-lt"/>
+                  <a:cs typeface="JetBrains Mono" panose="02000009000000000000" pitchFamily="49" charset="0"/>
+                </a:rPr>
+                <a:t>else if </a:t>
+              </a:r>
+              <a:r>
+                <a:rPr kumimoji="0" lang="zh-TW" altLang="zh-TW" sz="1600" b="0" i="0" u="none" strike="noStrike" cap="none" normalizeH="0" baseline="0">
+                  <a:ln>
+                    <a:noFill/>
+                  </a:ln>
+                  <a:solidFill>
+                    <a:srgbClr val="BCBEC4"/>
+                  </a:solidFill>
+                  <a:effectLst/>
+                  <a:latin typeface="+mj-lt"/>
+                  <a:cs typeface="JetBrains Mono" panose="02000009000000000000" pitchFamily="49" charset="0"/>
+                </a:rPr>
+                <a:t>(input.equals(</a:t>
+              </a:r>
+              <a:r>
+                <a:rPr kumimoji="0" lang="zh-TW" altLang="zh-TW" sz="1600" b="0" i="0" u="none" strike="noStrike" cap="none" normalizeH="0" baseline="0">
+                  <a:ln>
+                    <a:noFill/>
+                  </a:ln>
+                  <a:solidFill>
+                    <a:srgbClr val="6AAB73"/>
+                  </a:solidFill>
+                  <a:effectLst/>
+                  <a:latin typeface="+mj-lt"/>
+                  <a:cs typeface="JetBrains Mono" panose="02000009000000000000" pitchFamily="49" charset="0"/>
+                </a:rPr>
+                <a:t>"</a:t>
+              </a:r>
+              <a:r>
+                <a:rPr kumimoji="0" lang="zh-TW" altLang="zh-TW" sz="1600" b="0" i="0" u="none" strike="noStrike" cap="none" normalizeH="0" baseline="0">
+                  <a:ln>
+                    <a:noFill/>
+                  </a:ln>
+                  <a:solidFill>
+                    <a:srgbClr val="6AAB73"/>
+                  </a:solidFill>
+                  <a:effectLst/>
+                  <a:latin typeface="+mj-lt"/>
+                  <a:ea typeface="微軟正黑體" panose="020B0604030504040204" pitchFamily="34" charset="-120"/>
+                  <a:cs typeface="JetBrains Mono" panose="02000009000000000000" pitchFamily="49" charset="0"/>
+                </a:rPr>
+                <a:t>怎麼忍心怪你犯了錯</a:t>
+              </a:r>
+              <a:r>
+                <a:rPr kumimoji="0" lang="zh-TW" altLang="zh-TW" sz="1600" b="0" i="0" u="none" strike="noStrike" cap="none" normalizeH="0" baseline="0">
+                  <a:ln>
+                    <a:noFill/>
+                  </a:ln>
+                  <a:solidFill>
+                    <a:srgbClr val="6AAB73"/>
+                  </a:solidFill>
+                  <a:effectLst/>
+                  <a:latin typeface="+mj-lt"/>
+                  <a:cs typeface="JetBrains Mono" panose="02000009000000000000" pitchFamily="49" charset="0"/>
+                </a:rPr>
+                <a:t>"</a:t>
+              </a:r>
+              <a:r>
+                <a:rPr kumimoji="0" lang="zh-TW" altLang="zh-TW" sz="1600" b="0" i="0" u="none" strike="noStrike" cap="none" normalizeH="0" baseline="0">
+                  <a:ln>
+                    <a:noFill/>
+                  </a:ln>
+                  <a:solidFill>
+                    <a:srgbClr val="BCBEC4"/>
+                  </a:solidFill>
+                  <a:effectLst/>
+                  <a:latin typeface="+mj-lt"/>
+                  <a:cs typeface="JetBrains Mono" panose="02000009000000000000" pitchFamily="49" charset="0"/>
+                </a:rPr>
+                <a:t>) || input.equals(</a:t>
+              </a:r>
+              <a:r>
+                <a:rPr kumimoji="0" lang="zh-TW" altLang="zh-TW" sz="1600" b="0" i="0" u="none" strike="noStrike" cap="none" normalizeH="0" baseline="0">
+                  <a:ln>
+                    <a:noFill/>
+                  </a:ln>
+                  <a:solidFill>
+                    <a:srgbClr val="6AAB73"/>
+                  </a:solidFill>
+                  <a:effectLst/>
+                  <a:latin typeface="+mj-lt"/>
+                  <a:cs typeface="JetBrains Mono" panose="02000009000000000000" pitchFamily="49" charset="0"/>
+                </a:rPr>
+                <a:t>"</a:t>
+              </a:r>
+              <a:r>
+                <a:rPr kumimoji="0" lang="zh-TW" altLang="zh-TW" sz="1600" b="0" i="0" u="none" strike="noStrike" cap="none" normalizeH="0" baseline="0">
+                  <a:ln>
+                    <a:noFill/>
+                  </a:ln>
+                  <a:solidFill>
+                    <a:srgbClr val="6AAB73"/>
+                  </a:solidFill>
+                  <a:effectLst/>
+                  <a:latin typeface="+mj-lt"/>
+                  <a:ea typeface="微軟正黑體" panose="020B0604030504040204" pitchFamily="34" charset="-120"/>
+                  <a:cs typeface="JetBrains Mono" panose="02000009000000000000" pitchFamily="49" charset="0"/>
+                </a:rPr>
+                <a:t>怎麼忍心讓你受折磨</a:t>
+              </a:r>
+              <a:r>
+                <a:rPr kumimoji="0" lang="zh-TW" altLang="zh-TW" sz="1600" b="0" i="0" u="none" strike="noStrike" cap="none" normalizeH="0" baseline="0">
+                  <a:ln>
+                    <a:noFill/>
+                  </a:ln>
+                  <a:solidFill>
+                    <a:srgbClr val="6AAB73"/>
+                  </a:solidFill>
+                  <a:effectLst/>
+                  <a:latin typeface="+mj-lt"/>
+                  <a:cs typeface="JetBrains Mono" panose="02000009000000000000" pitchFamily="49" charset="0"/>
+                </a:rPr>
+                <a:t>"</a:t>
+              </a:r>
+              <a:r>
+                <a:rPr kumimoji="0" lang="zh-TW" altLang="zh-TW" sz="1600" b="0" i="0" u="none" strike="noStrike" cap="none" normalizeH="0" baseline="0">
+                  <a:ln>
+                    <a:noFill/>
+                  </a:ln>
+                  <a:solidFill>
+                    <a:srgbClr val="BCBEC4"/>
+                  </a:solidFill>
+                  <a:effectLst/>
+                  <a:latin typeface="+mj-lt"/>
+                  <a:cs typeface="JetBrains Mono" panose="02000009000000000000" pitchFamily="49" charset="0"/>
+                </a:rPr>
+                <a:t>)) {</a:t>
+              </a:r>
+              <a:endParaRPr kumimoji="0" lang="zh-TW" altLang="zh-TW" sz="1600" b="0" i="0" u="none" strike="noStrike" cap="none" normalizeH="0" baseline="0">
+                <a:ln>
+                  <a:noFill/>
+                </a:ln>
+                <a:solidFill>
+                  <a:schemeClr val="tx1"/>
+                </a:solidFill>
+                <a:effectLst/>
+                <a:latin typeface="+mj-lt"/>
+              </a:endParaRPr>
+            </a:p>
+            <a:p>
+              <a:pPr marL="0" marR="0" lvl="0" indent="0" algn="l" defTabSz="914400" rtl="0" eaLnBrk="0" fontAlgn="base" latinLnBrk="0" hangingPunct="0">
+                <a:lnSpc>
+                  <a:spcPct val="100000"/>
+                </a:lnSpc>
+                <a:spcBef>
+                  <a:spcPct val="0"/>
+                </a:spcBef>
+                <a:spcAft>
+                  <a:spcPct val="0"/>
+                </a:spcAft>
+                <a:buClrTx/>
+                <a:buSzTx/>
+                <a:buFontTx/>
+                <a:buNone/>
+                <a:tabLst/>
+              </a:pPr>
+              <a:r>
+                <a:rPr kumimoji="0" lang="zh-TW" altLang="zh-TW" sz="1600" b="0" i="0" u="none" strike="noStrike" cap="none" normalizeH="0" baseline="0">
+                  <a:ln>
+                    <a:noFill/>
+                  </a:ln>
+                  <a:solidFill>
+                    <a:srgbClr val="BCBEC4"/>
+                  </a:solidFill>
+                  <a:effectLst/>
+                  <a:latin typeface="+mj-lt"/>
+                  <a:cs typeface="JetBrains Mono" panose="02000009000000000000" pitchFamily="49" charset="0"/>
+                </a:rPr>
+                <a:t>            System.</a:t>
+              </a:r>
+              <a:r>
+                <a:rPr kumimoji="0" lang="zh-TW" altLang="zh-TW" sz="1600" b="0" i="1" u="none" strike="noStrike" cap="none" normalizeH="0" baseline="0">
+                  <a:ln>
+                    <a:noFill/>
+                  </a:ln>
+                  <a:solidFill>
+                    <a:srgbClr val="C77DBB"/>
+                  </a:solidFill>
+                  <a:effectLst/>
+                  <a:latin typeface="+mj-lt"/>
+                  <a:cs typeface="JetBrains Mono" panose="02000009000000000000" pitchFamily="49" charset="0"/>
+                </a:rPr>
+                <a:t>out</a:t>
+              </a:r>
+              <a:r>
+                <a:rPr kumimoji="0" lang="zh-TW" altLang="zh-TW" sz="1600" b="0" i="0" u="none" strike="noStrike" cap="none" normalizeH="0" baseline="0">
+                  <a:ln>
+                    <a:noFill/>
+                  </a:ln>
+                  <a:solidFill>
+                    <a:srgbClr val="BCBEC4"/>
+                  </a:solidFill>
+                  <a:effectLst/>
+                  <a:latin typeface="+mj-lt"/>
+                  <a:cs typeface="JetBrains Mono" panose="02000009000000000000" pitchFamily="49" charset="0"/>
+                </a:rPr>
+                <a:t>.println(</a:t>
+              </a:r>
+              <a:r>
+                <a:rPr kumimoji="0" lang="zh-TW" altLang="zh-TW" sz="1600" b="0" i="0" u="none" strike="noStrike" cap="none" normalizeH="0" baseline="0">
+                  <a:ln>
+                    <a:noFill/>
+                  </a:ln>
+                  <a:solidFill>
+                    <a:srgbClr val="6AAB73"/>
+                  </a:solidFill>
+                  <a:effectLst/>
+                  <a:latin typeface="+mj-lt"/>
+                  <a:cs typeface="JetBrains Mono" panose="02000009000000000000" pitchFamily="49" charset="0"/>
+                </a:rPr>
+                <a:t>"</a:t>
+              </a:r>
+              <a:r>
+                <a:rPr kumimoji="0" lang="zh-TW" altLang="zh-TW" sz="1600" b="0" i="0" u="none" strike="noStrike" cap="none" normalizeH="0" baseline="0">
+                  <a:ln>
+                    <a:noFill/>
+                  </a:ln>
+                  <a:solidFill>
+                    <a:srgbClr val="6AAB73"/>
+                  </a:solidFill>
+                  <a:effectLst/>
+                  <a:latin typeface="+mj-lt"/>
+                  <a:ea typeface="微軟正黑體" panose="020B0604030504040204" pitchFamily="34" charset="-120"/>
+                  <a:cs typeface="JetBrains Mono" panose="02000009000000000000" pitchFamily="49" charset="0"/>
+                </a:rPr>
+                <a:t>是我給你自由過了火</a:t>
+              </a:r>
+              <a:r>
+                <a:rPr kumimoji="0" lang="zh-TW" altLang="zh-TW" sz="1600" b="0" i="0" u="none" strike="noStrike" cap="none" normalizeH="0" baseline="0">
+                  <a:ln>
+                    <a:noFill/>
+                  </a:ln>
+                  <a:solidFill>
+                    <a:srgbClr val="6AAB73"/>
+                  </a:solidFill>
+                  <a:effectLst/>
+                  <a:latin typeface="+mj-lt"/>
+                  <a:cs typeface="JetBrains Mono" panose="02000009000000000000" pitchFamily="49" charset="0"/>
+                </a:rPr>
+                <a:t>"</a:t>
+              </a:r>
+              <a:r>
+                <a:rPr kumimoji="0" lang="zh-TW" altLang="zh-TW" sz="1600" b="0" i="0" u="none" strike="noStrike" cap="none" normalizeH="0" baseline="0">
+                  <a:ln>
+                    <a:noFill/>
+                  </a:ln>
+                  <a:solidFill>
+                    <a:srgbClr val="BCBEC4"/>
+                  </a:solidFill>
+                  <a:effectLst/>
+                  <a:latin typeface="+mj-lt"/>
+                  <a:cs typeface="JetBrains Mono" panose="02000009000000000000" pitchFamily="49" charset="0"/>
+                </a:rPr>
+                <a:t>);</a:t>
+              </a:r>
+              <a:br>
+                <a:rPr kumimoji="0" lang="zh-TW" altLang="zh-TW" sz="1600" b="0" i="0" u="none" strike="noStrike" cap="none" normalizeH="0" baseline="0">
+                  <a:ln>
+                    <a:noFill/>
+                  </a:ln>
+                  <a:solidFill>
+                    <a:srgbClr val="BCBEC4"/>
+                  </a:solidFill>
+                  <a:effectLst/>
+                  <a:latin typeface="+mj-lt"/>
+                  <a:cs typeface="JetBrains Mono" panose="02000009000000000000" pitchFamily="49" charset="0"/>
+                </a:rPr>
+              </a:br>
+              <a:r>
+                <a:rPr kumimoji="0" lang="zh-TW" altLang="zh-TW" sz="1600" b="0" i="0" u="none" strike="noStrike" cap="none" normalizeH="0" baseline="0">
+                  <a:ln>
+                    <a:noFill/>
+                  </a:ln>
+                  <a:solidFill>
+                    <a:srgbClr val="BCBEC4"/>
+                  </a:solidFill>
+                  <a:effectLst/>
+                  <a:latin typeface="+mj-lt"/>
+                  <a:cs typeface="JetBrains Mono" panose="02000009000000000000" pitchFamily="49" charset="0"/>
+                </a:rPr>
+                <a:t>        } </a:t>
+              </a:r>
+              <a:r>
+                <a:rPr kumimoji="0" lang="zh-TW" altLang="zh-TW" sz="1600" b="0" i="0" u="none" strike="noStrike" cap="none" normalizeH="0" baseline="0">
+                  <a:ln>
+                    <a:noFill/>
+                  </a:ln>
+                  <a:solidFill>
+                    <a:srgbClr val="CF8E6D"/>
+                  </a:solidFill>
+                  <a:effectLst/>
+                  <a:latin typeface="+mj-lt"/>
+                  <a:cs typeface="JetBrains Mono" panose="02000009000000000000" pitchFamily="49" charset="0"/>
+                </a:rPr>
+                <a:t>else if </a:t>
+              </a:r>
+              <a:r>
+                <a:rPr kumimoji="0" lang="zh-TW" altLang="zh-TW" sz="1600" b="0" i="0" u="none" strike="noStrike" cap="none" normalizeH="0" baseline="0">
+                  <a:ln>
+                    <a:noFill/>
+                  </a:ln>
+                  <a:solidFill>
+                    <a:srgbClr val="BCBEC4"/>
+                  </a:solidFill>
+                  <a:effectLst/>
+                  <a:latin typeface="+mj-lt"/>
+                  <a:cs typeface="JetBrains Mono" panose="02000009000000000000" pitchFamily="49" charset="0"/>
+                </a:rPr>
+                <a:t>(input.equals(</a:t>
+              </a:r>
+              <a:r>
+                <a:rPr kumimoji="0" lang="zh-TW" altLang="zh-TW" sz="1600" b="0" i="0" u="none" strike="noStrike" cap="none" normalizeH="0" baseline="0">
+                  <a:ln>
+                    <a:noFill/>
+                  </a:ln>
+                  <a:solidFill>
+                    <a:srgbClr val="6AAB73"/>
+                  </a:solidFill>
+                  <a:effectLst/>
+                  <a:latin typeface="+mj-lt"/>
+                  <a:cs typeface="JetBrains Mono" panose="02000009000000000000" pitchFamily="49" charset="0"/>
+                </a:rPr>
+                <a:t>"</a:t>
+              </a:r>
+              <a:r>
+                <a:rPr kumimoji="0" lang="zh-TW" altLang="zh-TW" sz="1600" b="0" i="0" u="none" strike="noStrike" cap="none" normalizeH="0" baseline="0">
+                  <a:ln>
+                    <a:noFill/>
+                  </a:ln>
+                  <a:solidFill>
+                    <a:srgbClr val="6AAB73"/>
+                  </a:solidFill>
+                  <a:effectLst/>
+                  <a:latin typeface="+mj-lt"/>
+                  <a:ea typeface="微軟正黑體" panose="020B0604030504040204" pitchFamily="34" charset="-120"/>
+                  <a:cs typeface="JetBrains Mono" panose="02000009000000000000" pitchFamily="49" charset="0"/>
+                </a:rPr>
+                <a:t>我願變成童話裡你愛的那個天使</a:t>
+              </a:r>
+              <a:r>
+                <a:rPr kumimoji="0" lang="zh-TW" altLang="zh-TW" sz="1600" b="0" i="0" u="none" strike="noStrike" cap="none" normalizeH="0" baseline="0">
+                  <a:ln>
+                    <a:noFill/>
+                  </a:ln>
+                  <a:solidFill>
+                    <a:srgbClr val="6AAB73"/>
+                  </a:solidFill>
+                  <a:effectLst/>
+                  <a:latin typeface="+mj-lt"/>
+                  <a:cs typeface="JetBrains Mono" panose="02000009000000000000" pitchFamily="49" charset="0"/>
+                </a:rPr>
+                <a:t>"</a:t>
+              </a:r>
+              <a:r>
+                <a:rPr kumimoji="0" lang="zh-TW" altLang="zh-TW" sz="1600" b="0" i="0" u="none" strike="noStrike" cap="none" normalizeH="0" baseline="0">
+                  <a:ln>
+                    <a:noFill/>
+                  </a:ln>
+                  <a:solidFill>
+                    <a:srgbClr val="BCBEC4"/>
+                  </a:solidFill>
+                  <a:effectLst/>
+                  <a:latin typeface="+mj-lt"/>
+                  <a:cs typeface="JetBrains Mono" panose="02000009000000000000" pitchFamily="49" charset="0"/>
+                </a:rPr>
+                <a:t>)) {</a:t>
+              </a:r>
+              <a:br>
+                <a:rPr kumimoji="0" lang="zh-TW" altLang="zh-TW" sz="1600" b="0" i="0" u="none" strike="noStrike" cap="none" normalizeH="0" baseline="0">
+                  <a:ln>
+                    <a:noFill/>
+                  </a:ln>
+                  <a:solidFill>
+                    <a:srgbClr val="BCBEC4"/>
+                  </a:solidFill>
+                  <a:effectLst/>
+                  <a:latin typeface="+mj-lt"/>
+                  <a:cs typeface="JetBrains Mono" panose="02000009000000000000" pitchFamily="49" charset="0"/>
+                </a:rPr>
+              </a:br>
+              <a:r>
+                <a:rPr kumimoji="0" lang="zh-TW" altLang="zh-TW" sz="1600" b="0" i="0" u="none" strike="noStrike" cap="none" normalizeH="0" baseline="0">
+                  <a:ln>
+                    <a:noFill/>
+                  </a:ln>
+                  <a:solidFill>
+                    <a:srgbClr val="BCBEC4"/>
+                  </a:solidFill>
+                  <a:effectLst/>
+                  <a:latin typeface="+mj-lt"/>
+                  <a:cs typeface="JetBrains Mono" panose="02000009000000000000" pitchFamily="49" charset="0"/>
+                </a:rPr>
+                <a:t>            System.</a:t>
+              </a:r>
+              <a:r>
+                <a:rPr kumimoji="0" lang="zh-TW" altLang="zh-TW" sz="1600" b="0" i="1" u="none" strike="noStrike" cap="none" normalizeH="0" baseline="0">
+                  <a:ln>
+                    <a:noFill/>
+                  </a:ln>
+                  <a:solidFill>
+                    <a:srgbClr val="C77DBB"/>
+                  </a:solidFill>
+                  <a:effectLst/>
+                  <a:latin typeface="+mj-lt"/>
+                  <a:cs typeface="JetBrains Mono" panose="02000009000000000000" pitchFamily="49" charset="0"/>
+                </a:rPr>
+                <a:t>out</a:t>
+              </a:r>
+              <a:r>
+                <a:rPr kumimoji="0" lang="zh-TW" altLang="zh-TW" sz="1600" b="0" i="0" u="none" strike="noStrike" cap="none" normalizeH="0" baseline="0">
+                  <a:ln>
+                    <a:noFill/>
+                  </a:ln>
+                  <a:solidFill>
+                    <a:srgbClr val="BCBEC4"/>
+                  </a:solidFill>
+                  <a:effectLst/>
+                  <a:latin typeface="+mj-lt"/>
+                  <a:cs typeface="JetBrains Mono" panose="02000009000000000000" pitchFamily="49" charset="0"/>
+                </a:rPr>
+                <a:t>.println(</a:t>
+              </a:r>
+              <a:r>
+                <a:rPr kumimoji="0" lang="zh-TW" altLang="zh-TW" sz="1600" b="0" i="0" u="none" strike="noStrike" cap="none" normalizeH="0" baseline="0">
+                  <a:ln>
+                    <a:noFill/>
+                  </a:ln>
+                  <a:solidFill>
+                    <a:srgbClr val="6AAB73"/>
+                  </a:solidFill>
+                  <a:effectLst/>
+                  <a:latin typeface="+mj-lt"/>
+                  <a:cs typeface="JetBrains Mono" panose="02000009000000000000" pitchFamily="49" charset="0"/>
+                </a:rPr>
+                <a:t>"</a:t>
+              </a:r>
+              <a:r>
+                <a:rPr kumimoji="0" lang="zh-TW" altLang="zh-TW" sz="1600" b="0" i="0" u="none" strike="noStrike" cap="none" normalizeH="0" baseline="0">
+                  <a:ln>
+                    <a:noFill/>
+                  </a:ln>
+                  <a:solidFill>
+                    <a:srgbClr val="6AAB73"/>
+                  </a:solidFill>
+                  <a:effectLst/>
+                  <a:latin typeface="+mj-lt"/>
+                  <a:ea typeface="微軟正黑體" panose="020B0604030504040204" pitchFamily="34" charset="-120"/>
+                  <a:cs typeface="JetBrains Mono" panose="02000009000000000000" pitchFamily="49" charset="0"/>
+                </a:rPr>
+                <a:t>張開雙手變成翅膀守護你</a:t>
+              </a:r>
+              <a:r>
+                <a:rPr kumimoji="0" lang="zh-TW" altLang="zh-TW" sz="1600" b="0" i="0" u="none" strike="noStrike" cap="none" normalizeH="0" baseline="0">
+                  <a:ln>
+                    <a:noFill/>
+                  </a:ln>
+                  <a:solidFill>
+                    <a:srgbClr val="6AAB73"/>
+                  </a:solidFill>
+                  <a:effectLst/>
+                  <a:latin typeface="+mj-lt"/>
+                  <a:cs typeface="JetBrains Mono" panose="02000009000000000000" pitchFamily="49" charset="0"/>
+                </a:rPr>
+                <a:t>"</a:t>
+              </a:r>
+              <a:r>
+                <a:rPr kumimoji="0" lang="zh-TW" altLang="zh-TW" sz="1600" b="0" i="0" u="none" strike="noStrike" cap="none" normalizeH="0" baseline="0">
+                  <a:ln>
+                    <a:noFill/>
+                  </a:ln>
+                  <a:solidFill>
+                    <a:srgbClr val="BCBEC4"/>
+                  </a:solidFill>
+                  <a:effectLst/>
+                  <a:latin typeface="+mj-lt"/>
+                  <a:cs typeface="JetBrains Mono" panose="02000009000000000000" pitchFamily="49" charset="0"/>
+                </a:rPr>
+                <a:t>);</a:t>
+              </a:r>
+              <a:br>
+                <a:rPr kumimoji="0" lang="zh-TW" altLang="zh-TW" sz="1600" b="0" i="0" u="none" strike="noStrike" cap="none" normalizeH="0" baseline="0">
+                  <a:ln>
+                    <a:noFill/>
+                  </a:ln>
+                  <a:solidFill>
+                    <a:srgbClr val="BCBEC4"/>
+                  </a:solidFill>
+                  <a:effectLst/>
+                  <a:latin typeface="+mj-lt"/>
+                  <a:cs typeface="JetBrains Mono" panose="02000009000000000000" pitchFamily="49" charset="0"/>
+                </a:rPr>
+              </a:br>
+              <a:r>
+                <a:rPr kumimoji="0" lang="zh-TW" altLang="zh-TW" sz="1600" b="0" i="0" u="none" strike="noStrike" cap="none" normalizeH="0" baseline="0">
+                  <a:ln>
+                    <a:noFill/>
+                  </a:ln>
+                  <a:solidFill>
+                    <a:srgbClr val="BCBEC4"/>
+                  </a:solidFill>
+                  <a:effectLst/>
+                  <a:latin typeface="+mj-lt"/>
+                  <a:cs typeface="JetBrains Mono" panose="02000009000000000000" pitchFamily="49" charset="0"/>
+                </a:rPr>
+                <a:t>        } </a:t>
+              </a:r>
+              <a:r>
+                <a:rPr kumimoji="0" lang="zh-TW" altLang="zh-TW" sz="1600" b="0" i="0" u="none" strike="noStrike" cap="none" normalizeH="0" baseline="0">
+                  <a:ln>
+                    <a:noFill/>
+                  </a:ln>
+                  <a:solidFill>
+                    <a:srgbClr val="CF8E6D"/>
+                  </a:solidFill>
+                  <a:effectLst/>
+                  <a:latin typeface="+mj-lt"/>
+                  <a:cs typeface="JetBrains Mono" panose="02000009000000000000" pitchFamily="49" charset="0"/>
+                </a:rPr>
+                <a:t>else </a:t>
+              </a:r>
+              <a:r>
+                <a:rPr kumimoji="0" lang="zh-TW" altLang="zh-TW" sz="1600" b="0" i="0" u="none" strike="noStrike" cap="none" normalizeH="0" baseline="0">
+                  <a:ln>
+                    <a:noFill/>
+                  </a:ln>
+                  <a:solidFill>
+                    <a:srgbClr val="BCBEC4"/>
+                  </a:solidFill>
+                  <a:effectLst/>
+                  <a:latin typeface="+mj-lt"/>
+                  <a:cs typeface="JetBrains Mono" panose="02000009000000000000" pitchFamily="49" charset="0"/>
+                </a:rPr>
+                <a:t>{</a:t>
+              </a:r>
+              <a:br>
+                <a:rPr kumimoji="0" lang="zh-TW" altLang="zh-TW" sz="1600" b="0" i="0" u="none" strike="noStrike" cap="none" normalizeH="0" baseline="0">
+                  <a:ln>
+                    <a:noFill/>
+                  </a:ln>
+                  <a:solidFill>
+                    <a:srgbClr val="BCBEC4"/>
+                  </a:solidFill>
+                  <a:effectLst/>
+                  <a:latin typeface="+mj-lt"/>
+                  <a:cs typeface="JetBrains Mono" panose="02000009000000000000" pitchFamily="49" charset="0"/>
+                </a:rPr>
+              </a:br>
+              <a:r>
+                <a:rPr kumimoji="0" lang="zh-TW" altLang="zh-TW" sz="1600" b="0" i="0" u="none" strike="noStrike" cap="none" normalizeH="0" baseline="0">
+                  <a:ln>
+                    <a:noFill/>
+                  </a:ln>
+                  <a:solidFill>
+                    <a:srgbClr val="BCBEC4"/>
+                  </a:solidFill>
+                  <a:effectLst/>
+                  <a:latin typeface="+mj-lt"/>
+                  <a:cs typeface="JetBrains Mono" panose="02000009000000000000" pitchFamily="49" charset="0"/>
+                </a:rPr>
+                <a:t>            System.</a:t>
+              </a:r>
+              <a:r>
+                <a:rPr kumimoji="0" lang="zh-TW" altLang="zh-TW" sz="1600" b="0" i="1" u="none" strike="noStrike" cap="none" normalizeH="0" baseline="0">
+                  <a:ln>
+                    <a:noFill/>
+                  </a:ln>
+                  <a:solidFill>
+                    <a:srgbClr val="C77DBB"/>
+                  </a:solidFill>
+                  <a:effectLst/>
+                  <a:latin typeface="+mj-lt"/>
+                  <a:cs typeface="JetBrains Mono" panose="02000009000000000000" pitchFamily="49" charset="0"/>
+                </a:rPr>
+                <a:t>out</a:t>
+              </a:r>
+              <a:r>
+                <a:rPr kumimoji="0" lang="zh-TW" altLang="zh-TW" sz="1600" b="0" i="0" u="none" strike="noStrike" cap="none" normalizeH="0" baseline="0">
+                  <a:ln>
+                    <a:noFill/>
+                  </a:ln>
+                  <a:solidFill>
+                    <a:srgbClr val="BCBEC4"/>
+                  </a:solidFill>
+                  <a:effectLst/>
+                  <a:latin typeface="+mj-lt"/>
+                  <a:cs typeface="JetBrains Mono" panose="02000009000000000000" pitchFamily="49" charset="0"/>
+                </a:rPr>
+                <a:t>.println(</a:t>
+              </a:r>
+              <a:r>
+                <a:rPr kumimoji="0" lang="zh-TW" altLang="zh-TW" sz="1600" b="0" i="0" u="none" strike="noStrike" cap="none" normalizeH="0" baseline="0">
+                  <a:ln>
+                    <a:noFill/>
+                  </a:ln>
+                  <a:solidFill>
+                    <a:srgbClr val="6AAB73"/>
+                  </a:solidFill>
+                  <a:effectLst/>
+                  <a:latin typeface="+mj-lt"/>
+                  <a:cs typeface="JetBrains Mono" panose="02000009000000000000" pitchFamily="49" charset="0"/>
+                </a:rPr>
+                <a:t>"</a:t>
+              </a:r>
+              <a:r>
+                <a:rPr kumimoji="0" lang="zh-TW" altLang="zh-TW" sz="1600" b="0" i="0" u="none" strike="noStrike" cap="none" normalizeH="0" baseline="0">
+                  <a:ln>
+                    <a:noFill/>
+                  </a:ln>
+                  <a:solidFill>
+                    <a:srgbClr val="6AAB73"/>
+                  </a:solidFill>
+                  <a:effectLst/>
+                  <a:latin typeface="+mj-lt"/>
+                  <a:ea typeface="微軟正黑體" panose="020B0604030504040204" pitchFamily="34" charset="-120"/>
+                  <a:cs typeface="JetBrains Mono" panose="02000009000000000000" pitchFamily="49" charset="0"/>
+                </a:rPr>
+                <a:t>我不知道下一句是什麼</a:t>
+              </a:r>
+              <a:r>
+                <a:rPr kumimoji="0" lang="zh-TW" altLang="zh-TW" sz="1600" b="0" i="0" u="none" strike="noStrike" cap="none" normalizeH="0" baseline="0">
+                  <a:ln>
+                    <a:noFill/>
+                  </a:ln>
+                  <a:solidFill>
+                    <a:srgbClr val="6AAB73"/>
+                  </a:solidFill>
+                  <a:effectLst/>
+                  <a:latin typeface="+mj-lt"/>
+                  <a:cs typeface="JetBrains Mono" panose="02000009000000000000" pitchFamily="49" charset="0"/>
+                </a:rPr>
+                <a:t>"</a:t>
+              </a:r>
+              <a:r>
+                <a:rPr kumimoji="0" lang="zh-TW" altLang="zh-TW" sz="1600" b="0" i="0" u="none" strike="noStrike" cap="none" normalizeH="0" baseline="0">
+                  <a:ln>
+                    <a:noFill/>
+                  </a:ln>
+                  <a:solidFill>
+                    <a:srgbClr val="BCBEC4"/>
+                  </a:solidFill>
+                  <a:effectLst/>
+                  <a:latin typeface="+mj-lt"/>
+                  <a:cs typeface="JetBrains Mono" panose="02000009000000000000" pitchFamily="49" charset="0"/>
+                </a:rPr>
+                <a:t>);</a:t>
+              </a:r>
+              <a:br>
+                <a:rPr kumimoji="0" lang="zh-TW" altLang="zh-TW" sz="1600" b="0" i="0" u="none" strike="noStrike" cap="none" normalizeH="0" baseline="0">
+                  <a:ln>
+                    <a:noFill/>
+                  </a:ln>
+                  <a:solidFill>
+                    <a:srgbClr val="BCBEC4"/>
+                  </a:solidFill>
+                  <a:effectLst/>
+                  <a:latin typeface="+mj-lt"/>
+                  <a:cs typeface="JetBrains Mono" panose="02000009000000000000" pitchFamily="49" charset="0"/>
+                </a:rPr>
+              </a:br>
+              <a:r>
+                <a:rPr kumimoji="0" lang="zh-TW" altLang="zh-TW" sz="1600" b="0" i="0" u="none" strike="noStrike" cap="none" normalizeH="0" baseline="0">
+                  <a:ln>
+                    <a:noFill/>
+                  </a:ln>
+                  <a:solidFill>
+                    <a:srgbClr val="BCBEC4"/>
+                  </a:solidFill>
+                  <a:effectLst/>
+                  <a:latin typeface="+mj-lt"/>
+                  <a:cs typeface="JetBrains Mono" panose="02000009000000000000" pitchFamily="49" charset="0"/>
+                </a:rPr>
+                <a:t>        }</a:t>
+              </a:r>
+              <a:br>
+                <a:rPr kumimoji="0" lang="zh-TW" altLang="zh-TW" sz="1600" b="0" i="0" u="none" strike="noStrike" cap="none" normalizeH="0" baseline="0">
+                  <a:ln>
+                    <a:noFill/>
+                  </a:ln>
+                  <a:solidFill>
+                    <a:srgbClr val="BCBEC4"/>
+                  </a:solidFill>
+                  <a:effectLst/>
+                  <a:latin typeface="+mj-lt"/>
+                  <a:cs typeface="JetBrains Mono" panose="02000009000000000000" pitchFamily="49" charset="0"/>
+                </a:rPr>
+              </a:br>
+              <a:r>
+                <a:rPr kumimoji="0" lang="zh-TW" altLang="zh-TW" sz="1600" b="0" i="0" u="none" strike="noStrike" cap="none" normalizeH="0" baseline="0">
+                  <a:ln>
+                    <a:noFill/>
+                  </a:ln>
+                  <a:solidFill>
+                    <a:srgbClr val="BCBEC4"/>
+                  </a:solidFill>
+                  <a:effectLst/>
+                  <a:latin typeface="+mj-lt"/>
+                  <a:cs typeface="JetBrains Mono" panose="02000009000000000000" pitchFamily="49" charset="0"/>
+                </a:rPr>
+                <a:t>    }</a:t>
+              </a:r>
+              <a:br>
+                <a:rPr kumimoji="0" lang="zh-TW" altLang="zh-TW" sz="1600" b="0" i="0" u="none" strike="noStrike" cap="none" normalizeH="0" baseline="0">
+                  <a:ln>
+                    <a:noFill/>
+                  </a:ln>
+                  <a:solidFill>
+                    <a:srgbClr val="BCBEC4"/>
+                  </a:solidFill>
+                  <a:effectLst/>
+                  <a:latin typeface="+mj-lt"/>
+                  <a:cs typeface="JetBrains Mono" panose="02000009000000000000" pitchFamily="49" charset="0"/>
+                </a:rPr>
+              </a:br>
+              <a:r>
+                <a:rPr kumimoji="0" lang="zh-TW" altLang="zh-TW" sz="1600" b="0" i="0" u="none" strike="noStrike" cap="none" normalizeH="0" baseline="0">
+                  <a:ln>
+                    <a:noFill/>
+                  </a:ln>
+                  <a:solidFill>
+                    <a:srgbClr val="BCBEC4"/>
+                  </a:solidFill>
+                  <a:effectLst/>
+                  <a:latin typeface="+mj-lt"/>
+                  <a:cs typeface="JetBrains Mono" panose="02000009000000000000" pitchFamily="49" charset="0"/>
+                </a:rPr>
+                <a:t>}</a:t>
+              </a:r>
+              <a:endParaRPr kumimoji="0" lang="zh-TW" altLang="zh-TW" sz="1600" b="0" i="0" u="none" strike="noStrike" cap="none" normalizeH="0" baseline="0">
+                <a:ln>
+                  <a:noFill/>
+                </a:ln>
+                <a:solidFill>
+                  <a:schemeClr val="tx1"/>
+                </a:solidFill>
+                <a:effectLst/>
+                <a:latin typeface="+mj-lt"/>
+              </a:endParaRPr>
+            </a:p>
+          </p:txBody>
+        </p:sp>
+        <p:sp>
+          <p:nvSpPr>
+            <p:cNvPr id="13" name="文字方塊 12">
+              <a:extLst>
+                <a:ext uri="{FF2B5EF4-FFF2-40B4-BE49-F238E27FC236}">
+                  <a16:creationId xmlns:a16="http://schemas.microsoft.com/office/drawing/2014/main" id="{D6FF9DA4-B64F-4919-AD0A-841D2296A78C}"/>
+                </a:ext>
+              </a:extLst>
+            </p:cNvPr>
+            <p:cNvSpPr txBox="1"/>
+            <p:nvPr/>
+          </p:nvSpPr>
+          <p:spPr>
+            <a:xfrm>
+              <a:off x="10720292" y="6031528"/>
+              <a:ext cx="633507" cy="338554"/>
+            </a:xfrm>
+            <a:prstGeom prst="rect">
+              <a:avLst/>
+            </a:prstGeom>
+            <a:noFill/>
+          </p:spPr>
+          <p:txBody>
+            <a:bodyPr wrap="none" rtlCol="0">
+              <a:spAutoFit/>
+            </a:bodyPr>
+            <a:lstStyle/>
+            <a:p>
+              <a:r>
+                <a:rPr lang="en-US" altLang="zh-TW" sz="1600">
+                  <a:solidFill>
+                    <a:schemeClr val="accent3"/>
+                  </a:solidFill>
+                </a:rPr>
+                <a:t>java</a:t>
+              </a:r>
+              <a:endParaRPr lang="zh-TW" altLang="en-US" sz="1600">
+                <a:solidFill>
+                  <a:schemeClr val="accent3"/>
+                </a:solidFill>
+              </a:endParaRPr>
+            </a:p>
+          </p:txBody>
+        </p:sp>
+        <p:pic>
+          <p:nvPicPr>
+            <p:cNvPr id="24" name="圖片 23">
+              <a:hlinkClick r:id="rId2"/>
+              <a:extLst>
+                <a:ext uri="{FF2B5EF4-FFF2-40B4-BE49-F238E27FC236}">
+                  <a16:creationId xmlns:a16="http://schemas.microsoft.com/office/drawing/2014/main" id="{A175219C-789C-485B-9A24-33ED5ABB9A74}"/>
+                </a:ext>
+              </a:extLst>
+            </p:cNvPr>
+            <p:cNvPicPr>
+              <a:picLocks noChangeAspect="1"/>
+            </p:cNvPicPr>
+            <p:nvPr/>
+          </p:nvPicPr>
+          <p:blipFill>
+            <a:blip r:embed="rId3">
+              <a:extLst>
+                <a:ext uri="{28A0092B-C50C-407E-A947-70E740481C1C}">
+                  <a14:useLocalDpi xmlns:a14="http://schemas.microsoft.com/office/drawing/2010/main" val="0"/>
+                </a:ext>
+              </a:extLst>
+            </a:blip>
+            <a:stretch>
+              <a:fillRect/>
+            </a:stretch>
+          </p:blipFill>
+          <p:spPr>
+            <a:xfrm>
+              <a:off x="10860996" y="1603301"/>
+              <a:ext cx="484195" cy="473668"/>
+            </a:xfrm>
+            <a:prstGeom prst="rect">
+              <a:avLst/>
+            </a:prstGeom>
+          </p:spPr>
+        </p:pic>
+      </p:grpSp>
+      <p:grpSp>
+        <p:nvGrpSpPr>
           <p:cNvPr id="19" name="群組 18">
             <a:extLst>
               <a:ext uri="{FF2B5EF4-FFF2-40B4-BE49-F238E27FC236}">
@@ -12761,7 +18262,7 @@
         </p:nvGrpSpPr>
         <p:grpSpPr>
           <a:xfrm>
-            <a:off x="8247529" y="5723751"/>
+            <a:off x="7241986" y="5723751"/>
             <a:ext cx="3478306" cy="646331"/>
             <a:chOff x="8247529" y="5723751"/>
             <a:chExt cx="3478306" cy="646331"/>
@@ -12792,21 +18293,16 @@
             <a:solidFill>
               <a:srgbClr val="1E1F22"/>
             </a:solidFill>
-            <a:ln>
-              <a:noFill/>
+            <a:ln w="9525">
+              <a:solidFill>
+                <a:schemeClr val="tx1"/>
+              </a:solidFill>
+              <a:miter lim="800000"/>
+              <a:headEnd/>
+              <a:tailEnd/>
             </a:ln>
             <a:effectLst/>
             <a:extLst>
-              <a:ext uri="{91240B29-F687-4F45-9708-019B960494DF}">
-                <a14:hiddenLine xmlns:a14="http://schemas.microsoft.com/office/drawing/2010/main" w="9525">
-                  <a:solidFill>
-                    <a:schemeClr val="tx1"/>
-                  </a:solidFill>
-                  <a:miter lim="800000"/>
-                  <a:headEnd/>
-                  <a:tailEnd/>
-                </a14:hiddenLine>
-              </a:ext>
               <a:ext uri="{AF507438-7753-43E0-B8FC-AC1667EBCBE1}">
                 <a14:hiddenEffects xmlns:a14="http://schemas.microsoft.com/office/drawing/2010/main">
                   <a:effectLst>
@@ -12937,7 +18433,7 @@
         </p:nvGrpSpPr>
         <p:grpSpPr>
           <a:xfrm>
-            <a:off x="8247529" y="4691416"/>
+            <a:off x="7241986" y="5074851"/>
             <a:ext cx="3478306" cy="646331"/>
             <a:chOff x="8247529" y="4691416"/>
             <a:chExt cx="3478306" cy="646331"/>
@@ -12968,21 +18464,16 @@
             <a:solidFill>
               <a:srgbClr val="1E1F22"/>
             </a:solidFill>
-            <a:ln>
-              <a:noFill/>
+            <a:ln w="9525">
+              <a:solidFill>
+                <a:schemeClr val="tx1"/>
+              </a:solidFill>
+              <a:miter lim="800000"/>
+              <a:headEnd/>
+              <a:tailEnd/>
             </a:ln>
             <a:effectLst/>
             <a:extLst>
-              <a:ext uri="{91240B29-F687-4F45-9708-019B960494DF}">
-                <a14:hiddenLine xmlns:a14="http://schemas.microsoft.com/office/drawing/2010/main" w="9525">
-                  <a:solidFill>
-                    <a:schemeClr val="tx1"/>
-                  </a:solidFill>
-                  <a:miter lim="800000"/>
-                  <a:headEnd/>
-                  <a:tailEnd/>
-                </a14:hiddenLine>
-              </a:ext>
               <a:ext uri="{AF507438-7753-43E0-B8FC-AC1667EBCBE1}">
                 <a14:hiddenEffects xmlns:a14="http://schemas.microsoft.com/office/drawing/2010/main">
                   <a:effectLst>
@@ -13113,7 +18604,7 @@
         </p:nvGrpSpPr>
         <p:grpSpPr>
           <a:xfrm>
-            <a:off x="8247530" y="3659080"/>
+            <a:off x="7264399" y="2759316"/>
             <a:ext cx="3478306" cy="646331"/>
             <a:chOff x="8247530" y="3659080"/>
             <a:chExt cx="3478306" cy="646331"/>
@@ -13144,21 +18635,16 @@
             <a:solidFill>
               <a:srgbClr val="1E1F22"/>
             </a:solidFill>
-            <a:ln>
-              <a:noFill/>
+            <a:ln w="9525">
+              <a:solidFill>
+                <a:schemeClr val="tx1"/>
+              </a:solidFill>
+              <a:miter lim="800000"/>
+              <a:headEnd/>
+              <a:tailEnd/>
             </a:ln>
             <a:effectLst/>
             <a:extLst>
-              <a:ext uri="{91240B29-F687-4F45-9708-019B960494DF}">
-                <a14:hiddenLine xmlns:a14="http://schemas.microsoft.com/office/drawing/2010/main" w="9525">
-                  <a:solidFill>
-                    <a:schemeClr val="tx1"/>
-                  </a:solidFill>
-                  <a:miter lim="800000"/>
-                  <a:headEnd/>
-                  <a:tailEnd/>
-                </a14:hiddenLine>
-              </a:ext>
               <a:ext uri="{AF507438-7753-43E0-B8FC-AC1667EBCBE1}">
                 <a14:hiddenEffects xmlns:a14="http://schemas.microsoft.com/office/drawing/2010/main">
                   <a:effectLst>
@@ -13293,7 +18779,7 @@
         </p:nvGrpSpPr>
         <p:grpSpPr>
           <a:xfrm>
-            <a:off x="8247530" y="2626744"/>
+            <a:off x="7264403" y="2113581"/>
             <a:ext cx="3478306" cy="646331"/>
             <a:chOff x="8247530" y="2626744"/>
             <a:chExt cx="3478306" cy="646331"/>
@@ -13324,21 +18810,16 @@
             <a:solidFill>
               <a:srgbClr val="1E1F22"/>
             </a:solidFill>
-            <a:ln>
-              <a:noFill/>
+            <a:ln w="9525">
+              <a:solidFill>
+                <a:schemeClr val="tx1"/>
+              </a:solidFill>
+              <a:miter lim="800000"/>
+              <a:headEnd/>
+              <a:tailEnd/>
             </a:ln>
             <a:effectLst/>
             <a:extLst>
-              <a:ext uri="{91240B29-F687-4F45-9708-019B960494DF}">
-                <a14:hiddenLine xmlns:a14="http://schemas.microsoft.com/office/drawing/2010/main" w="9525">
-                  <a:solidFill>
-                    <a:schemeClr val="tx1"/>
-                  </a:solidFill>
-                  <a:miter lim="800000"/>
-                  <a:headEnd/>
-                  <a:tailEnd/>
-                </a14:hiddenLine>
-              </a:ext>
               <a:ext uri="{AF507438-7753-43E0-B8FC-AC1667EBCBE1}">
                 <a14:hiddenEffects xmlns:a14="http://schemas.microsoft.com/office/drawing/2010/main">
                   <a:effectLst>
@@ -13477,7 +18958,7 @@
         </p:nvGrpSpPr>
         <p:grpSpPr>
           <a:xfrm>
-            <a:off x="8247530" y="1594408"/>
+            <a:off x="7264403" y="1462113"/>
             <a:ext cx="3478306" cy="646331"/>
             <a:chOff x="8247530" y="1594408"/>
             <a:chExt cx="3478306" cy="646331"/>
@@ -13508,21 +18989,16 @@
             <a:solidFill>
               <a:srgbClr val="1E1F22"/>
             </a:solidFill>
-            <a:ln>
-              <a:noFill/>
+            <a:ln w="9525">
+              <a:solidFill>
+                <a:schemeClr val="tx1"/>
+              </a:solidFill>
+              <a:miter lim="800000"/>
+              <a:headEnd/>
+              <a:tailEnd/>
             </a:ln>
             <a:effectLst/>
             <a:extLst>
-              <a:ext uri="{91240B29-F687-4F45-9708-019B960494DF}">
-                <a14:hiddenLine xmlns:a14="http://schemas.microsoft.com/office/drawing/2010/main" w="9525">
-                  <a:solidFill>
-                    <a:schemeClr val="tx1"/>
-                  </a:solidFill>
-                  <a:miter lim="800000"/>
-                  <a:headEnd/>
-                  <a:tailEnd/>
-                </a14:hiddenLine>
-              </a:ext>
               <a:ext uri="{AF507438-7753-43E0-B8FC-AC1667EBCBE1}">
                 <a14:hiddenEffects xmlns:a14="http://schemas.microsoft.com/office/drawing/2010/main">
                   <a:effectLst>
@@ -13650,10 +19126,10 @@
       </p:grpSp>
       <p:grpSp>
         <p:nvGrpSpPr>
-          <p:cNvPr id="3" name="群組 2">
+          <p:cNvPr id="26" name="群組 25">
             <a:extLst>
               <a:ext uri="{FF2B5EF4-FFF2-40B4-BE49-F238E27FC236}">
-                <a16:creationId xmlns:a16="http://schemas.microsoft.com/office/drawing/2014/main" id="{E4DB2DCC-280A-493E-8ED3-BB53B3873919}"/>
+                <a16:creationId xmlns:a16="http://schemas.microsoft.com/office/drawing/2014/main" id="{4F2B4081-72F4-4A27-818D-A56AD97690C6}"/>
               </a:ext>
             </a:extLst>
           </p:cNvPr>
@@ -13662,18 +19138,18 @@
         </p:nvGrpSpPr>
         <p:grpSpPr>
           <a:xfrm>
-            <a:off x="466165" y="1599545"/>
-            <a:ext cx="7530354" cy="4770537"/>
-            <a:chOff x="466165" y="1599545"/>
-            <a:chExt cx="7530354" cy="4770537"/>
+            <a:off x="7264399" y="3405647"/>
+            <a:ext cx="3478306" cy="646331"/>
+            <a:chOff x="8247530" y="3659080"/>
+            <a:chExt cx="3478306" cy="646331"/>
           </a:xfrm>
         </p:grpSpPr>
         <p:sp>
           <p:nvSpPr>
-            <p:cNvPr id="4" name="Rectangle 1">
+            <p:cNvPr id="27" name="Rectangle 1">
               <a:extLst>
                 <a:ext uri="{FF2B5EF4-FFF2-40B4-BE49-F238E27FC236}">
-                  <a16:creationId xmlns:a16="http://schemas.microsoft.com/office/drawing/2014/main" id="{8E297E17-56BB-418D-B55B-653CAC680C83}"/>
+                  <a16:creationId xmlns:a16="http://schemas.microsoft.com/office/drawing/2014/main" id="{0F954C4D-EF63-4596-AD19-E473C0CDF835}"/>
                 </a:ext>
               </a:extLst>
             </p:cNvPr>
@@ -13684,8 +19160,8 @@
           </p:nvSpPr>
           <p:spPr bwMode="auto">
             <a:xfrm>
-              <a:off x="466165" y="1599545"/>
-              <a:ext cx="7530354" cy="4770537"/>
+              <a:off x="8247530" y="3659080"/>
+              <a:ext cx="3478306" cy="646331"/>
             </a:xfrm>
             <a:prstGeom prst="rect">
               <a:avLst/>
@@ -13693,21 +19169,16 @@
             <a:solidFill>
               <a:srgbClr val="1E1F22"/>
             </a:solidFill>
-            <a:ln>
-              <a:noFill/>
+            <a:ln w="9525">
+              <a:solidFill>
+                <a:schemeClr val="tx1"/>
+              </a:solidFill>
+              <a:miter lim="800000"/>
+              <a:headEnd/>
+              <a:tailEnd/>
             </a:ln>
             <a:effectLst/>
             <a:extLst>
-              <a:ext uri="{91240B29-F687-4F45-9708-019B960494DF}">
-                <a14:hiddenLine xmlns:a14="http://schemas.microsoft.com/office/drawing/2010/main" w="9525">
-                  <a:solidFill>
-                    <a:schemeClr val="tx1"/>
-                  </a:solidFill>
-                  <a:miter lim="800000"/>
-                  <a:headEnd/>
-                  <a:tailEnd/>
-                </a14:hiddenLine>
-              </a:ext>
               <a:ext uri="{AF507438-7753-43E0-B8FC-AC1667EBCBE1}">
                 <a14:hiddenEffects xmlns:a14="http://schemas.microsoft.com/office/drawing/2010/main">
                   <a:effectLst>
@@ -13745,1429 +19216,55 @@
                 <a:tabLst/>
               </a:pPr>
               <a:r>
-                <a:rPr kumimoji="0" lang="zh-TW" altLang="zh-TW" sz="1600" b="0" i="0" u="none" strike="noStrike" cap="none" normalizeH="0" baseline="0">
-                  <a:ln>
-                    <a:noFill/>
-                  </a:ln>
-                  <a:solidFill>
-                    <a:srgbClr val="CF8E6D"/>
-                  </a:solidFill>
-                  <a:effectLst/>
-                  <a:latin typeface="+mj-lt"/>
-                  <a:cs typeface="JetBrains Mono" panose="02000009000000000000" pitchFamily="49" charset="0"/>
-                </a:rPr>
-                <a:t>import </a:t>
-              </a:r>
-              <a:r>
-                <a:rPr kumimoji="0" lang="zh-TW" altLang="zh-TW" sz="1600" b="0" i="0" u="none" strike="noStrike" cap="none" normalizeH="0" baseline="0">
-                  <a:ln>
-                    <a:noFill/>
-                  </a:ln>
-                  <a:solidFill>
-                    <a:srgbClr val="BCBEC4"/>
-                  </a:solidFill>
-                  <a:effectLst/>
-                  <a:latin typeface="+mj-lt"/>
-                  <a:cs typeface="JetBrains Mono" panose="02000009000000000000" pitchFamily="49" charset="0"/>
-                </a:rPr>
-                <a:t>java.util.Scanner;</a:t>
-              </a:r>
-              <a:br>
-                <a:rPr kumimoji="0" lang="zh-TW" altLang="zh-TW" sz="1600" b="0" i="0" u="none" strike="noStrike" cap="none" normalizeH="0" baseline="0">
-                  <a:ln>
-                    <a:noFill/>
-                  </a:ln>
-                  <a:solidFill>
-                    <a:srgbClr val="BCBEC4"/>
-                  </a:solidFill>
-                  <a:effectLst/>
-                  <a:latin typeface="+mj-lt"/>
-                  <a:cs typeface="JetBrains Mono" panose="02000009000000000000" pitchFamily="49" charset="0"/>
-                </a:rPr>
-              </a:br>
-              <a:br>
-                <a:rPr kumimoji="0" lang="zh-TW" altLang="zh-TW" sz="1600" b="0" i="0" u="none" strike="noStrike" cap="none" normalizeH="0" baseline="0">
-                  <a:ln>
-                    <a:noFill/>
-                  </a:ln>
-                  <a:solidFill>
-                    <a:srgbClr val="BCBEC4"/>
-                  </a:solidFill>
-                  <a:effectLst/>
-                  <a:latin typeface="+mj-lt"/>
-                  <a:cs typeface="JetBrains Mono" panose="02000009000000000000" pitchFamily="49" charset="0"/>
-                </a:rPr>
-              </a:br>
-              <a:r>
-                <a:rPr kumimoji="0" lang="zh-TW" altLang="zh-TW" sz="1600" b="0" i="0" u="none" strike="noStrike" cap="none" normalizeH="0" baseline="0">
-                  <a:ln>
-                    <a:noFill/>
-                  </a:ln>
-                  <a:solidFill>
-                    <a:srgbClr val="CF8E6D"/>
-                  </a:solidFill>
-                  <a:effectLst/>
-                  <a:latin typeface="+mj-lt"/>
-                  <a:cs typeface="JetBrains Mono" panose="02000009000000000000" pitchFamily="49" charset="0"/>
-                </a:rPr>
-                <a:t>public class </a:t>
-              </a:r>
-              <a:r>
-                <a:rPr kumimoji="0" lang="zh-TW" altLang="zh-TW" sz="1600" b="0" i="0" u="none" strike="noStrike" cap="none" normalizeH="0" baseline="0">
-                  <a:ln>
-                    <a:noFill/>
-                  </a:ln>
-                  <a:solidFill>
-                    <a:srgbClr val="BCBEC4"/>
-                  </a:solidFill>
-                  <a:effectLst/>
-                  <a:latin typeface="+mj-lt"/>
-                  <a:cs typeface="JetBrains Mono" panose="02000009000000000000" pitchFamily="49" charset="0"/>
-                </a:rPr>
-                <a:t>Main {</a:t>
-              </a:r>
-              <a:br>
-                <a:rPr kumimoji="0" lang="zh-TW" altLang="zh-TW" sz="1600" b="0" i="0" u="none" strike="noStrike" cap="none" normalizeH="0" baseline="0">
-                  <a:ln>
-                    <a:noFill/>
-                  </a:ln>
-                  <a:solidFill>
-                    <a:srgbClr val="BCBEC4"/>
-                  </a:solidFill>
-                  <a:effectLst/>
-                  <a:latin typeface="+mj-lt"/>
-                  <a:cs typeface="JetBrains Mono" panose="02000009000000000000" pitchFamily="49" charset="0"/>
-                </a:rPr>
-              </a:br>
-              <a:r>
-                <a:rPr kumimoji="0" lang="zh-TW" altLang="zh-TW" sz="1600" b="0" i="0" u="none" strike="noStrike" cap="none" normalizeH="0" baseline="0">
-                  <a:ln>
-                    <a:noFill/>
-                  </a:ln>
-                  <a:solidFill>
-                    <a:srgbClr val="BCBEC4"/>
-                  </a:solidFill>
-                  <a:effectLst/>
-                  <a:latin typeface="+mj-lt"/>
-                  <a:cs typeface="JetBrains Mono" panose="02000009000000000000" pitchFamily="49" charset="0"/>
-                </a:rPr>
-                <a:t>    </a:t>
-              </a:r>
-              <a:r>
-                <a:rPr kumimoji="0" lang="zh-TW" altLang="zh-TW" sz="1600" b="0" i="0" u="none" strike="noStrike" cap="none" normalizeH="0" baseline="0">
-                  <a:ln>
-                    <a:noFill/>
-                  </a:ln>
-                  <a:solidFill>
-                    <a:srgbClr val="CF8E6D"/>
-                  </a:solidFill>
-                  <a:effectLst/>
-                  <a:latin typeface="+mj-lt"/>
-                  <a:cs typeface="JetBrains Mono" panose="02000009000000000000" pitchFamily="49" charset="0"/>
-                </a:rPr>
-                <a:t>public static void </a:t>
-              </a:r>
-              <a:r>
-                <a:rPr kumimoji="0" lang="zh-TW" altLang="zh-TW" sz="1600" b="0" i="0" u="none" strike="noStrike" cap="none" normalizeH="0" baseline="0">
-                  <a:ln>
-                    <a:noFill/>
-                  </a:ln>
-                  <a:solidFill>
-                    <a:srgbClr val="56A8F5"/>
-                  </a:solidFill>
-                  <a:effectLst/>
-                  <a:latin typeface="+mj-lt"/>
-                  <a:cs typeface="JetBrains Mono" panose="02000009000000000000" pitchFamily="49" charset="0"/>
-                </a:rPr>
-                <a:t>main</a:t>
-              </a:r>
-              <a:r>
-                <a:rPr kumimoji="0" lang="zh-TW" altLang="zh-TW" sz="1600" b="0" i="0" u="none" strike="noStrike" cap="none" normalizeH="0" baseline="0">
-                  <a:ln>
-                    <a:noFill/>
-                  </a:ln>
-                  <a:solidFill>
-                    <a:srgbClr val="BCBEC4"/>
-                  </a:solidFill>
-                  <a:effectLst/>
-                  <a:latin typeface="+mj-lt"/>
-                  <a:cs typeface="JetBrains Mono" panose="02000009000000000000" pitchFamily="49" charset="0"/>
-                </a:rPr>
-                <a:t>(String[] args) {</a:t>
-              </a:r>
-              <a:br>
-                <a:rPr kumimoji="0" lang="zh-TW" altLang="zh-TW" sz="1600" b="0" i="0" u="none" strike="noStrike" cap="none" normalizeH="0" baseline="0">
-                  <a:ln>
-                    <a:noFill/>
-                  </a:ln>
-                  <a:solidFill>
-                    <a:srgbClr val="BCBEC4"/>
-                  </a:solidFill>
-                  <a:effectLst/>
-                  <a:latin typeface="+mj-lt"/>
-                  <a:cs typeface="JetBrains Mono" panose="02000009000000000000" pitchFamily="49" charset="0"/>
-                </a:rPr>
-              </a:br>
-              <a:r>
-                <a:rPr kumimoji="0" lang="zh-TW" altLang="zh-TW" sz="1600" b="0" i="0" u="none" strike="noStrike" cap="none" normalizeH="0" baseline="0">
-                  <a:ln>
-                    <a:noFill/>
-                  </a:ln>
-                  <a:solidFill>
-                    <a:srgbClr val="BCBEC4"/>
-                  </a:solidFill>
-                  <a:effectLst/>
-                  <a:latin typeface="+mj-lt"/>
-                  <a:cs typeface="JetBrains Mono" panose="02000009000000000000" pitchFamily="49" charset="0"/>
-                </a:rPr>
-                <a:t>        Scanner scanner = </a:t>
-              </a:r>
-              <a:r>
-                <a:rPr kumimoji="0" lang="zh-TW" altLang="zh-TW" sz="1600" b="0" i="0" u="none" strike="noStrike" cap="none" normalizeH="0" baseline="0">
-                  <a:ln>
-                    <a:noFill/>
-                  </a:ln>
-                  <a:solidFill>
-                    <a:srgbClr val="CF8E6D"/>
-                  </a:solidFill>
-                  <a:effectLst/>
-                  <a:latin typeface="+mj-lt"/>
-                  <a:cs typeface="JetBrains Mono" panose="02000009000000000000" pitchFamily="49" charset="0"/>
-                </a:rPr>
-                <a:t>new </a:t>
-              </a:r>
-              <a:r>
-                <a:rPr kumimoji="0" lang="zh-TW" altLang="zh-TW" sz="1600" b="0" i="0" u="none" strike="noStrike" cap="none" normalizeH="0" baseline="0">
-                  <a:ln>
-                    <a:noFill/>
-                  </a:ln>
-                  <a:solidFill>
-                    <a:srgbClr val="BCBEC4"/>
-                  </a:solidFill>
-                  <a:effectLst/>
-                  <a:latin typeface="+mj-lt"/>
-                  <a:cs typeface="JetBrains Mono" panose="02000009000000000000" pitchFamily="49" charset="0"/>
-                </a:rPr>
-                <a:t>Scanner(System.</a:t>
-              </a:r>
-              <a:r>
-                <a:rPr kumimoji="0" lang="zh-TW" altLang="zh-TW" sz="1600" b="0" i="1" u="none" strike="noStrike" cap="none" normalizeH="0" baseline="0">
-                  <a:ln>
-                    <a:noFill/>
-                  </a:ln>
-                  <a:solidFill>
-                    <a:srgbClr val="C77DBB"/>
-                  </a:solidFill>
-                  <a:effectLst/>
-                  <a:latin typeface="+mj-lt"/>
-                  <a:cs typeface="JetBrains Mono" panose="02000009000000000000" pitchFamily="49" charset="0"/>
-                </a:rPr>
-                <a:t>in</a:t>
-              </a:r>
-              <a:r>
-                <a:rPr kumimoji="0" lang="zh-TW" altLang="zh-TW" sz="1600" b="0" i="0" u="none" strike="noStrike" cap="none" normalizeH="0" baseline="0">
-                  <a:ln>
-                    <a:noFill/>
-                  </a:ln>
-                  <a:solidFill>
-                    <a:srgbClr val="BCBEC4"/>
-                  </a:solidFill>
-                  <a:effectLst/>
-                  <a:latin typeface="+mj-lt"/>
-                  <a:cs typeface="JetBrains Mono" panose="02000009000000000000" pitchFamily="49" charset="0"/>
-                </a:rPr>
-                <a:t>);</a:t>
-              </a:r>
-              <a:br>
-                <a:rPr kumimoji="0" lang="zh-TW" altLang="zh-TW" sz="1600" b="0" i="0" u="none" strike="noStrike" cap="none" normalizeH="0" baseline="0">
-                  <a:ln>
-                    <a:noFill/>
-                  </a:ln>
-                  <a:solidFill>
-                    <a:srgbClr val="BCBEC4"/>
-                  </a:solidFill>
-                  <a:effectLst/>
-                  <a:latin typeface="+mj-lt"/>
-                  <a:cs typeface="JetBrains Mono" panose="02000009000000000000" pitchFamily="49" charset="0"/>
-                </a:rPr>
-              </a:br>
-              <a:r>
-                <a:rPr kumimoji="0" lang="zh-TW" altLang="zh-TW" sz="1600" b="0" i="0" u="none" strike="noStrike" cap="none" normalizeH="0" baseline="0">
-                  <a:ln>
-                    <a:noFill/>
-                  </a:ln>
-                  <a:solidFill>
-                    <a:srgbClr val="BCBEC4"/>
-                  </a:solidFill>
-                  <a:effectLst/>
-                  <a:latin typeface="+mj-lt"/>
-                  <a:cs typeface="JetBrains Mono" panose="02000009000000000000" pitchFamily="49" charset="0"/>
-                </a:rPr>
-                <a:t>        String input = scanner.next();</a:t>
-              </a:r>
-              <a:br>
-                <a:rPr kumimoji="0" lang="zh-TW" altLang="zh-TW" sz="1600" b="0" i="0" u="none" strike="noStrike" cap="none" normalizeH="0" baseline="0">
-                  <a:ln>
-                    <a:noFill/>
-                  </a:ln>
-                  <a:solidFill>
-                    <a:srgbClr val="BCBEC4"/>
-                  </a:solidFill>
-                  <a:effectLst/>
-                  <a:latin typeface="+mj-lt"/>
-                  <a:cs typeface="JetBrains Mono" panose="02000009000000000000" pitchFamily="49" charset="0"/>
-                </a:rPr>
-              </a:br>
-              <a:r>
-                <a:rPr kumimoji="0" lang="zh-TW" altLang="zh-TW" sz="1600" b="0" i="0" u="none" strike="noStrike" cap="none" normalizeH="0" baseline="0">
-                  <a:ln>
-                    <a:noFill/>
-                  </a:ln>
-                  <a:solidFill>
-                    <a:srgbClr val="BCBEC4"/>
-                  </a:solidFill>
-                  <a:effectLst/>
-                  <a:latin typeface="+mj-lt"/>
-                  <a:cs typeface="JetBrains Mono" panose="02000009000000000000" pitchFamily="49" charset="0"/>
-                </a:rPr>
-                <a:t>        </a:t>
-              </a:r>
-              <a:r>
-                <a:rPr kumimoji="0" lang="zh-TW" altLang="zh-TW" sz="1600" b="0" i="0" u="none" strike="noStrike" cap="none" normalizeH="0" baseline="0">
-                  <a:ln>
-                    <a:noFill/>
-                  </a:ln>
-                  <a:solidFill>
-                    <a:srgbClr val="CF8E6D"/>
-                  </a:solidFill>
-                  <a:effectLst/>
-                  <a:latin typeface="+mj-lt"/>
-                  <a:cs typeface="JetBrains Mono" panose="02000009000000000000" pitchFamily="49" charset="0"/>
-                </a:rPr>
-                <a:t>if </a:t>
-              </a:r>
-              <a:r>
-                <a:rPr kumimoji="0" lang="zh-TW" altLang="zh-TW" sz="1600" b="0" i="0" u="none" strike="noStrike" cap="none" normalizeH="0" baseline="0">
-                  <a:ln>
-                    <a:noFill/>
-                  </a:ln>
-                  <a:solidFill>
-                    <a:srgbClr val="BCBEC4"/>
-                  </a:solidFill>
-                  <a:effectLst/>
-                  <a:latin typeface="+mj-lt"/>
-                  <a:cs typeface="JetBrains Mono" panose="02000009000000000000" pitchFamily="49" charset="0"/>
-                </a:rPr>
-                <a:t>(input.equals(</a:t>
-              </a:r>
-              <a:r>
-                <a:rPr kumimoji="0" lang="zh-TW" altLang="zh-TW" sz="1600" b="0" i="0" u="none" strike="noStrike" cap="none" normalizeH="0" baseline="0">
-                  <a:ln>
-                    <a:noFill/>
-                  </a:ln>
-                  <a:solidFill>
-                    <a:srgbClr val="6AAB73"/>
-                  </a:solidFill>
-                  <a:effectLst/>
-                  <a:latin typeface="+mj-lt"/>
-                  <a:cs typeface="JetBrains Mono" panose="02000009000000000000" pitchFamily="49" charset="0"/>
-                </a:rPr>
-                <a:t>"</a:t>
-              </a:r>
-              <a:r>
-                <a:rPr kumimoji="0" lang="zh-TW" altLang="zh-TW" sz="1600" b="0" i="0" u="none" strike="noStrike" cap="none" normalizeH="0" baseline="0">
-                  <a:ln>
-                    <a:noFill/>
-                  </a:ln>
-                  <a:solidFill>
-                    <a:srgbClr val="6AAB73"/>
-                  </a:solidFill>
-                  <a:effectLst/>
-                  <a:latin typeface="+mj-lt"/>
-                  <a:ea typeface="微軟正黑體" panose="020B0604030504040204" pitchFamily="34" charset="-120"/>
-                  <a:cs typeface="JetBrains Mono" panose="02000009000000000000" pitchFamily="49" charset="0"/>
-                </a:rPr>
-                <a:t>回憶過去</a:t>
-              </a:r>
-              <a:r>
-                <a:rPr kumimoji="0" lang="zh-TW" altLang="zh-TW" sz="1600" b="0" i="0" u="none" strike="noStrike" cap="none" normalizeH="0" baseline="0">
-                  <a:ln>
-                    <a:noFill/>
-                  </a:ln>
-                  <a:solidFill>
-                    <a:srgbClr val="6AAB73"/>
-                  </a:solidFill>
-                  <a:effectLst/>
-                  <a:latin typeface="+mj-lt"/>
-                  <a:cs typeface="JetBrains Mono" panose="02000009000000000000" pitchFamily="49" charset="0"/>
-                </a:rPr>
-                <a:t>"</a:t>
-              </a:r>
-              <a:r>
-                <a:rPr kumimoji="0" lang="zh-TW" altLang="zh-TW" sz="1600" b="0" i="0" u="none" strike="noStrike" cap="none" normalizeH="0" baseline="0">
-                  <a:ln>
-                    <a:noFill/>
-                  </a:ln>
-                  <a:solidFill>
-                    <a:srgbClr val="BCBEC4"/>
-                  </a:solidFill>
-                  <a:effectLst/>
-                  <a:latin typeface="+mj-lt"/>
-                  <a:cs typeface="JetBrains Mono" panose="02000009000000000000" pitchFamily="49" charset="0"/>
-                </a:rPr>
-                <a:t>)) {</a:t>
-              </a:r>
-              <a:br>
-                <a:rPr kumimoji="0" lang="zh-TW" altLang="zh-TW" sz="1600" b="0" i="0" u="none" strike="noStrike" cap="none" normalizeH="0" baseline="0">
-                  <a:ln>
-                    <a:noFill/>
-                  </a:ln>
-                  <a:solidFill>
-                    <a:srgbClr val="BCBEC4"/>
-                  </a:solidFill>
-                  <a:effectLst/>
-                  <a:latin typeface="+mj-lt"/>
-                  <a:cs typeface="JetBrains Mono" panose="02000009000000000000" pitchFamily="49" charset="0"/>
-                </a:rPr>
-              </a:br>
-              <a:r>
-                <a:rPr kumimoji="0" lang="zh-TW" altLang="zh-TW" sz="1600" b="0" i="0" u="none" strike="noStrike" cap="none" normalizeH="0" baseline="0">
-                  <a:ln>
-                    <a:noFill/>
-                  </a:ln>
-                  <a:solidFill>
-                    <a:srgbClr val="BCBEC4"/>
-                  </a:solidFill>
-                  <a:effectLst/>
-                  <a:latin typeface="+mj-lt"/>
-                  <a:cs typeface="JetBrains Mono" panose="02000009000000000000" pitchFamily="49" charset="0"/>
-                </a:rPr>
-                <a:t>            System.</a:t>
-              </a:r>
-              <a:r>
-                <a:rPr kumimoji="0" lang="zh-TW" altLang="zh-TW" sz="1600" b="0" i="1" u="none" strike="noStrike" cap="none" normalizeH="0" baseline="0">
-                  <a:ln>
-                    <a:noFill/>
-                  </a:ln>
-                  <a:solidFill>
-                    <a:srgbClr val="C77DBB"/>
-                  </a:solidFill>
-                  <a:effectLst/>
-                  <a:latin typeface="+mj-lt"/>
-                  <a:cs typeface="JetBrains Mono" panose="02000009000000000000" pitchFamily="49" charset="0"/>
-                </a:rPr>
-                <a:t>out</a:t>
-              </a:r>
-              <a:r>
-                <a:rPr kumimoji="0" lang="zh-TW" altLang="zh-TW" sz="1600" b="0" i="0" u="none" strike="noStrike" cap="none" normalizeH="0" baseline="0">
-                  <a:ln>
-                    <a:noFill/>
-                  </a:ln>
-                  <a:solidFill>
-                    <a:srgbClr val="BCBEC4"/>
-                  </a:solidFill>
-                  <a:effectLst/>
-                  <a:latin typeface="+mj-lt"/>
-                  <a:cs typeface="JetBrains Mono" panose="02000009000000000000" pitchFamily="49" charset="0"/>
-                </a:rPr>
-                <a:t>.println(</a:t>
-              </a:r>
-              <a:r>
-                <a:rPr kumimoji="0" lang="zh-TW" altLang="zh-TW" sz="1600" b="0" i="0" u="none" strike="noStrike" cap="none" normalizeH="0" baseline="0">
-                  <a:ln>
-                    <a:noFill/>
-                  </a:ln>
-                  <a:solidFill>
-                    <a:srgbClr val="6AAB73"/>
-                  </a:solidFill>
-                  <a:effectLst/>
-                  <a:latin typeface="+mj-lt"/>
-                  <a:cs typeface="JetBrains Mono" panose="02000009000000000000" pitchFamily="49" charset="0"/>
-                </a:rPr>
-                <a:t>"</a:t>
-              </a:r>
-              <a:r>
-                <a:rPr kumimoji="0" lang="zh-TW" altLang="zh-TW" sz="1600" b="0" i="0" u="none" strike="noStrike" cap="none" normalizeH="0" baseline="0">
-                  <a:ln>
-                    <a:noFill/>
-                  </a:ln>
-                  <a:solidFill>
-                    <a:srgbClr val="6AAB73"/>
-                  </a:solidFill>
-                  <a:effectLst/>
-                  <a:latin typeface="+mj-lt"/>
-                  <a:ea typeface="微軟正黑體" panose="020B0604030504040204" pitchFamily="34" charset="-120"/>
-                  <a:cs typeface="JetBrains Mono" panose="02000009000000000000" pitchFamily="49" charset="0"/>
-                </a:rPr>
-                <a:t>痛苦的相思忘不了</a:t>
-              </a:r>
-              <a:r>
-                <a:rPr kumimoji="0" lang="zh-TW" altLang="zh-TW" sz="1600" b="0" i="0" u="none" strike="noStrike" cap="none" normalizeH="0" baseline="0">
-                  <a:ln>
-                    <a:noFill/>
-                  </a:ln>
-                  <a:solidFill>
-                    <a:srgbClr val="6AAB73"/>
-                  </a:solidFill>
-                  <a:effectLst/>
-                  <a:latin typeface="+mj-lt"/>
-                  <a:cs typeface="JetBrains Mono" panose="02000009000000000000" pitchFamily="49" charset="0"/>
-                </a:rPr>
-                <a:t>"</a:t>
-              </a:r>
-              <a:r>
-                <a:rPr kumimoji="0" lang="zh-TW" altLang="zh-TW" sz="1600" b="0" i="0" u="none" strike="noStrike" cap="none" normalizeH="0" baseline="0">
-                  <a:ln>
-                    <a:noFill/>
-                  </a:ln>
-                  <a:solidFill>
-                    <a:srgbClr val="BCBEC4"/>
-                  </a:solidFill>
-                  <a:effectLst/>
-                  <a:latin typeface="+mj-lt"/>
-                  <a:cs typeface="JetBrains Mono" panose="02000009000000000000" pitchFamily="49" charset="0"/>
-                </a:rPr>
-                <a:t>);</a:t>
-              </a:r>
-              <a:br>
-                <a:rPr kumimoji="0" lang="zh-TW" altLang="zh-TW" sz="1600" b="0" i="0" u="none" strike="noStrike" cap="none" normalizeH="0" baseline="0">
-                  <a:ln>
-                    <a:noFill/>
-                  </a:ln>
-                  <a:solidFill>
-                    <a:srgbClr val="BCBEC4"/>
-                  </a:solidFill>
-                  <a:effectLst/>
-                  <a:latin typeface="+mj-lt"/>
-                  <a:cs typeface="JetBrains Mono" panose="02000009000000000000" pitchFamily="49" charset="0"/>
-                </a:rPr>
-              </a:br>
-              <a:r>
-                <a:rPr kumimoji="0" lang="zh-TW" altLang="zh-TW" sz="1600" b="0" i="0" u="none" strike="noStrike" cap="none" normalizeH="0" baseline="0">
-                  <a:ln>
-                    <a:noFill/>
-                  </a:ln>
-                  <a:solidFill>
-                    <a:srgbClr val="BCBEC4"/>
-                  </a:solidFill>
-                  <a:effectLst/>
-                  <a:latin typeface="+mj-lt"/>
-                  <a:cs typeface="JetBrains Mono" panose="02000009000000000000" pitchFamily="49" charset="0"/>
-                </a:rPr>
-                <a:t>        } </a:t>
-              </a:r>
-              <a:r>
-                <a:rPr kumimoji="0" lang="zh-TW" altLang="zh-TW" sz="1600" b="0" i="0" u="none" strike="noStrike" cap="none" normalizeH="0" baseline="0">
-                  <a:ln>
-                    <a:noFill/>
-                  </a:ln>
-                  <a:solidFill>
-                    <a:srgbClr val="CF8E6D"/>
-                  </a:solidFill>
-                  <a:effectLst/>
-                  <a:latin typeface="+mj-lt"/>
-                  <a:cs typeface="JetBrains Mono" panose="02000009000000000000" pitchFamily="49" charset="0"/>
-                </a:rPr>
-                <a:t>else if </a:t>
-              </a:r>
-              <a:r>
-                <a:rPr kumimoji="0" lang="zh-TW" altLang="zh-TW" sz="1600" b="0" i="0" u="none" strike="noStrike" cap="none" normalizeH="0" baseline="0">
-                  <a:ln>
-                    <a:noFill/>
-                  </a:ln>
-                  <a:solidFill>
-                    <a:srgbClr val="BCBEC4"/>
-                  </a:solidFill>
-                  <a:effectLst/>
-                  <a:latin typeface="+mj-lt"/>
-                  <a:cs typeface="JetBrains Mono" panose="02000009000000000000" pitchFamily="49" charset="0"/>
-                </a:rPr>
-                <a:t>(input.equals(</a:t>
-              </a:r>
-              <a:r>
-                <a:rPr kumimoji="0" lang="zh-TW" altLang="zh-TW" sz="1600" b="0" i="0" u="none" strike="noStrike" cap="none" normalizeH="0" baseline="0">
-                  <a:ln>
-                    <a:noFill/>
-                  </a:ln>
-                  <a:solidFill>
-                    <a:srgbClr val="6AAB73"/>
-                  </a:solidFill>
-                  <a:effectLst/>
-                  <a:latin typeface="+mj-lt"/>
-                  <a:cs typeface="JetBrains Mono" panose="02000009000000000000" pitchFamily="49" charset="0"/>
-                </a:rPr>
-                <a:t>"</a:t>
-              </a:r>
-              <a:r>
-                <a:rPr kumimoji="0" lang="zh-TW" altLang="zh-TW" sz="1600" b="0" i="0" u="none" strike="noStrike" cap="none" normalizeH="0" baseline="0">
-                  <a:ln>
-                    <a:noFill/>
-                  </a:ln>
-                  <a:solidFill>
-                    <a:srgbClr val="6AAB73"/>
-                  </a:solidFill>
-                  <a:effectLst/>
-                  <a:latin typeface="+mj-lt"/>
-                  <a:ea typeface="微軟正黑體" panose="020B0604030504040204" pitchFamily="34" charset="-120"/>
-                  <a:cs typeface="JetBrains Mono" panose="02000009000000000000" pitchFamily="49" charset="0"/>
-                </a:rPr>
-                <a:t>想念你的笑</a:t>
-              </a:r>
-              <a:r>
-                <a:rPr kumimoji="0" lang="zh-TW" altLang="zh-TW" sz="1600" b="0" i="0" u="none" strike="noStrike" cap="none" normalizeH="0" baseline="0">
-                  <a:ln>
-                    <a:noFill/>
-                  </a:ln>
-                  <a:solidFill>
-                    <a:srgbClr val="6AAB73"/>
-                  </a:solidFill>
-                  <a:effectLst/>
-                  <a:latin typeface="+mj-lt"/>
-                  <a:cs typeface="JetBrains Mono" panose="02000009000000000000" pitchFamily="49" charset="0"/>
-                </a:rPr>
-                <a:t>"</a:t>
-              </a:r>
-              <a:r>
-                <a:rPr kumimoji="0" lang="zh-TW" altLang="zh-TW" sz="1600" b="0" i="0" u="none" strike="noStrike" cap="none" normalizeH="0" baseline="0">
-                  <a:ln>
-                    <a:noFill/>
-                  </a:ln>
-                  <a:solidFill>
-                    <a:srgbClr val="BCBEC4"/>
-                  </a:solidFill>
-                  <a:effectLst/>
-                  <a:latin typeface="+mj-lt"/>
-                  <a:cs typeface="JetBrains Mono" panose="02000009000000000000" pitchFamily="49" charset="0"/>
-                </a:rPr>
-                <a:t>)) {</a:t>
-              </a:r>
-              <a:br>
-                <a:rPr kumimoji="0" lang="zh-TW" altLang="zh-TW" sz="1600" b="0" i="0" u="none" strike="noStrike" cap="none" normalizeH="0" baseline="0">
-                  <a:ln>
-                    <a:noFill/>
-                  </a:ln>
-                  <a:solidFill>
-                    <a:srgbClr val="BCBEC4"/>
-                  </a:solidFill>
-                  <a:effectLst/>
-                  <a:latin typeface="+mj-lt"/>
-                  <a:cs typeface="JetBrains Mono" panose="02000009000000000000" pitchFamily="49" charset="0"/>
-                </a:rPr>
-              </a:br>
-              <a:r>
-                <a:rPr kumimoji="0" lang="zh-TW" altLang="zh-TW" sz="1600" b="0" i="0" u="none" strike="noStrike" cap="none" normalizeH="0" baseline="0">
-                  <a:ln>
-                    <a:noFill/>
-                  </a:ln>
-                  <a:solidFill>
-                    <a:srgbClr val="BCBEC4"/>
-                  </a:solidFill>
-                  <a:effectLst/>
-                  <a:latin typeface="+mj-lt"/>
-                  <a:cs typeface="JetBrains Mono" panose="02000009000000000000" pitchFamily="49" charset="0"/>
-                </a:rPr>
-                <a:t>            System.</a:t>
-              </a:r>
-              <a:r>
-                <a:rPr kumimoji="0" lang="zh-TW" altLang="zh-TW" sz="1600" b="0" i="1" u="none" strike="noStrike" cap="none" normalizeH="0" baseline="0">
-                  <a:ln>
-                    <a:noFill/>
-                  </a:ln>
-                  <a:solidFill>
-                    <a:srgbClr val="C77DBB"/>
-                  </a:solidFill>
-                  <a:effectLst/>
-                  <a:latin typeface="+mj-lt"/>
-                  <a:cs typeface="JetBrains Mono" panose="02000009000000000000" pitchFamily="49" charset="0"/>
-                </a:rPr>
-                <a:t>out</a:t>
-              </a:r>
-              <a:r>
-                <a:rPr kumimoji="0" lang="zh-TW" altLang="zh-TW" sz="1600" b="0" i="0" u="none" strike="noStrike" cap="none" normalizeH="0" baseline="0">
-                  <a:ln>
-                    <a:noFill/>
-                  </a:ln>
-                  <a:solidFill>
-                    <a:srgbClr val="BCBEC4"/>
-                  </a:solidFill>
-                  <a:effectLst/>
-                  <a:latin typeface="+mj-lt"/>
-                  <a:cs typeface="JetBrains Mono" panose="02000009000000000000" pitchFamily="49" charset="0"/>
-                </a:rPr>
-                <a:t>.println(</a:t>
-              </a:r>
-              <a:r>
-                <a:rPr kumimoji="0" lang="zh-TW" altLang="zh-TW" sz="1600" b="0" i="0" u="none" strike="noStrike" cap="none" normalizeH="0" baseline="0">
-                  <a:ln>
-                    <a:noFill/>
-                  </a:ln>
-                  <a:solidFill>
-                    <a:srgbClr val="6AAB73"/>
-                  </a:solidFill>
-                  <a:effectLst/>
-                  <a:latin typeface="+mj-lt"/>
-                  <a:cs typeface="JetBrains Mono" panose="02000009000000000000" pitchFamily="49" charset="0"/>
-                </a:rPr>
-                <a:t>"</a:t>
-              </a:r>
-              <a:r>
-                <a:rPr kumimoji="0" lang="zh-TW" altLang="zh-TW" sz="1600" b="0" i="0" u="none" strike="noStrike" cap="none" normalizeH="0" baseline="0">
-                  <a:ln>
-                    <a:noFill/>
-                  </a:ln>
-                  <a:solidFill>
-                    <a:srgbClr val="6AAB73"/>
-                  </a:solidFill>
-                  <a:effectLst/>
-                  <a:latin typeface="+mj-lt"/>
-                  <a:ea typeface="微軟正黑體" panose="020B0604030504040204" pitchFamily="34" charset="-120"/>
-                  <a:cs typeface="JetBrains Mono" panose="02000009000000000000" pitchFamily="49" charset="0"/>
-                </a:rPr>
-                <a:t>想念你的外套</a:t>
-              </a:r>
-              <a:r>
-                <a:rPr kumimoji="0" lang="zh-TW" altLang="zh-TW" sz="1600" b="0" i="0" u="none" strike="noStrike" cap="none" normalizeH="0" baseline="0">
-                  <a:ln>
-                    <a:noFill/>
-                  </a:ln>
-                  <a:solidFill>
-                    <a:srgbClr val="6AAB73"/>
-                  </a:solidFill>
-                  <a:effectLst/>
-                  <a:latin typeface="+mj-lt"/>
-                  <a:cs typeface="JetBrains Mono" panose="02000009000000000000" pitchFamily="49" charset="0"/>
-                </a:rPr>
-                <a:t>"</a:t>
-              </a:r>
-              <a:r>
-                <a:rPr kumimoji="0" lang="zh-TW" altLang="zh-TW" sz="1600" b="0" i="0" u="none" strike="noStrike" cap="none" normalizeH="0" baseline="0">
-                  <a:ln>
-                    <a:noFill/>
-                  </a:ln>
-                  <a:solidFill>
-                    <a:srgbClr val="BCBEC4"/>
-                  </a:solidFill>
-                  <a:effectLst/>
-                  <a:latin typeface="+mj-lt"/>
-                  <a:cs typeface="JetBrains Mono" panose="02000009000000000000" pitchFamily="49" charset="0"/>
-                </a:rPr>
-                <a:t>);</a:t>
-              </a:r>
-              <a:br>
-                <a:rPr kumimoji="0" lang="zh-TW" altLang="zh-TW" sz="1600" b="0" i="0" u="none" strike="noStrike" cap="none" normalizeH="0" baseline="0">
-                  <a:ln>
-                    <a:noFill/>
-                  </a:ln>
-                  <a:solidFill>
-                    <a:srgbClr val="BCBEC4"/>
-                  </a:solidFill>
-                  <a:effectLst/>
-                  <a:latin typeface="+mj-lt"/>
-                  <a:cs typeface="JetBrains Mono" panose="02000009000000000000" pitchFamily="49" charset="0"/>
-                </a:rPr>
-              </a:br>
-              <a:r>
-                <a:rPr kumimoji="0" lang="zh-TW" altLang="zh-TW" sz="1600" b="0" i="0" u="none" strike="noStrike" cap="none" normalizeH="0" baseline="0">
-                  <a:ln>
-                    <a:noFill/>
-                  </a:ln>
-                  <a:solidFill>
-                    <a:srgbClr val="BCBEC4"/>
-                  </a:solidFill>
-                  <a:effectLst/>
-                  <a:latin typeface="+mj-lt"/>
-                  <a:cs typeface="JetBrains Mono" panose="02000009000000000000" pitchFamily="49" charset="0"/>
-                </a:rPr>
-                <a:t>        } </a:t>
-              </a:r>
-              <a:r>
-                <a:rPr kumimoji="0" lang="zh-TW" altLang="zh-TW" sz="1600" b="0" i="0" u="none" strike="noStrike" cap="none" normalizeH="0" baseline="0">
-                  <a:ln>
-                    <a:noFill/>
-                  </a:ln>
-                  <a:solidFill>
-                    <a:srgbClr val="CF8E6D"/>
-                  </a:solidFill>
-                  <a:effectLst/>
-                  <a:latin typeface="+mj-lt"/>
-                  <a:cs typeface="JetBrains Mono" panose="02000009000000000000" pitchFamily="49" charset="0"/>
-                </a:rPr>
-                <a:t>else if </a:t>
-              </a:r>
-              <a:r>
-                <a:rPr kumimoji="0" lang="zh-TW" altLang="zh-TW" sz="1600" b="0" i="0" u="none" strike="noStrike" cap="none" normalizeH="0" baseline="0">
-                  <a:ln>
-                    <a:noFill/>
-                  </a:ln>
-                  <a:solidFill>
-                    <a:srgbClr val="BCBEC4"/>
-                  </a:solidFill>
-                  <a:effectLst/>
-                  <a:latin typeface="+mj-lt"/>
-                  <a:cs typeface="JetBrains Mono" panose="02000009000000000000" pitchFamily="49" charset="0"/>
-                </a:rPr>
-                <a:t>(input.equals(</a:t>
-              </a:r>
-              <a:r>
-                <a:rPr kumimoji="0" lang="zh-TW" altLang="zh-TW" sz="1600" b="0" i="0" u="none" strike="noStrike" cap="none" normalizeH="0" baseline="0">
-                  <a:ln>
-                    <a:noFill/>
-                  </a:ln>
-                  <a:solidFill>
-                    <a:srgbClr val="6AAB73"/>
-                  </a:solidFill>
-                  <a:effectLst/>
-                  <a:latin typeface="+mj-lt"/>
-                  <a:cs typeface="JetBrains Mono" panose="02000009000000000000" pitchFamily="49" charset="0"/>
-                </a:rPr>
-                <a:t>"</a:t>
-              </a:r>
-              <a:r>
-                <a:rPr kumimoji="0" lang="zh-TW" altLang="zh-TW" sz="1600" b="0" i="0" u="none" strike="noStrike" cap="none" normalizeH="0" baseline="0">
-                  <a:ln>
-                    <a:noFill/>
-                  </a:ln>
-                  <a:solidFill>
-                    <a:srgbClr val="6AAB73"/>
-                  </a:solidFill>
-                  <a:effectLst/>
-                  <a:latin typeface="+mj-lt"/>
-                  <a:ea typeface="微軟正黑體" panose="020B0604030504040204" pitchFamily="34" charset="-120"/>
-                  <a:cs typeface="JetBrains Mono" panose="02000009000000000000" pitchFamily="49" charset="0"/>
-                </a:rPr>
-                <a:t>怎麼忍心怪你犯了錯</a:t>
-              </a:r>
-              <a:r>
-                <a:rPr kumimoji="0" lang="zh-TW" altLang="zh-TW" sz="1600" b="0" i="0" u="none" strike="noStrike" cap="none" normalizeH="0" baseline="0">
-                  <a:ln>
-                    <a:noFill/>
-                  </a:ln>
-                  <a:solidFill>
-                    <a:srgbClr val="6AAB73"/>
-                  </a:solidFill>
-                  <a:effectLst/>
-                  <a:latin typeface="+mj-lt"/>
-                  <a:cs typeface="JetBrains Mono" panose="02000009000000000000" pitchFamily="49" charset="0"/>
-                </a:rPr>
-                <a:t>"</a:t>
-              </a:r>
-              <a:r>
-                <a:rPr kumimoji="0" lang="zh-TW" altLang="zh-TW" sz="1600" b="0" i="0" u="none" strike="noStrike" cap="none" normalizeH="0" baseline="0">
-                  <a:ln>
-                    <a:noFill/>
-                  </a:ln>
-                  <a:solidFill>
-                    <a:srgbClr val="BCBEC4"/>
-                  </a:solidFill>
-                  <a:effectLst/>
-                  <a:latin typeface="+mj-lt"/>
-                  <a:cs typeface="JetBrains Mono" panose="02000009000000000000" pitchFamily="49" charset="0"/>
-                </a:rPr>
-                <a:t>)) {</a:t>
-              </a:r>
-              <a:br>
-                <a:rPr kumimoji="0" lang="zh-TW" altLang="zh-TW" sz="1600" b="0" i="0" u="none" strike="noStrike" cap="none" normalizeH="0" baseline="0">
-                  <a:ln>
-                    <a:noFill/>
-                  </a:ln>
-                  <a:solidFill>
-                    <a:srgbClr val="BCBEC4"/>
-                  </a:solidFill>
-                  <a:effectLst/>
-                  <a:latin typeface="+mj-lt"/>
-                  <a:cs typeface="JetBrains Mono" panose="02000009000000000000" pitchFamily="49" charset="0"/>
-                </a:rPr>
-              </a:br>
-              <a:r>
-                <a:rPr kumimoji="0" lang="zh-TW" altLang="zh-TW" sz="1600" b="0" i="0" u="none" strike="noStrike" cap="none" normalizeH="0" baseline="0">
-                  <a:ln>
-                    <a:noFill/>
-                  </a:ln>
-                  <a:solidFill>
-                    <a:srgbClr val="BCBEC4"/>
-                  </a:solidFill>
-                  <a:effectLst/>
-                  <a:latin typeface="+mj-lt"/>
-                  <a:cs typeface="JetBrains Mono" panose="02000009000000000000" pitchFamily="49" charset="0"/>
-                </a:rPr>
-                <a:t>            System.</a:t>
-              </a:r>
-              <a:r>
-                <a:rPr kumimoji="0" lang="zh-TW" altLang="zh-TW" sz="1600" b="0" i="1" u="none" strike="noStrike" cap="none" normalizeH="0" baseline="0">
-                  <a:ln>
-                    <a:noFill/>
-                  </a:ln>
-                  <a:solidFill>
-                    <a:srgbClr val="C77DBB"/>
-                  </a:solidFill>
-                  <a:effectLst/>
-                  <a:latin typeface="+mj-lt"/>
-                  <a:cs typeface="JetBrains Mono" panose="02000009000000000000" pitchFamily="49" charset="0"/>
-                </a:rPr>
-                <a:t>out</a:t>
-              </a:r>
-              <a:r>
-                <a:rPr kumimoji="0" lang="zh-TW" altLang="zh-TW" sz="1600" b="0" i="0" u="none" strike="noStrike" cap="none" normalizeH="0" baseline="0">
-                  <a:ln>
-                    <a:noFill/>
-                  </a:ln>
-                  <a:solidFill>
-                    <a:srgbClr val="BCBEC4"/>
-                  </a:solidFill>
-                  <a:effectLst/>
-                  <a:latin typeface="+mj-lt"/>
-                  <a:cs typeface="JetBrains Mono" panose="02000009000000000000" pitchFamily="49" charset="0"/>
-                </a:rPr>
-                <a:t>.println(</a:t>
-              </a:r>
-              <a:r>
-                <a:rPr kumimoji="0" lang="zh-TW" altLang="zh-TW" sz="1600" b="0" i="0" u="none" strike="noStrike" cap="none" normalizeH="0" baseline="0">
-                  <a:ln>
-                    <a:noFill/>
-                  </a:ln>
-                  <a:solidFill>
-                    <a:srgbClr val="6AAB73"/>
-                  </a:solidFill>
-                  <a:effectLst/>
-                  <a:latin typeface="+mj-lt"/>
-                  <a:cs typeface="JetBrains Mono" panose="02000009000000000000" pitchFamily="49" charset="0"/>
-                </a:rPr>
-                <a:t>"</a:t>
-              </a:r>
-              <a:r>
-                <a:rPr kumimoji="0" lang="zh-TW" altLang="zh-TW" sz="1600" b="0" i="0" u="none" strike="noStrike" cap="none" normalizeH="0" baseline="0">
-                  <a:ln>
-                    <a:noFill/>
-                  </a:ln>
-                  <a:solidFill>
-                    <a:srgbClr val="6AAB73"/>
-                  </a:solidFill>
-                  <a:effectLst/>
-                  <a:latin typeface="+mj-lt"/>
-                  <a:ea typeface="微軟正黑體" panose="020B0604030504040204" pitchFamily="34" charset="-120"/>
-                  <a:cs typeface="JetBrains Mono" panose="02000009000000000000" pitchFamily="49" charset="0"/>
-                </a:rPr>
-                <a:t>是我給你自由過了火</a:t>
-              </a:r>
-              <a:r>
-                <a:rPr kumimoji="0" lang="zh-TW" altLang="zh-TW" sz="1600" b="0" i="0" u="none" strike="noStrike" cap="none" normalizeH="0" baseline="0">
-                  <a:ln>
-                    <a:noFill/>
-                  </a:ln>
-                  <a:solidFill>
-                    <a:srgbClr val="6AAB73"/>
-                  </a:solidFill>
-                  <a:effectLst/>
-                  <a:latin typeface="+mj-lt"/>
-                  <a:cs typeface="JetBrains Mono" panose="02000009000000000000" pitchFamily="49" charset="0"/>
-                </a:rPr>
-                <a:t>"</a:t>
-              </a:r>
-              <a:r>
-                <a:rPr kumimoji="0" lang="zh-TW" altLang="zh-TW" sz="1600" b="0" i="0" u="none" strike="noStrike" cap="none" normalizeH="0" baseline="0">
-                  <a:ln>
-                    <a:noFill/>
-                  </a:ln>
-                  <a:solidFill>
-                    <a:srgbClr val="BCBEC4"/>
-                  </a:solidFill>
-                  <a:effectLst/>
-                  <a:latin typeface="+mj-lt"/>
-                  <a:cs typeface="JetBrains Mono" panose="02000009000000000000" pitchFamily="49" charset="0"/>
-                </a:rPr>
-                <a:t>);</a:t>
-              </a:r>
-              <a:br>
-                <a:rPr kumimoji="0" lang="zh-TW" altLang="zh-TW" sz="1600" b="0" i="0" u="none" strike="noStrike" cap="none" normalizeH="0" baseline="0">
-                  <a:ln>
-                    <a:noFill/>
-                  </a:ln>
-                  <a:solidFill>
-                    <a:srgbClr val="BCBEC4"/>
-                  </a:solidFill>
-                  <a:effectLst/>
-                  <a:latin typeface="+mj-lt"/>
-                  <a:cs typeface="JetBrains Mono" panose="02000009000000000000" pitchFamily="49" charset="0"/>
-                </a:rPr>
-              </a:br>
-              <a:r>
-                <a:rPr kumimoji="0" lang="zh-TW" altLang="zh-TW" sz="1600" b="0" i="0" u="none" strike="noStrike" cap="none" normalizeH="0" baseline="0">
-                  <a:ln>
-                    <a:noFill/>
-                  </a:ln>
-                  <a:solidFill>
-                    <a:srgbClr val="BCBEC4"/>
-                  </a:solidFill>
-                  <a:effectLst/>
-                  <a:latin typeface="+mj-lt"/>
-                  <a:cs typeface="JetBrains Mono" panose="02000009000000000000" pitchFamily="49" charset="0"/>
-                </a:rPr>
-                <a:t>        } </a:t>
-              </a:r>
-              <a:r>
-                <a:rPr kumimoji="0" lang="zh-TW" altLang="zh-TW" sz="1600" b="0" i="0" u="none" strike="noStrike" cap="none" normalizeH="0" baseline="0">
-                  <a:ln>
-                    <a:noFill/>
-                  </a:ln>
-                  <a:solidFill>
-                    <a:srgbClr val="CF8E6D"/>
-                  </a:solidFill>
-                  <a:effectLst/>
-                  <a:latin typeface="+mj-lt"/>
-                  <a:cs typeface="JetBrains Mono" panose="02000009000000000000" pitchFamily="49" charset="0"/>
-                </a:rPr>
-                <a:t>else if </a:t>
-              </a:r>
-              <a:r>
-                <a:rPr kumimoji="0" lang="zh-TW" altLang="zh-TW" sz="1600" b="0" i="0" u="none" strike="noStrike" cap="none" normalizeH="0" baseline="0">
-                  <a:ln>
-                    <a:noFill/>
-                  </a:ln>
-                  <a:solidFill>
-                    <a:srgbClr val="BCBEC4"/>
-                  </a:solidFill>
-                  <a:effectLst/>
-                  <a:latin typeface="+mj-lt"/>
-                  <a:cs typeface="JetBrains Mono" panose="02000009000000000000" pitchFamily="49" charset="0"/>
-                </a:rPr>
-                <a:t>(input.equals(</a:t>
-              </a:r>
-              <a:r>
-                <a:rPr kumimoji="0" lang="zh-TW" altLang="zh-TW" sz="1600" b="0" i="0" u="none" strike="noStrike" cap="none" normalizeH="0" baseline="0">
-                  <a:ln>
-                    <a:noFill/>
-                  </a:ln>
-                  <a:solidFill>
-                    <a:srgbClr val="6AAB73"/>
-                  </a:solidFill>
-                  <a:effectLst/>
-                  <a:latin typeface="+mj-lt"/>
-                  <a:cs typeface="JetBrains Mono" panose="02000009000000000000" pitchFamily="49" charset="0"/>
-                </a:rPr>
-                <a:t>"</a:t>
-              </a:r>
-              <a:r>
-                <a:rPr kumimoji="0" lang="zh-TW" altLang="zh-TW" sz="1600" b="0" i="0" u="none" strike="noStrike" cap="none" normalizeH="0" baseline="0">
-                  <a:ln>
-                    <a:noFill/>
-                  </a:ln>
-                  <a:solidFill>
-                    <a:srgbClr val="6AAB73"/>
-                  </a:solidFill>
-                  <a:effectLst/>
-                  <a:latin typeface="+mj-lt"/>
-                  <a:ea typeface="微軟正黑體" panose="020B0604030504040204" pitchFamily="34" charset="-120"/>
-                  <a:cs typeface="JetBrains Mono" panose="02000009000000000000" pitchFamily="49" charset="0"/>
-                </a:rPr>
-                <a:t>我願變成童話裡你愛的那個天使</a:t>
-              </a:r>
-              <a:r>
-                <a:rPr kumimoji="0" lang="zh-TW" altLang="zh-TW" sz="1600" b="0" i="0" u="none" strike="noStrike" cap="none" normalizeH="0" baseline="0">
-                  <a:ln>
-                    <a:noFill/>
-                  </a:ln>
-                  <a:solidFill>
-                    <a:srgbClr val="6AAB73"/>
-                  </a:solidFill>
-                  <a:effectLst/>
-                  <a:latin typeface="+mj-lt"/>
-                  <a:cs typeface="JetBrains Mono" panose="02000009000000000000" pitchFamily="49" charset="0"/>
-                </a:rPr>
-                <a:t>"</a:t>
-              </a:r>
-              <a:r>
-                <a:rPr kumimoji="0" lang="zh-TW" altLang="zh-TW" sz="1600" b="0" i="0" u="none" strike="noStrike" cap="none" normalizeH="0" baseline="0">
-                  <a:ln>
-                    <a:noFill/>
-                  </a:ln>
-                  <a:solidFill>
-                    <a:srgbClr val="BCBEC4"/>
-                  </a:solidFill>
-                  <a:effectLst/>
-                  <a:latin typeface="+mj-lt"/>
-                  <a:cs typeface="JetBrains Mono" panose="02000009000000000000" pitchFamily="49" charset="0"/>
-                </a:rPr>
-                <a:t>)) {</a:t>
-              </a:r>
-              <a:br>
-                <a:rPr kumimoji="0" lang="zh-TW" altLang="zh-TW" sz="1600" b="0" i="0" u="none" strike="noStrike" cap="none" normalizeH="0" baseline="0">
-                  <a:ln>
-                    <a:noFill/>
-                  </a:ln>
-                  <a:solidFill>
-                    <a:srgbClr val="BCBEC4"/>
-                  </a:solidFill>
-                  <a:effectLst/>
-                  <a:latin typeface="+mj-lt"/>
-                  <a:cs typeface="JetBrains Mono" panose="02000009000000000000" pitchFamily="49" charset="0"/>
-                </a:rPr>
-              </a:br>
-              <a:r>
-                <a:rPr kumimoji="0" lang="zh-TW" altLang="zh-TW" sz="1600" b="0" i="0" u="none" strike="noStrike" cap="none" normalizeH="0" baseline="0">
-                  <a:ln>
-                    <a:noFill/>
-                  </a:ln>
-                  <a:solidFill>
-                    <a:srgbClr val="BCBEC4"/>
-                  </a:solidFill>
-                  <a:effectLst/>
-                  <a:latin typeface="+mj-lt"/>
-                  <a:cs typeface="JetBrains Mono" panose="02000009000000000000" pitchFamily="49" charset="0"/>
-                </a:rPr>
-                <a:t>            System.</a:t>
-              </a:r>
-              <a:r>
-                <a:rPr kumimoji="0" lang="zh-TW" altLang="zh-TW" sz="1600" b="0" i="1" u="none" strike="noStrike" cap="none" normalizeH="0" baseline="0">
-                  <a:ln>
-                    <a:noFill/>
-                  </a:ln>
-                  <a:solidFill>
-                    <a:srgbClr val="C77DBB"/>
-                  </a:solidFill>
-                  <a:effectLst/>
-                  <a:latin typeface="+mj-lt"/>
-                  <a:cs typeface="JetBrains Mono" panose="02000009000000000000" pitchFamily="49" charset="0"/>
-                </a:rPr>
-                <a:t>out</a:t>
-              </a:r>
-              <a:r>
-                <a:rPr kumimoji="0" lang="zh-TW" altLang="zh-TW" sz="1600" b="0" i="0" u="none" strike="noStrike" cap="none" normalizeH="0" baseline="0">
-                  <a:ln>
-                    <a:noFill/>
-                  </a:ln>
-                  <a:solidFill>
-                    <a:srgbClr val="BCBEC4"/>
-                  </a:solidFill>
-                  <a:effectLst/>
-                  <a:latin typeface="+mj-lt"/>
-                  <a:cs typeface="JetBrains Mono" panose="02000009000000000000" pitchFamily="49" charset="0"/>
-                </a:rPr>
-                <a:t>.println(</a:t>
-              </a:r>
-              <a:r>
-                <a:rPr kumimoji="0" lang="zh-TW" altLang="zh-TW" sz="1600" b="0" i="0" u="none" strike="noStrike" cap="none" normalizeH="0" baseline="0">
-                  <a:ln>
-                    <a:noFill/>
-                  </a:ln>
-                  <a:solidFill>
-                    <a:srgbClr val="6AAB73"/>
-                  </a:solidFill>
-                  <a:effectLst/>
-                  <a:latin typeface="+mj-lt"/>
-                  <a:cs typeface="JetBrains Mono" panose="02000009000000000000" pitchFamily="49" charset="0"/>
-                </a:rPr>
-                <a:t>"</a:t>
-              </a:r>
-              <a:r>
-                <a:rPr kumimoji="0" lang="zh-TW" altLang="zh-TW" sz="1600" b="0" i="0" u="none" strike="noStrike" cap="none" normalizeH="0" baseline="0">
-                  <a:ln>
-                    <a:noFill/>
-                  </a:ln>
-                  <a:solidFill>
-                    <a:srgbClr val="6AAB73"/>
-                  </a:solidFill>
-                  <a:effectLst/>
-                  <a:latin typeface="+mj-lt"/>
-                  <a:ea typeface="微軟正黑體" panose="020B0604030504040204" pitchFamily="34" charset="-120"/>
-                  <a:cs typeface="JetBrains Mono" panose="02000009000000000000" pitchFamily="49" charset="0"/>
-                </a:rPr>
-                <a:t>張開雙手變成翅膀守護你</a:t>
-              </a:r>
-              <a:r>
-                <a:rPr kumimoji="0" lang="zh-TW" altLang="zh-TW" sz="1600" b="0" i="0" u="none" strike="noStrike" cap="none" normalizeH="0" baseline="0">
-                  <a:ln>
-                    <a:noFill/>
-                  </a:ln>
-                  <a:solidFill>
-                    <a:srgbClr val="6AAB73"/>
-                  </a:solidFill>
-                  <a:effectLst/>
-                  <a:latin typeface="+mj-lt"/>
-                  <a:cs typeface="JetBrains Mono" panose="02000009000000000000" pitchFamily="49" charset="0"/>
-                </a:rPr>
-                <a:t>"</a:t>
-              </a:r>
-              <a:r>
-                <a:rPr kumimoji="0" lang="zh-TW" altLang="zh-TW" sz="1600" b="0" i="0" u="none" strike="noStrike" cap="none" normalizeH="0" baseline="0">
-                  <a:ln>
-                    <a:noFill/>
-                  </a:ln>
-                  <a:solidFill>
-                    <a:srgbClr val="BCBEC4"/>
-                  </a:solidFill>
-                  <a:effectLst/>
-                  <a:latin typeface="+mj-lt"/>
-                  <a:cs typeface="JetBrains Mono" panose="02000009000000000000" pitchFamily="49" charset="0"/>
-                </a:rPr>
-                <a:t>);</a:t>
-              </a:r>
-              <a:br>
-                <a:rPr kumimoji="0" lang="zh-TW" altLang="zh-TW" sz="1600" b="0" i="0" u="none" strike="noStrike" cap="none" normalizeH="0" baseline="0">
-                  <a:ln>
-                    <a:noFill/>
-                  </a:ln>
-                  <a:solidFill>
-                    <a:srgbClr val="BCBEC4"/>
-                  </a:solidFill>
-                  <a:effectLst/>
-                  <a:latin typeface="+mj-lt"/>
-                  <a:cs typeface="JetBrains Mono" panose="02000009000000000000" pitchFamily="49" charset="0"/>
-                </a:rPr>
-              </a:br>
-              <a:r>
-                <a:rPr kumimoji="0" lang="zh-TW" altLang="zh-TW" sz="1600" b="0" i="0" u="none" strike="noStrike" cap="none" normalizeH="0" baseline="0">
-                  <a:ln>
-                    <a:noFill/>
-                  </a:ln>
-                  <a:solidFill>
-                    <a:srgbClr val="BCBEC4"/>
-                  </a:solidFill>
-                  <a:effectLst/>
-                  <a:latin typeface="+mj-lt"/>
-                  <a:cs typeface="JetBrains Mono" panose="02000009000000000000" pitchFamily="49" charset="0"/>
-                </a:rPr>
-                <a:t>        } </a:t>
-              </a:r>
-              <a:r>
-                <a:rPr kumimoji="0" lang="zh-TW" altLang="zh-TW" sz="1600" b="0" i="0" u="none" strike="noStrike" cap="none" normalizeH="0" baseline="0">
-                  <a:ln>
-                    <a:noFill/>
-                  </a:ln>
-                  <a:solidFill>
-                    <a:srgbClr val="CF8E6D"/>
-                  </a:solidFill>
-                  <a:effectLst/>
-                  <a:latin typeface="+mj-lt"/>
-                  <a:cs typeface="JetBrains Mono" panose="02000009000000000000" pitchFamily="49" charset="0"/>
-                </a:rPr>
-                <a:t>else </a:t>
-              </a:r>
-              <a:r>
-                <a:rPr kumimoji="0" lang="zh-TW" altLang="zh-TW" sz="1600" b="0" i="0" u="none" strike="noStrike" cap="none" normalizeH="0" baseline="0">
-                  <a:ln>
-                    <a:noFill/>
-                  </a:ln>
-                  <a:solidFill>
-                    <a:srgbClr val="BCBEC4"/>
-                  </a:solidFill>
-                  <a:effectLst/>
-                  <a:latin typeface="+mj-lt"/>
-                  <a:cs typeface="JetBrains Mono" panose="02000009000000000000" pitchFamily="49" charset="0"/>
-                </a:rPr>
-                <a:t>{</a:t>
-              </a:r>
-              <a:br>
-                <a:rPr kumimoji="0" lang="zh-TW" altLang="zh-TW" sz="1600" b="0" i="0" u="none" strike="noStrike" cap="none" normalizeH="0" baseline="0">
-                  <a:ln>
-                    <a:noFill/>
-                  </a:ln>
-                  <a:solidFill>
-                    <a:srgbClr val="BCBEC4"/>
-                  </a:solidFill>
-                  <a:effectLst/>
-                  <a:latin typeface="+mj-lt"/>
-                  <a:cs typeface="JetBrains Mono" panose="02000009000000000000" pitchFamily="49" charset="0"/>
-                </a:rPr>
-              </a:br>
-              <a:r>
-                <a:rPr kumimoji="0" lang="zh-TW" altLang="zh-TW" sz="1600" b="0" i="0" u="none" strike="noStrike" cap="none" normalizeH="0" baseline="0">
-                  <a:ln>
-                    <a:noFill/>
-                  </a:ln>
-                  <a:solidFill>
-                    <a:srgbClr val="BCBEC4"/>
-                  </a:solidFill>
-                  <a:effectLst/>
-                  <a:latin typeface="+mj-lt"/>
-                  <a:cs typeface="JetBrains Mono" panose="02000009000000000000" pitchFamily="49" charset="0"/>
-                </a:rPr>
-                <a:t>            System.</a:t>
-              </a:r>
-              <a:r>
-                <a:rPr kumimoji="0" lang="zh-TW" altLang="zh-TW" sz="1600" b="0" i="1" u="none" strike="noStrike" cap="none" normalizeH="0" baseline="0">
-                  <a:ln>
-                    <a:noFill/>
-                  </a:ln>
-                  <a:solidFill>
-                    <a:srgbClr val="C77DBB"/>
-                  </a:solidFill>
-                  <a:effectLst/>
-                  <a:latin typeface="+mj-lt"/>
-                  <a:cs typeface="JetBrains Mono" panose="02000009000000000000" pitchFamily="49" charset="0"/>
-                </a:rPr>
-                <a:t>out</a:t>
-              </a:r>
-              <a:r>
-                <a:rPr kumimoji="0" lang="zh-TW" altLang="zh-TW" sz="1600" b="0" i="0" u="none" strike="noStrike" cap="none" normalizeH="0" baseline="0">
-                  <a:ln>
-                    <a:noFill/>
-                  </a:ln>
-                  <a:solidFill>
-                    <a:srgbClr val="BCBEC4"/>
-                  </a:solidFill>
-                  <a:effectLst/>
-                  <a:latin typeface="+mj-lt"/>
-                  <a:cs typeface="JetBrains Mono" panose="02000009000000000000" pitchFamily="49" charset="0"/>
-                </a:rPr>
-                <a:t>.println(</a:t>
-              </a:r>
-              <a:r>
-                <a:rPr kumimoji="0" lang="zh-TW" altLang="zh-TW" sz="1600" b="0" i="0" u="none" strike="noStrike" cap="none" normalizeH="0" baseline="0">
-                  <a:ln>
-                    <a:noFill/>
-                  </a:ln>
-                  <a:solidFill>
-                    <a:srgbClr val="6AAB73"/>
-                  </a:solidFill>
-                  <a:effectLst/>
-                  <a:latin typeface="+mj-lt"/>
-                  <a:cs typeface="JetBrains Mono" panose="02000009000000000000" pitchFamily="49" charset="0"/>
-                </a:rPr>
-                <a:t>"</a:t>
-              </a:r>
-              <a:r>
-                <a:rPr kumimoji="0" lang="zh-TW" altLang="zh-TW" sz="1600" b="0" i="0" u="none" strike="noStrike" cap="none" normalizeH="0" baseline="0">
-                  <a:ln>
-                    <a:noFill/>
-                  </a:ln>
-                  <a:solidFill>
-                    <a:srgbClr val="6AAB73"/>
-                  </a:solidFill>
-                  <a:effectLst/>
-                  <a:latin typeface="+mj-lt"/>
-                  <a:ea typeface="微軟正黑體" panose="020B0604030504040204" pitchFamily="34" charset="-120"/>
-                  <a:cs typeface="JetBrains Mono" panose="02000009000000000000" pitchFamily="49" charset="0"/>
-                </a:rPr>
-                <a:t>我不知道下一句是什麼</a:t>
-              </a:r>
-              <a:r>
-                <a:rPr kumimoji="0" lang="zh-TW" altLang="zh-TW" sz="1600" b="0" i="0" u="none" strike="noStrike" cap="none" normalizeH="0" baseline="0">
-                  <a:ln>
-                    <a:noFill/>
-                  </a:ln>
-                  <a:solidFill>
-                    <a:srgbClr val="6AAB73"/>
-                  </a:solidFill>
-                  <a:effectLst/>
-                  <a:latin typeface="+mj-lt"/>
-                  <a:cs typeface="JetBrains Mono" panose="02000009000000000000" pitchFamily="49" charset="0"/>
-                </a:rPr>
-                <a:t>"</a:t>
-              </a:r>
-              <a:r>
-                <a:rPr kumimoji="0" lang="zh-TW" altLang="zh-TW" sz="1600" b="0" i="0" u="none" strike="noStrike" cap="none" normalizeH="0" baseline="0">
-                  <a:ln>
-                    <a:noFill/>
-                  </a:ln>
-                  <a:solidFill>
-                    <a:srgbClr val="BCBEC4"/>
-                  </a:solidFill>
-                  <a:effectLst/>
-                  <a:latin typeface="+mj-lt"/>
-                  <a:cs typeface="JetBrains Mono" panose="02000009000000000000" pitchFamily="49" charset="0"/>
-                </a:rPr>
-                <a:t>);</a:t>
-              </a:r>
-              <a:br>
-                <a:rPr kumimoji="0" lang="zh-TW" altLang="zh-TW" sz="1600" b="0" i="0" u="none" strike="noStrike" cap="none" normalizeH="0" baseline="0">
-                  <a:ln>
-                    <a:noFill/>
-                  </a:ln>
-                  <a:solidFill>
-                    <a:srgbClr val="BCBEC4"/>
-                  </a:solidFill>
-                  <a:effectLst/>
-                  <a:latin typeface="+mj-lt"/>
-                  <a:cs typeface="JetBrains Mono" panose="02000009000000000000" pitchFamily="49" charset="0"/>
-                </a:rPr>
-              </a:br>
-              <a:r>
-                <a:rPr kumimoji="0" lang="zh-TW" altLang="zh-TW" sz="1600" b="0" i="0" u="none" strike="noStrike" cap="none" normalizeH="0" baseline="0">
-                  <a:ln>
-                    <a:noFill/>
-                  </a:ln>
-                  <a:solidFill>
-                    <a:srgbClr val="BCBEC4"/>
-                  </a:solidFill>
-                  <a:effectLst/>
-                  <a:latin typeface="+mj-lt"/>
-                  <a:cs typeface="JetBrains Mono" panose="02000009000000000000" pitchFamily="49" charset="0"/>
-                </a:rPr>
-                <a:t>        }</a:t>
-              </a:r>
-              <a:br>
-                <a:rPr kumimoji="0" lang="zh-TW" altLang="zh-TW" sz="1600" b="0" i="0" u="none" strike="noStrike" cap="none" normalizeH="0" baseline="0">
-                  <a:ln>
-                    <a:noFill/>
-                  </a:ln>
-                  <a:solidFill>
-                    <a:srgbClr val="BCBEC4"/>
-                  </a:solidFill>
-                  <a:effectLst/>
-                  <a:latin typeface="+mj-lt"/>
-                  <a:cs typeface="JetBrains Mono" panose="02000009000000000000" pitchFamily="49" charset="0"/>
-                </a:rPr>
-              </a:br>
-              <a:r>
-                <a:rPr kumimoji="0" lang="zh-TW" altLang="zh-TW" sz="1600" b="0" i="0" u="none" strike="noStrike" cap="none" normalizeH="0" baseline="0">
-                  <a:ln>
-                    <a:noFill/>
-                  </a:ln>
-                  <a:solidFill>
-                    <a:srgbClr val="BCBEC4"/>
-                  </a:solidFill>
-                  <a:effectLst/>
-                  <a:latin typeface="+mj-lt"/>
-                  <a:cs typeface="JetBrains Mono" panose="02000009000000000000" pitchFamily="49" charset="0"/>
-                </a:rPr>
-                <a:t>    }</a:t>
-              </a:r>
-              <a:br>
-                <a:rPr kumimoji="0" lang="zh-TW" altLang="zh-TW" sz="1600" b="0" i="0" u="none" strike="noStrike" cap="none" normalizeH="0" baseline="0">
-                  <a:ln>
-                    <a:noFill/>
-                  </a:ln>
-                  <a:solidFill>
-                    <a:srgbClr val="BCBEC4"/>
-                  </a:solidFill>
-                  <a:effectLst/>
-                  <a:latin typeface="+mj-lt"/>
-                  <a:cs typeface="JetBrains Mono" panose="02000009000000000000" pitchFamily="49" charset="0"/>
-                </a:rPr>
-              </a:br>
-              <a:r>
-                <a:rPr kumimoji="0" lang="zh-TW" altLang="zh-TW" sz="1600" b="0" i="0" u="none" strike="noStrike" cap="none" normalizeH="0" baseline="0">
-                  <a:ln>
-                    <a:noFill/>
-                  </a:ln>
-                  <a:solidFill>
-                    <a:srgbClr val="BCBEC4"/>
-                  </a:solidFill>
-                  <a:effectLst/>
-                  <a:latin typeface="+mj-lt"/>
-                  <a:cs typeface="JetBrains Mono" panose="02000009000000000000" pitchFamily="49" charset="0"/>
-                </a:rPr>
-                <a:t>}</a:t>
-              </a:r>
-              <a:endParaRPr kumimoji="0" lang="zh-TW" altLang="zh-TW" sz="2800" b="0" i="0" u="none" strike="noStrike" cap="none" normalizeH="0" baseline="0">
+                <a:rPr lang="zh-TW" altLang="en-US">
+                  <a:solidFill>
+                    <a:srgbClr val="92D050"/>
+                  </a:solidFill>
+                  <a:latin typeface="+mj-lt"/>
+                  <a:cs typeface="JetBrains Mono" panose="02000009000000000000" pitchFamily="49" charset="0"/>
+                </a:rPr>
+                <a:t>怎麼忍心讓你受折磨</a:t>
+              </a:r>
+              <a:endParaRPr kumimoji="0" lang="en-US" altLang="zh-TW" b="0" i="0" u="none" strike="noStrike" cap="none" normalizeH="0" baseline="0">
                 <a:ln>
                   <a:noFill/>
                 </a:ln>
                 <a:solidFill>
-                  <a:schemeClr val="tx1"/>
+                  <a:srgbClr val="92D050"/>
                 </a:solidFill>
                 <a:effectLst/>
                 <a:latin typeface="+mj-lt"/>
+                <a:cs typeface="JetBrains Mono" panose="02000009000000000000" pitchFamily="49" charset="0"/>
               </a:endParaRPr>
+            </a:p>
+            <a:p>
+              <a:pPr eaLnBrk="0" fontAlgn="base" hangingPunct="0">
+                <a:spcBef>
+                  <a:spcPct val="0"/>
+                </a:spcBef>
+                <a:spcAft>
+                  <a:spcPct val="0"/>
+                </a:spcAft>
+              </a:pPr>
+              <a:r>
+                <a:rPr lang="zh-TW" altLang="en-US">
+                  <a:solidFill>
+                    <a:srgbClr val="BCBEC4"/>
+                  </a:solidFill>
+                  <a:latin typeface="+mj-lt"/>
+                  <a:cs typeface="JetBrains Mono" panose="02000009000000000000" pitchFamily="49" charset="0"/>
+                </a:rPr>
+                <a:t>是我給你自由過了火</a:t>
+              </a:r>
             </a:p>
           </p:txBody>
         </p:sp>
         <p:sp>
           <p:nvSpPr>
-            <p:cNvPr id="13" name="文字方塊 12">
+            <p:cNvPr id="28" name="文字方塊 27">
               <a:extLst>
                 <a:ext uri="{FF2B5EF4-FFF2-40B4-BE49-F238E27FC236}">
-                  <a16:creationId xmlns:a16="http://schemas.microsoft.com/office/drawing/2014/main" id="{D6FF9DA4-B64F-4919-AD0A-841D2296A78C}"/>
+                  <a16:creationId xmlns:a16="http://schemas.microsoft.com/office/drawing/2014/main" id="{51D121DB-0DAD-44C3-9743-B2A53AC7A883}"/>
                 </a:ext>
               </a:extLst>
             </p:cNvPr>
@@ -15176,8 +19273,8 @@
           </p:nvSpPr>
           <p:spPr>
             <a:xfrm>
-              <a:off x="7363012" y="6031528"/>
-              <a:ext cx="633507" cy="338554"/>
+              <a:off x="10845464" y="3982245"/>
+              <a:ext cx="880369" cy="307777"/>
             </a:xfrm>
             <a:prstGeom prst="rect">
               <a:avLst/>
@@ -15191,58 +19288,16 @@
             <a:lstStyle/>
             <a:p>
               <a:r>
-                <a:rPr lang="en-US" altLang="zh-TW" sz="1600">
+                <a:rPr lang="en-US" altLang="zh-TW" sz="1400">
                   <a:solidFill>
                     <a:schemeClr val="accent3"/>
                   </a:solidFill>
                 </a:rPr>
-                <a:t>java</a:t>
-              </a:r>
-              <a:endParaRPr lang="zh-TW" altLang="en-US" sz="1600">
-                <a:solidFill>
-                  <a:schemeClr val="accent3"/>
-                </a:solidFill>
-              </a:endParaRPr>
+                <a:t>console</a:t>
+              </a:r>
             </a:p>
           </p:txBody>
         </p:sp>
-        <p:pic>
-          <p:nvPicPr>
-            <p:cNvPr id="24" name="圖片 23">
-              <a:hlinkClick r:id="rId2"/>
-              <a:extLst>
-                <a:ext uri="{FF2B5EF4-FFF2-40B4-BE49-F238E27FC236}">
-                  <a16:creationId xmlns:a16="http://schemas.microsoft.com/office/drawing/2014/main" id="{A175219C-789C-485B-9A24-33ED5ABB9A74}"/>
-                </a:ext>
-              </a:extLst>
-            </p:cNvPr>
-            <p:cNvPicPr>
-              <a:picLocks noChangeAspect="1"/>
-            </p:cNvPicPr>
-            <p:nvPr/>
-          </p:nvPicPr>
-          <p:blipFill>
-            <a:blip r:embed="rId3">
-              <a:extLst>
-                <a:ext uri="{28A0092B-C50C-407E-A947-70E740481C1C}">
-                  <a14:useLocalDpi xmlns:a14="http://schemas.microsoft.com/office/drawing/2010/main" val="0"/>
-                </a:ext>
-              </a:extLst>
-            </a:blip>
-            <a:stretch>
-              <a:fillRect/>
-            </a:stretch>
-          </p:blipFill>
-          <p:spPr>
-            <a:xfrm>
-              <a:off x="7512324" y="1603301"/>
-              <a:ext cx="484195" cy="473668"/>
-            </a:xfrm>
-            <a:prstGeom prst="rect">
-              <a:avLst/>
-            </a:prstGeom>
-          </p:spPr>
-        </p:pic>
       </p:grpSp>
     </p:spTree>
     <p:extLst>
@@ -16474,9 +20529,9 @@
         <p:grpSpPr>
           <a:xfrm>
             <a:off x="5318173" y="1067524"/>
-            <a:ext cx="6035627" cy="5262979"/>
-            <a:chOff x="5318173" y="1067524"/>
-            <a:chExt cx="6035627" cy="5262979"/>
+            <a:ext cx="6035627" cy="5478423"/>
+            <a:chOff x="5318173" y="959802"/>
+            <a:chExt cx="6035627" cy="5478423"/>
           </a:xfrm>
         </p:grpSpPr>
         <p:sp>
@@ -16495,8 +20550,8 @@
           </p:nvSpPr>
           <p:spPr bwMode="auto">
             <a:xfrm>
-              <a:off x="5318173" y="1067524"/>
-              <a:ext cx="6035627" cy="5262979"/>
+              <a:off x="5318173" y="959802"/>
+              <a:ext cx="6035627" cy="5478423"/>
             </a:xfrm>
             <a:prstGeom prst="rect">
               <a:avLst/>
@@ -17527,6 +21582,134 @@
                 </a:rPr>
                 <a:t>:</a:t>
               </a:r>
+              <a:endParaRPr kumimoji="0" lang="en-US" altLang="zh-TW" sz="1400" b="0" i="0" u="none" strike="noStrike" cap="none" normalizeH="0" baseline="0">
+                <a:ln>
+                  <a:noFill/>
+                </a:ln>
+                <a:solidFill>
+                  <a:srgbClr val="BCBEC4"/>
+                </a:solidFill>
+                <a:effectLst/>
+                <a:latin typeface="+mj-lt"/>
+                <a:cs typeface="JetBrains Mono" panose="02000009000000000000" pitchFamily="49" charset="0"/>
+              </a:endParaRPr>
+            </a:p>
+            <a:p>
+              <a:pPr marL="0" marR="0" lvl="0" indent="0" algn="l" defTabSz="914400" rtl="0" eaLnBrk="0" fontAlgn="base" latinLnBrk="0" hangingPunct="0">
+                <a:lnSpc>
+                  <a:spcPct val="100000"/>
+                </a:lnSpc>
+                <a:spcBef>
+                  <a:spcPct val="0"/>
+                </a:spcBef>
+                <a:spcAft>
+                  <a:spcPct val="0"/>
+                </a:spcAft>
+                <a:buClrTx/>
+                <a:buSzTx/>
+                <a:buFontTx/>
+                <a:buNone/>
+                <a:tabLst/>
+              </a:pPr>
+              <a:r>
+                <a:rPr kumimoji="0" lang="zh-TW" altLang="zh-TW" sz="1400" b="0" i="0" u="none" strike="noStrike" cap="none" normalizeH="0" baseline="0">
+                  <a:ln>
+                    <a:noFill/>
+                  </a:ln>
+                  <a:solidFill>
+                    <a:srgbClr val="BCBEC4"/>
+                  </a:solidFill>
+                  <a:effectLst/>
+                  <a:latin typeface="+mj-lt"/>
+                  <a:cs typeface="JetBrains Mono" panose="02000009000000000000" pitchFamily="49" charset="0"/>
+                </a:rPr>
+                <a:t> </a:t>
+              </a:r>
+              <a:r>
+                <a:rPr kumimoji="0" lang="zh-TW" altLang="en-US" sz="1400" b="0" i="0" u="none" strike="noStrike" cap="none" normalizeH="0" baseline="0">
+                  <a:ln>
+                    <a:noFill/>
+                  </a:ln>
+                  <a:solidFill>
+                    <a:srgbClr val="BCBEC4"/>
+                  </a:solidFill>
+                  <a:effectLst/>
+                  <a:latin typeface="+mj-lt"/>
+                  <a:cs typeface="JetBrains Mono" panose="02000009000000000000" pitchFamily="49" charset="0"/>
+                </a:rPr>
+                <a:t>           </a:t>
+              </a:r>
+              <a:r>
+                <a:rPr kumimoji="0" lang="zh-TW" altLang="zh-TW" sz="1400" b="0" i="0" u="none" strike="noStrike" cap="none" normalizeH="0" baseline="0">
+                  <a:ln>
+                    <a:noFill/>
+                  </a:ln>
+                  <a:solidFill>
+                    <a:srgbClr val="CF8E6D"/>
+                  </a:solidFill>
+                  <a:effectLst/>
+                  <a:latin typeface="+mj-lt"/>
+                  <a:cs typeface="JetBrains Mono" panose="02000009000000000000" pitchFamily="49" charset="0"/>
+                </a:rPr>
+                <a:t>case </a:t>
+              </a:r>
+              <a:r>
+                <a:rPr kumimoji="0" lang="zh-TW" altLang="zh-TW" sz="1400" b="0" i="0" u="none" strike="noStrike" cap="none" normalizeH="0" baseline="0">
+                  <a:ln>
+                    <a:noFill/>
+                  </a:ln>
+                  <a:solidFill>
+                    <a:srgbClr val="6AAB73"/>
+                  </a:solidFill>
+                  <a:effectLst/>
+                  <a:latin typeface="+mj-lt"/>
+                  <a:cs typeface="JetBrains Mono" panose="02000009000000000000" pitchFamily="49" charset="0"/>
+                </a:rPr>
+                <a:t>"</a:t>
+              </a:r>
+              <a:r>
+                <a:rPr lang="zh-TW" altLang="zh-TW" sz="1400" b="0" i="0" kern="1200" baseline="0">
+                  <a:ln>
+                    <a:noFill/>
+                  </a:ln>
+                  <a:solidFill>
+                    <a:srgbClr val="6AAB73"/>
+                  </a:solidFill>
+                  <a:effectLst/>
+                  <a:latin typeface="Consolas" panose="020B0609020204030204" pitchFamily="49" charset="0"/>
+                  <a:ea typeface="微軟正黑體" panose="020B0604030504040204" pitchFamily="34" charset="-120"/>
+                  <a:cs typeface="JetBrains Mono" panose="02000009000000000000" pitchFamily="49" charset="0"/>
+                </a:rPr>
+                <a:t>怎麼忍心讓你受折磨</a:t>
+              </a:r>
+              <a:r>
+                <a:rPr kumimoji="0" lang="zh-TW" altLang="zh-TW" sz="1400" b="0" i="0" u="none" strike="noStrike" cap="none" normalizeH="0" baseline="0">
+                  <a:ln>
+                    <a:noFill/>
+                  </a:ln>
+                  <a:solidFill>
+                    <a:srgbClr val="6AAB73"/>
+                  </a:solidFill>
+                  <a:effectLst/>
+                  <a:latin typeface="+mj-lt"/>
+                  <a:cs typeface="JetBrains Mono" panose="02000009000000000000" pitchFamily="49" charset="0"/>
+                </a:rPr>
+                <a:t>"</a:t>
+              </a:r>
+              <a:r>
+                <a:rPr kumimoji="0" lang="zh-TW" altLang="zh-TW" sz="1400" b="0" i="0" u="none" strike="noStrike" cap="none" normalizeH="0" baseline="0">
+                  <a:ln>
+                    <a:noFill/>
+                  </a:ln>
+                  <a:solidFill>
+                    <a:srgbClr val="BCBEC4"/>
+                  </a:solidFill>
+                  <a:effectLst/>
+                  <a:latin typeface="+mj-lt"/>
+                  <a:cs typeface="JetBrains Mono" panose="02000009000000000000" pitchFamily="49" charset="0"/>
+                </a:rPr>
+                <a:t>:</a:t>
+              </a:r>
               <a:br>
                 <a:rPr kumimoji="0" lang="zh-TW" altLang="zh-TW" sz="1400" b="0" i="0" u="none" strike="noStrike" cap="none" normalizeH="0" baseline="0">
                   <a:ln>
@@ -18234,7 +22417,7 @@
           </p:nvSpPr>
           <p:spPr>
             <a:xfrm>
-              <a:off x="10720293" y="5991949"/>
+              <a:off x="10720293" y="6099671"/>
               <a:ext cx="633507" cy="338554"/>
             </a:xfrm>
             <a:prstGeom prst="rect">
@@ -18293,7 +22476,7 @@
           </p:blipFill>
           <p:spPr>
             <a:xfrm>
-              <a:off x="10869605" y="1067524"/>
+              <a:off x="10869605" y="959802"/>
               <a:ext cx="484195" cy="473668"/>
             </a:xfrm>
             <a:prstGeom prst="rect">
@@ -22009,7 +26192,7 @@
             </a:r>
             <a:r>
               <a:rPr lang="zh-TW" altLang="en-US" sz="2400"/>
-              <a:t>後方是要回傳的值</a:t>
+              <a:t>後方是要回傳的值，並且回傳值後須加分號</a:t>
             </a:r>
             <a:endParaRPr lang="en-US" altLang="zh-TW" sz="2400"/>
           </a:p>

--- a/powerpoint/06_流程控制.pptx
+++ b/powerpoint/06_流程控制.pptx
@@ -2,7 +2,7 @@
 <file path=ppt/presentation.xml><?xml version="1.0" encoding="utf-8"?>
 <p:presentation xmlns:a="http://schemas.openxmlformats.org/drawingml/2006/main" xmlns:r="http://schemas.openxmlformats.org/officeDocument/2006/relationships" xmlns:p="http://schemas.openxmlformats.org/presentationml/2006/main" saveSubsetFonts="1">
   <p:sldMasterIdLst>
-    <p:sldMasterId id="2147483660" r:id="rId1"/>
+    <p:sldMasterId id="2147483673" r:id="rId1"/>
   </p:sldMasterIdLst>
   <p:notesMasterIdLst>
     <p:notesMasterId r:id="rId26"/>
@@ -220,7 +220,7 @@
           <a:p>
             <a:fld id="{75B7B77E-BBE2-46C9-9A39-77F82475482F}" type="datetimeFigureOut">
               <a:rPr lang="zh-TW" altLang="en-US" smtClean="0"/>
-              <a:t>2024/8/15</a:t>
+              <a:t>2024/8/28</a:t>
             </a:fld>
             <a:endParaRPr lang="zh-TW" altLang="en-US"/>
           </a:p>
@@ -698,1457 +698,7 @@
     </p:spTree>
     <p:extLst>
       <p:ext uri="{BB962C8B-B14F-4D97-AF65-F5344CB8AC3E}">
-        <p14:creationId xmlns:p14="http://schemas.microsoft.com/office/powerpoint/2010/main" val="3165908226"/>
-      </p:ext>
-    </p:extLst>
-  </p:cSld>
-  <p:clrMapOvr>
-    <a:masterClrMapping/>
-  </p:clrMapOvr>
-  <p:transition spd="slow">
-    <p:push dir="u"/>
-  </p:transition>
-</p:sldLayout>
-</file>
-
-<file path=ppt/slideLayouts/slideLayout10.xml><?xml version="1.0" encoding="utf-8"?>
-<p:sldLayout xmlns:a="http://schemas.openxmlformats.org/drawingml/2006/main" xmlns:r="http://schemas.openxmlformats.org/officeDocument/2006/relationships" xmlns:p="http://schemas.openxmlformats.org/presentationml/2006/main" type="vertTx" preserve="1">
-  <p:cSld name="標題及直排文字">
-    <p:spTree>
-      <p:nvGrpSpPr>
-        <p:cNvPr id="1" name=""/>
-        <p:cNvGrpSpPr/>
-        <p:nvPr/>
-      </p:nvGrpSpPr>
-      <p:grpSpPr>
-        <a:xfrm>
-          <a:off x="0" y="0"/>
-          <a:ext cx="0" cy="0"/>
-          <a:chOff x="0" y="0"/>
-          <a:chExt cx="0" cy="0"/>
-        </a:xfrm>
-      </p:grpSpPr>
-      <p:sp>
-        <p:nvSpPr>
-          <p:cNvPr id="2" name="標題 1">
-            <a:extLst>
-              <a:ext uri="{FF2B5EF4-FFF2-40B4-BE49-F238E27FC236}">
-                <a16:creationId xmlns:a16="http://schemas.microsoft.com/office/drawing/2014/main" id="{0FDDC07F-519C-49CA-AA44-B985B88C2335}"/>
-              </a:ext>
-            </a:extLst>
-          </p:cNvPr>
-          <p:cNvSpPr>
-            <a:spLocks noGrp="1"/>
-          </p:cNvSpPr>
-          <p:nvPr>
-            <p:ph type="title"/>
-          </p:nvPr>
-        </p:nvSpPr>
-        <p:spPr/>
-        <p:txBody>
-          <a:bodyPr/>
-          <a:lstStyle/>
-          <a:p>
-            <a:r>
-              <a:rPr lang="zh-TW" altLang="en-US"/>
-              <a:t>按一下以編輯母片標題樣式</a:t>
-            </a:r>
-          </a:p>
-        </p:txBody>
-      </p:sp>
-      <p:sp>
-        <p:nvSpPr>
-          <p:cNvPr id="3" name="直排文字版面配置區 2">
-            <a:extLst>
-              <a:ext uri="{FF2B5EF4-FFF2-40B4-BE49-F238E27FC236}">
-                <a16:creationId xmlns:a16="http://schemas.microsoft.com/office/drawing/2014/main" id="{EA4FAF03-5463-4183-9F65-A1E11FD43A75}"/>
-              </a:ext>
-            </a:extLst>
-          </p:cNvPr>
-          <p:cNvSpPr>
-            <a:spLocks noGrp="1"/>
-          </p:cNvSpPr>
-          <p:nvPr>
-            <p:ph type="body" orient="vert" idx="1"/>
-          </p:nvPr>
-        </p:nvSpPr>
-        <p:spPr/>
-        <p:txBody>
-          <a:bodyPr vert="eaVert"/>
-          <a:lstStyle/>
-          <a:p>
-            <a:pPr lvl="0"/>
-            <a:r>
-              <a:rPr lang="zh-TW" altLang="en-US"/>
-              <a:t>按一下以編輯母片文字樣式</a:t>
-            </a:r>
-          </a:p>
-          <a:p>
-            <a:pPr lvl="1"/>
-            <a:r>
-              <a:rPr lang="zh-TW" altLang="en-US"/>
-              <a:t>第二層</a:t>
-            </a:r>
-          </a:p>
-          <a:p>
-            <a:pPr lvl="2"/>
-            <a:r>
-              <a:rPr lang="zh-TW" altLang="en-US"/>
-              <a:t>第三層</a:t>
-            </a:r>
-          </a:p>
-          <a:p>
-            <a:pPr lvl="3"/>
-            <a:r>
-              <a:rPr lang="zh-TW" altLang="en-US"/>
-              <a:t>第四層</a:t>
-            </a:r>
-          </a:p>
-          <a:p>
-            <a:pPr lvl="4"/>
-            <a:r>
-              <a:rPr lang="zh-TW" altLang="en-US"/>
-              <a:t>第五層</a:t>
-            </a:r>
-          </a:p>
-        </p:txBody>
-      </p:sp>
-      <p:sp>
-        <p:nvSpPr>
-          <p:cNvPr id="7" name="頁尾版面配置區 4">
-            <a:extLst>
-              <a:ext uri="{FF2B5EF4-FFF2-40B4-BE49-F238E27FC236}">
-                <a16:creationId xmlns:a16="http://schemas.microsoft.com/office/drawing/2014/main" id="{673CEE49-E682-4987-B5C6-44AC5441606B}"/>
-              </a:ext>
-            </a:extLst>
-          </p:cNvPr>
-          <p:cNvSpPr txBox="1">
-            <a:spLocks/>
-          </p:cNvSpPr>
-          <p:nvPr/>
-        </p:nvSpPr>
-        <p:spPr>
-          <a:xfrm>
-            <a:off x="0" y="6492875"/>
-            <a:ext cx="2743200" cy="365125"/>
-          </a:xfrm>
-          <a:prstGeom prst="rect">
-            <a:avLst/>
-          </a:prstGeom>
-        </p:spPr>
-        <p:txBody>
-          <a:bodyPr vert="horz" lIns="91440" tIns="45720" rIns="91440" bIns="45720" rtlCol="0" anchor="ctr"/>
-          <a:lstStyle>
-            <a:defPPr>
-              <a:defRPr lang="zh-TW"/>
-            </a:defPPr>
-            <a:lvl1pPr marL="0" algn="l" defTabSz="914400" rtl="0" eaLnBrk="1" latinLnBrk="0" hangingPunct="1">
-              <a:defRPr sz="1200" kern="1200">
-                <a:solidFill>
-                  <a:schemeClr val="tx1">
-                    <a:tint val="75000"/>
-                  </a:schemeClr>
-                </a:solidFill>
-                <a:latin typeface="+mn-lt"/>
-                <a:ea typeface="+mn-ea"/>
-                <a:cs typeface="+mn-cs"/>
-              </a:defRPr>
-            </a:lvl1pPr>
-            <a:lvl2pPr marL="457200" algn="l" defTabSz="914400" rtl="0" eaLnBrk="1" latinLnBrk="0" hangingPunct="1">
-              <a:defRPr sz="1800" kern="1200">
-                <a:solidFill>
-                  <a:schemeClr val="tx1"/>
-                </a:solidFill>
-                <a:latin typeface="+mn-lt"/>
-                <a:ea typeface="+mn-ea"/>
-                <a:cs typeface="+mn-cs"/>
-              </a:defRPr>
-            </a:lvl2pPr>
-            <a:lvl3pPr marL="914400" algn="l" defTabSz="914400" rtl="0" eaLnBrk="1" latinLnBrk="0" hangingPunct="1">
-              <a:defRPr sz="1800" kern="1200">
-                <a:solidFill>
-                  <a:schemeClr val="tx1"/>
-                </a:solidFill>
-                <a:latin typeface="+mn-lt"/>
-                <a:ea typeface="+mn-ea"/>
-                <a:cs typeface="+mn-cs"/>
-              </a:defRPr>
-            </a:lvl3pPr>
-            <a:lvl4pPr marL="1371600" algn="l" defTabSz="914400" rtl="0" eaLnBrk="1" latinLnBrk="0" hangingPunct="1">
-              <a:defRPr sz="1800" kern="1200">
-                <a:solidFill>
-                  <a:schemeClr val="tx1"/>
-                </a:solidFill>
-                <a:latin typeface="+mn-lt"/>
-                <a:ea typeface="+mn-ea"/>
-                <a:cs typeface="+mn-cs"/>
-              </a:defRPr>
-            </a:lvl4pPr>
-            <a:lvl5pPr marL="1828800" algn="l" defTabSz="914400" rtl="0" eaLnBrk="1" latinLnBrk="0" hangingPunct="1">
-              <a:defRPr sz="1800" kern="1200">
-                <a:solidFill>
-                  <a:schemeClr val="tx1"/>
-                </a:solidFill>
-                <a:latin typeface="+mn-lt"/>
-                <a:ea typeface="+mn-ea"/>
-                <a:cs typeface="+mn-cs"/>
-              </a:defRPr>
-            </a:lvl5pPr>
-            <a:lvl6pPr marL="2286000" algn="l" defTabSz="914400" rtl="0" eaLnBrk="1" latinLnBrk="0" hangingPunct="1">
-              <a:defRPr sz="1800" kern="1200">
-                <a:solidFill>
-                  <a:schemeClr val="tx1"/>
-                </a:solidFill>
-                <a:latin typeface="+mn-lt"/>
-                <a:ea typeface="+mn-ea"/>
-                <a:cs typeface="+mn-cs"/>
-              </a:defRPr>
-            </a:lvl6pPr>
-            <a:lvl7pPr marL="2743200" algn="l" defTabSz="914400" rtl="0" eaLnBrk="1" latinLnBrk="0" hangingPunct="1">
-              <a:defRPr sz="1800" kern="1200">
-                <a:solidFill>
-                  <a:schemeClr val="tx1"/>
-                </a:solidFill>
-                <a:latin typeface="+mn-lt"/>
-                <a:ea typeface="+mn-ea"/>
-                <a:cs typeface="+mn-cs"/>
-              </a:defRPr>
-            </a:lvl7pPr>
-            <a:lvl8pPr marL="3200400" algn="l" defTabSz="914400" rtl="0" eaLnBrk="1" latinLnBrk="0" hangingPunct="1">
-              <a:defRPr sz="1800" kern="1200">
-                <a:solidFill>
-                  <a:schemeClr val="tx1"/>
-                </a:solidFill>
-                <a:latin typeface="+mn-lt"/>
-                <a:ea typeface="+mn-ea"/>
-                <a:cs typeface="+mn-cs"/>
-              </a:defRPr>
-            </a:lvl8pPr>
-            <a:lvl9pPr marL="3657600" algn="l" defTabSz="914400" rtl="0" eaLnBrk="1" latinLnBrk="0" hangingPunct="1">
-              <a:defRPr sz="1800" kern="1200">
-                <a:solidFill>
-                  <a:schemeClr val="tx1"/>
-                </a:solidFill>
-                <a:latin typeface="+mn-lt"/>
-                <a:ea typeface="+mn-ea"/>
-                <a:cs typeface="+mn-cs"/>
-              </a:defRPr>
-            </a:lvl9pPr>
-          </a:lstStyle>
-          <a:p>
-            <a:r>
-              <a:rPr lang="en-US" altLang="zh-TW"/>
-              <a:t>TYIC</a:t>
-            </a:r>
-            <a:r>
-              <a:rPr lang="zh-TW" altLang="en-US"/>
-              <a:t>桃高資訊社</a:t>
-            </a:r>
-          </a:p>
-        </p:txBody>
-      </p:sp>
-      <p:sp>
-        <p:nvSpPr>
-          <p:cNvPr id="8" name="投影片編號版面配置區 5">
-            <a:extLst>
-              <a:ext uri="{FF2B5EF4-FFF2-40B4-BE49-F238E27FC236}">
-                <a16:creationId xmlns:a16="http://schemas.microsoft.com/office/drawing/2014/main" id="{30FE2C57-B7B9-4C62-97C3-180398C5D84A}"/>
-              </a:ext>
-            </a:extLst>
-          </p:cNvPr>
-          <p:cNvSpPr txBox="1">
-            <a:spLocks/>
-          </p:cNvSpPr>
-          <p:nvPr/>
-        </p:nvSpPr>
-        <p:spPr>
-          <a:xfrm>
-            <a:off x="9448800" y="6492874"/>
-            <a:ext cx="2743200" cy="365125"/>
-          </a:xfrm>
-          <a:prstGeom prst="rect">
-            <a:avLst/>
-          </a:prstGeom>
-        </p:spPr>
-        <p:txBody>
-          <a:bodyPr vert="horz" lIns="91440" tIns="45720" rIns="91440" bIns="45720" rtlCol="0" anchor="ctr"/>
-          <a:lstStyle>
-            <a:defPPr>
-              <a:defRPr lang="zh-TW"/>
-            </a:defPPr>
-            <a:lvl1pPr marL="0" algn="r" defTabSz="914400" rtl="0" eaLnBrk="1" latinLnBrk="0" hangingPunct="1">
-              <a:defRPr sz="1200" kern="1200">
-                <a:solidFill>
-                  <a:schemeClr val="tx1">
-                    <a:tint val="75000"/>
-                  </a:schemeClr>
-                </a:solidFill>
-                <a:latin typeface="+mn-lt"/>
-                <a:ea typeface="+mn-ea"/>
-                <a:cs typeface="+mn-cs"/>
-              </a:defRPr>
-            </a:lvl1pPr>
-            <a:lvl2pPr marL="457200" algn="l" defTabSz="914400" rtl="0" eaLnBrk="1" latinLnBrk="0" hangingPunct="1">
-              <a:defRPr sz="1800" kern="1200">
-                <a:solidFill>
-                  <a:schemeClr val="tx1"/>
-                </a:solidFill>
-                <a:latin typeface="+mn-lt"/>
-                <a:ea typeface="+mn-ea"/>
-                <a:cs typeface="+mn-cs"/>
-              </a:defRPr>
-            </a:lvl2pPr>
-            <a:lvl3pPr marL="914400" algn="l" defTabSz="914400" rtl="0" eaLnBrk="1" latinLnBrk="0" hangingPunct="1">
-              <a:defRPr sz="1800" kern="1200">
-                <a:solidFill>
-                  <a:schemeClr val="tx1"/>
-                </a:solidFill>
-                <a:latin typeface="+mn-lt"/>
-                <a:ea typeface="+mn-ea"/>
-                <a:cs typeface="+mn-cs"/>
-              </a:defRPr>
-            </a:lvl3pPr>
-            <a:lvl4pPr marL="1371600" algn="l" defTabSz="914400" rtl="0" eaLnBrk="1" latinLnBrk="0" hangingPunct="1">
-              <a:defRPr sz="1800" kern="1200">
-                <a:solidFill>
-                  <a:schemeClr val="tx1"/>
-                </a:solidFill>
-                <a:latin typeface="+mn-lt"/>
-                <a:ea typeface="+mn-ea"/>
-                <a:cs typeface="+mn-cs"/>
-              </a:defRPr>
-            </a:lvl4pPr>
-            <a:lvl5pPr marL="1828800" algn="l" defTabSz="914400" rtl="0" eaLnBrk="1" latinLnBrk="0" hangingPunct="1">
-              <a:defRPr sz="1800" kern="1200">
-                <a:solidFill>
-                  <a:schemeClr val="tx1"/>
-                </a:solidFill>
-                <a:latin typeface="+mn-lt"/>
-                <a:ea typeface="+mn-ea"/>
-                <a:cs typeface="+mn-cs"/>
-              </a:defRPr>
-            </a:lvl5pPr>
-            <a:lvl6pPr marL="2286000" algn="l" defTabSz="914400" rtl="0" eaLnBrk="1" latinLnBrk="0" hangingPunct="1">
-              <a:defRPr sz="1800" kern="1200">
-                <a:solidFill>
-                  <a:schemeClr val="tx1"/>
-                </a:solidFill>
-                <a:latin typeface="+mn-lt"/>
-                <a:ea typeface="+mn-ea"/>
-                <a:cs typeface="+mn-cs"/>
-              </a:defRPr>
-            </a:lvl6pPr>
-            <a:lvl7pPr marL="2743200" algn="l" defTabSz="914400" rtl="0" eaLnBrk="1" latinLnBrk="0" hangingPunct="1">
-              <a:defRPr sz="1800" kern="1200">
-                <a:solidFill>
-                  <a:schemeClr val="tx1"/>
-                </a:solidFill>
-                <a:latin typeface="+mn-lt"/>
-                <a:ea typeface="+mn-ea"/>
-                <a:cs typeface="+mn-cs"/>
-              </a:defRPr>
-            </a:lvl7pPr>
-            <a:lvl8pPr marL="3200400" algn="l" defTabSz="914400" rtl="0" eaLnBrk="1" latinLnBrk="0" hangingPunct="1">
-              <a:defRPr sz="1800" kern="1200">
-                <a:solidFill>
-                  <a:schemeClr val="tx1"/>
-                </a:solidFill>
-                <a:latin typeface="+mn-lt"/>
-                <a:ea typeface="+mn-ea"/>
-                <a:cs typeface="+mn-cs"/>
-              </a:defRPr>
-            </a:lvl8pPr>
-            <a:lvl9pPr marL="3657600" algn="l" defTabSz="914400" rtl="0" eaLnBrk="1" latinLnBrk="0" hangingPunct="1">
-              <a:defRPr sz="1800" kern="1200">
-                <a:solidFill>
-                  <a:schemeClr val="tx1"/>
-                </a:solidFill>
-                <a:latin typeface="+mn-lt"/>
-                <a:ea typeface="+mn-ea"/>
-                <a:cs typeface="+mn-cs"/>
-              </a:defRPr>
-            </a:lvl9pPr>
-          </a:lstStyle>
-          <a:p>
-            <a:fld id="{D4328D90-2A6F-4F23-88A8-C5DCC2B5F307}" type="slidenum">
-              <a:rPr lang="zh-TW" altLang="en-US" smtClean="0"/>
-              <a:pPr/>
-              <a:t>‹#›</a:t>
-            </a:fld>
-            <a:endParaRPr lang="zh-TW" altLang="en-US"/>
-          </a:p>
-        </p:txBody>
-      </p:sp>
-      <p:sp>
-        <p:nvSpPr>
-          <p:cNvPr id="6" name="頁尾版面配置區 4">
-            <a:extLst>
-              <a:ext uri="{FF2B5EF4-FFF2-40B4-BE49-F238E27FC236}">
-                <a16:creationId xmlns:a16="http://schemas.microsoft.com/office/drawing/2014/main" id="{B6D0D332-58F6-44F7-8B06-11E5EF864545}"/>
-              </a:ext>
-            </a:extLst>
-          </p:cNvPr>
-          <p:cNvSpPr txBox="1">
-            <a:spLocks/>
-          </p:cNvSpPr>
-          <p:nvPr/>
-        </p:nvSpPr>
-        <p:spPr>
-          <a:xfrm>
-            <a:off x="0" y="6492875"/>
-            <a:ext cx="2743200" cy="365125"/>
-          </a:xfrm>
-          <a:prstGeom prst="rect">
-            <a:avLst/>
-          </a:prstGeom>
-        </p:spPr>
-        <p:txBody>
-          <a:bodyPr vert="horz" lIns="91440" tIns="45720" rIns="91440" bIns="45720" rtlCol="0" anchor="ctr"/>
-          <a:lstStyle>
-            <a:defPPr>
-              <a:defRPr lang="zh-TW"/>
-            </a:defPPr>
-            <a:lvl1pPr marL="0" algn="l" defTabSz="914400" rtl="0" eaLnBrk="1" latinLnBrk="0" hangingPunct="1">
-              <a:defRPr sz="1200" kern="1200">
-                <a:solidFill>
-                  <a:schemeClr val="tx1">
-                    <a:tint val="75000"/>
-                  </a:schemeClr>
-                </a:solidFill>
-                <a:latin typeface="+mn-lt"/>
-                <a:ea typeface="+mn-ea"/>
-                <a:cs typeface="+mn-cs"/>
-              </a:defRPr>
-            </a:lvl1pPr>
-            <a:lvl2pPr marL="457200" algn="l" defTabSz="914400" rtl="0" eaLnBrk="1" latinLnBrk="0" hangingPunct="1">
-              <a:defRPr sz="1800" kern="1200">
-                <a:solidFill>
-                  <a:schemeClr val="tx1"/>
-                </a:solidFill>
-                <a:latin typeface="+mn-lt"/>
-                <a:ea typeface="+mn-ea"/>
-                <a:cs typeface="+mn-cs"/>
-              </a:defRPr>
-            </a:lvl2pPr>
-            <a:lvl3pPr marL="914400" algn="l" defTabSz="914400" rtl="0" eaLnBrk="1" latinLnBrk="0" hangingPunct="1">
-              <a:defRPr sz="1800" kern="1200">
-                <a:solidFill>
-                  <a:schemeClr val="tx1"/>
-                </a:solidFill>
-                <a:latin typeface="+mn-lt"/>
-                <a:ea typeface="+mn-ea"/>
-                <a:cs typeface="+mn-cs"/>
-              </a:defRPr>
-            </a:lvl3pPr>
-            <a:lvl4pPr marL="1371600" algn="l" defTabSz="914400" rtl="0" eaLnBrk="1" latinLnBrk="0" hangingPunct="1">
-              <a:defRPr sz="1800" kern="1200">
-                <a:solidFill>
-                  <a:schemeClr val="tx1"/>
-                </a:solidFill>
-                <a:latin typeface="+mn-lt"/>
-                <a:ea typeface="+mn-ea"/>
-                <a:cs typeface="+mn-cs"/>
-              </a:defRPr>
-            </a:lvl4pPr>
-            <a:lvl5pPr marL="1828800" algn="l" defTabSz="914400" rtl="0" eaLnBrk="1" latinLnBrk="0" hangingPunct="1">
-              <a:defRPr sz="1800" kern="1200">
-                <a:solidFill>
-                  <a:schemeClr val="tx1"/>
-                </a:solidFill>
-                <a:latin typeface="+mn-lt"/>
-                <a:ea typeface="+mn-ea"/>
-                <a:cs typeface="+mn-cs"/>
-              </a:defRPr>
-            </a:lvl5pPr>
-            <a:lvl6pPr marL="2286000" algn="l" defTabSz="914400" rtl="0" eaLnBrk="1" latinLnBrk="0" hangingPunct="1">
-              <a:defRPr sz="1800" kern="1200">
-                <a:solidFill>
-                  <a:schemeClr val="tx1"/>
-                </a:solidFill>
-                <a:latin typeface="+mn-lt"/>
-                <a:ea typeface="+mn-ea"/>
-                <a:cs typeface="+mn-cs"/>
-              </a:defRPr>
-            </a:lvl6pPr>
-            <a:lvl7pPr marL="2743200" algn="l" defTabSz="914400" rtl="0" eaLnBrk="1" latinLnBrk="0" hangingPunct="1">
-              <a:defRPr sz="1800" kern="1200">
-                <a:solidFill>
-                  <a:schemeClr val="tx1"/>
-                </a:solidFill>
-                <a:latin typeface="+mn-lt"/>
-                <a:ea typeface="+mn-ea"/>
-                <a:cs typeface="+mn-cs"/>
-              </a:defRPr>
-            </a:lvl7pPr>
-            <a:lvl8pPr marL="3200400" algn="l" defTabSz="914400" rtl="0" eaLnBrk="1" latinLnBrk="0" hangingPunct="1">
-              <a:defRPr sz="1800" kern="1200">
-                <a:solidFill>
-                  <a:schemeClr val="tx1"/>
-                </a:solidFill>
-                <a:latin typeface="+mn-lt"/>
-                <a:ea typeface="+mn-ea"/>
-                <a:cs typeface="+mn-cs"/>
-              </a:defRPr>
-            </a:lvl8pPr>
-            <a:lvl9pPr marL="3657600" algn="l" defTabSz="914400" rtl="0" eaLnBrk="1" latinLnBrk="0" hangingPunct="1">
-              <a:defRPr sz="1800" kern="1200">
-                <a:solidFill>
-                  <a:schemeClr val="tx1"/>
-                </a:solidFill>
-                <a:latin typeface="+mn-lt"/>
-                <a:ea typeface="+mn-ea"/>
-                <a:cs typeface="+mn-cs"/>
-              </a:defRPr>
-            </a:lvl9pPr>
-          </a:lstStyle>
-          <a:p>
-            <a:r>
-              <a:rPr lang="en-US" altLang="zh-TW" dirty="0"/>
-              <a:t>TYIC</a:t>
-            </a:r>
-            <a:r>
-              <a:rPr lang="zh-TW" altLang="en-US"/>
-              <a:t>桃高資訊社</a:t>
-            </a:r>
-          </a:p>
-        </p:txBody>
-      </p:sp>
-      <p:sp>
-        <p:nvSpPr>
-          <p:cNvPr id="9" name="投影片編號版面配置區 5">
-            <a:extLst>
-              <a:ext uri="{FF2B5EF4-FFF2-40B4-BE49-F238E27FC236}">
-                <a16:creationId xmlns:a16="http://schemas.microsoft.com/office/drawing/2014/main" id="{7C1B046E-D8B9-4FA8-A126-F87F0D813BB6}"/>
-              </a:ext>
-            </a:extLst>
-          </p:cNvPr>
-          <p:cNvSpPr txBox="1">
-            <a:spLocks/>
-          </p:cNvSpPr>
-          <p:nvPr/>
-        </p:nvSpPr>
-        <p:spPr>
-          <a:xfrm>
-            <a:off x="9448800" y="6492874"/>
-            <a:ext cx="2743200" cy="365125"/>
-          </a:xfrm>
-          <a:prstGeom prst="rect">
-            <a:avLst/>
-          </a:prstGeom>
-        </p:spPr>
-        <p:txBody>
-          <a:bodyPr vert="horz" lIns="91440" tIns="45720" rIns="91440" bIns="45720" rtlCol="0" anchor="ctr"/>
-          <a:lstStyle>
-            <a:defPPr>
-              <a:defRPr lang="zh-TW"/>
-            </a:defPPr>
-            <a:lvl1pPr marL="0" algn="r" defTabSz="914400" rtl="0" eaLnBrk="1" latinLnBrk="0" hangingPunct="1">
-              <a:defRPr sz="1200" kern="1200">
-                <a:solidFill>
-                  <a:schemeClr val="tx1">
-                    <a:tint val="75000"/>
-                  </a:schemeClr>
-                </a:solidFill>
-                <a:latin typeface="+mn-lt"/>
-                <a:ea typeface="+mn-ea"/>
-                <a:cs typeface="+mn-cs"/>
-              </a:defRPr>
-            </a:lvl1pPr>
-            <a:lvl2pPr marL="457200" algn="l" defTabSz="914400" rtl="0" eaLnBrk="1" latinLnBrk="0" hangingPunct="1">
-              <a:defRPr sz="1800" kern="1200">
-                <a:solidFill>
-                  <a:schemeClr val="tx1"/>
-                </a:solidFill>
-                <a:latin typeface="+mn-lt"/>
-                <a:ea typeface="+mn-ea"/>
-                <a:cs typeface="+mn-cs"/>
-              </a:defRPr>
-            </a:lvl2pPr>
-            <a:lvl3pPr marL="914400" algn="l" defTabSz="914400" rtl="0" eaLnBrk="1" latinLnBrk="0" hangingPunct="1">
-              <a:defRPr sz="1800" kern="1200">
-                <a:solidFill>
-                  <a:schemeClr val="tx1"/>
-                </a:solidFill>
-                <a:latin typeface="+mn-lt"/>
-                <a:ea typeface="+mn-ea"/>
-                <a:cs typeface="+mn-cs"/>
-              </a:defRPr>
-            </a:lvl3pPr>
-            <a:lvl4pPr marL="1371600" algn="l" defTabSz="914400" rtl="0" eaLnBrk="1" latinLnBrk="0" hangingPunct="1">
-              <a:defRPr sz="1800" kern="1200">
-                <a:solidFill>
-                  <a:schemeClr val="tx1"/>
-                </a:solidFill>
-                <a:latin typeface="+mn-lt"/>
-                <a:ea typeface="+mn-ea"/>
-                <a:cs typeface="+mn-cs"/>
-              </a:defRPr>
-            </a:lvl4pPr>
-            <a:lvl5pPr marL="1828800" algn="l" defTabSz="914400" rtl="0" eaLnBrk="1" latinLnBrk="0" hangingPunct="1">
-              <a:defRPr sz="1800" kern="1200">
-                <a:solidFill>
-                  <a:schemeClr val="tx1"/>
-                </a:solidFill>
-                <a:latin typeface="+mn-lt"/>
-                <a:ea typeface="+mn-ea"/>
-                <a:cs typeface="+mn-cs"/>
-              </a:defRPr>
-            </a:lvl5pPr>
-            <a:lvl6pPr marL="2286000" algn="l" defTabSz="914400" rtl="0" eaLnBrk="1" latinLnBrk="0" hangingPunct="1">
-              <a:defRPr sz="1800" kern="1200">
-                <a:solidFill>
-                  <a:schemeClr val="tx1"/>
-                </a:solidFill>
-                <a:latin typeface="+mn-lt"/>
-                <a:ea typeface="+mn-ea"/>
-                <a:cs typeface="+mn-cs"/>
-              </a:defRPr>
-            </a:lvl6pPr>
-            <a:lvl7pPr marL="2743200" algn="l" defTabSz="914400" rtl="0" eaLnBrk="1" latinLnBrk="0" hangingPunct="1">
-              <a:defRPr sz="1800" kern="1200">
-                <a:solidFill>
-                  <a:schemeClr val="tx1"/>
-                </a:solidFill>
-                <a:latin typeface="+mn-lt"/>
-                <a:ea typeface="+mn-ea"/>
-                <a:cs typeface="+mn-cs"/>
-              </a:defRPr>
-            </a:lvl7pPr>
-            <a:lvl8pPr marL="3200400" algn="l" defTabSz="914400" rtl="0" eaLnBrk="1" latinLnBrk="0" hangingPunct="1">
-              <a:defRPr sz="1800" kern="1200">
-                <a:solidFill>
-                  <a:schemeClr val="tx1"/>
-                </a:solidFill>
-                <a:latin typeface="+mn-lt"/>
-                <a:ea typeface="+mn-ea"/>
-                <a:cs typeface="+mn-cs"/>
-              </a:defRPr>
-            </a:lvl8pPr>
-            <a:lvl9pPr marL="3657600" algn="l" defTabSz="914400" rtl="0" eaLnBrk="1" latinLnBrk="0" hangingPunct="1">
-              <a:defRPr sz="1800" kern="1200">
-                <a:solidFill>
-                  <a:schemeClr val="tx1"/>
-                </a:solidFill>
-                <a:latin typeface="+mn-lt"/>
-                <a:ea typeface="+mn-ea"/>
-                <a:cs typeface="+mn-cs"/>
-              </a:defRPr>
-            </a:lvl9pPr>
-          </a:lstStyle>
-          <a:p>
-            <a:fld id="{D4328D90-2A6F-4F23-88A8-C5DCC2B5F307}" type="slidenum">
-              <a:rPr lang="zh-TW" altLang="en-US" smtClean="0"/>
-              <a:pPr/>
-              <a:t>‹#›</a:t>
-            </a:fld>
-            <a:endParaRPr lang="zh-TW" altLang="en-US"/>
-          </a:p>
-        </p:txBody>
-      </p:sp>
-    </p:spTree>
-    <p:extLst>
-      <p:ext uri="{BB962C8B-B14F-4D97-AF65-F5344CB8AC3E}">
-        <p14:creationId xmlns:p14="http://schemas.microsoft.com/office/powerpoint/2010/main" val="2032002472"/>
-      </p:ext>
-    </p:extLst>
-  </p:cSld>
-  <p:clrMapOvr>
-    <a:masterClrMapping/>
-  </p:clrMapOvr>
-  <p:transition spd="slow">
-    <p:push dir="u"/>
-  </p:transition>
-</p:sldLayout>
-</file>
-
-<file path=ppt/slideLayouts/slideLayout11.xml><?xml version="1.0" encoding="utf-8"?>
-<p:sldLayout xmlns:a="http://schemas.openxmlformats.org/drawingml/2006/main" xmlns:r="http://schemas.openxmlformats.org/officeDocument/2006/relationships" xmlns:p="http://schemas.openxmlformats.org/presentationml/2006/main" type="vertTitleAndTx" preserve="1">
-  <p:cSld name="直排標題及文字">
-    <p:spTree>
-      <p:nvGrpSpPr>
-        <p:cNvPr id="1" name=""/>
-        <p:cNvGrpSpPr/>
-        <p:nvPr/>
-      </p:nvGrpSpPr>
-      <p:grpSpPr>
-        <a:xfrm>
-          <a:off x="0" y="0"/>
-          <a:ext cx="0" cy="0"/>
-          <a:chOff x="0" y="0"/>
-          <a:chExt cx="0" cy="0"/>
-        </a:xfrm>
-      </p:grpSpPr>
-      <p:sp>
-        <p:nvSpPr>
-          <p:cNvPr id="2" name="直排標題 1">
-            <a:extLst>
-              <a:ext uri="{FF2B5EF4-FFF2-40B4-BE49-F238E27FC236}">
-                <a16:creationId xmlns:a16="http://schemas.microsoft.com/office/drawing/2014/main" id="{1BA0FB70-3691-4CFB-B11C-DCA42F242EBA}"/>
-              </a:ext>
-            </a:extLst>
-          </p:cNvPr>
-          <p:cNvSpPr>
-            <a:spLocks noGrp="1"/>
-          </p:cNvSpPr>
-          <p:nvPr>
-            <p:ph type="title" orient="vert"/>
-          </p:nvPr>
-        </p:nvSpPr>
-        <p:spPr>
-          <a:xfrm>
-            <a:off x="8724900" y="365125"/>
-            <a:ext cx="2628900" cy="5811838"/>
-          </a:xfrm>
-        </p:spPr>
-        <p:txBody>
-          <a:bodyPr vert="eaVert"/>
-          <a:lstStyle/>
-          <a:p>
-            <a:r>
-              <a:rPr lang="zh-TW" altLang="en-US"/>
-              <a:t>按一下以編輯母片標題樣式</a:t>
-            </a:r>
-          </a:p>
-        </p:txBody>
-      </p:sp>
-      <p:sp>
-        <p:nvSpPr>
-          <p:cNvPr id="3" name="直排文字版面配置區 2">
-            <a:extLst>
-              <a:ext uri="{FF2B5EF4-FFF2-40B4-BE49-F238E27FC236}">
-                <a16:creationId xmlns:a16="http://schemas.microsoft.com/office/drawing/2014/main" id="{443DC9D4-0B7C-43C6-9ED5-146AB071FB9D}"/>
-              </a:ext>
-            </a:extLst>
-          </p:cNvPr>
-          <p:cNvSpPr>
-            <a:spLocks noGrp="1"/>
-          </p:cNvSpPr>
-          <p:nvPr>
-            <p:ph type="body" orient="vert" idx="1"/>
-          </p:nvPr>
-        </p:nvSpPr>
-        <p:spPr>
-          <a:xfrm>
-            <a:off x="838200" y="365125"/>
-            <a:ext cx="7734300" cy="5811838"/>
-          </a:xfrm>
-        </p:spPr>
-        <p:txBody>
-          <a:bodyPr vert="eaVert"/>
-          <a:lstStyle/>
-          <a:p>
-            <a:pPr lvl="0"/>
-            <a:r>
-              <a:rPr lang="zh-TW" altLang="en-US"/>
-              <a:t>按一下以編輯母片文字樣式</a:t>
-            </a:r>
-          </a:p>
-          <a:p>
-            <a:pPr lvl="1"/>
-            <a:r>
-              <a:rPr lang="zh-TW" altLang="en-US"/>
-              <a:t>第二層</a:t>
-            </a:r>
-          </a:p>
-          <a:p>
-            <a:pPr lvl="2"/>
-            <a:r>
-              <a:rPr lang="zh-TW" altLang="en-US"/>
-              <a:t>第三層</a:t>
-            </a:r>
-          </a:p>
-          <a:p>
-            <a:pPr lvl="3"/>
-            <a:r>
-              <a:rPr lang="zh-TW" altLang="en-US"/>
-              <a:t>第四層</a:t>
-            </a:r>
-          </a:p>
-          <a:p>
-            <a:pPr lvl="4"/>
-            <a:r>
-              <a:rPr lang="zh-TW" altLang="en-US"/>
-              <a:t>第五層</a:t>
-            </a:r>
-          </a:p>
-        </p:txBody>
-      </p:sp>
-      <p:sp>
-        <p:nvSpPr>
-          <p:cNvPr id="7" name="頁尾版面配置區 4">
-            <a:extLst>
-              <a:ext uri="{FF2B5EF4-FFF2-40B4-BE49-F238E27FC236}">
-                <a16:creationId xmlns:a16="http://schemas.microsoft.com/office/drawing/2014/main" id="{C07E68E1-74E8-4B75-8BF6-3AD8D3EC35C4}"/>
-              </a:ext>
-            </a:extLst>
-          </p:cNvPr>
-          <p:cNvSpPr txBox="1">
-            <a:spLocks/>
-          </p:cNvSpPr>
-          <p:nvPr/>
-        </p:nvSpPr>
-        <p:spPr>
-          <a:xfrm>
-            <a:off x="0" y="6492875"/>
-            <a:ext cx="2743200" cy="365125"/>
-          </a:xfrm>
-          <a:prstGeom prst="rect">
-            <a:avLst/>
-          </a:prstGeom>
-        </p:spPr>
-        <p:txBody>
-          <a:bodyPr vert="horz" lIns="91440" tIns="45720" rIns="91440" bIns="45720" rtlCol="0" anchor="ctr"/>
-          <a:lstStyle>
-            <a:defPPr>
-              <a:defRPr lang="zh-TW"/>
-            </a:defPPr>
-            <a:lvl1pPr marL="0" algn="l" defTabSz="914400" rtl="0" eaLnBrk="1" latinLnBrk="0" hangingPunct="1">
-              <a:defRPr sz="1200" kern="1200">
-                <a:solidFill>
-                  <a:schemeClr val="tx1">
-                    <a:tint val="75000"/>
-                  </a:schemeClr>
-                </a:solidFill>
-                <a:latin typeface="+mn-lt"/>
-                <a:ea typeface="+mn-ea"/>
-                <a:cs typeface="+mn-cs"/>
-              </a:defRPr>
-            </a:lvl1pPr>
-            <a:lvl2pPr marL="457200" algn="l" defTabSz="914400" rtl="0" eaLnBrk="1" latinLnBrk="0" hangingPunct="1">
-              <a:defRPr sz="1800" kern="1200">
-                <a:solidFill>
-                  <a:schemeClr val="tx1"/>
-                </a:solidFill>
-                <a:latin typeface="+mn-lt"/>
-                <a:ea typeface="+mn-ea"/>
-                <a:cs typeface="+mn-cs"/>
-              </a:defRPr>
-            </a:lvl2pPr>
-            <a:lvl3pPr marL="914400" algn="l" defTabSz="914400" rtl="0" eaLnBrk="1" latinLnBrk="0" hangingPunct="1">
-              <a:defRPr sz="1800" kern="1200">
-                <a:solidFill>
-                  <a:schemeClr val="tx1"/>
-                </a:solidFill>
-                <a:latin typeface="+mn-lt"/>
-                <a:ea typeface="+mn-ea"/>
-                <a:cs typeface="+mn-cs"/>
-              </a:defRPr>
-            </a:lvl3pPr>
-            <a:lvl4pPr marL="1371600" algn="l" defTabSz="914400" rtl="0" eaLnBrk="1" latinLnBrk="0" hangingPunct="1">
-              <a:defRPr sz="1800" kern="1200">
-                <a:solidFill>
-                  <a:schemeClr val="tx1"/>
-                </a:solidFill>
-                <a:latin typeface="+mn-lt"/>
-                <a:ea typeface="+mn-ea"/>
-                <a:cs typeface="+mn-cs"/>
-              </a:defRPr>
-            </a:lvl4pPr>
-            <a:lvl5pPr marL="1828800" algn="l" defTabSz="914400" rtl="0" eaLnBrk="1" latinLnBrk="0" hangingPunct="1">
-              <a:defRPr sz="1800" kern="1200">
-                <a:solidFill>
-                  <a:schemeClr val="tx1"/>
-                </a:solidFill>
-                <a:latin typeface="+mn-lt"/>
-                <a:ea typeface="+mn-ea"/>
-                <a:cs typeface="+mn-cs"/>
-              </a:defRPr>
-            </a:lvl5pPr>
-            <a:lvl6pPr marL="2286000" algn="l" defTabSz="914400" rtl="0" eaLnBrk="1" latinLnBrk="0" hangingPunct="1">
-              <a:defRPr sz="1800" kern="1200">
-                <a:solidFill>
-                  <a:schemeClr val="tx1"/>
-                </a:solidFill>
-                <a:latin typeface="+mn-lt"/>
-                <a:ea typeface="+mn-ea"/>
-                <a:cs typeface="+mn-cs"/>
-              </a:defRPr>
-            </a:lvl6pPr>
-            <a:lvl7pPr marL="2743200" algn="l" defTabSz="914400" rtl="0" eaLnBrk="1" latinLnBrk="0" hangingPunct="1">
-              <a:defRPr sz="1800" kern="1200">
-                <a:solidFill>
-                  <a:schemeClr val="tx1"/>
-                </a:solidFill>
-                <a:latin typeface="+mn-lt"/>
-                <a:ea typeface="+mn-ea"/>
-                <a:cs typeface="+mn-cs"/>
-              </a:defRPr>
-            </a:lvl7pPr>
-            <a:lvl8pPr marL="3200400" algn="l" defTabSz="914400" rtl="0" eaLnBrk="1" latinLnBrk="0" hangingPunct="1">
-              <a:defRPr sz="1800" kern="1200">
-                <a:solidFill>
-                  <a:schemeClr val="tx1"/>
-                </a:solidFill>
-                <a:latin typeface="+mn-lt"/>
-                <a:ea typeface="+mn-ea"/>
-                <a:cs typeface="+mn-cs"/>
-              </a:defRPr>
-            </a:lvl8pPr>
-            <a:lvl9pPr marL="3657600" algn="l" defTabSz="914400" rtl="0" eaLnBrk="1" latinLnBrk="0" hangingPunct="1">
-              <a:defRPr sz="1800" kern="1200">
-                <a:solidFill>
-                  <a:schemeClr val="tx1"/>
-                </a:solidFill>
-                <a:latin typeface="+mn-lt"/>
-                <a:ea typeface="+mn-ea"/>
-                <a:cs typeface="+mn-cs"/>
-              </a:defRPr>
-            </a:lvl9pPr>
-          </a:lstStyle>
-          <a:p>
-            <a:r>
-              <a:rPr lang="en-US" altLang="zh-TW"/>
-              <a:t>TYIC</a:t>
-            </a:r>
-            <a:r>
-              <a:rPr lang="zh-TW" altLang="en-US"/>
-              <a:t>桃高資訊社</a:t>
-            </a:r>
-          </a:p>
-        </p:txBody>
-      </p:sp>
-      <p:sp>
-        <p:nvSpPr>
-          <p:cNvPr id="8" name="投影片編號版面配置區 5">
-            <a:extLst>
-              <a:ext uri="{FF2B5EF4-FFF2-40B4-BE49-F238E27FC236}">
-                <a16:creationId xmlns:a16="http://schemas.microsoft.com/office/drawing/2014/main" id="{0A141965-84F2-41A3-BCDC-079B065A2E38}"/>
-              </a:ext>
-            </a:extLst>
-          </p:cNvPr>
-          <p:cNvSpPr txBox="1">
-            <a:spLocks/>
-          </p:cNvSpPr>
-          <p:nvPr/>
-        </p:nvSpPr>
-        <p:spPr>
-          <a:xfrm>
-            <a:off x="9448800" y="6492874"/>
-            <a:ext cx="2743200" cy="365125"/>
-          </a:xfrm>
-          <a:prstGeom prst="rect">
-            <a:avLst/>
-          </a:prstGeom>
-        </p:spPr>
-        <p:txBody>
-          <a:bodyPr vert="horz" lIns="91440" tIns="45720" rIns="91440" bIns="45720" rtlCol="0" anchor="ctr"/>
-          <a:lstStyle>
-            <a:defPPr>
-              <a:defRPr lang="zh-TW"/>
-            </a:defPPr>
-            <a:lvl1pPr marL="0" algn="r" defTabSz="914400" rtl="0" eaLnBrk="1" latinLnBrk="0" hangingPunct="1">
-              <a:defRPr sz="1200" kern="1200">
-                <a:solidFill>
-                  <a:schemeClr val="tx1">
-                    <a:tint val="75000"/>
-                  </a:schemeClr>
-                </a:solidFill>
-                <a:latin typeface="+mn-lt"/>
-                <a:ea typeface="+mn-ea"/>
-                <a:cs typeface="+mn-cs"/>
-              </a:defRPr>
-            </a:lvl1pPr>
-            <a:lvl2pPr marL="457200" algn="l" defTabSz="914400" rtl="0" eaLnBrk="1" latinLnBrk="0" hangingPunct="1">
-              <a:defRPr sz="1800" kern="1200">
-                <a:solidFill>
-                  <a:schemeClr val="tx1"/>
-                </a:solidFill>
-                <a:latin typeface="+mn-lt"/>
-                <a:ea typeface="+mn-ea"/>
-                <a:cs typeface="+mn-cs"/>
-              </a:defRPr>
-            </a:lvl2pPr>
-            <a:lvl3pPr marL="914400" algn="l" defTabSz="914400" rtl="0" eaLnBrk="1" latinLnBrk="0" hangingPunct="1">
-              <a:defRPr sz="1800" kern="1200">
-                <a:solidFill>
-                  <a:schemeClr val="tx1"/>
-                </a:solidFill>
-                <a:latin typeface="+mn-lt"/>
-                <a:ea typeface="+mn-ea"/>
-                <a:cs typeface="+mn-cs"/>
-              </a:defRPr>
-            </a:lvl3pPr>
-            <a:lvl4pPr marL="1371600" algn="l" defTabSz="914400" rtl="0" eaLnBrk="1" latinLnBrk="0" hangingPunct="1">
-              <a:defRPr sz="1800" kern="1200">
-                <a:solidFill>
-                  <a:schemeClr val="tx1"/>
-                </a:solidFill>
-                <a:latin typeface="+mn-lt"/>
-                <a:ea typeface="+mn-ea"/>
-                <a:cs typeface="+mn-cs"/>
-              </a:defRPr>
-            </a:lvl4pPr>
-            <a:lvl5pPr marL="1828800" algn="l" defTabSz="914400" rtl="0" eaLnBrk="1" latinLnBrk="0" hangingPunct="1">
-              <a:defRPr sz="1800" kern="1200">
-                <a:solidFill>
-                  <a:schemeClr val="tx1"/>
-                </a:solidFill>
-                <a:latin typeface="+mn-lt"/>
-                <a:ea typeface="+mn-ea"/>
-                <a:cs typeface="+mn-cs"/>
-              </a:defRPr>
-            </a:lvl5pPr>
-            <a:lvl6pPr marL="2286000" algn="l" defTabSz="914400" rtl="0" eaLnBrk="1" latinLnBrk="0" hangingPunct="1">
-              <a:defRPr sz="1800" kern="1200">
-                <a:solidFill>
-                  <a:schemeClr val="tx1"/>
-                </a:solidFill>
-                <a:latin typeface="+mn-lt"/>
-                <a:ea typeface="+mn-ea"/>
-                <a:cs typeface="+mn-cs"/>
-              </a:defRPr>
-            </a:lvl6pPr>
-            <a:lvl7pPr marL="2743200" algn="l" defTabSz="914400" rtl="0" eaLnBrk="1" latinLnBrk="0" hangingPunct="1">
-              <a:defRPr sz="1800" kern="1200">
-                <a:solidFill>
-                  <a:schemeClr val="tx1"/>
-                </a:solidFill>
-                <a:latin typeface="+mn-lt"/>
-                <a:ea typeface="+mn-ea"/>
-                <a:cs typeface="+mn-cs"/>
-              </a:defRPr>
-            </a:lvl7pPr>
-            <a:lvl8pPr marL="3200400" algn="l" defTabSz="914400" rtl="0" eaLnBrk="1" latinLnBrk="0" hangingPunct="1">
-              <a:defRPr sz="1800" kern="1200">
-                <a:solidFill>
-                  <a:schemeClr val="tx1"/>
-                </a:solidFill>
-                <a:latin typeface="+mn-lt"/>
-                <a:ea typeface="+mn-ea"/>
-                <a:cs typeface="+mn-cs"/>
-              </a:defRPr>
-            </a:lvl8pPr>
-            <a:lvl9pPr marL="3657600" algn="l" defTabSz="914400" rtl="0" eaLnBrk="1" latinLnBrk="0" hangingPunct="1">
-              <a:defRPr sz="1800" kern="1200">
-                <a:solidFill>
-                  <a:schemeClr val="tx1"/>
-                </a:solidFill>
-                <a:latin typeface="+mn-lt"/>
-                <a:ea typeface="+mn-ea"/>
-                <a:cs typeface="+mn-cs"/>
-              </a:defRPr>
-            </a:lvl9pPr>
-          </a:lstStyle>
-          <a:p>
-            <a:fld id="{D4328D90-2A6F-4F23-88A8-C5DCC2B5F307}" type="slidenum">
-              <a:rPr lang="zh-TW" altLang="en-US" smtClean="0"/>
-              <a:pPr/>
-              <a:t>‹#›</a:t>
-            </a:fld>
-            <a:endParaRPr lang="zh-TW" altLang="en-US"/>
-          </a:p>
-        </p:txBody>
-      </p:sp>
-      <p:sp>
-        <p:nvSpPr>
-          <p:cNvPr id="6" name="頁尾版面配置區 4">
-            <a:extLst>
-              <a:ext uri="{FF2B5EF4-FFF2-40B4-BE49-F238E27FC236}">
-                <a16:creationId xmlns:a16="http://schemas.microsoft.com/office/drawing/2014/main" id="{34401409-FF0A-4514-8915-53F19DD13094}"/>
-              </a:ext>
-            </a:extLst>
-          </p:cNvPr>
-          <p:cNvSpPr txBox="1">
-            <a:spLocks/>
-          </p:cNvSpPr>
-          <p:nvPr/>
-        </p:nvSpPr>
-        <p:spPr>
-          <a:xfrm>
-            <a:off x="0" y="6492875"/>
-            <a:ext cx="2743200" cy="365125"/>
-          </a:xfrm>
-          <a:prstGeom prst="rect">
-            <a:avLst/>
-          </a:prstGeom>
-        </p:spPr>
-        <p:txBody>
-          <a:bodyPr vert="horz" lIns="91440" tIns="45720" rIns="91440" bIns="45720" rtlCol="0" anchor="ctr"/>
-          <a:lstStyle>
-            <a:defPPr>
-              <a:defRPr lang="zh-TW"/>
-            </a:defPPr>
-            <a:lvl1pPr marL="0" algn="l" defTabSz="914400" rtl="0" eaLnBrk="1" latinLnBrk="0" hangingPunct="1">
-              <a:defRPr sz="1200" kern="1200">
-                <a:solidFill>
-                  <a:schemeClr val="tx1">
-                    <a:tint val="75000"/>
-                  </a:schemeClr>
-                </a:solidFill>
-                <a:latin typeface="+mn-lt"/>
-                <a:ea typeface="+mn-ea"/>
-                <a:cs typeface="+mn-cs"/>
-              </a:defRPr>
-            </a:lvl1pPr>
-            <a:lvl2pPr marL="457200" algn="l" defTabSz="914400" rtl="0" eaLnBrk="1" latinLnBrk="0" hangingPunct="1">
-              <a:defRPr sz="1800" kern="1200">
-                <a:solidFill>
-                  <a:schemeClr val="tx1"/>
-                </a:solidFill>
-                <a:latin typeface="+mn-lt"/>
-                <a:ea typeface="+mn-ea"/>
-                <a:cs typeface="+mn-cs"/>
-              </a:defRPr>
-            </a:lvl2pPr>
-            <a:lvl3pPr marL="914400" algn="l" defTabSz="914400" rtl="0" eaLnBrk="1" latinLnBrk="0" hangingPunct="1">
-              <a:defRPr sz="1800" kern="1200">
-                <a:solidFill>
-                  <a:schemeClr val="tx1"/>
-                </a:solidFill>
-                <a:latin typeface="+mn-lt"/>
-                <a:ea typeface="+mn-ea"/>
-                <a:cs typeface="+mn-cs"/>
-              </a:defRPr>
-            </a:lvl3pPr>
-            <a:lvl4pPr marL="1371600" algn="l" defTabSz="914400" rtl="0" eaLnBrk="1" latinLnBrk="0" hangingPunct="1">
-              <a:defRPr sz="1800" kern="1200">
-                <a:solidFill>
-                  <a:schemeClr val="tx1"/>
-                </a:solidFill>
-                <a:latin typeface="+mn-lt"/>
-                <a:ea typeface="+mn-ea"/>
-                <a:cs typeface="+mn-cs"/>
-              </a:defRPr>
-            </a:lvl4pPr>
-            <a:lvl5pPr marL="1828800" algn="l" defTabSz="914400" rtl="0" eaLnBrk="1" latinLnBrk="0" hangingPunct="1">
-              <a:defRPr sz="1800" kern="1200">
-                <a:solidFill>
-                  <a:schemeClr val="tx1"/>
-                </a:solidFill>
-                <a:latin typeface="+mn-lt"/>
-                <a:ea typeface="+mn-ea"/>
-                <a:cs typeface="+mn-cs"/>
-              </a:defRPr>
-            </a:lvl5pPr>
-            <a:lvl6pPr marL="2286000" algn="l" defTabSz="914400" rtl="0" eaLnBrk="1" latinLnBrk="0" hangingPunct="1">
-              <a:defRPr sz="1800" kern="1200">
-                <a:solidFill>
-                  <a:schemeClr val="tx1"/>
-                </a:solidFill>
-                <a:latin typeface="+mn-lt"/>
-                <a:ea typeface="+mn-ea"/>
-                <a:cs typeface="+mn-cs"/>
-              </a:defRPr>
-            </a:lvl6pPr>
-            <a:lvl7pPr marL="2743200" algn="l" defTabSz="914400" rtl="0" eaLnBrk="1" latinLnBrk="0" hangingPunct="1">
-              <a:defRPr sz="1800" kern="1200">
-                <a:solidFill>
-                  <a:schemeClr val="tx1"/>
-                </a:solidFill>
-                <a:latin typeface="+mn-lt"/>
-                <a:ea typeface="+mn-ea"/>
-                <a:cs typeface="+mn-cs"/>
-              </a:defRPr>
-            </a:lvl7pPr>
-            <a:lvl8pPr marL="3200400" algn="l" defTabSz="914400" rtl="0" eaLnBrk="1" latinLnBrk="0" hangingPunct="1">
-              <a:defRPr sz="1800" kern="1200">
-                <a:solidFill>
-                  <a:schemeClr val="tx1"/>
-                </a:solidFill>
-                <a:latin typeface="+mn-lt"/>
-                <a:ea typeface="+mn-ea"/>
-                <a:cs typeface="+mn-cs"/>
-              </a:defRPr>
-            </a:lvl8pPr>
-            <a:lvl9pPr marL="3657600" algn="l" defTabSz="914400" rtl="0" eaLnBrk="1" latinLnBrk="0" hangingPunct="1">
-              <a:defRPr sz="1800" kern="1200">
-                <a:solidFill>
-                  <a:schemeClr val="tx1"/>
-                </a:solidFill>
-                <a:latin typeface="+mn-lt"/>
-                <a:ea typeface="+mn-ea"/>
-                <a:cs typeface="+mn-cs"/>
-              </a:defRPr>
-            </a:lvl9pPr>
-          </a:lstStyle>
-          <a:p>
-            <a:r>
-              <a:rPr lang="en-US" altLang="zh-TW" dirty="0"/>
-              <a:t>TYIC</a:t>
-            </a:r>
-            <a:r>
-              <a:rPr lang="zh-TW" altLang="en-US"/>
-              <a:t>桃高資訊社</a:t>
-            </a:r>
-          </a:p>
-        </p:txBody>
-      </p:sp>
-      <p:sp>
-        <p:nvSpPr>
-          <p:cNvPr id="9" name="投影片編號版面配置區 5">
-            <a:extLst>
-              <a:ext uri="{FF2B5EF4-FFF2-40B4-BE49-F238E27FC236}">
-                <a16:creationId xmlns:a16="http://schemas.microsoft.com/office/drawing/2014/main" id="{FB25D919-C7D1-4A41-8D37-72F630F4A97B}"/>
-              </a:ext>
-            </a:extLst>
-          </p:cNvPr>
-          <p:cNvSpPr txBox="1">
-            <a:spLocks/>
-          </p:cNvSpPr>
-          <p:nvPr/>
-        </p:nvSpPr>
-        <p:spPr>
-          <a:xfrm>
-            <a:off x="9448800" y="6492874"/>
-            <a:ext cx="2743200" cy="365125"/>
-          </a:xfrm>
-          <a:prstGeom prst="rect">
-            <a:avLst/>
-          </a:prstGeom>
-        </p:spPr>
-        <p:txBody>
-          <a:bodyPr vert="horz" lIns="91440" tIns="45720" rIns="91440" bIns="45720" rtlCol="0" anchor="ctr"/>
-          <a:lstStyle>
-            <a:defPPr>
-              <a:defRPr lang="zh-TW"/>
-            </a:defPPr>
-            <a:lvl1pPr marL="0" algn="r" defTabSz="914400" rtl="0" eaLnBrk="1" latinLnBrk="0" hangingPunct="1">
-              <a:defRPr sz="1200" kern="1200">
-                <a:solidFill>
-                  <a:schemeClr val="tx1">
-                    <a:tint val="75000"/>
-                  </a:schemeClr>
-                </a:solidFill>
-                <a:latin typeface="+mn-lt"/>
-                <a:ea typeface="+mn-ea"/>
-                <a:cs typeface="+mn-cs"/>
-              </a:defRPr>
-            </a:lvl1pPr>
-            <a:lvl2pPr marL="457200" algn="l" defTabSz="914400" rtl="0" eaLnBrk="1" latinLnBrk="0" hangingPunct="1">
-              <a:defRPr sz="1800" kern="1200">
-                <a:solidFill>
-                  <a:schemeClr val="tx1"/>
-                </a:solidFill>
-                <a:latin typeface="+mn-lt"/>
-                <a:ea typeface="+mn-ea"/>
-                <a:cs typeface="+mn-cs"/>
-              </a:defRPr>
-            </a:lvl2pPr>
-            <a:lvl3pPr marL="914400" algn="l" defTabSz="914400" rtl="0" eaLnBrk="1" latinLnBrk="0" hangingPunct="1">
-              <a:defRPr sz="1800" kern="1200">
-                <a:solidFill>
-                  <a:schemeClr val="tx1"/>
-                </a:solidFill>
-                <a:latin typeface="+mn-lt"/>
-                <a:ea typeface="+mn-ea"/>
-                <a:cs typeface="+mn-cs"/>
-              </a:defRPr>
-            </a:lvl3pPr>
-            <a:lvl4pPr marL="1371600" algn="l" defTabSz="914400" rtl="0" eaLnBrk="1" latinLnBrk="0" hangingPunct="1">
-              <a:defRPr sz="1800" kern="1200">
-                <a:solidFill>
-                  <a:schemeClr val="tx1"/>
-                </a:solidFill>
-                <a:latin typeface="+mn-lt"/>
-                <a:ea typeface="+mn-ea"/>
-                <a:cs typeface="+mn-cs"/>
-              </a:defRPr>
-            </a:lvl4pPr>
-            <a:lvl5pPr marL="1828800" algn="l" defTabSz="914400" rtl="0" eaLnBrk="1" latinLnBrk="0" hangingPunct="1">
-              <a:defRPr sz="1800" kern="1200">
-                <a:solidFill>
-                  <a:schemeClr val="tx1"/>
-                </a:solidFill>
-                <a:latin typeface="+mn-lt"/>
-                <a:ea typeface="+mn-ea"/>
-                <a:cs typeface="+mn-cs"/>
-              </a:defRPr>
-            </a:lvl5pPr>
-            <a:lvl6pPr marL="2286000" algn="l" defTabSz="914400" rtl="0" eaLnBrk="1" latinLnBrk="0" hangingPunct="1">
-              <a:defRPr sz="1800" kern="1200">
-                <a:solidFill>
-                  <a:schemeClr val="tx1"/>
-                </a:solidFill>
-                <a:latin typeface="+mn-lt"/>
-                <a:ea typeface="+mn-ea"/>
-                <a:cs typeface="+mn-cs"/>
-              </a:defRPr>
-            </a:lvl6pPr>
-            <a:lvl7pPr marL="2743200" algn="l" defTabSz="914400" rtl="0" eaLnBrk="1" latinLnBrk="0" hangingPunct="1">
-              <a:defRPr sz="1800" kern="1200">
-                <a:solidFill>
-                  <a:schemeClr val="tx1"/>
-                </a:solidFill>
-                <a:latin typeface="+mn-lt"/>
-                <a:ea typeface="+mn-ea"/>
-                <a:cs typeface="+mn-cs"/>
-              </a:defRPr>
-            </a:lvl7pPr>
-            <a:lvl8pPr marL="3200400" algn="l" defTabSz="914400" rtl="0" eaLnBrk="1" latinLnBrk="0" hangingPunct="1">
-              <a:defRPr sz="1800" kern="1200">
-                <a:solidFill>
-                  <a:schemeClr val="tx1"/>
-                </a:solidFill>
-                <a:latin typeface="+mn-lt"/>
-                <a:ea typeface="+mn-ea"/>
-                <a:cs typeface="+mn-cs"/>
-              </a:defRPr>
-            </a:lvl8pPr>
-            <a:lvl9pPr marL="3657600" algn="l" defTabSz="914400" rtl="0" eaLnBrk="1" latinLnBrk="0" hangingPunct="1">
-              <a:defRPr sz="1800" kern="1200">
-                <a:solidFill>
-                  <a:schemeClr val="tx1"/>
-                </a:solidFill>
-                <a:latin typeface="+mn-lt"/>
-                <a:ea typeface="+mn-ea"/>
-                <a:cs typeface="+mn-cs"/>
-              </a:defRPr>
-            </a:lvl9pPr>
-          </a:lstStyle>
-          <a:p>
-            <a:fld id="{D4328D90-2A6F-4F23-88A8-C5DCC2B5F307}" type="slidenum">
-              <a:rPr lang="zh-TW" altLang="en-US" smtClean="0"/>
-              <a:pPr/>
-              <a:t>‹#›</a:t>
-            </a:fld>
-            <a:endParaRPr lang="zh-TW" altLang="en-US"/>
-          </a:p>
-        </p:txBody>
-      </p:sp>
-    </p:spTree>
-    <p:extLst>
-      <p:ext uri="{BB962C8B-B14F-4D97-AF65-F5344CB8AC3E}">
-        <p14:creationId xmlns:p14="http://schemas.microsoft.com/office/powerpoint/2010/main" val="3269299306"/>
-      </p:ext>
-    </p:extLst>
-  </p:cSld>
-  <p:clrMapOvr>
-    <a:masterClrMapping/>
-  </p:clrMapOvr>
-  <p:transition spd="slow">
-    <p:push dir="u"/>
-  </p:transition>
-</p:sldLayout>
-</file>
-
-<file path=ppt/slideLayouts/slideLayout12.xml><?xml version="1.0" encoding="utf-8"?>
-<p:sldLayout xmlns:a="http://schemas.openxmlformats.org/drawingml/2006/main" xmlns:r="http://schemas.openxmlformats.org/officeDocument/2006/relationships" xmlns:p="http://schemas.openxmlformats.org/presentationml/2006/main" preserve="1">
-  <p:cSld name="1_標題投影片">
-    <p:spTree>
-      <p:nvGrpSpPr>
-        <p:cNvPr id="1" name=""/>
-        <p:cNvGrpSpPr/>
-        <p:nvPr/>
-      </p:nvGrpSpPr>
-      <p:grpSpPr>
-        <a:xfrm>
-          <a:off x="0" y="0"/>
-          <a:ext cx="0" cy="0"/>
-          <a:chOff x="0" y="0"/>
-          <a:chExt cx="0" cy="0"/>
-        </a:xfrm>
-      </p:grpSpPr>
-      <p:sp>
-        <p:nvSpPr>
-          <p:cNvPr id="2" name="標題 1">
-            <a:extLst>
-              <a:ext uri="{FF2B5EF4-FFF2-40B4-BE49-F238E27FC236}">
-                <a16:creationId xmlns:a16="http://schemas.microsoft.com/office/drawing/2014/main" id="{2EB502BE-089D-4633-B90E-46A3D4FB7D4E}"/>
-              </a:ext>
-            </a:extLst>
-          </p:cNvPr>
-          <p:cNvSpPr>
-            <a:spLocks noGrp="1"/>
-          </p:cNvSpPr>
-          <p:nvPr>
-            <p:ph type="ctrTitle"/>
-          </p:nvPr>
-        </p:nvSpPr>
-        <p:spPr>
-          <a:xfrm>
-            <a:off x="1524000" y="1122363"/>
-            <a:ext cx="9144000" cy="2387600"/>
-          </a:xfrm>
-        </p:spPr>
-        <p:txBody>
-          <a:bodyPr anchor="b"/>
-          <a:lstStyle>
-            <a:lvl1pPr algn="ctr">
-              <a:defRPr sz="6000"/>
-            </a:lvl1pPr>
-          </a:lstStyle>
-          <a:p>
-            <a:r>
-              <a:rPr lang="zh-TW" altLang="en-US"/>
-              <a:t>按一下以編輯母片標題樣式</a:t>
-            </a:r>
-          </a:p>
-        </p:txBody>
-      </p:sp>
-      <p:sp>
-        <p:nvSpPr>
-          <p:cNvPr id="3" name="副標題 2">
-            <a:extLst>
-              <a:ext uri="{FF2B5EF4-FFF2-40B4-BE49-F238E27FC236}">
-                <a16:creationId xmlns:a16="http://schemas.microsoft.com/office/drawing/2014/main" id="{471674D0-0840-4D4C-93FB-3ABDEB2CAD45}"/>
-              </a:ext>
-            </a:extLst>
-          </p:cNvPr>
-          <p:cNvSpPr>
-            <a:spLocks noGrp="1"/>
-          </p:cNvSpPr>
-          <p:nvPr>
-            <p:ph type="subTitle" idx="1"/>
-          </p:nvPr>
-        </p:nvSpPr>
-        <p:spPr>
-          <a:xfrm>
-            <a:off x="1524000" y="3602038"/>
-            <a:ext cx="9144000" cy="1655762"/>
-          </a:xfrm>
-        </p:spPr>
-        <p:txBody>
-          <a:bodyPr/>
-          <a:lstStyle>
-            <a:lvl1pPr marL="0" indent="0" algn="ctr">
-              <a:buNone/>
-              <a:defRPr sz="2400"/>
-            </a:lvl1pPr>
-            <a:lvl2pPr marL="457200" indent="0" algn="ctr">
-              <a:buNone/>
-              <a:defRPr sz="2000"/>
-            </a:lvl2pPr>
-            <a:lvl3pPr marL="914400" indent="0" algn="ctr">
-              <a:buNone/>
-              <a:defRPr sz="1800"/>
-            </a:lvl3pPr>
-            <a:lvl4pPr marL="1371600" indent="0" algn="ctr">
-              <a:buNone/>
-              <a:defRPr sz="1600"/>
-            </a:lvl4pPr>
-            <a:lvl5pPr marL="1828800" indent="0" algn="ctr">
-              <a:buNone/>
-              <a:defRPr sz="1600"/>
-            </a:lvl5pPr>
-            <a:lvl6pPr marL="2286000" indent="0" algn="ctr">
-              <a:buNone/>
-              <a:defRPr sz="1600"/>
-            </a:lvl6pPr>
-            <a:lvl7pPr marL="2743200" indent="0" algn="ctr">
-              <a:buNone/>
-              <a:defRPr sz="1600"/>
-            </a:lvl7pPr>
-            <a:lvl8pPr marL="3200400" indent="0" algn="ctr">
-              <a:buNone/>
-              <a:defRPr sz="1600"/>
-            </a:lvl8pPr>
-            <a:lvl9pPr marL="3657600" indent="0" algn="ctr">
-              <a:buNone/>
-              <a:defRPr sz="1600"/>
-            </a:lvl9pPr>
-          </a:lstStyle>
-          <a:p>
-            <a:r>
-              <a:rPr lang="zh-TW" altLang="en-US"/>
-              <a:t>按一下以編輯母片子標題樣式</a:t>
-            </a:r>
-          </a:p>
-        </p:txBody>
-      </p:sp>
-    </p:spTree>
-    <p:extLst>
-      <p:ext uri="{BB962C8B-B14F-4D97-AF65-F5344CB8AC3E}">
-        <p14:creationId xmlns:p14="http://schemas.microsoft.com/office/powerpoint/2010/main" val="733951465"/>
+        <p14:creationId xmlns:p14="http://schemas.microsoft.com/office/powerpoint/2010/main" val="4244773192"/>
       </p:ext>
     </p:extLst>
   </p:cSld>
@@ -2392,7 +942,7 @@
             </a:r>
             <a:r>
               <a:rPr lang="zh-TW" altLang="en-US"/>
-              <a:t>桃高資訊社</a:t>
+              <a:t> 桃高資訊社</a:t>
             </a:r>
           </a:p>
         </p:txBody>
@@ -2529,276 +1079,10 @@
           </a:p>
         </p:txBody>
       </p:sp>
-      <p:sp>
-        <p:nvSpPr>
-          <p:cNvPr id="6" name="頁尾版面配置區 4">
-            <a:extLst>
-              <a:ext uri="{FF2B5EF4-FFF2-40B4-BE49-F238E27FC236}">
-                <a16:creationId xmlns:a16="http://schemas.microsoft.com/office/drawing/2014/main" id="{4EFEB44B-B18F-472F-97B4-61D1CE94D3C7}"/>
-              </a:ext>
-            </a:extLst>
-          </p:cNvPr>
-          <p:cNvSpPr txBox="1">
-            <a:spLocks/>
-          </p:cNvSpPr>
-          <p:nvPr/>
-        </p:nvSpPr>
-        <p:spPr>
-          <a:xfrm>
-            <a:off x="0" y="6492875"/>
-            <a:ext cx="2743200" cy="365125"/>
-          </a:xfrm>
-          <a:prstGeom prst="rect">
-            <a:avLst/>
-          </a:prstGeom>
-        </p:spPr>
-        <p:txBody>
-          <a:bodyPr vert="horz" lIns="91440" tIns="45720" rIns="91440" bIns="45720" rtlCol="0" anchor="ctr"/>
-          <a:lstStyle>
-            <a:defPPr>
-              <a:defRPr lang="zh-TW"/>
-            </a:defPPr>
-            <a:lvl1pPr marL="0" algn="l" defTabSz="914400" rtl="0" eaLnBrk="1" latinLnBrk="0" hangingPunct="1">
-              <a:defRPr sz="1200" kern="1200">
-                <a:solidFill>
-                  <a:schemeClr val="tx1">
-                    <a:tint val="75000"/>
-                  </a:schemeClr>
-                </a:solidFill>
-                <a:latin typeface="+mn-lt"/>
-                <a:ea typeface="+mn-ea"/>
-                <a:cs typeface="+mn-cs"/>
-              </a:defRPr>
-            </a:lvl1pPr>
-            <a:lvl2pPr marL="457200" algn="l" defTabSz="914400" rtl="0" eaLnBrk="1" latinLnBrk="0" hangingPunct="1">
-              <a:defRPr sz="1800" kern="1200">
-                <a:solidFill>
-                  <a:schemeClr val="tx1"/>
-                </a:solidFill>
-                <a:latin typeface="+mn-lt"/>
-                <a:ea typeface="+mn-ea"/>
-                <a:cs typeface="+mn-cs"/>
-              </a:defRPr>
-            </a:lvl2pPr>
-            <a:lvl3pPr marL="914400" algn="l" defTabSz="914400" rtl="0" eaLnBrk="1" latinLnBrk="0" hangingPunct="1">
-              <a:defRPr sz="1800" kern="1200">
-                <a:solidFill>
-                  <a:schemeClr val="tx1"/>
-                </a:solidFill>
-                <a:latin typeface="+mn-lt"/>
-                <a:ea typeface="+mn-ea"/>
-                <a:cs typeface="+mn-cs"/>
-              </a:defRPr>
-            </a:lvl3pPr>
-            <a:lvl4pPr marL="1371600" algn="l" defTabSz="914400" rtl="0" eaLnBrk="1" latinLnBrk="0" hangingPunct="1">
-              <a:defRPr sz="1800" kern="1200">
-                <a:solidFill>
-                  <a:schemeClr val="tx1"/>
-                </a:solidFill>
-                <a:latin typeface="+mn-lt"/>
-                <a:ea typeface="+mn-ea"/>
-                <a:cs typeface="+mn-cs"/>
-              </a:defRPr>
-            </a:lvl4pPr>
-            <a:lvl5pPr marL="1828800" algn="l" defTabSz="914400" rtl="0" eaLnBrk="1" latinLnBrk="0" hangingPunct="1">
-              <a:defRPr sz="1800" kern="1200">
-                <a:solidFill>
-                  <a:schemeClr val="tx1"/>
-                </a:solidFill>
-                <a:latin typeface="+mn-lt"/>
-                <a:ea typeface="+mn-ea"/>
-                <a:cs typeface="+mn-cs"/>
-              </a:defRPr>
-            </a:lvl5pPr>
-            <a:lvl6pPr marL="2286000" algn="l" defTabSz="914400" rtl="0" eaLnBrk="1" latinLnBrk="0" hangingPunct="1">
-              <a:defRPr sz="1800" kern="1200">
-                <a:solidFill>
-                  <a:schemeClr val="tx1"/>
-                </a:solidFill>
-                <a:latin typeface="+mn-lt"/>
-                <a:ea typeface="+mn-ea"/>
-                <a:cs typeface="+mn-cs"/>
-              </a:defRPr>
-            </a:lvl6pPr>
-            <a:lvl7pPr marL="2743200" algn="l" defTabSz="914400" rtl="0" eaLnBrk="1" latinLnBrk="0" hangingPunct="1">
-              <a:defRPr sz="1800" kern="1200">
-                <a:solidFill>
-                  <a:schemeClr val="tx1"/>
-                </a:solidFill>
-                <a:latin typeface="+mn-lt"/>
-                <a:ea typeface="+mn-ea"/>
-                <a:cs typeface="+mn-cs"/>
-              </a:defRPr>
-            </a:lvl7pPr>
-            <a:lvl8pPr marL="3200400" algn="l" defTabSz="914400" rtl="0" eaLnBrk="1" latinLnBrk="0" hangingPunct="1">
-              <a:defRPr sz="1800" kern="1200">
-                <a:solidFill>
-                  <a:schemeClr val="tx1"/>
-                </a:solidFill>
-                <a:latin typeface="+mn-lt"/>
-                <a:ea typeface="+mn-ea"/>
-                <a:cs typeface="+mn-cs"/>
-              </a:defRPr>
-            </a:lvl8pPr>
-            <a:lvl9pPr marL="3657600" algn="l" defTabSz="914400" rtl="0" eaLnBrk="1" latinLnBrk="0" hangingPunct="1">
-              <a:defRPr sz="1800" kern="1200">
-                <a:solidFill>
-                  <a:schemeClr val="tx1"/>
-                </a:solidFill>
-                <a:latin typeface="+mn-lt"/>
-                <a:ea typeface="+mn-ea"/>
-                <a:cs typeface="+mn-cs"/>
-              </a:defRPr>
-            </a:lvl9pPr>
-          </a:lstStyle>
-          <a:p>
-            <a:r>
-              <a:rPr lang="en-US" altLang="zh-TW" dirty="0"/>
-              <a:t>TYIC</a:t>
-            </a:r>
-            <a:r>
-              <a:rPr lang="zh-TW" altLang="en-US"/>
-              <a:t>桃高資訊社</a:t>
-            </a:r>
-          </a:p>
-        </p:txBody>
-      </p:sp>
-      <p:sp>
-        <p:nvSpPr>
-          <p:cNvPr id="9" name="投影片編號版面配置區 5">
-            <a:extLst>
-              <a:ext uri="{FF2B5EF4-FFF2-40B4-BE49-F238E27FC236}">
-                <a16:creationId xmlns:a16="http://schemas.microsoft.com/office/drawing/2014/main" id="{402E92B5-4BB1-4E6F-A32C-6E1A69B65B9E}"/>
-              </a:ext>
-            </a:extLst>
-          </p:cNvPr>
-          <p:cNvSpPr txBox="1">
-            <a:spLocks/>
-          </p:cNvSpPr>
-          <p:nvPr/>
-        </p:nvSpPr>
-        <p:spPr>
-          <a:xfrm>
-            <a:off x="9448800" y="6492874"/>
-            <a:ext cx="2743200" cy="365125"/>
-          </a:xfrm>
-          <a:prstGeom prst="rect">
-            <a:avLst/>
-          </a:prstGeom>
-        </p:spPr>
-        <p:txBody>
-          <a:bodyPr vert="horz" lIns="91440" tIns="45720" rIns="91440" bIns="45720" rtlCol="0" anchor="ctr"/>
-          <a:lstStyle>
-            <a:defPPr>
-              <a:defRPr lang="zh-TW"/>
-            </a:defPPr>
-            <a:lvl1pPr marL="0" algn="r" defTabSz="914400" rtl="0" eaLnBrk="1" latinLnBrk="0" hangingPunct="1">
-              <a:defRPr sz="1200" kern="1200">
-                <a:solidFill>
-                  <a:schemeClr val="tx1">
-                    <a:tint val="75000"/>
-                  </a:schemeClr>
-                </a:solidFill>
-                <a:latin typeface="+mn-lt"/>
-                <a:ea typeface="+mn-ea"/>
-                <a:cs typeface="+mn-cs"/>
-              </a:defRPr>
-            </a:lvl1pPr>
-            <a:lvl2pPr marL="457200" algn="l" defTabSz="914400" rtl="0" eaLnBrk="1" latinLnBrk="0" hangingPunct="1">
-              <a:defRPr sz="1800" kern="1200">
-                <a:solidFill>
-                  <a:schemeClr val="tx1"/>
-                </a:solidFill>
-                <a:latin typeface="+mn-lt"/>
-                <a:ea typeface="+mn-ea"/>
-                <a:cs typeface="+mn-cs"/>
-              </a:defRPr>
-            </a:lvl2pPr>
-            <a:lvl3pPr marL="914400" algn="l" defTabSz="914400" rtl="0" eaLnBrk="1" latinLnBrk="0" hangingPunct="1">
-              <a:defRPr sz="1800" kern="1200">
-                <a:solidFill>
-                  <a:schemeClr val="tx1"/>
-                </a:solidFill>
-                <a:latin typeface="+mn-lt"/>
-                <a:ea typeface="+mn-ea"/>
-                <a:cs typeface="+mn-cs"/>
-              </a:defRPr>
-            </a:lvl3pPr>
-            <a:lvl4pPr marL="1371600" algn="l" defTabSz="914400" rtl="0" eaLnBrk="1" latinLnBrk="0" hangingPunct="1">
-              <a:defRPr sz="1800" kern="1200">
-                <a:solidFill>
-                  <a:schemeClr val="tx1"/>
-                </a:solidFill>
-                <a:latin typeface="+mn-lt"/>
-                <a:ea typeface="+mn-ea"/>
-                <a:cs typeface="+mn-cs"/>
-              </a:defRPr>
-            </a:lvl4pPr>
-            <a:lvl5pPr marL="1828800" algn="l" defTabSz="914400" rtl="0" eaLnBrk="1" latinLnBrk="0" hangingPunct="1">
-              <a:defRPr sz="1800" kern="1200">
-                <a:solidFill>
-                  <a:schemeClr val="tx1"/>
-                </a:solidFill>
-                <a:latin typeface="+mn-lt"/>
-                <a:ea typeface="+mn-ea"/>
-                <a:cs typeface="+mn-cs"/>
-              </a:defRPr>
-            </a:lvl5pPr>
-            <a:lvl6pPr marL="2286000" algn="l" defTabSz="914400" rtl="0" eaLnBrk="1" latinLnBrk="0" hangingPunct="1">
-              <a:defRPr sz="1800" kern="1200">
-                <a:solidFill>
-                  <a:schemeClr val="tx1"/>
-                </a:solidFill>
-                <a:latin typeface="+mn-lt"/>
-                <a:ea typeface="+mn-ea"/>
-                <a:cs typeface="+mn-cs"/>
-              </a:defRPr>
-            </a:lvl6pPr>
-            <a:lvl7pPr marL="2743200" algn="l" defTabSz="914400" rtl="0" eaLnBrk="1" latinLnBrk="0" hangingPunct="1">
-              <a:defRPr sz="1800" kern="1200">
-                <a:solidFill>
-                  <a:schemeClr val="tx1"/>
-                </a:solidFill>
-                <a:latin typeface="+mn-lt"/>
-                <a:ea typeface="+mn-ea"/>
-                <a:cs typeface="+mn-cs"/>
-              </a:defRPr>
-            </a:lvl7pPr>
-            <a:lvl8pPr marL="3200400" algn="l" defTabSz="914400" rtl="0" eaLnBrk="1" latinLnBrk="0" hangingPunct="1">
-              <a:defRPr sz="1800" kern="1200">
-                <a:solidFill>
-                  <a:schemeClr val="tx1"/>
-                </a:solidFill>
-                <a:latin typeface="+mn-lt"/>
-                <a:ea typeface="+mn-ea"/>
-                <a:cs typeface="+mn-cs"/>
-              </a:defRPr>
-            </a:lvl8pPr>
-            <a:lvl9pPr marL="3657600" algn="l" defTabSz="914400" rtl="0" eaLnBrk="1" latinLnBrk="0" hangingPunct="1">
-              <a:defRPr sz="1800" kern="1200">
-                <a:solidFill>
-                  <a:schemeClr val="tx1"/>
-                </a:solidFill>
-                <a:latin typeface="+mn-lt"/>
-                <a:ea typeface="+mn-ea"/>
-                <a:cs typeface="+mn-cs"/>
-              </a:defRPr>
-            </a:lvl9pPr>
-          </a:lstStyle>
-          <a:p>
-            <a:fld id="{D4328D90-2A6F-4F23-88A8-C5DCC2B5F307}" type="slidenum">
-              <a:rPr lang="zh-TW" altLang="en-US" smtClean="0"/>
-              <a:pPr/>
-              <a:t>‹#›</a:t>
-            </a:fld>
-            <a:endParaRPr lang="zh-TW" altLang="en-US"/>
-          </a:p>
-        </p:txBody>
-      </p:sp>
     </p:spTree>
     <p:extLst>
       <p:ext uri="{BB962C8B-B14F-4D97-AF65-F5344CB8AC3E}">
-        <p14:creationId xmlns:p14="http://schemas.microsoft.com/office/powerpoint/2010/main" val="1083122760"/>
+        <p14:creationId xmlns:p14="http://schemas.microsoft.com/office/powerpoint/2010/main" val="2913886570"/>
       </p:ext>
     </p:extLst>
   </p:cSld>
@@ -2812,2314 +1096,6 @@
 </file>
 
 <file path=ppt/slideLayouts/slideLayout3.xml><?xml version="1.0" encoding="utf-8"?>
-<p:sldLayout xmlns:a="http://schemas.openxmlformats.org/drawingml/2006/main" xmlns:r="http://schemas.openxmlformats.org/officeDocument/2006/relationships" xmlns:p="http://schemas.openxmlformats.org/presentationml/2006/main" type="secHead" preserve="1">
-  <p:cSld name="章節標題">
-    <p:spTree>
-      <p:nvGrpSpPr>
-        <p:cNvPr id="1" name=""/>
-        <p:cNvGrpSpPr/>
-        <p:nvPr/>
-      </p:nvGrpSpPr>
-      <p:grpSpPr>
-        <a:xfrm>
-          <a:off x="0" y="0"/>
-          <a:ext cx="0" cy="0"/>
-          <a:chOff x="0" y="0"/>
-          <a:chExt cx="0" cy="0"/>
-        </a:xfrm>
-      </p:grpSpPr>
-      <p:sp>
-        <p:nvSpPr>
-          <p:cNvPr id="2" name="標題 1">
-            <a:extLst>
-              <a:ext uri="{FF2B5EF4-FFF2-40B4-BE49-F238E27FC236}">
-                <a16:creationId xmlns:a16="http://schemas.microsoft.com/office/drawing/2014/main" id="{CE768223-9832-40C6-9F3C-AE20E7AB8621}"/>
-              </a:ext>
-            </a:extLst>
-          </p:cNvPr>
-          <p:cNvSpPr>
-            <a:spLocks noGrp="1"/>
-          </p:cNvSpPr>
-          <p:nvPr>
-            <p:ph type="title"/>
-          </p:nvPr>
-        </p:nvSpPr>
-        <p:spPr>
-          <a:xfrm>
-            <a:off x="831850" y="1709738"/>
-            <a:ext cx="10515600" cy="2852737"/>
-          </a:xfrm>
-        </p:spPr>
-        <p:txBody>
-          <a:bodyPr anchor="b"/>
-          <a:lstStyle>
-            <a:lvl1pPr>
-              <a:defRPr sz="6000"/>
-            </a:lvl1pPr>
-          </a:lstStyle>
-          <a:p>
-            <a:r>
-              <a:rPr lang="zh-TW" altLang="en-US"/>
-              <a:t>按一下以編輯母片標題樣式</a:t>
-            </a:r>
-          </a:p>
-        </p:txBody>
-      </p:sp>
-      <p:sp>
-        <p:nvSpPr>
-          <p:cNvPr id="3" name="文字版面配置區 2">
-            <a:extLst>
-              <a:ext uri="{FF2B5EF4-FFF2-40B4-BE49-F238E27FC236}">
-                <a16:creationId xmlns:a16="http://schemas.microsoft.com/office/drawing/2014/main" id="{0DA52283-8089-4430-AD3E-3D1C2559F3A0}"/>
-              </a:ext>
-            </a:extLst>
-          </p:cNvPr>
-          <p:cNvSpPr>
-            <a:spLocks noGrp="1"/>
-          </p:cNvSpPr>
-          <p:nvPr>
-            <p:ph type="body" idx="1"/>
-          </p:nvPr>
-        </p:nvSpPr>
-        <p:spPr>
-          <a:xfrm>
-            <a:off x="831850" y="4589463"/>
-            <a:ext cx="10515600" cy="1500187"/>
-          </a:xfrm>
-        </p:spPr>
-        <p:txBody>
-          <a:bodyPr/>
-          <a:lstStyle>
-            <a:lvl1pPr marL="0" indent="0">
-              <a:buNone/>
-              <a:defRPr sz="2400">
-                <a:solidFill>
-                  <a:schemeClr val="tx1">
-                    <a:tint val="75000"/>
-                  </a:schemeClr>
-                </a:solidFill>
-              </a:defRPr>
-            </a:lvl1pPr>
-            <a:lvl2pPr marL="457200" indent="0">
-              <a:buNone/>
-              <a:defRPr sz="2000">
-                <a:solidFill>
-                  <a:schemeClr val="tx1">
-                    <a:tint val="75000"/>
-                  </a:schemeClr>
-                </a:solidFill>
-              </a:defRPr>
-            </a:lvl2pPr>
-            <a:lvl3pPr marL="914400" indent="0">
-              <a:buNone/>
-              <a:defRPr sz="1800">
-                <a:solidFill>
-                  <a:schemeClr val="tx1">
-                    <a:tint val="75000"/>
-                  </a:schemeClr>
-                </a:solidFill>
-              </a:defRPr>
-            </a:lvl3pPr>
-            <a:lvl4pPr marL="1371600" indent="0">
-              <a:buNone/>
-              <a:defRPr sz="1600">
-                <a:solidFill>
-                  <a:schemeClr val="tx1">
-                    <a:tint val="75000"/>
-                  </a:schemeClr>
-                </a:solidFill>
-              </a:defRPr>
-            </a:lvl4pPr>
-            <a:lvl5pPr marL="1828800" indent="0">
-              <a:buNone/>
-              <a:defRPr sz="1600">
-                <a:solidFill>
-                  <a:schemeClr val="tx1">
-                    <a:tint val="75000"/>
-                  </a:schemeClr>
-                </a:solidFill>
-              </a:defRPr>
-            </a:lvl5pPr>
-            <a:lvl6pPr marL="2286000" indent="0">
-              <a:buNone/>
-              <a:defRPr sz="1600">
-                <a:solidFill>
-                  <a:schemeClr val="tx1">
-                    <a:tint val="75000"/>
-                  </a:schemeClr>
-                </a:solidFill>
-              </a:defRPr>
-            </a:lvl6pPr>
-            <a:lvl7pPr marL="2743200" indent="0">
-              <a:buNone/>
-              <a:defRPr sz="1600">
-                <a:solidFill>
-                  <a:schemeClr val="tx1">
-                    <a:tint val="75000"/>
-                  </a:schemeClr>
-                </a:solidFill>
-              </a:defRPr>
-            </a:lvl7pPr>
-            <a:lvl8pPr marL="3200400" indent="0">
-              <a:buNone/>
-              <a:defRPr sz="1600">
-                <a:solidFill>
-                  <a:schemeClr val="tx1">
-                    <a:tint val="75000"/>
-                  </a:schemeClr>
-                </a:solidFill>
-              </a:defRPr>
-            </a:lvl8pPr>
-            <a:lvl9pPr marL="3657600" indent="0">
-              <a:buNone/>
-              <a:defRPr sz="1600">
-                <a:solidFill>
-                  <a:schemeClr val="tx1">
-                    <a:tint val="75000"/>
-                  </a:schemeClr>
-                </a:solidFill>
-              </a:defRPr>
-            </a:lvl9pPr>
-          </a:lstStyle>
-          <a:p>
-            <a:pPr lvl="0"/>
-            <a:r>
-              <a:rPr lang="zh-TW" altLang="en-US"/>
-              <a:t>按一下以編輯母片文字樣式</a:t>
-            </a:r>
-          </a:p>
-        </p:txBody>
-      </p:sp>
-      <p:sp>
-        <p:nvSpPr>
-          <p:cNvPr id="7" name="頁尾版面配置區 4">
-            <a:extLst>
-              <a:ext uri="{FF2B5EF4-FFF2-40B4-BE49-F238E27FC236}">
-                <a16:creationId xmlns:a16="http://schemas.microsoft.com/office/drawing/2014/main" id="{FD7123E0-421B-4835-AD6B-2FDC040BCC53}"/>
-              </a:ext>
-            </a:extLst>
-          </p:cNvPr>
-          <p:cNvSpPr txBox="1">
-            <a:spLocks/>
-          </p:cNvSpPr>
-          <p:nvPr/>
-        </p:nvSpPr>
-        <p:spPr>
-          <a:xfrm>
-            <a:off x="0" y="6492875"/>
-            <a:ext cx="2743200" cy="365125"/>
-          </a:xfrm>
-          <a:prstGeom prst="rect">
-            <a:avLst/>
-          </a:prstGeom>
-        </p:spPr>
-        <p:txBody>
-          <a:bodyPr vert="horz" lIns="91440" tIns="45720" rIns="91440" bIns="45720" rtlCol="0" anchor="ctr"/>
-          <a:lstStyle>
-            <a:defPPr>
-              <a:defRPr lang="zh-TW"/>
-            </a:defPPr>
-            <a:lvl1pPr marL="0" algn="l" defTabSz="914400" rtl="0" eaLnBrk="1" latinLnBrk="0" hangingPunct="1">
-              <a:defRPr sz="1200" kern="1200">
-                <a:solidFill>
-                  <a:schemeClr val="tx1">
-                    <a:tint val="75000"/>
-                  </a:schemeClr>
-                </a:solidFill>
-                <a:latin typeface="+mn-lt"/>
-                <a:ea typeface="+mn-ea"/>
-                <a:cs typeface="+mn-cs"/>
-              </a:defRPr>
-            </a:lvl1pPr>
-            <a:lvl2pPr marL="457200" algn="l" defTabSz="914400" rtl="0" eaLnBrk="1" latinLnBrk="0" hangingPunct="1">
-              <a:defRPr sz="1800" kern="1200">
-                <a:solidFill>
-                  <a:schemeClr val="tx1"/>
-                </a:solidFill>
-                <a:latin typeface="+mn-lt"/>
-                <a:ea typeface="+mn-ea"/>
-                <a:cs typeface="+mn-cs"/>
-              </a:defRPr>
-            </a:lvl2pPr>
-            <a:lvl3pPr marL="914400" algn="l" defTabSz="914400" rtl="0" eaLnBrk="1" latinLnBrk="0" hangingPunct="1">
-              <a:defRPr sz="1800" kern="1200">
-                <a:solidFill>
-                  <a:schemeClr val="tx1"/>
-                </a:solidFill>
-                <a:latin typeface="+mn-lt"/>
-                <a:ea typeface="+mn-ea"/>
-                <a:cs typeface="+mn-cs"/>
-              </a:defRPr>
-            </a:lvl3pPr>
-            <a:lvl4pPr marL="1371600" algn="l" defTabSz="914400" rtl="0" eaLnBrk="1" latinLnBrk="0" hangingPunct="1">
-              <a:defRPr sz="1800" kern="1200">
-                <a:solidFill>
-                  <a:schemeClr val="tx1"/>
-                </a:solidFill>
-                <a:latin typeface="+mn-lt"/>
-                <a:ea typeface="+mn-ea"/>
-                <a:cs typeface="+mn-cs"/>
-              </a:defRPr>
-            </a:lvl4pPr>
-            <a:lvl5pPr marL="1828800" algn="l" defTabSz="914400" rtl="0" eaLnBrk="1" latinLnBrk="0" hangingPunct="1">
-              <a:defRPr sz="1800" kern="1200">
-                <a:solidFill>
-                  <a:schemeClr val="tx1"/>
-                </a:solidFill>
-                <a:latin typeface="+mn-lt"/>
-                <a:ea typeface="+mn-ea"/>
-                <a:cs typeface="+mn-cs"/>
-              </a:defRPr>
-            </a:lvl5pPr>
-            <a:lvl6pPr marL="2286000" algn="l" defTabSz="914400" rtl="0" eaLnBrk="1" latinLnBrk="0" hangingPunct="1">
-              <a:defRPr sz="1800" kern="1200">
-                <a:solidFill>
-                  <a:schemeClr val="tx1"/>
-                </a:solidFill>
-                <a:latin typeface="+mn-lt"/>
-                <a:ea typeface="+mn-ea"/>
-                <a:cs typeface="+mn-cs"/>
-              </a:defRPr>
-            </a:lvl6pPr>
-            <a:lvl7pPr marL="2743200" algn="l" defTabSz="914400" rtl="0" eaLnBrk="1" latinLnBrk="0" hangingPunct="1">
-              <a:defRPr sz="1800" kern="1200">
-                <a:solidFill>
-                  <a:schemeClr val="tx1"/>
-                </a:solidFill>
-                <a:latin typeface="+mn-lt"/>
-                <a:ea typeface="+mn-ea"/>
-                <a:cs typeface="+mn-cs"/>
-              </a:defRPr>
-            </a:lvl7pPr>
-            <a:lvl8pPr marL="3200400" algn="l" defTabSz="914400" rtl="0" eaLnBrk="1" latinLnBrk="0" hangingPunct="1">
-              <a:defRPr sz="1800" kern="1200">
-                <a:solidFill>
-                  <a:schemeClr val="tx1"/>
-                </a:solidFill>
-                <a:latin typeface="+mn-lt"/>
-                <a:ea typeface="+mn-ea"/>
-                <a:cs typeface="+mn-cs"/>
-              </a:defRPr>
-            </a:lvl8pPr>
-            <a:lvl9pPr marL="3657600" algn="l" defTabSz="914400" rtl="0" eaLnBrk="1" latinLnBrk="0" hangingPunct="1">
-              <a:defRPr sz="1800" kern="1200">
-                <a:solidFill>
-                  <a:schemeClr val="tx1"/>
-                </a:solidFill>
-                <a:latin typeface="+mn-lt"/>
-                <a:ea typeface="+mn-ea"/>
-                <a:cs typeface="+mn-cs"/>
-              </a:defRPr>
-            </a:lvl9pPr>
-          </a:lstStyle>
-          <a:p>
-            <a:r>
-              <a:rPr lang="en-US" altLang="zh-TW"/>
-              <a:t>TYIC</a:t>
-            </a:r>
-            <a:r>
-              <a:rPr lang="zh-TW" altLang="en-US"/>
-              <a:t>桃高資訊社</a:t>
-            </a:r>
-          </a:p>
-        </p:txBody>
-      </p:sp>
-      <p:sp>
-        <p:nvSpPr>
-          <p:cNvPr id="8" name="投影片編號版面配置區 5">
-            <a:extLst>
-              <a:ext uri="{FF2B5EF4-FFF2-40B4-BE49-F238E27FC236}">
-                <a16:creationId xmlns:a16="http://schemas.microsoft.com/office/drawing/2014/main" id="{013C5E04-2F03-430B-BA13-D3137E372625}"/>
-              </a:ext>
-            </a:extLst>
-          </p:cNvPr>
-          <p:cNvSpPr txBox="1">
-            <a:spLocks/>
-          </p:cNvSpPr>
-          <p:nvPr/>
-        </p:nvSpPr>
-        <p:spPr>
-          <a:xfrm>
-            <a:off x="9448800" y="6492874"/>
-            <a:ext cx="2743200" cy="365125"/>
-          </a:xfrm>
-          <a:prstGeom prst="rect">
-            <a:avLst/>
-          </a:prstGeom>
-        </p:spPr>
-        <p:txBody>
-          <a:bodyPr vert="horz" lIns="91440" tIns="45720" rIns="91440" bIns="45720" rtlCol="0" anchor="ctr"/>
-          <a:lstStyle>
-            <a:defPPr>
-              <a:defRPr lang="zh-TW"/>
-            </a:defPPr>
-            <a:lvl1pPr marL="0" algn="r" defTabSz="914400" rtl="0" eaLnBrk="1" latinLnBrk="0" hangingPunct="1">
-              <a:defRPr sz="1200" kern="1200">
-                <a:solidFill>
-                  <a:schemeClr val="tx1">
-                    <a:tint val="75000"/>
-                  </a:schemeClr>
-                </a:solidFill>
-                <a:latin typeface="+mn-lt"/>
-                <a:ea typeface="+mn-ea"/>
-                <a:cs typeface="+mn-cs"/>
-              </a:defRPr>
-            </a:lvl1pPr>
-            <a:lvl2pPr marL="457200" algn="l" defTabSz="914400" rtl="0" eaLnBrk="1" latinLnBrk="0" hangingPunct="1">
-              <a:defRPr sz="1800" kern="1200">
-                <a:solidFill>
-                  <a:schemeClr val="tx1"/>
-                </a:solidFill>
-                <a:latin typeface="+mn-lt"/>
-                <a:ea typeface="+mn-ea"/>
-                <a:cs typeface="+mn-cs"/>
-              </a:defRPr>
-            </a:lvl2pPr>
-            <a:lvl3pPr marL="914400" algn="l" defTabSz="914400" rtl="0" eaLnBrk="1" latinLnBrk="0" hangingPunct="1">
-              <a:defRPr sz="1800" kern="1200">
-                <a:solidFill>
-                  <a:schemeClr val="tx1"/>
-                </a:solidFill>
-                <a:latin typeface="+mn-lt"/>
-                <a:ea typeface="+mn-ea"/>
-                <a:cs typeface="+mn-cs"/>
-              </a:defRPr>
-            </a:lvl3pPr>
-            <a:lvl4pPr marL="1371600" algn="l" defTabSz="914400" rtl="0" eaLnBrk="1" latinLnBrk="0" hangingPunct="1">
-              <a:defRPr sz="1800" kern="1200">
-                <a:solidFill>
-                  <a:schemeClr val="tx1"/>
-                </a:solidFill>
-                <a:latin typeface="+mn-lt"/>
-                <a:ea typeface="+mn-ea"/>
-                <a:cs typeface="+mn-cs"/>
-              </a:defRPr>
-            </a:lvl4pPr>
-            <a:lvl5pPr marL="1828800" algn="l" defTabSz="914400" rtl="0" eaLnBrk="1" latinLnBrk="0" hangingPunct="1">
-              <a:defRPr sz="1800" kern="1200">
-                <a:solidFill>
-                  <a:schemeClr val="tx1"/>
-                </a:solidFill>
-                <a:latin typeface="+mn-lt"/>
-                <a:ea typeface="+mn-ea"/>
-                <a:cs typeface="+mn-cs"/>
-              </a:defRPr>
-            </a:lvl5pPr>
-            <a:lvl6pPr marL="2286000" algn="l" defTabSz="914400" rtl="0" eaLnBrk="1" latinLnBrk="0" hangingPunct="1">
-              <a:defRPr sz="1800" kern="1200">
-                <a:solidFill>
-                  <a:schemeClr val="tx1"/>
-                </a:solidFill>
-                <a:latin typeface="+mn-lt"/>
-                <a:ea typeface="+mn-ea"/>
-                <a:cs typeface="+mn-cs"/>
-              </a:defRPr>
-            </a:lvl6pPr>
-            <a:lvl7pPr marL="2743200" algn="l" defTabSz="914400" rtl="0" eaLnBrk="1" latinLnBrk="0" hangingPunct="1">
-              <a:defRPr sz="1800" kern="1200">
-                <a:solidFill>
-                  <a:schemeClr val="tx1"/>
-                </a:solidFill>
-                <a:latin typeface="+mn-lt"/>
-                <a:ea typeface="+mn-ea"/>
-                <a:cs typeface="+mn-cs"/>
-              </a:defRPr>
-            </a:lvl7pPr>
-            <a:lvl8pPr marL="3200400" algn="l" defTabSz="914400" rtl="0" eaLnBrk="1" latinLnBrk="0" hangingPunct="1">
-              <a:defRPr sz="1800" kern="1200">
-                <a:solidFill>
-                  <a:schemeClr val="tx1"/>
-                </a:solidFill>
-                <a:latin typeface="+mn-lt"/>
-                <a:ea typeface="+mn-ea"/>
-                <a:cs typeface="+mn-cs"/>
-              </a:defRPr>
-            </a:lvl8pPr>
-            <a:lvl9pPr marL="3657600" algn="l" defTabSz="914400" rtl="0" eaLnBrk="1" latinLnBrk="0" hangingPunct="1">
-              <a:defRPr sz="1800" kern="1200">
-                <a:solidFill>
-                  <a:schemeClr val="tx1"/>
-                </a:solidFill>
-                <a:latin typeface="+mn-lt"/>
-                <a:ea typeface="+mn-ea"/>
-                <a:cs typeface="+mn-cs"/>
-              </a:defRPr>
-            </a:lvl9pPr>
-          </a:lstStyle>
-          <a:p>
-            <a:fld id="{D4328D90-2A6F-4F23-88A8-C5DCC2B5F307}" type="slidenum">
-              <a:rPr lang="zh-TW" altLang="en-US" smtClean="0"/>
-              <a:pPr/>
-              <a:t>‹#›</a:t>
-            </a:fld>
-            <a:endParaRPr lang="zh-TW" altLang="en-US"/>
-          </a:p>
-        </p:txBody>
-      </p:sp>
-      <p:sp>
-        <p:nvSpPr>
-          <p:cNvPr id="6" name="頁尾版面配置區 4">
-            <a:extLst>
-              <a:ext uri="{FF2B5EF4-FFF2-40B4-BE49-F238E27FC236}">
-                <a16:creationId xmlns:a16="http://schemas.microsoft.com/office/drawing/2014/main" id="{C4CC887B-C0A8-4A82-9A58-FE8B0FAD3FD6}"/>
-              </a:ext>
-            </a:extLst>
-          </p:cNvPr>
-          <p:cNvSpPr txBox="1">
-            <a:spLocks/>
-          </p:cNvSpPr>
-          <p:nvPr/>
-        </p:nvSpPr>
-        <p:spPr>
-          <a:xfrm>
-            <a:off x="0" y="6492875"/>
-            <a:ext cx="2743200" cy="365125"/>
-          </a:xfrm>
-          <a:prstGeom prst="rect">
-            <a:avLst/>
-          </a:prstGeom>
-        </p:spPr>
-        <p:txBody>
-          <a:bodyPr vert="horz" lIns="91440" tIns="45720" rIns="91440" bIns="45720" rtlCol="0" anchor="ctr"/>
-          <a:lstStyle>
-            <a:defPPr>
-              <a:defRPr lang="zh-TW"/>
-            </a:defPPr>
-            <a:lvl1pPr marL="0" algn="l" defTabSz="914400" rtl="0" eaLnBrk="1" latinLnBrk="0" hangingPunct="1">
-              <a:defRPr sz="1200" kern="1200">
-                <a:solidFill>
-                  <a:schemeClr val="tx1">
-                    <a:tint val="75000"/>
-                  </a:schemeClr>
-                </a:solidFill>
-                <a:latin typeface="+mn-lt"/>
-                <a:ea typeface="+mn-ea"/>
-                <a:cs typeface="+mn-cs"/>
-              </a:defRPr>
-            </a:lvl1pPr>
-            <a:lvl2pPr marL="457200" algn="l" defTabSz="914400" rtl="0" eaLnBrk="1" latinLnBrk="0" hangingPunct="1">
-              <a:defRPr sz="1800" kern="1200">
-                <a:solidFill>
-                  <a:schemeClr val="tx1"/>
-                </a:solidFill>
-                <a:latin typeface="+mn-lt"/>
-                <a:ea typeface="+mn-ea"/>
-                <a:cs typeface="+mn-cs"/>
-              </a:defRPr>
-            </a:lvl2pPr>
-            <a:lvl3pPr marL="914400" algn="l" defTabSz="914400" rtl="0" eaLnBrk="1" latinLnBrk="0" hangingPunct="1">
-              <a:defRPr sz="1800" kern="1200">
-                <a:solidFill>
-                  <a:schemeClr val="tx1"/>
-                </a:solidFill>
-                <a:latin typeface="+mn-lt"/>
-                <a:ea typeface="+mn-ea"/>
-                <a:cs typeface="+mn-cs"/>
-              </a:defRPr>
-            </a:lvl3pPr>
-            <a:lvl4pPr marL="1371600" algn="l" defTabSz="914400" rtl="0" eaLnBrk="1" latinLnBrk="0" hangingPunct="1">
-              <a:defRPr sz="1800" kern="1200">
-                <a:solidFill>
-                  <a:schemeClr val="tx1"/>
-                </a:solidFill>
-                <a:latin typeface="+mn-lt"/>
-                <a:ea typeface="+mn-ea"/>
-                <a:cs typeface="+mn-cs"/>
-              </a:defRPr>
-            </a:lvl4pPr>
-            <a:lvl5pPr marL="1828800" algn="l" defTabSz="914400" rtl="0" eaLnBrk="1" latinLnBrk="0" hangingPunct="1">
-              <a:defRPr sz="1800" kern="1200">
-                <a:solidFill>
-                  <a:schemeClr val="tx1"/>
-                </a:solidFill>
-                <a:latin typeface="+mn-lt"/>
-                <a:ea typeface="+mn-ea"/>
-                <a:cs typeface="+mn-cs"/>
-              </a:defRPr>
-            </a:lvl5pPr>
-            <a:lvl6pPr marL="2286000" algn="l" defTabSz="914400" rtl="0" eaLnBrk="1" latinLnBrk="0" hangingPunct="1">
-              <a:defRPr sz="1800" kern="1200">
-                <a:solidFill>
-                  <a:schemeClr val="tx1"/>
-                </a:solidFill>
-                <a:latin typeface="+mn-lt"/>
-                <a:ea typeface="+mn-ea"/>
-                <a:cs typeface="+mn-cs"/>
-              </a:defRPr>
-            </a:lvl6pPr>
-            <a:lvl7pPr marL="2743200" algn="l" defTabSz="914400" rtl="0" eaLnBrk="1" latinLnBrk="0" hangingPunct="1">
-              <a:defRPr sz="1800" kern="1200">
-                <a:solidFill>
-                  <a:schemeClr val="tx1"/>
-                </a:solidFill>
-                <a:latin typeface="+mn-lt"/>
-                <a:ea typeface="+mn-ea"/>
-                <a:cs typeface="+mn-cs"/>
-              </a:defRPr>
-            </a:lvl7pPr>
-            <a:lvl8pPr marL="3200400" algn="l" defTabSz="914400" rtl="0" eaLnBrk="1" latinLnBrk="0" hangingPunct="1">
-              <a:defRPr sz="1800" kern="1200">
-                <a:solidFill>
-                  <a:schemeClr val="tx1"/>
-                </a:solidFill>
-                <a:latin typeface="+mn-lt"/>
-                <a:ea typeface="+mn-ea"/>
-                <a:cs typeface="+mn-cs"/>
-              </a:defRPr>
-            </a:lvl8pPr>
-            <a:lvl9pPr marL="3657600" algn="l" defTabSz="914400" rtl="0" eaLnBrk="1" latinLnBrk="0" hangingPunct="1">
-              <a:defRPr sz="1800" kern="1200">
-                <a:solidFill>
-                  <a:schemeClr val="tx1"/>
-                </a:solidFill>
-                <a:latin typeface="+mn-lt"/>
-                <a:ea typeface="+mn-ea"/>
-                <a:cs typeface="+mn-cs"/>
-              </a:defRPr>
-            </a:lvl9pPr>
-          </a:lstStyle>
-          <a:p>
-            <a:r>
-              <a:rPr lang="en-US" altLang="zh-TW" dirty="0"/>
-              <a:t>TYIC</a:t>
-            </a:r>
-            <a:r>
-              <a:rPr lang="zh-TW" altLang="en-US"/>
-              <a:t>桃高資訊社</a:t>
-            </a:r>
-          </a:p>
-        </p:txBody>
-      </p:sp>
-      <p:sp>
-        <p:nvSpPr>
-          <p:cNvPr id="9" name="投影片編號版面配置區 5">
-            <a:extLst>
-              <a:ext uri="{FF2B5EF4-FFF2-40B4-BE49-F238E27FC236}">
-                <a16:creationId xmlns:a16="http://schemas.microsoft.com/office/drawing/2014/main" id="{6B740742-BB51-4CCB-AA18-2F0900F32D31}"/>
-              </a:ext>
-            </a:extLst>
-          </p:cNvPr>
-          <p:cNvSpPr txBox="1">
-            <a:spLocks/>
-          </p:cNvSpPr>
-          <p:nvPr/>
-        </p:nvSpPr>
-        <p:spPr>
-          <a:xfrm>
-            <a:off x="9448800" y="6492874"/>
-            <a:ext cx="2743200" cy="365125"/>
-          </a:xfrm>
-          <a:prstGeom prst="rect">
-            <a:avLst/>
-          </a:prstGeom>
-        </p:spPr>
-        <p:txBody>
-          <a:bodyPr vert="horz" lIns="91440" tIns="45720" rIns="91440" bIns="45720" rtlCol="0" anchor="ctr"/>
-          <a:lstStyle>
-            <a:defPPr>
-              <a:defRPr lang="zh-TW"/>
-            </a:defPPr>
-            <a:lvl1pPr marL="0" algn="r" defTabSz="914400" rtl="0" eaLnBrk="1" latinLnBrk="0" hangingPunct="1">
-              <a:defRPr sz="1200" kern="1200">
-                <a:solidFill>
-                  <a:schemeClr val="tx1">
-                    <a:tint val="75000"/>
-                  </a:schemeClr>
-                </a:solidFill>
-                <a:latin typeface="+mn-lt"/>
-                <a:ea typeface="+mn-ea"/>
-                <a:cs typeface="+mn-cs"/>
-              </a:defRPr>
-            </a:lvl1pPr>
-            <a:lvl2pPr marL="457200" algn="l" defTabSz="914400" rtl="0" eaLnBrk="1" latinLnBrk="0" hangingPunct="1">
-              <a:defRPr sz="1800" kern="1200">
-                <a:solidFill>
-                  <a:schemeClr val="tx1"/>
-                </a:solidFill>
-                <a:latin typeface="+mn-lt"/>
-                <a:ea typeface="+mn-ea"/>
-                <a:cs typeface="+mn-cs"/>
-              </a:defRPr>
-            </a:lvl2pPr>
-            <a:lvl3pPr marL="914400" algn="l" defTabSz="914400" rtl="0" eaLnBrk="1" latinLnBrk="0" hangingPunct="1">
-              <a:defRPr sz="1800" kern="1200">
-                <a:solidFill>
-                  <a:schemeClr val="tx1"/>
-                </a:solidFill>
-                <a:latin typeface="+mn-lt"/>
-                <a:ea typeface="+mn-ea"/>
-                <a:cs typeface="+mn-cs"/>
-              </a:defRPr>
-            </a:lvl3pPr>
-            <a:lvl4pPr marL="1371600" algn="l" defTabSz="914400" rtl="0" eaLnBrk="1" latinLnBrk="0" hangingPunct="1">
-              <a:defRPr sz="1800" kern="1200">
-                <a:solidFill>
-                  <a:schemeClr val="tx1"/>
-                </a:solidFill>
-                <a:latin typeface="+mn-lt"/>
-                <a:ea typeface="+mn-ea"/>
-                <a:cs typeface="+mn-cs"/>
-              </a:defRPr>
-            </a:lvl4pPr>
-            <a:lvl5pPr marL="1828800" algn="l" defTabSz="914400" rtl="0" eaLnBrk="1" latinLnBrk="0" hangingPunct="1">
-              <a:defRPr sz="1800" kern="1200">
-                <a:solidFill>
-                  <a:schemeClr val="tx1"/>
-                </a:solidFill>
-                <a:latin typeface="+mn-lt"/>
-                <a:ea typeface="+mn-ea"/>
-                <a:cs typeface="+mn-cs"/>
-              </a:defRPr>
-            </a:lvl5pPr>
-            <a:lvl6pPr marL="2286000" algn="l" defTabSz="914400" rtl="0" eaLnBrk="1" latinLnBrk="0" hangingPunct="1">
-              <a:defRPr sz="1800" kern="1200">
-                <a:solidFill>
-                  <a:schemeClr val="tx1"/>
-                </a:solidFill>
-                <a:latin typeface="+mn-lt"/>
-                <a:ea typeface="+mn-ea"/>
-                <a:cs typeface="+mn-cs"/>
-              </a:defRPr>
-            </a:lvl6pPr>
-            <a:lvl7pPr marL="2743200" algn="l" defTabSz="914400" rtl="0" eaLnBrk="1" latinLnBrk="0" hangingPunct="1">
-              <a:defRPr sz="1800" kern="1200">
-                <a:solidFill>
-                  <a:schemeClr val="tx1"/>
-                </a:solidFill>
-                <a:latin typeface="+mn-lt"/>
-                <a:ea typeface="+mn-ea"/>
-                <a:cs typeface="+mn-cs"/>
-              </a:defRPr>
-            </a:lvl7pPr>
-            <a:lvl8pPr marL="3200400" algn="l" defTabSz="914400" rtl="0" eaLnBrk="1" latinLnBrk="0" hangingPunct="1">
-              <a:defRPr sz="1800" kern="1200">
-                <a:solidFill>
-                  <a:schemeClr val="tx1"/>
-                </a:solidFill>
-                <a:latin typeface="+mn-lt"/>
-                <a:ea typeface="+mn-ea"/>
-                <a:cs typeface="+mn-cs"/>
-              </a:defRPr>
-            </a:lvl8pPr>
-            <a:lvl9pPr marL="3657600" algn="l" defTabSz="914400" rtl="0" eaLnBrk="1" latinLnBrk="0" hangingPunct="1">
-              <a:defRPr sz="1800" kern="1200">
-                <a:solidFill>
-                  <a:schemeClr val="tx1"/>
-                </a:solidFill>
-                <a:latin typeface="+mn-lt"/>
-                <a:ea typeface="+mn-ea"/>
-                <a:cs typeface="+mn-cs"/>
-              </a:defRPr>
-            </a:lvl9pPr>
-          </a:lstStyle>
-          <a:p>
-            <a:fld id="{D4328D90-2A6F-4F23-88A8-C5DCC2B5F307}" type="slidenum">
-              <a:rPr lang="zh-TW" altLang="en-US" smtClean="0"/>
-              <a:pPr/>
-              <a:t>‹#›</a:t>
-            </a:fld>
-            <a:endParaRPr lang="zh-TW" altLang="en-US"/>
-          </a:p>
-        </p:txBody>
-      </p:sp>
-    </p:spTree>
-    <p:extLst>
-      <p:ext uri="{BB962C8B-B14F-4D97-AF65-F5344CB8AC3E}">
-        <p14:creationId xmlns:p14="http://schemas.microsoft.com/office/powerpoint/2010/main" val="1483694747"/>
-      </p:ext>
-    </p:extLst>
-  </p:cSld>
-  <p:clrMapOvr>
-    <a:masterClrMapping/>
-  </p:clrMapOvr>
-  <p:transition spd="slow">
-    <p:push dir="u"/>
-  </p:transition>
-</p:sldLayout>
-</file>
-
-<file path=ppt/slideLayouts/slideLayout4.xml><?xml version="1.0" encoding="utf-8"?>
-<p:sldLayout xmlns:a="http://schemas.openxmlformats.org/drawingml/2006/main" xmlns:r="http://schemas.openxmlformats.org/officeDocument/2006/relationships" xmlns:p="http://schemas.openxmlformats.org/presentationml/2006/main" type="twoObj" preserve="1">
-  <p:cSld name="兩個內容">
-    <p:spTree>
-      <p:nvGrpSpPr>
-        <p:cNvPr id="1" name=""/>
-        <p:cNvGrpSpPr/>
-        <p:nvPr/>
-      </p:nvGrpSpPr>
-      <p:grpSpPr>
-        <a:xfrm>
-          <a:off x="0" y="0"/>
-          <a:ext cx="0" cy="0"/>
-          <a:chOff x="0" y="0"/>
-          <a:chExt cx="0" cy="0"/>
-        </a:xfrm>
-      </p:grpSpPr>
-      <p:sp>
-        <p:nvSpPr>
-          <p:cNvPr id="2" name="標題 1">
-            <a:extLst>
-              <a:ext uri="{FF2B5EF4-FFF2-40B4-BE49-F238E27FC236}">
-                <a16:creationId xmlns:a16="http://schemas.microsoft.com/office/drawing/2014/main" id="{98909132-6CD8-4DB4-8922-349AAC7CBF28}"/>
-              </a:ext>
-            </a:extLst>
-          </p:cNvPr>
-          <p:cNvSpPr>
-            <a:spLocks noGrp="1"/>
-          </p:cNvSpPr>
-          <p:nvPr>
-            <p:ph type="title"/>
-          </p:nvPr>
-        </p:nvSpPr>
-        <p:spPr/>
-        <p:txBody>
-          <a:bodyPr/>
-          <a:lstStyle/>
-          <a:p>
-            <a:r>
-              <a:rPr lang="zh-TW" altLang="en-US"/>
-              <a:t>按一下以編輯母片標題樣式</a:t>
-            </a:r>
-          </a:p>
-        </p:txBody>
-      </p:sp>
-      <p:sp>
-        <p:nvSpPr>
-          <p:cNvPr id="3" name="內容版面配置區 2">
-            <a:extLst>
-              <a:ext uri="{FF2B5EF4-FFF2-40B4-BE49-F238E27FC236}">
-                <a16:creationId xmlns:a16="http://schemas.microsoft.com/office/drawing/2014/main" id="{EB255D59-E76E-4ADA-A943-4A398DF946C0}"/>
-              </a:ext>
-            </a:extLst>
-          </p:cNvPr>
-          <p:cNvSpPr>
-            <a:spLocks noGrp="1"/>
-          </p:cNvSpPr>
-          <p:nvPr>
-            <p:ph sz="half" idx="1"/>
-          </p:nvPr>
-        </p:nvSpPr>
-        <p:spPr>
-          <a:xfrm>
-            <a:off x="838200" y="1825625"/>
-            <a:ext cx="5181600" cy="4351338"/>
-          </a:xfrm>
-        </p:spPr>
-        <p:txBody>
-          <a:bodyPr/>
-          <a:lstStyle/>
-          <a:p>
-            <a:pPr lvl="0"/>
-            <a:r>
-              <a:rPr lang="zh-TW" altLang="en-US"/>
-              <a:t>按一下以編輯母片文字樣式</a:t>
-            </a:r>
-          </a:p>
-          <a:p>
-            <a:pPr lvl="1"/>
-            <a:r>
-              <a:rPr lang="zh-TW" altLang="en-US"/>
-              <a:t>第二層</a:t>
-            </a:r>
-          </a:p>
-          <a:p>
-            <a:pPr lvl="2"/>
-            <a:r>
-              <a:rPr lang="zh-TW" altLang="en-US"/>
-              <a:t>第三層</a:t>
-            </a:r>
-          </a:p>
-          <a:p>
-            <a:pPr lvl="3"/>
-            <a:r>
-              <a:rPr lang="zh-TW" altLang="en-US"/>
-              <a:t>第四層</a:t>
-            </a:r>
-          </a:p>
-          <a:p>
-            <a:pPr lvl="4"/>
-            <a:r>
-              <a:rPr lang="zh-TW" altLang="en-US"/>
-              <a:t>第五層</a:t>
-            </a:r>
-          </a:p>
-        </p:txBody>
-      </p:sp>
-      <p:sp>
-        <p:nvSpPr>
-          <p:cNvPr id="4" name="內容版面配置區 3">
-            <a:extLst>
-              <a:ext uri="{FF2B5EF4-FFF2-40B4-BE49-F238E27FC236}">
-                <a16:creationId xmlns:a16="http://schemas.microsoft.com/office/drawing/2014/main" id="{28909BA4-D9F5-4D3A-8AF7-74A53147863D}"/>
-              </a:ext>
-            </a:extLst>
-          </p:cNvPr>
-          <p:cNvSpPr>
-            <a:spLocks noGrp="1"/>
-          </p:cNvSpPr>
-          <p:nvPr>
-            <p:ph sz="half" idx="2"/>
-          </p:nvPr>
-        </p:nvSpPr>
-        <p:spPr>
-          <a:xfrm>
-            <a:off x="6172200" y="1825625"/>
-            <a:ext cx="5181600" cy="4351338"/>
-          </a:xfrm>
-        </p:spPr>
-        <p:txBody>
-          <a:bodyPr/>
-          <a:lstStyle/>
-          <a:p>
-            <a:pPr lvl="0"/>
-            <a:r>
-              <a:rPr lang="zh-TW" altLang="en-US"/>
-              <a:t>按一下以編輯母片文字樣式</a:t>
-            </a:r>
-          </a:p>
-          <a:p>
-            <a:pPr lvl="1"/>
-            <a:r>
-              <a:rPr lang="zh-TW" altLang="en-US"/>
-              <a:t>第二層</a:t>
-            </a:r>
-          </a:p>
-          <a:p>
-            <a:pPr lvl="2"/>
-            <a:r>
-              <a:rPr lang="zh-TW" altLang="en-US"/>
-              <a:t>第三層</a:t>
-            </a:r>
-          </a:p>
-          <a:p>
-            <a:pPr lvl="3"/>
-            <a:r>
-              <a:rPr lang="zh-TW" altLang="en-US"/>
-              <a:t>第四層</a:t>
-            </a:r>
-          </a:p>
-          <a:p>
-            <a:pPr lvl="4"/>
-            <a:r>
-              <a:rPr lang="zh-TW" altLang="en-US"/>
-              <a:t>第五層</a:t>
-            </a:r>
-          </a:p>
-        </p:txBody>
-      </p:sp>
-      <p:sp>
-        <p:nvSpPr>
-          <p:cNvPr id="8" name="頁尾版面配置區 4">
-            <a:extLst>
-              <a:ext uri="{FF2B5EF4-FFF2-40B4-BE49-F238E27FC236}">
-                <a16:creationId xmlns:a16="http://schemas.microsoft.com/office/drawing/2014/main" id="{260865D4-10BE-42AB-942E-8A6A7231E073}"/>
-              </a:ext>
-            </a:extLst>
-          </p:cNvPr>
-          <p:cNvSpPr txBox="1">
-            <a:spLocks/>
-          </p:cNvSpPr>
-          <p:nvPr/>
-        </p:nvSpPr>
-        <p:spPr>
-          <a:xfrm>
-            <a:off x="0" y="6492875"/>
-            <a:ext cx="2743200" cy="365125"/>
-          </a:xfrm>
-          <a:prstGeom prst="rect">
-            <a:avLst/>
-          </a:prstGeom>
-        </p:spPr>
-        <p:txBody>
-          <a:bodyPr vert="horz" lIns="91440" tIns="45720" rIns="91440" bIns="45720" rtlCol="0" anchor="ctr"/>
-          <a:lstStyle>
-            <a:defPPr>
-              <a:defRPr lang="zh-TW"/>
-            </a:defPPr>
-            <a:lvl1pPr marL="0" algn="l" defTabSz="914400" rtl="0" eaLnBrk="1" latinLnBrk="0" hangingPunct="1">
-              <a:defRPr sz="1200" kern="1200">
-                <a:solidFill>
-                  <a:schemeClr val="tx1">
-                    <a:tint val="75000"/>
-                  </a:schemeClr>
-                </a:solidFill>
-                <a:latin typeface="+mn-lt"/>
-                <a:ea typeface="+mn-ea"/>
-                <a:cs typeface="+mn-cs"/>
-              </a:defRPr>
-            </a:lvl1pPr>
-            <a:lvl2pPr marL="457200" algn="l" defTabSz="914400" rtl="0" eaLnBrk="1" latinLnBrk="0" hangingPunct="1">
-              <a:defRPr sz="1800" kern="1200">
-                <a:solidFill>
-                  <a:schemeClr val="tx1"/>
-                </a:solidFill>
-                <a:latin typeface="+mn-lt"/>
-                <a:ea typeface="+mn-ea"/>
-                <a:cs typeface="+mn-cs"/>
-              </a:defRPr>
-            </a:lvl2pPr>
-            <a:lvl3pPr marL="914400" algn="l" defTabSz="914400" rtl="0" eaLnBrk="1" latinLnBrk="0" hangingPunct="1">
-              <a:defRPr sz="1800" kern="1200">
-                <a:solidFill>
-                  <a:schemeClr val="tx1"/>
-                </a:solidFill>
-                <a:latin typeface="+mn-lt"/>
-                <a:ea typeface="+mn-ea"/>
-                <a:cs typeface="+mn-cs"/>
-              </a:defRPr>
-            </a:lvl3pPr>
-            <a:lvl4pPr marL="1371600" algn="l" defTabSz="914400" rtl="0" eaLnBrk="1" latinLnBrk="0" hangingPunct="1">
-              <a:defRPr sz="1800" kern="1200">
-                <a:solidFill>
-                  <a:schemeClr val="tx1"/>
-                </a:solidFill>
-                <a:latin typeface="+mn-lt"/>
-                <a:ea typeface="+mn-ea"/>
-                <a:cs typeface="+mn-cs"/>
-              </a:defRPr>
-            </a:lvl4pPr>
-            <a:lvl5pPr marL="1828800" algn="l" defTabSz="914400" rtl="0" eaLnBrk="1" latinLnBrk="0" hangingPunct="1">
-              <a:defRPr sz="1800" kern="1200">
-                <a:solidFill>
-                  <a:schemeClr val="tx1"/>
-                </a:solidFill>
-                <a:latin typeface="+mn-lt"/>
-                <a:ea typeface="+mn-ea"/>
-                <a:cs typeface="+mn-cs"/>
-              </a:defRPr>
-            </a:lvl5pPr>
-            <a:lvl6pPr marL="2286000" algn="l" defTabSz="914400" rtl="0" eaLnBrk="1" latinLnBrk="0" hangingPunct="1">
-              <a:defRPr sz="1800" kern="1200">
-                <a:solidFill>
-                  <a:schemeClr val="tx1"/>
-                </a:solidFill>
-                <a:latin typeface="+mn-lt"/>
-                <a:ea typeface="+mn-ea"/>
-                <a:cs typeface="+mn-cs"/>
-              </a:defRPr>
-            </a:lvl6pPr>
-            <a:lvl7pPr marL="2743200" algn="l" defTabSz="914400" rtl="0" eaLnBrk="1" latinLnBrk="0" hangingPunct="1">
-              <a:defRPr sz="1800" kern="1200">
-                <a:solidFill>
-                  <a:schemeClr val="tx1"/>
-                </a:solidFill>
-                <a:latin typeface="+mn-lt"/>
-                <a:ea typeface="+mn-ea"/>
-                <a:cs typeface="+mn-cs"/>
-              </a:defRPr>
-            </a:lvl7pPr>
-            <a:lvl8pPr marL="3200400" algn="l" defTabSz="914400" rtl="0" eaLnBrk="1" latinLnBrk="0" hangingPunct="1">
-              <a:defRPr sz="1800" kern="1200">
-                <a:solidFill>
-                  <a:schemeClr val="tx1"/>
-                </a:solidFill>
-                <a:latin typeface="+mn-lt"/>
-                <a:ea typeface="+mn-ea"/>
-                <a:cs typeface="+mn-cs"/>
-              </a:defRPr>
-            </a:lvl8pPr>
-            <a:lvl9pPr marL="3657600" algn="l" defTabSz="914400" rtl="0" eaLnBrk="1" latinLnBrk="0" hangingPunct="1">
-              <a:defRPr sz="1800" kern="1200">
-                <a:solidFill>
-                  <a:schemeClr val="tx1"/>
-                </a:solidFill>
-                <a:latin typeface="+mn-lt"/>
-                <a:ea typeface="+mn-ea"/>
-                <a:cs typeface="+mn-cs"/>
-              </a:defRPr>
-            </a:lvl9pPr>
-          </a:lstStyle>
-          <a:p>
-            <a:r>
-              <a:rPr lang="en-US" altLang="zh-TW"/>
-              <a:t>TYIC</a:t>
-            </a:r>
-            <a:r>
-              <a:rPr lang="zh-TW" altLang="en-US"/>
-              <a:t>桃高資訊社</a:t>
-            </a:r>
-          </a:p>
-        </p:txBody>
-      </p:sp>
-      <p:sp>
-        <p:nvSpPr>
-          <p:cNvPr id="9" name="投影片編號版面配置區 5">
-            <a:extLst>
-              <a:ext uri="{FF2B5EF4-FFF2-40B4-BE49-F238E27FC236}">
-                <a16:creationId xmlns:a16="http://schemas.microsoft.com/office/drawing/2014/main" id="{086F29C3-C792-4CB1-A6F8-A95D8E6D4CBA}"/>
-              </a:ext>
-            </a:extLst>
-          </p:cNvPr>
-          <p:cNvSpPr txBox="1">
-            <a:spLocks/>
-          </p:cNvSpPr>
-          <p:nvPr/>
-        </p:nvSpPr>
-        <p:spPr>
-          <a:xfrm>
-            <a:off x="9448800" y="6492874"/>
-            <a:ext cx="2743200" cy="365125"/>
-          </a:xfrm>
-          <a:prstGeom prst="rect">
-            <a:avLst/>
-          </a:prstGeom>
-        </p:spPr>
-        <p:txBody>
-          <a:bodyPr vert="horz" lIns="91440" tIns="45720" rIns="91440" bIns="45720" rtlCol="0" anchor="ctr"/>
-          <a:lstStyle>
-            <a:defPPr>
-              <a:defRPr lang="zh-TW"/>
-            </a:defPPr>
-            <a:lvl1pPr marL="0" algn="r" defTabSz="914400" rtl="0" eaLnBrk="1" latinLnBrk="0" hangingPunct="1">
-              <a:defRPr sz="1200" kern="1200">
-                <a:solidFill>
-                  <a:schemeClr val="tx1">
-                    <a:tint val="75000"/>
-                  </a:schemeClr>
-                </a:solidFill>
-                <a:latin typeface="+mn-lt"/>
-                <a:ea typeface="+mn-ea"/>
-                <a:cs typeface="+mn-cs"/>
-              </a:defRPr>
-            </a:lvl1pPr>
-            <a:lvl2pPr marL="457200" algn="l" defTabSz="914400" rtl="0" eaLnBrk="1" latinLnBrk="0" hangingPunct="1">
-              <a:defRPr sz="1800" kern="1200">
-                <a:solidFill>
-                  <a:schemeClr val="tx1"/>
-                </a:solidFill>
-                <a:latin typeface="+mn-lt"/>
-                <a:ea typeface="+mn-ea"/>
-                <a:cs typeface="+mn-cs"/>
-              </a:defRPr>
-            </a:lvl2pPr>
-            <a:lvl3pPr marL="914400" algn="l" defTabSz="914400" rtl="0" eaLnBrk="1" latinLnBrk="0" hangingPunct="1">
-              <a:defRPr sz="1800" kern="1200">
-                <a:solidFill>
-                  <a:schemeClr val="tx1"/>
-                </a:solidFill>
-                <a:latin typeface="+mn-lt"/>
-                <a:ea typeface="+mn-ea"/>
-                <a:cs typeface="+mn-cs"/>
-              </a:defRPr>
-            </a:lvl3pPr>
-            <a:lvl4pPr marL="1371600" algn="l" defTabSz="914400" rtl="0" eaLnBrk="1" latinLnBrk="0" hangingPunct="1">
-              <a:defRPr sz="1800" kern="1200">
-                <a:solidFill>
-                  <a:schemeClr val="tx1"/>
-                </a:solidFill>
-                <a:latin typeface="+mn-lt"/>
-                <a:ea typeface="+mn-ea"/>
-                <a:cs typeface="+mn-cs"/>
-              </a:defRPr>
-            </a:lvl4pPr>
-            <a:lvl5pPr marL="1828800" algn="l" defTabSz="914400" rtl="0" eaLnBrk="1" latinLnBrk="0" hangingPunct="1">
-              <a:defRPr sz="1800" kern="1200">
-                <a:solidFill>
-                  <a:schemeClr val="tx1"/>
-                </a:solidFill>
-                <a:latin typeface="+mn-lt"/>
-                <a:ea typeface="+mn-ea"/>
-                <a:cs typeface="+mn-cs"/>
-              </a:defRPr>
-            </a:lvl5pPr>
-            <a:lvl6pPr marL="2286000" algn="l" defTabSz="914400" rtl="0" eaLnBrk="1" latinLnBrk="0" hangingPunct="1">
-              <a:defRPr sz="1800" kern="1200">
-                <a:solidFill>
-                  <a:schemeClr val="tx1"/>
-                </a:solidFill>
-                <a:latin typeface="+mn-lt"/>
-                <a:ea typeface="+mn-ea"/>
-                <a:cs typeface="+mn-cs"/>
-              </a:defRPr>
-            </a:lvl6pPr>
-            <a:lvl7pPr marL="2743200" algn="l" defTabSz="914400" rtl="0" eaLnBrk="1" latinLnBrk="0" hangingPunct="1">
-              <a:defRPr sz="1800" kern="1200">
-                <a:solidFill>
-                  <a:schemeClr val="tx1"/>
-                </a:solidFill>
-                <a:latin typeface="+mn-lt"/>
-                <a:ea typeface="+mn-ea"/>
-                <a:cs typeface="+mn-cs"/>
-              </a:defRPr>
-            </a:lvl7pPr>
-            <a:lvl8pPr marL="3200400" algn="l" defTabSz="914400" rtl="0" eaLnBrk="1" latinLnBrk="0" hangingPunct="1">
-              <a:defRPr sz="1800" kern="1200">
-                <a:solidFill>
-                  <a:schemeClr val="tx1"/>
-                </a:solidFill>
-                <a:latin typeface="+mn-lt"/>
-                <a:ea typeface="+mn-ea"/>
-                <a:cs typeface="+mn-cs"/>
-              </a:defRPr>
-            </a:lvl8pPr>
-            <a:lvl9pPr marL="3657600" algn="l" defTabSz="914400" rtl="0" eaLnBrk="1" latinLnBrk="0" hangingPunct="1">
-              <a:defRPr sz="1800" kern="1200">
-                <a:solidFill>
-                  <a:schemeClr val="tx1"/>
-                </a:solidFill>
-                <a:latin typeface="+mn-lt"/>
-                <a:ea typeface="+mn-ea"/>
-                <a:cs typeface="+mn-cs"/>
-              </a:defRPr>
-            </a:lvl9pPr>
-          </a:lstStyle>
-          <a:p>
-            <a:fld id="{D4328D90-2A6F-4F23-88A8-C5DCC2B5F307}" type="slidenum">
-              <a:rPr lang="zh-TW" altLang="en-US" smtClean="0"/>
-              <a:pPr/>
-              <a:t>‹#›</a:t>
-            </a:fld>
-            <a:endParaRPr lang="zh-TW" altLang="en-US"/>
-          </a:p>
-        </p:txBody>
-      </p:sp>
-      <p:sp>
-        <p:nvSpPr>
-          <p:cNvPr id="7" name="頁尾版面配置區 4">
-            <a:extLst>
-              <a:ext uri="{FF2B5EF4-FFF2-40B4-BE49-F238E27FC236}">
-                <a16:creationId xmlns:a16="http://schemas.microsoft.com/office/drawing/2014/main" id="{EF7FE82B-39CB-4D43-85C1-1888CFE5720D}"/>
-              </a:ext>
-            </a:extLst>
-          </p:cNvPr>
-          <p:cNvSpPr txBox="1">
-            <a:spLocks/>
-          </p:cNvSpPr>
-          <p:nvPr/>
-        </p:nvSpPr>
-        <p:spPr>
-          <a:xfrm>
-            <a:off x="0" y="6492875"/>
-            <a:ext cx="2743200" cy="365125"/>
-          </a:xfrm>
-          <a:prstGeom prst="rect">
-            <a:avLst/>
-          </a:prstGeom>
-        </p:spPr>
-        <p:txBody>
-          <a:bodyPr vert="horz" lIns="91440" tIns="45720" rIns="91440" bIns="45720" rtlCol="0" anchor="ctr"/>
-          <a:lstStyle>
-            <a:defPPr>
-              <a:defRPr lang="zh-TW"/>
-            </a:defPPr>
-            <a:lvl1pPr marL="0" algn="l" defTabSz="914400" rtl="0" eaLnBrk="1" latinLnBrk="0" hangingPunct="1">
-              <a:defRPr sz="1200" kern="1200">
-                <a:solidFill>
-                  <a:schemeClr val="tx1">
-                    <a:tint val="75000"/>
-                  </a:schemeClr>
-                </a:solidFill>
-                <a:latin typeface="+mn-lt"/>
-                <a:ea typeface="+mn-ea"/>
-                <a:cs typeface="+mn-cs"/>
-              </a:defRPr>
-            </a:lvl1pPr>
-            <a:lvl2pPr marL="457200" algn="l" defTabSz="914400" rtl="0" eaLnBrk="1" latinLnBrk="0" hangingPunct="1">
-              <a:defRPr sz="1800" kern="1200">
-                <a:solidFill>
-                  <a:schemeClr val="tx1"/>
-                </a:solidFill>
-                <a:latin typeface="+mn-lt"/>
-                <a:ea typeface="+mn-ea"/>
-                <a:cs typeface="+mn-cs"/>
-              </a:defRPr>
-            </a:lvl2pPr>
-            <a:lvl3pPr marL="914400" algn="l" defTabSz="914400" rtl="0" eaLnBrk="1" latinLnBrk="0" hangingPunct="1">
-              <a:defRPr sz="1800" kern="1200">
-                <a:solidFill>
-                  <a:schemeClr val="tx1"/>
-                </a:solidFill>
-                <a:latin typeface="+mn-lt"/>
-                <a:ea typeface="+mn-ea"/>
-                <a:cs typeface="+mn-cs"/>
-              </a:defRPr>
-            </a:lvl3pPr>
-            <a:lvl4pPr marL="1371600" algn="l" defTabSz="914400" rtl="0" eaLnBrk="1" latinLnBrk="0" hangingPunct="1">
-              <a:defRPr sz="1800" kern="1200">
-                <a:solidFill>
-                  <a:schemeClr val="tx1"/>
-                </a:solidFill>
-                <a:latin typeface="+mn-lt"/>
-                <a:ea typeface="+mn-ea"/>
-                <a:cs typeface="+mn-cs"/>
-              </a:defRPr>
-            </a:lvl4pPr>
-            <a:lvl5pPr marL="1828800" algn="l" defTabSz="914400" rtl="0" eaLnBrk="1" latinLnBrk="0" hangingPunct="1">
-              <a:defRPr sz="1800" kern="1200">
-                <a:solidFill>
-                  <a:schemeClr val="tx1"/>
-                </a:solidFill>
-                <a:latin typeface="+mn-lt"/>
-                <a:ea typeface="+mn-ea"/>
-                <a:cs typeface="+mn-cs"/>
-              </a:defRPr>
-            </a:lvl5pPr>
-            <a:lvl6pPr marL="2286000" algn="l" defTabSz="914400" rtl="0" eaLnBrk="1" latinLnBrk="0" hangingPunct="1">
-              <a:defRPr sz="1800" kern="1200">
-                <a:solidFill>
-                  <a:schemeClr val="tx1"/>
-                </a:solidFill>
-                <a:latin typeface="+mn-lt"/>
-                <a:ea typeface="+mn-ea"/>
-                <a:cs typeface="+mn-cs"/>
-              </a:defRPr>
-            </a:lvl6pPr>
-            <a:lvl7pPr marL="2743200" algn="l" defTabSz="914400" rtl="0" eaLnBrk="1" latinLnBrk="0" hangingPunct="1">
-              <a:defRPr sz="1800" kern="1200">
-                <a:solidFill>
-                  <a:schemeClr val="tx1"/>
-                </a:solidFill>
-                <a:latin typeface="+mn-lt"/>
-                <a:ea typeface="+mn-ea"/>
-                <a:cs typeface="+mn-cs"/>
-              </a:defRPr>
-            </a:lvl7pPr>
-            <a:lvl8pPr marL="3200400" algn="l" defTabSz="914400" rtl="0" eaLnBrk="1" latinLnBrk="0" hangingPunct="1">
-              <a:defRPr sz="1800" kern="1200">
-                <a:solidFill>
-                  <a:schemeClr val="tx1"/>
-                </a:solidFill>
-                <a:latin typeface="+mn-lt"/>
-                <a:ea typeface="+mn-ea"/>
-                <a:cs typeface="+mn-cs"/>
-              </a:defRPr>
-            </a:lvl8pPr>
-            <a:lvl9pPr marL="3657600" algn="l" defTabSz="914400" rtl="0" eaLnBrk="1" latinLnBrk="0" hangingPunct="1">
-              <a:defRPr sz="1800" kern="1200">
-                <a:solidFill>
-                  <a:schemeClr val="tx1"/>
-                </a:solidFill>
-                <a:latin typeface="+mn-lt"/>
-                <a:ea typeface="+mn-ea"/>
-                <a:cs typeface="+mn-cs"/>
-              </a:defRPr>
-            </a:lvl9pPr>
-          </a:lstStyle>
-          <a:p>
-            <a:r>
-              <a:rPr lang="en-US" altLang="zh-TW" dirty="0"/>
-              <a:t>TYIC</a:t>
-            </a:r>
-            <a:r>
-              <a:rPr lang="zh-TW" altLang="en-US"/>
-              <a:t>桃高資訊社</a:t>
-            </a:r>
-          </a:p>
-        </p:txBody>
-      </p:sp>
-      <p:sp>
-        <p:nvSpPr>
-          <p:cNvPr id="10" name="投影片編號版面配置區 5">
-            <a:extLst>
-              <a:ext uri="{FF2B5EF4-FFF2-40B4-BE49-F238E27FC236}">
-                <a16:creationId xmlns:a16="http://schemas.microsoft.com/office/drawing/2014/main" id="{C49BA910-B89D-480D-839D-27EA45309D92}"/>
-              </a:ext>
-            </a:extLst>
-          </p:cNvPr>
-          <p:cNvSpPr txBox="1">
-            <a:spLocks/>
-          </p:cNvSpPr>
-          <p:nvPr/>
-        </p:nvSpPr>
-        <p:spPr>
-          <a:xfrm>
-            <a:off x="9448800" y="6492874"/>
-            <a:ext cx="2743200" cy="365125"/>
-          </a:xfrm>
-          <a:prstGeom prst="rect">
-            <a:avLst/>
-          </a:prstGeom>
-        </p:spPr>
-        <p:txBody>
-          <a:bodyPr vert="horz" lIns="91440" tIns="45720" rIns="91440" bIns="45720" rtlCol="0" anchor="ctr"/>
-          <a:lstStyle>
-            <a:defPPr>
-              <a:defRPr lang="zh-TW"/>
-            </a:defPPr>
-            <a:lvl1pPr marL="0" algn="r" defTabSz="914400" rtl="0" eaLnBrk="1" latinLnBrk="0" hangingPunct="1">
-              <a:defRPr sz="1200" kern="1200">
-                <a:solidFill>
-                  <a:schemeClr val="tx1">
-                    <a:tint val="75000"/>
-                  </a:schemeClr>
-                </a:solidFill>
-                <a:latin typeface="+mn-lt"/>
-                <a:ea typeface="+mn-ea"/>
-                <a:cs typeface="+mn-cs"/>
-              </a:defRPr>
-            </a:lvl1pPr>
-            <a:lvl2pPr marL="457200" algn="l" defTabSz="914400" rtl="0" eaLnBrk="1" latinLnBrk="0" hangingPunct="1">
-              <a:defRPr sz="1800" kern="1200">
-                <a:solidFill>
-                  <a:schemeClr val="tx1"/>
-                </a:solidFill>
-                <a:latin typeface="+mn-lt"/>
-                <a:ea typeface="+mn-ea"/>
-                <a:cs typeface="+mn-cs"/>
-              </a:defRPr>
-            </a:lvl2pPr>
-            <a:lvl3pPr marL="914400" algn="l" defTabSz="914400" rtl="0" eaLnBrk="1" latinLnBrk="0" hangingPunct="1">
-              <a:defRPr sz="1800" kern="1200">
-                <a:solidFill>
-                  <a:schemeClr val="tx1"/>
-                </a:solidFill>
-                <a:latin typeface="+mn-lt"/>
-                <a:ea typeface="+mn-ea"/>
-                <a:cs typeface="+mn-cs"/>
-              </a:defRPr>
-            </a:lvl3pPr>
-            <a:lvl4pPr marL="1371600" algn="l" defTabSz="914400" rtl="0" eaLnBrk="1" latinLnBrk="0" hangingPunct="1">
-              <a:defRPr sz="1800" kern="1200">
-                <a:solidFill>
-                  <a:schemeClr val="tx1"/>
-                </a:solidFill>
-                <a:latin typeface="+mn-lt"/>
-                <a:ea typeface="+mn-ea"/>
-                <a:cs typeface="+mn-cs"/>
-              </a:defRPr>
-            </a:lvl4pPr>
-            <a:lvl5pPr marL="1828800" algn="l" defTabSz="914400" rtl="0" eaLnBrk="1" latinLnBrk="0" hangingPunct="1">
-              <a:defRPr sz="1800" kern="1200">
-                <a:solidFill>
-                  <a:schemeClr val="tx1"/>
-                </a:solidFill>
-                <a:latin typeface="+mn-lt"/>
-                <a:ea typeface="+mn-ea"/>
-                <a:cs typeface="+mn-cs"/>
-              </a:defRPr>
-            </a:lvl5pPr>
-            <a:lvl6pPr marL="2286000" algn="l" defTabSz="914400" rtl="0" eaLnBrk="1" latinLnBrk="0" hangingPunct="1">
-              <a:defRPr sz="1800" kern="1200">
-                <a:solidFill>
-                  <a:schemeClr val="tx1"/>
-                </a:solidFill>
-                <a:latin typeface="+mn-lt"/>
-                <a:ea typeface="+mn-ea"/>
-                <a:cs typeface="+mn-cs"/>
-              </a:defRPr>
-            </a:lvl6pPr>
-            <a:lvl7pPr marL="2743200" algn="l" defTabSz="914400" rtl="0" eaLnBrk="1" latinLnBrk="0" hangingPunct="1">
-              <a:defRPr sz="1800" kern="1200">
-                <a:solidFill>
-                  <a:schemeClr val="tx1"/>
-                </a:solidFill>
-                <a:latin typeface="+mn-lt"/>
-                <a:ea typeface="+mn-ea"/>
-                <a:cs typeface="+mn-cs"/>
-              </a:defRPr>
-            </a:lvl7pPr>
-            <a:lvl8pPr marL="3200400" algn="l" defTabSz="914400" rtl="0" eaLnBrk="1" latinLnBrk="0" hangingPunct="1">
-              <a:defRPr sz="1800" kern="1200">
-                <a:solidFill>
-                  <a:schemeClr val="tx1"/>
-                </a:solidFill>
-                <a:latin typeface="+mn-lt"/>
-                <a:ea typeface="+mn-ea"/>
-                <a:cs typeface="+mn-cs"/>
-              </a:defRPr>
-            </a:lvl8pPr>
-            <a:lvl9pPr marL="3657600" algn="l" defTabSz="914400" rtl="0" eaLnBrk="1" latinLnBrk="0" hangingPunct="1">
-              <a:defRPr sz="1800" kern="1200">
-                <a:solidFill>
-                  <a:schemeClr val="tx1"/>
-                </a:solidFill>
-                <a:latin typeface="+mn-lt"/>
-                <a:ea typeface="+mn-ea"/>
-                <a:cs typeface="+mn-cs"/>
-              </a:defRPr>
-            </a:lvl9pPr>
-          </a:lstStyle>
-          <a:p>
-            <a:fld id="{D4328D90-2A6F-4F23-88A8-C5DCC2B5F307}" type="slidenum">
-              <a:rPr lang="zh-TW" altLang="en-US" smtClean="0"/>
-              <a:pPr/>
-              <a:t>‹#›</a:t>
-            </a:fld>
-            <a:endParaRPr lang="zh-TW" altLang="en-US"/>
-          </a:p>
-        </p:txBody>
-      </p:sp>
-    </p:spTree>
-    <p:extLst>
-      <p:ext uri="{BB962C8B-B14F-4D97-AF65-F5344CB8AC3E}">
-        <p14:creationId xmlns:p14="http://schemas.microsoft.com/office/powerpoint/2010/main" val="1636893013"/>
-      </p:ext>
-    </p:extLst>
-  </p:cSld>
-  <p:clrMapOvr>
-    <a:masterClrMapping/>
-  </p:clrMapOvr>
-  <p:transition spd="slow">
-    <p:push dir="u"/>
-  </p:transition>
-</p:sldLayout>
-</file>
-
-<file path=ppt/slideLayouts/slideLayout5.xml><?xml version="1.0" encoding="utf-8"?>
-<p:sldLayout xmlns:a="http://schemas.openxmlformats.org/drawingml/2006/main" xmlns:r="http://schemas.openxmlformats.org/officeDocument/2006/relationships" xmlns:p="http://schemas.openxmlformats.org/presentationml/2006/main" type="twoTxTwoObj" preserve="1">
-  <p:cSld name="比較">
-    <p:spTree>
-      <p:nvGrpSpPr>
-        <p:cNvPr id="1" name=""/>
-        <p:cNvGrpSpPr/>
-        <p:nvPr/>
-      </p:nvGrpSpPr>
-      <p:grpSpPr>
-        <a:xfrm>
-          <a:off x="0" y="0"/>
-          <a:ext cx="0" cy="0"/>
-          <a:chOff x="0" y="0"/>
-          <a:chExt cx="0" cy="0"/>
-        </a:xfrm>
-      </p:grpSpPr>
-      <p:sp>
-        <p:nvSpPr>
-          <p:cNvPr id="2" name="標題 1">
-            <a:extLst>
-              <a:ext uri="{FF2B5EF4-FFF2-40B4-BE49-F238E27FC236}">
-                <a16:creationId xmlns:a16="http://schemas.microsoft.com/office/drawing/2014/main" id="{1261A8C4-296D-438B-8D76-3F8B57A7B280}"/>
-              </a:ext>
-            </a:extLst>
-          </p:cNvPr>
-          <p:cNvSpPr>
-            <a:spLocks noGrp="1"/>
-          </p:cNvSpPr>
-          <p:nvPr>
-            <p:ph type="title"/>
-          </p:nvPr>
-        </p:nvSpPr>
-        <p:spPr>
-          <a:xfrm>
-            <a:off x="839788" y="365125"/>
-            <a:ext cx="10515600" cy="1325563"/>
-          </a:xfrm>
-        </p:spPr>
-        <p:txBody>
-          <a:bodyPr/>
-          <a:lstStyle/>
-          <a:p>
-            <a:r>
-              <a:rPr lang="zh-TW" altLang="en-US"/>
-              <a:t>按一下以編輯母片標題樣式</a:t>
-            </a:r>
-          </a:p>
-        </p:txBody>
-      </p:sp>
-      <p:sp>
-        <p:nvSpPr>
-          <p:cNvPr id="3" name="文字版面配置區 2">
-            <a:extLst>
-              <a:ext uri="{FF2B5EF4-FFF2-40B4-BE49-F238E27FC236}">
-                <a16:creationId xmlns:a16="http://schemas.microsoft.com/office/drawing/2014/main" id="{1D56BB08-0AE2-466A-A236-AF0465E555C2}"/>
-              </a:ext>
-            </a:extLst>
-          </p:cNvPr>
-          <p:cNvSpPr>
-            <a:spLocks noGrp="1"/>
-          </p:cNvSpPr>
-          <p:nvPr>
-            <p:ph type="body" idx="1"/>
-          </p:nvPr>
-        </p:nvSpPr>
-        <p:spPr>
-          <a:xfrm>
-            <a:off x="839788" y="1681163"/>
-            <a:ext cx="5157787" cy="823912"/>
-          </a:xfrm>
-        </p:spPr>
-        <p:txBody>
-          <a:bodyPr anchor="b"/>
-          <a:lstStyle>
-            <a:lvl1pPr marL="0" indent="0">
-              <a:buNone/>
-              <a:defRPr sz="2400" b="1"/>
-            </a:lvl1pPr>
-            <a:lvl2pPr marL="457200" indent="0">
-              <a:buNone/>
-              <a:defRPr sz="2000" b="1"/>
-            </a:lvl2pPr>
-            <a:lvl3pPr marL="914400" indent="0">
-              <a:buNone/>
-              <a:defRPr sz="1800" b="1"/>
-            </a:lvl3pPr>
-            <a:lvl4pPr marL="1371600" indent="0">
-              <a:buNone/>
-              <a:defRPr sz="1600" b="1"/>
-            </a:lvl4pPr>
-            <a:lvl5pPr marL="1828800" indent="0">
-              <a:buNone/>
-              <a:defRPr sz="1600" b="1"/>
-            </a:lvl5pPr>
-            <a:lvl6pPr marL="2286000" indent="0">
-              <a:buNone/>
-              <a:defRPr sz="1600" b="1"/>
-            </a:lvl6pPr>
-            <a:lvl7pPr marL="2743200" indent="0">
-              <a:buNone/>
-              <a:defRPr sz="1600" b="1"/>
-            </a:lvl7pPr>
-            <a:lvl8pPr marL="3200400" indent="0">
-              <a:buNone/>
-              <a:defRPr sz="1600" b="1"/>
-            </a:lvl8pPr>
-            <a:lvl9pPr marL="3657600" indent="0">
-              <a:buNone/>
-              <a:defRPr sz="1600" b="1"/>
-            </a:lvl9pPr>
-          </a:lstStyle>
-          <a:p>
-            <a:pPr lvl="0"/>
-            <a:r>
-              <a:rPr lang="zh-TW" altLang="en-US"/>
-              <a:t>按一下以編輯母片文字樣式</a:t>
-            </a:r>
-          </a:p>
-        </p:txBody>
-      </p:sp>
-      <p:sp>
-        <p:nvSpPr>
-          <p:cNvPr id="4" name="內容版面配置區 3">
-            <a:extLst>
-              <a:ext uri="{FF2B5EF4-FFF2-40B4-BE49-F238E27FC236}">
-                <a16:creationId xmlns:a16="http://schemas.microsoft.com/office/drawing/2014/main" id="{DBF7F7E7-C7E3-438A-9287-5ABE84A43B59}"/>
-              </a:ext>
-            </a:extLst>
-          </p:cNvPr>
-          <p:cNvSpPr>
-            <a:spLocks noGrp="1"/>
-          </p:cNvSpPr>
-          <p:nvPr>
-            <p:ph sz="half" idx="2"/>
-          </p:nvPr>
-        </p:nvSpPr>
-        <p:spPr>
-          <a:xfrm>
-            <a:off x="839788" y="2505075"/>
-            <a:ext cx="5157787" cy="3684588"/>
-          </a:xfrm>
-        </p:spPr>
-        <p:txBody>
-          <a:bodyPr/>
-          <a:lstStyle/>
-          <a:p>
-            <a:pPr lvl="0"/>
-            <a:r>
-              <a:rPr lang="zh-TW" altLang="en-US"/>
-              <a:t>按一下以編輯母片文字樣式</a:t>
-            </a:r>
-          </a:p>
-          <a:p>
-            <a:pPr lvl="1"/>
-            <a:r>
-              <a:rPr lang="zh-TW" altLang="en-US"/>
-              <a:t>第二層</a:t>
-            </a:r>
-          </a:p>
-          <a:p>
-            <a:pPr lvl="2"/>
-            <a:r>
-              <a:rPr lang="zh-TW" altLang="en-US"/>
-              <a:t>第三層</a:t>
-            </a:r>
-          </a:p>
-          <a:p>
-            <a:pPr lvl="3"/>
-            <a:r>
-              <a:rPr lang="zh-TW" altLang="en-US"/>
-              <a:t>第四層</a:t>
-            </a:r>
-          </a:p>
-          <a:p>
-            <a:pPr lvl="4"/>
-            <a:r>
-              <a:rPr lang="zh-TW" altLang="en-US"/>
-              <a:t>第五層</a:t>
-            </a:r>
-          </a:p>
-        </p:txBody>
-      </p:sp>
-      <p:sp>
-        <p:nvSpPr>
-          <p:cNvPr id="5" name="文字版面配置區 4">
-            <a:extLst>
-              <a:ext uri="{FF2B5EF4-FFF2-40B4-BE49-F238E27FC236}">
-                <a16:creationId xmlns:a16="http://schemas.microsoft.com/office/drawing/2014/main" id="{9DD36D3E-55E7-4DE3-A367-2D7A37528211}"/>
-              </a:ext>
-            </a:extLst>
-          </p:cNvPr>
-          <p:cNvSpPr>
-            <a:spLocks noGrp="1"/>
-          </p:cNvSpPr>
-          <p:nvPr>
-            <p:ph type="body" sz="quarter" idx="3"/>
-          </p:nvPr>
-        </p:nvSpPr>
-        <p:spPr>
-          <a:xfrm>
-            <a:off x="6172200" y="1681163"/>
-            <a:ext cx="5183188" cy="823912"/>
-          </a:xfrm>
-        </p:spPr>
-        <p:txBody>
-          <a:bodyPr anchor="b"/>
-          <a:lstStyle>
-            <a:lvl1pPr marL="0" indent="0">
-              <a:buNone/>
-              <a:defRPr sz="2400" b="1"/>
-            </a:lvl1pPr>
-            <a:lvl2pPr marL="457200" indent="0">
-              <a:buNone/>
-              <a:defRPr sz="2000" b="1"/>
-            </a:lvl2pPr>
-            <a:lvl3pPr marL="914400" indent="0">
-              <a:buNone/>
-              <a:defRPr sz="1800" b="1"/>
-            </a:lvl3pPr>
-            <a:lvl4pPr marL="1371600" indent="0">
-              <a:buNone/>
-              <a:defRPr sz="1600" b="1"/>
-            </a:lvl4pPr>
-            <a:lvl5pPr marL="1828800" indent="0">
-              <a:buNone/>
-              <a:defRPr sz="1600" b="1"/>
-            </a:lvl5pPr>
-            <a:lvl6pPr marL="2286000" indent="0">
-              <a:buNone/>
-              <a:defRPr sz="1600" b="1"/>
-            </a:lvl6pPr>
-            <a:lvl7pPr marL="2743200" indent="0">
-              <a:buNone/>
-              <a:defRPr sz="1600" b="1"/>
-            </a:lvl7pPr>
-            <a:lvl8pPr marL="3200400" indent="0">
-              <a:buNone/>
-              <a:defRPr sz="1600" b="1"/>
-            </a:lvl8pPr>
-            <a:lvl9pPr marL="3657600" indent="0">
-              <a:buNone/>
-              <a:defRPr sz="1600" b="1"/>
-            </a:lvl9pPr>
-          </a:lstStyle>
-          <a:p>
-            <a:pPr lvl="0"/>
-            <a:r>
-              <a:rPr lang="zh-TW" altLang="en-US"/>
-              <a:t>按一下以編輯母片文字樣式</a:t>
-            </a:r>
-          </a:p>
-        </p:txBody>
-      </p:sp>
-      <p:sp>
-        <p:nvSpPr>
-          <p:cNvPr id="6" name="內容版面配置區 5">
-            <a:extLst>
-              <a:ext uri="{FF2B5EF4-FFF2-40B4-BE49-F238E27FC236}">
-                <a16:creationId xmlns:a16="http://schemas.microsoft.com/office/drawing/2014/main" id="{AC2AB8B4-F49C-4138-953D-5AA69A9F2ED5}"/>
-              </a:ext>
-            </a:extLst>
-          </p:cNvPr>
-          <p:cNvSpPr>
-            <a:spLocks noGrp="1"/>
-          </p:cNvSpPr>
-          <p:nvPr>
-            <p:ph sz="quarter" idx="4"/>
-          </p:nvPr>
-        </p:nvSpPr>
-        <p:spPr>
-          <a:xfrm>
-            <a:off x="6172200" y="2505075"/>
-            <a:ext cx="5183188" cy="3684588"/>
-          </a:xfrm>
-        </p:spPr>
-        <p:txBody>
-          <a:bodyPr/>
-          <a:lstStyle/>
-          <a:p>
-            <a:pPr lvl="0"/>
-            <a:r>
-              <a:rPr lang="zh-TW" altLang="en-US"/>
-              <a:t>按一下以編輯母片文字樣式</a:t>
-            </a:r>
-          </a:p>
-          <a:p>
-            <a:pPr lvl="1"/>
-            <a:r>
-              <a:rPr lang="zh-TW" altLang="en-US"/>
-              <a:t>第二層</a:t>
-            </a:r>
-          </a:p>
-          <a:p>
-            <a:pPr lvl="2"/>
-            <a:r>
-              <a:rPr lang="zh-TW" altLang="en-US"/>
-              <a:t>第三層</a:t>
-            </a:r>
-          </a:p>
-          <a:p>
-            <a:pPr lvl="3"/>
-            <a:r>
-              <a:rPr lang="zh-TW" altLang="en-US"/>
-              <a:t>第四層</a:t>
-            </a:r>
-          </a:p>
-          <a:p>
-            <a:pPr lvl="4"/>
-            <a:r>
-              <a:rPr lang="zh-TW" altLang="en-US"/>
-              <a:t>第五層</a:t>
-            </a:r>
-          </a:p>
-        </p:txBody>
-      </p:sp>
-      <p:sp>
-        <p:nvSpPr>
-          <p:cNvPr id="10" name="頁尾版面配置區 4">
-            <a:extLst>
-              <a:ext uri="{FF2B5EF4-FFF2-40B4-BE49-F238E27FC236}">
-                <a16:creationId xmlns:a16="http://schemas.microsoft.com/office/drawing/2014/main" id="{EE0D0455-DB77-4E86-9A44-7A5FDD1DD418}"/>
-              </a:ext>
-            </a:extLst>
-          </p:cNvPr>
-          <p:cNvSpPr txBox="1">
-            <a:spLocks/>
-          </p:cNvSpPr>
-          <p:nvPr/>
-        </p:nvSpPr>
-        <p:spPr>
-          <a:xfrm>
-            <a:off x="0" y="6492875"/>
-            <a:ext cx="2743200" cy="365125"/>
-          </a:xfrm>
-          <a:prstGeom prst="rect">
-            <a:avLst/>
-          </a:prstGeom>
-        </p:spPr>
-        <p:txBody>
-          <a:bodyPr vert="horz" lIns="91440" tIns="45720" rIns="91440" bIns="45720" rtlCol="0" anchor="ctr"/>
-          <a:lstStyle>
-            <a:defPPr>
-              <a:defRPr lang="zh-TW"/>
-            </a:defPPr>
-            <a:lvl1pPr marL="0" algn="l" defTabSz="914400" rtl="0" eaLnBrk="1" latinLnBrk="0" hangingPunct="1">
-              <a:defRPr sz="1200" kern="1200">
-                <a:solidFill>
-                  <a:schemeClr val="tx1">
-                    <a:tint val="75000"/>
-                  </a:schemeClr>
-                </a:solidFill>
-                <a:latin typeface="+mn-lt"/>
-                <a:ea typeface="+mn-ea"/>
-                <a:cs typeface="+mn-cs"/>
-              </a:defRPr>
-            </a:lvl1pPr>
-            <a:lvl2pPr marL="457200" algn="l" defTabSz="914400" rtl="0" eaLnBrk="1" latinLnBrk="0" hangingPunct="1">
-              <a:defRPr sz="1800" kern="1200">
-                <a:solidFill>
-                  <a:schemeClr val="tx1"/>
-                </a:solidFill>
-                <a:latin typeface="+mn-lt"/>
-                <a:ea typeface="+mn-ea"/>
-                <a:cs typeface="+mn-cs"/>
-              </a:defRPr>
-            </a:lvl2pPr>
-            <a:lvl3pPr marL="914400" algn="l" defTabSz="914400" rtl="0" eaLnBrk="1" latinLnBrk="0" hangingPunct="1">
-              <a:defRPr sz="1800" kern="1200">
-                <a:solidFill>
-                  <a:schemeClr val="tx1"/>
-                </a:solidFill>
-                <a:latin typeface="+mn-lt"/>
-                <a:ea typeface="+mn-ea"/>
-                <a:cs typeface="+mn-cs"/>
-              </a:defRPr>
-            </a:lvl3pPr>
-            <a:lvl4pPr marL="1371600" algn="l" defTabSz="914400" rtl="0" eaLnBrk="1" latinLnBrk="0" hangingPunct="1">
-              <a:defRPr sz="1800" kern="1200">
-                <a:solidFill>
-                  <a:schemeClr val="tx1"/>
-                </a:solidFill>
-                <a:latin typeface="+mn-lt"/>
-                <a:ea typeface="+mn-ea"/>
-                <a:cs typeface="+mn-cs"/>
-              </a:defRPr>
-            </a:lvl4pPr>
-            <a:lvl5pPr marL="1828800" algn="l" defTabSz="914400" rtl="0" eaLnBrk="1" latinLnBrk="0" hangingPunct="1">
-              <a:defRPr sz="1800" kern="1200">
-                <a:solidFill>
-                  <a:schemeClr val="tx1"/>
-                </a:solidFill>
-                <a:latin typeface="+mn-lt"/>
-                <a:ea typeface="+mn-ea"/>
-                <a:cs typeface="+mn-cs"/>
-              </a:defRPr>
-            </a:lvl5pPr>
-            <a:lvl6pPr marL="2286000" algn="l" defTabSz="914400" rtl="0" eaLnBrk="1" latinLnBrk="0" hangingPunct="1">
-              <a:defRPr sz="1800" kern="1200">
-                <a:solidFill>
-                  <a:schemeClr val="tx1"/>
-                </a:solidFill>
-                <a:latin typeface="+mn-lt"/>
-                <a:ea typeface="+mn-ea"/>
-                <a:cs typeface="+mn-cs"/>
-              </a:defRPr>
-            </a:lvl6pPr>
-            <a:lvl7pPr marL="2743200" algn="l" defTabSz="914400" rtl="0" eaLnBrk="1" latinLnBrk="0" hangingPunct="1">
-              <a:defRPr sz="1800" kern="1200">
-                <a:solidFill>
-                  <a:schemeClr val="tx1"/>
-                </a:solidFill>
-                <a:latin typeface="+mn-lt"/>
-                <a:ea typeface="+mn-ea"/>
-                <a:cs typeface="+mn-cs"/>
-              </a:defRPr>
-            </a:lvl7pPr>
-            <a:lvl8pPr marL="3200400" algn="l" defTabSz="914400" rtl="0" eaLnBrk="1" latinLnBrk="0" hangingPunct="1">
-              <a:defRPr sz="1800" kern="1200">
-                <a:solidFill>
-                  <a:schemeClr val="tx1"/>
-                </a:solidFill>
-                <a:latin typeface="+mn-lt"/>
-                <a:ea typeface="+mn-ea"/>
-                <a:cs typeface="+mn-cs"/>
-              </a:defRPr>
-            </a:lvl8pPr>
-            <a:lvl9pPr marL="3657600" algn="l" defTabSz="914400" rtl="0" eaLnBrk="1" latinLnBrk="0" hangingPunct="1">
-              <a:defRPr sz="1800" kern="1200">
-                <a:solidFill>
-                  <a:schemeClr val="tx1"/>
-                </a:solidFill>
-                <a:latin typeface="+mn-lt"/>
-                <a:ea typeface="+mn-ea"/>
-                <a:cs typeface="+mn-cs"/>
-              </a:defRPr>
-            </a:lvl9pPr>
-          </a:lstStyle>
-          <a:p>
-            <a:r>
-              <a:rPr lang="en-US" altLang="zh-TW"/>
-              <a:t>TYIC</a:t>
-            </a:r>
-            <a:r>
-              <a:rPr lang="zh-TW" altLang="en-US"/>
-              <a:t>桃高資訊社</a:t>
-            </a:r>
-          </a:p>
-        </p:txBody>
-      </p:sp>
-      <p:sp>
-        <p:nvSpPr>
-          <p:cNvPr id="11" name="投影片編號版面配置區 5">
-            <a:extLst>
-              <a:ext uri="{FF2B5EF4-FFF2-40B4-BE49-F238E27FC236}">
-                <a16:creationId xmlns:a16="http://schemas.microsoft.com/office/drawing/2014/main" id="{61BEB5C0-CA6F-4D05-A5B1-D9B3326D213A}"/>
-              </a:ext>
-            </a:extLst>
-          </p:cNvPr>
-          <p:cNvSpPr txBox="1">
-            <a:spLocks/>
-          </p:cNvSpPr>
-          <p:nvPr/>
-        </p:nvSpPr>
-        <p:spPr>
-          <a:xfrm>
-            <a:off x="9448800" y="6492874"/>
-            <a:ext cx="2743200" cy="365125"/>
-          </a:xfrm>
-          <a:prstGeom prst="rect">
-            <a:avLst/>
-          </a:prstGeom>
-        </p:spPr>
-        <p:txBody>
-          <a:bodyPr vert="horz" lIns="91440" tIns="45720" rIns="91440" bIns="45720" rtlCol="0" anchor="ctr"/>
-          <a:lstStyle>
-            <a:defPPr>
-              <a:defRPr lang="zh-TW"/>
-            </a:defPPr>
-            <a:lvl1pPr marL="0" algn="r" defTabSz="914400" rtl="0" eaLnBrk="1" latinLnBrk="0" hangingPunct="1">
-              <a:defRPr sz="1200" kern="1200">
-                <a:solidFill>
-                  <a:schemeClr val="tx1">
-                    <a:tint val="75000"/>
-                  </a:schemeClr>
-                </a:solidFill>
-                <a:latin typeface="+mn-lt"/>
-                <a:ea typeface="+mn-ea"/>
-                <a:cs typeface="+mn-cs"/>
-              </a:defRPr>
-            </a:lvl1pPr>
-            <a:lvl2pPr marL="457200" algn="l" defTabSz="914400" rtl="0" eaLnBrk="1" latinLnBrk="0" hangingPunct="1">
-              <a:defRPr sz="1800" kern="1200">
-                <a:solidFill>
-                  <a:schemeClr val="tx1"/>
-                </a:solidFill>
-                <a:latin typeface="+mn-lt"/>
-                <a:ea typeface="+mn-ea"/>
-                <a:cs typeface="+mn-cs"/>
-              </a:defRPr>
-            </a:lvl2pPr>
-            <a:lvl3pPr marL="914400" algn="l" defTabSz="914400" rtl="0" eaLnBrk="1" latinLnBrk="0" hangingPunct="1">
-              <a:defRPr sz="1800" kern="1200">
-                <a:solidFill>
-                  <a:schemeClr val="tx1"/>
-                </a:solidFill>
-                <a:latin typeface="+mn-lt"/>
-                <a:ea typeface="+mn-ea"/>
-                <a:cs typeface="+mn-cs"/>
-              </a:defRPr>
-            </a:lvl3pPr>
-            <a:lvl4pPr marL="1371600" algn="l" defTabSz="914400" rtl="0" eaLnBrk="1" latinLnBrk="0" hangingPunct="1">
-              <a:defRPr sz="1800" kern="1200">
-                <a:solidFill>
-                  <a:schemeClr val="tx1"/>
-                </a:solidFill>
-                <a:latin typeface="+mn-lt"/>
-                <a:ea typeface="+mn-ea"/>
-                <a:cs typeface="+mn-cs"/>
-              </a:defRPr>
-            </a:lvl4pPr>
-            <a:lvl5pPr marL="1828800" algn="l" defTabSz="914400" rtl="0" eaLnBrk="1" latinLnBrk="0" hangingPunct="1">
-              <a:defRPr sz="1800" kern="1200">
-                <a:solidFill>
-                  <a:schemeClr val="tx1"/>
-                </a:solidFill>
-                <a:latin typeface="+mn-lt"/>
-                <a:ea typeface="+mn-ea"/>
-                <a:cs typeface="+mn-cs"/>
-              </a:defRPr>
-            </a:lvl5pPr>
-            <a:lvl6pPr marL="2286000" algn="l" defTabSz="914400" rtl="0" eaLnBrk="1" latinLnBrk="0" hangingPunct="1">
-              <a:defRPr sz="1800" kern="1200">
-                <a:solidFill>
-                  <a:schemeClr val="tx1"/>
-                </a:solidFill>
-                <a:latin typeface="+mn-lt"/>
-                <a:ea typeface="+mn-ea"/>
-                <a:cs typeface="+mn-cs"/>
-              </a:defRPr>
-            </a:lvl6pPr>
-            <a:lvl7pPr marL="2743200" algn="l" defTabSz="914400" rtl="0" eaLnBrk="1" latinLnBrk="0" hangingPunct="1">
-              <a:defRPr sz="1800" kern="1200">
-                <a:solidFill>
-                  <a:schemeClr val="tx1"/>
-                </a:solidFill>
-                <a:latin typeface="+mn-lt"/>
-                <a:ea typeface="+mn-ea"/>
-                <a:cs typeface="+mn-cs"/>
-              </a:defRPr>
-            </a:lvl7pPr>
-            <a:lvl8pPr marL="3200400" algn="l" defTabSz="914400" rtl="0" eaLnBrk="1" latinLnBrk="0" hangingPunct="1">
-              <a:defRPr sz="1800" kern="1200">
-                <a:solidFill>
-                  <a:schemeClr val="tx1"/>
-                </a:solidFill>
-                <a:latin typeface="+mn-lt"/>
-                <a:ea typeface="+mn-ea"/>
-                <a:cs typeface="+mn-cs"/>
-              </a:defRPr>
-            </a:lvl8pPr>
-            <a:lvl9pPr marL="3657600" algn="l" defTabSz="914400" rtl="0" eaLnBrk="1" latinLnBrk="0" hangingPunct="1">
-              <a:defRPr sz="1800" kern="1200">
-                <a:solidFill>
-                  <a:schemeClr val="tx1"/>
-                </a:solidFill>
-                <a:latin typeface="+mn-lt"/>
-                <a:ea typeface="+mn-ea"/>
-                <a:cs typeface="+mn-cs"/>
-              </a:defRPr>
-            </a:lvl9pPr>
-          </a:lstStyle>
-          <a:p>
-            <a:fld id="{D4328D90-2A6F-4F23-88A8-C5DCC2B5F307}" type="slidenum">
-              <a:rPr lang="zh-TW" altLang="en-US" smtClean="0"/>
-              <a:pPr/>
-              <a:t>‹#›</a:t>
-            </a:fld>
-            <a:endParaRPr lang="zh-TW" altLang="en-US"/>
-          </a:p>
-        </p:txBody>
-      </p:sp>
-      <p:sp>
-        <p:nvSpPr>
-          <p:cNvPr id="9" name="頁尾版面配置區 4">
-            <a:extLst>
-              <a:ext uri="{FF2B5EF4-FFF2-40B4-BE49-F238E27FC236}">
-                <a16:creationId xmlns:a16="http://schemas.microsoft.com/office/drawing/2014/main" id="{605C848C-2FFE-453B-B32A-6EEEAD465B71}"/>
-              </a:ext>
-            </a:extLst>
-          </p:cNvPr>
-          <p:cNvSpPr txBox="1">
-            <a:spLocks/>
-          </p:cNvSpPr>
-          <p:nvPr/>
-        </p:nvSpPr>
-        <p:spPr>
-          <a:xfrm>
-            <a:off x="0" y="6492875"/>
-            <a:ext cx="2743200" cy="365125"/>
-          </a:xfrm>
-          <a:prstGeom prst="rect">
-            <a:avLst/>
-          </a:prstGeom>
-        </p:spPr>
-        <p:txBody>
-          <a:bodyPr vert="horz" lIns="91440" tIns="45720" rIns="91440" bIns="45720" rtlCol="0" anchor="ctr"/>
-          <a:lstStyle>
-            <a:defPPr>
-              <a:defRPr lang="zh-TW"/>
-            </a:defPPr>
-            <a:lvl1pPr marL="0" algn="l" defTabSz="914400" rtl="0" eaLnBrk="1" latinLnBrk="0" hangingPunct="1">
-              <a:defRPr sz="1200" kern="1200">
-                <a:solidFill>
-                  <a:schemeClr val="tx1">
-                    <a:tint val="75000"/>
-                  </a:schemeClr>
-                </a:solidFill>
-                <a:latin typeface="+mn-lt"/>
-                <a:ea typeface="+mn-ea"/>
-                <a:cs typeface="+mn-cs"/>
-              </a:defRPr>
-            </a:lvl1pPr>
-            <a:lvl2pPr marL="457200" algn="l" defTabSz="914400" rtl="0" eaLnBrk="1" latinLnBrk="0" hangingPunct="1">
-              <a:defRPr sz="1800" kern="1200">
-                <a:solidFill>
-                  <a:schemeClr val="tx1"/>
-                </a:solidFill>
-                <a:latin typeface="+mn-lt"/>
-                <a:ea typeface="+mn-ea"/>
-                <a:cs typeface="+mn-cs"/>
-              </a:defRPr>
-            </a:lvl2pPr>
-            <a:lvl3pPr marL="914400" algn="l" defTabSz="914400" rtl="0" eaLnBrk="1" latinLnBrk="0" hangingPunct="1">
-              <a:defRPr sz="1800" kern="1200">
-                <a:solidFill>
-                  <a:schemeClr val="tx1"/>
-                </a:solidFill>
-                <a:latin typeface="+mn-lt"/>
-                <a:ea typeface="+mn-ea"/>
-                <a:cs typeface="+mn-cs"/>
-              </a:defRPr>
-            </a:lvl3pPr>
-            <a:lvl4pPr marL="1371600" algn="l" defTabSz="914400" rtl="0" eaLnBrk="1" latinLnBrk="0" hangingPunct="1">
-              <a:defRPr sz="1800" kern="1200">
-                <a:solidFill>
-                  <a:schemeClr val="tx1"/>
-                </a:solidFill>
-                <a:latin typeface="+mn-lt"/>
-                <a:ea typeface="+mn-ea"/>
-                <a:cs typeface="+mn-cs"/>
-              </a:defRPr>
-            </a:lvl4pPr>
-            <a:lvl5pPr marL="1828800" algn="l" defTabSz="914400" rtl="0" eaLnBrk="1" latinLnBrk="0" hangingPunct="1">
-              <a:defRPr sz="1800" kern="1200">
-                <a:solidFill>
-                  <a:schemeClr val="tx1"/>
-                </a:solidFill>
-                <a:latin typeface="+mn-lt"/>
-                <a:ea typeface="+mn-ea"/>
-                <a:cs typeface="+mn-cs"/>
-              </a:defRPr>
-            </a:lvl5pPr>
-            <a:lvl6pPr marL="2286000" algn="l" defTabSz="914400" rtl="0" eaLnBrk="1" latinLnBrk="0" hangingPunct="1">
-              <a:defRPr sz="1800" kern="1200">
-                <a:solidFill>
-                  <a:schemeClr val="tx1"/>
-                </a:solidFill>
-                <a:latin typeface="+mn-lt"/>
-                <a:ea typeface="+mn-ea"/>
-                <a:cs typeface="+mn-cs"/>
-              </a:defRPr>
-            </a:lvl6pPr>
-            <a:lvl7pPr marL="2743200" algn="l" defTabSz="914400" rtl="0" eaLnBrk="1" latinLnBrk="0" hangingPunct="1">
-              <a:defRPr sz="1800" kern="1200">
-                <a:solidFill>
-                  <a:schemeClr val="tx1"/>
-                </a:solidFill>
-                <a:latin typeface="+mn-lt"/>
-                <a:ea typeface="+mn-ea"/>
-                <a:cs typeface="+mn-cs"/>
-              </a:defRPr>
-            </a:lvl7pPr>
-            <a:lvl8pPr marL="3200400" algn="l" defTabSz="914400" rtl="0" eaLnBrk="1" latinLnBrk="0" hangingPunct="1">
-              <a:defRPr sz="1800" kern="1200">
-                <a:solidFill>
-                  <a:schemeClr val="tx1"/>
-                </a:solidFill>
-                <a:latin typeface="+mn-lt"/>
-                <a:ea typeface="+mn-ea"/>
-                <a:cs typeface="+mn-cs"/>
-              </a:defRPr>
-            </a:lvl8pPr>
-            <a:lvl9pPr marL="3657600" algn="l" defTabSz="914400" rtl="0" eaLnBrk="1" latinLnBrk="0" hangingPunct="1">
-              <a:defRPr sz="1800" kern="1200">
-                <a:solidFill>
-                  <a:schemeClr val="tx1"/>
-                </a:solidFill>
-                <a:latin typeface="+mn-lt"/>
-                <a:ea typeface="+mn-ea"/>
-                <a:cs typeface="+mn-cs"/>
-              </a:defRPr>
-            </a:lvl9pPr>
-          </a:lstStyle>
-          <a:p>
-            <a:r>
-              <a:rPr lang="en-US" altLang="zh-TW" dirty="0"/>
-              <a:t>TYIC</a:t>
-            </a:r>
-            <a:r>
-              <a:rPr lang="zh-TW" altLang="en-US"/>
-              <a:t>桃高資訊社</a:t>
-            </a:r>
-          </a:p>
-        </p:txBody>
-      </p:sp>
-      <p:sp>
-        <p:nvSpPr>
-          <p:cNvPr id="12" name="投影片編號版面配置區 5">
-            <a:extLst>
-              <a:ext uri="{FF2B5EF4-FFF2-40B4-BE49-F238E27FC236}">
-                <a16:creationId xmlns:a16="http://schemas.microsoft.com/office/drawing/2014/main" id="{BA25B8BA-C96A-4CF8-B988-C05CD53A4761}"/>
-              </a:ext>
-            </a:extLst>
-          </p:cNvPr>
-          <p:cNvSpPr txBox="1">
-            <a:spLocks/>
-          </p:cNvSpPr>
-          <p:nvPr/>
-        </p:nvSpPr>
-        <p:spPr>
-          <a:xfrm>
-            <a:off x="9448800" y="6492874"/>
-            <a:ext cx="2743200" cy="365125"/>
-          </a:xfrm>
-          <a:prstGeom prst="rect">
-            <a:avLst/>
-          </a:prstGeom>
-        </p:spPr>
-        <p:txBody>
-          <a:bodyPr vert="horz" lIns="91440" tIns="45720" rIns="91440" bIns="45720" rtlCol="0" anchor="ctr"/>
-          <a:lstStyle>
-            <a:defPPr>
-              <a:defRPr lang="zh-TW"/>
-            </a:defPPr>
-            <a:lvl1pPr marL="0" algn="r" defTabSz="914400" rtl="0" eaLnBrk="1" latinLnBrk="0" hangingPunct="1">
-              <a:defRPr sz="1200" kern="1200">
-                <a:solidFill>
-                  <a:schemeClr val="tx1">
-                    <a:tint val="75000"/>
-                  </a:schemeClr>
-                </a:solidFill>
-                <a:latin typeface="+mn-lt"/>
-                <a:ea typeface="+mn-ea"/>
-                <a:cs typeface="+mn-cs"/>
-              </a:defRPr>
-            </a:lvl1pPr>
-            <a:lvl2pPr marL="457200" algn="l" defTabSz="914400" rtl="0" eaLnBrk="1" latinLnBrk="0" hangingPunct="1">
-              <a:defRPr sz="1800" kern="1200">
-                <a:solidFill>
-                  <a:schemeClr val="tx1"/>
-                </a:solidFill>
-                <a:latin typeface="+mn-lt"/>
-                <a:ea typeface="+mn-ea"/>
-                <a:cs typeface="+mn-cs"/>
-              </a:defRPr>
-            </a:lvl2pPr>
-            <a:lvl3pPr marL="914400" algn="l" defTabSz="914400" rtl="0" eaLnBrk="1" latinLnBrk="0" hangingPunct="1">
-              <a:defRPr sz="1800" kern="1200">
-                <a:solidFill>
-                  <a:schemeClr val="tx1"/>
-                </a:solidFill>
-                <a:latin typeface="+mn-lt"/>
-                <a:ea typeface="+mn-ea"/>
-                <a:cs typeface="+mn-cs"/>
-              </a:defRPr>
-            </a:lvl3pPr>
-            <a:lvl4pPr marL="1371600" algn="l" defTabSz="914400" rtl="0" eaLnBrk="1" latinLnBrk="0" hangingPunct="1">
-              <a:defRPr sz="1800" kern="1200">
-                <a:solidFill>
-                  <a:schemeClr val="tx1"/>
-                </a:solidFill>
-                <a:latin typeface="+mn-lt"/>
-                <a:ea typeface="+mn-ea"/>
-                <a:cs typeface="+mn-cs"/>
-              </a:defRPr>
-            </a:lvl4pPr>
-            <a:lvl5pPr marL="1828800" algn="l" defTabSz="914400" rtl="0" eaLnBrk="1" latinLnBrk="0" hangingPunct="1">
-              <a:defRPr sz="1800" kern="1200">
-                <a:solidFill>
-                  <a:schemeClr val="tx1"/>
-                </a:solidFill>
-                <a:latin typeface="+mn-lt"/>
-                <a:ea typeface="+mn-ea"/>
-                <a:cs typeface="+mn-cs"/>
-              </a:defRPr>
-            </a:lvl5pPr>
-            <a:lvl6pPr marL="2286000" algn="l" defTabSz="914400" rtl="0" eaLnBrk="1" latinLnBrk="0" hangingPunct="1">
-              <a:defRPr sz="1800" kern="1200">
-                <a:solidFill>
-                  <a:schemeClr val="tx1"/>
-                </a:solidFill>
-                <a:latin typeface="+mn-lt"/>
-                <a:ea typeface="+mn-ea"/>
-                <a:cs typeface="+mn-cs"/>
-              </a:defRPr>
-            </a:lvl6pPr>
-            <a:lvl7pPr marL="2743200" algn="l" defTabSz="914400" rtl="0" eaLnBrk="1" latinLnBrk="0" hangingPunct="1">
-              <a:defRPr sz="1800" kern="1200">
-                <a:solidFill>
-                  <a:schemeClr val="tx1"/>
-                </a:solidFill>
-                <a:latin typeface="+mn-lt"/>
-                <a:ea typeface="+mn-ea"/>
-                <a:cs typeface="+mn-cs"/>
-              </a:defRPr>
-            </a:lvl7pPr>
-            <a:lvl8pPr marL="3200400" algn="l" defTabSz="914400" rtl="0" eaLnBrk="1" latinLnBrk="0" hangingPunct="1">
-              <a:defRPr sz="1800" kern="1200">
-                <a:solidFill>
-                  <a:schemeClr val="tx1"/>
-                </a:solidFill>
-                <a:latin typeface="+mn-lt"/>
-                <a:ea typeface="+mn-ea"/>
-                <a:cs typeface="+mn-cs"/>
-              </a:defRPr>
-            </a:lvl8pPr>
-            <a:lvl9pPr marL="3657600" algn="l" defTabSz="914400" rtl="0" eaLnBrk="1" latinLnBrk="0" hangingPunct="1">
-              <a:defRPr sz="1800" kern="1200">
-                <a:solidFill>
-                  <a:schemeClr val="tx1"/>
-                </a:solidFill>
-                <a:latin typeface="+mn-lt"/>
-                <a:ea typeface="+mn-ea"/>
-                <a:cs typeface="+mn-cs"/>
-              </a:defRPr>
-            </a:lvl9pPr>
-          </a:lstStyle>
-          <a:p>
-            <a:fld id="{D4328D90-2A6F-4F23-88A8-C5DCC2B5F307}" type="slidenum">
-              <a:rPr lang="zh-TW" altLang="en-US" smtClean="0"/>
-              <a:pPr/>
-              <a:t>‹#›</a:t>
-            </a:fld>
-            <a:endParaRPr lang="zh-TW" altLang="en-US"/>
-          </a:p>
-        </p:txBody>
-      </p:sp>
-    </p:spTree>
-    <p:extLst>
-      <p:ext uri="{BB962C8B-B14F-4D97-AF65-F5344CB8AC3E}">
-        <p14:creationId xmlns:p14="http://schemas.microsoft.com/office/powerpoint/2010/main" val="2764563549"/>
-      </p:ext>
-    </p:extLst>
-  </p:cSld>
-  <p:clrMapOvr>
-    <a:masterClrMapping/>
-  </p:clrMapOvr>
-  <p:transition spd="slow">
-    <p:push dir="u"/>
-  </p:transition>
-</p:sldLayout>
-</file>
-
-<file path=ppt/slideLayouts/slideLayout6.xml><?xml version="1.0" encoding="utf-8"?>
 <p:sldLayout xmlns:a="http://schemas.openxmlformats.org/drawingml/2006/main" xmlns:r="http://schemas.openxmlformats.org/officeDocument/2006/relationships" xmlns:p="http://schemas.openxmlformats.org/presentationml/2006/main" type="titleOnly" preserve="1">
   <p:cSld name="只有標題">
     <p:spTree>
@@ -5293,7 +1269,7 @@
             </a:r>
             <a:r>
               <a:rPr lang="zh-TW" altLang="en-US"/>
-              <a:t>桃高資訊社</a:t>
+              <a:t> 桃高資訊社</a:t>
             </a:r>
           </a:p>
         </p:txBody>
@@ -5430,276 +1406,10 @@
           </a:p>
         </p:txBody>
       </p:sp>
-      <p:sp>
-        <p:nvSpPr>
-          <p:cNvPr id="5" name="頁尾版面配置區 4">
-            <a:extLst>
-              <a:ext uri="{FF2B5EF4-FFF2-40B4-BE49-F238E27FC236}">
-                <a16:creationId xmlns:a16="http://schemas.microsoft.com/office/drawing/2014/main" id="{D8E74B65-EAF7-495F-B1FC-F79D9D03475E}"/>
-              </a:ext>
-            </a:extLst>
-          </p:cNvPr>
-          <p:cNvSpPr txBox="1">
-            <a:spLocks/>
-          </p:cNvSpPr>
-          <p:nvPr/>
-        </p:nvSpPr>
-        <p:spPr>
-          <a:xfrm>
-            <a:off x="0" y="6492875"/>
-            <a:ext cx="2743200" cy="365125"/>
-          </a:xfrm>
-          <a:prstGeom prst="rect">
-            <a:avLst/>
-          </a:prstGeom>
-        </p:spPr>
-        <p:txBody>
-          <a:bodyPr vert="horz" lIns="91440" tIns="45720" rIns="91440" bIns="45720" rtlCol="0" anchor="ctr"/>
-          <a:lstStyle>
-            <a:defPPr>
-              <a:defRPr lang="zh-TW"/>
-            </a:defPPr>
-            <a:lvl1pPr marL="0" algn="l" defTabSz="914400" rtl="0" eaLnBrk="1" latinLnBrk="0" hangingPunct="1">
-              <a:defRPr sz="1200" kern="1200">
-                <a:solidFill>
-                  <a:schemeClr val="tx1">
-                    <a:tint val="75000"/>
-                  </a:schemeClr>
-                </a:solidFill>
-                <a:latin typeface="+mn-lt"/>
-                <a:ea typeface="+mn-ea"/>
-                <a:cs typeface="+mn-cs"/>
-              </a:defRPr>
-            </a:lvl1pPr>
-            <a:lvl2pPr marL="457200" algn="l" defTabSz="914400" rtl="0" eaLnBrk="1" latinLnBrk="0" hangingPunct="1">
-              <a:defRPr sz="1800" kern="1200">
-                <a:solidFill>
-                  <a:schemeClr val="tx1"/>
-                </a:solidFill>
-                <a:latin typeface="+mn-lt"/>
-                <a:ea typeface="+mn-ea"/>
-                <a:cs typeface="+mn-cs"/>
-              </a:defRPr>
-            </a:lvl2pPr>
-            <a:lvl3pPr marL="914400" algn="l" defTabSz="914400" rtl="0" eaLnBrk="1" latinLnBrk="0" hangingPunct="1">
-              <a:defRPr sz="1800" kern="1200">
-                <a:solidFill>
-                  <a:schemeClr val="tx1"/>
-                </a:solidFill>
-                <a:latin typeface="+mn-lt"/>
-                <a:ea typeface="+mn-ea"/>
-                <a:cs typeface="+mn-cs"/>
-              </a:defRPr>
-            </a:lvl3pPr>
-            <a:lvl4pPr marL="1371600" algn="l" defTabSz="914400" rtl="0" eaLnBrk="1" latinLnBrk="0" hangingPunct="1">
-              <a:defRPr sz="1800" kern="1200">
-                <a:solidFill>
-                  <a:schemeClr val="tx1"/>
-                </a:solidFill>
-                <a:latin typeface="+mn-lt"/>
-                <a:ea typeface="+mn-ea"/>
-                <a:cs typeface="+mn-cs"/>
-              </a:defRPr>
-            </a:lvl4pPr>
-            <a:lvl5pPr marL="1828800" algn="l" defTabSz="914400" rtl="0" eaLnBrk="1" latinLnBrk="0" hangingPunct="1">
-              <a:defRPr sz="1800" kern="1200">
-                <a:solidFill>
-                  <a:schemeClr val="tx1"/>
-                </a:solidFill>
-                <a:latin typeface="+mn-lt"/>
-                <a:ea typeface="+mn-ea"/>
-                <a:cs typeface="+mn-cs"/>
-              </a:defRPr>
-            </a:lvl5pPr>
-            <a:lvl6pPr marL="2286000" algn="l" defTabSz="914400" rtl="0" eaLnBrk="1" latinLnBrk="0" hangingPunct="1">
-              <a:defRPr sz="1800" kern="1200">
-                <a:solidFill>
-                  <a:schemeClr val="tx1"/>
-                </a:solidFill>
-                <a:latin typeface="+mn-lt"/>
-                <a:ea typeface="+mn-ea"/>
-                <a:cs typeface="+mn-cs"/>
-              </a:defRPr>
-            </a:lvl6pPr>
-            <a:lvl7pPr marL="2743200" algn="l" defTabSz="914400" rtl="0" eaLnBrk="1" latinLnBrk="0" hangingPunct="1">
-              <a:defRPr sz="1800" kern="1200">
-                <a:solidFill>
-                  <a:schemeClr val="tx1"/>
-                </a:solidFill>
-                <a:latin typeface="+mn-lt"/>
-                <a:ea typeface="+mn-ea"/>
-                <a:cs typeface="+mn-cs"/>
-              </a:defRPr>
-            </a:lvl7pPr>
-            <a:lvl8pPr marL="3200400" algn="l" defTabSz="914400" rtl="0" eaLnBrk="1" latinLnBrk="0" hangingPunct="1">
-              <a:defRPr sz="1800" kern="1200">
-                <a:solidFill>
-                  <a:schemeClr val="tx1"/>
-                </a:solidFill>
-                <a:latin typeface="+mn-lt"/>
-                <a:ea typeface="+mn-ea"/>
-                <a:cs typeface="+mn-cs"/>
-              </a:defRPr>
-            </a:lvl8pPr>
-            <a:lvl9pPr marL="3657600" algn="l" defTabSz="914400" rtl="0" eaLnBrk="1" latinLnBrk="0" hangingPunct="1">
-              <a:defRPr sz="1800" kern="1200">
-                <a:solidFill>
-                  <a:schemeClr val="tx1"/>
-                </a:solidFill>
-                <a:latin typeface="+mn-lt"/>
-                <a:ea typeface="+mn-ea"/>
-                <a:cs typeface="+mn-cs"/>
-              </a:defRPr>
-            </a:lvl9pPr>
-          </a:lstStyle>
-          <a:p>
-            <a:r>
-              <a:rPr lang="en-US" altLang="zh-TW" dirty="0"/>
-              <a:t>TYIC</a:t>
-            </a:r>
-            <a:r>
-              <a:rPr lang="zh-TW" altLang="en-US"/>
-              <a:t>桃高資訊社</a:t>
-            </a:r>
-          </a:p>
-        </p:txBody>
-      </p:sp>
-      <p:sp>
-        <p:nvSpPr>
-          <p:cNvPr id="8" name="投影片編號版面配置區 5">
-            <a:extLst>
-              <a:ext uri="{FF2B5EF4-FFF2-40B4-BE49-F238E27FC236}">
-                <a16:creationId xmlns:a16="http://schemas.microsoft.com/office/drawing/2014/main" id="{9D527980-0A68-41A1-8AEA-310C2B755958}"/>
-              </a:ext>
-            </a:extLst>
-          </p:cNvPr>
-          <p:cNvSpPr txBox="1">
-            <a:spLocks/>
-          </p:cNvSpPr>
-          <p:nvPr/>
-        </p:nvSpPr>
-        <p:spPr>
-          <a:xfrm>
-            <a:off x="9448800" y="6492874"/>
-            <a:ext cx="2743200" cy="365125"/>
-          </a:xfrm>
-          <a:prstGeom prst="rect">
-            <a:avLst/>
-          </a:prstGeom>
-        </p:spPr>
-        <p:txBody>
-          <a:bodyPr vert="horz" lIns="91440" tIns="45720" rIns="91440" bIns="45720" rtlCol="0" anchor="ctr"/>
-          <a:lstStyle>
-            <a:defPPr>
-              <a:defRPr lang="zh-TW"/>
-            </a:defPPr>
-            <a:lvl1pPr marL="0" algn="r" defTabSz="914400" rtl="0" eaLnBrk="1" latinLnBrk="0" hangingPunct="1">
-              <a:defRPr sz="1200" kern="1200">
-                <a:solidFill>
-                  <a:schemeClr val="tx1">
-                    <a:tint val="75000"/>
-                  </a:schemeClr>
-                </a:solidFill>
-                <a:latin typeface="+mn-lt"/>
-                <a:ea typeface="+mn-ea"/>
-                <a:cs typeface="+mn-cs"/>
-              </a:defRPr>
-            </a:lvl1pPr>
-            <a:lvl2pPr marL="457200" algn="l" defTabSz="914400" rtl="0" eaLnBrk="1" latinLnBrk="0" hangingPunct="1">
-              <a:defRPr sz="1800" kern="1200">
-                <a:solidFill>
-                  <a:schemeClr val="tx1"/>
-                </a:solidFill>
-                <a:latin typeface="+mn-lt"/>
-                <a:ea typeface="+mn-ea"/>
-                <a:cs typeface="+mn-cs"/>
-              </a:defRPr>
-            </a:lvl2pPr>
-            <a:lvl3pPr marL="914400" algn="l" defTabSz="914400" rtl="0" eaLnBrk="1" latinLnBrk="0" hangingPunct="1">
-              <a:defRPr sz="1800" kern="1200">
-                <a:solidFill>
-                  <a:schemeClr val="tx1"/>
-                </a:solidFill>
-                <a:latin typeface="+mn-lt"/>
-                <a:ea typeface="+mn-ea"/>
-                <a:cs typeface="+mn-cs"/>
-              </a:defRPr>
-            </a:lvl3pPr>
-            <a:lvl4pPr marL="1371600" algn="l" defTabSz="914400" rtl="0" eaLnBrk="1" latinLnBrk="0" hangingPunct="1">
-              <a:defRPr sz="1800" kern="1200">
-                <a:solidFill>
-                  <a:schemeClr val="tx1"/>
-                </a:solidFill>
-                <a:latin typeface="+mn-lt"/>
-                <a:ea typeface="+mn-ea"/>
-                <a:cs typeface="+mn-cs"/>
-              </a:defRPr>
-            </a:lvl4pPr>
-            <a:lvl5pPr marL="1828800" algn="l" defTabSz="914400" rtl="0" eaLnBrk="1" latinLnBrk="0" hangingPunct="1">
-              <a:defRPr sz="1800" kern="1200">
-                <a:solidFill>
-                  <a:schemeClr val="tx1"/>
-                </a:solidFill>
-                <a:latin typeface="+mn-lt"/>
-                <a:ea typeface="+mn-ea"/>
-                <a:cs typeface="+mn-cs"/>
-              </a:defRPr>
-            </a:lvl5pPr>
-            <a:lvl6pPr marL="2286000" algn="l" defTabSz="914400" rtl="0" eaLnBrk="1" latinLnBrk="0" hangingPunct="1">
-              <a:defRPr sz="1800" kern="1200">
-                <a:solidFill>
-                  <a:schemeClr val="tx1"/>
-                </a:solidFill>
-                <a:latin typeface="+mn-lt"/>
-                <a:ea typeface="+mn-ea"/>
-                <a:cs typeface="+mn-cs"/>
-              </a:defRPr>
-            </a:lvl6pPr>
-            <a:lvl7pPr marL="2743200" algn="l" defTabSz="914400" rtl="0" eaLnBrk="1" latinLnBrk="0" hangingPunct="1">
-              <a:defRPr sz="1800" kern="1200">
-                <a:solidFill>
-                  <a:schemeClr val="tx1"/>
-                </a:solidFill>
-                <a:latin typeface="+mn-lt"/>
-                <a:ea typeface="+mn-ea"/>
-                <a:cs typeface="+mn-cs"/>
-              </a:defRPr>
-            </a:lvl7pPr>
-            <a:lvl8pPr marL="3200400" algn="l" defTabSz="914400" rtl="0" eaLnBrk="1" latinLnBrk="0" hangingPunct="1">
-              <a:defRPr sz="1800" kern="1200">
-                <a:solidFill>
-                  <a:schemeClr val="tx1"/>
-                </a:solidFill>
-                <a:latin typeface="+mn-lt"/>
-                <a:ea typeface="+mn-ea"/>
-                <a:cs typeface="+mn-cs"/>
-              </a:defRPr>
-            </a:lvl8pPr>
-            <a:lvl9pPr marL="3657600" algn="l" defTabSz="914400" rtl="0" eaLnBrk="1" latinLnBrk="0" hangingPunct="1">
-              <a:defRPr sz="1800" kern="1200">
-                <a:solidFill>
-                  <a:schemeClr val="tx1"/>
-                </a:solidFill>
-                <a:latin typeface="+mn-lt"/>
-                <a:ea typeface="+mn-ea"/>
-                <a:cs typeface="+mn-cs"/>
-              </a:defRPr>
-            </a:lvl9pPr>
-          </a:lstStyle>
-          <a:p>
-            <a:fld id="{D4328D90-2A6F-4F23-88A8-C5DCC2B5F307}" type="slidenum">
-              <a:rPr lang="zh-TW" altLang="en-US" smtClean="0"/>
-              <a:pPr/>
-              <a:t>‹#›</a:t>
-            </a:fld>
-            <a:endParaRPr lang="zh-TW" altLang="en-US"/>
-          </a:p>
-        </p:txBody>
-      </p:sp>
     </p:spTree>
     <p:extLst>
       <p:ext uri="{BB962C8B-B14F-4D97-AF65-F5344CB8AC3E}">
-        <p14:creationId xmlns:p14="http://schemas.microsoft.com/office/powerpoint/2010/main" val="2333564576"/>
+        <p14:creationId xmlns:p14="http://schemas.microsoft.com/office/powerpoint/2010/main" val="671473295"/>
       </p:ext>
     </p:extLst>
   </p:cSld>
@@ -5712,7 +1422,7 @@
 </p:sldLayout>
 </file>
 
-<file path=ppt/slideLayouts/slideLayout7.xml><?xml version="1.0" encoding="utf-8"?>
+<file path=ppt/slideLayouts/slideLayout4.xml><?xml version="1.0" encoding="utf-8"?>
 <p:sldLayout xmlns:a="http://schemas.openxmlformats.org/drawingml/2006/main" xmlns:r="http://schemas.openxmlformats.org/officeDocument/2006/relationships" xmlns:p="http://schemas.openxmlformats.org/presentationml/2006/main" type="blank" preserve="1">
   <p:cSld name="空白">
     <p:spTree>
@@ -5858,7 +1568,7 @@
             </a:r>
             <a:r>
               <a:rPr lang="zh-TW" altLang="en-US"/>
-              <a:t>桃高資訊社</a:t>
+              <a:t> 桃高資訊社</a:t>
             </a:r>
           </a:p>
         </p:txBody>
@@ -5995,1782 +1705,10 @@
           </a:p>
         </p:txBody>
       </p:sp>
-      <p:sp>
-        <p:nvSpPr>
-          <p:cNvPr id="4" name="頁尾版面配置區 4">
-            <a:extLst>
-              <a:ext uri="{FF2B5EF4-FFF2-40B4-BE49-F238E27FC236}">
-                <a16:creationId xmlns:a16="http://schemas.microsoft.com/office/drawing/2014/main" id="{DE9530A3-8E8B-4035-8447-3C54676CB584}"/>
-              </a:ext>
-            </a:extLst>
-          </p:cNvPr>
-          <p:cNvSpPr txBox="1">
-            <a:spLocks/>
-          </p:cNvSpPr>
-          <p:nvPr/>
-        </p:nvSpPr>
-        <p:spPr>
-          <a:xfrm>
-            <a:off x="0" y="6492875"/>
-            <a:ext cx="2743200" cy="365125"/>
-          </a:xfrm>
-          <a:prstGeom prst="rect">
-            <a:avLst/>
-          </a:prstGeom>
-        </p:spPr>
-        <p:txBody>
-          <a:bodyPr vert="horz" lIns="91440" tIns="45720" rIns="91440" bIns="45720" rtlCol="0" anchor="ctr"/>
-          <a:lstStyle>
-            <a:defPPr>
-              <a:defRPr lang="zh-TW"/>
-            </a:defPPr>
-            <a:lvl1pPr marL="0" algn="l" defTabSz="914400" rtl="0" eaLnBrk="1" latinLnBrk="0" hangingPunct="1">
-              <a:defRPr sz="1200" kern="1200">
-                <a:solidFill>
-                  <a:schemeClr val="tx1">
-                    <a:tint val="75000"/>
-                  </a:schemeClr>
-                </a:solidFill>
-                <a:latin typeface="+mn-lt"/>
-                <a:ea typeface="+mn-ea"/>
-                <a:cs typeface="+mn-cs"/>
-              </a:defRPr>
-            </a:lvl1pPr>
-            <a:lvl2pPr marL="457200" algn="l" defTabSz="914400" rtl="0" eaLnBrk="1" latinLnBrk="0" hangingPunct="1">
-              <a:defRPr sz="1800" kern="1200">
-                <a:solidFill>
-                  <a:schemeClr val="tx1"/>
-                </a:solidFill>
-                <a:latin typeface="+mn-lt"/>
-                <a:ea typeface="+mn-ea"/>
-                <a:cs typeface="+mn-cs"/>
-              </a:defRPr>
-            </a:lvl2pPr>
-            <a:lvl3pPr marL="914400" algn="l" defTabSz="914400" rtl="0" eaLnBrk="1" latinLnBrk="0" hangingPunct="1">
-              <a:defRPr sz="1800" kern="1200">
-                <a:solidFill>
-                  <a:schemeClr val="tx1"/>
-                </a:solidFill>
-                <a:latin typeface="+mn-lt"/>
-                <a:ea typeface="+mn-ea"/>
-                <a:cs typeface="+mn-cs"/>
-              </a:defRPr>
-            </a:lvl3pPr>
-            <a:lvl4pPr marL="1371600" algn="l" defTabSz="914400" rtl="0" eaLnBrk="1" latinLnBrk="0" hangingPunct="1">
-              <a:defRPr sz="1800" kern="1200">
-                <a:solidFill>
-                  <a:schemeClr val="tx1"/>
-                </a:solidFill>
-                <a:latin typeface="+mn-lt"/>
-                <a:ea typeface="+mn-ea"/>
-                <a:cs typeface="+mn-cs"/>
-              </a:defRPr>
-            </a:lvl4pPr>
-            <a:lvl5pPr marL="1828800" algn="l" defTabSz="914400" rtl="0" eaLnBrk="1" latinLnBrk="0" hangingPunct="1">
-              <a:defRPr sz="1800" kern="1200">
-                <a:solidFill>
-                  <a:schemeClr val="tx1"/>
-                </a:solidFill>
-                <a:latin typeface="+mn-lt"/>
-                <a:ea typeface="+mn-ea"/>
-                <a:cs typeface="+mn-cs"/>
-              </a:defRPr>
-            </a:lvl5pPr>
-            <a:lvl6pPr marL="2286000" algn="l" defTabSz="914400" rtl="0" eaLnBrk="1" latinLnBrk="0" hangingPunct="1">
-              <a:defRPr sz="1800" kern="1200">
-                <a:solidFill>
-                  <a:schemeClr val="tx1"/>
-                </a:solidFill>
-                <a:latin typeface="+mn-lt"/>
-                <a:ea typeface="+mn-ea"/>
-                <a:cs typeface="+mn-cs"/>
-              </a:defRPr>
-            </a:lvl6pPr>
-            <a:lvl7pPr marL="2743200" algn="l" defTabSz="914400" rtl="0" eaLnBrk="1" latinLnBrk="0" hangingPunct="1">
-              <a:defRPr sz="1800" kern="1200">
-                <a:solidFill>
-                  <a:schemeClr val="tx1"/>
-                </a:solidFill>
-                <a:latin typeface="+mn-lt"/>
-                <a:ea typeface="+mn-ea"/>
-                <a:cs typeface="+mn-cs"/>
-              </a:defRPr>
-            </a:lvl7pPr>
-            <a:lvl8pPr marL="3200400" algn="l" defTabSz="914400" rtl="0" eaLnBrk="1" latinLnBrk="0" hangingPunct="1">
-              <a:defRPr sz="1800" kern="1200">
-                <a:solidFill>
-                  <a:schemeClr val="tx1"/>
-                </a:solidFill>
-                <a:latin typeface="+mn-lt"/>
-                <a:ea typeface="+mn-ea"/>
-                <a:cs typeface="+mn-cs"/>
-              </a:defRPr>
-            </a:lvl8pPr>
-            <a:lvl9pPr marL="3657600" algn="l" defTabSz="914400" rtl="0" eaLnBrk="1" latinLnBrk="0" hangingPunct="1">
-              <a:defRPr sz="1800" kern="1200">
-                <a:solidFill>
-                  <a:schemeClr val="tx1"/>
-                </a:solidFill>
-                <a:latin typeface="+mn-lt"/>
-                <a:ea typeface="+mn-ea"/>
-                <a:cs typeface="+mn-cs"/>
-              </a:defRPr>
-            </a:lvl9pPr>
-          </a:lstStyle>
-          <a:p>
-            <a:r>
-              <a:rPr lang="en-US" altLang="zh-TW" dirty="0"/>
-              <a:t>TYIC</a:t>
-            </a:r>
-            <a:r>
-              <a:rPr lang="zh-TW" altLang="en-US"/>
-              <a:t>桃高資訊社</a:t>
-            </a:r>
-          </a:p>
-        </p:txBody>
-      </p:sp>
-      <p:sp>
-        <p:nvSpPr>
-          <p:cNvPr id="7" name="投影片編號版面配置區 5">
-            <a:extLst>
-              <a:ext uri="{FF2B5EF4-FFF2-40B4-BE49-F238E27FC236}">
-                <a16:creationId xmlns:a16="http://schemas.microsoft.com/office/drawing/2014/main" id="{A1767755-B60F-4671-8CA1-A778B3D23A26}"/>
-              </a:ext>
-            </a:extLst>
-          </p:cNvPr>
-          <p:cNvSpPr txBox="1">
-            <a:spLocks/>
-          </p:cNvSpPr>
-          <p:nvPr/>
-        </p:nvSpPr>
-        <p:spPr>
-          <a:xfrm>
-            <a:off x="9448800" y="6492874"/>
-            <a:ext cx="2743200" cy="365125"/>
-          </a:xfrm>
-          <a:prstGeom prst="rect">
-            <a:avLst/>
-          </a:prstGeom>
-        </p:spPr>
-        <p:txBody>
-          <a:bodyPr vert="horz" lIns="91440" tIns="45720" rIns="91440" bIns="45720" rtlCol="0" anchor="ctr"/>
-          <a:lstStyle>
-            <a:defPPr>
-              <a:defRPr lang="zh-TW"/>
-            </a:defPPr>
-            <a:lvl1pPr marL="0" algn="r" defTabSz="914400" rtl="0" eaLnBrk="1" latinLnBrk="0" hangingPunct="1">
-              <a:defRPr sz="1200" kern="1200">
-                <a:solidFill>
-                  <a:schemeClr val="tx1">
-                    <a:tint val="75000"/>
-                  </a:schemeClr>
-                </a:solidFill>
-                <a:latin typeface="+mn-lt"/>
-                <a:ea typeface="+mn-ea"/>
-                <a:cs typeface="+mn-cs"/>
-              </a:defRPr>
-            </a:lvl1pPr>
-            <a:lvl2pPr marL="457200" algn="l" defTabSz="914400" rtl="0" eaLnBrk="1" latinLnBrk="0" hangingPunct="1">
-              <a:defRPr sz="1800" kern="1200">
-                <a:solidFill>
-                  <a:schemeClr val="tx1"/>
-                </a:solidFill>
-                <a:latin typeface="+mn-lt"/>
-                <a:ea typeface="+mn-ea"/>
-                <a:cs typeface="+mn-cs"/>
-              </a:defRPr>
-            </a:lvl2pPr>
-            <a:lvl3pPr marL="914400" algn="l" defTabSz="914400" rtl="0" eaLnBrk="1" latinLnBrk="0" hangingPunct="1">
-              <a:defRPr sz="1800" kern="1200">
-                <a:solidFill>
-                  <a:schemeClr val="tx1"/>
-                </a:solidFill>
-                <a:latin typeface="+mn-lt"/>
-                <a:ea typeface="+mn-ea"/>
-                <a:cs typeface="+mn-cs"/>
-              </a:defRPr>
-            </a:lvl3pPr>
-            <a:lvl4pPr marL="1371600" algn="l" defTabSz="914400" rtl="0" eaLnBrk="1" latinLnBrk="0" hangingPunct="1">
-              <a:defRPr sz="1800" kern="1200">
-                <a:solidFill>
-                  <a:schemeClr val="tx1"/>
-                </a:solidFill>
-                <a:latin typeface="+mn-lt"/>
-                <a:ea typeface="+mn-ea"/>
-                <a:cs typeface="+mn-cs"/>
-              </a:defRPr>
-            </a:lvl4pPr>
-            <a:lvl5pPr marL="1828800" algn="l" defTabSz="914400" rtl="0" eaLnBrk="1" latinLnBrk="0" hangingPunct="1">
-              <a:defRPr sz="1800" kern="1200">
-                <a:solidFill>
-                  <a:schemeClr val="tx1"/>
-                </a:solidFill>
-                <a:latin typeface="+mn-lt"/>
-                <a:ea typeface="+mn-ea"/>
-                <a:cs typeface="+mn-cs"/>
-              </a:defRPr>
-            </a:lvl5pPr>
-            <a:lvl6pPr marL="2286000" algn="l" defTabSz="914400" rtl="0" eaLnBrk="1" latinLnBrk="0" hangingPunct="1">
-              <a:defRPr sz="1800" kern="1200">
-                <a:solidFill>
-                  <a:schemeClr val="tx1"/>
-                </a:solidFill>
-                <a:latin typeface="+mn-lt"/>
-                <a:ea typeface="+mn-ea"/>
-                <a:cs typeface="+mn-cs"/>
-              </a:defRPr>
-            </a:lvl6pPr>
-            <a:lvl7pPr marL="2743200" algn="l" defTabSz="914400" rtl="0" eaLnBrk="1" latinLnBrk="0" hangingPunct="1">
-              <a:defRPr sz="1800" kern="1200">
-                <a:solidFill>
-                  <a:schemeClr val="tx1"/>
-                </a:solidFill>
-                <a:latin typeface="+mn-lt"/>
-                <a:ea typeface="+mn-ea"/>
-                <a:cs typeface="+mn-cs"/>
-              </a:defRPr>
-            </a:lvl7pPr>
-            <a:lvl8pPr marL="3200400" algn="l" defTabSz="914400" rtl="0" eaLnBrk="1" latinLnBrk="0" hangingPunct="1">
-              <a:defRPr sz="1800" kern="1200">
-                <a:solidFill>
-                  <a:schemeClr val="tx1"/>
-                </a:solidFill>
-                <a:latin typeface="+mn-lt"/>
-                <a:ea typeface="+mn-ea"/>
-                <a:cs typeface="+mn-cs"/>
-              </a:defRPr>
-            </a:lvl8pPr>
-            <a:lvl9pPr marL="3657600" algn="l" defTabSz="914400" rtl="0" eaLnBrk="1" latinLnBrk="0" hangingPunct="1">
-              <a:defRPr sz="1800" kern="1200">
-                <a:solidFill>
-                  <a:schemeClr val="tx1"/>
-                </a:solidFill>
-                <a:latin typeface="+mn-lt"/>
-                <a:ea typeface="+mn-ea"/>
-                <a:cs typeface="+mn-cs"/>
-              </a:defRPr>
-            </a:lvl9pPr>
-          </a:lstStyle>
-          <a:p>
-            <a:fld id="{D4328D90-2A6F-4F23-88A8-C5DCC2B5F307}" type="slidenum">
-              <a:rPr lang="zh-TW" altLang="en-US" smtClean="0"/>
-              <a:pPr/>
-              <a:t>‹#›</a:t>
-            </a:fld>
-            <a:endParaRPr lang="zh-TW" altLang="en-US"/>
-          </a:p>
-        </p:txBody>
-      </p:sp>
     </p:spTree>
     <p:extLst>
       <p:ext uri="{BB962C8B-B14F-4D97-AF65-F5344CB8AC3E}">
-        <p14:creationId xmlns:p14="http://schemas.microsoft.com/office/powerpoint/2010/main" val="1987113877"/>
-      </p:ext>
-    </p:extLst>
-  </p:cSld>
-  <p:clrMapOvr>
-    <a:masterClrMapping/>
-  </p:clrMapOvr>
-  <p:transition spd="slow">
-    <p:push dir="u"/>
-  </p:transition>
-</p:sldLayout>
-</file>
-
-<file path=ppt/slideLayouts/slideLayout8.xml><?xml version="1.0" encoding="utf-8"?>
-<p:sldLayout xmlns:a="http://schemas.openxmlformats.org/drawingml/2006/main" xmlns:r="http://schemas.openxmlformats.org/officeDocument/2006/relationships" xmlns:p="http://schemas.openxmlformats.org/presentationml/2006/main" type="objTx" preserve="1">
-  <p:cSld name="含輔助字幕的內容">
-    <p:spTree>
-      <p:nvGrpSpPr>
-        <p:cNvPr id="1" name=""/>
-        <p:cNvGrpSpPr/>
-        <p:nvPr/>
-      </p:nvGrpSpPr>
-      <p:grpSpPr>
-        <a:xfrm>
-          <a:off x="0" y="0"/>
-          <a:ext cx="0" cy="0"/>
-          <a:chOff x="0" y="0"/>
-          <a:chExt cx="0" cy="0"/>
-        </a:xfrm>
-      </p:grpSpPr>
-      <p:sp>
-        <p:nvSpPr>
-          <p:cNvPr id="2" name="標題 1">
-            <a:extLst>
-              <a:ext uri="{FF2B5EF4-FFF2-40B4-BE49-F238E27FC236}">
-                <a16:creationId xmlns:a16="http://schemas.microsoft.com/office/drawing/2014/main" id="{B3FF8213-F1BD-48FF-9D09-6E26FB79AEA1}"/>
-              </a:ext>
-            </a:extLst>
-          </p:cNvPr>
-          <p:cNvSpPr>
-            <a:spLocks noGrp="1"/>
-          </p:cNvSpPr>
-          <p:nvPr>
-            <p:ph type="title"/>
-          </p:nvPr>
-        </p:nvSpPr>
-        <p:spPr>
-          <a:xfrm>
-            <a:off x="839788" y="457200"/>
-            <a:ext cx="3932237" cy="1600200"/>
-          </a:xfrm>
-        </p:spPr>
-        <p:txBody>
-          <a:bodyPr anchor="b"/>
-          <a:lstStyle>
-            <a:lvl1pPr>
-              <a:defRPr sz="3200"/>
-            </a:lvl1pPr>
-          </a:lstStyle>
-          <a:p>
-            <a:r>
-              <a:rPr lang="zh-TW" altLang="en-US"/>
-              <a:t>按一下以編輯母片標題樣式</a:t>
-            </a:r>
-          </a:p>
-        </p:txBody>
-      </p:sp>
-      <p:sp>
-        <p:nvSpPr>
-          <p:cNvPr id="3" name="內容版面配置區 2">
-            <a:extLst>
-              <a:ext uri="{FF2B5EF4-FFF2-40B4-BE49-F238E27FC236}">
-                <a16:creationId xmlns:a16="http://schemas.microsoft.com/office/drawing/2014/main" id="{86E10944-F816-4D3C-9D55-2000BE13A95A}"/>
-              </a:ext>
-            </a:extLst>
-          </p:cNvPr>
-          <p:cNvSpPr>
-            <a:spLocks noGrp="1"/>
-          </p:cNvSpPr>
-          <p:nvPr>
-            <p:ph idx="1"/>
-          </p:nvPr>
-        </p:nvSpPr>
-        <p:spPr>
-          <a:xfrm>
-            <a:off x="5183188" y="987425"/>
-            <a:ext cx="6172200" cy="4873625"/>
-          </a:xfrm>
-        </p:spPr>
-        <p:txBody>
-          <a:bodyPr/>
-          <a:lstStyle>
-            <a:lvl1pPr>
-              <a:defRPr sz="3200"/>
-            </a:lvl1pPr>
-            <a:lvl2pPr>
-              <a:defRPr sz="2800"/>
-            </a:lvl2pPr>
-            <a:lvl3pPr>
-              <a:defRPr sz="2400"/>
-            </a:lvl3pPr>
-            <a:lvl4pPr>
-              <a:defRPr sz="2000"/>
-            </a:lvl4pPr>
-            <a:lvl5pPr>
-              <a:defRPr sz="2000"/>
-            </a:lvl5pPr>
-            <a:lvl6pPr>
-              <a:defRPr sz="2000"/>
-            </a:lvl6pPr>
-            <a:lvl7pPr>
-              <a:defRPr sz="2000"/>
-            </a:lvl7pPr>
-            <a:lvl8pPr>
-              <a:defRPr sz="2000"/>
-            </a:lvl8pPr>
-            <a:lvl9pPr>
-              <a:defRPr sz="2000"/>
-            </a:lvl9pPr>
-          </a:lstStyle>
-          <a:p>
-            <a:pPr lvl="0"/>
-            <a:r>
-              <a:rPr lang="zh-TW" altLang="en-US"/>
-              <a:t>按一下以編輯母片文字樣式</a:t>
-            </a:r>
-          </a:p>
-          <a:p>
-            <a:pPr lvl="1"/>
-            <a:r>
-              <a:rPr lang="zh-TW" altLang="en-US"/>
-              <a:t>第二層</a:t>
-            </a:r>
-          </a:p>
-          <a:p>
-            <a:pPr lvl="2"/>
-            <a:r>
-              <a:rPr lang="zh-TW" altLang="en-US"/>
-              <a:t>第三層</a:t>
-            </a:r>
-          </a:p>
-          <a:p>
-            <a:pPr lvl="3"/>
-            <a:r>
-              <a:rPr lang="zh-TW" altLang="en-US"/>
-              <a:t>第四層</a:t>
-            </a:r>
-          </a:p>
-          <a:p>
-            <a:pPr lvl="4"/>
-            <a:r>
-              <a:rPr lang="zh-TW" altLang="en-US"/>
-              <a:t>第五層</a:t>
-            </a:r>
-          </a:p>
-        </p:txBody>
-      </p:sp>
-      <p:sp>
-        <p:nvSpPr>
-          <p:cNvPr id="4" name="文字版面配置區 3">
-            <a:extLst>
-              <a:ext uri="{FF2B5EF4-FFF2-40B4-BE49-F238E27FC236}">
-                <a16:creationId xmlns:a16="http://schemas.microsoft.com/office/drawing/2014/main" id="{39490BF7-1244-48E3-92BD-9B7BCFA0C5CD}"/>
-              </a:ext>
-            </a:extLst>
-          </p:cNvPr>
-          <p:cNvSpPr>
-            <a:spLocks noGrp="1"/>
-          </p:cNvSpPr>
-          <p:nvPr>
-            <p:ph type="body" sz="half" idx="2"/>
-          </p:nvPr>
-        </p:nvSpPr>
-        <p:spPr>
-          <a:xfrm>
-            <a:off x="839788" y="2057400"/>
-            <a:ext cx="3932237" cy="3811588"/>
-          </a:xfrm>
-        </p:spPr>
-        <p:txBody>
-          <a:bodyPr/>
-          <a:lstStyle>
-            <a:lvl1pPr marL="0" indent="0">
-              <a:buNone/>
-              <a:defRPr sz="1600"/>
-            </a:lvl1pPr>
-            <a:lvl2pPr marL="457200" indent="0">
-              <a:buNone/>
-              <a:defRPr sz="1400"/>
-            </a:lvl2pPr>
-            <a:lvl3pPr marL="914400" indent="0">
-              <a:buNone/>
-              <a:defRPr sz="1200"/>
-            </a:lvl3pPr>
-            <a:lvl4pPr marL="1371600" indent="0">
-              <a:buNone/>
-              <a:defRPr sz="1000"/>
-            </a:lvl4pPr>
-            <a:lvl5pPr marL="1828800" indent="0">
-              <a:buNone/>
-              <a:defRPr sz="1000"/>
-            </a:lvl5pPr>
-            <a:lvl6pPr marL="2286000" indent="0">
-              <a:buNone/>
-              <a:defRPr sz="1000"/>
-            </a:lvl6pPr>
-            <a:lvl7pPr marL="2743200" indent="0">
-              <a:buNone/>
-              <a:defRPr sz="1000"/>
-            </a:lvl7pPr>
-            <a:lvl8pPr marL="3200400" indent="0">
-              <a:buNone/>
-              <a:defRPr sz="1000"/>
-            </a:lvl8pPr>
-            <a:lvl9pPr marL="3657600" indent="0">
-              <a:buNone/>
-              <a:defRPr sz="1000"/>
-            </a:lvl9pPr>
-          </a:lstStyle>
-          <a:p>
-            <a:pPr lvl="0"/>
-            <a:r>
-              <a:rPr lang="zh-TW" altLang="en-US"/>
-              <a:t>按一下以編輯母片文字樣式</a:t>
-            </a:r>
-          </a:p>
-        </p:txBody>
-      </p:sp>
-      <p:sp>
-        <p:nvSpPr>
-          <p:cNvPr id="8" name="頁尾版面配置區 4">
-            <a:extLst>
-              <a:ext uri="{FF2B5EF4-FFF2-40B4-BE49-F238E27FC236}">
-                <a16:creationId xmlns:a16="http://schemas.microsoft.com/office/drawing/2014/main" id="{62A376CE-D98D-486D-A1FC-0FAA7CB56CB4}"/>
-              </a:ext>
-            </a:extLst>
-          </p:cNvPr>
-          <p:cNvSpPr txBox="1">
-            <a:spLocks/>
-          </p:cNvSpPr>
-          <p:nvPr/>
-        </p:nvSpPr>
-        <p:spPr>
-          <a:xfrm>
-            <a:off x="0" y="6492875"/>
-            <a:ext cx="2743200" cy="365125"/>
-          </a:xfrm>
-          <a:prstGeom prst="rect">
-            <a:avLst/>
-          </a:prstGeom>
-        </p:spPr>
-        <p:txBody>
-          <a:bodyPr vert="horz" lIns="91440" tIns="45720" rIns="91440" bIns="45720" rtlCol="0" anchor="ctr"/>
-          <a:lstStyle>
-            <a:defPPr>
-              <a:defRPr lang="zh-TW"/>
-            </a:defPPr>
-            <a:lvl1pPr marL="0" algn="l" defTabSz="914400" rtl="0" eaLnBrk="1" latinLnBrk="0" hangingPunct="1">
-              <a:defRPr sz="1200" kern="1200">
-                <a:solidFill>
-                  <a:schemeClr val="tx1">
-                    <a:tint val="75000"/>
-                  </a:schemeClr>
-                </a:solidFill>
-                <a:latin typeface="+mn-lt"/>
-                <a:ea typeface="+mn-ea"/>
-                <a:cs typeface="+mn-cs"/>
-              </a:defRPr>
-            </a:lvl1pPr>
-            <a:lvl2pPr marL="457200" algn="l" defTabSz="914400" rtl="0" eaLnBrk="1" latinLnBrk="0" hangingPunct="1">
-              <a:defRPr sz="1800" kern="1200">
-                <a:solidFill>
-                  <a:schemeClr val="tx1"/>
-                </a:solidFill>
-                <a:latin typeface="+mn-lt"/>
-                <a:ea typeface="+mn-ea"/>
-                <a:cs typeface="+mn-cs"/>
-              </a:defRPr>
-            </a:lvl2pPr>
-            <a:lvl3pPr marL="914400" algn="l" defTabSz="914400" rtl="0" eaLnBrk="1" latinLnBrk="0" hangingPunct="1">
-              <a:defRPr sz="1800" kern="1200">
-                <a:solidFill>
-                  <a:schemeClr val="tx1"/>
-                </a:solidFill>
-                <a:latin typeface="+mn-lt"/>
-                <a:ea typeface="+mn-ea"/>
-                <a:cs typeface="+mn-cs"/>
-              </a:defRPr>
-            </a:lvl3pPr>
-            <a:lvl4pPr marL="1371600" algn="l" defTabSz="914400" rtl="0" eaLnBrk="1" latinLnBrk="0" hangingPunct="1">
-              <a:defRPr sz="1800" kern="1200">
-                <a:solidFill>
-                  <a:schemeClr val="tx1"/>
-                </a:solidFill>
-                <a:latin typeface="+mn-lt"/>
-                <a:ea typeface="+mn-ea"/>
-                <a:cs typeface="+mn-cs"/>
-              </a:defRPr>
-            </a:lvl4pPr>
-            <a:lvl5pPr marL="1828800" algn="l" defTabSz="914400" rtl="0" eaLnBrk="1" latinLnBrk="0" hangingPunct="1">
-              <a:defRPr sz="1800" kern="1200">
-                <a:solidFill>
-                  <a:schemeClr val="tx1"/>
-                </a:solidFill>
-                <a:latin typeface="+mn-lt"/>
-                <a:ea typeface="+mn-ea"/>
-                <a:cs typeface="+mn-cs"/>
-              </a:defRPr>
-            </a:lvl5pPr>
-            <a:lvl6pPr marL="2286000" algn="l" defTabSz="914400" rtl="0" eaLnBrk="1" latinLnBrk="0" hangingPunct="1">
-              <a:defRPr sz="1800" kern="1200">
-                <a:solidFill>
-                  <a:schemeClr val="tx1"/>
-                </a:solidFill>
-                <a:latin typeface="+mn-lt"/>
-                <a:ea typeface="+mn-ea"/>
-                <a:cs typeface="+mn-cs"/>
-              </a:defRPr>
-            </a:lvl6pPr>
-            <a:lvl7pPr marL="2743200" algn="l" defTabSz="914400" rtl="0" eaLnBrk="1" latinLnBrk="0" hangingPunct="1">
-              <a:defRPr sz="1800" kern="1200">
-                <a:solidFill>
-                  <a:schemeClr val="tx1"/>
-                </a:solidFill>
-                <a:latin typeface="+mn-lt"/>
-                <a:ea typeface="+mn-ea"/>
-                <a:cs typeface="+mn-cs"/>
-              </a:defRPr>
-            </a:lvl7pPr>
-            <a:lvl8pPr marL="3200400" algn="l" defTabSz="914400" rtl="0" eaLnBrk="1" latinLnBrk="0" hangingPunct="1">
-              <a:defRPr sz="1800" kern="1200">
-                <a:solidFill>
-                  <a:schemeClr val="tx1"/>
-                </a:solidFill>
-                <a:latin typeface="+mn-lt"/>
-                <a:ea typeface="+mn-ea"/>
-                <a:cs typeface="+mn-cs"/>
-              </a:defRPr>
-            </a:lvl8pPr>
-            <a:lvl9pPr marL="3657600" algn="l" defTabSz="914400" rtl="0" eaLnBrk="1" latinLnBrk="0" hangingPunct="1">
-              <a:defRPr sz="1800" kern="1200">
-                <a:solidFill>
-                  <a:schemeClr val="tx1"/>
-                </a:solidFill>
-                <a:latin typeface="+mn-lt"/>
-                <a:ea typeface="+mn-ea"/>
-                <a:cs typeface="+mn-cs"/>
-              </a:defRPr>
-            </a:lvl9pPr>
-          </a:lstStyle>
-          <a:p>
-            <a:r>
-              <a:rPr lang="en-US" altLang="zh-TW"/>
-              <a:t>TYIC</a:t>
-            </a:r>
-            <a:r>
-              <a:rPr lang="zh-TW" altLang="en-US"/>
-              <a:t>桃高資訊社</a:t>
-            </a:r>
-          </a:p>
-        </p:txBody>
-      </p:sp>
-      <p:sp>
-        <p:nvSpPr>
-          <p:cNvPr id="9" name="投影片編號版面配置區 5">
-            <a:extLst>
-              <a:ext uri="{FF2B5EF4-FFF2-40B4-BE49-F238E27FC236}">
-                <a16:creationId xmlns:a16="http://schemas.microsoft.com/office/drawing/2014/main" id="{2DE69523-299D-4C3A-A754-1550C8F5D7F7}"/>
-              </a:ext>
-            </a:extLst>
-          </p:cNvPr>
-          <p:cNvSpPr txBox="1">
-            <a:spLocks/>
-          </p:cNvSpPr>
-          <p:nvPr/>
-        </p:nvSpPr>
-        <p:spPr>
-          <a:xfrm>
-            <a:off x="9448800" y="6492874"/>
-            <a:ext cx="2743200" cy="365125"/>
-          </a:xfrm>
-          <a:prstGeom prst="rect">
-            <a:avLst/>
-          </a:prstGeom>
-        </p:spPr>
-        <p:txBody>
-          <a:bodyPr vert="horz" lIns="91440" tIns="45720" rIns="91440" bIns="45720" rtlCol="0" anchor="ctr"/>
-          <a:lstStyle>
-            <a:defPPr>
-              <a:defRPr lang="zh-TW"/>
-            </a:defPPr>
-            <a:lvl1pPr marL="0" algn="r" defTabSz="914400" rtl="0" eaLnBrk="1" latinLnBrk="0" hangingPunct="1">
-              <a:defRPr sz="1200" kern="1200">
-                <a:solidFill>
-                  <a:schemeClr val="tx1">
-                    <a:tint val="75000"/>
-                  </a:schemeClr>
-                </a:solidFill>
-                <a:latin typeface="+mn-lt"/>
-                <a:ea typeface="+mn-ea"/>
-                <a:cs typeface="+mn-cs"/>
-              </a:defRPr>
-            </a:lvl1pPr>
-            <a:lvl2pPr marL="457200" algn="l" defTabSz="914400" rtl="0" eaLnBrk="1" latinLnBrk="0" hangingPunct="1">
-              <a:defRPr sz="1800" kern="1200">
-                <a:solidFill>
-                  <a:schemeClr val="tx1"/>
-                </a:solidFill>
-                <a:latin typeface="+mn-lt"/>
-                <a:ea typeface="+mn-ea"/>
-                <a:cs typeface="+mn-cs"/>
-              </a:defRPr>
-            </a:lvl2pPr>
-            <a:lvl3pPr marL="914400" algn="l" defTabSz="914400" rtl="0" eaLnBrk="1" latinLnBrk="0" hangingPunct="1">
-              <a:defRPr sz="1800" kern="1200">
-                <a:solidFill>
-                  <a:schemeClr val="tx1"/>
-                </a:solidFill>
-                <a:latin typeface="+mn-lt"/>
-                <a:ea typeface="+mn-ea"/>
-                <a:cs typeface="+mn-cs"/>
-              </a:defRPr>
-            </a:lvl3pPr>
-            <a:lvl4pPr marL="1371600" algn="l" defTabSz="914400" rtl="0" eaLnBrk="1" latinLnBrk="0" hangingPunct="1">
-              <a:defRPr sz="1800" kern="1200">
-                <a:solidFill>
-                  <a:schemeClr val="tx1"/>
-                </a:solidFill>
-                <a:latin typeface="+mn-lt"/>
-                <a:ea typeface="+mn-ea"/>
-                <a:cs typeface="+mn-cs"/>
-              </a:defRPr>
-            </a:lvl4pPr>
-            <a:lvl5pPr marL="1828800" algn="l" defTabSz="914400" rtl="0" eaLnBrk="1" latinLnBrk="0" hangingPunct="1">
-              <a:defRPr sz="1800" kern="1200">
-                <a:solidFill>
-                  <a:schemeClr val="tx1"/>
-                </a:solidFill>
-                <a:latin typeface="+mn-lt"/>
-                <a:ea typeface="+mn-ea"/>
-                <a:cs typeface="+mn-cs"/>
-              </a:defRPr>
-            </a:lvl5pPr>
-            <a:lvl6pPr marL="2286000" algn="l" defTabSz="914400" rtl="0" eaLnBrk="1" latinLnBrk="0" hangingPunct="1">
-              <a:defRPr sz="1800" kern="1200">
-                <a:solidFill>
-                  <a:schemeClr val="tx1"/>
-                </a:solidFill>
-                <a:latin typeface="+mn-lt"/>
-                <a:ea typeface="+mn-ea"/>
-                <a:cs typeface="+mn-cs"/>
-              </a:defRPr>
-            </a:lvl6pPr>
-            <a:lvl7pPr marL="2743200" algn="l" defTabSz="914400" rtl="0" eaLnBrk="1" latinLnBrk="0" hangingPunct="1">
-              <a:defRPr sz="1800" kern="1200">
-                <a:solidFill>
-                  <a:schemeClr val="tx1"/>
-                </a:solidFill>
-                <a:latin typeface="+mn-lt"/>
-                <a:ea typeface="+mn-ea"/>
-                <a:cs typeface="+mn-cs"/>
-              </a:defRPr>
-            </a:lvl7pPr>
-            <a:lvl8pPr marL="3200400" algn="l" defTabSz="914400" rtl="0" eaLnBrk="1" latinLnBrk="0" hangingPunct="1">
-              <a:defRPr sz="1800" kern="1200">
-                <a:solidFill>
-                  <a:schemeClr val="tx1"/>
-                </a:solidFill>
-                <a:latin typeface="+mn-lt"/>
-                <a:ea typeface="+mn-ea"/>
-                <a:cs typeface="+mn-cs"/>
-              </a:defRPr>
-            </a:lvl8pPr>
-            <a:lvl9pPr marL="3657600" algn="l" defTabSz="914400" rtl="0" eaLnBrk="1" latinLnBrk="0" hangingPunct="1">
-              <a:defRPr sz="1800" kern="1200">
-                <a:solidFill>
-                  <a:schemeClr val="tx1"/>
-                </a:solidFill>
-                <a:latin typeface="+mn-lt"/>
-                <a:ea typeface="+mn-ea"/>
-                <a:cs typeface="+mn-cs"/>
-              </a:defRPr>
-            </a:lvl9pPr>
-          </a:lstStyle>
-          <a:p>
-            <a:fld id="{D4328D90-2A6F-4F23-88A8-C5DCC2B5F307}" type="slidenum">
-              <a:rPr lang="zh-TW" altLang="en-US" smtClean="0"/>
-              <a:pPr/>
-              <a:t>‹#›</a:t>
-            </a:fld>
-            <a:endParaRPr lang="zh-TW" altLang="en-US"/>
-          </a:p>
-        </p:txBody>
-      </p:sp>
-      <p:sp>
-        <p:nvSpPr>
-          <p:cNvPr id="7" name="頁尾版面配置區 4">
-            <a:extLst>
-              <a:ext uri="{FF2B5EF4-FFF2-40B4-BE49-F238E27FC236}">
-                <a16:creationId xmlns:a16="http://schemas.microsoft.com/office/drawing/2014/main" id="{5C61AB5E-1760-475F-A1B8-061721352C76}"/>
-              </a:ext>
-            </a:extLst>
-          </p:cNvPr>
-          <p:cNvSpPr txBox="1">
-            <a:spLocks/>
-          </p:cNvSpPr>
-          <p:nvPr/>
-        </p:nvSpPr>
-        <p:spPr>
-          <a:xfrm>
-            <a:off x="0" y="6492875"/>
-            <a:ext cx="2743200" cy="365125"/>
-          </a:xfrm>
-          <a:prstGeom prst="rect">
-            <a:avLst/>
-          </a:prstGeom>
-        </p:spPr>
-        <p:txBody>
-          <a:bodyPr vert="horz" lIns="91440" tIns="45720" rIns="91440" bIns="45720" rtlCol="0" anchor="ctr"/>
-          <a:lstStyle>
-            <a:defPPr>
-              <a:defRPr lang="zh-TW"/>
-            </a:defPPr>
-            <a:lvl1pPr marL="0" algn="l" defTabSz="914400" rtl="0" eaLnBrk="1" latinLnBrk="0" hangingPunct="1">
-              <a:defRPr sz="1200" kern="1200">
-                <a:solidFill>
-                  <a:schemeClr val="tx1">
-                    <a:tint val="75000"/>
-                  </a:schemeClr>
-                </a:solidFill>
-                <a:latin typeface="+mn-lt"/>
-                <a:ea typeface="+mn-ea"/>
-                <a:cs typeface="+mn-cs"/>
-              </a:defRPr>
-            </a:lvl1pPr>
-            <a:lvl2pPr marL="457200" algn="l" defTabSz="914400" rtl="0" eaLnBrk="1" latinLnBrk="0" hangingPunct="1">
-              <a:defRPr sz="1800" kern="1200">
-                <a:solidFill>
-                  <a:schemeClr val="tx1"/>
-                </a:solidFill>
-                <a:latin typeface="+mn-lt"/>
-                <a:ea typeface="+mn-ea"/>
-                <a:cs typeface="+mn-cs"/>
-              </a:defRPr>
-            </a:lvl2pPr>
-            <a:lvl3pPr marL="914400" algn="l" defTabSz="914400" rtl="0" eaLnBrk="1" latinLnBrk="0" hangingPunct="1">
-              <a:defRPr sz="1800" kern="1200">
-                <a:solidFill>
-                  <a:schemeClr val="tx1"/>
-                </a:solidFill>
-                <a:latin typeface="+mn-lt"/>
-                <a:ea typeface="+mn-ea"/>
-                <a:cs typeface="+mn-cs"/>
-              </a:defRPr>
-            </a:lvl3pPr>
-            <a:lvl4pPr marL="1371600" algn="l" defTabSz="914400" rtl="0" eaLnBrk="1" latinLnBrk="0" hangingPunct="1">
-              <a:defRPr sz="1800" kern="1200">
-                <a:solidFill>
-                  <a:schemeClr val="tx1"/>
-                </a:solidFill>
-                <a:latin typeface="+mn-lt"/>
-                <a:ea typeface="+mn-ea"/>
-                <a:cs typeface="+mn-cs"/>
-              </a:defRPr>
-            </a:lvl4pPr>
-            <a:lvl5pPr marL="1828800" algn="l" defTabSz="914400" rtl="0" eaLnBrk="1" latinLnBrk="0" hangingPunct="1">
-              <a:defRPr sz="1800" kern="1200">
-                <a:solidFill>
-                  <a:schemeClr val="tx1"/>
-                </a:solidFill>
-                <a:latin typeface="+mn-lt"/>
-                <a:ea typeface="+mn-ea"/>
-                <a:cs typeface="+mn-cs"/>
-              </a:defRPr>
-            </a:lvl5pPr>
-            <a:lvl6pPr marL="2286000" algn="l" defTabSz="914400" rtl="0" eaLnBrk="1" latinLnBrk="0" hangingPunct="1">
-              <a:defRPr sz="1800" kern="1200">
-                <a:solidFill>
-                  <a:schemeClr val="tx1"/>
-                </a:solidFill>
-                <a:latin typeface="+mn-lt"/>
-                <a:ea typeface="+mn-ea"/>
-                <a:cs typeface="+mn-cs"/>
-              </a:defRPr>
-            </a:lvl6pPr>
-            <a:lvl7pPr marL="2743200" algn="l" defTabSz="914400" rtl="0" eaLnBrk="1" latinLnBrk="0" hangingPunct="1">
-              <a:defRPr sz="1800" kern="1200">
-                <a:solidFill>
-                  <a:schemeClr val="tx1"/>
-                </a:solidFill>
-                <a:latin typeface="+mn-lt"/>
-                <a:ea typeface="+mn-ea"/>
-                <a:cs typeface="+mn-cs"/>
-              </a:defRPr>
-            </a:lvl7pPr>
-            <a:lvl8pPr marL="3200400" algn="l" defTabSz="914400" rtl="0" eaLnBrk="1" latinLnBrk="0" hangingPunct="1">
-              <a:defRPr sz="1800" kern="1200">
-                <a:solidFill>
-                  <a:schemeClr val="tx1"/>
-                </a:solidFill>
-                <a:latin typeface="+mn-lt"/>
-                <a:ea typeface="+mn-ea"/>
-                <a:cs typeface="+mn-cs"/>
-              </a:defRPr>
-            </a:lvl8pPr>
-            <a:lvl9pPr marL="3657600" algn="l" defTabSz="914400" rtl="0" eaLnBrk="1" latinLnBrk="0" hangingPunct="1">
-              <a:defRPr sz="1800" kern="1200">
-                <a:solidFill>
-                  <a:schemeClr val="tx1"/>
-                </a:solidFill>
-                <a:latin typeface="+mn-lt"/>
-                <a:ea typeface="+mn-ea"/>
-                <a:cs typeface="+mn-cs"/>
-              </a:defRPr>
-            </a:lvl9pPr>
-          </a:lstStyle>
-          <a:p>
-            <a:r>
-              <a:rPr lang="en-US" altLang="zh-TW" dirty="0"/>
-              <a:t>TYIC</a:t>
-            </a:r>
-            <a:r>
-              <a:rPr lang="zh-TW" altLang="en-US"/>
-              <a:t>桃高資訊社</a:t>
-            </a:r>
-          </a:p>
-        </p:txBody>
-      </p:sp>
-      <p:sp>
-        <p:nvSpPr>
-          <p:cNvPr id="10" name="投影片編號版面配置區 5">
-            <a:extLst>
-              <a:ext uri="{FF2B5EF4-FFF2-40B4-BE49-F238E27FC236}">
-                <a16:creationId xmlns:a16="http://schemas.microsoft.com/office/drawing/2014/main" id="{9E366190-11AD-4701-810E-B13A72A655B0}"/>
-              </a:ext>
-            </a:extLst>
-          </p:cNvPr>
-          <p:cNvSpPr txBox="1">
-            <a:spLocks/>
-          </p:cNvSpPr>
-          <p:nvPr/>
-        </p:nvSpPr>
-        <p:spPr>
-          <a:xfrm>
-            <a:off x="9448800" y="6492874"/>
-            <a:ext cx="2743200" cy="365125"/>
-          </a:xfrm>
-          <a:prstGeom prst="rect">
-            <a:avLst/>
-          </a:prstGeom>
-        </p:spPr>
-        <p:txBody>
-          <a:bodyPr vert="horz" lIns="91440" tIns="45720" rIns="91440" bIns="45720" rtlCol="0" anchor="ctr"/>
-          <a:lstStyle>
-            <a:defPPr>
-              <a:defRPr lang="zh-TW"/>
-            </a:defPPr>
-            <a:lvl1pPr marL="0" algn="r" defTabSz="914400" rtl="0" eaLnBrk="1" latinLnBrk="0" hangingPunct="1">
-              <a:defRPr sz="1200" kern="1200">
-                <a:solidFill>
-                  <a:schemeClr val="tx1">
-                    <a:tint val="75000"/>
-                  </a:schemeClr>
-                </a:solidFill>
-                <a:latin typeface="+mn-lt"/>
-                <a:ea typeface="+mn-ea"/>
-                <a:cs typeface="+mn-cs"/>
-              </a:defRPr>
-            </a:lvl1pPr>
-            <a:lvl2pPr marL="457200" algn="l" defTabSz="914400" rtl="0" eaLnBrk="1" latinLnBrk="0" hangingPunct="1">
-              <a:defRPr sz="1800" kern="1200">
-                <a:solidFill>
-                  <a:schemeClr val="tx1"/>
-                </a:solidFill>
-                <a:latin typeface="+mn-lt"/>
-                <a:ea typeface="+mn-ea"/>
-                <a:cs typeface="+mn-cs"/>
-              </a:defRPr>
-            </a:lvl2pPr>
-            <a:lvl3pPr marL="914400" algn="l" defTabSz="914400" rtl="0" eaLnBrk="1" latinLnBrk="0" hangingPunct="1">
-              <a:defRPr sz="1800" kern="1200">
-                <a:solidFill>
-                  <a:schemeClr val="tx1"/>
-                </a:solidFill>
-                <a:latin typeface="+mn-lt"/>
-                <a:ea typeface="+mn-ea"/>
-                <a:cs typeface="+mn-cs"/>
-              </a:defRPr>
-            </a:lvl3pPr>
-            <a:lvl4pPr marL="1371600" algn="l" defTabSz="914400" rtl="0" eaLnBrk="1" latinLnBrk="0" hangingPunct="1">
-              <a:defRPr sz="1800" kern="1200">
-                <a:solidFill>
-                  <a:schemeClr val="tx1"/>
-                </a:solidFill>
-                <a:latin typeface="+mn-lt"/>
-                <a:ea typeface="+mn-ea"/>
-                <a:cs typeface="+mn-cs"/>
-              </a:defRPr>
-            </a:lvl4pPr>
-            <a:lvl5pPr marL="1828800" algn="l" defTabSz="914400" rtl="0" eaLnBrk="1" latinLnBrk="0" hangingPunct="1">
-              <a:defRPr sz="1800" kern="1200">
-                <a:solidFill>
-                  <a:schemeClr val="tx1"/>
-                </a:solidFill>
-                <a:latin typeface="+mn-lt"/>
-                <a:ea typeface="+mn-ea"/>
-                <a:cs typeface="+mn-cs"/>
-              </a:defRPr>
-            </a:lvl5pPr>
-            <a:lvl6pPr marL="2286000" algn="l" defTabSz="914400" rtl="0" eaLnBrk="1" latinLnBrk="0" hangingPunct="1">
-              <a:defRPr sz="1800" kern="1200">
-                <a:solidFill>
-                  <a:schemeClr val="tx1"/>
-                </a:solidFill>
-                <a:latin typeface="+mn-lt"/>
-                <a:ea typeface="+mn-ea"/>
-                <a:cs typeface="+mn-cs"/>
-              </a:defRPr>
-            </a:lvl6pPr>
-            <a:lvl7pPr marL="2743200" algn="l" defTabSz="914400" rtl="0" eaLnBrk="1" latinLnBrk="0" hangingPunct="1">
-              <a:defRPr sz="1800" kern="1200">
-                <a:solidFill>
-                  <a:schemeClr val="tx1"/>
-                </a:solidFill>
-                <a:latin typeface="+mn-lt"/>
-                <a:ea typeface="+mn-ea"/>
-                <a:cs typeface="+mn-cs"/>
-              </a:defRPr>
-            </a:lvl7pPr>
-            <a:lvl8pPr marL="3200400" algn="l" defTabSz="914400" rtl="0" eaLnBrk="1" latinLnBrk="0" hangingPunct="1">
-              <a:defRPr sz="1800" kern="1200">
-                <a:solidFill>
-                  <a:schemeClr val="tx1"/>
-                </a:solidFill>
-                <a:latin typeface="+mn-lt"/>
-                <a:ea typeface="+mn-ea"/>
-                <a:cs typeface="+mn-cs"/>
-              </a:defRPr>
-            </a:lvl8pPr>
-            <a:lvl9pPr marL="3657600" algn="l" defTabSz="914400" rtl="0" eaLnBrk="1" latinLnBrk="0" hangingPunct="1">
-              <a:defRPr sz="1800" kern="1200">
-                <a:solidFill>
-                  <a:schemeClr val="tx1"/>
-                </a:solidFill>
-                <a:latin typeface="+mn-lt"/>
-                <a:ea typeface="+mn-ea"/>
-                <a:cs typeface="+mn-cs"/>
-              </a:defRPr>
-            </a:lvl9pPr>
-          </a:lstStyle>
-          <a:p>
-            <a:fld id="{D4328D90-2A6F-4F23-88A8-C5DCC2B5F307}" type="slidenum">
-              <a:rPr lang="zh-TW" altLang="en-US" smtClean="0"/>
-              <a:pPr/>
-              <a:t>‹#›</a:t>
-            </a:fld>
-            <a:endParaRPr lang="zh-TW" altLang="en-US"/>
-          </a:p>
-        </p:txBody>
-      </p:sp>
-    </p:spTree>
-    <p:extLst>
-      <p:ext uri="{BB962C8B-B14F-4D97-AF65-F5344CB8AC3E}">
-        <p14:creationId xmlns:p14="http://schemas.microsoft.com/office/powerpoint/2010/main" val="2523205771"/>
-      </p:ext>
-    </p:extLst>
-  </p:cSld>
-  <p:clrMapOvr>
-    <a:masterClrMapping/>
-  </p:clrMapOvr>
-  <p:transition spd="slow">
-    <p:push dir="u"/>
-  </p:transition>
-</p:sldLayout>
-</file>
-
-<file path=ppt/slideLayouts/slideLayout9.xml><?xml version="1.0" encoding="utf-8"?>
-<p:sldLayout xmlns:a="http://schemas.openxmlformats.org/drawingml/2006/main" xmlns:r="http://schemas.openxmlformats.org/officeDocument/2006/relationships" xmlns:p="http://schemas.openxmlformats.org/presentationml/2006/main" type="picTx" preserve="1">
-  <p:cSld name="含輔助字幕的圖片">
-    <p:spTree>
-      <p:nvGrpSpPr>
-        <p:cNvPr id="1" name=""/>
-        <p:cNvGrpSpPr/>
-        <p:nvPr/>
-      </p:nvGrpSpPr>
-      <p:grpSpPr>
-        <a:xfrm>
-          <a:off x="0" y="0"/>
-          <a:ext cx="0" cy="0"/>
-          <a:chOff x="0" y="0"/>
-          <a:chExt cx="0" cy="0"/>
-        </a:xfrm>
-      </p:grpSpPr>
-      <p:sp>
-        <p:nvSpPr>
-          <p:cNvPr id="2" name="標題 1">
-            <a:extLst>
-              <a:ext uri="{FF2B5EF4-FFF2-40B4-BE49-F238E27FC236}">
-                <a16:creationId xmlns:a16="http://schemas.microsoft.com/office/drawing/2014/main" id="{BE535801-9853-4F81-918E-E55C33357D57}"/>
-              </a:ext>
-            </a:extLst>
-          </p:cNvPr>
-          <p:cNvSpPr>
-            <a:spLocks noGrp="1"/>
-          </p:cNvSpPr>
-          <p:nvPr>
-            <p:ph type="title"/>
-          </p:nvPr>
-        </p:nvSpPr>
-        <p:spPr>
-          <a:xfrm>
-            <a:off x="839788" y="457200"/>
-            <a:ext cx="3932237" cy="1600200"/>
-          </a:xfrm>
-        </p:spPr>
-        <p:txBody>
-          <a:bodyPr anchor="b"/>
-          <a:lstStyle>
-            <a:lvl1pPr>
-              <a:defRPr sz="3200"/>
-            </a:lvl1pPr>
-          </a:lstStyle>
-          <a:p>
-            <a:r>
-              <a:rPr lang="zh-TW" altLang="en-US"/>
-              <a:t>按一下以編輯母片標題樣式</a:t>
-            </a:r>
-          </a:p>
-        </p:txBody>
-      </p:sp>
-      <p:sp>
-        <p:nvSpPr>
-          <p:cNvPr id="3" name="圖片版面配置區 2">
-            <a:extLst>
-              <a:ext uri="{FF2B5EF4-FFF2-40B4-BE49-F238E27FC236}">
-                <a16:creationId xmlns:a16="http://schemas.microsoft.com/office/drawing/2014/main" id="{7CCBC987-FAA7-4264-8CC0-2E6F221D3AB9}"/>
-              </a:ext>
-            </a:extLst>
-          </p:cNvPr>
-          <p:cNvSpPr>
-            <a:spLocks noGrp="1"/>
-          </p:cNvSpPr>
-          <p:nvPr>
-            <p:ph type="pic" idx="1"/>
-          </p:nvPr>
-        </p:nvSpPr>
-        <p:spPr>
-          <a:xfrm>
-            <a:off x="5183188" y="987425"/>
-            <a:ext cx="6172200" cy="4873625"/>
-          </a:xfrm>
-        </p:spPr>
-        <p:txBody>
-          <a:bodyPr/>
-          <a:lstStyle>
-            <a:lvl1pPr marL="0" indent="0">
-              <a:buNone/>
-              <a:defRPr sz="3200"/>
-            </a:lvl1pPr>
-            <a:lvl2pPr marL="457200" indent="0">
-              <a:buNone/>
-              <a:defRPr sz="2800"/>
-            </a:lvl2pPr>
-            <a:lvl3pPr marL="914400" indent="0">
-              <a:buNone/>
-              <a:defRPr sz="2400"/>
-            </a:lvl3pPr>
-            <a:lvl4pPr marL="1371600" indent="0">
-              <a:buNone/>
-              <a:defRPr sz="2000"/>
-            </a:lvl4pPr>
-            <a:lvl5pPr marL="1828800" indent="0">
-              <a:buNone/>
-              <a:defRPr sz="2000"/>
-            </a:lvl5pPr>
-            <a:lvl6pPr marL="2286000" indent="0">
-              <a:buNone/>
-              <a:defRPr sz="2000"/>
-            </a:lvl6pPr>
-            <a:lvl7pPr marL="2743200" indent="0">
-              <a:buNone/>
-              <a:defRPr sz="2000"/>
-            </a:lvl7pPr>
-            <a:lvl8pPr marL="3200400" indent="0">
-              <a:buNone/>
-              <a:defRPr sz="2000"/>
-            </a:lvl8pPr>
-            <a:lvl9pPr marL="3657600" indent="0">
-              <a:buNone/>
-              <a:defRPr sz="2000"/>
-            </a:lvl9pPr>
-          </a:lstStyle>
-          <a:p>
-            <a:r>
-              <a:rPr lang="zh-TW" altLang="en-US"/>
-              <a:t>按一下圖示以新增圖片</a:t>
-            </a:r>
-          </a:p>
-        </p:txBody>
-      </p:sp>
-      <p:sp>
-        <p:nvSpPr>
-          <p:cNvPr id="4" name="文字版面配置區 3">
-            <a:extLst>
-              <a:ext uri="{FF2B5EF4-FFF2-40B4-BE49-F238E27FC236}">
-                <a16:creationId xmlns:a16="http://schemas.microsoft.com/office/drawing/2014/main" id="{6113A0E9-5B1A-476F-B87A-DD123DA8BFDF}"/>
-              </a:ext>
-            </a:extLst>
-          </p:cNvPr>
-          <p:cNvSpPr>
-            <a:spLocks noGrp="1"/>
-          </p:cNvSpPr>
-          <p:nvPr>
-            <p:ph type="body" sz="half" idx="2"/>
-          </p:nvPr>
-        </p:nvSpPr>
-        <p:spPr>
-          <a:xfrm>
-            <a:off x="839788" y="2057400"/>
-            <a:ext cx="3932237" cy="3811588"/>
-          </a:xfrm>
-        </p:spPr>
-        <p:txBody>
-          <a:bodyPr/>
-          <a:lstStyle>
-            <a:lvl1pPr marL="0" indent="0">
-              <a:buNone/>
-              <a:defRPr sz="1600"/>
-            </a:lvl1pPr>
-            <a:lvl2pPr marL="457200" indent="0">
-              <a:buNone/>
-              <a:defRPr sz="1400"/>
-            </a:lvl2pPr>
-            <a:lvl3pPr marL="914400" indent="0">
-              <a:buNone/>
-              <a:defRPr sz="1200"/>
-            </a:lvl3pPr>
-            <a:lvl4pPr marL="1371600" indent="0">
-              <a:buNone/>
-              <a:defRPr sz="1000"/>
-            </a:lvl4pPr>
-            <a:lvl5pPr marL="1828800" indent="0">
-              <a:buNone/>
-              <a:defRPr sz="1000"/>
-            </a:lvl5pPr>
-            <a:lvl6pPr marL="2286000" indent="0">
-              <a:buNone/>
-              <a:defRPr sz="1000"/>
-            </a:lvl6pPr>
-            <a:lvl7pPr marL="2743200" indent="0">
-              <a:buNone/>
-              <a:defRPr sz="1000"/>
-            </a:lvl7pPr>
-            <a:lvl8pPr marL="3200400" indent="0">
-              <a:buNone/>
-              <a:defRPr sz="1000"/>
-            </a:lvl8pPr>
-            <a:lvl9pPr marL="3657600" indent="0">
-              <a:buNone/>
-              <a:defRPr sz="1000"/>
-            </a:lvl9pPr>
-          </a:lstStyle>
-          <a:p>
-            <a:pPr lvl="0"/>
-            <a:r>
-              <a:rPr lang="zh-TW" altLang="en-US"/>
-              <a:t>按一下以編輯母片文字樣式</a:t>
-            </a:r>
-          </a:p>
-        </p:txBody>
-      </p:sp>
-      <p:sp>
-        <p:nvSpPr>
-          <p:cNvPr id="8" name="頁尾版面配置區 4">
-            <a:extLst>
-              <a:ext uri="{FF2B5EF4-FFF2-40B4-BE49-F238E27FC236}">
-                <a16:creationId xmlns:a16="http://schemas.microsoft.com/office/drawing/2014/main" id="{7B7B89AD-AB9E-48F8-B85F-14FF932E8842}"/>
-              </a:ext>
-            </a:extLst>
-          </p:cNvPr>
-          <p:cNvSpPr txBox="1">
-            <a:spLocks/>
-          </p:cNvSpPr>
-          <p:nvPr/>
-        </p:nvSpPr>
-        <p:spPr>
-          <a:xfrm>
-            <a:off x="0" y="6492875"/>
-            <a:ext cx="2743200" cy="365125"/>
-          </a:xfrm>
-          <a:prstGeom prst="rect">
-            <a:avLst/>
-          </a:prstGeom>
-        </p:spPr>
-        <p:txBody>
-          <a:bodyPr vert="horz" lIns="91440" tIns="45720" rIns="91440" bIns="45720" rtlCol="0" anchor="ctr"/>
-          <a:lstStyle>
-            <a:defPPr>
-              <a:defRPr lang="zh-TW"/>
-            </a:defPPr>
-            <a:lvl1pPr marL="0" algn="l" defTabSz="914400" rtl="0" eaLnBrk="1" latinLnBrk="0" hangingPunct="1">
-              <a:defRPr sz="1200" kern="1200">
-                <a:solidFill>
-                  <a:schemeClr val="tx1">
-                    <a:tint val="75000"/>
-                  </a:schemeClr>
-                </a:solidFill>
-                <a:latin typeface="+mn-lt"/>
-                <a:ea typeface="+mn-ea"/>
-                <a:cs typeface="+mn-cs"/>
-              </a:defRPr>
-            </a:lvl1pPr>
-            <a:lvl2pPr marL="457200" algn="l" defTabSz="914400" rtl="0" eaLnBrk="1" latinLnBrk="0" hangingPunct="1">
-              <a:defRPr sz="1800" kern="1200">
-                <a:solidFill>
-                  <a:schemeClr val="tx1"/>
-                </a:solidFill>
-                <a:latin typeface="+mn-lt"/>
-                <a:ea typeface="+mn-ea"/>
-                <a:cs typeface="+mn-cs"/>
-              </a:defRPr>
-            </a:lvl2pPr>
-            <a:lvl3pPr marL="914400" algn="l" defTabSz="914400" rtl="0" eaLnBrk="1" latinLnBrk="0" hangingPunct="1">
-              <a:defRPr sz="1800" kern="1200">
-                <a:solidFill>
-                  <a:schemeClr val="tx1"/>
-                </a:solidFill>
-                <a:latin typeface="+mn-lt"/>
-                <a:ea typeface="+mn-ea"/>
-                <a:cs typeface="+mn-cs"/>
-              </a:defRPr>
-            </a:lvl3pPr>
-            <a:lvl4pPr marL="1371600" algn="l" defTabSz="914400" rtl="0" eaLnBrk="1" latinLnBrk="0" hangingPunct="1">
-              <a:defRPr sz="1800" kern="1200">
-                <a:solidFill>
-                  <a:schemeClr val="tx1"/>
-                </a:solidFill>
-                <a:latin typeface="+mn-lt"/>
-                <a:ea typeface="+mn-ea"/>
-                <a:cs typeface="+mn-cs"/>
-              </a:defRPr>
-            </a:lvl4pPr>
-            <a:lvl5pPr marL="1828800" algn="l" defTabSz="914400" rtl="0" eaLnBrk="1" latinLnBrk="0" hangingPunct="1">
-              <a:defRPr sz="1800" kern="1200">
-                <a:solidFill>
-                  <a:schemeClr val="tx1"/>
-                </a:solidFill>
-                <a:latin typeface="+mn-lt"/>
-                <a:ea typeface="+mn-ea"/>
-                <a:cs typeface="+mn-cs"/>
-              </a:defRPr>
-            </a:lvl5pPr>
-            <a:lvl6pPr marL="2286000" algn="l" defTabSz="914400" rtl="0" eaLnBrk="1" latinLnBrk="0" hangingPunct="1">
-              <a:defRPr sz="1800" kern="1200">
-                <a:solidFill>
-                  <a:schemeClr val="tx1"/>
-                </a:solidFill>
-                <a:latin typeface="+mn-lt"/>
-                <a:ea typeface="+mn-ea"/>
-                <a:cs typeface="+mn-cs"/>
-              </a:defRPr>
-            </a:lvl6pPr>
-            <a:lvl7pPr marL="2743200" algn="l" defTabSz="914400" rtl="0" eaLnBrk="1" latinLnBrk="0" hangingPunct="1">
-              <a:defRPr sz="1800" kern="1200">
-                <a:solidFill>
-                  <a:schemeClr val="tx1"/>
-                </a:solidFill>
-                <a:latin typeface="+mn-lt"/>
-                <a:ea typeface="+mn-ea"/>
-                <a:cs typeface="+mn-cs"/>
-              </a:defRPr>
-            </a:lvl7pPr>
-            <a:lvl8pPr marL="3200400" algn="l" defTabSz="914400" rtl="0" eaLnBrk="1" latinLnBrk="0" hangingPunct="1">
-              <a:defRPr sz="1800" kern="1200">
-                <a:solidFill>
-                  <a:schemeClr val="tx1"/>
-                </a:solidFill>
-                <a:latin typeface="+mn-lt"/>
-                <a:ea typeface="+mn-ea"/>
-                <a:cs typeface="+mn-cs"/>
-              </a:defRPr>
-            </a:lvl8pPr>
-            <a:lvl9pPr marL="3657600" algn="l" defTabSz="914400" rtl="0" eaLnBrk="1" latinLnBrk="0" hangingPunct="1">
-              <a:defRPr sz="1800" kern="1200">
-                <a:solidFill>
-                  <a:schemeClr val="tx1"/>
-                </a:solidFill>
-                <a:latin typeface="+mn-lt"/>
-                <a:ea typeface="+mn-ea"/>
-                <a:cs typeface="+mn-cs"/>
-              </a:defRPr>
-            </a:lvl9pPr>
-          </a:lstStyle>
-          <a:p>
-            <a:r>
-              <a:rPr lang="en-US" altLang="zh-TW"/>
-              <a:t>TYIC</a:t>
-            </a:r>
-            <a:r>
-              <a:rPr lang="zh-TW" altLang="en-US"/>
-              <a:t>桃高資訊社</a:t>
-            </a:r>
-          </a:p>
-        </p:txBody>
-      </p:sp>
-      <p:sp>
-        <p:nvSpPr>
-          <p:cNvPr id="9" name="投影片編號版面配置區 5">
-            <a:extLst>
-              <a:ext uri="{FF2B5EF4-FFF2-40B4-BE49-F238E27FC236}">
-                <a16:creationId xmlns:a16="http://schemas.microsoft.com/office/drawing/2014/main" id="{462D3499-D09D-4E37-BE04-5CFD293C1093}"/>
-              </a:ext>
-            </a:extLst>
-          </p:cNvPr>
-          <p:cNvSpPr txBox="1">
-            <a:spLocks/>
-          </p:cNvSpPr>
-          <p:nvPr/>
-        </p:nvSpPr>
-        <p:spPr>
-          <a:xfrm>
-            <a:off x="9448800" y="6492874"/>
-            <a:ext cx="2743200" cy="365125"/>
-          </a:xfrm>
-          <a:prstGeom prst="rect">
-            <a:avLst/>
-          </a:prstGeom>
-        </p:spPr>
-        <p:txBody>
-          <a:bodyPr vert="horz" lIns="91440" tIns="45720" rIns="91440" bIns="45720" rtlCol="0" anchor="ctr"/>
-          <a:lstStyle>
-            <a:defPPr>
-              <a:defRPr lang="zh-TW"/>
-            </a:defPPr>
-            <a:lvl1pPr marL="0" algn="r" defTabSz="914400" rtl="0" eaLnBrk="1" latinLnBrk="0" hangingPunct="1">
-              <a:defRPr sz="1200" kern="1200">
-                <a:solidFill>
-                  <a:schemeClr val="tx1">
-                    <a:tint val="75000"/>
-                  </a:schemeClr>
-                </a:solidFill>
-                <a:latin typeface="+mn-lt"/>
-                <a:ea typeface="+mn-ea"/>
-                <a:cs typeface="+mn-cs"/>
-              </a:defRPr>
-            </a:lvl1pPr>
-            <a:lvl2pPr marL="457200" algn="l" defTabSz="914400" rtl="0" eaLnBrk="1" latinLnBrk="0" hangingPunct="1">
-              <a:defRPr sz="1800" kern="1200">
-                <a:solidFill>
-                  <a:schemeClr val="tx1"/>
-                </a:solidFill>
-                <a:latin typeface="+mn-lt"/>
-                <a:ea typeface="+mn-ea"/>
-                <a:cs typeface="+mn-cs"/>
-              </a:defRPr>
-            </a:lvl2pPr>
-            <a:lvl3pPr marL="914400" algn="l" defTabSz="914400" rtl="0" eaLnBrk="1" latinLnBrk="0" hangingPunct="1">
-              <a:defRPr sz="1800" kern="1200">
-                <a:solidFill>
-                  <a:schemeClr val="tx1"/>
-                </a:solidFill>
-                <a:latin typeface="+mn-lt"/>
-                <a:ea typeface="+mn-ea"/>
-                <a:cs typeface="+mn-cs"/>
-              </a:defRPr>
-            </a:lvl3pPr>
-            <a:lvl4pPr marL="1371600" algn="l" defTabSz="914400" rtl="0" eaLnBrk="1" latinLnBrk="0" hangingPunct="1">
-              <a:defRPr sz="1800" kern="1200">
-                <a:solidFill>
-                  <a:schemeClr val="tx1"/>
-                </a:solidFill>
-                <a:latin typeface="+mn-lt"/>
-                <a:ea typeface="+mn-ea"/>
-                <a:cs typeface="+mn-cs"/>
-              </a:defRPr>
-            </a:lvl4pPr>
-            <a:lvl5pPr marL="1828800" algn="l" defTabSz="914400" rtl="0" eaLnBrk="1" latinLnBrk="0" hangingPunct="1">
-              <a:defRPr sz="1800" kern="1200">
-                <a:solidFill>
-                  <a:schemeClr val="tx1"/>
-                </a:solidFill>
-                <a:latin typeface="+mn-lt"/>
-                <a:ea typeface="+mn-ea"/>
-                <a:cs typeface="+mn-cs"/>
-              </a:defRPr>
-            </a:lvl5pPr>
-            <a:lvl6pPr marL="2286000" algn="l" defTabSz="914400" rtl="0" eaLnBrk="1" latinLnBrk="0" hangingPunct="1">
-              <a:defRPr sz="1800" kern="1200">
-                <a:solidFill>
-                  <a:schemeClr val="tx1"/>
-                </a:solidFill>
-                <a:latin typeface="+mn-lt"/>
-                <a:ea typeface="+mn-ea"/>
-                <a:cs typeface="+mn-cs"/>
-              </a:defRPr>
-            </a:lvl6pPr>
-            <a:lvl7pPr marL="2743200" algn="l" defTabSz="914400" rtl="0" eaLnBrk="1" latinLnBrk="0" hangingPunct="1">
-              <a:defRPr sz="1800" kern="1200">
-                <a:solidFill>
-                  <a:schemeClr val="tx1"/>
-                </a:solidFill>
-                <a:latin typeface="+mn-lt"/>
-                <a:ea typeface="+mn-ea"/>
-                <a:cs typeface="+mn-cs"/>
-              </a:defRPr>
-            </a:lvl7pPr>
-            <a:lvl8pPr marL="3200400" algn="l" defTabSz="914400" rtl="0" eaLnBrk="1" latinLnBrk="0" hangingPunct="1">
-              <a:defRPr sz="1800" kern="1200">
-                <a:solidFill>
-                  <a:schemeClr val="tx1"/>
-                </a:solidFill>
-                <a:latin typeface="+mn-lt"/>
-                <a:ea typeface="+mn-ea"/>
-                <a:cs typeface="+mn-cs"/>
-              </a:defRPr>
-            </a:lvl8pPr>
-            <a:lvl9pPr marL="3657600" algn="l" defTabSz="914400" rtl="0" eaLnBrk="1" latinLnBrk="0" hangingPunct="1">
-              <a:defRPr sz="1800" kern="1200">
-                <a:solidFill>
-                  <a:schemeClr val="tx1"/>
-                </a:solidFill>
-                <a:latin typeface="+mn-lt"/>
-                <a:ea typeface="+mn-ea"/>
-                <a:cs typeface="+mn-cs"/>
-              </a:defRPr>
-            </a:lvl9pPr>
-          </a:lstStyle>
-          <a:p>
-            <a:fld id="{D4328D90-2A6F-4F23-88A8-C5DCC2B5F307}" type="slidenum">
-              <a:rPr lang="zh-TW" altLang="en-US" smtClean="0"/>
-              <a:pPr/>
-              <a:t>‹#›</a:t>
-            </a:fld>
-            <a:endParaRPr lang="zh-TW" altLang="en-US"/>
-          </a:p>
-        </p:txBody>
-      </p:sp>
-      <p:sp>
-        <p:nvSpPr>
-          <p:cNvPr id="7" name="頁尾版面配置區 4">
-            <a:extLst>
-              <a:ext uri="{FF2B5EF4-FFF2-40B4-BE49-F238E27FC236}">
-                <a16:creationId xmlns:a16="http://schemas.microsoft.com/office/drawing/2014/main" id="{98EB7A71-ECA5-4881-9036-A2C34C4BD790}"/>
-              </a:ext>
-            </a:extLst>
-          </p:cNvPr>
-          <p:cNvSpPr txBox="1">
-            <a:spLocks/>
-          </p:cNvSpPr>
-          <p:nvPr/>
-        </p:nvSpPr>
-        <p:spPr>
-          <a:xfrm>
-            <a:off x="0" y="6492875"/>
-            <a:ext cx="2743200" cy="365125"/>
-          </a:xfrm>
-          <a:prstGeom prst="rect">
-            <a:avLst/>
-          </a:prstGeom>
-        </p:spPr>
-        <p:txBody>
-          <a:bodyPr vert="horz" lIns="91440" tIns="45720" rIns="91440" bIns="45720" rtlCol="0" anchor="ctr"/>
-          <a:lstStyle>
-            <a:defPPr>
-              <a:defRPr lang="zh-TW"/>
-            </a:defPPr>
-            <a:lvl1pPr marL="0" algn="l" defTabSz="914400" rtl="0" eaLnBrk="1" latinLnBrk="0" hangingPunct="1">
-              <a:defRPr sz="1200" kern="1200">
-                <a:solidFill>
-                  <a:schemeClr val="tx1">
-                    <a:tint val="75000"/>
-                  </a:schemeClr>
-                </a:solidFill>
-                <a:latin typeface="+mn-lt"/>
-                <a:ea typeface="+mn-ea"/>
-                <a:cs typeface="+mn-cs"/>
-              </a:defRPr>
-            </a:lvl1pPr>
-            <a:lvl2pPr marL="457200" algn="l" defTabSz="914400" rtl="0" eaLnBrk="1" latinLnBrk="0" hangingPunct="1">
-              <a:defRPr sz="1800" kern="1200">
-                <a:solidFill>
-                  <a:schemeClr val="tx1"/>
-                </a:solidFill>
-                <a:latin typeface="+mn-lt"/>
-                <a:ea typeface="+mn-ea"/>
-                <a:cs typeface="+mn-cs"/>
-              </a:defRPr>
-            </a:lvl2pPr>
-            <a:lvl3pPr marL="914400" algn="l" defTabSz="914400" rtl="0" eaLnBrk="1" latinLnBrk="0" hangingPunct="1">
-              <a:defRPr sz="1800" kern="1200">
-                <a:solidFill>
-                  <a:schemeClr val="tx1"/>
-                </a:solidFill>
-                <a:latin typeface="+mn-lt"/>
-                <a:ea typeface="+mn-ea"/>
-                <a:cs typeface="+mn-cs"/>
-              </a:defRPr>
-            </a:lvl3pPr>
-            <a:lvl4pPr marL="1371600" algn="l" defTabSz="914400" rtl="0" eaLnBrk="1" latinLnBrk="0" hangingPunct="1">
-              <a:defRPr sz="1800" kern="1200">
-                <a:solidFill>
-                  <a:schemeClr val="tx1"/>
-                </a:solidFill>
-                <a:latin typeface="+mn-lt"/>
-                <a:ea typeface="+mn-ea"/>
-                <a:cs typeface="+mn-cs"/>
-              </a:defRPr>
-            </a:lvl4pPr>
-            <a:lvl5pPr marL="1828800" algn="l" defTabSz="914400" rtl="0" eaLnBrk="1" latinLnBrk="0" hangingPunct="1">
-              <a:defRPr sz="1800" kern="1200">
-                <a:solidFill>
-                  <a:schemeClr val="tx1"/>
-                </a:solidFill>
-                <a:latin typeface="+mn-lt"/>
-                <a:ea typeface="+mn-ea"/>
-                <a:cs typeface="+mn-cs"/>
-              </a:defRPr>
-            </a:lvl5pPr>
-            <a:lvl6pPr marL="2286000" algn="l" defTabSz="914400" rtl="0" eaLnBrk="1" latinLnBrk="0" hangingPunct="1">
-              <a:defRPr sz="1800" kern="1200">
-                <a:solidFill>
-                  <a:schemeClr val="tx1"/>
-                </a:solidFill>
-                <a:latin typeface="+mn-lt"/>
-                <a:ea typeface="+mn-ea"/>
-                <a:cs typeface="+mn-cs"/>
-              </a:defRPr>
-            </a:lvl6pPr>
-            <a:lvl7pPr marL="2743200" algn="l" defTabSz="914400" rtl="0" eaLnBrk="1" latinLnBrk="0" hangingPunct="1">
-              <a:defRPr sz="1800" kern="1200">
-                <a:solidFill>
-                  <a:schemeClr val="tx1"/>
-                </a:solidFill>
-                <a:latin typeface="+mn-lt"/>
-                <a:ea typeface="+mn-ea"/>
-                <a:cs typeface="+mn-cs"/>
-              </a:defRPr>
-            </a:lvl7pPr>
-            <a:lvl8pPr marL="3200400" algn="l" defTabSz="914400" rtl="0" eaLnBrk="1" latinLnBrk="0" hangingPunct="1">
-              <a:defRPr sz="1800" kern="1200">
-                <a:solidFill>
-                  <a:schemeClr val="tx1"/>
-                </a:solidFill>
-                <a:latin typeface="+mn-lt"/>
-                <a:ea typeface="+mn-ea"/>
-                <a:cs typeface="+mn-cs"/>
-              </a:defRPr>
-            </a:lvl8pPr>
-            <a:lvl9pPr marL="3657600" algn="l" defTabSz="914400" rtl="0" eaLnBrk="1" latinLnBrk="0" hangingPunct="1">
-              <a:defRPr sz="1800" kern="1200">
-                <a:solidFill>
-                  <a:schemeClr val="tx1"/>
-                </a:solidFill>
-                <a:latin typeface="+mn-lt"/>
-                <a:ea typeface="+mn-ea"/>
-                <a:cs typeface="+mn-cs"/>
-              </a:defRPr>
-            </a:lvl9pPr>
-          </a:lstStyle>
-          <a:p>
-            <a:r>
-              <a:rPr lang="en-US" altLang="zh-TW" dirty="0"/>
-              <a:t>TYIC</a:t>
-            </a:r>
-            <a:r>
-              <a:rPr lang="zh-TW" altLang="en-US"/>
-              <a:t>桃高資訊社</a:t>
-            </a:r>
-          </a:p>
-        </p:txBody>
-      </p:sp>
-      <p:sp>
-        <p:nvSpPr>
-          <p:cNvPr id="10" name="投影片編號版面配置區 5">
-            <a:extLst>
-              <a:ext uri="{FF2B5EF4-FFF2-40B4-BE49-F238E27FC236}">
-                <a16:creationId xmlns:a16="http://schemas.microsoft.com/office/drawing/2014/main" id="{99F2AF6F-1679-4208-AC9D-B2480349397D}"/>
-              </a:ext>
-            </a:extLst>
-          </p:cNvPr>
-          <p:cNvSpPr txBox="1">
-            <a:spLocks/>
-          </p:cNvSpPr>
-          <p:nvPr/>
-        </p:nvSpPr>
-        <p:spPr>
-          <a:xfrm>
-            <a:off x="9448800" y="6492874"/>
-            <a:ext cx="2743200" cy="365125"/>
-          </a:xfrm>
-          <a:prstGeom prst="rect">
-            <a:avLst/>
-          </a:prstGeom>
-        </p:spPr>
-        <p:txBody>
-          <a:bodyPr vert="horz" lIns="91440" tIns="45720" rIns="91440" bIns="45720" rtlCol="0" anchor="ctr"/>
-          <a:lstStyle>
-            <a:defPPr>
-              <a:defRPr lang="zh-TW"/>
-            </a:defPPr>
-            <a:lvl1pPr marL="0" algn="r" defTabSz="914400" rtl="0" eaLnBrk="1" latinLnBrk="0" hangingPunct="1">
-              <a:defRPr sz="1200" kern="1200">
-                <a:solidFill>
-                  <a:schemeClr val="tx1">
-                    <a:tint val="75000"/>
-                  </a:schemeClr>
-                </a:solidFill>
-                <a:latin typeface="+mn-lt"/>
-                <a:ea typeface="+mn-ea"/>
-                <a:cs typeface="+mn-cs"/>
-              </a:defRPr>
-            </a:lvl1pPr>
-            <a:lvl2pPr marL="457200" algn="l" defTabSz="914400" rtl="0" eaLnBrk="1" latinLnBrk="0" hangingPunct="1">
-              <a:defRPr sz="1800" kern="1200">
-                <a:solidFill>
-                  <a:schemeClr val="tx1"/>
-                </a:solidFill>
-                <a:latin typeface="+mn-lt"/>
-                <a:ea typeface="+mn-ea"/>
-                <a:cs typeface="+mn-cs"/>
-              </a:defRPr>
-            </a:lvl2pPr>
-            <a:lvl3pPr marL="914400" algn="l" defTabSz="914400" rtl="0" eaLnBrk="1" latinLnBrk="0" hangingPunct="1">
-              <a:defRPr sz="1800" kern="1200">
-                <a:solidFill>
-                  <a:schemeClr val="tx1"/>
-                </a:solidFill>
-                <a:latin typeface="+mn-lt"/>
-                <a:ea typeface="+mn-ea"/>
-                <a:cs typeface="+mn-cs"/>
-              </a:defRPr>
-            </a:lvl3pPr>
-            <a:lvl4pPr marL="1371600" algn="l" defTabSz="914400" rtl="0" eaLnBrk="1" latinLnBrk="0" hangingPunct="1">
-              <a:defRPr sz="1800" kern="1200">
-                <a:solidFill>
-                  <a:schemeClr val="tx1"/>
-                </a:solidFill>
-                <a:latin typeface="+mn-lt"/>
-                <a:ea typeface="+mn-ea"/>
-                <a:cs typeface="+mn-cs"/>
-              </a:defRPr>
-            </a:lvl4pPr>
-            <a:lvl5pPr marL="1828800" algn="l" defTabSz="914400" rtl="0" eaLnBrk="1" latinLnBrk="0" hangingPunct="1">
-              <a:defRPr sz="1800" kern="1200">
-                <a:solidFill>
-                  <a:schemeClr val="tx1"/>
-                </a:solidFill>
-                <a:latin typeface="+mn-lt"/>
-                <a:ea typeface="+mn-ea"/>
-                <a:cs typeface="+mn-cs"/>
-              </a:defRPr>
-            </a:lvl5pPr>
-            <a:lvl6pPr marL="2286000" algn="l" defTabSz="914400" rtl="0" eaLnBrk="1" latinLnBrk="0" hangingPunct="1">
-              <a:defRPr sz="1800" kern="1200">
-                <a:solidFill>
-                  <a:schemeClr val="tx1"/>
-                </a:solidFill>
-                <a:latin typeface="+mn-lt"/>
-                <a:ea typeface="+mn-ea"/>
-                <a:cs typeface="+mn-cs"/>
-              </a:defRPr>
-            </a:lvl6pPr>
-            <a:lvl7pPr marL="2743200" algn="l" defTabSz="914400" rtl="0" eaLnBrk="1" latinLnBrk="0" hangingPunct="1">
-              <a:defRPr sz="1800" kern="1200">
-                <a:solidFill>
-                  <a:schemeClr val="tx1"/>
-                </a:solidFill>
-                <a:latin typeface="+mn-lt"/>
-                <a:ea typeface="+mn-ea"/>
-                <a:cs typeface="+mn-cs"/>
-              </a:defRPr>
-            </a:lvl7pPr>
-            <a:lvl8pPr marL="3200400" algn="l" defTabSz="914400" rtl="0" eaLnBrk="1" latinLnBrk="0" hangingPunct="1">
-              <a:defRPr sz="1800" kern="1200">
-                <a:solidFill>
-                  <a:schemeClr val="tx1"/>
-                </a:solidFill>
-                <a:latin typeface="+mn-lt"/>
-                <a:ea typeface="+mn-ea"/>
-                <a:cs typeface="+mn-cs"/>
-              </a:defRPr>
-            </a:lvl8pPr>
-            <a:lvl9pPr marL="3657600" algn="l" defTabSz="914400" rtl="0" eaLnBrk="1" latinLnBrk="0" hangingPunct="1">
-              <a:defRPr sz="1800" kern="1200">
-                <a:solidFill>
-                  <a:schemeClr val="tx1"/>
-                </a:solidFill>
-                <a:latin typeface="+mn-lt"/>
-                <a:ea typeface="+mn-ea"/>
-                <a:cs typeface="+mn-cs"/>
-              </a:defRPr>
-            </a:lvl9pPr>
-          </a:lstStyle>
-          <a:p>
-            <a:fld id="{D4328D90-2A6F-4F23-88A8-C5DCC2B5F307}" type="slidenum">
-              <a:rPr lang="zh-TW" altLang="en-US" smtClean="0"/>
-              <a:pPr/>
-              <a:t>‹#›</a:t>
-            </a:fld>
-            <a:endParaRPr lang="zh-TW" altLang="en-US"/>
-          </a:p>
-        </p:txBody>
-      </p:sp>
-    </p:spTree>
-    <p:extLst>
-      <p:ext uri="{BB962C8B-B14F-4D97-AF65-F5344CB8AC3E}">
-        <p14:creationId xmlns:p14="http://schemas.microsoft.com/office/powerpoint/2010/main" val="2124291189"/>
+        <p14:creationId xmlns:p14="http://schemas.microsoft.com/office/powerpoint/2010/main" val="3788620830"/>
       </p:ext>
     </p:extLst>
   </p:cSld>
@@ -8003,24 +1941,16 @@
     </p:spTree>
     <p:extLst>
       <p:ext uri="{BB962C8B-B14F-4D97-AF65-F5344CB8AC3E}">
-        <p14:creationId xmlns:p14="http://schemas.microsoft.com/office/powerpoint/2010/main" val="1675541604"/>
+        <p14:creationId xmlns:p14="http://schemas.microsoft.com/office/powerpoint/2010/main" val="488962486"/>
       </p:ext>
     </p:extLst>
   </p:cSld>
   <p:clrMap bg1="dk1" tx1="lt1" bg2="dk2" tx2="lt2" accent1="accent1" accent2="accent2" accent3="accent3" accent4="accent4" accent5="accent5" accent6="accent6" hlink="hlink" folHlink="folHlink"/>
   <p:sldLayoutIdLst>
-    <p:sldLayoutId id="2147483661" r:id="rId1"/>
-    <p:sldLayoutId id="2147483662" r:id="rId2"/>
-    <p:sldLayoutId id="2147483663" r:id="rId3"/>
-    <p:sldLayoutId id="2147483664" r:id="rId4"/>
-    <p:sldLayoutId id="2147483665" r:id="rId5"/>
-    <p:sldLayoutId id="2147483666" r:id="rId6"/>
-    <p:sldLayoutId id="2147483667" r:id="rId7"/>
-    <p:sldLayoutId id="2147483668" r:id="rId8"/>
-    <p:sldLayoutId id="2147483669" r:id="rId9"/>
-    <p:sldLayoutId id="2147483670" r:id="rId10"/>
-    <p:sldLayoutId id="2147483671" r:id="rId11"/>
-    <p:sldLayoutId id="2147483672" r:id="rId12"/>
+    <p:sldLayoutId id="2147483674" r:id="rId1"/>
+    <p:sldLayoutId id="2147483675" r:id="rId2"/>
+    <p:sldLayoutId id="2147483676" r:id="rId3"/>
+    <p:sldLayoutId id="2147483677" r:id="rId4"/>
   </p:sldLayoutIdLst>
   <p:transition spd="slow">
     <p:push dir="u"/>
@@ -8380,7 +2310,7 @@
             </a:r>
             <a:r>
               <a:rPr lang="zh-TW" altLang="en-US"/>
-              <a:t>桃高資訊社</a:t>
+              <a:t> 桃高資訊社</a:t>
             </a:r>
           </a:p>
         </p:txBody>
@@ -17848,12 +11778,7 @@
             <p:ph type="title"/>
           </p:nvPr>
         </p:nvSpPr>
-        <p:spPr>
-          <a:xfrm>
-            <a:off x="838200" y="365125"/>
-            <a:ext cx="10515600" cy="1325563"/>
-          </a:xfrm>
-        </p:spPr>
+        <p:spPr/>
         <p:txBody>
           <a:bodyPr/>
           <a:lstStyle/>
@@ -28256,6 +22181,60 @@
           </a:p>
         </p:txBody>
       </p:sp>
+      <p:sp>
+        <p:nvSpPr>
+          <p:cNvPr id="21" name="內容版面配置區 20">
+            <a:extLst>
+              <a:ext uri="{FF2B5EF4-FFF2-40B4-BE49-F238E27FC236}">
+                <a16:creationId xmlns:a16="http://schemas.microsoft.com/office/drawing/2014/main" id="{D89BDF84-F595-404F-B042-E10E78AF23A7}"/>
+              </a:ext>
+            </a:extLst>
+          </p:cNvPr>
+          <p:cNvSpPr>
+            <a:spLocks noGrp="1"/>
+          </p:cNvSpPr>
+          <p:nvPr>
+            <p:ph idx="1"/>
+          </p:nvPr>
+        </p:nvSpPr>
+        <p:spPr>
+          <a:xfrm>
+            <a:off x="838200" y="1011731"/>
+            <a:ext cx="10515600" cy="1004735"/>
+          </a:xfrm>
+        </p:spPr>
+        <p:txBody>
+          <a:bodyPr>
+            <a:normAutofit/>
+          </a:bodyPr>
+          <a:lstStyle/>
+          <a:p>
+            <a:r>
+              <a:rPr lang="zh-TW" altLang="en-US"/>
+              <a:t>若在巢狀迴圈中想指定跳過某個迴圈</a:t>
+            </a:r>
+            <a:endParaRPr lang="en-US" altLang="zh-TW"/>
+          </a:p>
+          <a:p>
+            <a:r>
+              <a:rPr lang="zh-TW" altLang="en-US"/>
+              <a:t>就需要使用</a:t>
+            </a:r>
+            <a:r>
+              <a:rPr lang="zh-TW" altLang="en-US">
+                <a:solidFill>
+                  <a:srgbClr val="00B0F0"/>
+                </a:solidFill>
+              </a:rPr>
+              <a:t>標籤</a:t>
+            </a:r>
+            <a:r>
+              <a:rPr lang="zh-TW" altLang="en-US"/>
+              <a:t>標記迴圈，然後使用</a:t>
+            </a:r>
+          </a:p>
+        </p:txBody>
+      </p:sp>
       <p:grpSp>
         <p:nvGrpSpPr>
           <p:cNvPr id="10" name="群組 9">
@@ -30080,60 +24059,6 @@
           </p:txBody>
         </p:sp>
       </p:grpSp>
-      <p:sp>
-        <p:nvSpPr>
-          <p:cNvPr id="21" name="內容版面配置區 20">
-            <a:extLst>
-              <a:ext uri="{FF2B5EF4-FFF2-40B4-BE49-F238E27FC236}">
-                <a16:creationId xmlns:a16="http://schemas.microsoft.com/office/drawing/2014/main" id="{D89BDF84-F595-404F-B042-E10E78AF23A7}"/>
-              </a:ext>
-            </a:extLst>
-          </p:cNvPr>
-          <p:cNvSpPr>
-            <a:spLocks noGrp="1"/>
-          </p:cNvSpPr>
-          <p:nvPr>
-            <p:ph idx="1"/>
-          </p:nvPr>
-        </p:nvSpPr>
-        <p:spPr>
-          <a:xfrm>
-            <a:off x="838200" y="1011731"/>
-            <a:ext cx="10515600" cy="1004735"/>
-          </a:xfrm>
-        </p:spPr>
-        <p:txBody>
-          <a:bodyPr>
-            <a:normAutofit/>
-          </a:bodyPr>
-          <a:lstStyle/>
-          <a:p>
-            <a:r>
-              <a:rPr lang="zh-TW" altLang="en-US"/>
-              <a:t>若在巢狀迴圈中想指定跳過某個迴圈</a:t>
-            </a:r>
-            <a:endParaRPr lang="en-US" altLang="zh-TW"/>
-          </a:p>
-          <a:p>
-            <a:r>
-              <a:rPr lang="zh-TW" altLang="en-US"/>
-              <a:t>就需要使用</a:t>
-            </a:r>
-            <a:r>
-              <a:rPr lang="zh-TW" altLang="en-US">
-                <a:solidFill>
-                  <a:srgbClr val="00B0F0"/>
-                </a:solidFill>
-              </a:rPr>
-              <a:t>標籤</a:t>
-            </a:r>
-            <a:r>
-              <a:rPr lang="zh-TW" altLang="en-US"/>
-              <a:t>標記迴圈，然後使用</a:t>
-            </a:r>
-          </a:p>
-        </p:txBody>
-      </p:sp>
     </p:spTree>
     <p:extLst>
       <p:ext uri="{BB962C8B-B14F-4D97-AF65-F5344CB8AC3E}">
@@ -32747,12 +26672,7 @@
             <p:ph type="title"/>
           </p:nvPr>
         </p:nvSpPr>
-        <p:spPr>
-          <a:xfrm>
-            <a:off x="838200" y="365125"/>
-            <a:ext cx="10515600" cy="1325563"/>
-          </a:xfrm>
-        </p:spPr>
+        <p:spPr/>
         <p:txBody>
           <a:bodyPr/>
           <a:lstStyle/>
@@ -32781,12 +26701,7 @@
             <p:ph idx="1"/>
           </p:nvPr>
         </p:nvSpPr>
-        <p:spPr>
-          <a:xfrm>
-            <a:off x="838200" y="1825625"/>
-            <a:ext cx="10515600" cy="4351338"/>
-          </a:xfrm>
-        </p:spPr>
+        <p:spPr/>
         <p:txBody>
           <a:bodyPr/>
           <a:lstStyle/>
@@ -34790,6 +28705,58 @@
           </a:p>
         </p:txBody>
       </p:sp>
+      <p:sp>
+        <p:nvSpPr>
+          <p:cNvPr id="21" name="內容版面配置區 20">
+            <a:extLst>
+              <a:ext uri="{FF2B5EF4-FFF2-40B4-BE49-F238E27FC236}">
+                <a16:creationId xmlns:a16="http://schemas.microsoft.com/office/drawing/2014/main" id="{A74A4186-D4D3-48A8-A0C1-BAF0418C2BED}"/>
+              </a:ext>
+            </a:extLst>
+          </p:cNvPr>
+          <p:cNvSpPr>
+            <a:spLocks noGrp="1"/>
+          </p:cNvSpPr>
+          <p:nvPr>
+            <p:ph idx="1"/>
+          </p:nvPr>
+        </p:nvSpPr>
+        <p:spPr>
+          <a:xfrm>
+            <a:off x="838200" y="1091666"/>
+            <a:ext cx="10515600" cy="1029239"/>
+          </a:xfrm>
+        </p:spPr>
+        <p:txBody>
+          <a:bodyPr/>
+          <a:lstStyle/>
+          <a:p>
+            <a:r>
+              <a:rPr lang="zh-TW" altLang="en-US"/>
+              <a:t>若在巢狀迴圈中想指定跳過某個迴圈</a:t>
+            </a:r>
+            <a:endParaRPr lang="en-US" altLang="zh-TW"/>
+          </a:p>
+          <a:p>
+            <a:r>
+              <a:rPr lang="zh-TW" altLang="en-US"/>
+              <a:t>就需要使用</a:t>
+            </a:r>
+            <a:r>
+              <a:rPr lang="zh-TW" altLang="en-US">
+                <a:solidFill>
+                  <a:srgbClr val="00B0F0"/>
+                </a:solidFill>
+              </a:rPr>
+              <a:t>標籤</a:t>
+            </a:r>
+            <a:r>
+              <a:rPr lang="zh-TW" altLang="en-US"/>
+              <a:t>標記迴圈，然後使用</a:t>
+            </a:r>
+          </a:p>
+        </p:txBody>
+      </p:sp>
       <p:grpSp>
         <p:nvGrpSpPr>
           <p:cNvPr id="10" name="群組 9">
@@ -35416,58 +29383,6 @@
           </p:txBody>
         </p:sp>
       </p:grpSp>
-      <p:sp>
-        <p:nvSpPr>
-          <p:cNvPr id="21" name="內容版面配置區 20">
-            <a:extLst>
-              <a:ext uri="{FF2B5EF4-FFF2-40B4-BE49-F238E27FC236}">
-                <a16:creationId xmlns:a16="http://schemas.microsoft.com/office/drawing/2014/main" id="{A74A4186-D4D3-48A8-A0C1-BAF0418C2BED}"/>
-              </a:ext>
-            </a:extLst>
-          </p:cNvPr>
-          <p:cNvSpPr>
-            <a:spLocks noGrp="1"/>
-          </p:cNvSpPr>
-          <p:nvPr>
-            <p:ph idx="1"/>
-          </p:nvPr>
-        </p:nvSpPr>
-        <p:spPr>
-          <a:xfrm>
-            <a:off x="838200" y="1091666"/>
-            <a:ext cx="10515600" cy="1029239"/>
-          </a:xfrm>
-        </p:spPr>
-        <p:txBody>
-          <a:bodyPr/>
-          <a:lstStyle/>
-          <a:p>
-            <a:r>
-              <a:rPr lang="zh-TW" altLang="en-US"/>
-              <a:t>若在巢狀迴圈中想指定跳過某個迴圈</a:t>
-            </a:r>
-            <a:endParaRPr lang="en-US" altLang="zh-TW"/>
-          </a:p>
-          <a:p>
-            <a:r>
-              <a:rPr lang="zh-TW" altLang="en-US"/>
-              <a:t>就需要使用</a:t>
-            </a:r>
-            <a:r>
-              <a:rPr lang="zh-TW" altLang="en-US">
-                <a:solidFill>
-                  <a:srgbClr val="00B0F0"/>
-                </a:solidFill>
-              </a:rPr>
-              <a:t>標籤</a:t>
-            </a:r>
-            <a:r>
-              <a:rPr lang="zh-TW" altLang="en-US"/>
-              <a:t>標記迴圈，然後使用</a:t>
-            </a:r>
-          </a:p>
-        </p:txBody>
-      </p:sp>
     </p:spTree>
     <p:extLst>
       <p:ext uri="{BB962C8B-B14F-4D97-AF65-F5344CB8AC3E}">
@@ -49612,7 +43527,7 @@
   <a:extraClrSchemeLst/>
   <a:extLst>
     <a:ext uri="{05A4C25C-085E-4340-85A3-A5531E510DB2}">
-      <thm15:themeFamily xmlns:thm15="http://schemas.microsoft.com/office/thememl/2012/main" name="TYIC" id="{E2D9765B-27E6-4F7D-BDAB-2CD480706C35}" vid="{D1D4527B-6C29-4E80-850E-305C16F473BE}"/>
+      <thm15:themeFamily xmlns:thm15="http://schemas.microsoft.com/office/thememl/2012/main" name="TYIC" id="{1CBE48E2-41FD-4EDA-8801-606A138B7FC3}" vid="{F6EAACDE-0833-4468-B256-0551E0034979}"/>
     </a:ext>
   </a:extLst>
 </a:theme>
